--- a/Projet P2.pptx
+++ b/Projet P2.pptx
@@ -5,7 +5,7 @@
     <p:sldMasterId id="2147483648" r:id="rId1"/>
   </p:sldMasterIdLst>
   <p:notesMasterIdLst>
-    <p:notesMasterId r:id="rId11"/>
+    <p:notesMasterId r:id="rId13"/>
   </p:notesMasterIdLst>
   <p:sldIdLst>
     <p:sldId id="257" r:id="rId2"/>
@@ -16,7 +16,9 @@
     <p:sldId id="265" r:id="rId7"/>
     <p:sldId id="266" r:id="rId8"/>
     <p:sldId id="267" r:id="rId9"/>
-    <p:sldId id="263" r:id="rId10"/>
+    <p:sldId id="268" r:id="rId10"/>
+    <p:sldId id="269" r:id="rId11"/>
+    <p:sldId id="263" r:id="rId12"/>
   </p:sldIdLst>
   <p:sldSz cx="9144000" cy="6858000" type="screen4x3"/>
   <p:notesSz cx="6858000" cy="9144000"/>
@@ -201,7 +203,7 @@
             <a:fld id="{43CC779B-4C0F-4D10-8A27-E240E5A38C15}" type="datetimeFigureOut">
               <a:rPr lang="fr-FR" smtClean="0"/>
               <a:pPr/>
-              <a:t>17/12/2019</a:t>
+              <a:t>28/12/2019</a:t>
             </a:fld>
             <a:endParaRPr lang="fr-FR"/>
           </a:p>
@@ -654,7 +656,7 @@
             <a:fld id="{4CE1943E-405F-463F-AC76-37D0AEAFEBA7}" type="datetimeFigureOut">
               <a:rPr lang="fr-FR" smtClean="0"/>
               <a:pPr/>
-              <a:t>17/12/2019</a:t>
+              <a:t>28/12/2019</a:t>
             </a:fld>
             <a:endParaRPr lang="fr-FR"/>
           </a:p>
@@ -821,7 +823,7 @@
             <a:fld id="{4CE1943E-405F-463F-AC76-37D0AEAFEBA7}" type="datetimeFigureOut">
               <a:rPr lang="fr-FR" smtClean="0"/>
               <a:pPr/>
-              <a:t>17/12/2019</a:t>
+              <a:t>28/12/2019</a:t>
             </a:fld>
             <a:endParaRPr lang="fr-FR"/>
           </a:p>
@@ -998,7 +1000,7 @@
             <a:fld id="{4CE1943E-405F-463F-AC76-37D0AEAFEBA7}" type="datetimeFigureOut">
               <a:rPr lang="fr-FR" smtClean="0"/>
               <a:pPr/>
-              <a:t>17/12/2019</a:t>
+              <a:t>28/12/2019</a:t>
             </a:fld>
             <a:endParaRPr lang="fr-FR"/>
           </a:p>
@@ -1165,7 +1167,7 @@
             <a:fld id="{4CE1943E-405F-463F-AC76-37D0AEAFEBA7}" type="datetimeFigureOut">
               <a:rPr lang="fr-FR" smtClean="0"/>
               <a:pPr/>
-              <a:t>17/12/2019</a:t>
+              <a:t>28/12/2019</a:t>
             </a:fld>
             <a:endParaRPr lang="fr-FR"/>
           </a:p>
@@ -1408,7 +1410,7 @@
             <a:fld id="{4CE1943E-405F-463F-AC76-37D0AEAFEBA7}" type="datetimeFigureOut">
               <a:rPr lang="fr-FR" smtClean="0"/>
               <a:pPr/>
-              <a:t>17/12/2019</a:t>
+              <a:t>28/12/2019</a:t>
             </a:fld>
             <a:endParaRPr lang="fr-FR"/>
           </a:p>
@@ -1693,7 +1695,7 @@
             <a:fld id="{4CE1943E-405F-463F-AC76-37D0AEAFEBA7}" type="datetimeFigureOut">
               <a:rPr lang="fr-FR" smtClean="0"/>
               <a:pPr/>
-              <a:t>17/12/2019</a:t>
+              <a:t>28/12/2019</a:t>
             </a:fld>
             <a:endParaRPr lang="fr-FR"/>
           </a:p>
@@ -2112,7 +2114,7 @@
             <a:fld id="{4CE1943E-405F-463F-AC76-37D0AEAFEBA7}" type="datetimeFigureOut">
               <a:rPr lang="fr-FR" smtClean="0"/>
               <a:pPr/>
-              <a:t>17/12/2019</a:t>
+              <a:t>28/12/2019</a:t>
             </a:fld>
             <a:endParaRPr lang="fr-FR"/>
           </a:p>
@@ -2227,7 +2229,7 @@
             <a:fld id="{4CE1943E-405F-463F-AC76-37D0AEAFEBA7}" type="datetimeFigureOut">
               <a:rPr lang="fr-FR" smtClean="0"/>
               <a:pPr/>
-              <a:t>17/12/2019</a:t>
+              <a:t>28/12/2019</a:t>
             </a:fld>
             <a:endParaRPr lang="fr-FR"/>
           </a:p>
@@ -2319,7 +2321,7 @@
             <a:fld id="{4CE1943E-405F-463F-AC76-37D0AEAFEBA7}" type="datetimeFigureOut">
               <a:rPr lang="fr-FR" smtClean="0"/>
               <a:pPr/>
-              <a:t>17/12/2019</a:t>
+              <a:t>28/12/2019</a:t>
             </a:fld>
             <a:endParaRPr lang="fr-FR"/>
           </a:p>
@@ -2593,7 +2595,7 @@
             <a:fld id="{4CE1943E-405F-463F-AC76-37D0AEAFEBA7}" type="datetimeFigureOut">
               <a:rPr lang="fr-FR" smtClean="0"/>
               <a:pPr/>
-              <a:t>17/12/2019</a:t>
+              <a:t>28/12/2019</a:t>
             </a:fld>
             <a:endParaRPr lang="fr-FR"/>
           </a:p>
@@ -2843,7 +2845,7 @@
             <a:fld id="{4CE1943E-405F-463F-AC76-37D0AEAFEBA7}" type="datetimeFigureOut">
               <a:rPr lang="fr-FR" smtClean="0"/>
               <a:pPr/>
-              <a:t>17/12/2019</a:t>
+              <a:t>28/12/2019</a:t>
             </a:fld>
             <a:endParaRPr lang="fr-FR"/>
           </a:p>
@@ -3053,7 +3055,7 @@
             <a:fld id="{4CE1943E-405F-463F-AC76-37D0AEAFEBA7}" type="datetimeFigureOut">
               <a:rPr lang="fr-FR" smtClean="0"/>
               <a:pPr/>
-              <a:t>17/12/2019</a:t>
+              <a:t>28/12/2019</a:t>
             </a:fld>
             <a:endParaRPr lang="fr-FR"/>
           </a:p>
@@ -3663,6 +3665,807 @@
 </p:sld>
 </file>
 
+<file path=ppt/slides/slide10.xml><?xml version="1.0" encoding="utf-8"?>
+<p:sld xmlns:a="http://schemas.openxmlformats.org/drawingml/2006/main" xmlns:r="http://schemas.openxmlformats.org/officeDocument/2006/relationships" xmlns:p="http://schemas.openxmlformats.org/presentationml/2006/main">
+  <p:cSld>
+    <p:spTree>
+      <p:nvGrpSpPr>
+        <p:cNvPr id="1" name=""/>
+        <p:cNvGrpSpPr/>
+        <p:nvPr/>
+      </p:nvGrpSpPr>
+      <p:grpSpPr>
+        <a:xfrm>
+          <a:off x="0" y="0"/>
+          <a:ext cx="0" cy="0"/>
+          <a:chOff x="0" y="0"/>
+          <a:chExt cx="0" cy="0"/>
+        </a:xfrm>
+      </p:grpSpPr>
+      <p:sp>
+        <p:nvSpPr>
+          <p:cNvPr id="4" name="Rogner un rectangle avec un coin diagonal 3"/>
+          <p:cNvSpPr/>
+          <p:nvPr/>
+        </p:nvSpPr>
+        <p:spPr>
+          <a:xfrm>
+            <a:off x="166271" y="476672"/>
+            <a:ext cx="4572000" cy="288032"/>
+          </a:xfrm>
+          <a:prstGeom prst="snip2DiagRect">
+            <a:avLst/>
+          </a:prstGeom>
+          <a:solidFill>
+            <a:schemeClr val="accent6">
+              <a:lumMod val="75000"/>
+            </a:schemeClr>
+          </a:solidFill>
+          <a:ln>
+            <a:noFill/>
+          </a:ln>
+        </p:spPr>
+        <p:style>
+          <a:lnRef idx="2">
+            <a:schemeClr val="accent1">
+              <a:shade val="50000"/>
+            </a:schemeClr>
+          </a:lnRef>
+          <a:fillRef idx="1">
+            <a:schemeClr val="accent1"/>
+          </a:fillRef>
+          <a:effectRef idx="0">
+            <a:schemeClr val="accent1"/>
+          </a:effectRef>
+          <a:fontRef idx="minor">
+            <a:schemeClr val="lt1"/>
+          </a:fontRef>
+        </p:style>
+        <p:txBody>
+          <a:bodyPr rtlCol="0" anchor="ctr"/>
+          <a:lstStyle/>
+          <a:p>
+            <a:pPr algn="ctr"/>
+            <a:r>
+              <a:rPr lang="fr-FR" sz="1400" b="1" dirty="0" smtClean="0">
+                <a:latin typeface="Tahoma" pitchFamily="34" charset="0"/>
+                <a:ea typeface="Tahoma" pitchFamily="34" charset="0"/>
+                <a:cs typeface="Tahoma" pitchFamily="34" charset="0"/>
+              </a:rPr>
+              <a:t>Présentation de </a:t>
+            </a:r>
+            <a:r>
+              <a:rPr lang="fr-FR" sz="1400" b="1" dirty="0" smtClean="0">
+                <a:latin typeface="Tahoma" pitchFamily="34" charset="0"/>
+                <a:ea typeface="Tahoma" pitchFamily="34" charset="0"/>
+                <a:cs typeface="Tahoma" pitchFamily="34" charset="0"/>
+              </a:rPr>
+              <a:t>La </a:t>
+            </a:r>
+            <a:r>
+              <a:rPr lang="fr-FR" sz="1400" b="1" dirty="0" smtClean="0">
+                <a:latin typeface="Tahoma" pitchFamily="34" charset="0"/>
+                <a:ea typeface="Tahoma" pitchFamily="34" charset="0"/>
+                <a:cs typeface="Tahoma" pitchFamily="34" charset="0"/>
+              </a:rPr>
+              <a:t>solution  </a:t>
+            </a:r>
+            <a:endParaRPr lang="fr-FR" sz="1400" b="1" dirty="0">
+              <a:latin typeface="Tahoma" pitchFamily="34" charset="0"/>
+              <a:ea typeface="Tahoma" pitchFamily="34" charset="0"/>
+              <a:cs typeface="Tahoma" pitchFamily="34" charset="0"/>
+            </a:endParaRPr>
+          </a:p>
+        </p:txBody>
+      </p:sp>
+      <p:sp>
+        <p:nvSpPr>
+          <p:cNvPr id="5" name="Rectangle 4"/>
+          <p:cNvSpPr/>
+          <p:nvPr/>
+        </p:nvSpPr>
+        <p:spPr>
+          <a:xfrm>
+            <a:off x="0" y="0"/>
+            <a:ext cx="9144000" cy="404664"/>
+          </a:xfrm>
+          <a:prstGeom prst="rect">
+            <a:avLst/>
+          </a:prstGeom>
+          <a:solidFill>
+            <a:schemeClr val="accent3">
+              <a:lumMod val="75000"/>
+            </a:schemeClr>
+          </a:solidFill>
+          <a:ln>
+            <a:noFill/>
+          </a:ln>
+        </p:spPr>
+        <p:style>
+          <a:lnRef idx="2">
+            <a:schemeClr val="accent1">
+              <a:shade val="50000"/>
+            </a:schemeClr>
+          </a:lnRef>
+          <a:fillRef idx="1">
+            <a:schemeClr val="accent1"/>
+          </a:fillRef>
+          <a:effectRef idx="0">
+            <a:schemeClr val="accent1"/>
+          </a:effectRef>
+          <a:fontRef idx="minor">
+            <a:schemeClr val="lt1"/>
+          </a:fontRef>
+        </p:style>
+        <p:txBody>
+          <a:bodyPr rtlCol="0" anchor="ctr"/>
+          <a:lstStyle/>
+          <a:p>
+            <a:pPr algn="ctr"/>
+            <a:r>
+              <a:rPr lang="fr-FR" sz="1200" b="1" dirty="0" smtClean="0">
+                <a:latin typeface="Tahoma" pitchFamily="34" charset="0"/>
+                <a:ea typeface="Tahoma" pitchFamily="34" charset="0"/>
+                <a:cs typeface="Tahoma" pitchFamily="34" charset="0"/>
+              </a:rPr>
+              <a:t>HEME BIOTECH</a:t>
+            </a:r>
+            <a:endParaRPr lang="fr-FR" sz="1100" b="1" dirty="0">
+              <a:latin typeface="Tahoma" pitchFamily="34" charset="0"/>
+              <a:ea typeface="Tahoma" pitchFamily="34" charset="0"/>
+              <a:cs typeface="Tahoma" pitchFamily="34" charset="0"/>
+            </a:endParaRPr>
+          </a:p>
+        </p:txBody>
+      </p:sp>
+      <p:sp>
+        <p:nvSpPr>
+          <p:cNvPr id="6" name="ZoneTexte 5"/>
+          <p:cNvSpPr txBox="1"/>
+          <p:nvPr/>
+        </p:nvSpPr>
+        <p:spPr>
+          <a:xfrm>
+            <a:off x="179512" y="764704"/>
+            <a:ext cx="8640960" cy="3816429"/>
+          </a:xfrm>
+          <a:prstGeom prst="rect">
+            <a:avLst/>
+          </a:prstGeom>
+          <a:noFill/>
+        </p:spPr>
+        <p:txBody>
+          <a:bodyPr wrap="square" rtlCol="0">
+            <a:spAutoFit/>
+          </a:bodyPr>
+          <a:lstStyle/>
+          <a:p>
+            <a:pPr marL="742950" lvl="1" indent="-285750" algn="just">
+              <a:lnSpc>
+                <a:spcPct val="150000"/>
+              </a:lnSpc>
+              <a:buFont typeface="Wingdings" pitchFamily="2" charset="2"/>
+              <a:buChar char="v"/>
+            </a:pPr>
+            <a:r>
+              <a:rPr lang="fr-FR" sz="1600" dirty="0" smtClean="0">
+                <a:latin typeface="Tahoma" pitchFamily="34" charset="0"/>
+                <a:ea typeface="Tahoma" pitchFamily="34" charset="0"/>
+                <a:cs typeface="Tahoma" pitchFamily="34" charset="0"/>
+              </a:rPr>
+              <a:t>La classe </a:t>
+            </a:r>
+            <a:r>
+              <a:rPr lang="fr-FR" sz="1600" b="1" dirty="0" err="1" smtClean="0">
+                <a:latin typeface="Tahoma" pitchFamily="34" charset="0"/>
+                <a:ea typeface="Tahoma" pitchFamily="34" charset="0"/>
+                <a:cs typeface="Tahoma" pitchFamily="34" charset="0"/>
+              </a:rPr>
+              <a:t>AnalyticsMain</a:t>
+            </a:r>
+            <a:r>
+              <a:rPr lang="fr-FR" sz="1600" b="1" dirty="0" smtClean="0">
+                <a:latin typeface="Tahoma" pitchFamily="34" charset="0"/>
+                <a:ea typeface="Tahoma" pitchFamily="34" charset="0"/>
+                <a:cs typeface="Tahoma" pitchFamily="34" charset="0"/>
+              </a:rPr>
+              <a:t> </a:t>
+            </a:r>
+            <a:r>
+              <a:rPr lang="fr-FR" sz="1600" dirty="0" smtClean="0">
+                <a:latin typeface="Tahoma" pitchFamily="34" charset="0"/>
+                <a:ea typeface="Tahoma" pitchFamily="34" charset="0"/>
+                <a:cs typeface="Tahoma" pitchFamily="34" charset="0"/>
+              </a:rPr>
+              <a:t>contient une fonction principale d’exécution du programme.</a:t>
+            </a:r>
+          </a:p>
+          <a:p>
+            <a:pPr lvl="1" algn="just">
+              <a:lnSpc>
+                <a:spcPct val="150000"/>
+              </a:lnSpc>
+            </a:pPr>
+            <a:r>
+              <a:rPr lang="fr-FR" sz="1600" dirty="0" smtClean="0">
+                <a:latin typeface="Tahoma" pitchFamily="34" charset="0"/>
+                <a:ea typeface="Tahoma" pitchFamily="34" charset="0"/>
+                <a:cs typeface="Tahoma" pitchFamily="34" charset="0"/>
+              </a:rPr>
+              <a:t>    Les </a:t>
+            </a:r>
+            <a:r>
+              <a:rPr lang="fr-FR" sz="1600" dirty="0" err="1" smtClean="0">
+                <a:latin typeface="Tahoma" pitchFamily="34" charset="0"/>
+                <a:ea typeface="Tahoma" pitchFamily="34" charset="0"/>
+                <a:cs typeface="Tahoma" pitchFamily="34" charset="0"/>
+              </a:rPr>
+              <a:t>differentes</a:t>
+            </a:r>
+            <a:r>
+              <a:rPr lang="fr-FR" sz="1600" smtClean="0">
+                <a:latin typeface="Tahoma" pitchFamily="34" charset="0"/>
+                <a:ea typeface="Tahoma" pitchFamily="34" charset="0"/>
+                <a:cs typeface="Tahoma" pitchFamily="34" charset="0"/>
+              </a:rPr>
+              <a:t> méthodes </a:t>
+            </a:r>
+            <a:r>
+              <a:rPr lang="fr-FR" sz="1600" dirty="0" smtClean="0">
+                <a:latin typeface="Tahoma" pitchFamily="34" charset="0"/>
+                <a:ea typeface="Tahoma" pitchFamily="34" charset="0"/>
+                <a:cs typeface="Tahoma" pitchFamily="34" charset="0"/>
+              </a:rPr>
+              <a:t>sont appelées </a:t>
+            </a:r>
+            <a:r>
+              <a:rPr lang="fr-FR" sz="1600" smtClean="0">
+                <a:latin typeface="Tahoma" pitchFamily="34" charset="0"/>
+                <a:ea typeface="Tahoma" pitchFamily="34" charset="0"/>
+                <a:cs typeface="Tahoma" pitchFamily="34" charset="0"/>
+              </a:rPr>
+              <a:t>dans celle-ci,</a:t>
+            </a:r>
+            <a:endParaRPr lang="fr-FR" sz="1600" dirty="0" smtClean="0">
+              <a:latin typeface="Tahoma" pitchFamily="34" charset="0"/>
+              <a:ea typeface="Tahoma" pitchFamily="34" charset="0"/>
+              <a:cs typeface="Tahoma" pitchFamily="34" charset="0"/>
+            </a:endParaRPr>
+          </a:p>
+          <a:p>
+            <a:pPr marL="742950" lvl="1" indent="-285750" algn="just">
+              <a:lnSpc>
+                <a:spcPct val="150000"/>
+              </a:lnSpc>
+              <a:buFont typeface="Wingdings" pitchFamily="2" charset="2"/>
+              <a:buChar char="v"/>
+            </a:pPr>
+            <a:endParaRPr lang="fr-FR" sz="1600" dirty="0">
+              <a:latin typeface="Tahoma" pitchFamily="34" charset="0"/>
+              <a:ea typeface="Tahoma" pitchFamily="34" charset="0"/>
+              <a:cs typeface="Tahoma" pitchFamily="34" charset="0"/>
+            </a:endParaRPr>
+          </a:p>
+          <a:p>
+            <a:pPr lvl="1"/>
+            <a:r>
+              <a:rPr lang="fr-FR" sz="1600" dirty="0" smtClean="0">
+                <a:latin typeface="Tahoma" pitchFamily="34" charset="0"/>
+                <a:ea typeface="Tahoma" pitchFamily="34" charset="0"/>
+                <a:cs typeface="Tahoma" pitchFamily="34" charset="0"/>
+              </a:rPr>
+              <a:t> </a:t>
+            </a:r>
+            <a:r>
+              <a:rPr lang="en-US" sz="1200" b="1" dirty="0"/>
+              <a:t>public static void main(String </a:t>
+            </a:r>
+            <a:r>
+              <a:rPr lang="en-US" sz="1200" b="1" dirty="0" err="1"/>
+              <a:t>args</a:t>
+            </a:r>
+            <a:r>
+              <a:rPr lang="en-US" sz="1200" b="1" u="sng" dirty="0"/>
+              <a:t>[]) {</a:t>
+            </a:r>
+          </a:p>
+          <a:p>
+            <a:pPr lvl="1"/>
+            <a:endParaRPr lang="fr-FR" sz="1200" dirty="0"/>
+          </a:p>
+          <a:p>
+            <a:pPr lvl="2"/>
+            <a:r>
+              <a:rPr lang="fr-FR" sz="1200" dirty="0" err="1"/>
+              <a:t>ISymptomReader</a:t>
+            </a:r>
+            <a:r>
+              <a:rPr lang="fr-FR" sz="1200" dirty="0"/>
+              <a:t> </a:t>
+            </a:r>
+            <a:r>
+              <a:rPr lang="fr-FR" sz="1200" dirty="0" err="1"/>
+              <a:t>rsdff</a:t>
+            </a:r>
+            <a:r>
+              <a:rPr lang="fr-FR" sz="1200" dirty="0"/>
+              <a:t> = </a:t>
+            </a:r>
+            <a:r>
+              <a:rPr lang="fr-FR" sz="1200" b="1" dirty="0"/>
+              <a:t>new </a:t>
+            </a:r>
+            <a:r>
+              <a:rPr lang="fr-FR" sz="1200" b="1" dirty="0" err="1"/>
+              <a:t>ReadSymptomDataFromFile</a:t>
+            </a:r>
+            <a:r>
+              <a:rPr lang="fr-FR" sz="1200" b="1" dirty="0"/>
+              <a:t>();</a:t>
+            </a:r>
+          </a:p>
+          <a:p>
+            <a:pPr lvl="2"/>
+            <a:r>
+              <a:rPr lang="fr-FR" sz="1200" dirty="0"/>
+              <a:t>List&lt;String&gt; </a:t>
+            </a:r>
+            <a:r>
+              <a:rPr lang="fr-FR" sz="1200" dirty="0" err="1"/>
+              <a:t>symptoms</a:t>
+            </a:r>
+            <a:r>
+              <a:rPr lang="fr-FR" sz="1200" dirty="0"/>
+              <a:t> = </a:t>
+            </a:r>
+            <a:r>
+              <a:rPr lang="fr-FR" sz="1200" dirty="0" err="1"/>
+              <a:t>rsdff.getSymptoms</a:t>
+            </a:r>
+            <a:r>
+              <a:rPr lang="fr-FR" sz="1200" dirty="0"/>
+              <a:t>("./Project02Eclipse/symptoms.txt");</a:t>
+            </a:r>
+          </a:p>
+          <a:p>
+            <a:pPr lvl="2"/>
+            <a:endParaRPr lang="fr-FR" sz="1200" dirty="0"/>
+          </a:p>
+          <a:p>
+            <a:pPr lvl="2"/>
+            <a:r>
+              <a:rPr lang="fr-FR" sz="1200" dirty="0" err="1"/>
+              <a:t>AnalyticsCounter</a:t>
+            </a:r>
+            <a:r>
+              <a:rPr lang="fr-FR" sz="1200" dirty="0"/>
+              <a:t> </a:t>
+            </a:r>
+            <a:r>
+              <a:rPr lang="fr-FR" sz="1200" dirty="0" err="1"/>
+              <a:t>analyticsCounter</a:t>
+            </a:r>
+            <a:r>
+              <a:rPr lang="fr-FR" sz="1200" dirty="0"/>
+              <a:t> = </a:t>
+            </a:r>
+            <a:r>
+              <a:rPr lang="fr-FR" sz="1200" b="1" dirty="0"/>
+              <a:t>new </a:t>
+            </a:r>
+            <a:r>
+              <a:rPr lang="fr-FR" sz="1200" b="1" dirty="0" err="1"/>
+              <a:t>AnalyticsCounter</a:t>
+            </a:r>
+            <a:r>
+              <a:rPr lang="fr-FR" sz="1200" b="1" dirty="0"/>
+              <a:t>();</a:t>
+            </a:r>
+          </a:p>
+          <a:p>
+            <a:pPr lvl="2"/>
+            <a:r>
+              <a:rPr lang="fr-FR" sz="1200" dirty="0" err="1"/>
+              <a:t>Map</a:t>
+            </a:r>
+            <a:r>
+              <a:rPr lang="fr-FR" sz="1200" dirty="0"/>
+              <a:t>&lt;String, </a:t>
+            </a:r>
+            <a:r>
+              <a:rPr lang="fr-FR" sz="1200" dirty="0" err="1"/>
+              <a:t>Integer</a:t>
+            </a:r>
+            <a:r>
+              <a:rPr lang="fr-FR" sz="1200" dirty="0"/>
+              <a:t>&gt; </a:t>
+            </a:r>
+            <a:r>
+              <a:rPr lang="fr-FR" sz="1200" dirty="0" err="1"/>
+              <a:t>groupedSymptoms</a:t>
+            </a:r>
+            <a:r>
+              <a:rPr lang="fr-FR" sz="1200" dirty="0"/>
+              <a:t> = </a:t>
+            </a:r>
+            <a:r>
+              <a:rPr lang="fr-FR" sz="1200" dirty="0" err="1"/>
+              <a:t>analyticsCounter.groupSymptoms</a:t>
+            </a:r>
+            <a:r>
+              <a:rPr lang="fr-FR" sz="1200" dirty="0"/>
+              <a:t>(</a:t>
+            </a:r>
+            <a:r>
+              <a:rPr lang="fr-FR" sz="1200" dirty="0" err="1"/>
+              <a:t>symptoms</a:t>
+            </a:r>
+            <a:r>
+              <a:rPr lang="fr-FR" sz="1200" dirty="0"/>
+              <a:t>);</a:t>
+            </a:r>
+          </a:p>
+          <a:p>
+            <a:pPr lvl="2"/>
+            <a:endParaRPr lang="fr-FR" sz="1200" dirty="0"/>
+          </a:p>
+          <a:p>
+            <a:pPr lvl="2"/>
+            <a:r>
+              <a:rPr lang="fr-FR" sz="1200" dirty="0" err="1"/>
+              <a:t>groupedSymptoms</a:t>
+            </a:r>
+            <a:r>
+              <a:rPr lang="fr-FR" sz="1200" dirty="0"/>
+              <a:t> = </a:t>
+            </a:r>
+            <a:r>
+              <a:rPr lang="fr-FR" sz="1200" dirty="0" err="1"/>
+              <a:t>analyticsCounter.sortSymptoms</a:t>
+            </a:r>
+            <a:r>
+              <a:rPr lang="fr-FR" sz="1200" dirty="0"/>
+              <a:t>(</a:t>
+            </a:r>
+            <a:r>
+              <a:rPr lang="fr-FR" sz="1200" dirty="0" err="1"/>
+              <a:t>groupedSymptoms</a:t>
+            </a:r>
+            <a:r>
+              <a:rPr lang="fr-FR" sz="1200" dirty="0"/>
+              <a:t>);</a:t>
+            </a:r>
+          </a:p>
+          <a:p>
+            <a:pPr lvl="2"/>
+            <a:endParaRPr lang="fr-FR" sz="1200" dirty="0"/>
+          </a:p>
+          <a:p>
+            <a:pPr lvl="2"/>
+            <a:r>
+              <a:rPr lang="fr-FR" sz="1200" dirty="0" err="1"/>
+              <a:t>rsdff.writeFile</a:t>
+            </a:r>
+            <a:r>
+              <a:rPr lang="fr-FR" sz="1200" dirty="0"/>
+              <a:t>("./Project02Eclipse/</a:t>
+            </a:r>
+            <a:r>
+              <a:rPr lang="fr-FR" sz="1200" dirty="0" err="1"/>
+              <a:t>result.out</a:t>
+            </a:r>
+            <a:r>
+              <a:rPr lang="fr-FR" sz="1200" dirty="0"/>
+              <a:t>", </a:t>
+            </a:r>
+            <a:r>
+              <a:rPr lang="fr-FR" sz="1200" dirty="0" err="1"/>
+              <a:t>groupedSymptoms</a:t>
+            </a:r>
+            <a:r>
+              <a:rPr lang="fr-FR" sz="1200" dirty="0"/>
+              <a:t>);</a:t>
+            </a:r>
+          </a:p>
+          <a:p>
+            <a:pPr lvl="1"/>
+            <a:endParaRPr lang="fr-FR" sz="1200" dirty="0"/>
+          </a:p>
+          <a:p>
+            <a:pPr lvl="1"/>
+            <a:r>
+              <a:rPr lang="fr-FR" sz="1200" dirty="0"/>
+              <a:t>}</a:t>
+            </a:r>
+            <a:endParaRPr lang="fr-FR" sz="1200" dirty="0" smtClean="0">
+              <a:latin typeface="Tahoma" pitchFamily="34" charset="0"/>
+              <a:ea typeface="Tahoma" pitchFamily="34" charset="0"/>
+              <a:cs typeface="Tahoma" pitchFamily="34" charset="0"/>
+            </a:endParaRPr>
+          </a:p>
+          <a:p>
+            <a:r>
+              <a:rPr lang="fr-FR" sz="1000" b="1" dirty="0" smtClean="0">
+                <a:latin typeface="Tahoma" pitchFamily="34" charset="0"/>
+                <a:ea typeface="Tahoma" pitchFamily="34" charset="0"/>
+                <a:cs typeface="Tahoma" pitchFamily="34" charset="0"/>
+              </a:rPr>
+              <a:t> </a:t>
+            </a:r>
+            <a:r>
+              <a:rPr lang="fr-FR" sz="1000" b="1" dirty="0" smtClean="0"/>
+              <a:t> </a:t>
+            </a:r>
+            <a:endParaRPr lang="fr-FR" sz="1400" b="1" dirty="0" smtClean="0">
+              <a:solidFill>
+                <a:schemeClr val="tx2"/>
+              </a:solidFill>
+              <a:latin typeface="Tahoma" pitchFamily="34" charset="0"/>
+              <a:ea typeface="Tahoma" pitchFamily="34" charset="0"/>
+              <a:cs typeface="Tahoma" pitchFamily="34" charset="0"/>
+            </a:endParaRPr>
+          </a:p>
+        </p:txBody>
+      </p:sp>
+    </p:spTree>
+    <p:extLst>
+      <p:ext uri="{BB962C8B-B14F-4D97-AF65-F5344CB8AC3E}">
+        <p14:creationId xmlns:p14="http://schemas.microsoft.com/office/powerpoint/2010/main" val="3336545090"/>
+      </p:ext>
+    </p:extLst>
+  </p:cSld>
+  <p:clrMapOvr>
+    <a:masterClrMapping/>
+  </p:clrMapOvr>
+</p:sld>
+</file>
+
+<file path=ppt/slides/slide11.xml><?xml version="1.0" encoding="utf-8"?>
+<p:sld xmlns:a="http://schemas.openxmlformats.org/drawingml/2006/main" xmlns:r="http://schemas.openxmlformats.org/officeDocument/2006/relationships" xmlns:p="http://schemas.openxmlformats.org/presentationml/2006/main">
+  <p:cSld>
+    <p:spTree>
+      <p:nvGrpSpPr>
+        <p:cNvPr id="1" name=""/>
+        <p:cNvGrpSpPr/>
+        <p:nvPr/>
+      </p:nvGrpSpPr>
+      <p:grpSpPr>
+        <a:xfrm>
+          <a:off x="0" y="0"/>
+          <a:ext cx="0" cy="0"/>
+          <a:chOff x="0" y="0"/>
+          <a:chExt cx="0" cy="0"/>
+        </a:xfrm>
+      </p:grpSpPr>
+      <p:sp>
+        <p:nvSpPr>
+          <p:cNvPr id="7" name="Décagone 6"/>
+          <p:cNvSpPr/>
+          <p:nvPr/>
+        </p:nvSpPr>
+        <p:spPr>
+          <a:xfrm>
+            <a:off x="8604448" y="6381328"/>
+            <a:ext cx="432048" cy="404664"/>
+          </a:xfrm>
+          <a:prstGeom prst="decagon">
+            <a:avLst/>
+          </a:prstGeom>
+          <a:solidFill>
+            <a:schemeClr val="accent3">
+              <a:lumMod val="75000"/>
+            </a:schemeClr>
+          </a:solidFill>
+          <a:ln>
+            <a:noFill/>
+          </a:ln>
+        </p:spPr>
+        <p:style>
+          <a:lnRef idx="2">
+            <a:schemeClr val="accent1">
+              <a:shade val="50000"/>
+            </a:schemeClr>
+          </a:lnRef>
+          <a:fillRef idx="1">
+            <a:schemeClr val="accent1"/>
+          </a:fillRef>
+          <a:effectRef idx="0">
+            <a:schemeClr val="accent1"/>
+          </a:effectRef>
+          <a:fontRef idx="minor">
+            <a:schemeClr val="lt1"/>
+          </a:fontRef>
+        </p:style>
+        <p:txBody>
+          <a:bodyPr rtlCol="0" anchor="ctr"/>
+          <a:lstStyle/>
+          <a:p>
+            <a:pPr algn="ctr"/>
+            <a:r>
+              <a:rPr lang="fr-FR" sz="1200" b="1" dirty="0" smtClean="0">
+                <a:solidFill>
+                  <a:schemeClr val="bg1"/>
+                </a:solidFill>
+                <a:latin typeface="Tahoma" pitchFamily="34" charset="0"/>
+                <a:ea typeface="Tahoma" pitchFamily="34" charset="0"/>
+                <a:cs typeface="Tahoma" pitchFamily="34" charset="0"/>
+              </a:rPr>
+              <a:t>7</a:t>
+            </a:r>
+            <a:endParaRPr lang="fr-FR" sz="1200" b="1" dirty="0">
+              <a:solidFill>
+                <a:schemeClr val="bg1"/>
+              </a:solidFill>
+              <a:latin typeface="Tahoma" pitchFamily="34" charset="0"/>
+              <a:ea typeface="Tahoma" pitchFamily="34" charset="0"/>
+              <a:cs typeface="Tahoma" pitchFamily="34" charset="0"/>
+            </a:endParaRPr>
+          </a:p>
+        </p:txBody>
+      </p:sp>
+      <p:sp>
+        <p:nvSpPr>
+          <p:cNvPr id="6" name="ZoneTexte 5"/>
+          <p:cNvSpPr txBox="1"/>
+          <p:nvPr/>
+        </p:nvSpPr>
+        <p:spPr>
+          <a:xfrm>
+            <a:off x="289025" y="2132856"/>
+            <a:ext cx="8712968" cy="3046988"/>
+          </a:xfrm>
+          <a:prstGeom prst="rect">
+            <a:avLst/>
+          </a:prstGeom>
+          <a:noFill/>
+        </p:spPr>
+        <p:txBody>
+          <a:bodyPr wrap="square" rtlCol="0">
+            <a:spAutoFit/>
+          </a:bodyPr>
+          <a:lstStyle/>
+          <a:p>
+            <a:pPr lvl="1" algn="ctr">
+              <a:lnSpc>
+                <a:spcPct val="200000"/>
+              </a:lnSpc>
+            </a:pPr>
+            <a:r>
+              <a:rPr lang="fr-FR" sz="4800" b="1" dirty="0" smtClean="0">
+                <a:solidFill>
+                  <a:schemeClr val="accent6">
+                    <a:lumMod val="75000"/>
+                  </a:schemeClr>
+                </a:solidFill>
+                <a:latin typeface="Tahoma" pitchFamily="34" charset="0"/>
+                <a:ea typeface="Tahoma" pitchFamily="34" charset="0"/>
+                <a:cs typeface="Tahoma" pitchFamily="34" charset="0"/>
+              </a:rPr>
+              <a:t>- </a:t>
+            </a:r>
+            <a:r>
+              <a:rPr lang="fr-FR" sz="4000" b="1" dirty="0" smtClean="0">
+                <a:solidFill>
+                  <a:schemeClr val="accent6">
+                    <a:lumMod val="75000"/>
+                  </a:schemeClr>
+                </a:solidFill>
+                <a:latin typeface="Tahoma" pitchFamily="34" charset="0"/>
+                <a:ea typeface="Tahoma" pitchFamily="34" charset="0"/>
+                <a:cs typeface="Tahoma" pitchFamily="34" charset="0"/>
+              </a:rPr>
+              <a:t>FIN DE LA PRESENTATION </a:t>
+            </a:r>
+            <a:r>
+              <a:rPr lang="fr-FR" sz="4800" b="1" dirty="0" smtClean="0">
+                <a:solidFill>
+                  <a:schemeClr val="accent6">
+                    <a:lumMod val="75000"/>
+                  </a:schemeClr>
+                </a:solidFill>
+                <a:latin typeface="Tahoma" pitchFamily="34" charset="0"/>
+                <a:ea typeface="Tahoma" pitchFamily="34" charset="0"/>
+                <a:cs typeface="Tahoma" pitchFamily="34" charset="0"/>
+              </a:rPr>
+              <a:t>-</a:t>
+            </a:r>
+            <a:endParaRPr lang="fr-FR" sz="4800" dirty="0" smtClean="0">
+              <a:latin typeface="Tahoma" pitchFamily="34" charset="0"/>
+              <a:ea typeface="Tahoma" pitchFamily="34" charset="0"/>
+              <a:cs typeface="Tahoma" pitchFamily="34" charset="0"/>
+            </a:endParaRPr>
+          </a:p>
+          <a:p>
+            <a:pPr lvl="1" algn="ctr">
+              <a:lnSpc>
+                <a:spcPct val="200000"/>
+              </a:lnSpc>
+              <a:buFont typeface="Wingdings" pitchFamily="2" charset="2"/>
+              <a:buChar char="§"/>
+            </a:pPr>
+            <a:endParaRPr lang="fr-FR" sz="4800" dirty="0" smtClean="0">
+              <a:latin typeface="Tahoma" pitchFamily="34" charset="0"/>
+              <a:ea typeface="Tahoma" pitchFamily="34" charset="0"/>
+              <a:cs typeface="Tahoma" pitchFamily="34" charset="0"/>
+            </a:endParaRPr>
+          </a:p>
+        </p:txBody>
+      </p:sp>
+      <p:sp>
+        <p:nvSpPr>
+          <p:cNvPr id="5" name="Rectangle 4"/>
+          <p:cNvSpPr/>
+          <p:nvPr/>
+        </p:nvSpPr>
+        <p:spPr>
+          <a:xfrm>
+            <a:off x="0" y="0"/>
+            <a:ext cx="9144000" cy="404664"/>
+          </a:xfrm>
+          <a:prstGeom prst="rect">
+            <a:avLst/>
+          </a:prstGeom>
+          <a:solidFill>
+            <a:schemeClr val="accent3">
+              <a:lumMod val="75000"/>
+            </a:schemeClr>
+          </a:solidFill>
+          <a:ln>
+            <a:noFill/>
+          </a:ln>
+        </p:spPr>
+        <p:style>
+          <a:lnRef idx="2">
+            <a:schemeClr val="accent1">
+              <a:shade val="50000"/>
+            </a:schemeClr>
+          </a:lnRef>
+          <a:fillRef idx="1">
+            <a:schemeClr val="accent1"/>
+          </a:fillRef>
+          <a:effectRef idx="0">
+            <a:schemeClr val="accent1"/>
+          </a:effectRef>
+          <a:fontRef idx="minor">
+            <a:schemeClr val="lt1"/>
+          </a:fontRef>
+        </p:style>
+        <p:txBody>
+          <a:bodyPr rtlCol="0" anchor="ctr"/>
+          <a:lstStyle/>
+          <a:p>
+            <a:pPr algn="ctr"/>
+            <a:r>
+              <a:rPr lang="fr-FR" sz="1200" b="1" dirty="0" smtClean="0">
+                <a:latin typeface="Tahoma" pitchFamily="34" charset="0"/>
+                <a:ea typeface="Tahoma" pitchFamily="34" charset="0"/>
+                <a:cs typeface="Tahoma" pitchFamily="34" charset="0"/>
+              </a:rPr>
+              <a:t>HEME BIOTECH</a:t>
+            </a:r>
+            <a:endParaRPr lang="fr-FR" sz="1100" b="1" dirty="0">
+              <a:latin typeface="Tahoma" pitchFamily="34" charset="0"/>
+              <a:ea typeface="Tahoma" pitchFamily="34" charset="0"/>
+              <a:cs typeface="Tahoma" pitchFamily="34" charset="0"/>
+            </a:endParaRPr>
+          </a:p>
+        </p:txBody>
+      </p:sp>
+    </p:spTree>
+  </p:cSld>
+  <p:clrMapOvr>
+    <a:masterClrMapping/>
+  </p:clrMapOvr>
+  <p:timing>
+    <p:tnLst>
+      <p:par>
+        <p:cTn id="1" dur="indefinite" restart="never" nodeType="tmRoot"/>
+      </p:par>
+    </p:tnLst>
+  </p:timing>
+</p:sld>
+</file>
+
 <file path=ppt/slides/slide2.xml><?xml version="1.0" encoding="utf-8"?>
 <p:sld xmlns:a="http://schemas.openxmlformats.org/drawingml/2006/main" xmlns:r="http://schemas.openxmlformats.org/officeDocument/2006/relationships" xmlns:p="http://schemas.openxmlformats.org/presentationml/2006/main">
   <p:cSld>
@@ -4825,21 +5628,8 @@
                 <a:ea typeface="Tahoma" pitchFamily="34" charset="0"/>
                 <a:cs typeface="Tahoma" pitchFamily="34" charset="0"/>
               </a:rPr>
-              <a:t>Lecture du fichier symptoms.txt contenant la liste des </a:t>
-            </a:r>
-            <a:r>
-              <a:rPr lang="fr-FR" sz="1600" dirty="0" err="1" smtClean="0">
-                <a:latin typeface="Tahoma" pitchFamily="34" charset="0"/>
-                <a:ea typeface="Tahoma" pitchFamily="34" charset="0"/>
-                <a:cs typeface="Tahoma" pitchFamily="34" charset="0"/>
-              </a:rPr>
-              <a:t>symptoms</a:t>
-            </a:r>
-            <a:endParaRPr lang="fr-FR" sz="1600" dirty="0" smtClean="0">
-              <a:latin typeface="Tahoma" pitchFamily="34" charset="0"/>
-              <a:ea typeface="Tahoma" pitchFamily="34" charset="0"/>
-              <a:cs typeface="Tahoma" pitchFamily="34" charset="0"/>
-            </a:endParaRPr>
+              <a:t>Lecture du fichier symptoms.txt contenant la liste des symptômes</a:t>
+            </a:r>
           </a:p>
           <a:p>
             <a:pPr lvl="2" algn="just">
@@ -5034,39 +5824,7 @@
                 <a:ea typeface="Tahoma" pitchFamily="34" charset="0"/>
                 <a:cs typeface="Tahoma" pitchFamily="34" charset="0"/>
               </a:rPr>
-              <a:t>Le </a:t>
-            </a:r>
-            <a:r>
-              <a:rPr lang="fr-FR" sz="1600" dirty="0" err="1" smtClean="0">
-                <a:latin typeface="Tahoma" pitchFamily="34" charset="0"/>
-                <a:ea typeface="Tahoma" pitchFamily="34" charset="0"/>
-                <a:cs typeface="Tahoma" pitchFamily="34" charset="0"/>
-              </a:rPr>
-              <a:t>decompte</a:t>
-            </a:r>
-            <a:r>
-              <a:rPr lang="fr-FR" sz="1600" dirty="0" smtClean="0">
-                <a:latin typeface="Tahoma" pitchFamily="34" charset="0"/>
-                <a:ea typeface="Tahoma" pitchFamily="34" charset="0"/>
-                <a:cs typeface="Tahoma" pitchFamily="34" charset="0"/>
-              </a:rPr>
-              <a:t> des occurrences de 3 </a:t>
-            </a:r>
-            <a:r>
-              <a:rPr lang="fr-FR" sz="1600" dirty="0" err="1" smtClean="0">
-                <a:latin typeface="Tahoma" pitchFamily="34" charset="0"/>
-                <a:ea typeface="Tahoma" pitchFamily="34" charset="0"/>
-                <a:cs typeface="Tahoma" pitchFamily="34" charset="0"/>
-              </a:rPr>
-              <a:t>symptoms</a:t>
-            </a:r>
-            <a:r>
-              <a:rPr lang="fr-FR" sz="1600" dirty="0" smtClean="0">
-                <a:latin typeface="Tahoma" pitchFamily="34" charset="0"/>
-                <a:ea typeface="Tahoma" pitchFamily="34" charset="0"/>
-                <a:cs typeface="Tahoma" pitchFamily="34" charset="0"/>
-              </a:rPr>
-              <a:t> que sont :</a:t>
+              <a:t>Le décompte des occurrences de 3 symptômes que sont :</a:t>
             </a:r>
           </a:p>
           <a:p>
@@ -7296,7 +8054,7 @@
         <p:spPr>
           <a:xfrm>
             <a:off x="352070" y="3691771"/>
-            <a:ext cx="8708281" cy="2308324"/>
+            <a:ext cx="8708281" cy="2585323"/>
           </a:xfrm>
           <a:prstGeom prst="rect">
             <a:avLst/>
@@ -7619,6 +8377,85 @@
               </a:rPr>
               <a:t>’) »</a:t>
             </a:r>
+          </a:p>
+          <a:p>
+            <a:pPr marL="285750" indent="-285750">
+              <a:buFont typeface="Wingdings" pitchFamily="2" charset="2"/>
+              <a:buChar char="v"/>
+            </a:pPr>
+            <a:r>
+              <a:rPr lang="fr-FR" sz="1600" dirty="0" smtClean="0">
+                <a:latin typeface="Tahoma" pitchFamily="34" charset="0"/>
+                <a:ea typeface="Tahoma" pitchFamily="34" charset="0"/>
+                <a:cs typeface="Tahoma" pitchFamily="34" charset="0"/>
+              </a:rPr>
+              <a:t>Le </a:t>
+            </a:r>
+            <a:r>
+              <a:rPr lang="fr-FR" sz="1600" dirty="0" err="1" smtClean="0">
+                <a:latin typeface="Tahoma" pitchFamily="34" charset="0"/>
+                <a:ea typeface="Tahoma" pitchFamily="34" charset="0"/>
+                <a:cs typeface="Tahoma" pitchFamily="34" charset="0"/>
+              </a:rPr>
+              <a:t>camelCase</a:t>
+            </a:r>
+            <a:r>
+              <a:rPr lang="fr-FR" sz="1600" dirty="0" smtClean="0">
+                <a:latin typeface="Tahoma" pitchFamily="34" charset="0"/>
+                <a:ea typeface="Tahoma" pitchFamily="34" charset="0"/>
+                <a:cs typeface="Tahoma" pitchFamily="34" charset="0"/>
+              </a:rPr>
+              <a:t> non </a:t>
+            </a:r>
+            <a:r>
+              <a:rPr lang="fr-FR" sz="1600" dirty="0" err="1" smtClean="0">
+                <a:latin typeface="Tahoma" pitchFamily="34" charset="0"/>
+                <a:ea typeface="Tahoma" pitchFamily="34" charset="0"/>
+                <a:cs typeface="Tahoma" pitchFamily="34" charset="0"/>
+              </a:rPr>
+              <a:t>repect</a:t>
+            </a:r>
+            <a:r>
+              <a:rPr lang="fr-FR" sz="1600" dirty="0" err="1">
+                <a:latin typeface="Tahoma" pitchFamily="34" charset="0"/>
+                <a:ea typeface="Tahoma" pitchFamily="34" charset="0"/>
+                <a:cs typeface="Tahoma" pitchFamily="34" charset="0"/>
+              </a:rPr>
+              <a:t>é</a:t>
+            </a:r>
+            <a:r>
+              <a:rPr lang="fr-FR" sz="1600" dirty="0" smtClean="0">
+                <a:latin typeface="Tahoma" pitchFamily="34" charset="0"/>
+                <a:ea typeface="Tahoma" pitchFamily="34" charset="0"/>
+                <a:cs typeface="Tahoma" pitchFamily="34" charset="0"/>
+              </a:rPr>
+              <a:t> dans sur la </a:t>
+            </a:r>
+            <a:r>
+              <a:rPr lang="fr-FR" sz="1600" dirty="0" err="1" smtClean="0">
+                <a:latin typeface="Tahoma" pitchFamily="34" charset="0"/>
+                <a:ea typeface="Tahoma" pitchFamily="34" charset="0"/>
+                <a:cs typeface="Tahoma" pitchFamily="34" charset="0"/>
+              </a:rPr>
+              <a:t>methode</a:t>
+            </a:r>
+            <a:r>
+              <a:rPr lang="fr-FR" sz="1600" dirty="0" smtClean="0">
+                <a:latin typeface="Tahoma" pitchFamily="34" charset="0"/>
+                <a:ea typeface="Tahoma" pitchFamily="34" charset="0"/>
+                <a:cs typeface="Tahoma" pitchFamily="34" charset="0"/>
+              </a:rPr>
+              <a:t> </a:t>
+            </a:r>
+            <a:r>
+              <a:rPr lang="fr-FR" sz="1600" b="1" dirty="0" err="1"/>
+              <a:t>GetSymptoms</a:t>
+            </a:r>
+            <a:endParaRPr lang="fr-FR" sz="1600" b="1" dirty="0" smtClean="0">
+              <a:latin typeface="Tahoma" pitchFamily="34" charset="0"/>
+              <a:ea typeface="Tahoma" pitchFamily="34" charset="0"/>
+              <a:cs typeface="Tahoma" pitchFamily="34" charset="0"/>
+            </a:endParaRPr>
           </a:p>
           <a:p>
             <a:endParaRPr lang="fr-FR" sz="1600" dirty="0" smtClean="0">
@@ -7838,7 +8675,23 @@
                 <a:ea typeface="Tahoma" pitchFamily="34" charset="0"/>
                 <a:cs typeface="Tahoma" pitchFamily="34" charset="0"/>
               </a:rPr>
-              <a:t>Présentation de ma solution  </a:t>
+              <a:t>Présentation de </a:t>
+            </a:r>
+            <a:r>
+              <a:rPr lang="fr-FR" sz="1400" b="1" dirty="0" smtClean="0">
+                <a:latin typeface="Tahoma" pitchFamily="34" charset="0"/>
+                <a:ea typeface="Tahoma" pitchFamily="34" charset="0"/>
+                <a:cs typeface="Tahoma" pitchFamily="34" charset="0"/>
+              </a:rPr>
+              <a:t>La </a:t>
+            </a:r>
+            <a:r>
+              <a:rPr lang="fr-FR" sz="1400" b="1" dirty="0" smtClean="0">
+                <a:latin typeface="Tahoma" pitchFamily="34" charset="0"/>
+                <a:ea typeface="Tahoma" pitchFamily="34" charset="0"/>
+                <a:cs typeface="Tahoma" pitchFamily="34" charset="0"/>
+              </a:rPr>
+              <a:t>solution  </a:t>
             </a:r>
             <a:endParaRPr lang="fr-FR" sz="1400" b="1" dirty="0">
               <a:latin typeface="Tahoma" pitchFamily="34" charset="0"/>
@@ -7857,7 +8710,7 @@
         <p:spPr>
           <a:xfrm>
             <a:off x="179512" y="764704"/>
-            <a:ext cx="8640960" cy="5678478"/>
+            <a:ext cx="8640960" cy="5262979"/>
           </a:xfrm>
           <a:prstGeom prst="rect">
             <a:avLst/>
@@ -7898,16 +8751,72 @@
                 <a:ea typeface="Tahoma" pitchFamily="34" charset="0"/>
                 <a:cs typeface="Tahoma" pitchFamily="34" charset="0"/>
               </a:rPr>
-              <a:t>Lecture du fichier symptoms.txt contenant la liste des </a:t>
-            </a:r>
+              <a:t>L’interface </a:t>
+            </a:r>
+            <a:r>
+              <a:rPr lang="fr-FR" sz="1600" b="1" dirty="0" err="1" smtClean="0">
+                <a:latin typeface="Tahoma" pitchFamily="34" charset="0"/>
+                <a:ea typeface="Tahoma" pitchFamily="34" charset="0"/>
+                <a:cs typeface="Tahoma" pitchFamily="34" charset="0"/>
+              </a:rPr>
+              <a:t>ISymptomReader</a:t>
+            </a:r>
+            <a:r>
+              <a:rPr lang="fr-FR" sz="1600" dirty="0" smtClean="0">
+                <a:latin typeface="Tahoma" pitchFamily="34" charset="0"/>
+                <a:ea typeface="Tahoma" pitchFamily="34" charset="0"/>
+                <a:cs typeface="Tahoma" pitchFamily="34" charset="0"/>
+              </a:rPr>
+              <a:t> contient deux méthodes : </a:t>
+            </a:r>
+          </a:p>
+          <a:p>
+            <a:pPr marL="1657350" lvl="3" indent="-285750" algn="just">
+              <a:lnSpc>
+                <a:spcPct val="150000"/>
+              </a:lnSpc>
+              <a:buFont typeface="Wingdings" pitchFamily="2" charset="2"/>
+              <a:buChar char="§"/>
+            </a:pPr>
             <a:r>
               <a:rPr lang="fr-FR" sz="1600" dirty="0" err="1" smtClean="0">
                 <a:latin typeface="Tahoma" pitchFamily="34" charset="0"/>
                 <a:ea typeface="Tahoma" pitchFamily="34" charset="0"/>
                 <a:cs typeface="Tahoma" pitchFamily="34" charset="0"/>
               </a:rPr>
-              <a:t>symptoms</a:t>
-            </a:r>
+              <a:t>getSymptoms</a:t>
+            </a:r>
+            <a:r>
+              <a:rPr lang="fr-FR" sz="1600" dirty="0" smtClean="0">
+                <a:latin typeface="Tahoma" pitchFamily="34" charset="0"/>
+                <a:ea typeface="Tahoma" pitchFamily="34" charset="0"/>
+                <a:cs typeface="Tahoma" pitchFamily="34" charset="0"/>
+              </a:rPr>
+              <a:t>(</a:t>
+            </a:r>
+            <a:r>
+              <a:rPr lang="fr-FR" sz="1600" dirty="0" smtClean="0"/>
+              <a:t>String </a:t>
+            </a:r>
+            <a:r>
+              <a:rPr lang="fr-FR" sz="1600" dirty="0" err="1"/>
+              <a:t>filepath</a:t>
+            </a:r>
+            <a:r>
+              <a:rPr lang="fr-FR" sz="1600" dirty="0" smtClean="0">
+                <a:latin typeface="Tahoma" pitchFamily="34" charset="0"/>
+                <a:ea typeface="Tahoma" pitchFamily="34" charset="0"/>
+                <a:cs typeface="Tahoma" pitchFamily="34" charset="0"/>
+              </a:rPr>
+              <a:t>) : qui retourne la liste des symptômes</a:t>
+            </a:r>
+          </a:p>
+          <a:p>
+            <a:pPr lvl="3" algn="just">
+              <a:lnSpc>
+                <a:spcPct val="150000"/>
+              </a:lnSpc>
+            </a:pPr>
             <a:endParaRPr lang="fr-FR" sz="1600" dirty="0" smtClean="0">
               <a:latin typeface="Tahoma" pitchFamily="34" charset="0"/>
               <a:ea typeface="Tahoma" pitchFamily="34" charset="0"/>
@@ -7915,207 +8824,47 @@
             </a:endParaRPr>
           </a:p>
           <a:p>
-            <a:pPr lvl="2" algn="just">
+            <a:pPr lvl="3" algn="just">
               <a:lnSpc>
                 <a:spcPct val="150000"/>
               </a:lnSpc>
             </a:pPr>
             <a:r>
-              <a:rPr lang="en-US" sz="1200" b="1" dirty="0" smtClean="0">
-                <a:solidFill>
-                  <a:schemeClr val="accent1">
-                    <a:lumMod val="75000"/>
-                  </a:schemeClr>
-                </a:solidFill>
-                <a:latin typeface="Tahoma" pitchFamily="34" charset="0"/>
-                <a:ea typeface="Tahoma" pitchFamily="34" charset="0"/>
-                <a:cs typeface="Tahoma" pitchFamily="34" charset="0"/>
-              </a:rPr>
-              <a:t>       </a:t>
-            </a:r>
-            <a:r>
-              <a:rPr lang="en-US" sz="1200" b="1" dirty="0">
-                <a:solidFill>
-                  <a:schemeClr val="accent1">
-                    <a:lumMod val="75000"/>
-                  </a:schemeClr>
-                </a:solidFill>
-                <a:latin typeface="Tahoma" pitchFamily="34" charset="0"/>
-                <a:ea typeface="Tahoma" pitchFamily="34" charset="0"/>
-                <a:cs typeface="Tahoma" pitchFamily="34" charset="0"/>
-              </a:rPr>
-              <a:t>// reading the symptoms file</a:t>
-            </a:r>
-          </a:p>
-          <a:p>
-            <a:pPr lvl="2" algn="just">
+              <a:rPr lang="fr-FR" sz="1600" b="1" dirty="0" smtClean="0"/>
+              <a:t>          public </a:t>
+            </a:r>
+            <a:r>
+              <a:rPr lang="fr-FR" sz="1600" b="1" dirty="0"/>
+              <a:t>List&lt;String&gt; </a:t>
+            </a:r>
+            <a:r>
+              <a:rPr lang="fr-FR" sz="1600" b="1" dirty="0" err="1"/>
+              <a:t>getSymptoms</a:t>
+            </a:r>
+            <a:r>
+              <a:rPr lang="fr-FR" sz="1600" b="1" dirty="0"/>
+              <a:t>(String </a:t>
+            </a:r>
+            <a:r>
+              <a:rPr lang="fr-FR" sz="1600" b="1" dirty="0" err="1"/>
+              <a:t>filepath</a:t>
+            </a:r>
+            <a:r>
+              <a:rPr lang="fr-FR" sz="1600" b="1" dirty="0" smtClean="0"/>
+              <a:t>);</a:t>
+            </a:r>
+            <a:endParaRPr lang="fr-FR" sz="1600" dirty="0">
+              <a:latin typeface="Tahoma" pitchFamily="34" charset="0"/>
+              <a:ea typeface="Tahoma" pitchFamily="34" charset="0"/>
+              <a:cs typeface="Tahoma" pitchFamily="34" charset="0"/>
+            </a:endParaRPr>
+          </a:p>
+          <a:p>
+            <a:pPr lvl="3" algn="just">
               <a:lnSpc>
                 <a:spcPct val="150000"/>
               </a:lnSpc>
             </a:pPr>
-            <a:r>
-              <a:rPr lang="en-US" sz="1200" b="1" dirty="0">
-                <a:solidFill>
-                  <a:schemeClr val="accent1">
-                    <a:lumMod val="75000"/>
-                  </a:schemeClr>
-                </a:solidFill>
-                <a:latin typeface="Tahoma" pitchFamily="34" charset="0"/>
-                <a:ea typeface="Tahoma" pitchFamily="34" charset="0"/>
-                <a:cs typeface="Tahoma" pitchFamily="34" charset="0"/>
-              </a:rPr>
-              <a:t>        </a:t>
-            </a:r>
-            <a:r>
-              <a:rPr lang="en-US" sz="1200" b="1" dirty="0" err="1">
-                <a:solidFill>
-                  <a:schemeClr val="accent1">
-                    <a:lumMod val="75000"/>
-                  </a:schemeClr>
-                </a:solidFill>
-                <a:latin typeface="Tahoma" pitchFamily="34" charset="0"/>
-                <a:ea typeface="Tahoma" pitchFamily="34" charset="0"/>
-                <a:cs typeface="Tahoma" pitchFamily="34" charset="0"/>
-              </a:rPr>
-              <a:t>ReadSymptomDataFromFile</a:t>
-            </a:r>
-            <a:r>
-              <a:rPr lang="en-US" sz="1200" b="1" dirty="0">
-                <a:solidFill>
-                  <a:schemeClr val="accent1">
-                    <a:lumMod val="75000"/>
-                  </a:schemeClr>
-                </a:solidFill>
-                <a:latin typeface="Tahoma" pitchFamily="34" charset="0"/>
-                <a:ea typeface="Tahoma" pitchFamily="34" charset="0"/>
-                <a:cs typeface="Tahoma" pitchFamily="34" charset="0"/>
-              </a:rPr>
-              <a:t> </a:t>
-            </a:r>
-            <a:r>
-              <a:rPr lang="en-US" sz="1200" b="1" dirty="0" err="1">
-                <a:solidFill>
-                  <a:schemeClr val="accent1">
-                    <a:lumMod val="75000"/>
-                  </a:schemeClr>
-                </a:solidFill>
-                <a:latin typeface="Tahoma" pitchFamily="34" charset="0"/>
-                <a:ea typeface="Tahoma" pitchFamily="34" charset="0"/>
-                <a:cs typeface="Tahoma" pitchFamily="34" charset="0"/>
-              </a:rPr>
-              <a:t>rsdff</a:t>
-            </a:r>
-            <a:r>
-              <a:rPr lang="en-US" sz="1200" b="1" dirty="0">
-                <a:solidFill>
-                  <a:schemeClr val="accent1">
-                    <a:lumMod val="75000"/>
-                  </a:schemeClr>
-                </a:solidFill>
-                <a:latin typeface="Tahoma" pitchFamily="34" charset="0"/>
-                <a:ea typeface="Tahoma" pitchFamily="34" charset="0"/>
-                <a:cs typeface="Tahoma" pitchFamily="34" charset="0"/>
-              </a:rPr>
-              <a:t> = new </a:t>
-            </a:r>
-            <a:r>
-              <a:rPr lang="en-US" sz="1200" b="1" dirty="0" err="1">
-                <a:solidFill>
-                  <a:schemeClr val="accent1">
-                    <a:lumMod val="75000"/>
-                  </a:schemeClr>
-                </a:solidFill>
-                <a:latin typeface="Tahoma" pitchFamily="34" charset="0"/>
-                <a:ea typeface="Tahoma" pitchFamily="34" charset="0"/>
-                <a:cs typeface="Tahoma" pitchFamily="34" charset="0"/>
-              </a:rPr>
-              <a:t>ReadSymptomDataFromFile</a:t>
-            </a:r>
-            <a:r>
-              <a:rPr lang="en-US" sz="1200" b="1" dirty="0">
-                <a:solidFill>
-                  <a:schemeClr val="accent1">
-                    <a:lumMod val="75000"/>
-                  </a:schemeClr>
-                </a:solidFill>
-                <a:latin typeface="Tahoma" pitchFamily="34" charset="0"/>
-                <a:ea typeface="Tahoma" pitchFamily="34" charset="0"/>
-                <a:cs typeface="Tahoma" pitchFamily="34" charset="0"/>
-              </a:rPr>
-              <a:t>(</a:t>
-            </a:r>
-            <a:r>
-              <a:rPr lang="en-US" sz="1200" b="1" dirty="0" err="1">
-                <a:solidFill>
-                  <a:schemeClr val="accent1">
-                    <a:lumMod val="75000"/>
-                  </a:schemeClr>
-                </a:solidFill>
-                <a:latin typeface="Tahoma" pitchFamily="34" charset="0"/>
-                <a:ea typeface="Tahoma" pitchFamily="34" charset="0"/>
-                <a:cs typeface="Tahoma" pitchFamily="34" charset="0"/>
-              </a:rPr>
-              <a:t>filepath</a:t>
-            </a:r>
-            <a:r>
-              <a:rPr lang="en-US" sz="1200" b="1" dirty="0">
-                <a:solidFill>
-                  <a:schemeClr val="accent1">
-                    <a:lumMod val="75000"/>
-                  </a:schemeClr>
-                </a:solidFill>
-                <a:latin typeface="Tahoma" pitchFamily="34" charset="0"/>
-                <a:ea typeface="Tahoma" pitchFamily="34" charset="0"/>
-                <a:cs typeface="Tahoma" pitchFamily="34" charset="0"/>
-              </a:rPr>
-              <a:t>);</a:t>
-            </a:r>
-          </a:p>
-          <a:p>
-            <a:pPr lvl="2" algn="just">
-              <a:lnSpc>
-                <a:spcPct val="150000"/>
-              </a:lnSpc>
-            </a:pPr>
-            <a:r>
-              <a:rPr lang="en-US" sz="1200" b="1" dirty="0">
-                <a:solidFill>
-                  <a:schemeClr val="accent1">
-                    <a:lumMod val="75000"/>
-                  </a:schemeClr>
-                </a:solidFill>
-                <a:latin typeface="Tahoma" pitchFamily="34" charset="0"/>
-                <a:ea typeface="Tahoma" pitchFamily="34" charset="0"/>
-                <a:cs typeface="Tahoma" pitchFamily="34" charset="0"/>
-              </a:rPr>
-              <a:t>        List&lt;String&gt; symptoms = </a:t>
-            </a:r>
-            <a:r>
-              <a:rPr lang="en-US" sz="1200" b="1" dirty="0" err="1">
-                <a:solidFill>
-                  <a:schemeClr val="accent1">
-                    <a:lumMod val="75000"/>
-                  </a:schemeClr>
-                </a:solidFill>
-                <a:latin typeface="Tahoma" pitchFamily="34" charset="0"/>
-                <a:ea typeface="Tahoma" pitchFamily="34" charset="0"/>
-                <a:cs typeface="Tahoma" pitchFamily="34" charset="0"/>
-              </a:rPr>
-              <a:t>rsdff.GetSymptoms</a:t>
-            </a:r>
-            <a:r>
-              <a:rPr lang="en-US" sz="1200" b="1" dirty="0">
-                <a:solidFill>
-                  <a:schemeClr val="accent1">
-                    <a:lumMod val="75000"/>
-                  </a:schemeClr>
-                </a:solidFill>
-                <a:latin typeface="Tahoma" pitchFamily="34" charset="0"/>
-                <a:ea typeface="Tahoma" pitchFamily="34" charset="0"/>
-                <a:cs typeface="Tahoma" pitchFamily="34" charset="0"/>
-              </a:rPr>
-              <a:t>();</a:t>
-            </a:r>
             <a:endParaRPr lang="fr-FR" sz="1600" dirty="0" smtClean="0">
               <a:latin typeface="Tahoma" pitchFamily="34" charset="0"/>
               <a:ea typeface="Tahoma" pitchFamily="34" charset="0"/>
@@ -8123,20 +8872,64 @@
             </a:endParaRPr>
           </a:p>
           <a:p>
-            <a:pPr marL="1200150" lvl="2" indent="-285750" algn="just">
+            <a:pPr marL="1657350" lvl="3" indent="-285750" algn="just">
               <a:lnSpc>
                 <a:spcPct val="150000"/>
               </a:lnSpc>
               <a:buFont typeface="Wingdings" pitchFamily="2" charset="2"/>
-              <a:buChar char="v"/>
+              <a:buChar char="§"/>
             </a:pPr>
             <a:r>
+              <a:rPr lang="fr-FR" sz="1600" dirty="0" err="1">
+                <a:latin typeface="Tahoma" pitchFamily="34" charset="0"/>
+                <a:ea typeface="Tahoma" pitchFamily="34" charset="0"/>
+                <a:cs typeface="Tahoma" pitchFamily="34" charset="0"/>
+              </a:rPr>
+              <a:t>writeFile</a:t>
+            </a:r>
+            <a:r>
+              <a:rPr lang="fr-FR" sz="1600" dirty="0"/>
+              <a:t>(String </a:t>
+            </a:r>
+            <a:r>
+              <a:rPr lang="fr-FR" sz="1600" dirty="0" err="1"/>
+              <a:t>fileOut</a:t>
+            </a:r>
+            <a:r>
+              <a:rPr lang="fr-FR" sz="1600" dirty="0"/>
+              <a:t>, </a:t>
+            </a:r>
+            <a:r>
+              <a:rPr lang="fr-FR" sz="1600" dirty="0" err="1"/>
+              <a:t>Map</a:t>
+            </a:r>
+            <a:r>
+              <a:rPr lang="fr-FR" sz="1600" dirty="0"/>
+              <a:t>&lt;String, </a:t>
+            </a:r>
+            <a:r>
+              <a:rPr lang="fr-FR" sz="1600" dirty="0" err="1"/>
+              <a:t>Integer</a:t>
+            </a:r>
+            <a:r>
+              <a:rPr lang="fr-FR" sz="1600" dirty="0"/>
+              <a:t>&gt; </a:t>
+            </a:r>
+            <a:r>
+              <a:rPr lang="fr-FR" sz="1600" dirty="0" err="1"/>
+              <a:t>groupedSymptoms</a:t>
+            </a:r>
+            <a:r>
+              <a:rPr lang="fr-FR" sz="1600" dirty="0"/>
+              <a:t>)</a:t>
+            </a:r>
+            <a:r>
               <a:rPr lang="fr-FR" sz="1600" dirty="0" smtClean="0">
                 <a:latin typeface="Tahoma" pitchFamily="34" charset="0"/>
                 <a:ea typeface="Tahoma" pitchFamily="34" charset="0"/>
                 <a:cs typeface="Tahoma" pitchFamily="34" charset="0"/>
               </a:rPr>
-              <a:t>Le </a:t>
+              <a:t> : qui permet d’</a:t>
             </a:r>
             <a:r>
               <a:rPr lang="fr-FR" sz="1600" dirty="0" err="1" smtClean="0">
@@ -8144,7 +8937,7 @@
                 <a:ea typeface="Tahoma" pitchFamily="34" charset="0"/>
                 <a:cs typeface="Tahoma" pitchFamily="34" charset="0"/>
               </a:rPr>
-              <a:t>decompte</a:t>
+              <a:t>ecrire</a:t>
             </a:r>
             <a:r>
               <a:rPr lang="fr-FR" sz="1600" dirty="0" smtClean="0">
@@ -8152,7 +8945,7 @@
                 <a:ea typeface="Tahoma" pitchFamily="34" charset="0"/>
                 <a:cs typeface="Tahoma" pitchFamily="34" charset="0"/>
               </a:rPr>
-              <a:t> du nombre d’occurrences de chaque </a:t>
+              <a:t> la liste des </a:t>
             </a:r>
             <a:r>
               <a:rPr lang="fr-FR" sz="1600" dirty="0" err="1" smtClean="0">
@@ -8160,7 +8953,54 @@
                 <a:ea typeface="Tahoma" pitchFamily="34" charset="0"/>
                 <a:cs typeface="Tahoma" pitchFamily="34" charset="0"/>
               </a:rPr>
-              <a:t>symptoms</a:t>
+              <a:t>symptomes</a:t>
+            </a:r>
+            <a:r>
+              <a:rPr lang="fr-FR" sz="1600" dirty="0" smtClean="0">
+                <a:latin typeface="Tahoma" pitchFamily="34" charset="0"/>
+                <a:ea typeface="Tahoma" pitchFamily="34" charset="0"/>
+                <a:cs typeface="Tahoma" pitchFamily="34" charset="0"/>
+              </a:rPr>
+              <a:t> triés dans l’ordre </a:t>
+            </a:r>
+            <a:r>
+              <a:rPr lang="fr-FR" sz="1600" dirty="0" err="1" smtClean="0">
+                <a:latin typeface="Tahoma" pitchFamily="34" charset="0"/>
+                <a:ea typeface="Tahoma" pitchFamily="34" charset="0"/>
+                <a:cs typeface="Tahoma" pitchFamily="34" charset="0"/>
+              </a:rPr>
+              <a:t>aphabetique</a:t>
+            </a:r>
+            <a:r>
+              <a:rPr lang="fr-FR" sz="1600" dirty="0" smtClean="0">
+                <a:latin typeface="Tahoma" pitchFamily="34" charset="0"/>
+                <a:ea typeface="Tahoma" pitchFamily="34" charset="0"/>
+                <a:cs typeface="Tahoma" pitchFamily="34" charset="0"/>
+              </a:rPr>
+              <a:t> dans le fichier </a:t>
+            </a:r>
+          </a:p>
+          <a:p>
+            <a:pPr lvl="3" algn="just">
+              <a:lnSpc>
+                <a:spcPct val="150000"/>
+              </a:lnSpc>
+            </a:pPr>
+            <a:r>
+              <a:rPr lang="fr-FR" sz="1600" dirty="0" smtClean="0">
+                <a:latin typeface="Tahoma" pitchFamily="34" charset="0"/>
+                <a:ea typeface="Tahoma" pitchFamily="34" charset="0"/>
+                <a:cs typeface="Tahoma" pitchFamily="34" charset="0"/>
+              </a:rPr>
+              <a:t>    </a:t>
+            </a:r>
+            <a:r>
+              <a:rPr lang="fr-FR" sz="1600" dirty="0" err="1" smtClean="0">
+                <a:latin typeface="Tahoma" pitchFamily="34" charset="0"/>
+                <a:ea typeface="Tahoma" pitchFamily="34" charset="0"/>
+                <a:cs typeface="Tahoma" pitchFamily="34" charset="0"/>
+              </a:rPr>
+              <a:t>result.out</a:t>
             </a:r>
             <a:endParaRPr lang="fr-FR" sz="1600" dirty="0" smtClean="0">
               <a:latin typeface="Tahoma" pitchFamily="34" charset="0"/>
@@ -8169,7 +9009,7 @@
             </a:endParaRPr>
           </a:p>
           <a:p>
-            <a:pPr lvl="2" algn="just">
+            <a:pPr lvl="3" algn="just">
               <a:lnSpc>
                 <a:spcPct val="150000"/>
               </a:lnSpc>
@@ -8187,121 +9027,36 @@
               </a:lnSpc>
             </a:pPr>
             <a:r>
-              <a:rPr lang="fr-FR" sz="1000" b="1" dirty="0">
-                <a:solidFill>
-                  <a:schemeClr val="accent1">
-                    <a:lumMod val="75000"/>
-                  </a:schemeClr>
-                </a:solidFill>
-                <a:latin typeface="Tahoma" pitchFamily="34" charset="0"/>
-                <a:ea typeface="Tahoma" pitchFamily="34" charset="0"/>
-                <a:cs typeface="Tahoma" pitchFamily="34" charset="0"/>
-              </a:rPr>
-              <a:t>public </a:t>
-            </a:r>
-            <a:r>
-              <a:rPr lang="fr-FR" sz="1000" b="1" dirty="0" err="1">
-                <a:solidFill>
-                  <a:schemeClr val="accent1">
-                    <a:lumMod val="75000"/>
-                  </a:schemeClr>
-                </a:solidFill>
-                <a:latin typeface="Tahoma" pitchFamily="34" charset="0"/>
-                <a:ea typeface="Tahoma" pitchFamily="34" charset="0"/>
-                <a:cs typeface="Tahoma" pitchFamily="34" charset="0"/>
-              </a:rPr>
-              <a:t>Map</a:t>
-            </a:r>
-            <a:r>
-              <a:rPr lang="fr-FR" sz="1000" b="1" dirty="0">
-                <a:solidFill>
-                  <a:schemeClr val="accent1">
-                    <a:lumMod val="75000"/>
-                  </a:schemeClr>
-                </a:solidFill>
-                <a:latin typeface="Tahoma" pitchFamily="34" charset="0"/>
-                <a:ea typeface="Tahoma" pitchFamily="34" charset="0"/>
-                <a:cs typeface="Tahoma" pitchFamily="34" charset="0"/>
-              </a:rPr>
-              <a:t>&lt;String, </a:t>
-            </a:r>
-            <a:r>
-              <a:rPr lang="fr-FR" sz="1000" b="1" dirty="0" err="1">
-                <a:solidFill>
-                  <a:schemeClr val="accent1">
-                    <a:lumMod val="75000"/>
-                  </a:schemeClr>
-                </a:solidFill>
-                <a:latin typeface="Tahoma" pitchFamily="34" charset="0"/>
-                <a:ea typeface="Tahoma" pitchFamily="34" charset="0"/>
-                <a:cs typeface="Tahoma" pitchFamily="34" charset="0"/>
-              </a:rPr>
-              <a:t>Integer</a:t>
-            </a:r>
-            <a:r>
-              <a:rPr lang="fr-FR" sz="1000" b="1" dirty="0">
-                <a:solidFill>
-                  <a:schemeClr val="accent1">
-                    <a:lumMod val="75000"/>
-                  </a:schemeClr>
-                </a:solidFill>
-                <a:latin typeface="Tahoma" pitchFamily="34" charset="0"/>
-                <a:ea typeface="Tahoma" pitchFamily="34" charset="0"/>
-                <a:cs typeface="Tahoma" pitchFamily="34" charset="0"/>
-              </a:rPr>
-              <a:t>&gt; </a:t>
-            </a:r>
-            <a:r>
-              <a:rPr lang="fr-FR" sz="1000" b="1" dirty="0" err="1">
-                <a:solidFill>
-                  <a:schemeClr val="accent1">
-                    <a:lumMod val="75000"/>
-                  </a:schemeClr>
-                </a:solidFill>
-                <a:latin typeface="Tahoma" pitchFamily="34" charset="0"/>
-                <a:ea typeface="Tahoma" pitchFamily="34" charset="0"/>
-                <a:cs typeface="Tahoma" pitchFamily="34" charset="0"/>
-              </a:rPr>
-              <a:t>groupSymptoms</a:t>
-            </a:r>
-            <a:r>
-              <a:rPr lang="fr-FR" sz="1000" b="1" dirty="0">
-                <a:solidFill>
-                  <a:schemeClr val="accent1">
-                    <a:lumMod val="75000"/>
-                  </a:schemeClr>
-                </a:solidFill>
-                <a:latin typeface="Tahoma" pitchFamily="34" charset="0"/>
-                <a:ea typeface="Tahoma" pitchFamily="34" charset="0"/>
-                <a:cs typeface="Tahoma" pitchFamily="34" charset="0"/>
-              </a:rPr>
-              <a:t>(List&lt;String&gt; </a:t>
-            </a:r>
-            <a:r>
-              <a:rPr lang="fr-FR" sz="1000" b="1" dirty="0" err="1">
-                <a:solidFill>
-                  <a:schemeClr val="accent1">
-                    <a:lumMod val="75000"/>
-                  </a:schemeClr>
-                </a:solidFill>
-                <a:latin typeface="Tahoma" pitchFamily="34" charset="0"/>
-                <a:ea typeface="Tahoma" pitchFamily="34" charset="0"/>
-                <a:cs typeface="Tahoma" pitchFamily="34" charset="0"/>
-              </a:rPr>
-              <a:t>alphabeticSymptomList</a:t>
-            </a:r>
-            <a:r>
-              <a:rPr lang="fr-FR" sz="1000" b="1" dirty="0">
-                <a:solidFill>
-                  <a:schemeClr val="accent1">
-                    <a:lumMod val="75000"/>
-                  </a:schemeClr>
-                </a:solidFill>
-                <a:latin typeface="Tahoma" pitchFamily="34" charset="0"/>
-                <a:ea typeface="Tahoma" pitchFamily="34" charset="0"/>
-                <a:cs typeface="Tahoma" pitchFamily="34" charset="0"/>
-              </a:rPr>
-              <a:t>) {</a:t>
+              <a:rPr lang="en-US" sz="1600" b="1" dirty="0" smtClean="0"/>
+              <a:t>          public </a:t>
+            </a:r>
+            <a:r>
+              <a:rPr lang="en-US" sz="1600" b="1" dirty="0"/>
+              <a:t>void </a:t>
+            </a:r>
+            <a:r>
+              <a:rPr lang="en-US" sz="1600" b="1" dirty="0" err="1"/>
+              <a:t>writeFile</a:t>
+            </a:r>
+            <a:r>
+              <a:rPr lang="en-US" sz="1600" b="1" dirty="0"/>
+              <a:t>(String </a:t>
+            </a:r>
+            <a:r>
+              <a:rPr lang="en-US" sz="1600" b="1" dirty="0" err="1"/>
+              <a:t>fileOut</a:t>
+            </a:r>
+            <a:r>
+              <a:rPr lang="en-US" sz="1600" b="1" dirty="0"/>
+              <a:t>, Map&lt;String, Integer&gt; </a:t>
+            </a:r>
+            <a:r>
+              <a:rPr lang="en-US" sz="1600" b="1" dirty="0" err="1"/>
+              <a:t>groupedSymptoms</a:t>
+            </a:r>
+            <a:r>
+              <a:rPr lang="en-US" sz="1600" b="1" dirty="0"/>
+              <a:t>);</a:t>
             </a:r>
           </a:p>
           <a:p>
@@ -8310,158 +9065,20 @@
                 <a:spcPct val="150000"/>
               </a:lnSpc>
             </a:pPr>
-            <a:r>
-              <a:rPr lang="fr-FR" sz="1000" b="1" dirty="0">
-                <a:solidFill>
-                  <a:schemeClr val="accent1">
-                    <a:lumMod val="75000"/>
-                  </a:schemeClr>
-                </a:solidFill>
-                <a:latin typeface="Tahoma" pitchFamily="34" charset="0"/>
-                <a:ea typeface="Tahoma" pitchFamily="34" charset="0"/>
-                <a:cs typeface="Tahoma" pitchFamily="34" charset="0"/>
-              </a:rPr>
-              <a:t>        </a:t>
-            </a:r>
-            <a:r>
-              <a:rPr lang="fr-FR" sz="1000" b="1" dirty="0" err="1">
-                <a:solidFill>
-                  <a:schemeClr val="accent1">
-                    <a:lumMod val="75000"/>
-                  </a:schemeClr>
-                </a:solidFill>
-                <a:latin typeface="Tahoma" pitchFamily="34" charset="0"/>
-                <a:ea typeface="Tahoma" pitchFamily="34" charset="0"/>
-                <a:cs typeface="Tahoma" pitchFamily="34" charset="0"/>
-              </a:rPr>
-              <a:t>Map</a:t>
-            </a:r>
-            <a:r>
-              <a:rPr lang="fr-FR" sz="1000" b="1" dirty="0">
-                <a:solidFill>
-                  <a:schemeClr val="accent1">
-                    <a:lumMod val="75000"/>
-                  </a:schemeClr>
-                </a:solidFill>
-                <a:latin typeface="Tahoma" pitchFamily="34" charset="0"/>
-                <a:ea typeface="Tahoma" pitchFamily="34" charset="0"/>
-                <a:cs typeface="Tahoma" pitchFamily="34" charset="0"/>
-              </a:rPr>
-              <a:t>&lt;String, </a:t>
-            </a:r>
-            <a:r>
-              <a:rPr lang="fr-FR" sz="1000" b="1" dirty="0" err="1">
-                <a:solidFill>
-                  <a:schemeClr val="accent1">
-                    <a:lumMod val="75000"/>
-                  </a:schemeClr>
-                </a:solidFill>
-                <a:latin typeface="Tahoma" pitchFamily="34" charset="0"/>
-                <a:ea typeface="Tahoma" pitchFamily="34" charset="0"/>
-                <a:cs typeface="Tahoma" pitchFamily="34" charset="0"/>
-              </a:rPr>
-              <a:t>Integer</a:t>
-            </a:r>
-            <a:r>
-              <a:rPr lang="fr-FR" sz="1000" b="1" dirty="0">
-                <a:solidFill>
-                  <a:schemeClr val="accent1">
-                    <a:lumMod val="75000"/>
-                  </a:schemeClr>
-                </a:solidFill>
-                <a:latin typeface="Tahoma" pitchFamily="34" charset="0"/>
-                <a:ea typeface="Tahoma" pitchFamily="34" charset="0"/>
-                <a:cs typeface="Tahoma" pitchFamily="34" charset="0"/>
-              </a:rPr>
-              <a:t>&gt; </a:t>
-            </a:r>
-            <a:r>
-              <a:rPr lang="fr-FR" sz="1000" b="1" dirty="0" err="1">
-                <a:solidFill>
-                  <a:schemeClr val="accent1">
-                    <a:lumMod val="75000"/>
-                  </a:schemeClr>
-                </a:solidFill>
-                <a:latin typeface="Tahoma" pitchFamily="34" charset="0"/>
-                <a:ea typeface="Tahoma" pitchFamily="34" charset="0"/>
-                <a:cs typeface="Tahoma" pitchFamily="34" charset="0"/>
-              </a:rPr>
-              <a:t>map</a:t>
-            </a:r>
-            <a:r>
-              <a:rPr lang="fr-FR" sz="1000" b="1" dirty="0">
-                <a:solidFill>
-                  <a:schemeClr val="accent1">
-                    <a:lumMod val="75000"/>
-                  </a:schemeClr>
-                </a:solidFill>
-                <a:latin typeface="Tahoma" pitchFamily="34" charset="0"/>
-                <a:ea typeface="Tahoma" pitchFamily="34" charset="0"/>
-                <a:cs typeface="Tahoma" pitchFamily="34" charset="0"/>
-              </a:rPr>
-              <a:t> = new </a:t>
-            </a:r>
-            <a:r>
-              <a:rPr lang="fr-FR" sz="1000" b="1" dirty="0" err="1">
-                <a:solidFill>
-                  <a:schemeClr val="accent1">
-                    <a:lumMod val="75000"/>
-                  </a:schemeClr>
-                </a:solidFill>
-                <a:latin typeface="Tahoma" pitchFamily="34" charset="0"/>
-                <a:ea typeface="Tahoma" pitchFamily="34" charset="0"/>
-                <a:cs typeface="Tahoma" pitchFamily="34" charset="0"/>
-              </a:rPr>
-              <a:t>HashMap</a:t>
-            </a:r>
-            <a:r>
-              <a:rPr lang="fr-FR" sz="1000" b="1" dirty="0">
-                <a:solidFill>
-                  <a:schemeClr val="accent1">
-                    <a:lumMod val="75000"/>
-                  </a:schemeClr>
-                </a:solidFill>
-                <a:latin typeface="Tahoma" pitchFamily="34" charset="0"/>
-                <a:ea typeface="Tahoma" pitchFamily="34" charset="0"/>
-                <a:cs typeface="Tahoma" pitchFamily="34" charset="0"/>
-              </a:rPr>
-              <a:t>&lt;String, </a:t>
-            </a:r>
-            <a:r>
-              <a:rPr lang="fr-FR" sz="1000" b="1" dirty="0" err="1">
-                <a:solidFill>
-                  <a:schemeClr val="accent1">
-                    <a:lumMod val="75000"/>
-                  </a:schemeClr>
-                </a:solidFill>
-                <a:latin typeface="Tahoma" pitchFamily="34" charset="0"/>
-                <a:ea typeface="Tahoma" pitchFamily="34" charset="0"/>
-                <a:cs typeface="Tahoma" pitchFamily="34" charset="0"/>
-              </a:rPr>
-              <a:t>Integer</a:t>
-            </a:r>
-            <a:r>
-              <a:rPr lang="fr-FR" sz="1000" b="1" dirty="0">
-                <a:solidFill>
-                  <a:schemeClr val="accent1">
-                    <a:lumMod val="75000"/>
-                  </a:schemeClr>
-                </a:solidFill>
-                <a:latin typeface="Tahoma" pitchFamily="34" charset="0"/>
-                <a:ea typeface="Tahoma" pitchFamily="34" charset="0"/>
-                <a:cs typeface="Tahoma" pitchFamily="34" charset="0"/>
-              </a:rPr>
-              <a:t>&gt;();</a:t>
-            </a:r>
-          </a:p>
-          <a:p>
-            <a:pPr lvl="3" algn="just">
+            <a:endParaRPr lang="fr-FR" sz="1600" dirty="0" smtClean="0">
+              <a:latin typeface="Tahoma" pitchFamily="34" charset="0"/>
+              <a:ea typeface="Tahoma" pitchFamily="34" charset="0"/>
+              <a:cs typeface="Tahoma" pitchFamily="34" charset="0"/>
+            </a:endParaRPr>
+          </a:p>
+          <a:p>
+            <a:pPr lvl="2" algn="just">
               <a:lnSpc>
                 <a:spcPct val="150000"/>
               </a:lnSpc>
             </a:pPr>
             <a:r>
-              <a:rPr lang="fr-FR" sz="1000" b="1" dirty="0">
+              <a:rPr lang="en-US" sz="1200" b="1" dirty="0" smtClean="0">
                 <a:solidFill>
                   <a:schemeClr val="accent1">
                     <a:lumMod val="75000"/>
@@ -8471,437 +9088,7 @@
                 <a:ea typeface="Tahoma" pitchFamily="34" charset="0"/>
                 <a:cs typeface="Tahoma" pitchFamily="34" charset="0"/>
               </a:rPr>
-              <a:t>        for (String </a:t>
-            </a:r>
-            <a:r>
-              <a:rPr lang="fr-FR" sz="1000" b="1" dirty="0" err="1">
-                <a:solidFill>
-                  <a:schemeClr val="accent1">
-                    <a:lumMod val="75000"/>
-                  </a:schemeClr>
-                </a:solidFill>
-                <a:latin typeface="Tahoma" pitchFamily="34" charset="0"/>
-                <a:ea typeface="Tahoma" pitchFamily="34" charset="0"/>
-                <a:cs typeface="Tahoma" pitchFamily="34" charset="0"/>
-              </a:rPr>
-              <a:t>symptom</a:t>
-            </a:r>
-            <a:r>
-              <a:rPr lang="fr-FR" sz="1000" b="1" dirty="0">
-                <a:solidFill>
-                  <a:schemeClr val="accent1">
-                    <a:lumMod val="75000"/>
-                  </a:schemeClr>
-                </a:solidFill>
-                <a:latin typeface="Tahoma" pitchFamily="34" charset="0"/>
-                <a:ea typeface="Tahoma" pitchFamily="34" charset="0"/>
-                <a:cs typeface="Tahoma" pitchFamily="34" charset="0"/>
-              </a:rPr>
-              <a:t> : </a:t>
-            </a:r>
-            <a:r>
-              <a:rPr lang="fr-FR" sz="1000" b="1" dirty="0" err="1">
-                <a:solidFill>
-                  <a:schemeClr val="accent1">
-                    <a:lumMod val="75000"/>
-                  </a:schemeClr>
-                </a:solidFill>
-                <a:latin typeface="Tahoma" pitchFamily="34" charset="0"/>
-                <a:ea typeface="Tahoma" pitchFamily="34" charset="0"/>
-                <a:cs typeface="Tahoma" pitchFamily="34" charset="0"/>
-              </a:rPr>
-              <a:t>alphabeticSymptomList</a:t>
-            </a:r>
-            <a:r>
-              <a:rPr lang="fr-FR" sz="1000" b="1" dirty="0">
-                <a:solidFill>
-                  <a:schemeClr val="accent1">
-                    <a:lumMod val="75000"/>
-                  </a:schemeClr>
-                </a:solidFill>
-                <a:latin typeface="Tahoma" pitchFamily="34" charset="0"/>
-                <a:ea typeface="Tahoma" pitchFamily="34" charset="0"/>
-                <a:cs typeface="Tahoma" pitchFamily="34" charset="0"/>
-              </a:rPr>
-              <a:t>) {</a:t>
-            </a:r>
-          </a:p>
-          <a:p>
-            <a:pPr lvl="3" algn="just">
-              <a:lnSpc>
-                <a:spcPct val="150000"/>
-              </a:lnSpc>
-            </a:pPr>
-            <a:r>
-              <a:rPr lang="fr-FR" sz="1000" b="1" dirty="0">
-                <a:solidFill>
-                  <a:schemeClr val="accent1">
-                    <a:lumMod val="75000"/>
-                  </a:schemeClr>
-                </a:solidFill>
-                <a:latin typeface="Tahoma" pitchFamily="34" charset="0"/>
-                <a:ea typeface="Tahoma" pitchFamily="34" charset="0"/>
-                <a:cs typeface="Tahoma" pitchFamily="34" charset="0"/>
-              </a:rPr>
-              <a:t>            </a:t>
-            </a:r>
-            <a:r>
-              <a:rPr lang="fr-FR" sz="1000" b="1" dirty="0" err="1">
-                <a:solidFill>
-                  <a:schemeClr val="accent1">
-                    <a:lumMod val="75000"/>
-                  </a:schemeClr>
-                </a:solidFill>
-                <a:latin typeface="Tahoma" pitchFamily="34" charset="0"/>
-                <a:ea typeface="Tahoma" pitchFamily="34" charset="0"/>
-                <a:cs typeface="Tahoma" pitchFamily="34" charset="0"/>
-              </a:rPr>
-              <a:t>Integer</a:t>
-            </a:r>
-            <a:r>
-              <a:rPr lang="fr-FR" sz="1000" b="1" dirty="0">
-                <a:solidFill>
-                  <a:schemeClr val="accent1">
-                    <a:lumMod val="75000"/>
-                  </a:schemeClr>
-                </a:solidFill>
-                <a:latin typeface="Tahoma" pitchFamily="34" charset="0"/>
-                <a:ea typeface="Tahoma" pitchFamily="34" charset="0"/>
-                <a:cs typeface="Tahoma" pitchFamily="34" charset="0"/>
-              </a:rPr>
-              <a:t> nombre = </a:t>
-            </a:r>
-            <a:r>
-              <a:rPr lang="fr-FR" sz="1000" b="1" dirty="0" err="1">
-                <a:solidFill>
-                  <a:schemeClr val="accent1">
-                    <a:lumMod val="75000"/>
-                  </a:schemeClr>
-                </a:solidFill>
-                <a:latin typeface="Tahoma" pitchFamily="34" charset="0"/>
-                <a:ea typeface="Tahoma" pitchFamily="34" charset="0"/>
-                <a:cs typeface="Tahoma" pitchFamily="34" charset="0"/>
-              </a:rPr>
-              <a:t>map.get</a:t>
-            </a:r>
-            <a:r>
-              <a:rPr lang="fr-FR" sz="1000" b="1" dirty="0">
-                <a:solidFill>
-                  <a:schemeClr val="accent1">
-                    <a:lumMod val="75000"/>
-                  </a:schemeClr>
-                </a:solidFill>
-                <a:latin typeface="Tahoma" pitchFamily="34" charset="0"/>
-                <a:ea typeface="Tahoma" pitchFamily="34" charset="0"/>
-                <a:cs typeface="Tahoma" pitchFamily="34" charset="0"/>
-              </a:rPr>
-              <a:t>(</a:t>
-            </a:r>
-            <a:r>
-              <a:rPr lang="fr-FR" sz="1000" b="1" dirty="0" err="1">
-                <a:solidFill>
-                  <a:schemeClr val="accent1">
-                    <a:lumMod val="75000"/>
-                  </a:schemeClr>
-                </a:solidFill>
-                <a:latin typeface="Tahoma" pitchFamily="34" charset="0"/>
-                <a:ea typeface="Tahoma" pitchFamily="34" charset="0"/>
-                <a:cs typeface="Tahoma" pitchFamily="34" charset="0"/>
-              </a:rPr>
-              <a:t>symptom</a:t>
-            </a:r>
-            <a:r>
-              <a:rPr lang="fr-FR" sz="1000" b="1" dirty="0">
-                <a:solidFill>
-                  <a:schemeClr val="accent1">
-                    <a:lumMod val="75000"/>
-                  </a:schemeClr>
-                </a:solidFill>
-                <a:latin typeface="Tahoma" pitchFamily="34" charset="0"/>
-                <a:ea typeface="Tahoma" pitchFamily="34" charset="0"/>
-                <a:cs typeface="Tahoma" pitchFamily="34" charset="0"/>
-              </a:rPr>
-              <a:t>);</a:t>
-            </a:r>
-          </a:p>
-          <a:p>
-            <a:pPr lvl="3" algn="just">
-              <a:lnSpc>
-                <a:spcPct val="150000"/>
-              </a:lnSpc>
-            </a:pPr>
-            <a:r>
-              <a:rPr lang="fr-FR" sz="1000" b="1" dirty="0">
-                <a:solidFill>
-                  <a:schemeClr val="accent1">
-                    <a:lumMod val="75000"/>
-                  </a:schemeClr>
-                </a:solidFill>
-                <a:latin typeface="Tahoma" pitchFamily="34" charset="0"/>
-                <a:ea typeface="Tahoma" pitchFamily="34" charset="0"/>
-                <a:cs typeface="Tahoma" pitchFamily="34" charset="0"/>
-              </a:rPr>
-              <a:t>            if (nombre == </a:t>
-            </a:r>
-            <a:r>
-              <a:rPr lang="fr-FR" sz="1000" b="1" dirty="0" err="1">
-                <a:solidFill>
-                  <a:schemeClr val="accent1">
-                    <a:lumMod val="75000"/>
-                  </a:schemeClr>
-                </a:solidFill>
-                <a:latin typeface="Tahoma" pitchFamily="34" charset="0"/>
-                <a:ea typeface="Tahoma" pitchFamily="34" charset="0"/>
-                <a:cs typeface="Tahoma" pitchFamily="34" charset="0"/>
-              </a:rPr>
-              <a:t>null</a:t>
-            </a:r>
-            <a:r>
-              <a:rPr lang="fr-FR" sz="1000" b="1" dirty="0">
-                <a:solidFill>
-                  <a:schemeClr val="accent1">
-                    <a:lumMod val="75000"/>
-                  </a:schemeClr>
-                </a:solidFill>
-                <a:latin typeface="Tahoma" pitchFamily="34" charset="0"/>
-                <a:ea typeface="Tahoma" pitchFamily="34" charset="0"/>
-                <a:cs typeface="Tahoma" pitchFamily="34" charset="0"/>
-              </a:rPr>
-              <a:t>) {</a:t>
-            </a:r>
-          </a:p>
-          <a:p>
-            <a:pPr lvl="3" algn="just">
-              <a:lnSpc>
-                <a:spcPct val="150000"/>
-              </a:lnSpc>
-            </a:pPr>
-            <a:r>
-              <a:rPr lang="fr-FR" sz="1000" b="1" dirty="0">
-                <a:solidFill>
-                  <a:schemeClr val="accent1">
-                    <a:lumMod val="75000"/>
-                  </a:schemeClr>
-                </a:solidFill>
-                <a:latin typeface="Tahoma" pitchFamily="34" charset="0"/>
-                <a:ea typeface="Tahoma" pitchFamily="34" charset="0"/>
-                <a:cs typeface="Tahoma" pitchFamily="34" charset="0"/>
-              </a:rPr>
-              <a:t>                nombre = 0;</a:t>
-            </a:r>
-          </a:p>
-          <a:p>
-            <a:pPr lvl="3" algn="just">
-              <a:lnSpc>
-                <a:spcPct val="150000"/>
-              </a:lnSpc>
-            </a:pPr>
-            <a:r>
-              <a:rPr lang="fr-FR" sz="1000" b="1" dirty="0">
-                <a:solidFill>
-                  <a:schemeClr val="accent1">
-                    <a:lumMod val="75000"/>
-                  </a:schemeClr>
-                </a:solidFill>
-                <a:latin typeface="Tahoma" pitchFamily="34" charset="0"/>
-                <a:ea typeface="Tahoma" pitchFamily="34" charset="0"/>
-                <a:cs typeface="Tahoma" pitchFamily="34" charset="0"/>
-              </a:rPr>
-              <a:t>            }</a:t>
-            </a:r>
-          </a:p>
-          <a:p>
-            <a:pPr lvl="3" algn="just">
-              <a:lnSpc>
-                <a:spcPct val="150000"/>
-              </a:lnSpc>
-            </a:pPr>
-            <a:r>
-              <a:rPr lang="fr-FR" sz="1000" b="1" dirty="0">
-                <a:solidFill>
-                  <a:schemeClr val="accent1">
-                    <a:lumMod val="75000"/>
-                  </a:schemeClr>
-                </a:solidFill>
-                <a:latin typeface="Tahoma" pitchFamily="34" charset="0"/>
-                <a:ea typeface="Tahoma" pitchFamily="34" charset="0"/>
-                <a:cs typeface="Tahoma" pitchFamily="34" charset="0"/>
-              </a:rPr>
-              <a:t>            nombre++;</a:t>
-            </a:r>
-          </a:p>
-          <a:p>
-            <a:pPr lvl="3" algn="just">
-              <a:lnSpc>
-                <a:spcPct val="150000"/>
-              </a:lnSpc>
-            </a:pPr>
-            <a:r>
-              <a:rPr lang="fr-FR" sz="1000" b="1" dirty="0">
-                <a:solidFill>
-                  <a:schemeClr val="accent1">
-                    <a:lumMod val="75000"/>
-                  </a:schemeClr>
-                </a:solidFill>
-                <a:latin typeface="Tahoma" pitchFamily="34" charset="0"/>
-                <a:ea typeface="Tahoma" pitchFamily="34" charset="0"/>
-                <a:cs typeface="Tahoma" pitchFamily="34" charset="0"/>
-              </a:rPr>
-              <a:t>            </a:t>
-            </a:r>
-            <a:r>
-              <a:rPr lang="fr-FR" sz="1000" b="1" dirty="0" err="1">
-                <a:solidFill>
-                  <a:schemeClr val="accent1">
-                    <a:lumMod val="75000"/>
-                  </a:schemeClr>
-                </a:solidFill>
-                <a:latin typeface="Tahoma" pitchFamily="34" charset="0"/>
-                <a:ea typeface="Tahoma" pitchFamily="34" charset="0"/>
-                <a:cs typeface="Tahoma" pitchFamily="34" charset="0"/>
-              </a:rPr>
-              <a:t>map.put</a:t>
-            </a:r>
-            <a:r>
-              <a:rPr lang="fr-FR" sz="1000" b="1" dirty="0">
-                <a:solidFill>
-                  <a:schemeClr val="accent1">
-                    <a:lumMod val="75000"/>
-                  </a:schemeClr>
-                </a:solidFill>
-                <a:latin typeface="Tahoma" pitchFamily="34" charset="0"/>
-                <a:ea typeface="Tahoma" pitchFamily="34" charset="0"/>
-                <a:cs typeface="Tahoma" pitchFamily="34" charset="0"/>
-              </a:rPr>
-              <a:t>(</a:t>
-            </a:r>
-            <a:r>
-              <a:rPr lang="fr-FR" sz="1000" b="1" dirty="0" err="1">
-                <a:solidFill>
-                  <a:schemeClr val="accent1">
-                    <a:lumMod val="75000"/>
-                  </a:schemeClr>
-                </a:solidFill>
-                <a:latin typeface="Tahoma" pitchFamily="34" charset="0"/>
-                <a:ea typeface="Tahoma" pitchFamily="34" charset="0"/>
-                <a:cs typeface="Tahoma" pitchFamily="34" charset="0"/>
-              </a:rPr>
-              <a:t>symptom</a:t>
-            </a:r>
-            <a:r>
-              <a:rPr lang="fr-FR" sz="1000" b="1" dirty="0">
-                <a:solidFill>
-                  <a:schemeClr val="accent1">
-                    <a:lumMod val="75000"/>
-                  </a:schemeClr>
-                </a:solidFill>
-                <a:latin typeface="Tahoma" pitchFamily="34" charset="0"/>
-                <a:ea typeface="Tahoma" pitchFamily="34" charset="0"/>
-                <a:cs typeface="Tahoma" pitchFamily="34" charset="0"/>
-              </a:rPr>
-              <a:t>, nombre);</a:t>
-            </a:r>
-          </a:p>
-          <a:p>
-            <a:pPr lvl="3" algn="just">
-              <a:lnSpc>
-                <a:spcPct val="150000"/>
-              </a:lnSpc>
-            </a:pPr>
-            <a:r>
-              <a:rPr lang="fr-FR" sz="1000" b="1" dirty="0">
-                <a:solidFill>
-                  <a:schemeClr val="accent1">
-                    <a:lumMod val="75000"/>
-                  </a:schemeClr>
-                </a:solidFill>
-                <a:latin typeface="Tahoma" pitchFamily="34" charset="0"/>
-                <a:ea typeface="Tahoma" pitchFamily="34" charset="0"/>
-                <a:cs typeface="Tahoma" pitchFamily="34" charset="0"/>
-              </a:rPr>
-              <a:t>        }</a:t>
-            </a:r>
-          </a:p>
-          <a:p>
-            <a:pPr lvl="3" algn="just">
-              <a:lnSpc>
-                <a:spcPct val="150000"/>
-              </a:lnSpc>
-            </a:pPr>
-            <a:r>
-              <a:rPr lang="fr-FR" sz="1000" b="1" dirty="0">
-                <a:solidFill>
-                  <a:schemeClr val="accent1">
-                    <a:lumMod val="75000"/>
-                  </a:schemeClr>
-                </a:solidFill>
-                <a:latin typeface="Tahoma" pitchFamily="34" charset="0"/>
-                <a:ea typeface="Tahoma" pitchFamily="34" charset="0"/>
-                <a:cs typeface="Tahoma" pitchFamily="34" charset="0"/>
-              </a:rPr>
-              <a:t>        return </a:t>
-            </a:r>
-            <a:r>
-              <a:rPr lang="fr-FR" sz="1000" b="1" dirty="0" err="1">
-                <a:solidFill>
-                  <a:schemeClr val="accent1">
-                    <a:lumMod val="75000"/>
-                  </a:schemeClr>
-                </a:solidFill>
-                <a:latin typeface="Tahoma" pitchFamily="34" charset="0"/>
-                <a:ea typeface="Tahoma" pitchFamily="34" charset="0"/>
-                <a:cs typeface="Tahoma" pitchFamily="34" charset="0"/>
-              </a:rPr>
-              <a:t>map</a:t>
-            </a:r>
-            <a:r>
-              <a:rPr lang="fr-FR" sz="1000" b="1" dirty="0">
-                <a:solidFill>
-                  <a:schemeClr val="accent1">
-                    <a:lumMod val="75000"/>
-                  </a:schemeClr>
-                </a:solidFill>
-                <a:latin typeface="Tahoma" pitchFamily="34" charset="0"/>
-                <a:ea typeface="Tahoma" pitchFamily="34" charset="0"/>
-                <a:cs typeface="Tahoma" pitchFamily="34" charset="0"/>
-              </a:rPr>
-              <a:t>;</a:t>
-            </a:r>
-          </a:p>
-          <a:p>
-            <a:pPr lvl="3" algn="just">
-              <a:lnSpc>
-                <a:spcPct val="150000"/>
-              </a:lnSpc>
-            </a:pPr>
-            <a:r>
-              <a:rPr lang="fr-FR" sz="1000" b="1" dirty="0">
-                <a:solidFill>
-                  <a:schemeClr val="accent1">
-                    <a:lumMod val="75000"/>
-                  </a:schemeClr>
-                </a:solidFill>
-                <a:latin typeface="Tahoma" pitchFamily="34" charset="0"/>
-                <a:ea typeface="Tahoma" pitchFamily="34" charset="0"/>
-                <a:cs typeface="Tahoma" pitchFamily="34" charset="0"/>
-              </a:rPr>
-              <a:t>    }</a:t>
-            </a:r>
-            <a:r>
-              <a:rPr lang="fr-FR" sz="1600" dirty="0" smtClean="0">
-                <a:latin typeface="Tahoma" pitchFamily="34" charset="0"/>
-                <a:ea typeface="Tahoma" pitchFamily="34" charset="0"/>
-                <a:cs typeface="Tahoma" pitchFamily="34" charset="0"/>
-              </a:rPr>
-              <a:t>	</a:t>
-            </a:r>
-            <a:r>
-              <a:rPr lang="fr-FR" sz="1600" dirty="0">
-                <a:latin typeface="Tahoma" pitchFamily="34" charset="0"/>
-                <a:ea typeface="Tahoma" pitchFamily="34" charset="0"/>
-                <a:cs typeface="Tahoma" pitchFamily="34" charset="0"/>
-              </a:rPr>
-              <a:t>	</a:t>
+              <a:t>     </a:t>
             </a:r>
             <a:r>
               <a:rPr lang="fr-FR" sz="1600" dirty="0" smtClean="0">
@@ -9083,7 +9270,31 @@
                 <a:ea typeface="Tahoma" pitchFamily="34" charset="0"/>
                 <a:cs typeface="Tahoma" pitchFamily="34" charset="0"/>
               </a:rPr>
-              <a:t>Présentation de ma solution  </a:t>
+              <a:t>Présentation de </a:t>
+            </a:r>
+            <a:r>
+              <a:rPr lang="fr-FR" sz="1400" b="1" dirty="0">
+                <a:latin typeface="Tahoma" pitchFamily="34" charset="0"/>
+                <a:ea typeface="Tahoma" pitchFamily="34" charset="0"/>
+                <a:cs typeface="Tahoma" pitchFamily="34" charset="0"/>
+              </a:rPr>
+              <a:t>L</a:t>
+            </a:r>
+            <a:r>
+              <a:rPr lang="fr-FR" sz="1400" b="1" dirty="0" smtClean="0">
+                <a:latin typeface="Tahoma" pitchFamily="34" charset="0"/>
+                <a:ea typeface="Tahoma" pitchFamily="34" charset="0"/>
+                <a:cs typeface="Tahoma" pitchFamily="34" charset="0"/>
+              </a:rPr>
+              <a:t>a </a:t>
+            </a:r>
+            <a:r>
+              <a:rPr lang="fr-FR" sz="1400" b="1" dirty="0" smtClean="0">
+                <a:latin typeface="Tahoma" pitchFamily="34" charset="0"/>
+                <a:ea typeface="Tahoma" pitchFamily="34" charset="0"/>
+                <a:cs typeface="Tahoma" pitchFamily="34" charset="0"/>
+              </a:rPr>
+              <a:t>solution  </a:t>
             </a:r>
             <a:endParaRPr lang="fr-FR" sz="1400" b="1" dirty="0">
               <a:latin typeface="Tahoma" pitchFamily="34" charset="0"/>
@@ -9102,7 +9313,7 @@
         <p:spPr>
           <a:xfrm>
             <a:off x="179512" y="764704"/>
-            <a:ext cx="8640960" cy="4062651"/>
+            <a:ext cx="8640960" cy="1200329"/>
           </a:xfrm>
           <a:prstGeom prst="rect">
             <a:avLst/>
@@ -9128,15 +9339,23 @@
                 <a:ea typeface="Tahoma" pitchFamily="34" charset="0"/>
                 <a:cs typeface="Tahoma" pitchFamily="34" charset="0"/>
               </a:rPr>
-              <a:t>Le tri dans l’ordre les différents </a:t>
-            </a:r>
-            <a:r>
-              <a:rPr lang="fr-FR" sz="1600" dirty="0" err="1" smtClean="0">
-                <a:latin typeface="Tahoma" pitchFamily="34" charset="0"/>
-                <a:ea typeface="Tahoma" pitchFamily="34" charset="0"/>
-                <a:cs typeface="Tahoma" pitchFamily="34" charset="0"/>
-              </a:rPr>
-              <a:t>symtoms</a:t>
+              <a:t>La classe </a:t>
+            </a:r>
+            <a:r>
+              <a:rPr lang="fr-FR" sz="1600" b="1" dirty="0" err="1" smtClean="0">
+                <a:latin typeface="Tahoma" pitchFamily="34" charset="0"/>
+                <a:ea typeface="Tahoma" pitchFamily="34" charset="0"/>
+                <a:cs typeface="Tahoma" pitchFamily="34" charset="0"/>
+              </a:rPr>
+              <a:t>ReadSymptomDataFromFile</a:t>
+            </a:r>
+            <a:r>
+              <a:rPr lang="fr-FR" sz="1600" b="1" dirty="0" smtClean="0">
+                <a:latin typeface="Tahoma" pitchFamily="34" charset="0"/>
+                <a:ea typeface="Tahoma" pitchFamily="34" charset="0"/>
+                <a:cs typeface="Tahoma" pitchFamily="34" charset="0"/>
+              </a:rPr>
+              <a:t> </a:t>
             </a:r>
             <a:r>
               <a:rPr lang="fr-FR" sz="1600" dirty="0" smtClean="0">
@@ -9144,8 +9363,37 @@
                 <a:ea typeface="Tahoma" pitchFamily="34" charset="0"/>
                 <a:cs typeface="Tahoma" pitchFamily="34" charset="0"/>
               </a:rPr>
-              <a:t> </a:t>
-            </a:r>
+              <a:t>implémente l’interface </a:t>
+            </a:r>
+            <a:r>
+              <a:rPr lang="fr-FR" sz="1600" b="1" dirty="0" err="1" smtClean="0">
+                <a:latin typeface="Tahoma" pitchFamily="34" charset="0"/>
+                <a:ea typeface="Tahoma" pitchFamily="34" charset="0"/>
+                <a:cs typeface="Tahoma" pitchFamily="34" charset="0"/>
+              </a:rPr>
+              <a:t>ISymptomReader</a:t>
+            </a:r>
+            <a:r>
+              <a:rPr lang="fr-FR" sz="1600" b="1" dirty="0" smtClean="0">
+                <a:latin typeface="Tahoma" pitchFamily="34" charset="0"/>
+                <a:ea typeface="Tahoma" pitchFamily="34" charset="0"/>
+                <a:cs typeface="Tahoma" pitchFamily="34" charset="0"/>
+              </a:rPr>
+              <a:t>  </a:t>
+            </a:r>
+            <a:r>
+              <a:rPr lang="fr-FR" sz="1600" dirty="0" smtClean="0">
+                <a:latin typeface="Tahoma" pitchFamily="34" charset="0"/>
+                <a:ea typeface="Tahoma" pitchFamily="34" charset="0"/>
+                <a:cs typeface="Tahoma" pitchFamily="34" charset="0"/>
+              </a:rPr>
+              <a:t>  </a:t>
+            </a:r>
+            <a:endParaRPr lang="fr-FR" sz="1600" dirty="0" smtClean="0">
+              <a:latin typeface="Tahoma" pitchFamily="34" charset="0"/>
+              <a:ea typeface="Tahoma" pitchFamily="34" charset="0"/>
+              <a:cs typeface="Tahoma" pitchFamily="34" charset="0"/>
+            </a:endParaRPr>
           </a:p>
           <a:p>
             <a:pPr lvl="2" algn="just">
@@ -9159,959 +9407,434 @@
               <a:cs typeface="Tahoma" pitchFamily="34" charset="0"/>
             </a:endParaRPr>
           </a:p>
-          <a:p>
-            <a:pPr lvl="3" algn="just">
-              <a:lnSpc>
-                <a:spcPct val="150000"/>
-              </a:lnSpc>
-            </a:pPr>
-            <a:r>
-              <a:rPr lang="fr-FR" sz="1000" b="1" dirty="0">
-                <a:solidFill>
-                  <a:schemeClr val="accent1">
-                    <a:lumMod val="75000"/>
-                  </a:schemeClr>
-                </a:solidFill>
-                <a:latin typeface="Tahoma" pitchFamily="34" charset="0"/>
-                <a:ea typeface="Tahoma" pitchFamily="34" charset="0"/>
-                <a:cs typeface="Tahoma" pitchFamily="34" charset="0"/>
-              </a:rPr>
-              <a:t>public </a:t>
-            </a:r>
-            <a:r>
-              <a:rPr lang="fr-FR" sz="1000" b="1" dirty="0" err="1">
-                <a:solidFill>
-                  <a:schemeClr val="accent1">
-                    <a:lumMod val="75000"/>
-                  </a:schemeClr>
-                </a:solidFill>
-                <a:latin typeface="Tahoma" pitchFamily="34" charset="0"/>
-                <a:ea typeface="Tahoma" pitchFamily="34" charset="0"/>
-                <a:cs typeface="Tahoma" pitchFamily="34" charset="0"/>
-              </a:rPr>
-              <a:t>Map</a:t>
-            </a:r>
-            <a:r>
-              <a:rPr lang="fr-FR" sz="1000" b="1" dirty="0">
-                <a:solidFill>
-                  <a:schemeClr val="accent1">
-                    <a:lumMod val="75000"/>
-                  </a:schemeClr>
-                </a:solidFill>
-                <a:latin typeface="Tahoma" pitchFamily="34" charset="0"/>
-                <a:ea typeface="Tahoma" pitchFamily="34" charset="0"/>
-                <a:cs typeface="Tahoma" pitchFamily="34" charset="0"/>
-              </a:rPr>
-              <a:t>&lt;String, </a:t>
-            </a:r>
-            <a:r>
-              <a:rPr lang="fr-FR" sz="1000" b="1" dirty="0" err="1">
-                <a:solidFill>
-                  <a:schemeClr val="accent1">
-                    <a:lumMod val="75000"/>
-                  </a:schemeClr>
-                </a:solidFill>
-                <a:latin typeface="Tahoma" pitchFamily="34" charset="0"/>
-                <a:ea typeface="Tahoma" pitchFamily="34" charset="0"/>
-                <a:cs typeface="Tahoma" pitchFamily="34" charset="0"/>
-              </a:rPr>
-              <a:t>Integer</a:t>
-            </a:r>
-            <a:r>
-              <a:rPr lang="fr-FR" sz="1000" b="1" dirty="0">
-                <a:solidFill>
-                  <a:schemeClr val="accent1">
-                    <a:lumMod val="75000"/>
-                  </a:schemeClr>
-                </a:solidFill>
-                <a:latin typeface="Tahoma" pitchFamily="34" charset="0"/>
-                <a:ea typeface="Tahoma" pitchFamily="34" charset="0"/>
-                <a:cs typeface="Tahoma" pitchFamily="34" charset="0"/>
-              </a:rPr>
+        </p:txBody>
+      </p:sp>
+      <p:sp>
+        <p:nvSpPr>
+          <p:cNvPr id="2" name="ZoneTexte 1"/>
+          <p:cNvSpPr txBox="1"/>
+          <p:nvPr/>
+        </p:nvSpPr>
+        <p:spPr>
+          <a:xfrm>
+            <a:off x="971600" y="1628800"/>
+            <a:ext cx="6768752" cy="4893647"/>
+          </a:xfrm>
+          <a:prstGeom prst="rect">
+            <a:avLst/>
+          </a:prstGeom>
+          <a:noFill/>
+        </p:spPr>
+        <p:txBody>
+          <a:bodyPr wrap="square" rtlCol="0">
+            <a:spAutoFit/>
+          </a:bodyPr>
+          <a:lstStyle/>
+          <a:p>
+            <a:r>
+              <a:rPr lang="fr-FR" sz="1200" dirty="0"/>
+              <a:t>/**</a:t>
+            </a:r>
+          </a:p>
+          <a:p>
+            <a:r>
+              <a:rPr lang="fr-FR" sz="1200" dirty="0"/>
+              <a:t> * List of </a:t>
+            </a:r>
+            <a:r>
+              <a:rPr lang="fr-FR" sz="1200" dirty="0" err="1"/>
+              <a:t>symptoms</a:t>
+            </a:r>
+            <a:r>
+              <a:rPr lang="fr-FR" sz="1200" dirty="0"/>
+              <a:t> </a:t>
+            </a:r>
+          </a:p>
+          <a:p>
+            <a:r>
+              <a:rPr lang="fr-FR" sz="1200" dirty="0"/>
+              <a:t> * </a:t>
+            </a:r>
+            <a:r>
+              <a:rPr lang="fr-FR" sz="1200" b="1" dirty="0"/>
+              <a:t>@</a:t>
+            </a:r>
+            <a:r>
+              <a:rPr lang="fr-FR" sz="1200" b="1" dirty="0" err="1"/>
+              <a:t>see</a:t>
+            </a:r>
+            <a:r>
+              <a:rPr lang="fr-FR" sz="1200" b="1" dirty="0"/>
+              <a:t> </a:t>
+            </a:r>
+            <a:r>
+              <a:rPr lang="fr-FR" sz="1200" b="1" dirty="0" err="1"/>
+              <a:t>com.hemebiotech.analytics#ISymptomReader.getSymptoms</a:t>
+            </a:r>
+            <a:r>
+              <a:rPr lang="fr-FR" sz="1200" b="1" dirty="0"/>
+              <a:t>(String </a:t>
+            </a:r>
+            <a:r>
+              <a:rPr lang="fr-FR" sz="1200" b="1" dirty="0" err="1"/>
+              <a:t>filepath</a:t>
+            </a:r>
+            <a:r>
+              <a:rPr lang="fr-FR" sz="1200" b="1" dirty="0"/>
+              <a:t>);</a:t>
+            </a:r>
+          </a:p>
+          <a:p>
+            <a:r>
+              <a:rPr lang="fr-FR" sz="1200" dirty="0"/>
+              <a:t> */</a:t>
+            </a:r>
+          </a:p>
+          <a:p>
+            <a:endParaRPr lang="fr-FR" sz="1200" dirty="0"/>
+          </a:p>
+          <a:p>
+            <a:r>
+              <a:rPr lang="fr-FR" sz="1200" dirty="0"/>
+              <a:t>@</a:t>
+            </a:r>
+            <a:r>
+              <a:rPr lang="fr-FR" sz="1200" dirty="0" err="1"/>
+              <a:t>Override</a:t>
+            </a:r>
+            <a:endParaRPr lang="fr-FR" sz="1200" dirty="0"/>
+          </a:p>
+          <a:p>
+            <a:r>
+              <a:rPr lang="fr-FR" sz="1200" b="1" dirty="0"/>
+              <a:t>public List&lt;String&gt; </a:t>
+            </a:r>
+            <a:r>
+              <a:rPr lang="fr-FR" sz="1200" b="1" dirty="0" err="1"/>
+              <a:t>getSymptoms</a:t>
+            </a:r>
+            <a:r>
+              <a:rPr lang="fr-FR" sz="1200" b="1" dirty="0"/>
+              <a:t>(String </a:t>
+            </a:r>
+            <a:r>
+              <a:rPr lang="fr-FR" sz="1200" b="1" dirty="0" err="1"/>
+              <a:t>filepath</a:t>
+            </a:r>
+            <a:r>
+              <a:rPr lang="fr-FR" sz="1200" b="1" dirty="0"/>
+              <a:t>) </a:t>
+            </a:r>
+            <a:r>
+              <a:rPr lang="fr-FR" sz="1200" b="1" dirty="0" smtClean="0"/>
+              <a:t>{</a:t>
+            </a:r>
+          </a:p>
+          <a:p>
+            <a:endParaRPr lang="fr-FR" sz="1200" b="1" dirty="0"/>
+          </a:p>
+          <a:p>
+            <a:r>
+              <a:rPr lang="fr-FR" sz="1200" dirty="0" smtClean="0"/>
+              <a:t>             </a:t>
+            </a:r>
+            <a:r>
+              <a:rPr lang="fr-FR" sz="1200" dirty="0" err="1" smtClean="0"/>
+              <a:t>ArrayList</a:t>
+            </a:r>
+            <a:r>
+              <a:rPr lang="fr-FR" sz="1200" dirty="0" smtClean="0"/>
+              <a:t>&lt;String</a:t>
+            </a:r>
+            <a:r>
+              <a:rPr lang="fr-FR" sz="1200" dirty="0"/>
               <a:t>&gt; </a:t>
             </a:r>
             <a:r>
-              <a:rPr lang="fr-FR" sz="1000" b="1" dirty="0" err="1">
-                <a:solidFill>
-                  <a:schemeClr val="accent1">
-                    <a:lumMod val="75000"/>
-                  </a:schemeClr>
-                </a:solidFill>
-                <a:latin typeface="Tahoma" pitchFamily="34" charset="0"/>
-                <a:ea typeface="Tahoma" pitchFamily="34" charset="0"/>
-                <a:cs typeface="Tahoma" pitchFamily="34" charset="0"/>
-              </a:rPr>
-              <a:t>sortSymptoms</a:t>
-            </a:r>
-            <a:r>
-              <a:rPr lang="fr-FR" sz="1000" b="1" dirty="0">
-                <a:solidFill>
-                  <a:schemeClr val="accent1">
-                    <a:lumMod val="75000"/>
-                  </a:schemeClr>
-                </a:solidFill>
-                <a:latin typeface="Tahoma" pitchFamily="34" charset="0"/>
-                <a:ea typeface="Tahoma" pitchFamily="34" charset="0"/>
-                <a:cs typeface="Tahoma" pitchFamily="34" charset="0"/>
-              </a:rPr>
+              <a:rPr lang="fr-FR" sz="1200" dirty="0" err="1"/>
+              <a:t>result</a:t>
+            </a:r>
+            <a:r>
+              <a:rPr lang="fr-FR" sz="1200" dirty="0"/>
+              <a:t> = </a:t>
+            </a:r>
+            <a:r>
+              <a:rPr lang="fr-FR" sz="1200" b="1" dirty="0"/>
+              <a:t>new </a:t>
+            </a:r>
+            <a:r>
+              <a:rPr lang="fr-FR" sz="1200" b="1" dirty="0" err="1"/>
+              <a:t>ArrayList</a:t>
+            </a:r>
+            <a:r>
+              <a:rPr lang="fr-FR" sz="1200" b="1" dirty="0"/>
+              <a:t>&lt;&gt;();</a:t>
+            </a:r>
+          </a:p>
+          <a:p>
+            <a:endParaRPr lang="fr-FR" sz="1200" dirty="0"/>
+          </a:p>
+          <a:p>
+            <a:pPr lvl="1"/>
+            <a:r>
+              <a:rPr lang="fr-FR" sz="1200" b="1" dirty="0"/>
+              <a:t>if (</a:t>
+            </a:r>
+            <a:r>
+              <a:rPr lang="fr-FR" sz="1200" b="1" dirty="0" err="1"/>
+              <a:t>filepath</a:t>
+            </a:r>
+            <a:r>
+              <a:rPr lang="fr-FR" sz="1200" b="1" dirty="0"/>
+              <a:t> != </a:t>
+            </a:r>
+            <a:r>
+              <a:rPr lang="fr-FR" sz="1200" b="1" dirty="0" err="1"/>
+              <a:t>null</a:t>
+            </a:r>
+            <a:r>
+              <a:rPr lang="fr-FR" sz="1200" b="1" dirty="0"/>
+              <a:t>) {</a:t>
+            </a:r>
+          </a:p>
+          <a:p>
+            <a:pPr lvl="1"/>
+            <a:r>
+              <a:rPr lang="en-US" sz="1200" b="1" dirty="0" smtClean="0"/>
+              <a:t>      try(</a:t>
+            </a:r>
+            <a:r>
+              <a:rPr lang="en-US" sz="1200" b="1" dirty="0" err="1" smtClean="0"/>
+              <a:t>BufferedReader</a:t>
+            </a:r>
+            <a:r>
+              <a:rPr lang="en-US" sz="1200" b="1" dirty="0" smtClean="0"/>
+              <a:t> </a:t>
+            </a:r>
+            <a:r>
+              <a:rPr lang="en-US" sz="1200" b="1" dirty="0"/>
+              <a:t>reader = new </a:t>
+            </a:r>
+            <a:r>
+              <a:rPr lang="en-US" sz="1200" b="1" dirty="0" err="1"/>
+              <a:t>BufferedReader</a:t>
+            </a:r>
+            <a:r>
+              <a:rPr lang="en-US" sz="1200" b="1" dirty="0"/>
+              <a:t> (new </a:t>
+            </a:r>
+            <a:r>
+              <a:rPr lang="en-US" sz="1200" b="1" dirty="0" err="1"/>
+              <a:t>FileReader</a:t>
+            </a:r>
+            <a:r>
+              <a:rPr lang="en-US" sz="1200" b="1" dirty="0"/>
               <a:t>(</a:t>
             </a:r>
             <a:r>
-              <a:rPr lang="fr-FR" sz="1000" b="1" dirty="0" err="1">
-                <a:solidFill>
-                  <a:schemeClr val="accent1">
-                    <a:lumMod val="75000"/>
-                  </a:schemeClr>
-                </a:solidFill>
-                <a:latin typeface="Tahoma" pitchFamily="34" charset="0"/>
-                <a:ea typeface="Tahoma" pitchFamily="34" charset="0"/>
-                <a:cs typeface="Tahoma" pitchFamily="34" charset="0"/>
-              </a:rPr>
-              <a:t>Map</a:t>
-            </a:r>
-            <a:r>
-              <a:rPr lang="fr-FR" sz="1000" b="1" dirty="0">
-                <a:solidFill>
-                  <a:schemeClr val="accent1">
-                    <a:lumMod val="75000"/>
-                  </a:schemeClr>
-                </a:solidFill>
-                <a:latin typeface="Tahoma" pitchFamily="34" charset="0"/>
-                <a:ea typeface="Tahoma" pitchFamily="34" charset="0"/>
-                <a:cs typeface="Tahoma" pitchFamily="34" charset="0"/>
-              </a:rPr>
-              <a:t>&lt;String, </a:t>
-            </a:r>
-            <a:r>
-              <a:rPr lang="fr-FR" sz="1000" b="1" dirty="0" err="1">
-                <a:solidFill>
-                  <a:schemeClr val="accent1">
-                    <a:lumMod val="75000"/>
-                  </a:schemeClr>
-                </a:solidFill>
-                <a:latin typeface="Tahoma" pitchFamily="34" charset="0"/>
-                <a:ea typeface="Tahoma" pitchFamily="34" charset="0"/>
-                <a:cs typeface="Tahoma" pitchFamily="34" charset="0"/>
-              </a:rPr>
-              <a:t>Integer</a:t>
-            </a:r>
-            <a:r>
-              <a:rPr lang="fr-FR" sz="1000" b="1" dirty="0">
-                <a:solidFill>
-                  <a:schemeClr val="accent1">
-                    <a:lumMod val="75000"/>
-                  </a:schemeClr>
-                </a:solidFill>
-                <a:latin typeface="Tahoma" pitchFamily="34" charset="0"/>
-                <a:ea typeface="Tahoma" pitchFamily="34" charset="0"/>
-                <a:cs typeface="Tahoma" pitchFamily="34" charset="0"/>
-              </a:rPr>
-              <a:t>&gt; </a:t>
-            </a:r>
-            <a:r>
-              <a:rPr lang="fr-FR" sz="1000" b="1" dirty="0" err="1">
-                <a:solidFill>
-                  <a:schemeClr val="accent1">
-                    <a:lumMod val="75000"/>
-                  </a:schemeClr>
-                </a:solidFill>
-                <a:latin typeface="Tahoma" pitchFamily="34" charset="0"/>
-                <a:ea typeface="Tahoma" pitchFamily="34" charset="0"/>
-                <a:cs typeface="Tahoma" pitchFamily="34" charset="0"/>
-              </a:rPr>
-              <a:t>groupedSymptoms</a:t>
-            </a:r>
-            <a:r>
-              <a:rPr lang="fr-FR" sz="1000" b="1" dirty="0">
-                <a:solidFill>
-                  <a:schemeClr val="accent1">
-                    <a:lumMod val="75000"/>
-                  </a:schemeClr>
-                </a:solidFill>
-                <a:latin typeface="Tahoma" pitchFamily="34" charset="0"/>
-                <a:ea typeface="Tahoma" pitchFamily="34" charset="0"/>
-                <a:cs typeface="Tahoma" pitchFamily="34" charset="0"/>
-              </a:rPr>
+              <a:rPr lang="en-US" sz="1200" b="1" dirty="0" err="1"/>
+              <a:t>filepath</a:t>
+            </a:r>
+            <a:r>
+              <a:rPr lang="en-US" sz="1200" b="1" dirty="0"/>
+              <a:t>))) {</a:t>
+            </a:r>
+          </a:p>
+          <a:p>
+            <a:pPr lvl="1"/>
+            <a:r>
+              <a:rPr lang="fr-FR" sz="1200" dirty="0" smtClean="0"/>
+              <a:t>                String </a:t>
+            </a:r>
+            <a:r>
+              <a:rPr lang="fr-FR" sz="1200" dirty="0"/>
+              <a:t>line = </a:t>
+            </a:r>
+            <a:r>
+              <a:rPr lang="fr-FR" sz="1200" dirty="0" err="1"/>
+              <a:t>reader.readLine</a:t>
+            </a:r>
+            <a:r>
+              <a:rPr lang="fr-FR" sz="1200" dirty="0"/>
+              <a:t>();</a:t>
+            </a:r>
+          </a:p>
+          <a:p>
+            <a:pPr lvl="2"/>
+            <a:r>
+              <a:rPr lang="fr-FR" sz="1200" b="1" dirty="0" smtClean="0"/>
+              <a:t>   </a:t>
+            </a:r>
+            <a:r>
+              <a:rPr lang="fr-FR" sz="1200" b="1" dirty="0" err="1" smtClean="0"/>
+              <a:t>while</a:t>
+            </a:r>
+            <a:r>
+              <a:rPr lang="fr-FR" sz="1200" b="1" dirty="0" smtClean="0"/>
+              <a:t> </a:t>
+            </a:r>
+            <a:r>
+              <a:rPr lang="fr-FR" sz="1200" b="1" dirty="0"/>
+              <a:t>(line != </a:t>
+            </a:r>
+            <a:r>
+              <a:rPr lang="fr-FR" sz="1200" b="1" dirty="0" err="1"/>
+              <a:t>null</a:t>
+            </a:r>
+            <a:r>
+              <a:rPr lang="fr-FR" sz="1200" b="1" dirty="0"/>
               <a:t>) {</a:t>
             </a:r>
           </a:p>
           <a:p>
-            <a:pPr lvl="3" algn="just">
-              <a:lnSpc>
-                <a:spcPct val="150000"/>
-              </a:lnSpc>
-            </a:pPr>
-            <a:r>
-              <a:rPr lang="fr-FR" sz="1000" b="1" dirty="0">
-                <a:solidFill>
-                  <a:schemeClr val="accent1">
-                    <a:lumMod val="75000"/>
-                  </a:schemeClr>
-                </a:solidFill>
-                <a:latin typeface="Tahoma" pitchFamily="34" charset="0"/>
-                <a:ea typeface="Tahoma" pitchFamily="34" charset="0"/>
-                <a:cs typeface="Tahoma" pitchFamily="34" charset="0"/>
-              </a:rPr>
-              <a:t>        </a:t>
-            </a:r>
-          </a:p>
-          <a:p>
-            <a:pPr lvl="3" algn="just">
-              <a:lnSpc>
-                <a:spcPct val="150000"/>
-              </a:lnSpc>
-            </a:pPr>
-            <a:r>
-              <a:rPr lang="fr-FR" sz="1000" b="1" dirty="0">
-                <a:solidFill>
-                  <a:schemeClr val="accent1">
-                    <a:lumMod val="75000"/>
-                  </a:schemeClr>
-                </a:solidFill>
-                <a:latin typeface="Tahoma" pitchFamily="34" charset="0"/>
-                <a:ea typeface="Tahoma" pitchFamily="34" charset="0"/>
-                <a:cs typeface="Tahoma" pitchFamily="34" charset="0"/>
-              </a:rPr>
-              <a:t>        </a:t>
-            </a:r>
-            <a:r>
-              <a:rPr lang="fr-FR" sz="1000" b="1" dirty="0" err="1">
-                <a:solidFill>
-                  <a:schemeClr val="accent1">
-                    <a:lumMod val="75000"/>
-                  </a:schemeClr>
-                </a:solidFill>
-                <a:latin typeface="Tahoma" pitchFamily="34" charset="0"/>
-                <a:ea typeface="Tahoma" pitchFamily="34" charset="0"/>
-                <a:cs typeface="Tahoma" pitchFamily="34" charset="0"/>
-              </a:rPr>
-              <a:t>System.out.println</a:t>
-            </a:r>
-            <a:r>
-              <a:rPr lang="fr-FR" sz="1000" b="1" dirty="0">
-                <a:solidFill>
-                  <a:schemeClr val="accent1">
-                    <a:lumMod val="75000"/>
-                  </a:schemeClr>
-                </a:solidFill>
-                <a:latin typeface="Tahoma" pitchFamily="34" charset="0"/>
-                <a:ea typeface="Tahoma" pitchFamily="34" charset="0"/>
-                <a:cs typeface="Tahoma" pitchFamily="34" charset="0"/>
-              </a:rPr>
-              <a:t>("Groupe </a:t>
-            </a:r>
-            <a:r>
-              <a:rPr lang="fr-FR" sz="1000" b="1" dirty="0" err="1">
-                <a:solidFill>
-                  <a:schemeClr val="accent1">
-                    <a:lumMod val="75000"/>
-                  </a:schemeClr>
-                </a:solidFill>
-                <a:latin typeface="Tahoma" pitchFamily="34" charset="0"/>
-                <a:ea typeface="Tahoma" pitchFamily="34" charset="0"/>
-                <a:cs typeface="Tahoma" pitchFamily="34" charset="0"/>
-              </a:rPr>
-              <a:t>Symptoms</a:t>
-            </a:r>
-            <a:r>
-              <a:rPr lang="fr-FR" sz="1000" b="1" dirty="0">
-                <a:solidFill>
-                  <a:schemeClr val="accent1">
-                    <a:lumMod val="75000"/>
-                  </a:schemeClr>
-                </a:solidFill>
-                <a:latin typeface="Tahoma" pitchFamily="34" charset="0"/>
-                <a:ea typeface="Tahoma" pitchFamily="34" charset="0"/>
-                <a:cs typeface="Tahoma" pitchFamily="34" charset="0"/>
-              </a:rPr>
-              <a:t> : "+</a:t>
-            </a:r>
-            <a:r>
-              <a:rPr lang="fr-FR" sz="1000" b="1" dirty="0" err="1">
-                <a:solidFill>
-                  <a:schemeClr val="accent1">
-                    <a:lumMod val="75000"/>
-                  </a:schemeClr>
-                </a:solidFill>
-                <a:latin typeface="Tahoma" pitchFamily="34" charset="0"/>
-                <a:ea typeface="Tahoma" pitchFamily="34" charset="0"/>
-                <a:cs typeface="Tahoma" pitchFamily="34" charset="0"/>
-              </a:rPr>
-              <a:t>groupedSymptoms</a:t>
-            </a:r>
-            <a:r>
-              <a:rPr lang="fr-FR" sz="1000" b="1" dirty="0">
-                <a:solidFill>
-                  <a:schemeClr val="accent1">
-                    <a:lumMod val="75000"/>
-                  </a:schemeClr>
-                </a:solidFill>
-                <a:latin typeface="Tahoma" pitchFamily="34" charset="0"/>
-                <a:ea typeface="Tahoma" pitchFamily="34" charset="0"/>
-                <a:cs typeface="Tahoma" pitchFamily="34" charset="0"/>
-              </a:rPr>
-              <a:t>);</a:t>
-            </a:r>
-          </a:p>
-          <a:p>
-            <a:pPr lvl="3" algn="just">
-              <a:lnSpc>
-                <a:spcPct val="150000"/>
-              </a:lnSpc>
-            </a:pPr>
-            <a:r>
-              <a:rPr lang="fr-FR" sz="1000" b="1" dirty="0">
-                <a:solidFill>
-                  <a:schemeClr val="accent1">
-                    <a:lumMod val="75000"/>
-                  </a:schemeClr>
-                </a:solidFill>
-                <a:latin typeface="Tahoma" pitchFamily="34" charset="0"/>
-                <a:ea typeface="Tahoma" pitchFamily="34" charset="0"/>
-                <a:cs typeface="Tahoma" pitchFamily="34" charset="0"/>
-              </a:rPr>
-              <a:t>        </a:t>
-            </a:r>
-          </a:p>
-          <a:p>
-            <a:pPr lvl="3" algn="just">
-              <a:lnSpc>
-                <a:spcPct val="150000"/>
-              </a:lnSpc>
-            </a:pPr>
-            <a:r>
-              <a:rPr lang="fr-FR" sz="1000" b="1" dirty="0">
-                <a:solidFill>
-                  <a:schemeClr val="accent1">
-                    <a:lumMod val="75000"/>
-                  </a:schemeClr>
-                </a:solidFill>
-                <a:latin typeface="Tahoma" pitchFamily="34" charset="0"/>
-                <a:ea typeface="Tahoma" pitchFamily="34" charset="0"/>
-                <a:cs typeface="Tahoma" pitchFamily="34" charset="0"/>
-              </a:rPr>
-              <a:t>        </a:t>
-            </a:r>
-            <a:r>
-              <a:rPr lang="fr-FR" sz="1000" b="1" dirty="0" err="1">
-                <a:solidFill>
-                  <a:schemeClr val="accent1">
-                    <a:lumMod val="75000"/>
-                  </a:schemeClr>
-                </a:solidFill>
-                <a:latin typeface="Tahoma" pitchFamily="34" charset="0"/>
-                <a:ea typeface="Tahoma" pitchFamily="34" charset="0"/>
-                <a:cs typeface="Tahoma" pitchFamily="34" charset="0"/>
-              </a:rPr>
-              <a:t>Map</a:t>
-            </a:r>
-            <a:r>
-              <a:rPr lang="fr-FR" sz="1000" b="1" dirty="0">
-                <a:solidFill>
-                  <a:schemeClr val="accent1">
-                    <a:lumMod val="75000"/>
-                  </a:schemeClr>
-                </a:solidFill>
-                <a:latin typeface="Tahoma" pitchFamily="34" charset="0"/>
-                <a:ea typeface="Tahoma" pitchFamily="34" charset="0"/>
-                <a:cs typeface="Tahoma" pitchFamily="34" charset="0"/>
-              </a:rPr>
-              <a:t>&lt;String, </a:t>
-            </a:r>
-            <a:r>
-              <a:rPr lang="fr-FR" sz="1000" b="1" dirty="0" err="1">
-                <a:solidFill>
-                  <a:schemeClr val="accent1">
-                    <a:lumMod val="75000"/>
-                  </a:schemeClr>
-                </a:solidFill>
-                <a:latin typeface="Tahoma" pitchFamily="34" charset="0"/>
-                <a:ea typeface="Tahoma" pitchFamily="34" charset="0"/>
-                <a:cs typeface="Tahoma" pitchFamily="34" charset="0"/>
-              </a:rPr>
-              <a:t>Integer</a:t>
-            </a:r>
-            <a:r>
-              <a:rPr lang="fr-FR" sz="1000" b="1" dirty="0">
-                <a:solidFill>
-                  <a:schemeClr val="accent1">
-                    <a:lumMod val="75000"/>
-                  </a:schemeClr>
-                </a:solidFill>
-                <a:latin typeface="Tahoma" pitchFamily="34" charset="0"/>
-                <a:ea typeface="Tahoma" pitchFamily="34" charset="0"/>
-                <a:cs typeface="Tahoma" pitchFamily="34" charset="0"/>
-              </a:rPr>
-              <a:t>&gt; </a:t>
-            </a:r>
-            <a:r>
-              <a:rPr lang="fr-FR" sz="1000" b="1" dirty="0" err="1">
-                <a:solidFill>
-                  <a:schemeClr val="accent1">
-                    <a:lumMod val="75000"/>
-                  </a:schemeClr>
-                </a:solidFill>
-                <a:latin typeface="Tahoma" pitchFamily="34" charset="0"/>
-                <a:ea typeface="Tahoma" pitchFamily="34" charset="0"/>
-                <a:cs typeface="Tahoma" pitchFamily="34" charset="0"/>
-              </a:rPr>
+            <a:pPr lvl="2"/>
+            <a:r>
+              <a:rPr lang="fr-FR" sz="1200" dirty="0" smtClean="0"/>
+              <a:t>           </a:t>
+            </a:r>
+            <a:r>
+              <a:rPr lang="fr-FR" sz="1200" dirty="0" err="1" smtClean="0"/>
+              <a:t>result.add</a:t>
+            </a:r>
+            <a:r>
+              <a:rPr lang="fr-FR" sz="1200" dirty="0" smtClean="0"/>
+              <a:t>(</a:t>
+            </a:r>
+            <a:r>
+              <a:rPr lang="fr-FR" sz="1200" dirty="0" err="1" smtClean="0"/>
+              <a:t>line.toLowerCase</a:t>
+            </a:r>
+            <a:r>
+              <a:rPr lang="fr-FR" sz="1200" dirty="0"/>
+              <a:t>());</a:t>
+            </a:r>
+          </a:p>
+          <a:p>
+            <a:pPr lvl="2"/>
+            <a:r>
+              <a:rPr lang="fr-FR" sz="1200" dirty="0" smtClean="0"/>
+              <a:t>           line </a:t>
+            </a:r>
+            <a:r>
+              <a:rPr lang="fr-FR" sz="1200" dirty="0"/>
+              <a:t>= </a:t>
+            </a:r>
+            <a:r>
+              <a:rPr lang="fr-FR" sz="1200" dirty="0" err="1"/>
+              <a:t>reader.readLine</a:t>
+            </a:r>
+            <a:r>
+              <a:rPr lang="fr-FR" sz="1200" dirty="0"/>
+              <a:t>();</a:t>
+            </a:r>
+          </a:p>
+          <a:p>
+            <a:pPr lvl="2"/>
+            <a:r>
+              <a:rPr lang="fr-FR" sz="1200" dirty="0" smtClean="0"/>
+              <a:t>       }</a:t>
+            </a:r>
+            <a:endParaRPr lang="fr-FR" sz="1200" dirty="0"/>
+          </a:p>
+          <a:p>
+            <a:pPr lvl="1"/>
+            <a:r>
+              <a:rPr lang="fr-FR" sz="1200" dirty="0" smtClean="0"/>
+              <a:t>	</a:t>
+            </a:r>
+            <a:r>
+              <a:rPr lang="fr-FR" sz="1200" dirty="0" err="1" smtClean="0"/>
+              <a:t>reader.</a:t>
+            </a:r>
+            <a:r>
+              <a:rPr lang="fr-FR" sz="1200" u="sng" dirty="0" err="1" smtClean="0"/>
+              <a:t>close</a:t>
+            </a:r>
+            <a:r>
+              <a:rPr lang="fr-FR" sz="1200" u="sng" dirty="0"/>
+              <a:t>();</a:t>
+            </a:r>
+          </a:p>
+          <a:p>
+            <a:pPr lvl="1"/>
+            <a:r>
+              <a:rPr lang="fr-FR" sz="1200" dirty="0"/>
+              <a:t> </a:t>
+            </a:r>
+            <a:r>
+              <a:rPr lang="fr-FR" sz="1200" dirty="0" smtClean="0"/>
+              <a:t>     } </a:t>
+            </a:r>
+            <a:r>
+              <a:rPr lang="fr-FR" sz="1200" b="1" dirty="0"/>
+              <a:t>catch (</a:t>
+            </a:r>
+            <a:r>
+              <a:rPr lang="fr-FR" sz="1200" b="1" dirty="0" err="1"/>
+              <a:t>IOException</a:t>
+            </a:r>
+            <a:r>
+              <a:rPr lang="fr-FR" sz="1200" b="1" dirty="0"/>
+              <a:t> e) {</a:t>
+            </a:r>
+          </a:p>
+          <a:p>
+            <a:pPr lvl="1"/>
+            <a:r>
+              <a:rPr lang="fr-FR" sz="1200" dirty="0" smtClean="0"/>
+              <a:t>              </a:t>
+            </a:r>
+            <a:r>
+              <a:rPr lang="fr-FR" sz="1200" dirty="0" err="1" smtClean="0"/>
+              <a:t>e.</a:t>
+            </a:r>
+            <a:r>
+              <a:rPr lang="fr-FR" sz="1200" u="sng" dirty="0" err="1" smtClean="0"/>
+              <a:t>printStackTrace</a:t>
+            </a:r>
+            <a:r>
+              <a:rPr lang="fr-FR" sz="1200" u="sng" dirty="0"/>
+              <a:t>();</a:t>
+            </a:r>
+          </a:p>
+          <a:p>
+            <a:pPr lvl="1"/>
+            <a:r>
+              <a:rPr lang="fr-FR" sz="1200" dirty="0" smtClean="0"/>
+              <a:t>      }</a:t>
+            </a:r>
+            <a:endParaRPr lang="fr-FR" sz="1200" dirty="0"/>
+          </a:p>
+          <a:p>
+            <a:pPr lvl="1"/>
+            <a:r>
+              <a:rPr lang="fr-FR" sz="1200" dirty="0"/>
+              <a:t>}</a:t>
+            </a:r>
+          </a:p>
+          <a:p>
+            <a:endParaRPr lang="fr-FR" sz="1200" dirty="0"/>
+          </a:p>
+          <a:p>
+            <a:r>
+              <a:rPr lang="fr-FR" sz="1200" b="1" dirty="0" smtClean="0"/>
+              <a:t>        return </a:t>
+            </a:r>
+            <a:r>
+              <a:rPr lang="fr-FR" sz="1200" b="1" dirty="0" err="1"/>
               <a:t>result</a:t>
             </a:r>
             <a:r>
-              <a:rPr lang="fr-FR" sz="1000" b="1" dirty="0">
-                <a:solidFill>
-                  <a:schemeClr val="accent1">
-                    <a:lumMod val="75000"/>
-                  </a:schemeClr>
-                </a:solidFill>
-                <a:latin typeface="Tahoma" pitchFamily="34" charset="0"/>
-                <a:ea typeface="Tahoma" pitchFamily="34" charset="0"/>
-                <a:cs typeface="Tahoma" pitchFamily="34" charset="0"/>
-              </a:rPr>
-              <a:t> = new </a:t>
-            </a:r>
-            <a:r>
-              <a:rPr lang="fr-FR" sz="1000" b="1" dirty="0" err="1">
-                <a:solidFill>
-                  <a:schemeClr val="accent1">
-                    <a:lumMod val="75000"/>
-                  </a:schemeClr>
-                </a:solidFill>
-                <a:latin typeface="Tahoma" pitchFamily="34" charset="0"/>
-                <a:ea typeface="Tahoma" pitchFamily="34" charset="0"/>
-                <a:cs typeface="Tahoma" pitchFamily="34" charset="0"/>
-              </a:rPr>
-              <a:t>LinkedHashMap</a:t>
-            </a:r>
-            <a:r>
-              <a:rPr lang="fr-FR" sz="1000" b="1" dirty="0">
-                <a:solidFill>
-                  <a:schemeClr val="accent1">
-                    <a:lumMod val="75000"/>
-                  </a:schemeClr>
-                </a:solidFill>
-                <a:latin typeface="Tahoma" pitchFamily="34" charset="0"/>
-                <a:ea typeface="Tahoma" pitchFamily="34" charset="0"/>
-                <a:cs typeface="Tahoma" pitchFamily="34" charset="0"/>
-              </a:rPr>
-              <a:t>&lt;&gt;();</a:t>
-            </a:r>
-          </a:p>
-          <a:p>
-            <a:pPr lvl="3" algn="just">
-              <a:lnSpc>
-                <a:spcPct val="150000"/>
-              </a:lnSpc>
-            </a:pPr>
-            <a:r>
-              <a:rPr lang="fr-FR" sz="1000" b="1" dirty="0">
-                <a:solidFill>
-                  <a:schemeClr val="accent1">
-                    <a:lumMod val="75000"/>
-                  </a:schemeClr>
-                </a:solidFill>
-                <a:latin typeface="Tahoma" pitchFamily="34" charset="0"/>
-                <a:ea typeface="Tahoma" pitchFamily="34" charset="0"/>
-                <a:cs typeface="Tahoma" pitchFamily="34" charset="0"/>
-              </a:rPr>
-              <a:t>        </a:t>
-            </a:r>
-            <a:r>
-              <a:rPr lang="fr-FR" sz="1000" b="1" dirty="0" err="1">
-                <a:solidFill>
-                  <a:schemeClr val="accent1">
-                    <a:lumMod val="75000"/>
-                  </a:schemeClr>
-                </a:solidFill>
-                <a:latin typeface="Tahoma" pitchFamily="34" charset="0"/>
-                <a:ea typeface="Tahoma" pitchFamily="34" charset="0"/>
-                <a:cs typeface="Tahoma" pitchFamily="34" charset="0"/>
-              </a:rPr>
-              <a:t>groupedSymptoms.entrySet</a:t>
-            </a:r>
-            <a:r>
-              <a:rPr lang="fr-FR" sz="1000" b="1" dirty="0">
-                <a:solidFill>
-                  <a:schemeClr val="accent1">
-                    <a:lumMod val="75000"/>
-                  </a:schemeClr>
-                </a:solidFill>
-                <a:latin typeface="Tahoma" pitchFamily="34" charset="0"/>
-                <a:ea typeface="Tahoma" pitchFamily="34" charset="0"/>
-                <a:cs typeface="Tahoma" pitchFamily="34" charset="0"/>
-              </a:rPr>
-              <a:t>().</a:t>
-            </a:r>
-            <a:r>
-              <a:rPr lang="fr-FR" sz="1000" b="1" dirty="0" err="1">
-                <a:solidFill>
-                  <a:schemeClr val="accent1">
-                    <a:lumMod val="75000"/>
-                  </a:schemeClr>
-                </a:solidFill>
-                <a:latin typeface="Tahoma" pitchFamily="34" charset="0"/>
-                <a:ea typeface="Tahoma" pitchFamily="34" charset="0"/>
-                <a:cs typeface="Tahoma" pitchFamily="34" charset="0"/>
-              </a:rPr>
-              <a:t>stream</a:t>
-            </a:r>
-            <a:r>
-              <a:rPr lang="fr-FR" sz="1000" b="1" dirty="0">
-                <a:solidFill>
-                  <a:schemeClr val="accent1">
-                    <a:lumMod val="75000"/>
-                  </a:schemeClr>
-                </a:solidFill>
-                <a:latin typeface="Tahoma" pitchFamily="34" charset="0"/>
-                <a:ea typeface="Tahoma" pitchFamily="34" charset="0"/>
-                <a:cs typeface="Tahoma" pitchFamily="34" charset="0"/>
-              </a:rPr>
-              <a:t>()</a:t>
-            </a:r>
-          </a:p>
-          <a:p>
-            <a:pPr lvl="3" algn="just">
-              <a:lnSpc>
-                <a:spcPct val="150000"/>
-              </a:lnSpc>
-            </a:pPr>
-            <a:r>
-              <a:rPr lang="fr-FR" sz="1000" b="1" dirty="0">
-                <a:solidFill>
-                  <a:schemeClr val="accent1">
-                    <a:lumMod val="75000"/>
-                  </a:schemeClr>
-                </a:solidFill>
-                <a:latin typeface="Tahoma" pitchFamily="34" charset="0"/>
-                <a:ea typeface="Tahoma" pitchFamily="34" charset="0"/>
-                <a:cs typeface="Tahoma" pitchFamily="34" charset="0"/>
-              </a:rPr>
-              <a:t>                .</a:t>
-            </a:r>
-            <a:r>
-              <a:rPr lang="fr-FR" sz="1000" b="1" dirty="0" err="1">
-                <a:solidFill>
-                  <a:schemeClr val="accent1">
-                    <a:lumMod val="75000"/>
-                  </a:schemeClr>
-                </a:solidFill>
-                <a:latin typeface="Tahoma" pitchFamily="34" charset="0"/>
-                <a:ea typeface="Tahoma" pitchFamily="34" charset="0"/>
-                <a:cs typeface="Tahoma" pitchFamily="34" charset="0"/>
-              </a:rPr>
-              <a:t>sorted</a:t>
-            </a:r>
-            <a:r>
-              <a:rPr lang="fr-FR" sz="1000" b="1" dirty="0">
-                <a:solidFill>
-                  <a:schemeClr val="accent1">
-                    <a:lumMod val="75000"/>
-                  </a:schemeClr>
-                </a:solidFill>
-                <a:latin typeface="Tahoma" pitchFamily="34" charset="0"/>
-                <a:ea typeface="Tahoma" pitchFamily="34" charset="0"/>
-                <a:cs typeface="Tahoma" pitchFamily="34" charset="0"/>
-              </a:rPr>
-              <a:t>(</a:t>
-            </a:r>
-            <a:r>
-              <a:rPr lang="fr-FR" sz="1000" b="1" dirty="0" err="1">
-                <a:solidFill>
-                  <a:schemeClr val="accent1">
-                    <a:lumMod val="75000"/>
-                  </a:schemeClr>
-                </a:solidFill>
-                <a:latin typeface="Tahoma" pitchFamily="34" charset="0"/>
-                <a:ea typeface="Tahoma" pitchFamily="34" charset="0"/>
-                <a:cs typeface="Tahoma" pitchFamily="34" charset="0"/>
-              </a:rPr>
-              <a:t>Map.Entry.comparingByKey</a:t>
-            </a:r>
-            <a:r>
-              <a:rPr lang="fr-FR" sz="1000" b="1" dirty="0">
-                <a:solidFill>
-                  <a:schemeClr val="accent1">
-                    <a:lumMod val="75000"/>
-                  </a:schemeClr>
-                </a:solidFill>
-                <a:latin typeface="Tahoma" pitchFamily="34" charset="0"/>
-                <a:ea typeface="Tahoma" pitchFamily="34" charset="0"/>
-                <a:cs typeface="Tahoma" pitchFamily="34" charset="0"/>
-              </a:rPr>
-              <a:t>())</a:t>
-            </a:r>
-          </a:p>
-          <a:p>
-            <a:pPr lvl="3" algn="just">
-              <a:lnSpc>
-                <a:spcPct val="150000"/>
-              </a:lnSpc>
-            </a:pPr>
-            <a:r>
-              <a:rPr lang="fr-FR" sz="1000" b="1" dirty="0">
-                <a:solidFill>
-                  <a:schemeClr val="accent1">
-                    <a:lumMod val="75000"/>
-                  </a:schemeClr>
-                </a:solidFill>
-                <a:latin typeface="Tahoma" pitchFamily="34" charset="0"/>
-                <a:ea typeface="Tahoma" pitchFamily="34" charset="0"/>
-                <a:cs typeface="Tahoma" pitchFamily="34" charset="0"/>
-              </a:rPr>
-              <a:t>                .</a:t>
-            </a:r>
-            <a:r>
-              <a:rPr lang="fr-FR" sz="1000" b="1" dirty="0" err="1">
-                <a:solidFill>
-                  <a:schemeClr val="accent1">
-                    <a:lumMod val="75000"/>
-                  </a:schemeClr>
-                </a:solidFill>
-                <a:latin typeface="Tahoma" pitchFamily="34" charset="0"/>
-                <a:ea typeface="Tahoma" pitchFamily="34" charset="0"/>
-                <a:cs typeface="Tahoma" pitchFamily="34" charset="0"/>
-              </a:rPr>
-              <a:t>forEachOrdered</a:t>
-            </a:r>
-            <a:r>
-              <a:rPr lang="fr-FR" sz="1000" b="1" dirty="0">
-                <a:solidFill>
-                  <a:schemeClr val="accent1">
-                    <a:lumMod val="75000"/>
-                  </a:schemeClr>
-                </a:solidFill>
-                <a:latin typeface="Tahoma" pitchFamily="34" charset="0"/>
-                <a:ea typeface="Tahoma" pitchFamily="34" charset="0"/>
-                <a:cs typeface="Tahoma" pitchFamily="34" charset="0"/>
-              </a:rPr>
-              <a:t>(x -&gt; </a:t>
-            </a:r>
-            <a:r>
-              <a:rPr lang="fr-FR" sz="1000" b="1" dirty="0" err="1">
-                <a:solidFill>
-                  <a:schemeClr val="accent1">
-                    <a:lumMod val="75000"/>
-                  </a:schemeClr>
-                </a:solidFill>
-                <a:latin typeface="Tahoma" pitchFamily="34" charset="0"/>
-                <a:ea typeface="Tahoma" pitchFamily="34" charset="0"/>
-                <a:cs typeface="Tahoma" pitchFamily="34" charset="0"/>
-              </a:rPr>
-              <a:t>result.put</a:t>
-            </a:r>
-            <a:r>
-              <a:rPr lang="fr-FR" sz="1000" b="1" dirty="0">
-                <a:solidFill>
-                  <a:schemeClr val="accent1">
-                    <a:lumMod val="75000"/>
-                  </a:schemeClr>
-                </a:solidFill>
-                <a:latin typeface="Tahoma" pitchFamily="34" charset="0"/>
-                <a:ea typeface="Tahoma" pitchFamily="34" charset="0"/>
-                <a:cs typeface="Tahoma" pitchFamily="34" charset="0"/>
-              </a:rPr>
-              <a:t>(</a:t>
-            </a:r>
-            <a:r>
-              <a:rPr lang="fr-FR" sz="1000" b="1" dirty="0" err="1">
-                <a:solidFill>
-                  <a:schemeClr val="accent1">
-                    <a:lumMod val="75000"/>
-                  </a:schemeClr>
-                </a:solidFill>
-                <a:latin typeface="Tahoma" pitchFamily="34" charset="0"/>
-                <a:ea typeface="Tahoma" pitchFamily="34" charset="0"/>
-                <a:cs typeface="Tahoma" pitchFamily="34" charset="0"/>
-              </a:rPr>
-              <a:t>x.getKey</a:t>
-            </a:r>
-            <a:r>
-              <a:rPr lang="fr-FR" sz="1000" b="1" dirty="0">
-                <a:solidFill>
-                  <a:schemeClr val="accent1">
-                    <a:lumMod val="75000"/>
-                  </a:schemeClr>
-                </a:solidFill>
-                <a:latin typeface="Tahoma" pitchFamily="34" charset="0"/>
-                <a:ea typeface="Tahoma" pitchFamily="34" charset="0"/>
-                <a:cs typeface="Tahoma" pitchFamily="34" charset="0"/>
-              </a:rPr>
-              <a:t>(), </a:t>
-            </a:r>
-            <a:r>
-              <a:rPr lang="fr-FR" sz="1000" b="1" dirty="0" err="1">
-                <a:solidFill>
-                  <a:schemeClr val="accent1">
-                    <a:lumMod val="75000"/>
-                  </a:schemeClr>
-                </a:solidFill>
-                <a:latin typeface="Tahoma" pitchFamily="34" charset="0"/>
-                <a:ea typeface="Tahoma" pitchFamily="34" charset="0"/>
-                <a:cs typeface="Tahoma" pitchFamily="34" charset="0"/>
-              </a:rPr>
-              <a:t>x.getValue</a:t>
-            </a:r>
-            <a:r>
-              <a:rPr lang="fr-FR" sz="1000" b="1" dirty="0">
-                <a:solidFill>
-                  <a:schemeClr val="accent1">
-                    <a:lumMod val="75000"/>
-                  </a:schemeClr>
-                </a:solidFill>
-                <a:latin typeface="Tahoma" pitchFamily="34" charset="0"/>
-                <a:ea typeface="Tahoma" pitchFamily="34" charset="0"/>
-                <a:cs typeface="Tahoma" pitchFamily="34" charset="0"/>
-              </a:rPr>
-              <a:t>()));</a:t>
-            </a:r>
-          </a:p>
-          <a:p>
-            <a:pPr lvl="3" algn="just">
-              <a:lnSpc>
-                <a:spcPct val="150000"/>
-              </a:lnSpc>
-            </a:pPr>
-            <a:r>
-              <a:rPr lang="fr-FR" sz="1000" b="1" dirty="0">
-                <a:solidFill>
-                  <a:schemeClr val="accent1">
-                    <a:lumMod val="75000"/>
-                  </a:schemeClr>
-                </a:solidFill>
-                <a:latin typeface="Tahoma" pitchFamily="34" charset="0"/>
-                <a:ea typeface="Tahoma" pitchFamily="34" charset="0"/>
-                <a:cs typeface="Tahoma" pitchFamily="34" charset="0"/>
-              </a:rPr>
-              <a:t>        </a:t>
-            </a:r>
-          </a:p>
-          <a:p>
-            <a:pPr lvl="3" algn="just">
-              <a:lnSpc>
-                <a:spcPct val="150000"/>
-              </a:lnSpc>
-            </a:pPr>
-            <a:r>
-              <a:rPr lang="fr-FR" sz="1000" b="1" dirty="0">
-                <a:solidFill>
-                  <a:schemeClr val="accent1">
-                    <a:lumMod val="75000"/>
-                  </a:schemeClr>
-                </a:solidFill>
-                <a:latin typeface="Tahoma" pitchFamily="34" charset="0"/>
-                <a:ea typeface="Tahoma" pitchFamily="34" charset="0"/>
-                <a:cs typeface="Tahoma" pitchFamily="34" charset="0"/>
-              </a:rPr>
-              <a:t>        </a:t>
-            </a:r>
-            <a:r>
-              <a:rPr lang="fr-FR" sz="1000" b="1" dirty="0" err="1">
-                <a:solidFill>
-                  <a:schemeClr val="accent1">
-                    <a:lumMod val="75000"/>
-                  </a:schemeClr>
-                </a:solidFill>
-                <a:latin typeface="Tahoma" pitchFamily="34" charset="0"/>
-                <a:ea typeface="Tahoma" pitchFamily="34" charset="0"/>
-                <a:cs typeface="Tahoma" pitchFamily="34" charset="0"/>
-              </a:rPr>
-              <a:t>System.out.println</a:t>
-            </a:r>
-            <a:r>
-              <a:rPr lang="fr-FR" sz="1000" b="1" dirty="0">
-                <a:solidFill>
-                  <a:schemeClr val="accent1">
-                    <a:lumMod val="75000"/>
-                  </a:schemeClr>
-                </a:solidFill>
-                <a:latin typeface="Tahoma" pitchFamily="34" charset="0"/>
-                <a:ea typeface="Tahoma" pitchFamily="34" charset="0"/>
-                <a:cs typeface="Tahoma" pitchFamily="34" charset="0"/>
-              </a:rPr>
-              <a:t>("</a:t>
-            </a:r>
-            <a:r>
-              <a:rPr lang="fr-FR" sz="1000" b="1" dirty="0" err="1">
-                <a:solidFill>
-                  <a:schemeClr val="accent1">
-                    <a:lumMod val="75000"/>
-                  </a:schemeClr>
-                </a:solidFill>
-                <a:latin typeface="Tahoma" pitchFamily="34" charset="0"/>
-                <a:ea typeface="Tahoma" pitchFamily="34" charset="0"/>
-                <a:cs typeface="Tahoma" pitchFamily="34" charset="0"/>
-              </a:rPr>
-              <a:t>Resultat</a:t>
-            </a:r>
-            <a:r>
-              <a:rPr lang="fr-FR" sz="1000" b="1" dirty="0">
-                <a:solidFill>
-                  <a:schemeClr val="accent1">
-                    <a:lumMod val="75000"/>
-                  </a:schemeClr>
-                </a:solidFill>
-                <a:latin typeface="Tahoma" pitchFamily="34" charset="0"/>
-                <a:ea typeface="Tahoma" pitchFamily="34" charset="0"/>
-                <a:cs typeface="Tahoma" pitchFamily="34" charset="0"/>
-              </a:rPr>
-              <a:t> après le tri : "+</a:t>
-            </a:r>
-            <a:r>
-              <a:rPr lang="fr-FR" sz="1000" b="1" dirty="0" err="1">
-                <a:solidFill>
-                  <a:schemeClr val="accent1">
-                    <a:lumMod val="75000"/>
-                  </a:schemeClr>
-                </a:solidFill>
-                <a:latin typeface="Tahoma" pitchFamily="34" charset="0"/>
-                <a:ea typeface="Tahoma" pitchFamily="34" charset="0"/>
-                <a:cs typeface="Tahoma" pitchFamily="34" charset="0"/>
-              </a:rPr>
-              <a:t>result</a:t>
-            </a:r>
-            <a:r>
-              <a:rPr lang="fr-FR" sz="1000" b="1" dirty="0">
-                <a:solidFill>
-                  <a:schemeClr val="accent1">
-                    <a:lumMod val="75000"/>
-                  </a:schemeClr>
-                </a:solidFill>
-                <a:latin typeface="Tahoma" pitchFamily="34" charset="0"/>
-                <a:ea typeface="Tahoma" pitchFamily="34" charset="0"/>
-                <a:cs typeface="Tahoma" pitchFamily="34" charset="0"/>
-              </a:rPr>
-              <a:t>);</a:t>
-            </a:r>
-          </a:p>
-          <a:p>
-            <a:pPr lvl="3" algn="just">
-              <a:lnSpc>
-                <a:spcPct val="150000"/>
-              </a:lnSpc>
-            </a:pPr>
-            <a:r>
-              <a:rPr lang="fr-FR" sz="1000" b="1" dirty="0">
-                <a:solidFill>
-                  <a:schemeClr val="accent1">
-                    <a:lumMod val="75000"/>
-                  </a:schemeClr>
-                </a:solidFill>
-                <a:latin typeface="Tahoma" pitchFamily="34" charset="0"/>
-                <a:ea typeface="Tahoma" pitchFamily="34" charset="0"/>
-                <a:cs typeface="Tahoma" pitchFamily="34" charset="0"/>
-              </a:rPr>
-              <a:t>        </a:t>
-            </a:r>
-          </a:p>
-          <a:p>
-            <a:pPr lvl="3" algn="just">
-              <a:lnSpc>
-                <a:spcPct val="150000"/>
-              </a:lnSpc>
-            </a:pPr>
-            <a:r>
-              <a:rPr lang="fr-FR" sz="1000" b="1" dirty="0">
-                <a:solidFill>
-                  <a:schemeClr val="accent1">
-                    <a:lumMod val="75000"/>
-                  </a:schemeClr>
-                </a:solidFill>
-                <a:latin typeface="Tahoma" pitchFamily="34" charset="0"/>
-                <a:ea typeface="Tahoma" pitchFamily="34" charset="0"/>
-                <a:cs typeface="Tahoma" pitchFamily="34" charset="0"/>
-              </a:rPr>
-              <a:t>        return </a:t>
-            </a:r>
-            <a:r>
-              <a:rPr lang="fr-FR" sz="1000" b="1" dirty="0" err="1">
-                <a:solidFill>
-                  <a:schemeClr val="accent1">
-                    <a:lumMod val="75000"/>
-                  </a:schemeClr>
-                </a:solidFill>
-                <a:latin typeface="Tahoma" pitchFamily="34" charset="0"/>
-                <a:ea typeface="Tahoma" pitchFamily="34" charset="0"/>
-                <a:cs typeface="Tahoma" pitchFamily="34" charset="0"/>
-              </a:rPr>
-              <a:t>result</a:t>
-            </a:r>
-            <a:r>
-              <a:rPr lang="fr-FR" sz="1000" b="1" dirty="0">
-                <a:solidFill>
-                  <a:schemeClr val="accent1">
-                    <a:lumMod val="75000"/>
-                  </a:schemeClr>
-                </a:solidFill>
-                <a:latin typeface="Tahoma" pitchFamily="34" charset="0"/>
-                <a:ea typeface="Tahoma" pitchFamily="34" charset="0"/>
-                <a:cs typeface="Tahoma" pitchFamily="34" charset="0"/>
-              </a:rPr>
+              <a:rPr lang="fr-FR" sz="1200" b="1" dirty="0"/>
               <a:t>;</a:t>
             </a:r>
           </a:p>
           <a:p>
-            <a:pPr lvl="3" algn="just">
-              <a:lnSpc>
-                <a:spcPct val="150000"/>
-              </a:lnSpc>
-            </a:pPr>
-            <a:r>
-              <a:rPr lang="fr-FR" sz="1000" b="1" dirty="0">
-                <a:solidFill>
-                  <a:schemeClr val="accent1">
-                    <a:lumMod val="75000"/>
-                  </a:schemeClr>
-                </a:solidFill>
-                <a:latin typeface="Tahoma" pitchFamily="34" charset="0"/>
-                <a:ea typeface="Tahoma" pitchFamily="34" charset="0"/>
-                <a:cs typeface="Tahoma" pitchFamily="34" charset="0"/>
-              </a:rPr>
-              <a:t>        </a:t>
-            </a:r>
-          </a:p>
-          <a:p>
-            <a:pPr lvl="3" algn="just">
-              <a:lnSpc>
-                <a:spcPct val="150000"/>
-              </a:lnSpc>
-            </a:pPr>
-            <a:r>
-              <a:rPr lang="fr-FR" sz="1000" b="1" dirty="0">
-                <a:solidFill>
-                  <a:schemeClr val="accent1">
-                    <a:lumMod val="75000"/>
-                  </a:schemeClr>
-                </a:solidFill>
-                <a:latin typeface="Tahoma" pitchFamily="34" charset="0"/>
-                <a:ea typeface="Tahoma" pitchFamily="34" charset="0"/>
-                <a:cs typeface="Tahoma" pitchFamily="34" charset="0"/>
-              </a:rPr>
-              <a:t>    </a:t>
-            </a:r>
-            <a:r>
-              <a:rPr lang="fr-FR" sz="1000" b="1" dirty="0" smtClean="0">
-                <a:solidFill>
-                  <a:schemeClr val="accent1">
-                    <a:lumMod val="75000"/>
-                  </a:schemeClr>
-                </a:solidFill>
-                <a:latin typeface="Tahoma" pitchFamily="34" charset="0"/>
-                <a:ea typeface="Tahoma" pitchFamily="34" charset="0"/>
-                <a:cs typeface="Tahoma" pitchFamily="34" charset="0"/>
-              </a:rPr>
+            <a:r>
+              <a:rPr lang="fr-FR" sz="1200" dirty="0"/>
               <a:t>}</a:t>
             </a:r>
-            <a:endParaRPr lang="fr-FR" sz="1600" dirty="0" smtClean="0">
-              <a:solidFill>
-                <a:schemeClr val="tx2">
-                  <a:lumMod val="60000"/>
-                  <a:lumOff val="40000"/>
-                </a:schemeClr>
-              </a:solidFill>
-              <a:latin typeface="Tahoma" pitchFamily="34" charset="0"/>
-              <a:ea typeface="Tahoma" pitchFamily="34" charset="0"/>
-              <a:cs typeface="Tahoma" pitchFamily="34" charset="0"/>
-            </a:endParaRPr>
+            <a:endParaRPr lang="fr-FR" sz="1200" dirty="0"/>
           </a:p>
         </p:txBody>
       </p:sp>
@@ -10255,7 +9978,23 @@
                 <a:ea typeface="Tahoma" pitchFamily="34" charset="0"/>
                 <a:cs typeface="Tahoma" pitchFamily="34" charset="0"/>
               </a:rPr>
-              <a:t>Présentation de ma solution  </a:t>
+              <a:t>Présentation de </a:t>
+            </a:r>
+            <a:r>
+              <a:rPr lang="fr-FR" sz="1400" b="1" dirty="0" smtClean="0">
+                <a:latin typeface="Tahoma" pitchFamily="34" charset="0"/>
+                <a:ea typeface="Tahoma" pitchFamily="34" charset="0"/>
+                <a:cs typeface="Tahoma" pitchFamily="34" charset="0"/>
+              </a:rPr>
+              <a:t>La </a:t>
+            </a:r>
+            <a:r>
+              <a:rPr lang="fr-FR" sz="1400" b="1" dirty="0" smtClean="0">
+                <a:latin typeface="Tahoma" pitchFamily="34" charset="0"/>
+                <a:ea typeface="Tahoma" pitchFamily="34" charset="0"/>
+                <a:cs typeface="Tahoma" pitchFamily="34" charset="0"/>
+              </a:rPr>
+              <a:t>solution  </a:t>
             </a:r>
             <a:endParaRPr lang="fr-FR" sz="1400" b="1" dirty="0">
               <a:latin typeface="Tahoma" pitchFamily="34" charset="0"/>
@@ -10274,7 +10013,7 @@
         <p:spPr>
           <a:xfrm>
             <a:off x="179512" y="764704"/>
-            <a:ext cx="8640960" cy="3877985"/>
+            <a:ext cx="8640960" cy="3600986"/>
           </a:xfrm>
           <a:prstGeom prst="rect">
             <a:avLst/>
@@ -10287,809 +10026,361 @@
           </a:bodyPr>
           <a:lstStyle/>
           <a:p>
-            <a:pPr marL="1200150" lvl="2" indent="-285750" algn="just">
-              <a:lnSpc>
-                <a:spcPct val="150000"/>
-              </a:lnSpc>
-              <a:buFont typeface="Wingdings" pitchFamily="2" charset="2"/>
-              <a:buChar char="v"/>
-            </a:pPr>
-            <a:r>
-              <a:rPr lang="fr-FR" sz="1600" dirty="0" smtClean="0">
-                <a:latin typeface="Tahoma" pitchFamily="34" charset="0"/>
-                <a:ea typeface="Tahoma" pitchFamily="34" charset="0"/>
-                <a:cs typeface="Tahoma" pitchFamily="34" charset="0"/>
-              </a:rPr>
-              <a:t>Ecriture des différents </a:t>
-            </a:r>
-            <a:r>
-              <a:rPr lang="fr-FR" sz="1600" dirty="0" err="1" smtClean="0">
-                <a:latin typeface="Tahoma" pitchFamily="34" charset="0"/>
-                <a:ea typeface="Tahoma" pitchFamily="34" charset="0"/>
-                <a:cs typeface="Tahoma" pitchFamily="34" charset="0"/>
-              </a:rPr>
-              <a:t>symptoms</a:t>
-            </a:r>
-            <a:r>
-              <a:rPr lang="fr-FR" sz="1600" dirty="0" smtClean="0">
-                <a:latin typeface="Tahoma" pitchFamily="34" charset="0"/>
-                <a:ea typeface="Tahoma" pitchFamily="34" charset="0"/>
-                <a:cs typeface="Tahoma" pitchFamily="34" charset="0"/>
-              </a:rPr>
-              <a:t> ainsi que leurs </a:t>
-            </a:r>
-            <a:r>
-              <a:rPr lang="fr-FR" sz="1600" dirty="0" err="1" smtClean="0">
-                <a:latin typeface="Tahoma" pitchFamily="34" charset="0"/>
-                <a:ea typeface="Tahoma" pitchFamily="34" charset="0"/>
-                <a:cs typeface="Tahoma" pitchFamily="34" charset="0"/>
-              </a:rPr>
-              <a:t>decomptes</a:t>
-            </a:r>
-            <a:r>
-              <a:rPr lang="fr-FR" sz="1600" dirty="0" smtClean="0">
-                <a:latin typeface="Tahoma" pitchFamily="34" charset="0"/>
-                <a:ea typeface="Tahoma" pitchFamily="34" charset="0"/>
-                <a:cs typeface="Tahoma" pitchFamily="34" charset="0"/>
-              </a:rPr>
-              <a:t> dans le fichiers </a:t>
-            </a:r>
-            <a:r>
-              <a:rPr lang="fr-FR" sz="1600" dirty="0" err="1" smtClean="0">
-                <a:latin typeface="Tahoma" pitchFamily="34" charset="0"/>
-                <a:ea typeface="Tahoma" pitchFamily="34" charset="0"/>
-                <a:cs typeface="Tahoma" pitchFamily="34" charset="0"/>
-              </a:rPr>
+            <a:endParaRPr lang="fr-FR" sz="1200" dirty="0"/>
+          </a:p>
+          <a:p>
+            <a:r>
+              <a:rPr lang="fr-FR" sz="1200" dirty="0"/>
+              <a:t>     /**</a:t>
+            </a:r>
+          </a:p>
+          <a:p>
+            <a:r>
+              <a:rPr lang="en-US" sz="1200" dirty="0"/>
+              <a:t>     * write the sorted symptoms in the </a:t>
+            </a:r>
+            <a:r>
+              <a:rPr lang="en-US" sz="1200" dirty="0" err="1"/>
               <a:t>result.out</a:t>
             </a:r>
             <a:r>
-              <a:rPr lang="fr-FR" sz="1600" dirty="0" smtClean="0">
-                <a:latin typeface="Tahoma" pitchFamily="34" charset="0"/>
-                <a:ea typeface="Tahoma" pitchFamily="34" charset="0"/>
-                <a:cs typeface="Tahoma" pitchFamily="34" charset="0"/>
-              </a:rPr>
-              <a:t>  </a:t>
-            </a:r>
-          </a:p>
-          <a:p>
-            <a:pPr lvl="2" algn="just">
-              <a:lnSpc>
-                <a:spcPct val="150000"/>
-              </a:lnSpc>
-            </a:pPr>
-            <a:endParaRPr lang="fr-FR" sz="1600" dirty="0" smtClean="0">
-              <a:latin typeface="Tahoma" pitchFamily="34" charset="0"/>
-              <a:ea typeface="Tahoma" pitchFamily="34" charset="0"/>
-              <a:cs typeface="Tahoma" pitchFamily="34" charset="0"/>
-            </a:endParaRPr>
-          </a:p>
-          <a:p>
-            <a:pPr lvl="3" algn="just">
-              <a:lnSpc>
-                <a:spcPct val="150000"/>
-              </a:lnSpc>
-            </a:pPr>
-            <a:r>
-              <a:rPr lang="fr-FR" sz="1600" b="1" dirty="0">
-                <a:solidFill>
-                  <a:schemeClr val="accent1">
-                    <a:lumMod val="75000"/>
-                  </a:schemeClr>
-                </a:solidFill>
-                <a:latin typeface="Tahoma" pitchFamily="34" charset="0"/>
-                <a:ea typeface="Tahoma" pitchFamily="34" charset="0"/>
-                <a:cs typeface="Tahoma" pitchFamily="34" charset="0"/>
-              </a:rPr>
+              <a:rPr lang="en-US" sz="1200" dirty="0"/>
+              <a:t> file      </a:t>
+            </a:r>
+          </a:p>
+          <a:p>
+            <a:r>
+              <a:rPr lang="fr-FR" sz="1200" dirty="0"/>
+              <a:t>     * </a:t>
+            </a:r>
+            <a:r>
+              <a:rPr lang="fr-FR" sz="1200" b="1" dirty="0"/>
+              <a:t>@</a:t>
+            </a:r>
+            <a:r>
+              <a:rPr lang="fr-FR" sz="1200" b="1" dirty="0" err="1"/>
+              <a:t>see</a:t>
+            </a:r>
+            <a:r>
+              <a:rPr lang="fr-FR" sz="1200" b="1" dirty="0"/>
               <a:t> </a:t>
             </a:r>
             <a:r>
-              <a:rPr lang="fr-FR" sz="1000" b="1" dirty="0">
-                <a:solidFill>
-                  <a:schemeClr val="accent1">
-                    <a:lumMod val="75000"/>
-                  </a:schemeClr>
-                </a:solidFill>
-                <a:latin typeface="Tahoma" pitchFamily="34" charset="0"/>
-                <a:ea typeface="Tahoma" pitchFamily="34" charset="0"/>
-                <a:cs typeface="Tahoma" pitchFamily="34" charset="0"/>
-              </a:rPr>
-              <a:t>public </a:t>
-            </a:r>
-            <a:r>
-              <a:rPr lang="fr-FR" sz="1000" b="1" dirty="0" err="1">
-                <a:solidFill>
-                  <a:schemeClr val="accent1">
-                    <a:lumMod val="75000"/>
-                  </a:schemeClr>
-                </a:solidFill>
-                <a:latin typeface="Tahoma" pitchFamily="34" charset="0"/>
-                <a:ea typeface="Tahoma" pitchFamily="34" charset="0"/>
-                <a:cs typeface="Tahoma" pitchFamily="34" charset="0"/>
-              </a:rPr>
+              <a:rPr lang="fr-FR" sz="1200" b="1" dirty="0" err="1"/>
+              <a:t>com.hemebiotech.analytics#ISymptomReader.writeFile</a:t>
+            </a:r>
+            <a:r>
+              <a:rPr lang="fr-FR" sz="1200" b="1" dirty="0"/>
+              <a:t>(String </a:t>
+            </a:r>
+            <a:r>
+              <a:rPr lang="fr-FR" sz="1200" b="1" dirty="0" err="1"/>
+              <a:t>fileOut</a:t>
+            </a:r>
+            <a:r>
+              <a:rPr lang="fr-FR" sz="1200" b="1" dirty="0"/>
+              <a:t>, </a:t>
+            </a:r>
+            <a:r>
+              <a:rPr lang="fr-FR" sz="1200" b="1" dirty="0" err="1"/>
+              <a:t>Map</a:t>
+            </a:r>
+            <a:r>
+              <a:rPr lang="fr-FR" sz="1200" b="1" dirty="0"/>
+              <a:t>&lt;String, </a:t>
+            </a:r>
+            <a:r>
+              <a:rPr lang="fr-FR" sz="1200" b="1" dirty="0" err="1"/>
+              <a:t>Integer</a:t>
+            </a:r>
+            <a:r>
+              <a:rPr lang="fr-FR" sz="1200" b="1" dirty="0"/>
+              <a:t>&gt; </a:t>
+            </a:r>
+            <a:r>
+              <a:rPr lang="fr-FR" sz="1200" b="1" dirty="0" err="1"/>
+              <a:t>groupedSymptoms</a:t>
+            </a:r>
+            <a:r>
+              <a:rPr lang="fr-FR" sz="1200" b="1" dirty="0"/>
+              <a:t>)</a:t>
+            </a:r>
+          </a:p>
+          <a:p>
+            <a:r>
+              <a:rPr lang="fr-FR" sz="1200" dirty="0"/>
+              <a:t>     * </a:t>
+            </a:r>
+            <a:r>
+              <a:rPr lang="fr-FR" sz="1200" b="1" dirty="0"/>
+              <a:t>@</a:t>
+            </a:r>
+            <a:r>
+              <a:rPr lang="fr-FR" sz="1200" b="1" dirty="0" err="1"/>
+              <a:t>param</a:t>
+            </a:r>
+            <a:r>
+              <a:rPr lang="fr-FR" sz="1200" b="1" dirty="0"/>
+              <a:t> </a:t>
+            </a:r>
+            <a:r>
+              <a:rPr lang="fr-FR" sz="1200" b="1" dirty="0" err="1"/>
+              <a:t>groupedSymptoms</a:t>
+            </a:r>
+            <a:r>
+              <a:rPr lang="fr-FR" sz="1200" b="1" dirty="0"/>
+              <a:t> </a:t>
+            </a:r>
+          </a:p>
+          <a:p>
+            <a:r>
+              <a:rPr lang="fr-FR" sz="1200" dirty="0"/>
+              <a:t>     */</a:t>
+            </a:r>
+          </a:p>
+          <a:p>
+            <a:r>
+              <a:rPr lang="fr-FR" sz="1200" dirty="0"/>
+              <a:t>   </a:t>
+            </a:r>
+          </a:p>
+          <a:p>
+            <a:r>
+              <a:rPr lang="fr-FR" sz="1200" dirty="0" smtClean="0"/>
+              <a:t>     @</a:t>
+            </a:r>
+            <a:r>
+              <a:rPr lang="fr-FR" sz="1200" dirty="0" err="1" smtClean="0"/>
+              <a:t>Override</a:t>
+            </a:r>
+            <a:endParaRPr lang="fr-FR" sz="1200" dirty="0" smtClean="0"/>
+          </a:p>
+          <a:p>
+            <a:r>
+              <a:rPr lang="fr-FR" sz="1200" b="1" dirty="0" smtClean="0"/>
+              <a:t>     public </a:t>
+            </a:r>
+            <a:r>
+              <a:rPr lang="fr-FR" sz="1200" b="1" dirty="0" err="1" smtClean="0"/>
               <a:t>void</a:t>
             </a:r>
             <a:r>
-              <a:rPr lang="fr-FR" sz="1000" b="1" dirty="0">
-                <a:solidFill>
-                  <a:schemeClr val="accent1">
-                    <a:lumMod val="75000"/>
-                  </a:schemeClr>
-                </a:solidFill>
-                <a:latin typeface="Tahoma" pitchFamily="34" charset="0"/>
-                <a:ea typeface="Tahoma" pitchFamily="34" charset="0"/>
-                <a:cs typeface="Tahoma" pitchFamily="34" charset="0"/>
-              </a:rPr>
+              <a:rPr lang="fr-FR" sz="1200" b="1" dirty="0" smtClean="0"/>
               <a:t> </a:t>
             </a:r>
             <a:r>
-              <a:rPr lang="fr-FR" sz="1000" b="1" dirty="0" err="1">
-                <a:solidFill>
-                  <a:schemeClr val="accent1">
-                    <a:lumMod val="75000"/>
-                  </a:schemeClr>
-                </a:solidFill>
-                <a:latin typeface="Tahoma" pitchFamily="34" charset="0"/>
-                <a:ea typeface="Tahoma" pitchFamily="34" charset="0"/>
-                <a:cs typeface="Tahoma" pitchFamily="34" charset="0"/>
-              </a:rPr>
+              <a:rPr lang="fr-FR" sz="1200" b="1" dirty="0" err="1" smtClean="0"/>
               <a:t>writeFile</a:t>
             </a:r>
             <a:r>
-              <a:rPr lang="fr-FR" sz="1000" b="1" dirty="0">
-                <a:solidFill>
-                  <a:schemeClr val="accent1">
-                    <a:lumMod val="75000"/>
-                  </a:schemeClr>
-                </a:solidFill>
-                <a:latin typeface="Tahoma" pitchFamily="34" charset="0"/>
-                <a:ea typeface="Tahoma" pitchFamily="34" charset="0"/>
-                <a:cs typeface="Tahoma" pitchFamily="34" charset="0"/>
-              </a:rPr>
+              <a:rPr lang="fr-FR" sz="1200" b="1" dirty="0" smtClean="0"/>
+              <a:t>(String </a:t>
+            </a:r>
+            <a:r>
+              <a:rPr lang="fr-FR" sz="1200" b="1" dirty="0" err="1" smtClean="0"/>
+              <a:t>fileOut,Map</a:t>
+            </a:r>
+            <a:r>
+              <a:rPr lang="fr-FR" sz="1200" b="1" dirty="0" smtClean="0"/>
+              <a:t>&lt;String, </a:t>
+            </a:r>
+            <a:r>
+              <a:rPr lang="fr-FR" sz="1200" b="1" dirty="0" err="1" smtClean="0"/>
+              <a:t>Integer</a:t>
+            </a:r>
+            <a:r>
+              <a:rPr lang="fr-FR" sz="1200" b="1" dirty="0" smtClean="0"/>
+              <a:t>&gt; </a:t>
+            </a:r>
+            <a:r>
+              <a:rPr lang="fr-FR" sz="1200" b="1" dirty="0" err="1" smtClean="0"/>
+              <a:t>groupedSymptoms</a:t>
+            </a:r>
+            <a:r>
+              <a:rPr lang="fr-FR" sz="1200" b="1" dirty="0" smtClean="0"/>
+              <a:t>) {</a:t>
+            </a:r>
+          </a:p>
+          <a:p>
+            <a:r>
+              <a:rPr lang="fr-FR" sz="1200" b="1" dirty="0" smtClean="0"/>
+              <a:t>           </a:t>
+            </a:r>
+            <a:r>
+              <a:rPr lang="fr-FR" sz="1200" b="1" dirty="0" err="1" smtClean="0"/>
+              <a:t>try</a:t>
+            </a:r>
+            <a:r>
+              <a:rPr lang="fr-FR" sz="1200" b="1" dirty="0" smtClean="0"/>
               <a:t>(</a:t>
             </a:r>
             <a:r>
-              <a:rPr lang="fr-FR" sz="1000" b="1" dirty="0" err="1">
-                <a:solidFill>
-                  <a:schemeClr val="accent1">
-                    <a:lumMod val="75000"/>
-                  </a:schemeClr>
-                </a:solidFill>
-                <a:latin typeface="Tahoma" pitchFamily="34" charset="0"/>
-                <a:ea typeface="Tahoma" pitchFamily="34" charset="0"/>
-                <a:cs typeface="Tahoma" pitchFamily="34" charset="0"/>
-              </a:rPr>
-              <a:t>Map</a:t>
-            </a:r>
-            <a:r>
-              <a:rPr lang="fr-FR" sz="1000" b="1" dirty="0">
-                <a:solidFill>
-                  <a:schemeClr val="accent1">
-                    <a:lumMod val="75000"/>
-                  </a:schemeClr>
-                </a:solidFill>
-                <a:latin typeface="Tahoma" pitchFamily="34" charset="0"/>
-                <a:ea typeface="Tahoma" pitchFamily="34" charset="0"/>
-                <a:cs typeface="Tahoma" pitchFamily="34" charset="0"/>
-              </a:rPr>
-              <a:t>&lt;String, </a:t>
-            </a:r>
-            <a:r>
-              <a:rPr lang="fr-FR" sz="1000" b="1" dirty="0" err="1">
-                <a:solidFill>
-                  <a:schemeClr val="accent1">
-                    <a:lumMod val="75000"/>
-                  </a:schemeClr>
-                </a:solidFill>
-                <a:latin typeface="Tahoma" pitchFamily="34" charset="0"/>
-                <a:ea typeface="Tahoma" pitchFamily="34" charset="0"/>
-                <a:cs typeface="Tahoma" pitchFamily="34" charset="0"/>
-              </a:rPr>
-              <a:t>Integer</a:t>
-            </a:r>
-            <a:r>
-              <a:rPr lang="fr-FR" sz="1000" b="1" dirty="0">
-                <a:solidFill>
-                  <a:schemeClr val="accent1">
-                    <a:lumMod val="75000"/>
-                  </a:schemeClr>
-                </a:solidFill>
-                <a:latin typeface="Tahoma" pitchFamily="34" charset="0"/>
-                <a:ea typeface="Tahoma" pitchFamily="34" charset="0"/>
-                <a:cs typeface="Tahoma" pitchFamily="34" charset="0"/>
-              </a:rPr>
-              <a:t>&gt; </a:t>
-            </a:r>
-            <a:r>
-              <a:rPr lang="fr-FR" sz="1000" b="1" dirty="0" err="1">
-                <a:solidFill>
-                  <a:schemeClr val="accent1">
-                    <a:lumMod val="75000"/>
-                  </a:schemeClr>
-                </a:solidFill>
-                <a:latin typeface="Tahoma" pitchFamily="34" charset="0"/>
-                <a:ea typeface="Tahoma" pitchFamily="34" charset="0"/>
-                <a:cs typeface="Tahoma" pitchFamily="34" charset="0"/>
-              </a:rPr>
-              <a:t>groupedSymptoms</a:t>
-            </a:r>
-            <a:r>
-              <a:rPr lang="fr-FR" sz="1000" b="1" dirty="0">
-                <a:solidFill>
-                  <a:schemeClr val="accent1">
-                    <a:lumMod val="75000"/>
-                  </a:schemeClr>
-                </a:solidFill>
-                <a:latin typeface="Tahoma" pitchFamily="34" charset="0"/>
-                <a:ea typeface="Tahoma" pitchFamily="34" charset="0"/>
-                <a:cs typeface="Tahoma" pitchFamily="34" charset="0"/>
-              </a:rPr>
-              <a:t>) {</a:t>
-            </a:r>
-          </a:p>
-          <a:p>
-            <a:pPr lvl="3" algn="just">
-              <a:lnSpc>
-                <a:spcPct val="150000"/>
-              </a:lnSpc>
-            </a:pPr>
-            <a:r>
-              <a:rPr lang="fr-FR" sz="1000" b="1" dirty="0">
-                <a:solidFill>
-                  <a:schemeClr val="accent1">
-                    <a:lumMod val="75000"/>
-                  </a:schemeClr>
-                </a:solidFill>
-                <a:latin typeface="Tahoma" pitchFamily="34" charset="0"/>
-                <a:ea typeface="Tahoma" pitchFamily="34" charset="0"/>
-                <a:cs typeface="Tahoma" pitchFamily="34" charset="0"/>
-              </a:rPr>
-              <a:t>        </a:t>
-            </a:r>
-            <a:r>
-              <a:rPr lang="fr-FR" sz="1000" b="1" dirty="0" err="1">
-                <a:solidFill>
-                  <a:schemeClr val="accent1">
-                    <a:lumMod val="75000"/>
-                  </a:schemeClr>
-                </a:solidFill>
-                <a:latin typeface="Tahoma" pitchFamily="34" charset="0"/>
-                <a:ea typeface="Tahoma" pitchFamily="34" charset="0"/>
-                <a:cs typeface="Tahoma" pitchFamily="34" charset="0"/>
-              </a:rPr>
-              <a:t>try</a:t>
-            </a:r>
-            <a:r>
-              <a:rPr lang="fr-FR" sz="1000" b="1" dirty="0">
-                <a:solidFill>
-                  <a:schemeClr val="accent1">
-                    <a:lumMod val="75000"/>
-                  </a:schemeClr>
-                </a:solidFill>
-                <a:latin typeface="Tahoma" pitchFamily="34" charset="0"/>
-                <a:ea typeface="Tahoma" pitchFamily="34" charset="0"/>
-                <a:cs typeface="Tahoma" pitchFamily="34" charset="0"/>
-              </a:rPr>
-              <a:t> {</a:t>
-            </a:r>
-          </a:p>
-          <a:p>
-            <a:pPr lvl="3" algn="just">
-              <a:lnSpc>
-                <a:spcPct val="150000"/>
-              </a:lnSpc>
-            </a:pPr>
-            <a:r>
-              <a:rPr lang="fr-FR" sz="1000" b="1" dirty="0">
-                <a:solidFill>
-                  <a:schemeClr val="accent1">
-                    <a:lumMod val="75000"/>
-                  </a:schemeClr>
-                </a:solidFill>
-                <a:latin typeface="Tahoma" pitchFamily="34" charset="0"/>
-                <a:ea typeface="Tahoma" pitchFamily="34" charset="0"/>
-                <a:cs typeface="Tahoma" pitchFamily="34" charset="0"/>
-              </a:rPr>
+              <a:rPr lang="fr-FR" sz="1200" b="1" dirty="0" err="1" smtClean="0"/>
+              <a:t>FileWriter</a:t>
+            </a:r>
+            <a:r>
+              <a:rPr lang="fr-FR" sz="1200" b="1" dirty="0" smtClean="0"/>
+              <a:t> </a:t>
+            </a:r>
+            <a:r>
+              <a:rPr lang="fr-FR" sz="1200" b="1" dirty="0" err="1" smtClean="0"/>
+              <a:t>writer</a:t>
+            </a:r>
+            <a:r>
+              <a:rPr lang="fr-FR" sz="1200" b="1" dirty="0" smtClean="0"/>
+              <a:t> = new </a:t>
+            </a:r>
+            <a:r>
+              <a:rPr lang="fr-FR" sz="1200" b="1" dirty="0" err="1" smtClean="0"/>
+              <a:t>FileWriter</a:t>
+            </a:r>
+            <a:r>
+              <a:rPr lang="fr-FR" sz="1200" b="1" dirty="0" smtClean="0"/>
+              <a:t>(</a:t>
+            </a:r>
+            <a:r>
+              <a:rPr lang="fr-FR" sz="1200" b="1" dirty="0" err="1" smtClean="0"/>
+              <a:t>fileOut</a:t>
+            </a:r>
+            <a:r>
+              <a:rPr lang="fr-FR" sz="1200" b="1" dirty="0" smtClean="0"/>
+              <a:t>)) {            </a:t>
+            </a:r>
+          </a:p>
+          <a:p>
+            <a:pPr lvl="1"/>
+            <a:r>
+              <a:rPr lang="en-US" sz="1200" dirty="0" smtClean="0"/>
               <a:t>            </a:t>
             </a:r>
             <a:r>
-              <a:rPr lang="fr-FR" sz="1000" b="1" dirty="0" err="1">
-                <a:solidFill>
-                  <a:schemeClr val="accent1">
-                    <a:lumMod val="75000"/>
-                  </a:schemeClr>
-                </a:solidFill>
-                <a:latin typeface="Tahoma" pitchFamily="34" charset="0"/>
-                <a:ea typeface="Tahoma" pitchFamily="34" charset="0"/>
-                <a:cs typeface="Tahoma" pitchFamily="34" charset="0"/>
-              </a:rPr>
-              <a:t>FileWriter</a:t>
-            </a:r>
-            <a:r>
-              <a:rPr lang="fr-FR" sz="1000" b="1" dirty="0">
-                <a:solidFill>
-                  <a:schemeClr val="accent1">
-                    <a:lumMod val="75000"/>
-                  </a:schemeClr>
-                </a:solidFill>
-                <a:latin typeface="Tahoma" pitchFamily="34" charset="0"/>
-                <a:ea typeface="Tahoma" pitchFamily="34" charset="0"/>
-                <a:cs typeface="Tahoma" pitchFamily="34" charset="0"/>
-              </a:rPr>
-              <a:t> </a:t>
-            </a:r>
-            <a:r>
-              <a:rPr lang="fr-FR" sz="1000" b="1" dirty="0" err="1">
-                <a:solidFill>
-                  <a:schemeClr val="accent1">
-                    <a:lumMod val="75000"/>
-                  </a:schemeClr>
-                </a:solidFill>
-                <a:latin typeface="Tahoma" pitchFamily="34" charset="0"/>
-                <a:ea typeface="Tahoma" pitchFamily="34" charset="0"/>
-                <a:cs typeface="Tahoma" pitchFamily="34" charset="0"/>
-              </a:rPr>
-              <a:t>writer</a:t>
-            </a:r>
-            <a:r>
-              <a:rPr lang="fr-FR" sz="1000" b="1" dirty="0">
-                <a:solidFill>
-                  <a:schemeClr val="accent1">
-                    <a:lumMod val="75000"/>
-                  </a:schemeClr>
-                </a:solidFill>
-                <a:latin typeface="Tahoma" pitchFamily="34" charset="0"/>
-                <a:ea typeface="Tahoma" pitchFamily="34" charset="0"/>
-                <a:cs typeface="Tahoma" pitchFamily="34" charset="0"/>
-              </a:rPr>
-              <a:t> = new </a:t>
-            </a:r>
-            <a:r>
-              <a:rPr lang="fr-FR" sz="1000" b="1" dirty="0" err="1">
-                <a:solidFill>
-                  <a:schemeClr val="accent1">
-                    <a:lumMod val="75000"/>
-                  </a:schemeClr>
-                </a:solidFill>
-                <a:latin typeface="Tahoma" pitchFamily="34" charset="0"/>
-                <a:ea typeface="Tahoma" pitchFamily="34" charset="0"/>
-                <a:cs typeface="Tahoma" pitchFamily="34" charset="0"/>
-              </a:rPr>
-              <a:t>FileWriter</a:t>
-            </a:r>
-            <a:r>
-              <a:rPr lang="fr-FR" sz="1000" b="1" dirty="0">
-                <a:solidFill>
-                  <a:schemeClr val="accent1">
-                    <a:lumMod val="75000"/>
-                  </a:schemeClr>
-                </a:solidFill>
-                <a:latin typeface="Tahoma" pitchFamily="34" charset="0"/>
-                <a:ea typeface="Tahoma" pitchFamily="34" charset="0"/>
-                <a:cs typeface="Tahoma" pitchFamily="34" charset="0"/>
-              </a:rPr>
+              <a:rPr lang="en-US" sz="1200" b="1" dirty="0" smtClean="0"/>
+              <a:t>for (Entry&lt;String, Integer&gt; key : </a:t>
+            </a:r>
+            <a:r>
+              <a:rPr lang="en-US" sz="1200" b="1" dirty="0" err="1" smtClean="0"/>
+              <a:t>groupedSymptoms.entrySet</a:t>
+            </a:r>
+            <a:r>
+              <a:rPr lang="en-US" sz="1200" b="1" dirty="0" smtClean="0"/>
+              <a:t>()) {</a:t>
+            </a:r>
+          </a:p>
+          <a:p>
+            <a:pPr lvl="1"/>
+            <a:r>
+              <a:rPr lang="fr-FR" sz="1200" dirty="0" smtClean="0"/>
+              <a:t>                </a:t>
+            </a:r>
+            <a:r>
+              <a:rPr lang="fr-FR" sz="1200" dirty="0" err="1" smtClean="0"/>
+              <a:t>writer.write</a:t>
+            </a:r>
+            <a:r>
+              <a:rPr lang="fr-FR" sz="1200" dirty="0" smtClean="0"/>
               <a:t>(</a:t>
             </a:r>
             <a:r>
-              <a:rPr lang="fr-FR" sz="1000" b="1" dirty="0" err="1">
-                <a:solidFill>
-                  <a:schemeClr val="accent1">
-                    <a:lumMod val="75000"/>
-                  </a:schemeClr>
-                </a:solidFill>
-                <a:latin typeface="Tahoma" pitchFamily="34" charset="0"/>
-                <a:ea typeface="Tahoma" pitchFamily="34" charset="0"/>
-                <a:cs typeface="Tahoma" pitchFamily="34" charset="0"/>
-              </a:rPr>
-              <a:t>fileOut</a:t>
-            </a:r>
-            <a:r>
-              <a:rPr lang="fr-FR" sz="1000" b="1" dirty="0">
-                <a:solidFill>
-                  <a:schemeClr val="accent1">
-                    <a:lumMod val="75000"/>
-                  </a:schemeClr>
-                </a:solidFill>
-                <a:latin typeface="Tahoma" pitchFamily="34" charset="0"/>
-                <a:ea typeface="Tahoma" pitchFamily="34" charset="0"/>
-                <a:cs typeface="Tahoma" pitchFamily="34" charset="0"/>
-              </a:rPr>
-              <a:t>);</a:t>
-            </a:r>
-          </a:p>
-          <a:p>
-            <a:pPr lvl="3" algn="just">
-              <a:lnSpc>
-                <a:spcPct val="150000"/>
-              </a:lnSpc>
-            </a:pPr>
-            <a:r>
-              <a:rPr lang="fr-FR" sz="1000" b="1" dirty="0">
-                <a:solidFill>
-                  <a:schemeClr val="accent1">
-                    <a:lumMod val="75000"/>
-                  </a:schemeClr>
-                </a:solidFill>
-                <a:latin typeface="Tahoma" pitchFamily="34" charset="0"/>
-                <a:ea typeface="Tahoma" pitchFamily="34" charset="0"/>
-                <a:cs typeface="Tahoma" pitchFamily="34" charset="0"/>
-              </a:rPr>
-              <a:t>            for (String </a:t>
-            </a:r>
-            <a:r>
-              <a:rPr lang="fr-FR" sz="1000" b="1" dirty="0" err="1">
-                <a:solidFill>
-                  <a:schemeClr val="accent1">
-                    <a:lumMod val="75000"/>
-                  </a:schemeClr>
-                </a:solidFill>
-                <a:latin typeface="Tahoma" pitchFamily="34" charset="0"/>
-                <a:ea typeface="Tahoma" pitchFamily="34" charset="0"/>
-                <a:cs typeface="Tahoma" pitchFamily="34" charset="0"/>
-              </a:rPr>
-              <a:t>key</a:t>
-            </a:r>
-            <a:r>
-              <a:rPr lang="fr-FR" sz="1000" b="1" dirty="0">
-                <a:solidFill>
-                  <a:schemeClr val="accent1">
-                    <a:lumMod val="75000"/>
-                  </a:schemeClr>
-                </a:solidFill>
-                <a:latin typeface="Tahoma" pitchFamily="34" charset="0"/>
-                <a:ea typeface="Tahoma" pitchFamily="34" charset="0"/>
-                <a:cs typeface="Tahoma" pitchFamily="34" charset="0"/>
-              </a:rPr>
-              <a:t> : </a:t>
-            </a:r>
-            <a:r>
-              <a:rPr lang="fr-FR" sz="1000" b="1" dirty="0" err="1">
-                <a:solidFill>
-                  <a:schemeClr val="accent1">
-                    <a:lumMod val="75000"/>
-                  </a:schemeClr>
-                </a:solidFill>
-                <a:latin typeface="Tahoma" pitchFamily="34" charset="0"/>
-                <a:ea typeface="Tahoma" pitchFamily="34" charset="0"/>
-                <a:cs typeface="Tahoma" pitchFamily="34" charset="0"/>
-              </a:rPr>
-              <a:t>groupedSymptoms.keySet</a:t>
-            </a:r>
-            <a:r>
-              <a:rPr lang="fr-FR" sz="1000" b="1" dirty="0">
-                <a:solidFill>
-                  <a:schemeClr val="accent1">
-                    <a:lumMod val="75000"/>
-                  </a:schemeClr>
-                </a:solidFill>
-                <a:latin typeface="Tahoma" pitchFamily="34" charset="0"/>
-                <a:ea typeface="Tahoma" pitchFamily="34" charset="0"/>
-                <a:cs typeface="Tahoma" pitchFamily="34" charset="0"/>
-              </a:rPr>
-              <a:t>()) {</a:t>
-            </a:r>
-          </a:p>
-          <a:p>
-            <a:pPr lvl="3" algn="just">
-              <a:lnSpc>
-                <a:spcPct val="150000"/>
-              </a:lnSpc>
-            </a:pPr>
-            <a:r>
-              <a:rPr lang="fr-FR" sz="1000" b="1" dirty="0">
-                <a:solidFill>
-                  <a:schemeClr val="accent1">
-                    <a:lumMod val="75000"/>
-                  </a:schemeClr>
-                </a:solidFill>
-                <a:latin typeface="Tahoma" pitchFamily="34" charset="0"/>
-                <a:ea typeface="Tahoma" pitchFamily="34" charset="0"/>
-                <a:cs typeface="Tahoma" pitchFamily="34" charset="0"/>
-              </a:rPr>
-              <a:t>                </a:t>
-            </a:r>
-            <a:r>
-              <a:rPr lang="fr-FR" sz="1000" b="1" dirty="0" err="1">
-                <a:solidFill>
-                  <a:schemeClr val="accent1">
-                    <a:lumMod val="75000"/>
-                  </a:schemeClr>
-                </a:solidFill>
-                <a:latin typeface="Tahoma" pitchFamily="34" charset="0"/>
-                <a:ea typeface="Tahoma" pitchFamily="34" charset="0"/>
-                <a:cs typeface="Tahoma" pitchFamily="34" charset="0"/>
-              </a:rPr>
-              <a:t>writer.write</a:t>
-            </a:r>
-            <a:r>
-              <a:rPr lang="fr-FR" sz="1000" b="1" dirty="0">
-                <a:solidFill>
-                  <a:schemeClr val="accent1">
-                    <a:lumMod val="75000"/>
-                  </a:schemeClr>
-                </a:solidFill>
-                <a:latin typeface="Tahoma" pitchFamily="34" charset="0"/>
-                <a:ea typeface="Tahoma" pitchFamily="34" charset="0"/>
-                <a:cs typeface="Tahoma" pitchFamily="34" charset="0"/>
-              </a:rPr>
+              <a:rPr lang="fr-FR" sz="1200" dirty="0" err="1" smtClean="0"/>
+              <a:t>key.getKey</a:t>
+            </a:r>
+            <a:r>
+              <a:rPr lang="fr-FR" sz="1200" dirty="0" smtClean="0"/>
+              <a:t>() + " = " + </a:t>
+            </a:r>
+            <a:r>
+              <a:rPr lang="fr-FR" sz="1200" dirty="0" err="1" smtClean="0"/>
+              <a:t>groupedSymptoms.get</a:t>
+            </a:r>
+            <a:r>
+              <a:rPr lang="fr-FR" sz="1200" dirty="0" smtClean="0"/>
               <a:t>(</a:t>
             </a:r>
             <a:r>
-              <a:rPr lang="fr-FR" sz="1000" b="1" dirty="0" err="1">
-                <a:solidFill>
-                  <a:schemeClr val="accent1">
-                    <a:lumMod val="75000"/>
-                  </a:schemeClr>
-                </a:solidFill>
-                <a:latin typeface="Tahoma" pitchFamily="34" charset="0"/>
-                <a:ea typeface="Tahoma" pitchFamily="34" charset="0"/>
-                <a:cs typeface="Tahoma" pitchFamily="34" charset="0"/>
-              </a:rPr>
-              <a:t>key</a:t>
-            </a:r>
-            <a:r>
-              <a:rPr lang="fr-FR" sz="1000" b="1" dirty="0">
-                <a:solidFill>
-                  <a:schemeClr val="accent1">
-                    <a:lumMod val="75000"/>
-                  </a:schemeClr>
-                </a:solidFill>
-                <a:latin typeface="Tahoma" pitchFamily="34" charset="0"/>
-                <a:ea typeface="Tahoma" pitchFamily="34" charset="0"/>
-                <a:cs typeface="Tahoma" pitchFamily="34" charset="0"/>
-              </a:rPr>
-              <a:t> + " = " + </a:t>
-            </a:r>
-            <a:r>
-              <a:rPr lang="fr-FR" sz="1000" b="1" dirty="0" err="1">
-                <a:solidFill>
-                  <a:schemeClr val="accent1">
-                    <a:lumMod val="75000"/>
-                  </a:schemeClr>
-                </a:solidFill>
-                <a:latin typeface="Tahoma" pitchFamily="34" charset="0"/>
-                <a:ea typeface="Tahoma" pitchFamily="34" charset="0"/>
-                <a:cs typeface="Tahoma" pitchFamily="34" charset="0"/>
-              </a:rPr>
-              <a:t>groupedSymptoms.get</a:t>
-            </a:r>
-            <a:r>
-              <a:rPr lang="fr-FR" sz="1000" b="1" dirty="0">
-                <a:solidFill>
-                  <a:schemeClr val="accent1">
-                    <a:lumMod val="75000"/>
-                  </a:schemeClr>
-                </a:solidFill>
-                <a:latin typeface="Tahoma" pitchFamily="34" charset="0"/>
-                <a:ea typeface="Tahoma" pitchFamily="34" charset="0"/>
-                <a:cs typeface="Tahoma" pitchFamily="34" charset="0"/>
-              </a:rPr>
-              <a:t>(</a:t>
-            </a:r>
-            <a:r>
-              <a:rPr lang="fr-FR" sz="1000" b="1" dirty="0" err="1">
-                <a:solidFill>
-                  <a:schemeClr val="accent1">
-                    <a:lumMod val="75000"/>
-                  </a:schemeClr>
-                </a:solidFill>
-                <a:latin typeface="Tahoma" pitchFamily="34" charset="0"/>
-                <a:ea typeface="Tahoma" pitchFamily="34" charset="0"/>
-                <a:cs typeface="Tahoma" pitchFamily="34" charset="0"/>
-              </a:rPr>
-              <a:t>key</a:t>
-            </a:r>
-            <a:r>
-              <a:rPr lang="fr-FR" sz="1000" b="1" dirty="0">
-                <a:solidFill>
-                  <a:schemeClr val="accent1">
-                    <a:lumMod val="75000"/>
-                  </a:schemeClr>
-                </a:solidFill>
-                <a:latin typeface="Tahoma" pitchFamily="34" charset="0"/>
-                <a:ea typeface="Tahoma" pitchFamily="34" charset="0"/>
-                <a:cs typeface="Tahoma" pitchFamily="34" charset="0"/>
-              </a:rPr>
-              <a:t>) + "\n");</a:t>
-            </a:r>
-          </a:p>
-          <a:p>
-            <a:pPr lvl="3" algn="just">
-              <a:lnSpc>
-                <a:spcPct val="150000"/>
-              </a:lnSpc>
-            </a:pPr>
-            <a:r>
-              <a:rPr lang="fr-FR" sz="1000" b="1" dirty="0">
-                <a:solidFill>
-                  <a:schemeClr val="accent1">
-                    <a:lumMod val="75000"/>
-                  </a:schemeClr>
-                </a:solidFill>
-                <a:latin typeface="Tahoma" pitchFamily="34" charset="0"/>
-                <a:ea typeface="Tahoma" pitchFamily="34" charset="0"/>
-                <a:cs typeface="Tahoma" pitchFamily="34" charset="0"/>
-              </a:rPr>
+              <a:rPr lang="fr-FR" sz="1200" dirty="0" err="1" smtClean="0"/>
+              <a:t>key.getKey</a:t>
+            </a:r>
+            <a:r>
+              <a:rPr lang="fr-FR" sz="1200" dirty="0" smtClean="0"/>
+              <a:t>()) + "\n");</a:t>
+            </a:r>
+          </a:p>
+          <a:p>
+            <a:pPr lvl="1"/>
+            <a:r>
+              <a:rPr lang="fr-FR" sz="1200" dirty="0" smtClean="0"/>
               <a:t>            }</a:t>
             </a:r>
           </a:p>
           <a:p>
-            <a:pPr lvl="3" algn="just">
-              <a:lnSpc>
-                <a:spcPct val="150000"/>
-              </a:lnSpc>
-            </a:pPr>
-            <a:r>
-              <a:rPr lang="fr-FR" sz="1000" b="1" dirty="0">
-                <a:solidFill>
-                  <a:schemeClr val="accent1">
-                    <a:lumMod val="75000"/>
-                  </a:schemeClr>
-                </a:solidFill>
-                <a:latin typeface="Tahoma" pitchFamily="34" charset="0"/>
-                <a:ea typeface="Tahoma" pitchFamily="34" charset="0"/>
-                <a:cs typeface="Tahoma" pitchFamily="34" charset="0"/>
-              </a:rPr>
-              <a:t>            </a:t>
-            </a:r>
-            <a:r>
-              <a:rPr lang="fr-FR" sz="1000" b="1" dirty="0" err="1">
-                <a:solidFill>
-                  <a:schemeClr val="accent1">
-                    <a:lumMod val="75000"/>
-                  </a:schemeClr>
-                </a:solidFill>
-                <a:latin typeface="Tahoma" pitchFamily="34" charset="0"/>
-                <a:ea typeface="Tahoma" pitchFamily="34" charset="0"/>
-                <a:cs typeface="Tahoma" pitchFamily="34" charset="0"/>
-              </a:rPr>
-              <a:t>writer.close</a:t>
-            </a:r>
-            <a:r>
-              <a:rPr lang="fr-FR" sz="1000" b="1" dirty="0">
-                <a:solidFill>
-                  <a:schemeClr val="accent1">
-                    <a:lumMod val="75000"/>
-                  </a:schemeClr>
-                </a:solidFill>
-                <a:latin typeface="Tahoma" pitchFamily="34" charset="0"/>
-                <a:ea typeface="Tahoma" pitchFamily="34" charset="0"/>
-                <a:cs typeface="Tahoma" pitchFamily="34" charset="0"/>
-              </a:rPr>
+            <a:r>
+              <a:rPr lang="fr-FR" sz="1200" dirty="0" smtClean="0"/>
+              <a:t>                 </a:t>
+            </a:r>
+            <a:r>
+              <a:rPr lang="fr-FR" sz="1200" dirty="0" err="1" smtClean="0"/>
+              <a:t>writer.</a:t>
+            </a:r>
+            <a:r>
+              <a:rPr lang="fr-FR" sz="1200" u="sng" dirty="0" err="1" smtClean="0"/>
+              <a:t>close</a:t>
+            </a:r>
+            <a:r>
+              <a:rPr lang="fr-FR" sz="1200" u="sng" dirty="0" smtClean="0"/>
               <a:t>();</a:t>
             </a:r>
           </a:p>
           <a:p>
-            <a:pPr lvl="3" algn="just">
-              <a:lnSpc>
-                <a:spcPct val="150000"/>
-              </a:lnSpc>
-            </a:pPr>
-            <a:r>
-              <a:rPr lang="fr-FR" sz="1000" b="1" dirty="0">
-                <a:solidFill>
-                  <a:schemeClr val="accent1">
-                    <a:lumMod val="75000"/>
-                  </a:schemeClr>
-                </a:solidFill>
-                <a:latin typeface="Tahoma" pitchFamily="34" charset="0"/>
-                <a:ea typeface="Tahoma" pitchFamily="34" charset="0"/>
-                <a:cs typeface="Tahoma" pitchFamily="34" charset="0"/>
-              </a:rPr>
-              <a:t>        } catch (</a:t>
-            </a:r>
-            <a:r>
-              <a:rPr lang="fr-FR" sz="1000" b="1" dirty="0" err="1">
-                <a:solidFill>
-                  <a:schemeClr val="accent1">
-                    <a:lumMod val="75000"/>
-                  </a:schemeClr>
-                </a:solidFill>
-                <a:latin typeface="Tahoma" pitchFamily="34" charset="0"/>
-                <a:ea typeface="Tahoma" pitchFamily="34" charset="0"/>
-                <a:cs typeface="Tahoma" pitchFamily="34" charset="0"/>
-              </a:rPr>
+            <a:r>
+              <a:rPr lang="fr-FR" sz="1200" dirty="0" smtClean="0"/>
+              <a:t>            } </a:t>
+            </a:r>
+            <a:r>
+              <a:rPr lang="fr-FR" sz="1200" b="1" dirty="0" smtClean="0"/>
+              <a:t>catch (</a:t>
+            </a:r>
+            <a:r>
+              <a:rPr lang="fr-FR" sz="1200" b="1" dirty="0" err="1" smtClean="0"/>
               <a:t>IOException</a:t>
             </a:r>
             <a:r>
-              <a:rPr lang="fr-FR" sz="1000" b="1" dirty="0">
-                <a:solidFill>
-                  <a:schemeClr val="accent1">
-                    <a:lumMod val="75000"/>
-                  </a:schemeClr>
-                </a:solidFill>
-                <a:latin typeface="Tahoma" pitchFamily="34" charset="0"/>
-                <a:ea typeface="Tahoma" pitchFamily="34" charset="0"/>
-                <a:cs typeface="Tahoma" pitchFamily="34" charset="0"/>
-              </a:rPr>
+              <a:rPr lang="fr-FR" sz="1200" b="1" dirty="0" smtClean="0"/>
               <a:t> e) {</a:t>
             </a:r>
           </a:p>
           <a:p>
-            <a:pPr lvl="3" algn="just">
-              <a:lnSpc>
-                <a:spcPct val="150000"/>
-              </a:lnSpc>
-            </a:pPr>
-            <a:r>
-              <a:rPr lang="fr-FR" sz="1000" b="1" dirty="0">
-                <a:solidFill>
-                  <a:schemeClr val="accent1">
-                    <a:lumMod val="75000"/>
-                  </a:schemeClr>
-                </a:solidFill>
-                <a:latin typeface="Tahoma" pitchFamily="34" charset="0"/>
-                <a:ea typeface="Tahoma" pitchFamily="34" charset="0"/>
-                <a:cs typeface="Tahoma" pitchFamily="34" charset="0"/>
-              </a:rPr>
-              <a:t>            </a:t>
-            </a:r>
-            <a:r>
-              <a:rPr lang="fr-FR" sz="1000" b="1" dirty="0" err="1">
-                <a:solidFill>
-                  <a:schemeClr val="accent1">
-                    <a:lumMod val="75000"/>
-                  </a:schemeClr>
-                </a:solidFill>
-                <a:latin typeface="Tahoma" pitchFamily="34" charset="0"/>
-                <a:ea typeface="Tahoma" pitchFamily="34" charset="0"/>
-                <a:cs typeface="Tahoma" pitchFamily="34" charset="0"/>
-              </a:rPr>
-              <a:t>e.printStackTrace</a:t>
-            </a:r>
-            <a:r>
-              <a:rPr lang="fr-FR" sz="1000" b="1" dirty="0">
-                <a:solidFill>
-                  <a:schemeClr val="accent1">
-                    <a:lumMod val="75000"/>
-                  </a:schemeClr>
-                </a:solidFill>
-                <a:latin typeface="Tahoma" pitchFamily="34" charset="0"/>
-                <a:ea typeface="Tahoma" pitchFamily="34" charset="0"/>
-                <a:cs typeface="Tahoma" pitchFamily="34" charset="0"/>
-              </a:rPr>
+            <a:r>
+              <a:rPr lang="fr-FR" sz="1200" dirty="0" smtClean="0"/>
+              <a:t>                  </a:t>
+            </a:r>
+            <a:r>
+              <a:rPr lang="fr-FR" sz="1200" dirty="0" err="1" smtClean="0"/>
+              <a:t>e.</a:t>
+            </a:r>
+            <a:r>
+              <a:rPr lang="fr-FR" sz="1200" u="sng" dirty="0" err="1" smtClean="0"/>
+              <a:t>printStackTrace</a:t>
+            </a:r>
+            <a:r>
+              <a:rPr lang="fr-FR" sz="1200" u="sng" dirty="0" smtClean="0"/>
               <a:t>();</a:t>
             </a:r>
           </a:p>
           <a:p>
-            <a:pPr lvl="3" algn="just">
-              <a:lnSpc>
-                <a:spcPct val="150000"/>
-              </a:lnSpc>
-            </a:pPr>
-            <a:r>
-              <a:rPr lang="fr-FR" sz="1000" b="1" dirty="0">
-                <a:solidFill>
-                  <a:schemeClr val="accent1">
-                    <a:lumMod val="75000"/>
-                  </a:schemeClr>
-                </a:solidFill>
-                <a:latin typeface="Tahoma" pitchFamily="34" charset="0"/>
-                <a:ea typeface="Tahoma" pitchFamily="34" charset="0"/>
-                <a:cs typeface="Tahoma" pitchFamily="34" charset="0"/>
-              </a:rPr>
-              <a:t>        }</a:t>
-            </a:r>
-          </a:p>
-          <a:p>
-            <a:pPr lvl="3" algn="just">
-              <a:lnSpc>
-                <a:spcPct val="150000"/>
-              </a:lnSpc>
-            </a:pPr>
-            <a:r>
-              <a:rPr lang="fr-FR" sz="1000" b="1" dirty="0">
-                <a:solidFill>
-                  <a:schemeClr val="accent1">
-                    <a:lumMod val="75000"/>
-                  </a:schemeClr>
-                </a:solidFill>
-                <a:latin typeface="Tahoma" pitchFamily="34" charset="0"/>
-                <a:ea typeface="Tahoma" pitchFamily="34" charset="0"/>
-                <a:cs typeface="Tahoma" pitchFamily="34" charset="0"/>
-              </a:rPr>
-              <a:t>    }</a:t>
-            </a:r>
-            <a:endParaRPr lang="fr-FR" sz="1000" b="1" dirty="0" smtClean="0">
+            <a:r>
+              <a:rPr lang="fr-FR" sz="1200" dirty="0" smtClean="0"/>
+              <a:t>             }</a:t>
+            </a:r>
+          </a:p>
+          <a:p>
+            <a:endParaRPr lang="fr-FR" sz="1200" dirty="0" smtClean="0"/>
+          </a:p>
+          <a:p>
+            <a:r>
+              <a:rPr lang="fr-FR" sz="1200" dirty="0" smtClean="0"/>
+              <a:t>       }</a:t>
+            </a:r>
+            <a:endParaRPr lang="fr-FR" sz="1200" b="1" dirty="0" smtClean="0">
               <a:solidFill>
                 <a:schemeClr val="accent1">
                   <a:lumMod val="75000"/>
@@ -11242,7 +10533,23 @@
                 <a:ea typeface="Tahoma" pitchFamily="34" charset="0"/>
                 <a:cs typeface="Tahoma" pitchFamily="34" charset="0"/>
               </a:rPr>
-              <a:t>Présentation de ma solution  </a:t>
+              <a:t>Présentation de </a:t>
+            </a:r>
+            <a:r>
+              <a:rPr lang="fr-FR" sz="1400" b="1" dirty="0" smtClean="0">
+                <a:latin typeface="Tahoma" pitchFamily="34" charset="0"/>
+                <a:ea typeface="Tahoma" pitchFamily="34" charset="0"/>
+                <a:cs typeface="Tahoma" pitchFamily="34" charset="0"/>
+              </a:rPr>
+              <a:t>La </a:t>
+            </a:r>
+            <a:r>
+              <a:rPr lang="fr-FR" sz="1400" b="1" dirty="0" smtClean="0">
+                <a:latin typeface="Tahoma" pitchFamily="34" charset="0"/>
+                <a:ea typeface="Tahoma" pitchFamily="34" charset="0"/>
+                <a:cs typeface="Tahoma" pitchFamily="34" charset="0"/>
+              </a:rPr>
+              <a:t>solution  </a:t>
             </a:r>
             <a:endParaRPr lang="fr-FR" sz="1400" b="1" dirty="0">
               <a:latin typeface="Tahoma" pitchFamily="34" charset="0"/>
@@ -11261,7 +10568,7 @@
         <p:spPr>
           <a:xfrm>
             <a:off x="179512" y="764704"/>
-            <a:ext cx="8640960" cy="4708981"/>
+            <a:ext cx="8640960" cy="5509200"/>
           </a:xfrm>
           <a:prstGeom prst="rect">
             <a:avLst/>
@@ -11274,33 +10581,444 @@
           </a:bodyPr>
           <a:lstStyle/>
           <a:p>
-            <a:pPr algn="just">
+            <a:pPr marL="742950" lvl="1" indent="-285750" algn="just">
+              <a:lnSpc>
+                <a:spcPct val="150000"/>
+              </a:lnSpc>
+              <a:buFont typeface="Wingdings" pitchFamily="2" charset="2"/>
+              <a:buChar char="v"/>
+            </a:pPr>
+            <a:r>
+              <a:rPr lang="fr-FR" sz="1600" dirty="0" smtClean="0">
+                <a:latin typeface="Tahoma" pitchFamily="34" charset="0"/>
+                <a:ea typeface="Tahoma" pitchFamily="34" charset="0"/>
+                <a:cs typeface="Tahoma" pitchFamily="34" charset="0"/>
+              </a:rPr>
+              <a:t>La classe </a:t>
+            </a:r>
+            <a:r>
+              <a:rPr lang="fr-FR" sz="1600" b="1" dirty="0" err="1" smtClean="0">
+                <a:latin typeface="Tahoma" pitchFamily="34" charset="0"/>
+                <a:ea typeface="Tahoma" pitchFamily="34" charset="0"/>
+                <a:cs typeface="Tahoma" pitchFamily="34" charset="0"/>
+              </a:rPr>
+              <a:t>AnalyticsCounter</a:t>
+            </a:r>
+            <a:r>
+              <a:rPr lang="fr-FR" sz="1600" dirty="0" smtClean="0">
+                <a:latin typeface="Tahoma" pitchFamily="34" charset="0"/>
+                <a:ea typeface="Tahoma" pitchFamily="34" charset="0"/>
+                <a:cs typeface="Tahoma" pitchFamily="34" charset="0"/>
+              </a:rPr>
+              <a:t> contien</a:t>
+            </a:r>
+            <a:r>
+              <a:rPr lang="fr-FR" sz="1600" dirty="0" smtClean="0">
+                <a:latin typeface="Tahoma" pitchFamily="34" charset="0"/>
+                <a:ea typeface="Tahoma" pitchFamily="34" charset="0"/>
+                <a:cs typeface="Tahoma" pitchFamily="34" charset="0"/>
+              </a:rPr>
+              <a:t>t deux </a:t>
+            </a:r>
+            <a:r>
+              <a:rPr lang="fr-FR" sz="1600" dirty="0" err="1" smtClean="0">
+                <a:latin typeface="Tahoma" pitchFamily="34" charset="0"/>
+                <a:ea typeface="Tahoma" pitchFamily="34" charset="0"/>
+                <a:cs typeface="Tahoma" pitchFamily="34" charset="0"/>
+              </a:rPr>
+              <a:t>methodes</a:t>
+            </a:r>
+            <a:r>
+              <a:rPr lang="fr-FR" sz="1600" dirty="0" smtClean="0">
+                <a:latin typeface="Tahoma" pitchFamily="34" charset="0"/>
+                <a:ea typeface="Tahoma" pitchFamily="34" charset="0"/>
+                <a:cs typeface="Tahoma" pitchFamily="34" charset="0"/>
+              </a:rPr>
+              <a:t> :</a:t>
+            </a:r>
+          </a:p>
+          <a:p>
+            <a:pPr marL="1200150" lvl="2" indent="-285750" algn="just">
+              <a:lnSpc>
+                <a:spcPct val="150000"/>
+              </a:lnSpc>
+              <a:buFont typeface="Wingdings" pitchFamily="2" charset="2"/>
+              <a:buChar char="§"/>
+            </a:pPr>
+            <a:r>
+              <a:rPr lang="fr-FR" sz="1600" b="1" dirty="0" err="1"/>
+              <a:t>groupSymptoms</a:t>
+            </a:r>
+            <a:r>
+              <a:rPr lang="fr-FR" sz="1600" dirty="0"/>
+              <a:t>(List&lt;String&gt; </a:t>
+            </a:r>
+            <a:r>
+              <a:rPr lang="fr-FR" sz="1600" dirty="0" err="1"/>
+              <a:t>alphabeticSymptomList</a:t>
+            </a:r>
+            <a:r>
+              <a:rPr lang="fr-FR" sz="1600" dirty="0" smtClean="0"/>
+              <a:t>) : qui permet de compter le nombre d’</a:t>
+            </a:r>
+            <a:r>
+              <a:rPr lang="fr-FR" sz="1600" dirty="0" err="1" smtClean="0"/>
+              <a:t>occuerence</a:t>
+            </a:r>
+            <a:r>
+              <a:rPr lang="fr-FR" sz="1600" dirty="0" smtClean="0"/>
+              <a:t> de chaque symptôme et de stocker dans une collection de type </a:t>
+            </a:r>
+            <a:r>
+              <a:rPr lang="fr-FR" sz="1600" dirty="0" err="1" smtClean="0"/>
+              <a:t>Map</a:t>
+            </a:r>
+            <a:r>
+              <a:rPr lang="fr-FR" sz="1600" dirty="0" smtClean="0"/>
+              <a:t> (Clé -&gt; valeur) .</a:t>
+            </a:r>
+          </a:p>
+          <a:p>
+            <a:pPr lvl="5" algn="just">
               <a:lnSpc>
                 <a:spcPct val="150000"/>
               </a:lnSpc>
             </a:pPr>
-            <a:r>
-              <a:rPr lang="fr-FR" sz="1600" dirty="0" smtClean="0">
-                <a:latin typeface="Tahoma" pitchFamily="34" charset="0"/>
-                <a:ea typeface="Tahoma" pitchFamily="34" charset="0"/>
-                <a:cs typeface="Tahoma" pitchFamily="34" charset="0"/>
-              </a:rPr>
-              <a:t>Appel des différentes méthodes dans Main</a:t>
-            </a:r>
-          </a:p>
-          <a:p>
-            <a:pPr algn="just">
-              <a:lnSpc>
-                <a:spcPct val="150000"/>
-              </a:lnSpc>
-            </a:pPr>
-            <a:endParaRPr lang="fr-FR" sz="1600" dirty="0" smtClean="0">
+            <a:endParaRPr lang="fr-FR" sz="1200" dirty="0" smtClean="0">
               <a:latin typeface="Tahoma" pitchFamily="34" charset="0"/>
               <a:ea typeface="Tahoma" pitchFamily="34" charset="0"/>
               <a:cs typeface="Tahoma" pitchFamily="34" charset="0"/>
             </a:endParaRPr>
           </a:p>
           <a:p>
+            <a:pPr lvl="3"/>
+            <a:r>
+              <a:rPr lang="fr-FR" sz="1200" dirty="0" smtClean="0"/>
+              <a:t>    /**</a:t>
+            </a:r>
+          </a:p>
+          <a:p>
+            <a:pPr lvl="3"/>
+            <a:r>
+              <a:rPr lang="en-US" sz="1200" dirty="0" smtClean="0"/>
+              <a:t>     * Read </a:t>
+            </a:r>
+            <a:r>
+              <a:rPr lang="en-US" sz="1200" dirty="0" err="1" smtClean="0"/>
+              <a:t>alphabeticSymptomList</a:t>
+            </a:r>
+            <a:r>
+              <a:rPr lang="en-US" sz="1200" dirty="0" smtClean="0"/>
+              <a:t> and create a Map with name and number</a:t>
+            </a:r>
+          </a:p>
+          <a:p>
+            <a:pPr lvl="3"/>
+            <a:r>
+              <a:rPr lang="fr-FR" sz="1200" dirty="0" smtClean="0"/>
+              <a:t>     *</a:t>
+            </a:r>
+          </a:p>
+          <a:p>
+            <a:pPr lvl="3"/>
+            <a:r>
+              <a:rPr lang="fr-FR" sz="1200" dirty="0" smtClean="0"/>
+              <a:t>     * </a:t>
+            </a:r>
+            <a:r>
+              <a:rPr lang="fr-FR" sz="1200" b="1" dirty="0" smtClean="0"/>
+              <a:t>@</a:t>
+            </a:r>
+            <a:r>
+              <a:rPr lang="fr-FR" sz="1200" b="1" dirty="0" err="1" smtClean="0"/>
+              <a:t>param</a:t>
+            </a:r>
+            <a:r>
+              <a:rPr lang="fr-FR" sz="1200" b="1" dirty="0" smtClean="0"/>
+              <a:t> </a:t>
+            </a:r>
+            <a:r>
+              <a:rPr lang="fr-FR" sz="1200" b="1" dirty="0" err="1" smtClean="0"/>
+              <a:t>alphabeticSymptomList</a:t>
+            </a:r>
+            <a:endParaRPr lang="fr-FR" sz="1200" b="1" dirty="0" smtClean="0"/>
+          </a:p>
+          <a:p>
+            <a:pPr lvl="3"/>
+            <a:r>
+              <a:rPr lang="en-US" sz="1200" dirty="0" smtClean="0"/>
+              <a:t>     * </a:t>
+            </a:r>
+            <a:r>
+              <a:rPr lang="en-US" sz="1200" b="1" dirty="0" smtClean="0"/>
+              <a:t>@return Map of symptom and its number</a:t>
+            </a:r>
+          </a:p>
+          <a:p>
+            <a:pPr lvl="3"/>
+            <a:r>
+              <a:rPr lang="fr-FR" sz="1200" dirty="0" smtClean="0"/>
+              <a:t>     */</a:t>
+            </a:r>
+          </a:p>
+          <a:p>
+            <a:pPr lvl="3"/>
+            <a:endParaRPr lang="fr-FR" sz="1200" dirty="0" smtClean="0">
+              <a:latin typeface="Tahoma" pitchFamily="34" charset="0"/>
+              <a:ea typeface="Tahoma" pitchFamily="34" charset="0"/>
+              <a:cs typeface="Tahoma" pitchFamily="34" charset="0"/>
+            </a:endParaRPr>
+          </a:p>
+          <a:p>
+            <a:pPr lvl="3"/>
+            <a:r>
+              <a:rPr lang="fr-FR" sz="1200" b="1" dirty="0" smtClean="0"/>
+              <a:t>public </a:t>
+            </a:r>
+            <a:r>
+              <a:rPr lang="fr-FR" sz="1200" b="1" dirty="0" err="1"/>
+              <a:t>Map</a:t>
+            </a:r>
+            <a:r>
+              <a:rPr lang="fr-FR" sz="1200" b="1" dirty="0"/>
+              <a:t>&lt;String, </a:t>
+            </a:r>
+            <a:r>
+              <a:rPr lang="fr-FR" sz="1200" b="1" dirty="0" err="1"/>
+              <a:t>Integer</a:t>
+            </a:r>
+            <a:r>
+              <a:rPr lang="fr-FR" sz="1200" b="1" dirty="0"/>
+              <a:t>&gt; </a:t>
+            </a:r>
+            <a:r>
+              <a:rPr lang="fr-FR" sz="1200" b="1" dirty="0" err="1"/>
+              <a:t>groupSymptoms</a:t>
+            </a:r>
+            <a:r>
+              <a:rPr lang="fr-FR" sz="1200" b="1" dirty="0"/>
+              <a:t>(List&lt;String&gt; </a:t>
+            </a:r>
+            <a:r>
+              <a:rPr lang="fr-FR" sz="1200" b="1" dirty="0" err="1"/>
+              <a:t>alphabeticSymptomList</a:t>
+            </a:r>
+            <a:r>
+              <a:rPr lang="fr-FR" sz="1200" b="1" dirty="0"/>
+              <a:t>) {</a:t>
+            </a:r>
+          </a:p>
+          <a:p>
+            <a:pPr lvl="3"/>
+            <a:r>
+              <a:rPr lang="fr-FR" sz="1200" dirty="0"/>
+              <a:t>    </a:t>
+            </a:r>
+            <a:r>
+              <a:rPr lang="fr-FR" sz="1200" dirty="0" err="1"/>
+              <a:t>Map</a:t>
+            </a:r>
+            <a:r>
+              <a:rPr lang="fr-FR" sz="1200" dirty="0"/>
+              <a:t>&lt;String, </a:t>
+            </a:r>
+            <a:r>
+              <a:rPr lang="fr-FR" sz="1200" dirty="0" err="1"/>
+              <a:t>Integer</a:t>
+            </a:r>
+            <a:r>
+              <a:rPr lang="fr-FR" sz="1200" dirty="0"/>
+              <a:t>&gt; </a:t>
+            </a:r>
+            <a:r>
+              <a:rPr lang="fr-FR" sz="1200" dirty="0" err="1"/>
+              <a:t>map</a:t>
+            </a:r>
+            <a:r>
+              <a:rPr lang="fr-FR" sz="1200" dirty="0"/>
+              <a:t> = </a:t>
+            </a:r>
+            <a:r>
+              <a:rPr lang="fr-FR" sz="1200" b="1" dirty="0"/>
+              <a:t>new </a:t>
+            </a:r>
+            <a:r>
+              <a:rPr lang="fr-FR" sz="1200" b="1" dirty="0" err="1"/>
+              <a:t>HashMap</a:t>
+            </a:r>
+            <a:r>
+              <a:rPr lang="fr-FR" sz="1200" b="1" dirty="0"/>
+              <a:t>&lt;&gt;();</a:t>
+            </a:r>
+          </a:p>
+          <a:p>
+            <a:pPr lvl="3"/>
+            <a:r>
+              <a:rPr lang="fr-FR" sz="1200" dirty="0"/>
+              <a:t>        </a:t>
+            </a:r>
+            <a:r>
+              <a:rPr lang="fr-FR" sz="1200" b="1" dirty="0"/>
+              <a:t>for (String </a:t>
+            </a:r>
+            <a:r>
+              <a:rPr lang="fr-FR" sz="1200" b="1" dirty="0" err="1"/>
+              <a:t>symptom</a:t>
+            </a:r>
+            <a:r>
+              <a:rPr lang="fr-FR" sz="1200" b="1" dirty="0"/>
+              <a:t> : </a:t>
+            </a:r>
+            <a:r>
+              <a:rPr lang="fr-FR" sz="1200" b="1" dirty="0" err="1"/>
+              <a:t>alphabeticSymptomList</a:t>
+            </a:r>
+            <a:r>
+              <a:rPr lang="fr-FR" sz="1200" b="1" dirty="0"/>
+              <a:t>) {</a:t>
+            </a:r>
+          </a:p>
+          <a:p>
+            <a:pPr lvl="3"/>
+            <a:r>
+              <a:rPr lang="fr-FR" sz="1200" dirty="0"/>
+              <a:t>            </a:t>
+            </a:r>
+            <a:r>
+              <a:rPr lang="fr-FR" sz="1200" dirty="0" err="1"/>
+              <a:t>Integer</a:t>
+            </a:r>
+            <a:r>
+              <a:rPr lang="fr-FR" sz="1200" dirty="0"/>
+              <a:t> nombre = </a:t>
+            </a:r>
+            <a:r>
+              <a:rPr lang="fr-FR" sz="1200" dirty="0" err="1"/>
+              <a:t>map.get</a:t>
+            </a:r>
+            <a:r>
+              <a:rPr lang="fr-FR" sz="1200" dirty="0"/>
+              <a:t>(</a:t>
+            </a:r>
+            <a:r>
+              <a:rPr lang="fr-FR" sz="1200" dirty="0" err="1"/>
+              <a:t>symptom</a:t>
+            </a:r>
+            <a:r>
+              <a:rPr lang="fr-FR" sz="1200" dirty="0"/>
+              <a:t>);</a:t>
+            </a:r>
+          </a:p>
+          <a:p>
+            <a:pPr lvl="3"/>
+            <a:r>
+              <a:rPr lang="fr-FR" sz="1200" dirty="0"/>
+              <a:t>            </a:t>
+            </a:r>
+            <a:r>
+              <a:rPr lang="fr-FR" sz="1200" b="1" dirty="0"/>
+              <a:t>if (nombre == </a:t>
+            </a:r>
+            <a:r>
+              <a:rPr lang="fr-FR" sz="1200" b="1" dirty="0" err="1"/>
+              <a:t>null</a:t>
+            </a:r>
+            <a:r>
+              <a:rPr lang="fr-FR" sz="1200" b="1" dirty="0"/>
+              <a:t>) {</a:t>
+            </a:r>
+          </a:p>
+          <a:p>
+            <a:pPr lvl="3"/>
+            <a:r>
+              <a:rPr lang="fr-FR" sz="1200" dirty="0"/>
+              <a:t>                nombre = 0;</a:t>
+            </a:r>
+          </a:p>
+          <a:p>
+            <a:pPr lvl="3"/>
+            <a:r>
+              <a:rPr lang="fr-FR" sz="1200" dirty="0"/>
+              <a:t>            }</a:t>
+            </a:r>
+          </a:p>
+          <a:p>
+            <a:pPr lvl="3"/>
+            <a:r>
+              <a:rPr lang="fr-FR" sz="1200" dirty="0"/>
+              <a:t>            nombre++;</a:t>
+            </a:r>
+          </a:p>
+          <a:p>
+            <a:pPr lvl="3"/>
+            <a:r>
+              <a:rPr lang="fr-FR" sz="1200" dirty="0"/>
+              <a:t>            </a:t>
+            </a:r>
+            <a:r>
+              <a:rPr lang="fr-FR" sz="1200" dirty="0" err="1"/>
+              <a:t>map.put</a:t>
+            </a:r>
+            <a:r>
+              <a:rPr lang="fr-FR" sz="1200" dirty="0"/>
+              <a:t>(</a:t>
+            </a:r>
+            <a:r>
+              <a:rPr lang="fr-FR" sz="1200" dirty="0" err="1"/>
+              <a:t>symptom</a:t>
+            </a:r>
+            <a:r>
+              <a:rPr lang="fr-FR" sz="1200" dirty="0"/>
+              <a:t>, nombre);</a:t>
+            </a:r>
+          </a:p>
+          <a:p>
+            <a:pPr lvl="3"/>
+            <a:r>
+              <a:rPr lang="fr-FR" sz="1200" dirty="0"/>
+              <a:t>        }</a:t>
+            </a:r>
+          </a:p>
+          <a:p>
+            <a:pPr lvl="3"/>
+            <a:r>
+              <a:rPr lang="fr-FR" sz="1200" dirty="0"/>
+              <a:t>        </a:t>
+            </a:r>
+            <a:r>
+              <a:rPr lang="fr-FR" sz="1200" b="1" dirty="0"/>
+              <a:t>return </a:t>
+            </a:r>
+            <a:r>
+              <a:rPr lang="fr-FR" sz="1200" b="1" dirty="0" err="1"/>
+              <a:t>map</a:t>
+            </a:r>
+            <a:r>
+              <a:rPr lang="fr-FR" sz="1200" b="1" dirty="0"/>
+              <a:t>;</a:t>
+            </a:r>
+          </a:p>
+          <a:p>
+            <a:pPr lvl="3"/>
+            <a:r>
+              <a:rPr lang="fr-FR" sz="1200" dirty="0"/>
+              <a:t>    }</a:t>
+            </a:r>
+            <a:r>
+              <a:rPr lang="fr-FR" sz="1200" dirty="0" smtClean="0">
+                <a:latin typeface="Tahoma" pitchFamily="34" charset="0"/>
+                <a:ea typeface="Tahoma" pitchFamily="34" charset="0"/>
+                <a:cs typeface="Tahoma" pitchFamily="34" charset="0"/>
+              </a:rPr>
+              <a:t> </a:t>
+            </a:r>
+            <a:endParaRPr lang="fr-FR" sz="1200" dirty="0" smtClean="0">
+              <a:latin typeface="Tahoma" pitchFamily="34" charset="0"/>
+              <a:ea typeface="Tahoma" pitchFamily="34" charset="0"/>
+              <a:cs typeface="Tahoma" pitchFamily="34" charset="0"/>
+            </a:endParaRPr>
+          </a:p>
+          <a:p>
             <a:r>
               <a:rPr lang="fr-FR" sz="1000" b="1" dirty="0" smtClean="0">
                 <a:latin typeface="Tahoma" pitchFamily="34" charset="0"/>
@@ -11312,431 +11030,6 @@
             <a:r>
               <a:rPr lang="fr-FR" sz="1000" b="1" dirty="0" smtClean="0"/>
               <a:t> </a:t>
-            </a:r>
-            <a:r>
-              <a:rPr lang="fr-FR" sz="1400" b="1" dirty="0"/>
-              <a:t>// </a:t>
-            </a:r>
-            <a:r>
-              <a:rPr lang="fr-FR" sz="1400" b="1" dirty="0" err="1"/>
-              <a:t>reading</a:t>
-            </a:r>
-            <a:r>
-              <a:rPr lang="fr-FR" sz="1400" b="1" dirty="0"/>
-              <a:t> the </a:t>
-            </a:r>
-            <a:r>
-              <a:rPr lang="fr-FR" sz="1400" b="1" dirty="0" err="1"/>
-              <a:t>symptoms</a:t>
-            </a:r>
-            <a:r>
-              <a:rPr lang="fr-FR" sz="1400" b="1" dirty="0"/>
-              <a:t> file</a:t>
-            </a:r>
-          </a:p>
-          <a:p>
-            <a:endParaRPr lang="fr-FR" sz="1400" dirty="0"/>
-          </a:p>
-          <a:p>
-            <a:r>
-              <a:rPr lang="fr-FR" sz="1400" dirty="0" smtClean="0">
-                <a:solidFill>
-                  <a:schemeClr val="tx2"/>
-                </a:solidFill>
-              </a:rPr>
-              <a:t> </a:t>
-            </a:r>
-            <a:r>
-              <a:rPr lang="fr-FR" sz="1400" b="1" dirty="0" err="1">
-                <a:solidFill>
-                  <a:schemeClr val="tx2"/>
-                </a:solidFill>
-              </a:rPr>
-              <a:t>ReadSymptomDataFromFile</a:t>
-            </a:r>
-            <a:r>
-              <a:rPr lang="fr-FR" sz="1400" b="1" dirty="0">
-                <a:solidFill>
-                  <a:schemeClr val="tx2"/>
-                </a:solidFill>
-              </a:rPr>
-              <a:t> </a:t>
-            </a:r>
-            <a:r>
-              <a:rPr lang="fr-FR" sz="1400" b="1" dirty="0" err="1">
-                <a:solidFill>
-                  <a:schemeClr val="tx2"/>
-                </a:solidFill>
-              </a:rPr>
-              <a:t>rsdff</a:t>
-            </a:r>
-            <a:r>
-              <a:rPr lang="fr-FR" sz="1400" b="1" dirty="0">
-                <a:solidFill>
-                  <a:schemeClr val="tx2"/>
-                </a:solidFill>
-              </a:rPr>
-              <a:t> = new </a:t>
-            </a:r>
-            <a:r>
-              <a:rPr lang="fr-FR" sz="1400" b="1" dirty="0" smtClean="0">
-                <a:solidFill>
-                  <a:schemeClr val="tx2"/>
-                </a:solidFill>
-              </a:rPr>
-              <a:t>     </a:t>
-            </a:r>
-            <a:r>
-              <a:rPr lang="fr-FR" sz="1400" b="1" dirty="0" err="1" smtClean="0">
-                <a:solidFill>
-                  <a:schemeClr val="tx2"/>
-                </a:solidFill>
-              </a:rPr>
-              <a:t>ReadSymptomDataFromFile</a:t>
-            </a:r>
-            <a:r>
-              <a:rPr lang="fr-FR" sz="1400" b="1" dirty="0">
-                <a:solidFill>
-                  <a:schemeClr val="tx2"/>
-                </a:solidFill>
-              </a:rPr>
-              <a:t>("./Project02Eclipse/symptoms.txt","./Project02Eclipse/</a:t>
-            </a:r>
-            <a:r>
-              <a:rPr lang="fr-FR" sz="1400" b="1" dirty="0" err="1">
-                <a:solidFill>
-                  <a:schemeClr val="tx2"/>
-                </a:solidFill>
-              </a:rPr>
-              <a:t>result.out</a:t>
-            </a:r>
-            <a:r>
-              <a:rPr lang="fr-FR" sz="1400" b="1" dirty="0">
-                <a:solidFill>
-                  <a:schemeClr val="tx2"/>
-                </a:solidFill>
-              </a:rPr>
-              <a:t>");</a:t>
-            </a:r>
-          </a:p>
-          <a:p>
-            <a:r>
-              <a:rPr lang="fr-FR" sz="1400" b="1" dirty="0">
-                <a:solidFill>
-                  <a:schemeClr val="tx2"/>
-                </a:solidFill>
-              </a:rPr>
-              <a:t>        </a:t>
-            </a:r>
-            <a:endParaRPr lang="fr-FR" sz="1400" b="1" dirty="0" smtClean="0">
-              <a:solidFill>
-                <a:schemeClr val="tx2"/>
-              </a:solidFill>
-            </a:endParaRPr>
-          </a:p>
-          <a:p>
-            <a:r>
-              <a:rPr lang="fr-FR" sz="1400" b="1" dirty="0" smtClean="0">
-                <a:solidFill>
-                  <a:schemeClr val="tx2"/>
-                </a:solidFill>
-              </a:rPr>
-              <a:t>List&lt;String</a:t>
-            </a:r>
-            <a:r>
-              <a:rPr lang="fr-FR" sz="1400" b="1" dirty="0">
-                <a:solidFill>
-                  <a:schemeClr val="tx2"/>
-                </a:solidFill>
-              </a:rPr>
-              <a:t>&gt; </a:t>
-            </a:r>
-            <a:r>
-              <a:rPr lang="fr-FR" sz="1400" b="1" dirty="0" err="1">
-                <a:solidFill>
-                  <a:schemeClr val="tx2"/>
-                </a:solidFill>
-              </a:rPr>
-              <a:t>symptoms</a:t>
-            </a:r>
-            <a:r>
-              <a:rPr lang="fr-FR" sz="1400" b="1" dirty="0">
-                <a:solidFill>
-                  <a:schemeClr val="tx2"/>
-                </a:solidFill>
-              </a:rPr>
-              <a:t> = </a:t>
-            </a:r>
-            <a:r>
-              <a:rPr lang="fr-FR" sz="1400" b="1" dirty="0" err="1">
-                <a:solidFill>
-                  <a:schemeClr val="tx2"/>
-                </a:solidFill>
-              </a:rPr>
-              <a:t>rsdff.GetSymptoms</a:t>
-            </a:r>
-            <a:r>
-              <a:rPr lang="fr-FR" sz="1400" b="1" dirty="0">
-                <a:solidFill>
-                  <a:schemeClr val="tx2"/>
-                </a:solidFill>
-              </a:rPr>
-              <a:t>();</a:t>
-            </a:r>
-          </a:p>
-          <a:p>
-            <a:endParaRPr lang="fr-FR" sz="1400" dirty="0"/>
-          </a:p>
-          <a:p>
-            <a:r>
-              <a:rPr lang="en-US" sz="1400" b="1" dirty="0" smtClean="0"/>
-              <a:t> </a:t>
-            </a:r>
-            <a:r>
-              <a:rPr lang="en-US" sz="1400" b="1" dirty="0"/>
-              <a:t>// count all occurrences of any symptoms listed in the file</a:t>
-            </a:r>
-          </a:p>
-          <a:p>
-            <a:r>
-              <a:rPr lang="fr-FR" sz="1400" dirty="0"/>
-              <a:t>        </a:t>
-            </a:r>
-          </a:p>
-          <a:p>
-            <a:r>
-              <a:rPr lang="fr-FR" sz="1400" b="1" dirty="0" smtClean="0">
-                <a:solidFill>
-                  <a:schemeClr val="tx2"/>
-                </a:solidFill>
-              </a:rPr>
-              <a:t> </a:t>
-            </a:r>
-            <a:r>
-              <a:rPr lang="fr-FR" sz="1400" b="1" dirty="0" err="1">
-                <a:solidFill>
-                  <a:schemeClr val="tx2"/>
-                </a:solidFill>
-              </a:rPr>
-              <a:t>Map</a:t>
-            </a:r>
-            <a:r>
-              <a:rPr lang="fr-FR" sz="1400" b="1" dirty="0">
-                <a:solidFill>
-                  <a:schemeClr val="tx2"/>
-                </a:solidFill>
-              </a:rPr>
-              <a:t>&lt;String, </a:t>
-            </a:r>
-            <a:r>
-              <a:rPr lang="fr-FR" sz="1400" b="1" dirty="0" err="1">
-                <a:solidFill>
-                  <a:schemeClr val="tx2"/>
-                </a:solidFill>
-              </a:rPr>
-              <a:t>Integer</a:t>
-            </a:r>
-            <a:r>
-              <a:rPr lang="fr-FR" sz="1400" b="1" dirty="0">
-                <a:solidFill>
-                  <a:schemeClr val="tx2"/>
-                </a:solidFill>
-              </a:rPr>
-              <a:t>&gt; </a:t>
-            </a:r>
-            <a:r>
-              <a:rPr lang="fr-FR" sz="1400" b="1" dirty="0" err="1">
-                <a:solidFill>
-                  <a:schemeClr val="tx2"/>
-                </a:solidFill>
-              </a:rPr>
-              <a:t>groupedSymptoms</a:t>
-            </a:r>
-            <a:r>
-              <a:rPr lang="fr-FR" sz="1400" b="1" dirty="0">
-                <a:solidFill>
-                  <a:schemeClr val="tx2"/>
-                </a:solidFill>
-              </a:rPr>
-              <a:t> = </a:t>
-            </a:r>
-            <a:r>
-              <a:rPr lang="fr-FR" sz="1400" b="1" dirty="0" err="1">
-                <a:solidFill>
-                  <a:schemeClr val="tx2"/>
-                </a:solidFill>
-              </a:rPr>
-              <a:t>rsdff.groupSymptoms</a:t>
-            </a:r>
-            <a:r>
-              <a:rPr lang="fr-FR" sz="1400" b="1" dirty="0">
-                <a:solidFill>
-                  <a:schemeClr val="tx2"/>
-                </a:solidFill>
-              </a:rPr>
-              <a:t>(</a:t>
-            </a:r>
-            <a:r>
-              <a:rPr lang="fr-FR" sz="1400" b="1" dirty="0" err="1">
-                <a:solidFill>
-                  <a:schemeClr val="tx2"/>
-                </a:solidFill>
-              </a:rPr>
-              <a:t>symptoms</a:t>
-            </a:r>
-            <a:r>
-              <a:rPr lang="fr-FR" sz="1400" b="1" dirty="0">
-                <a:solidFill>
-                  <a:schemeClr val="tx2"/>
-                </a:solidFill>
-              </a:rPr>
-              <a:t>);</a:t>
-            </a:r>
-          </a:p>
-          <a:p>
-            <a:endParaRPr lang="fr-FR" sz="1400" dirty="0"/>
-          </a:p>
-          <a:p>
-            <a:r>
-              <a:rPr lang="en-US" sz="1400" b="1" dirty="0" smtClean="0"/>
-              <a:t>// </a:t>
-            </a:r>
-            <a:r>
-              <a:rPr lang="en-US" sz="1400" b="1" dirty="0"/>
-              <a:t>Sort the symptoms in alphabetical order</a:t>
-            </a:r>
-          </a:p>
-          <a:p>
-            <a:r>
-              <a:rPr lang="fr-FR" sz="1400" dirty="0"/>
-              <a:t>        </a:t>
-            </a:r>
-          </a:p>
-          <a:p>
-            <a:r>
-              <a:rPr lang="fr-FR" sz="1400" b="1" dirty="0">
-                <a:solidFill>
-                  <a:schemeClr val="tx2"/>
-                </a:solidFill>
-              </a:rPr>
-              <a:t>        </a:t>
-            </a:r>
-            <a:r>
-              <a:rPr lang="fr-FR" sz="1400" b="1" dirty="0" err="1">
-                <a:solidFill>
-                  <a:schemeClr val="tx2"/>
-                </a:solidFill>
-              </a:rPr>
-              <a:t>groupedSymptoms</a:t>
-            </a:r>
-            <a:r>
-              <a:rPr lang="fr-FR" sz="1400" b="1" dirty="0">
-                <a:solidFill>
-                  <a:schemeClr val="tx2"/>
-                </a:solidFill>
-              </a:rPr>
-              <a:t> = </a:t>
-            </a:r>
-            <a:r>
-              <a:rPr lang="fr-FR" sz="1400" b="1" dirty="0" err="1">
-                <a:solidFill>
-                  <a:schemeClr val="tx2"/>
-                </a:solidFill>
-              </a:rPr>
-              <a:t>rsdff.sortSymptoms</a:t>
-            </a:r>
-            <a:r>
-              <a:rPr lang="fr-FR" sz="1400" b="1" dirty="0">
-                <a:solidFill>
-                  <a:schemeClr val="tx2"/>
-                </a:solidFill>
-              </a:rPr>
-              <a:t>(</a:t>
-            </a:r>
-            <a:r>
-              <a:rPr lang="fr-FR" sz="1400" b="1" dirty="0" err="1">
-                <a:solidFill>
-                  <a:schemeClr val="tx2"/>
-                </a:solidFill>
-              </a:rPr>
-              <a:t>groupedSymptoms</a:t>
-            </a:r>
-            <a:r>
-              <a:rPr lang="fr-FR" sz="1400" b="1" dirty="0">
-                <a:solidFill>
-                  <a:schemeClr val="tx2"/>
-                </a:solidFill>
-              </a:rPr>
-              <a:t>);</a:t>
-            </a:r>
-          </a:p>
-          <a:p>
-            <a:endParaRPr lang="fr-FR" sz="1400" dirty="0"/>
-          </a:p>
-          <a:p>
-            <a:r>
-              <a:rPr lang="en-US" sz="1400" b="1" dirty="0" smtClean="0"/>
-              <a:t> </a:t>
-            </a:r>
-            <a:r>
-              <a:rPr lang="en-US" sz="1400" b="1" dirty="0"/>
-              <a:t>// Generating a new text file named </a:t>
-            </a:r>
-            <a:r>
-              <a:rPr lang="en-US" sz="1400" b="1" dirty="0" err="1"/>
-              <a:t>results.out</a:t>
-            </a:r>
-            <a:r>
-              <a:rPr lang="en-US" sz="1400" b="1" dirty="0"/>
-              <a:t> that lists each symptom in alphabetical order.        </a:t>
-            </a:r>
-          </a:p>
-          <a:p>
-            <a:r>
-              <a:rPr lang="fr-FR" sz="1400" dirty="0"/>
-              <a:t>       </a:t>
-            </a:r>
-          </a:p>
-          <a:p>
-            <a:r>
-              <a:rPr lang="fr-FR" sz="1400" b="1" dirty="0">
-                <a:solidFill>
-                  <a:schemeClr val="tx2"/>
-                </a:solidFill>
-              </a:rPr>
-              <a:t>        </a:t>
-            </a:r>
-            <a:r>
-              <a:rPr lang="fr-FR" sz="1400" b="1" dirty="0" err="1">
-                <a:solidFill>
-                  <a:schemeClr val="tx2"/>
-                </a:solidFill>
-              </a:rPr>
-              <a:t>rsdff.writeFile</a:t>
-            </a:r>
-            <a:r>
-              <a:rPr lang="fr-FR" sz="1400" b="1" dirty="0">
-                <a:solidFill>
-                  <a:schemeClr val="tx2"/>
-                </a:solidFill>
-              </a:rPr>
-              <a:t>(</a:t>
-            </a:r>
-            <a:r>
-              <a:rPr lang="fr-FR" sz="1400" b="1" dirty="0" err="1">
-                <a:solidFill>
-                  <a:schemeClr val="tx2"/>
-                </a:solidFill>
-              </a:rPr>
-              <a:t>groupedSymptoms</a:t>
-            </a:r>
-            <a:r>
-              <a:rPr lang="fr-FR" sz="1400" b="1" dirty="0">
-                <a:solidFill>
-                  <a:schemeClr val="tx2"/>
-                </a:solidFill>
-              </a:rPr>
-              <a:t>);</a:t>
             </a:r>
             <a:endParaRPr lang="fr-FR" sz="1400" b="1" dirty="0" smtClean="0">
               <a:solidFill>
@@ -11781,20 +11074,20 @@
       </p:grpSpPr>
       <p:sp>
         <p:nvSpPr>
-          <p:cNvPr id="7" name="Décagone 6"/>
+          <p:cNvPr id="6" name="Rogner un rectangle avec un coin diagonal 5"/>
           <p:cNvSpPr/>
           <p:nvPr/>
         </p:nvSpPr>
         <p:spPr>
           <a:xfrm>
-            <a:off x="8604448" y="6381328"/>
-            <a:ext cx="432048" cy="404664"/>
+            <a:off x="166271" y="476672"/>
+            <a:ext cx="4572000" cy="288032"/>
           </a:xfrm>
-          <a:prstGeom prst="decagon">
+          <a:prstGeom prst="snip2DiagRect">
             <a:avLst/>
           </a:prstGeom>
           <a:solidFill>
-            <a:schemeClr val="accent3">
+            <a:schemeClr val="accent6">
               <a:lumMod val="75000"/>
             </a:schemeClr>
           </a:solidFill>
@@ -11824,20 +11117,30 @@
           <a:p>
             <a:pPr algn="ctr"/>
             <a:r>
-              <a:rPr lang="fr-FR" sz="1200" b="1" dirty="0" smtClean="0">
-                <a:solidFill>
-                  <a:schemeClr val="bg1"/>
-                </a:solidFill>
-                <a:latin typeface="Tahoma" pitchFamily="34" charset="0"/>
-                <a:ea typeface="Tahoma" pitchFamily="34" charset="0"/>
-                <a:cs typeface="Tahoma" pitchFamily="34" charset="0"/>
-              </a:rPr>
-              <a:t>7</a:t>
-            </a:r>
-            <a:endParaRPr lang="fr-FR" sz="1200" b="1" dirty="0">
-              <a:solidFill>
-                <a:schemeClr val="bg1"/>
-              </a:solidFill>
+              <a:rPr lang="fr-FR" sz="1400" b="1" dirty="0" smtClean="0">
+                <a:latin typeface="Tahoma" pitchFamily="34" charset="0"/>
+                <a:ea typeface="Tahoma" pitchFamily="34" charset="0"/>
+                <a:cs typeface="Tahoma" pitchFamily="34" charset="0"/>
+              </a:rPr>
+              <a:t>Présentation de </a:t>
+            </a:r>
+            <a:r>
+              <a:rPr lang="fr-FR" sz="1400" b="1" dirty="0" smtClean="0">
+                <a:latin typeface="Tahoma" pitchFamily="34" charset="0"/>
+                <a:ea typeface="Tahoma" pitchFamily="34" charset="0"/>
+                <a:cs typeface="Tahoma" pitchFamily="34" charset="0"/>
+              </a:rPr>
+              <a:t>La </a:t>
+            </a:r>
+            <a:r>
+              <a:rPr lang="fr-FR" sz="1400" b="1" dirty="0" smtClean="0">
+                <a:latin typeface="Tahoma" pitchFamily="34" charset="0"/>
+                <a:ea typeface="Tahoma" pitchFamily="34" charset="0"/>
+                <a:cs typeface="Tahoma" pitchFamily="34" charset="0"/>
+              </a:rPr>
+              <a:t>solution  </a:t>
+            </a:r>
+            <a:endParaRPr lang="fr-FR" sz="1400" b="1" dirty="0">
               <a:latin typeface="Tahoma" pitchFamily="34" charset="0"/>
               <a:ea typeface="Tahoma" pitchFamily="34" charset="0"/>
               <a:cs typeface="Tahoma" pitchFamily="34" charset="0"/>
@@ -11847,14 +11150,14 @@
       </p:sp>
       <p:sp>
         <p:nvSpPr>
-          <p:cNvPr id="6" name="ZoneTexte 5"/>
+          <p:cNvPr id="7" name="ZoneTexte 6"/>
           <p:cNvSpPr txBox="1"/>
           <p:nvPr/>
         </p:nvSpPr>
         <p:spPr>
           <a:xfrm>
-            <a:off x="289025" y="2132856"/>
-            <a:ext cx="8712968" cy="3046988"/>
+            <a:off x="179512" y="764704"/>
+            <a:ext cx="8640960" cy="3693319"/>
           </a:xfrm>
           <a:prstGeom prst="rect">
             <a:avLst/>
@@ -11867,65 +11170,353 @@
           </a:bodyPr>
           <a:lstStyle/>
           <a:p>
-            <a:pPr lvl="1" algn="ctr">
+            <a:pPr marL="1200150" lvl="2" indent="-285750" algn="just">
               <a:lnSpc>
-                <a:spcPct val="200000"/>
+                <a:spcPct val="150000"/>
               </a:lnSpc>
+              <a:buFont typeface="Wingdings" pitchFamily="2" charset="2"/>
+              <a:buChar char="§"/>
             </a:pPr>
             <a:r>
-              <a:rPr lang="fr-FR" sz="4800" b="1" dirty="0" smtClean="0">
-                <a:solidFill>
-                  <a:schemeClr val="accent6">
-                    <a:lumMod val="75000"/>
-                  </a:schemeClr>
-                </a:solidFill>
-                <a:latin typeface="Tahoma" pitchFamily="34" charset="0"/>
-                <a:ea typeface="Tahoma" pitchFamily="34" charset="0"/>
-                <a:cs typeface="Tahoma" pitchFamily="34" charset="0"/>
-              </a:rPr>
-              <a:t>- </a:t>
-            </a:r>
-            <a:r>
-              <a:rPr lang="fr-FR" sz="4000" b="1" dirty="0" smtClean="0">
-                <a:solidFill>
-                  <a:schemeClr val="accent6">
-                    <a:lumMod val="75000"/>
-                  </a:schemeClr>
-                </a:solidFill>
-                <a:latin typeface="Tahoma" pitchFamily="34" charset="0"/>
-                <a:ea typeface="Tahoma" pitchFamily="34" charset="0"/>
-                <a:cs typeface="Tahoma" pitchFamily="34" charset="0"/>
-              </a:rPr>
-              <a:t>FIN DE LA PRESENTATION </a:t>
-            </a:r>
-            <a:r>
-              <a:rPr lang="fr-FR" sz="4800" b="1" dirty="0" smtClean="0">
-                <a:solidFill>
-                  <a:schemeClr val="accent6">
-                    <a:lumMod val="75000"/>
-                  </a:schemeClr>
-                </a:solidFill>
-                <a:latin typeface="Tahoma" pitchFamily="34" charset="0"/>
-                <a:ea typeface="Tahoma" pitchFamily="34" charset="0"/>
-                <a:cs typeface="Tahoma" pitchFamily="34" charset="0"/>
-              </a:rPr>
-              <a:t>-</a:t>
-            </a:r>
-            <a:endParaRPr lang="fr-FR" sz="4800" dirty="0" smtClean="0">
+              <a:rPr lang="fr-FR" sz="1600" b="1" dirty="0" err="1" smtClean="0"/>
+              <a:t>sortSymptoms</a:t>
+            </a:r>
+            <a:r>
+              <a:rPr lang="fr-FR" sz="1400" dirty="0"/>
+              <a:t>(</a:t>
+            </a:r>
+            <a:r>
+              <a:rPr lang="fr-FR" sz="1400" dirty="0" err="1"/>
+              <a:t>Map</a:t>
+            </a:r>
+            <a:r>
+              <a:rPr lang="fr-FR" sz="1400" dirty="0"/>
+              <a:t>&lt;String, </a:t>
+            </a:r>
+            <a:r>
+              <a:rPr lang="fr-FR" sz="1400" dirty="0" err="1"/>
+              <a:t>Integer</a:t>
+            </a:r>
+            <a:r>
+              <a:rPr lang="fr-FR" sz="1400" dirty="0"/>
+              <a:t>&gt; </a:t>
+            </a:r>
+            <a:r>
+              <a:rPr lang="fr-FR" sz="1400" dirty="0" err="1"/>
+              <a:t>groupedSymptoms</a:t>
+            </a:r>
+            <a:r>
+              <a:rPr lang="fr-FR" sz="1400" dirty="0" smtClean="0"/>
+              <a:t>): permet de trier les symptômes dans l’ordre alphabétique</a:t>
+            </a:r>
+          </a:p>
+          <a:p>
+            <a:pPr marL="1200150" lvl="2" indent="-285750" algn="just">
+              <a:lnSpc>
+                <a:spcPct val="150000"/>
+              </a:lnSpc>
+              <a:buFont typeface="Wingdings" pitchFamily="2" charset="2"/>
+              <a:buChar char="§"/>
+            </a:pPr>
+            <a:endParaRPr lang="fr-FR" sz="1400" b="1" dirty="0">
+              <a:solidFill>
+                <a:schemeClr val="tx2"/>
+              </a:solidFill>
               <a:latin typeface="Tahoma" pitchFamily="34" charset="0"/>
               <a:ea typeface="Tahoma" pitchFamily="34" charset="0"/>
               <a:cs typeface="Tahoma" pitchFamily="34" charset="0"/>
             </a:endParaRPr>
           </a:p>
           <a:p>
-            <a:pPr lvl="1" algn="ctr">
-              <a:lnSpc>
-                <a:spcPct val="200000"/>
-              </a:lnSpc>
-              <a:buFont typeface="Wingdings" pitchFamily="2" charset="2"/>
-              <a:buChar char="§"/>
-            </a:pPr>
-            <a:endParaRPr lang="fr-FR" sz="4800" dirty="0" smtClean="0">
+            <a:pPr lvl="3"/>
+            <a:r>
+              <a:rPr lang="fr-FR" sz="1200" dirty="0"/>
+              <a:t>/**</a:t>
+            </a:r>
+          </a:p>
+          <a:p>
+            <a:pPr lvl="3"/>
+            <a:r>
+              <a:rPr lang="en-US" sz="1200" dirty="0"/>
+              <a:t>     * Sort the map of grouped symptoms     </a:t>
+            </a:r>
+          </a:p>
+          <a:p>
+            <a:pPr lvl="3"/>
+            <a:r>
+              <a:rPr lang="fr-FR" sz="1200" dirty="0"/>
+              <a:t>     * </a:t>
+            </a:r>
+            <a:r>
+              <a:rPr lang="fr-FR" sz="1200" b="1" dirty="0"/>
+              <a:t>@</a:t>
+            </a:r>
+            <a:r>
+              <a:rPr lang="fr-FR" sz="1200" b="1" dirty="0" err="1"/>
+              <a:t>param</a:t>
+            </a:r>
+            <a:r>
+              <a:rPr lang="fr-FR" sz="1200" b="1" dirty="0"/>
+              <a:t> </a:t>
+            </a:r>
+            <a:r>
+              <a:rPr lang="fr-FR" sz="1200" b="1" dirty="0" err="1"/>
+              <a:t>groupedSymptoms</a:t>
+            </a:r>
+            <a:endParaRPr lang="fr-FR" sz="1200" b="1" dirty="0"/>
+          </a:p>
+          <a:p>
+            <a:pPr lvl="3"/>
+            <a:r>
+              <a:rPr lang="en-US" sz="1200" dirty="0"/>
+              <a:t>     * </a:t>
+            </a:r>
+            <a:r>
+              <a:rPr lang="en-US" sz="1200" b="1" dirty="0"/>
+              <a:t>@return list of symptoms sorted in alphabetical order</a:t>
+            </a:r>
+          </a:p>
+          <a:p>
+            <a:pPr lvl="3"/>
+            <a:r>
+              <a:rPr lang="fr-FR" sz="1200" dirty="0"/>
+              <a:t>     */</a:t>
+            </a:r>
+          </a:p>
+          <a:p>
+            <a:pPr lvl="3"/>
+            <a:r>
+              <a:rPr lang="fr-FR" sz="1200" dirty="0"/>
+              <a:t>    </a:t>
+            </a:r>
+            <a:r>
+              <a:rPr lang="fr-FR" sz="1200" b="1" dirty="0"/>
+              <a:t>public </a:t>
+            </a:r>
+            <a:r>
+              <a:rPr lang="fr-FR" sz="1200" b="1" dirty="0" err="1"/>
+              <a:t>Map</a:t>
+            </a:r>
+            <a:r>
+              <a:rPr lang="fr-FR" sz="1200" b="1" dirty="0"/>
+              <a:t>&lt;String, </a:t>
+            </a:r>
+            <a:r>
+              <a:rPr lang="fr-FR" sz="1200" b="1" dirty="0" err="1"/>
+              <a:t>Integer</a:t>
+            </a:r>
+            <a:r>
+              <a:rPr lang="fr-FR" sz="1200" b="1" dirty="0"/>
+              <a:t>&gt; </a:t>
+            </a:r>
+            <a:r>
+              <a:rPr lang="fr-FR" sz="1200" b="1" dirty="0" err="1"/>
+              <a:t>sortSymptoms</a:t>
+            </a:r>
+            <a:r>
+              <a:rPr lang="fr-FR" sz="1200" b="1" dirty="0"/>
+              <a:t>(</a:t>
+            </a:r>
+            <a:r>
+              <a:rPr lang="fr-FR" sz="1200" b="1" dirty="0" err="1"/>
+              <a:t>Map</a:t>
+            </a:r>
+            <a:r>
+              <a:rPr lang="fr-FR" sz="1200" b="1" dirty="0"/>
+              <a:t>&lt;String, </a:t>
+            </a:r>
+            <a:r>
+              <a:rPr lang="fr-FR" sz="1200" b="1" dirty="0" err="1"/>
+              <a:t>Integer</a:t>
+            </a:r>
+            <a:r>
+              <a:rPr lang="fr-FR" sz="1200" b="1" dirty="0"/>
+              <a:t>&gt; </a:t>
+            </a:r>
+            <a:r>
+              <a:rPr lang="fr-FR" sz="1200" b="1" dirty="0" err="1"/>
+              <a:t>groupedSymptoms</a:t>
+            </a:r>
+            <a:r>
+              <a:rPr lang="fr-FR" sz="1200" b="1" dirty="0"/>
+              <a:t>) {        </a:t>
+            </a:r>
+          </a:p>
+          <a:p>
+            <a:pPr lvl="3"/>
+            <a:r>
+              <a:rPr lang="fr-FR" sz="1200" dirty="0"/>
+              <a:t>        </a:t>
+            </a:r>
+          </a:p>
+          <a:p>
+            <a:pPr lvl="3"/>
+            <a:r>
+              <a:rPr lang="fr-FR" sz="1200" dirty="0"/>
+              <a:t>    </a:t>
+            </a:r>
+            <a:r>
+              <a:rPr lang="fr-FR" sz="1200" dirty="0" err="1"/>
+              <a:t>Map</a:t>
+            </a:r>
+            <a:r>
+              <a:rPr lang="fr-FR" sz="1200" dirty="0"/>
+              <a:t>&lt;String, </a:t>
+            </a:r>
+            <a:r>
+              <a:rPr lang="fr-FR" sz="1200" dirty="0" err="1"/>
+              <a:t>Integer</a:t>
+            </a:r>
+            <a:r>
+              <a:rPr lang="fr-FR" sz="1200" dirty="0"/>
+              <a:t>&gt; </a:t>
+            </a:r>
+            <a:r>
+              <a:rPr lang="fr-FR" sz="1200" dirty="0" err="1"/>
+              <a:t>result</a:t>
+            </a:r>
+            <a:r>
+              <a:rPr lang="fr-FR" sz="1200" dirty="0"/>
+              <a:t> = </a:t>
+            </a:r>
+            <a:r>
+              <a:rPr lang="fr-FR" sz="1200" b="1" dirty="0"/>
+              <a:t>new </a:t>
+            </a:r>
+            <a:r>
+              <a:rPr lang="fr-FR" sz="1200" b="1" dirty="0" err="1"/>
+              <a:t>LinkedHashMap</a:t>
+            </a:r>
+            <a:r>
+              <a:rPr lang="fr-FR" sz="1200" b="1" dirty="0"/>
+              <a:t>&lt;&gt;();</a:t>
+            </a:r>
+          </a:p>
+          <a:p>
+            <a:pPr lvl="3"/>
+            <a:r>
+              <a:rPr lang="fr-FR" sz="1200" dirty="0"/>
+              <a:t>        </a:t>
+            </a:r>
+            <a:r>
+              <a:rPr lang="fr-FR" sz="1200" dirty="0" err="1"/>
+              <a:t>groupedSymptoms.entrySet</a:t>
+            </a:r>
+            <a:r>
+              <a:rPr lang="fr-FR" sz="1200" dirty="0"/>
+              <a:t>().</a:t>
+            </a:r>
+            <a:r>
+              <a:rPr lang="fr-FR" sz="1200" dirty="0" err="1"/>
+              <a:t>stream</a:t>
+            </a:r>
+            <a:r>
+              <a:rPr lang="fr-FR" sz="1200" dirty="0"/>
+              <a:t>()</a:t>
+            </a:r>
+          </a:p>
+          <a:p>
+            <a:pPr lvl="3"/>
+            <a:r>
+              <a:rPr lang="fr-FR" sz="1200" dirty="0"/>
+              <a:t>                .</a:t>
+            </a:r>
+            <a:r>
+              <a:rPr lang="fr-FR" sz="1200" dirty="0" err="1"/>
+              <a:t>sorted</a:t>
+            </a:r>
+            <a:r>
+              <a:rPr lang="fr-FR" sz="1200" dirty="0"/>
+              <a:t>(</a:t>
+            </a:r>
+            <a:r>
+              <a:rPr lang="fr-FR" sz="1200" dirty="0" err="1"/>
+              <a:t>Map.Entry.</a:t>
+            </a:r>
+            <a:r>
+              <a:rPr lang="fr-FR" sz="1200" i="1" dirty="0" err="1"/>
+              <a:t>comparingByKey</a:t>
+            </a:r>
+            <a:r>
+              <a:rPr lang="fr-FR" sz="1200" i="1" dirty="0"/>
+              <a:t>())</a:t>
+            </a:r>
+          </a:p>
+          <a:p>
+            <a:pPr lvl="3"/>
+            <a:r>
+              <a:rPr lang="fr-FR" sz="1200" dirty="0"/>
+              <a:t>                .</a:t>
+            </a:r>
+            <a:r>
+              <a:rPr lang="fr-FR" sz="1200" dirty="0" err="1"/>
+              <a:t>forEachOrdered</a:t>
+            </a:r>
+            <a:r>
+              <a:rPr lang="fr-FR" sz="1200" dirty="0"/>
+              <a:t>(x -&gt; </a:t>
+            </a:r>
+            <a:r>
+              <a:rPr lang="fr-FR" sz="1200" dirty="0" err="1"/>
+              <a:t>result.put</a:t>
+            </a:r>
+            <a:r>
+              <a:rPr lang="fr-FR" sz="1200" dirty="0"/>
+              <a:t>(</a:t>
+            </a:r>
+            <a:r>
+              <a:rPr lang="fr-FR" sz="1200" dirty="0" err="1"/>
+              <a:t>x.getKey</a:t>
+            </a:r>
+            <a:r>
+              <a:rPr lang="fr-FR" sz="1200" dirty="0"/>
+              <a:t>(), </a:t>
+            </a:r>
+            <a:r>
+              <a:rPr lang="fr-FR" sz="1200" dirty="0" err="1"/>
+              <a:t>x.getValue</a:t>
+            </a:r>
+            <a:r>
+              <a:rPr lang="fr-FR" sz="1200" dirty="0"/>
+              <a:t>()));     </a:t>
+            </a:r>
+          </a:p>
+          <a:p>
+            <a:pPr lvl="3"/>
+            <a:r>
+              <a:rPr lang="fr-FR" sz="1200" dirty="0"/>
+              <a:t>        </a:t>
+            </a:r>
+            <a:r>
+              <a:rPr lang="fr-FR" sz="1200" b="1" dirty="0"/>
+              <a:t>return </a:t>
+            </a:r>
+            <a:r>
+              <a:rPr lang="fr-FR" sz="1200" b="1" dirty="0" err="1"/>
+              <a:t>result</a:t>
+            </a:r>
+            <a:r>
+              <a:rPr lang="fr-FR" sz="1200" b="1" dirty="0"/>
+              <a:t>;</a:t>
+            </a:r>
+          </a:p>
+          <a:p>
+            <a:pPr lvl="3"/>
+            <a:r>
+              <a:rPr lang="fr-FR" sz="1200" dirty="0"/>
+              <a:t>        </a:t>
+            </a:r>
+          </a:p>
+          <a:p>
+            <a:pPr lvl="3"/>
+            <a:r>
+              <a:rPr lang="fr-FR" sz="1200" dirty="0"/>
+              <a:t>    }</a:t>
+            </a:r>
+            <a:endParaRPr lang="fr-FR" sz="1200" b="1" dirty="0" smtClean="0">
+              <a:solidFill>
+                <a:schemeClr val="tx2"/>
+              </a:solidFill>
               <a:latin typeface="Tahoma" pitchFamily="34" charset="0"/>
               <a:ea typeface="Tahoma" pitchFamily="34" charset="0"/>
               <a:cs typeface="Tahoma" pitchFamily="34" charset="0"/>
@@ -11935,7 +11526,7 @@
       </p:sp>
       <p:sp>
         <p:nvSpPr>
-          <p:cNvPr id="5" name="Rectangle 4"/>
+          <p:cNvPr id="8" name="Rectangle 7"/>
           <p:cNvSpPr/>
           <p:nvPr/>
         </p:nvSpPr>
@@ -11994,17 +11585,15 @@
         </p:txBody>
       </p:sp>
     </p:spTree>
+    <p:extLst>
+      <p:ext uri="{BB962C8B-B14F-4D97-AF65-F5344CB8AC3E}">
+        <p14:creationId xmlns:p14="http://schemas.microsoft.com/office/powerpoint/2010/main" val="2413645686"/>
+      </p:ext>
+    </p:extLst>
   </p:cSld>
   <p:clrMapOvr>
     <a:masterClrMapping/>
   </p:clrMapOvr>
-  <p:timing>
-    <p:tnLst>
-      <p:par>
-        <p:cTn id="1" dur="indefinite" restart="never" nodeType="tmRoot"/>
-      </p:par>
-    </p:tnLst>
-  </p:timing>
 </p:sld>
 </file>
 

--- a/Projet P2.pptx
+++ b/Projet P2.pptx
@@ -3903,34 +3903,13 @@
               <a:t>differentes</a:t>
             </a:r>
             <a:r>
-              <a:rPr lang="fr-FR" sz="1600" smtClean="0">
-                <a:latin typeface="Tahoma" pitchFamily="34" charset="0"/>
-                <a:ea typeface="Tahoma" pitchFamily="34" charset="0"/>
-                <a:cs typeface="Tahoma" pitchFamily="34" charset="0"/>
-              </a:rPr>
-              <a:t> méthodes </a:t>
-            </a:r>
-            <a:r>
               <a:rPr lang="fr-FR" sz="1600" dirty="0" smtClean="0">
                 <a:latin typeface="Tahoma" pitchFamily="34" charset="0"/>
                 <a:ea typeface="Tahoma" pitchFamily="34" charset="0"/>
                 <a:cs typeface="Tahoma" pitchFamily="34" charset="0"/>
               </a:rPr>
-              <a:t>sont appelées </a:t>
-            </a:r>
-            <a:r>
-              <a:rPr lang="fr-FR" sz="1600" smtClean="0">
-                <a:latin typeface="Tahoma" pitchFamily="34" charset="0"/>
-                <a:ea typeface="Tahoma" pitchFamily="34" charset="0"/>
-                <a:cs typeface="Tahoma" pitchFamily="34" charset="0"/>
-              </a:rPr>
-              <a:t>dans celle-ci,</a:t>
-            </a:r>
-            <a:endParaRPr lang="fr-FR" sz="1600" dirty="0" smtClean="0">
-              <a:latin typeface="Tahoma" pitchFamily="34" charset="0"/>
-              <a:ea typeface="Tahoma" pitchFamily="34" charset="0"/>
-              <a:cs typeface="Tahoma" pitchFamily="34" charset="0"/>
-            </a:endParaRPr>
+              <a:t> méthodes sont appelées dans celle-ci,</a:t>
+            </a:r>
           </a:p>
           <a:p>
             <a:pPr marL="742950" lvl="1" indent="-285750" algn="just">

--- a/Projet P2.pptx
+++ b/Projet P2.pptx
@@ -5,20 +5,22 @@
     <p:sldMasterId id="2147483648" r:id="rId1"/>
   </p:sldMasterIdLst>
   <p:notesMasterIdLst>
-    <p:notesMasterId r:id="rId13"/>
+    <p:notesMasterId r:id="rId15"/>
   </p:notesMasterIdLst>
   <p:sldIdLst>
     <p:sldId id="257" r:id="rId2"/>
-    <p:sldId id="258" r:id="rId3"/>
-    <p:sldId id="259" r:id="rId4"/>
-    <p:sldId id="261" r:id="rId5"/>
-    <p:sldId id="264" r:id="rId6"/>
-    <p:sldId id="265" r:id="rId7"/>
-    <p:sldId id="266" r:id="rId8"/>
-    <p:sldId id="267" r:id="rId9"/>
-    <p:sldId id="268" r:id="rId10"/>
-    <p:sldId id="269" r:id="rId11"/>
-    <p:sldId id="263" r:id="rId12"/>
+    <p:sldId id="270" r:id="rId3"/>
+    <p:sldId id="271" r:id="rId4"/>
+    <p:sldId id="258" r:id="rId5"/>
+    <p:sldId id="259" r:id="rId6"/>
+    <p:sldId id="261" r:id="rId7"/>
+    <p:sldId id="264" r:id="rId8"/>
+    <p:sldId id="265" r:id="rId9"/>
+    <p:sldId id="266" r:id="rId10"/>
+    <p:sldId id="267" r:id="rId11"/>
+    <p:sldId id="268" r:id="rId12"/>
+    <p:sldId id="269" r:id="rId13"/>
+    <p:sldId id="263" r:id="rId14"/>
   </p:sldIdLst>
   <p:sldSz cx="9144000" cy="6858000" type="screen4x3"/>
   <p:notesSz cx="6858000" cy="9144000"/>
@@ -203,7 +205,7 @@
             <a:fld id="{43CC779B-4C0F-4D10-8A27-E240E5A38C15}" type="datetimeFigureOut">
               <a:rPr lang="fr-FR" smtClean="0"/>
               <a:pPr/>
-              <a:t>28/12/2019</a:t>
+              <a:t>30/12/2019</a:t>
             </a:fld>
             <a:endParaRPr lang="fr-FR"/>
           </a:p>
@@ -656,7 +658,7 @@
             <a:fld id="{4CE1943E-405F-463F-AC76-37D0AEAFEBA7}" type="datetimeFigureOut">
               <a:rPr lang="fr-FR" smtClean="0"/>
               <a:pPr/>
-              <a:t>28/12/2019</a:t>
+              <a:t>30/12/2019</a:t>
             </a:fld>
             <a:endParaRPr lang="fr-FR"/>
           </a:p>
@@ -823,7 +825,7 @@
             <a:fld id="{4CE1943E-405F-463F-AC76-37D0AEAFEBA7}" type="datetimeFigureOut">
               <a:rPr lang="fr-FR" smtClean="0"/>
               <a:pPr/>
-              <a:t>28/12/2019</a:t>
+              <a:t>30/12/2019</a:t>
             </a:fld>
             <a:endParaRPr lang="fr-FR"/>
           </a:p>
@@ -1000,7 +1002,7 @@
             <a:fld id="{4CE1943E-405F-463F-AC76-37D0AEAFEBA7}" type="datetimeFigureOut">
               <a:rPr lang="fr-FR" smtClean="0"/>
               <a:pPr/>
-              <a:t>28/12/2019</a:t>
+              <a:t>30/12/2019</a:t>
             </a:fld>
             <a:endParaRPr lang="fr-FR"/>
           </a:p>
@@ -1167,7 +1169,7 @@
             <a:fld id="{4CE1943E-405F-463F-AC76-37D0AEAFEBA7}" type="datetimeFigureOut">
               <a:rPr lang="fr-FR" smtClean="0"/>
               <a:pPr/>
-              <a:t>28/12/2019</a:t>
+              <a:t>30/12/2019</a:t>
             </a:fld>
             <a:endParaRPr lang="fr-FR"/>
           </a:p>
@@ -1410,7 +1412,7 @@
             <a:fld id="{4CE1943E-405F-463F-AC76-37D0AEAFEBA7}" type="datetimeFigureOut">
               <a:rPr lang="fr-FR" smtClean="0"/>
               <a:pPr/>
-              <a:t>28/12/2019</a:t>
+              <a:t>30/12/2019</a:t>
             </a:fld>
             <a:endParaRPr lang="fr-FR"/>
           </a:p>
@@ -1695,7 +1697,7 @@
             <a:fld id="{4CE1943E-405F-463F-AC76-37D0AEAFEBA7}" type="datetimeFigureOut">
               <a:rPr lang="fr-FR" smtClean="0"/>
               <a:pPr/>
-              <a:t>28/12/2019</a:t>
+              <a:t>30/12/2019</a:t>
             </a:fld>
             <a:endParaRPr lang="fr-FR"/>
           </a:p>
@@ -2114,7 +2116,7 @@
             <a:fld id="{4CE1943E-405F-463F-AC76-37D0AEAFEBA7}" type="datetimeFigureOut">
               <a:rPr lang="fr-FR" smtClean="0"/>
               <a:pPr/>
-              <a:t>28/12/2019</a:t>
+              <a:t>30/12/2019</a:t>
             </a:fld>
             <a:endParaRPr lang="fr-FR"/>
           </a:p>
@@ -2229,7 +2231,7 @@
             <a:fld id="{4CE1943E-405F-463F-AC76-37D0AEAFEBA7}" type="datetimeFigureOut">
               <a:rPr lang="fr-FR" smtClean="0"/>
               <a:pPr/>
-              <a:t>28/12/2019</a:t>
+              <a:t>30/12/2019</a:t>
             </a:fld>
             <a:endParaRPr lang="fr-FR"/>
           </a:p>
@@ -2321,7 +2323,7 @@
             <a:fld id="{4CE1943E-405F-463F-AC76-37D0AEAFEBA7}" type="datetimeFigureOut">
               <a:rPr lang="fr-FR" smtClean="0"/>
               <a:pPr/>
-              <a:t>28/12/2019</a:t>
+              <a:t>30/12/2019</a:t>
             </a:fld>
             <a:endParaRPr lang="fr-FR"/>
           </a:p>
@@ -2595,7 +2597,7 @@
             <a:fld id="{4CE1943E-405F-463F-AC76-37D0AEAFEBA7}" type="datetimeFigureOut">
               <a:rPr lang="fr-FR" smtClean="0"/>
               <a:pPr/>
-              <a:t>28/12/2019</a:t>
+              <a:t>30/12/2019</a:t>
             </a:fld>
             <a:endParaRPr lang="fr-FR"/>
           </a:p>
@@ -2845,7 +2847,7 @@
             <a:fld id="{4CE1943E-405F-463F-AC76-37D0AEAFEBA7}" type="datetimeFigureOut">
               <a:rPr lang="fr-FR" smtClean="0"/>
               <a:pPr/>
-              <a:t>28/12/2019</a:t>
+              <a:t>30/12/2019</a:t>
             </a:fld>
             <a:endParaRPr lang="fr-FR"/>
           </a:p>
@@ -3055,7 +3057,7 @@
             <a:fld id="{4CE1943E-405F-463F-AC76-37D0AEAFEBA7}" type="datetimeFigureOut">
               <a:rPr lang="fr-FR" smtClean="0"/>
               <a:pPr/>
-              <a:t>28/12/2019</a:t>
+              <a:t>30/12/2019</a:t>
             </a:fld>
             <a:endParaRPr lang="fr-FR"/>
           </a:p>
@@ -3684,20 +3686,20 @@
       </p:grpSpPr>
       <p:sp>
         <p:nvSpPr>
-          <p:cNvPr id="4" name="Rogner un rectangle avec un coin diagonal 3"/>
+          <p:cNvPr id="4" name="Rectangle 3"/>
           <p:cNvSpPr/>
           <p:nvPr/>
         </p:nvSpPr>
         <p:spPr>
           <a:xfrm>
-            <a:off x="166271" y="476672"/>
-            <a:ext cx="4572000" cy="288032"/>
+            <a:off x="0" y="0"/>
+            <a:ext cx="9144000" cy="404664"/>
           </a:xfrm>
-          <a:prstGeom prst="snip2DiagRect">
+          <a:prstGeom prst="rect">
             <a:avLst/>
           </a:prstGeom>
           <a:solidFill>
-            <a:schemeClr val="accent6">
+            <a:schemeClr val="accent3">
               <a:lumMod val="75000"/>
             </a:schemeClr>
           </a:solidFill>
@@ -3727,30 +3729,14 @@
           <a:p>
             <a:pPr algn="ctr"/>
             <a:r>
-              <a:rPr lang="fr-FR" sz="1400" b="1" dirty="0" smtClean="0">
-                <a:latin typeface="Tahoma" pitchFamily="34" charset="0"/>
-                <a:ea typeface="Tahoma" pitchFamily="34" charset="0"/>
-                <a:cs typeface="Tahoma" pitchFamily="34" charset="0"/>
-              </a:rPr>
-              <a:t>Présentation de </a:t>
-            </a:r>
-            <a:r>
-              <a:rPr lang="fr-FR" sz="1400" b="1" dirty="0" smtClean="0">
-                <a:latin typeface="Tahoma" pitchFamily="34" charset="0"/>
-                <a:ea typeface="Tahoma" pitchFamily="34" charset="0"/>
-                <a:cs typeface="Tahoma" pitchFamily="34" charset="0"/>
-              </a:rPr>
-              <a:t>La </a:t>
-            </a:r>
-            <a:r>
-              <a:rPr lang="fr-FR" sz="1400" b="1" dirty="0" smtClean="0">
-                <a:latin typeface="Tahoma" pitchFamily="34" charset="0"/>
-                <a:ea typeface="Tahoma" pitchFamily="34" charset="0"/>
-                <a:cs typeface="Tahoma" pitchFamily="34" charset="0"/>
-              </a:rPr>
-              <a:t>solution  </a:t>
-            </a:r>
-            <a:endParaRPr lang="fr-FR" sz="1400" b="1" dirty="0">
+              <a:rPr lang="fr-FR" sz="1200" b="1" dirty="0" smtClean="0">
+                <a:latin typeface="Tahoma" pitchFamily="34" charset="0"/>
+                <a:ea typeface="Tahoma" pitchFamily="34" charset="0"/>
+                <a:cs typeface="Tahoma" pitchFamily="34" charset="0"/>
+              </a:rPr>
+              <a:t>HEME BIOTECH</a:t>
+            </a:r>
+            <a:endParaRPr lang="fr-FR" sz="1100" b="1" dirty="0">
               <a:latin typeface="Tahoma" pitchFamily="34" charset="0"/>
               <a:ea typeface="Tahoma" pitchFamily="34" charset="0"/>
               <a:cs typeface="Tahoma" pitchFamily="34" charset="0"/>
@@ -3758,6 +3744,1057 @@
           </a:p>
         </p:txBody>
       </p:sp>
+      <p:sp>
+        <p:nvSpPr>
+          <p:cNvPr id="7" name="ZoneTexte 6"/>
+          <p:cNvSpPr txBox="1"/>
+          <p:nvPr/>
+        </p:nvSpPr>
+        <p:spPr>
+          <a:xfrm>
+            <a:off x="179512" y="1232168"/>
+            <a:ext cx="8640960" cy="5509200"/>
+          </a:xfrm>
+          <a:prstGeom prst="rect">
+            <a:avLst/>
+          </a:prstGeom>
+          <a:noFill/>
+        </p:spPr>
+        <p:txBody>
+          <a:bodyPr wrap="square" rtlCol="0">
+            <a:spAutoFit/>
+          </a:bodyPr>
+          <a:lstStyle/>
+          <a:p>
+            <a:pPr lvl="1" algn="just">
+              <a:lnSpc>
+                <a:spcPct val="150000"/>
+              </a:lnSpc>
+            </a:pPr>
+            <a:r>
+              <a:rPr lang="fr-FR" sz="1600" dirty="0" smtClean="0">
+                <a:latin typeface="Tahoma" pitchFamily="34" charset="0"/>
+                <a:ea typeface="Tahoma" pitchFamily="34" charset="0"/>
+                <a:cs typeface="Tahoma" pitchFamily="34" charset="0"/>
+              </a:rPr>
+              <a:t>La classe </a:t>
+            </a:r>
+            <a:r>
+              <a:rPr lang="fr-FR" sz="1600" b="1" dirty="0" err="1" smtClean="0">
+                <a:latin typeface="Tahoma" pitchFamily="34" charset="0"/>
+                <a:ea typeface="Tahoma" pitchFamily="34" charset="0"/>
+                <a:cs typeface="Tahoma" pitchFamily="34" charset="0"/>
+              </a:rPr>
+              <a:t>AnalyticsCounter</a:t>
+            </a:r>
+            <a:r>
+              <a:rPr lang="fr-FR" sz="1600" dirty="0" smtClean="0">
+                <a:latin typeface="Tahoma" pitchFamily="34" charset="0"/>
+                <a:ea typeface="Tahoma" pitchFamily="34" charset="0"/>
+                <a:cs typeface="Tahoma" pitchFamily="34" charset="0"/>
+              </a:rPr>
+              <a:t> contient deux </a:t>
+            </a:r>
+            <a:r>
+              <a:rPr lang="fr-FR" sz="1600" dirty="0" err="1" smtClean="0">
+                <a:latin typeface="Tahoma" pitchFamily="34" charset="0"/>
+                <a:ea typeface="Tahoma" pitchFamily="34" charset="0"/>
+                <a:cs typeface="Tahoma" pitchFamily="34" charset="0"/>
+              </a:rPr>
+              <a:t>methodes</a:t>
+            </a:r>
+            <a:r>
+              <a:rPr lang="fr-FR" sz="1600" dirty="0" smtClean="0">
+                <a:latin typeface="Tahoma" pitchFamily="34" charset="0"/>
+                <a:ea typeface="Tahoma" pitchFamily="34" charset="0"/>
+                <a:cs typeface="Tahoma" pitchFamily="34" charset="0"/>
+              </a:rPr>
+              <a:t> :</a:t>
+            </a:r>
+          </a:p>
+          <a:p>
+            <a:pPr marL="1200150" lvl="2" indent="-285750" algn="just">
+              <a:lnSpc>
+                <a:spcPct val="150000"/>
+              </a:lnSpc>
+              <a:buFont typeface="Wingdings" pitchFamily="2" charset="2"/>
+              <a:buChar char="§"/>
+            </a:pPr>
+            <a:r>
+              <a:rPr lang="fr-FR" sz="1600" b="1" dirty="0" err="1" smtClean="0"/>
+              <a:t>groupSymptoms</a:t>
+            </a:r>
+            <a:r>
+              <a:rPr lang="fr-FR" sz="1600" dirty="0" smtClean="0"/>
+              <a:t>(List&lt;String</a:t>
+            </a:r>
+            <a:r>
+              <a:rPr lang="fr-FR" sz="1600" dirty="0"/>
+              <a:t>&gt; </a:t>
+            </a:r>
+            <a:r>
+              <a:rPr lang="fr-FR" sz="1600" dirty="0" err="1"/>
+              <a:t>alphabeticSymptomList</a:t>
+            </a:r>
+            <a:r>
+              <a:rPr lang="fr-FR" sz="1600" dirty="0" smtClean="0"/>
+              <a:t>) : qui permet de compter le nombre </a:t>
+            </a:r>
+            <a:r>
+              <a:rPr lang="fr-FR" sz="1600" dirty="0" smtClean="0"/>
+              <a:t>d’occurrence </a:t>
+            </a:r>
+            <a:r>
+              <a:rPr lang="fr-FR" sz="1600" dirty="0" smtClean="0"/>
+              <a:t>de chaque symptôme et de stocker dans une collection de type </a:t>
+            </a:r>
+            <a:r>
+              <a:rPr lang="fr-FR" sz="1600" dirty="0" err="1" smtClean="0"/>
+              <a:t>Map</a:t>
+            </a:r>
+            <a:r>
+              <a:rPr lang="fr-FR" sz="1600" dirty="0" smtClean="0"/>
+              <a:t> (Clé -&gt; valeur) .</a:t>
+            </a:r>
+          </a:p>
+          <a:p>
+            <a:pPr lvl="5" algn="just">
+              <a:lnSpc>
+                <a:spcPct val="150000"/>
+              </a:lnSpc>
+            </a:pPr>
+            <a:endParaRPr lang="fr-FR" sz="1200" dirty="0" smtClean="0">
+              <a:latin typeface="Tahoma" pitchFamily="34" charset="0"/>
+              <a:ea typeface="Tahoma" pitchFamily="34" charset="0"/>
+              <a:cs typeface="Tahoma" pitchFamily="34" charset="0"/>
+            </a:endParaRPr>
+          </a:p>
+          <a:p>
+            <a:pPr lvl="3"/>
+            <a:r>
+              <a:rPr lang="fr-FR" sz="1200" dirty="0" smtClean="0"/>
+              <a:t>    /**</a:t>
+            </a:r>
+          </a:p>
+          <a:p>
+            <a:pPr lvl="3"/>
+            <a:r>
+              <a:rPr lang="en-US" sz="1200" dirty="0" smtClean="0"/>
+              <a:t>     * Read </a:t>
+            </a:r>
+            <a:r>
+              <a:rPr lang="en-US" sz="1200" dirty="0" err="1" smtClean="0"/>
+              <a:t>alphabeticSymptomList</a:t>
+            </a:r>
+            <a:r>
+              <a:rPr lang="en-US" sz="1200" dirty="0" smtClean="0"/>
+              <a:t> and create a Map with name and number</a:t>
+            </a:r>
+          </a:p>
+          <a:p>
+            <a:pPr lvl="3"/>
+            <a:r>
+              <a:rPr lang="fr-FR" sz="1200" dirty="0" smtClean="0"/>
+              <a:t>     *</a:t>
+            </a:r>
+          </a:p>
+          <a:p>
+            <a:pPr lvl="3"/>
+            <a:r>
+              <a:rPr lang="fr-FR" sz="1200" dirty="0" smtClean="0"/>
+              <a:t>     * </a:t>
+            </a:r>
+            <a:r>
+              <a:rPr lang="fr-FR" sz="1200" b="1" dirty="0" smtClean="0"/>
+              <a:t>@</a:t>
+            </a:r>
+            <a:r>
+              <a:rPr lang="fr-FR" sz="1200" b="1" dirty="0" err="1" smtClean="0"/>
+              <a:t>param</a:t>
+            </a:r>
+            <a:r>
+              <a:rPr lang="fr-FR" sz="1200" b="1" dirty="0" smtClean="0"/>
+              <a:t> </a:t>
+            </a:r>
+            <a:r>
+              <a:rPr lang="fr-FR" sz="1200" b="1" dirty="0" err="1" smtClean="0"/>
+              <a:t>alphabeticSymptomList</a:t>
+            </a:r>
+            <a:endParaRPr lang="fr-FR" sz="1200" b="1" dirty="0" smtClean="0"/>
+          </a:p>
+          <a:p>
+            <a:pPr lvl="3"/>
+            <a:r>
+              <a:rPr lang="en-US" sz="1200" dirty="0" smtClean="0"/>
+              <a:t>     * </a:t>
+            </a:r>
+            <a:r>
+              <a:rPr lang="en-US" sz="1200" b="1" dirty="0" smtClean="0"/>
+              <a:t>@return Map of symptom and its number</a:t>
+            </a:r>
+          </a:p>
+          <a:p>
+            <a:pPr lvl="3"/>
+            <a:r>
+              <a:rPr lang="fr-FR" sz="1200" dirty="0" smtClean="0"/>
+              <a:t>     */</a:t>
+            </a:r>
+          </a:p>
+          <a:p>
+            <a:pPr lvl="3"/>
+            <a:endParaRPr lang="fr-FR" sz="1200" dirty="0" smtClean="0">
+              <a:latin typeface="Tahoma" pitchFamily="34" charset="0"/>
+              <a:ea typeface="Tahoma" pitchFamily="34" charset="0"/>
+              <a:cs typeface="Tahoma" pitchFamily="34" charset="0"/>
+            </a:endParaRPr>
+          </a:p>
+          <a:p>
+            <a:pPr lvl="3"/>
+            <a:r>
+              <a:rPr lang="fr-FR" sz="1200" b="1" dirty="0" smtClean="0"/>
+              <a:t>public </a:t>
+            </a:r>
+            <a:r>
+              <a:rPr lang="fr-FR" sz="1200" b="1" dirty="0" err="1"/>
+              <a:t>Map</a:t>
+            </a:r>
+            <a:r>
+              <a:rPr lang="fr-FR" sz="1200" b="1" dirty="0"/>
+              <a:t>&lt;String, </a:t>
+            </a:r>
+            <a:r>
+              <a:rPr lang="fr-FR" sz="1200" b="1" dirty="0" err="1"/>
+              <a:t>Integer</a:t>
+            </a:r>
+            <a:r>
+              <a:rPr lang="fr-FR" sz="1200" b="1" dirty="0"/>
+              <a:t>&gt; </a:t>
+            </a:r>
+            <a:r>
+              <a:rPr lang="fr-FR" sz="1200" b="1" dirty="0" err="1"/>
+              <a:t>groupSymptoms</a:t>
+            </a:r>
+            <a:r>
+              <a:rPr lang="fr-FR" sz="1200" b="1" dirty="0"/>
+              <a:t>(List&lt;String&gt; </a:t>
+            </a:r>
+            <a:r>
+              <a:rPr lang="fr-FR" sz="1200" b="1" dirty="0" err="1"/>
+              <a:t>alphabeticSymptomList</a:t>
+            </a:r>
+            <a:r>
+              <a:rPr lang="fr-FR" sz="1200" b="1" dirty="0"/>
+              <a:t>) {</a:t>
+            </a:r>
+          </a:p>
+          <a:p>
+            <a:pPr lvl="3"/>
+            <a:r>
+              <a:rPr lang="fr-FR" sz="1200" dirty="0"/>
+              <a:t>    </a:t>
+            </a:r>
+            <a:r>
+              <a:rPr lang="fr-FR" sz="1200" dirty="0" err="1"/>
+              <a:t>Map</a:t>
+            </a:r>
+            <a:r>
+              <a:rPr lang="fr-FR" sz="1200" dirty="0"/>
+              <a:t>&lt;String, </a:t>
+            </a:r>
+            <a:r>
+              <a:rPr lang="fr-FR" sz="1200" dirty="0" err="1"/>
+              <a:t>Integer</a:t>
+            </a:r>
+            <a:r>
+              <a:rPr lang="fr-FR" sz="1200" dirty="0"/>
+              <a:t>&gt; </a:t>
+            </a:r>
+            <a:r>
+              <a:rPr lang="fr-FR" sz="1200" dirty="0" err="1"/>
+              <a:t>map</a:t>
+            </a:r>
+            <a:r>
+              <a:rPr lang="fr-FR" sz="1200" dirty="0"/>
+              <a:t> = </a:t>
+            </a:r>
+            <a:r>
+              <a:rPr lang="fr-FR" sz="1200" b="1" dirty="0"/>
+              <a:t>new </a:t>
+            </a:r>
+            <a:r>
+              <a:rPr lang="fr-FR" sz="1200" b="1" dirty="0" err="1"/>
+              <a:t>HashMap</a:t>
+            </a:r>
+            <a:r>
+              <a:rPr lang="fr-FR" sz="1200" b="1" dirty="0"/>
+              <a:t>&lt;&gt;();</a:t>
+            </a:r>
+          </a:p>
+          <a:p>
+            <a:pPr lvl="3"/>
+            <a:r>
+              <a:rPr lang="fr-FR" sz="1200" dirty="0"/>
+              <a:t>        </a:t>
+            </a:r>
+            <a:r>
+              <a:rPr lang="fr-FR" sz="1200" b="1" dirty="0"/>
+              <a:t>for (String </a:t>
+            </a:r>
+            <a:r>
+              <a:rPr lang="fr-FR" sz="1200" b="1" dirty="0" err="1"/>
+              <a:t>symptom</a:t>
+            </a:r>
+            <a:r>
+              <a:rPr lang="fr-FR" sz="1200" b="1" dirty="0"/>
+              <a:t> : </a:t>
+            </a:r>
+            <a:r>
+              <a:rPr lang="fr-FR" sz="1200" b="1" dirty="0" err="1"/>
+              <a:t>alphabeticSymptomList</a:t>
+            </a:r>
+            <a:r>
+              <a:rPr lang="fr-FR" sz="1200" b="1" dirty="0"/>
+              <a:t>) {</a:t>
+            </a:r>
+          </a:p>
+          <a:p>
+            <a:pPr lvl="3"/>
+            <a:r>
+              <a:rPr lang="fr-FR" sz="1200" dirty="0"/>
+              <a:t>            </a:t>
+            </a:r>
+            <a:r>
+              <a:rPr lang="fr-FR" sz="1200" dirty="0" err="1"/>
+              <a:t>Integer</a:t>
+            </a:r>
+            <a:r>
+              <a:rPr lang="fr-FR" sz="1200" dirty="0"/>
+              <a:t> nombre = </a:t>
+            </a:r>
+            <a:r>
+              <a:rPr lang="fr-FR" sz="1200" dirty="0" err="1"/>
+              <a:t>map.get</a:t>
+            </a:r>
+            <a:r>
+              <a:rPr lang="fr-FR" sz="1200" dirty="0"/>
+              <a:t>(</a:t>
+            </a:r>
+            <a:r>
+              <a:rPr lang="fr-FR" sz="1200" dirty="0" err="1"/>
+              <a:t>symptom</a:t>
+            </a:r>
+            <a:r>
+              <a:rPr lang="fr-FR" sz="1200" dirty="0"/>
+              <a:t>);</a:t>
+            </a:r>
+          </a:p>
+          <a:p>
+            <a:pPr lvl="3"/>
+            <a:r>
+              <a:rPr lang="fr-FR" sz="1200" dirty="0"/>
+              <a:t>            </a:t>
+            </a:r>
+            <a:r>
+              <a:rPr lang="fr-FR" sz="1200" b="1" dirty="0"/>
+              <a:t>if (nombre == </a:t>
+            </a:r>
+            <a:r>
+              <a:rPr lang="fr-FR" sz="1200" b="1" dirty="0" err="1"/>
+              <a:t>null</a:t>
+            </a:r>
+            <a:r>
+              <a:rPr lang="fr-FR" sz="1200" b="1" dirty="0"/>
+              <a:t>) {</a:t>
+            </a:r>
+          </a:p>
+          <a:p>
+            <a:pPr lvl="3"/>
+            <a:r>
+              <a:rPr lang="fr-FR" sz="1200" dirty="0"/>
+              <a:t>                nombre = 0;</a:t>
+            </a:r>
+          </a:p>
+          <a:p>
+            <a:pPr lvl="3"/>
+            <a:r>
+              <a:rPr lang="fr-FR" sz="1200" dirty="0"/>
+              <a:t>            }</a:t>
+            </a:r>
+          </a:p>
+          <a:p>
+            <a:pPr lvl="3"/>
+            <a:r>
+              <a:rPr lang="fr-FR" sz="1200" dirty="0"/>
+              <a:t>            nombre++;</a:t>
+            </a:r>
+          </a:p>
+          <a:p>
+            <a:pPr lvl="3"/>
+            <a:r>
+              <a:rPr lang="fr-FR" sz="1200" dirty="0"/>
+              <a:t>            </a:t>
+            </a:r>
+            <a:r>
+              <a:rPr lang="fr-FR" sz="1200" dirty="0" err="1"/>
+              <a:t>map.put</a:t>
+            </a:r>
+            <a:r>
+              <a:rPr lang="fr-FR" sz="1200" dirty="0"/>
+              <a:t>(</a:t>
+            </a:r>
+            <a:r>
+              <a:rPr lang="fr-FR" sz="1200" dirty="0" err="1"/>
+              <a:t>symptom</a:t>
+            </a:r>
+            <a:r>
+              <a:rPr lang="fr-FR" sz="1200" dirty="0"/>
+              <a:t>, nombre);</a:t>
+            </a:r>
+          </a:p>
+          <a:p>
+            <a:pPr lvl="3"/>
+            <a:r>
+              <a:rPr lang="fr-FR" sz="1200" dirty="0"/>
+              <a:t>        }</a:t>
+            </a:r>
+          </a:p>
+          <a:p>
+            <a:pPr lvl="3"/>
+            <a:r>
+              <a:rPr lang="fr-FR" sz="1200" dirty="0"/>
+              <a:t>        </a:t>
+            </a:r>
+            <a:r>
+              <a:rPr lang="fr-FR" sz="1200" b="1" dirty="0"/>
+              <a:t>return </a:t>
+            </a:r>
+            <a:r>
+              <a:rPr lang="fr-FR" sz="1200" b="1" dirty="0" err="1"/>
+              <a:t>map</a:t>
+            </a:r>
+            <a:r>
+              <a:rPr lang="fr-FR" sz="1200" b="1" dirty="0"/>
+              <a:t>;</a:t>
+            </a:r>
+          </a:p>
+          <a:p>
+            <a:pPr lvl="3"/>
+            <a:r>
+              <a:rPr lang="fr-FR" sz="1200" dirty="0"/>
+              <a:t>    }</a:t>
+            </a:r>
+            <a:r>
+              <a:rPr lang="fr-FR" sz="1200" dirty="0" smtClean="0">
+                <a:latin typeface="Tahoma" pitchFamily="34" charset="0"/>
+                <a:ea typeface="Tahoma" pitchFamily="34" charset="0"/>
+                <a:cs typeface="Tahoma" pitchFamily="34" charset="0"/>
+              </a:rPr>
+              <a:t> </a:t>
+            </a:r>
+          </a:p>
+          <a:p>
+            <a:r>
+              <a:rPr lang="fr-FR" sz="1000" b="1" dirty="0" smtClean="0">
+                <a:latin typeface="Tahoma" pitchFamily="34" charset="0"/>
+                <a:ea typeface="Tahoma" pitchFamily="34" charset="0"/>
+                <a:cs typeface="Tahoma" pitchFamily="34" charset="0"/>
+              </a:rPr>
+              <a:t> </a:t>
+            </a:r>
+            <a:r>
+              <a:rPr lang="fr-FR" sz="1000" b="1" dirty="0" smtClean="0"/>
+              <a:t> </a:t>
+            </a:r>
+            <a:endParaRPr lang="fr-FR" sz="1400" b="1" dirty="0" smtClean="0">
+              <a:solidFill>
+                <a:schemeClr val="tx2"/>
+              </a:solidFill>
+              <a:latin typeface="Tahoma" pitchFamily="34" charset="0"/>
+              <a:ea typeface="Tahoma" pitchFamily="34" charset="0"/>
+              <a:cs typeface="Tahoma" pitchFamily="34" charset="0"/>
+            </a:endParaRPr>
+          </a:p>
+        </p:txBody>
+      </p:sp>
+      <p:sp>
+        <p:nvSpPr>
+          <p:cNvPr id="8" name="ZoneTexte 7"/>
+          <p:cNvSpPr txBox="1"/>
+          <p:nvPr/>
+        </p:nvSpPr>
+        <p:spPr>
+          <a:xfrm>
+            <a:off x="-180528" y="404664"/>
+            <a:ext cx="8640960" cy="780791"/>
+          </a:xfrm>
+          <a:prstGeom prst="rect">
+            <a:avLst/>
+          </a:prstGeom>
+          <a:noFill/>
+        </p:spPr>
+        <p:txBody>
+          <a:bodyPr wrap="square" rtlCol="0">
+            <a:spAutoFit/>
+          </a:bodyPr>
+          <a:lstStyle/>
+          <a:p>
+            <a:pPr lvl="1" algn="just">
+              <a:lnSpc>
+                <a:spcPct val="150000"/>
+              </a:lnSpc>
+            </a:pPr>
+            <a:r>
+              <a:rPr lang="fr-FR" sz="1600" b="1" dirty="0" smtClean="0">
+                <a:latin typeface="Tahoma" pitchFamily="34" charset="0"/>
+                <a:ea typeface="Tahoma" pitchFamily="34" charset="0"/>
+                <a:cs typeface="Tahoma" pitchFamily="34" charset="0"/>
+              </a:rPr>
+              <a:t>3. Création </a:t>
+            </a:r>
+            <a:r>
+              <a:rPr lang="fr-FR" sz="1600" b="1" dirty="0">
+                <a:latin typeface="Tahoma" pitchFamily="34" charset="0"/>
+                <a:ea typeface="Tahoma" pitchFamily="34" charset="0"/>
+                <a:cs typeface="Tahoma" pitchFamily="34" charset="0"/>
+              </a:rPr>
+              <a:t>de deux méthodes </a:t>
+            </a:r>
+            <a:r>
+              <a:rPr lang="fr-FR" sz="1600" b="1" dirty="0" err="1">
+                <a:latin typeface="Tahoma" pitchFamily="34" charset="0"/>
+                <a:ea typeface="Tahoma" pitchFamily="34" charset="0"/>
+                <a:cs typeface="Tahoma" pitchFamily="34" charset="0"/>
+              </a:rPr>
+              <a:t>groupSymptoms</a:t>
+            </a:r>
+            <a:r>
+              <a:rPr lang="fr-FR" sz="1600" b="1" dirty="0"/>
+              <a:t> et </a:t>
+            </a:r>
+            <a:r>
+              <a:rPr lang="fr-FR" sz="1600" b="1" dirty="0" err="1">
+                <a:latin typeface="Tahoma" pitchFamily="34" charset="0"/>
+                <a:ea typeface="Tahoma" pitchFamily="34" charset="0"/>
+                <a:cs typeface="Tahoma" pitchFamily="34" charset="0"/>
+              </a:rPr>
+              <a:t>sortSymptoms</a:t>
+            </a:r>
+            <a:r>
+              <a:rPr lang="fr-FR" sz="1600" b="1" dirty="0"/>
+              <a:t> dans la classe </a:t>
+            </a:r>
+            <a:r>
+              <a:rPr lang="fr-FR" sz="1600" b="1" dirty="0" err="1" smtClean="0">
+                <a:latin typeface="Tahoma" pitchFamily="34" charset="0"/>
+                <a:ea typeface="Tahoma" pitchFamily="34" charset="0"/>
+                <a:cs typeface="Tahoma" pitchFamily="34" charset="0"/>
+              </a:rPr>
+              <a:t>AnalyticsCounter</a:t>
+            </a:r>
+            <a:endParaRPr lang="fr-FR" sz="1600" b="1" dirty="0" smtClean="0">
+              <a:latin typeface="Tahoma" pitchFamily="34" charset="0"/>
+              <a:ea typeface="Tahoma" pitchFamily="34" charset="0"/>
+              <a:cs typeface="Tahoma" pitchFamily="34" charset="0"/>
+            </a:endParaRPr>
+          </a:p>
+        </p:txBody>
+      </p:sp>
+    </p:spTree>
+    <p:extLst>
+      <p:ext uri="{BB962C8B-B14F-4D97-AF65-F5344CB8AC3E}">
+        <p14:creationId xmlns:p14="http://schemas.microsoft.com/office/powerpoint/2010/main" val="2946787431"/>
+      </p:ext>
+    </p:extLst>
+  </p:cSld>
+  <p:clrMapOvr>
+    <a:masterClrMapping/>
+  </p:clrMapOvr>
+</p:sld>
+</file>
+
+<file path=ppt/slides/slide11.xml><?xml version="1.0" encoding="utf-8"?>
+<p:sld xmlns:a="http://schemas.openxmlformats.org/drawingml/2006/main" xmlns:r="http://schemas.openxmlformats.org/officeDocument/2006/relationships" xmlns:p="http://schemas.openxmlformats.org/presentationml/2006/main">
+  <p:cSld>
+    <p:spTree>
+      <p:nvGrpSpPr>
+        <p:cNvPr id="1" name=""/>
+        <p:cNvGrpSpPr/>
+        <p:nvPr/>
+      </p:nvGrpSpPr>
+      <p:grpSpPr>
+        <a:xfrm>
+          <a:off x="0" y="0"/>
+          <a:ext cx="0" cy="0"/>
+          <a:chOff x="0" y="0"/>
+          <a:chExt cx="0" cy="0"/>
+        </a:xfrm>
+      </p:grpSpPr>
+      <p:sp>
+        <p:nvSpPr>
+          <p:cNvPr id="7" name="ZoneTexte 6"/>
+          <p:cNvSpPr txBox="1"/>
+          <p:nvPr/>
+        </p:nvSpPr>
+        <p:spPr>
+          <a:xfrm>
+            <a:off x="179512" y="404664"/>
+            <a:ext cx="8640960" cy="3693319"/>
+          </a:xfrm>
+          <a:prstGeom prst="rect">
+            <a:avLst/>
+          </a:prstGeom>
+          <a:noFill/>
+        </p:spPr>
+        <p:txBody>
+          <a:bodyPr wrap="square" rtlCol="0">
+            <a:spAutoFit/>
+          </a:bodyPr>
+          <a:lstStyle/>
+          <a:p>
+            <a:pPr marL="1200150" lvl="2" indent="-285750" algn="just">
+              <a:lnSpc>
+                <a:spcPct val="150000"/>
+              </a:lnSpc>
+              <a:buFont typeface="Wingdings" pitchFamily="2" charset="2"/>
+              <a:buChar char="§"/>
+            </a:pPr>
+            <a:r>
+              <a:rPr lang="fr-FR" sz="1600" b="1" dirty="0" err="1" smtClean="0"/>
+              <a:t>sortSymptoms</a:t>
+            </a:r>
+            <a:r>
+              <a:rPr lang="fr-FR" sz="1400" dirty="0"/>
+              <a:t>(</a:t>
+            </a:r>
+            <a:r>
+              <a:rPr lang="fr-FR" sz="1400" dirty="0" err="1"/>
+              <a:t>Map</a:t>
+            </a:r>
+            <a:r>
+              <a:rPr lang="fr-FR" sz="1400" dirty="0"/>
+              <a:t>&lt;String, </a:t>
+            </a:r>
+            <a:r>
+              <a:rPr lang="fr-FR" sz="1400" dirty="0" err="1"/>
+              <a:t>Integer</a:t>
+            </a:r>
+            <a:r>
+              <a:rPr lang="fr-FR" sz="1400" dirty="0"/>
+              <a:t>&gt; </a:t>
+            </a:r>
+            <a:r>
+              <a:rPr lang="fr-FR" sz="1400" dirty="0" err="1"/>
+              <a:t>groupedSymptoms</a:t>
+            </a:r>
+            <a:r>
+              <a:rPr lang="fr-FR" sz="1400" dirty="0" smtClean="0"/>
+              <a:t>): permet de trier les symptômes dans l’ordre alphabétique</a:t>
+            </a:r>
+          </a:p>
+          <a:p>
+            <a:pPr marL="1200150" lvl="2" indent="-285750" algn="just">
+              <a:lnSpc>
+                <a:spcPct val="150000"/>
+              </a:lnSpc>
+              <a:buFont typeface="Wingdings" pitchFamily="2" charset="2"/>
+              <a:buChar char="§"/>
+            </a:pPr>
+            <a:endParaRPr lang="fr-FR" sz="1400" b="1" dirty="0">
+              <a:solidFill>
+                <a:schemeClr val="tx2"/>
+              </a:solidFill>
+              <a:latin typeface="Tahoma" pitchFamily="34" charset="0"/>
+              <a:ea typeface="Tahoma" pitchFamily="34" charset="0"/>
+              <a:cs typeface="Tahoma" pitchFamily="34" charset="0"/>
+            </a:endParaRPr>
+          </a:p>
+          <a:p>
+            <a:pPr lvl="3"/>
+            <a:r>
+              <a:rPr lang="fr-FR" sz="1200" dirty="0"/>
+              <a:t>/**</a:t>
+            </a:r>
+          </a:p>
+          <a:p>
+            <a:pPr lvl="3"/>
+            <a:r>
+              <a:rPr lang="en-US" sz="1200" dirty="0"/>
+              <a:t>     * Sort the map of grouped symptoms     </a:t>
+            </a:r>
+          </a:p>
+          <a:p>
+            <a:pPr lvl="3"/>
+            <a:r>
+              <a:rPr lang="fr-FR" sz="1200" dirty="0"/>
+              <a:t>     * </a:t>
+            </a:r>
+            <a:r>
+              <a:rPr lang="fr-FR" sz="1200" b="1" dirty="0"/>
+              <a:t>@</a:t>
+            </a:r>
+            <a:r>
+              <a:rPr lang="fr-FR" sz="1200" b="1" dirty="0" err="1"/>
+              <a:t>param</a:t>
+            </a:r>
+            <a:r>
+              <a:rPr lang="fr-FR" sz="1200" b="1" dirty="0"/>
+              <a:t> </a:t>
+            </a:r>
+            <a:r>
+              <a:rPr lang="fr-FR" sz="1200" b="1" dirty="0" err="1"/>
+              <a:t>groupedSymptoms</a:t>
+            </a:r>
+            <a:endParaRPr lang="fr-FR" sz="1200" b="1" dirty="0"/>
+          </a:p>
+          <a:p>
+            <a:pPr lvl="3"/>
+            <a:r>
+              <a:rPr lang="en-US" sz="1200" dirty="0"/>
+              <a:t>     * </a:t>
+            </a:r>
+            <a:r>
+              <a:rPr lang="en-US" sz="1200" b="1" dirty="0"/>
+              <a:t>@return list of symptoms sorted in alphabetical order</a:t>
+            </a:r>
+          </a:p>
+          <a:p>
+            <a:pPr lvl="3"/>
+            <a:r>
+              <a:rPr lang="fr-FR" sz="1200" dirty="0"/>
+              <a:t>     */</a:t>
+            </a:r>
+          </a:p>
+          <a:p>
+            <a:pPr lvl="3"/>
+            <a:r>
+              <a:rPr lang="fr-FR" sz="1200" dirty="0"/>
+              <a:t>    </a:t>
+            </a:r>
+            <a:r>
+              <a:rPr lang="fr-FR" sz="1200" b="1" dirty="0"/>
+              <a:t>public </a:t>
+            </a:r>
+            <a:r>
+              <a:rPr lang="fr-FR" sz="1200" b="1" dirty="0" err="1"/>
+              <a:t>Map</a:t>
+            </a:r>
+            <a:r>
+              <a:rPr lang="fr-FR" sz="1200" b="1" dirty="0"/>
+              <a:t>&lt;String, </a:t>
+            </a:r>
+            <a:r>
+              <a:rPr lang="fr-FR" sz="1200" b="1" dirty="0" err="1"/>
+              <a:t>Integer</a:t>
+            </a:r>
+            <a:r>
+              <a:rPr lang="fr-FR" sz="1200" b="1" dirty="0"/>
+              <a:t>&gt; </a:t>
+            </a:r>
+            <a:r>
+              <a:rPr lang="fr-FR" sz="1200" b="1" dirty="0" err="1"/>
+              <a:t>sortSymptoms</a:t>
+            </a:r>
+            <a:r>
+              <a:rPr lang="fr-FR" sz="1200" b="1" dirty="0"/>
+              <a:t>(</a:t>
+            </a:r>
+            <a:r>
+              <a:rPr lang="fr-FR" sz="1200" b="1" dirty="0" err="1"/>
+              <a:t>Map</a:t>
+            </a:r>
+            <a:r>
+              <a:rPr lang="fr-FR" sz="1200" b="1" dirty="0"/>
+              <a:t>&lt;String, </a:t>
+            </a:r>
+            <a:r>
+              <a:rPr lang="fr-FR" sz="1200" b="1" dirty="0" err="1"/>
+              <a:t>Integer</a:t>
+            </a:r>
+            <a:r>
+              <a:rPr lang="fr-FR" sz="1200" b="1" dirty="0"/>
+              <a:t>&gt; </a:t>
+            </a:r>
+            <a:r>
+              <a:rPr lang="fr-FR" sz="1200" b="1" dirty="0" err="1"/>
+              <a:t>groupedSymptoms</a:t>
+            </a:r>
+            <a:r>
+              <a:rPr lang="fr-FR" sz="1200" b="1" dirty="0"/>
+              <a:t>) {        </a:t>
+            </a:r>
+          </a:p>
+          <a:p>
+            <a:pPr lvl="3"/>
+            <a:r>
+              <a:rPr lang="fr-FR" sz="1200" dirty="0"/>
+              <a:t>        </a:t>
+            </a:r>
+          </a:p>
+          <a:p>
+            <a:pPr lvl="3"/>
+            <a:r>
+              <a:rPr lang="fr-FR" sz="1200" dirty="0"/>
+              <a:t>    </a:t>
+            </a:r>
+            <a:r>
+              <a:rPr lang="fr-FR" sz="1200" dirty="0" err="1"/>
+              <a:t>Map</a:t>
+            </a:r>
+            <a:r>
+              <a:rPr lang="fr-FR" sz="1200" dirty="0"/>
+              <a:t>&lt;String, </a:t>
+            </a:r>
+            <a:r>
+              <a:rPr lang="fr-FR" sz="1200" dirty="0" err="1"/>
+              <a:t>Integer</a:t>
+            </a:r>
+            <a:r>
+              <a:rPr lang="fr-FR" sz="1200" dirty="0"/>
+              <a:t>&gt; </a:t>
+            </a:r>
+            <a:r>
+              <a:rPr lang="fr-FR" sz="1200" dirty="0" err="1"/>
+              <a:t>result</a:t>
+            </a:r>
+            <a:r>
+              <a:rPr lang="fr-FR" sz="1200" dirty="0"/>
+              <a:t> = </a:t>
+            </a:r>
+            <a:r>
+              <a:rPr lang="fr-FR" sz="1200" b="1" dirty="0"/>
+              <a:t>new </a:t>
+            </a:r>
+            <a:r>
+              <a:rPr lang="fr-FR" sz="1200" b="1" dirty="0" err="1"/>
+              <a:t>LinkedHashMap</a:t>
+            </a:r>
+            <a:r>
+              <a:rPr lang="fr-FR" sz="1200" b="1" dirty="0"/>
+              <a:t>&lt;&gt;();</a:t>
+            </a:r>
+          </a:p>
+          <a:p>
+            <a:pPr lvl="3"/>
+            <a:r>
+              <a:rPr lang="fr-FR" sz="1200" dirty="0"/>
+              <a:t>        </a:t>
+            </a:r>
+            <a:r>
+              <a:rPr lang="fr-FR" sz="1200" dirty="0" err="1"/>
+              <a:t>groupedSymptoms.entrySet</a:t>
+            </a:r>
+            <a:r>
+              <a:rPr lang="fr-FR" sz="1200" dirty="0"/>
+              <a:t>().</a:t>
+            </a:r>
+            <a:r>
+              <a:rPr lang="fr-FR" sz="1200" dirty="0" err="1"/>
+              <a:t>stream</a:t>
+            </a:r>
+            <a:r>
+              <a:rPr lang="fr-FR" sz="1200" dirty="0"/>
+              <a:t>()</a:t>
+            </a:r>
+          </a:p>
+          <a:p>
+            <a:pPr lvl="3"/>
+            <a:r>
+              <a:rPr lang="fr-FR" sz="1200" dirty="0"/>
+              <a:t>                .</a:t>
+            </a:r>
+            <a:r>
+              <a:rPr lang="fr-FR" sz="1200" dirty="0" err="1"/>
+              <a:t>sorted</a:t>
+            </a:r>
+            <a:r>
+              <a:rPr lang="fr-FR" sz="1200" dirty="0"/>
+              <a:t>(</a:t>
+            </a:r>
+            <a:r>
+              <a:rPr lang="fr-FR" sz="1200" dirty="0" err="1"/>
+              <a:t>Map.Entry.</a:t>
+            </a:r>
+            <a:r>
+              <a:rPr lang="fr-FR" sz="1200" i="1" dirty="0" err="1"/>
+              <a:t>comparingByKey</a:t>
+            </a:r>
+            <a:r>
+              <a:rPr lang="fr-FR" sz="1200" i="1" dirty="0"/>
+              <a:t>())</a:t>
+            </a:r>
+          </a:p>
+          <a:p>
+            <a:pPr lvl="3"/>
+            <a:r>
+              <a:rPr lang="fr-FR" sz="1200" dirty="0"/>
+              <a:t>                .</a:t>
+            </a:r>
+            <a:r>
+              <a:rPr lang="fr-FR" sz="1200" dirty="0" err="1"/>
+              <a:t>forEachOrdered</a:t>
+            </a:r>
+            <a:r>
+              <a:rPr lang="fr-FR" sz="1200" dirty="0"/>
+              <a:t>(x -&gt; </a:t>
+            </a:r>
+            <a:r>
+              <a:rPr lang="fr-FR" sz="1200" dirty="0" err="1"/>
+              <a:t>result.put</a:t>
+            </a:r>
+            <a:r>
+              <a:rPr lang="fr-FR" sz="1200" dirty="0"/>
+              <a:t>(</a:t>
+            </a:r>
+            <a:r>
+              <a:rPr lang="fr-FR" sz="1200" dirty="0" err="1"/>
+              <a:t>x.getKey</a:t>
+            </a:r>
+            <a:r>
+              <a:rPr lang="fr-FR" sz="1200" dirty="0"/>
+              <a:t>(), </a:t>
+            </a:r>
+            <a:r>
+              <a:rPr lang="fr-FR" sz="1200" dirty="0" err="1"/>
+              <a:t>x.getValue</a:t>
+            </a:r>
+            <a:r>
+              <a:rPr lang="fr-FR" sz="1200" dirty="0"/>
+              <a:t>()));     </a:t>
+            </a:r>
+          </a:p>
+          <a:p>
+            <a:pPr lvl="3"/>
+            <a:r>
+              <a:rPr lang="fr-FR" sz="1200" dirty="0"/>
+              <a:t>        </a:t>
+            </a:r>
+            <a:r>
+              <a:rPr lang="fr-FR" sz="1200" b="1" dirty="0"/>
+              <a:t>return </a:t>
+            </a:r>
+            <a:r>
+              <a:rPr lang="fr-FR" sz="1200" b="1" dirty="0" err="1"/>
+              <a:t>result</a:t>
+            </a:r>
+            <a:r>
+              <a:rPr lang="fr-FR" sz="1200" b="1" dirty="0"/>
+              <a:t>;</a:t>
+            </a:r>
+          </a:p>
+          <a:p>
+            <a:pPr lvl="3"/>
+            <a:r>
+              <a:rPr lang="fr-FR" sz="1200" dirty="0"/>
+              <a:t>        </a:t>
+            </a:r>
+          </a:p>
+          <a:p>
+            <a:pPr lvl="3"/>
+            <a:r>
+              <a:rPr lang="fr-FR" sz="1200" dirty="0"/>
+              <a:t>    }</a:t>
+            </a:r>
+            <a:endParaRPr lang="fr-FR" sz="1200" b="1" dirty="0" smtClean="0">
+              <a:solidFill>
+                <a:schemeClr val="tx2"/>
+              </a:solidFill>
+              <a:latin typeface="Tahoma" pitchFamily="34" charset="0"/>
+              <a:ea typeface="Tahoma" pitchFamily="34" charset="0"/>
+              <a:cs typeface="Tahoma" pitchFamily="34" charset="0"/>
+            </a:endParaRPr>
+          </a:p>
+        </p:txBody>
+      </p:sp>
+      <p:sp>
+        <p:nvSpPr>
+          <p:cNvPr id="8" name="Rectangle 7"/>
+          <p:cNvSpPr/>
+          <p:nvPr/>
+        </p:nvSpPr>
+        <p:spPr>
+          <a:xfrm>
+            <a:off x="0" y="0"/>
+            <a:ext cx="9144000" cy="404664"/>
+          </a:xfrm>
+          <a:prstGeom prst="rect">
+            <a:avLst/>
+          </a:prstGeom>
+          <a:solidFill>
+            <a:schemeClr val="accent3">
+              <a:lumMod val="75000"/>
+            </a:schemeClr>
+          </a:solidFill>
+          <a:ln>
+            <a:noFill/>
+          </a:ln>
+        </p:spPr>
+        <p:style>
+          <a:lnRef idx="2">
+            <a:schemeClr val="accent1">
+              <a:shade val="50000"/>
+            </a:schemeClr>
+          </a:lnRef>
+          <a:fillRef idx="1">
+            <a:schemeClr val="accent1"/>
+          </a:fillRef>
+          <a:effectRef idx="0">
+            <a:schemeClr val="accent1"/>
+          </a:effectRef>
+          <a:fontRef idx="minor">
+            <a:schemeClr val="lt1"/>
+          </a:fontRef>
+        </p:style>
+        <p:txBody>
+          <a:bodyPr rtlCol="0" anchor="ctr"/>
+          <a:lstStyle/>
+          <a:p>
+            <a:pPr algn="ctr"/>
+            <a:r>
+              <a:rPr lang="fr-FR" sz="1200" b="1" dirty="0" smtClean="0">
+                <a:latin typeface="Tahoma" pitchFamily="34" charset="0"/>
+                <a:ea typeface="Tahoma" pitchFamily="34" charset="0"/>
+                <a:cs typeface="Tahoma" pitchFamily="34" charset="0"/>
+              </a:rPr>
+              <a:t>HEME BIOTECH</a:t>
+            </a:r>
+            <a:endParaRPr lang="fr-FR" sz="1100" b="1" dirty="0">
+              <a:latin typeface="Tahoma" pitchFamily="34" charset="0"/>
+              <a:ea typeface="Tahoma" pitchFamily="34" charset="0"/>
+              <a:cs typeface="Tahoma" pitchFamily="34" charset="0"/>
+            </a:endParaRPr>
+          </a:p>
+        </p:txBody>
+      </p:sp>
+    </p:spTree>
+    <p:extLst>
+      <p:ext uri="{BB962C8B-B14F-4D97-AF65-F5344CB8AC3E}">
+        <p14:creationId xmlns:p14="http://schemas.microsoft.com/office/powerpoint/2010/main" val="2413645686"/>
+      </p:ext>
+    </p:extLst>
+  </p:cSld>
+  <p:clrMapOvr>
+    <a:masterClrMapping/>
+  </p:clrMapOvr>
+</p:sld>
+</file>
+
+<file path=ppt/slides/slide12.xml><?xml version="1.0" encoding="utf-8"?>
+<p:sld xmlns:a="http://schemas.openxmlformats.org/drawingml/2006/main" xmlns:r="http://schemas.openxmlformats.org/officeDocument/2006/relationships" xmlns:p="http://schemas.openxmlformats.org/presentationml/2006/main">
+  <p:cSld>
+    <p:spTree>
+      <p:nvGrpSpPr>
+        <p:cNvPr id="1" name=""/>
+        <p:cNvGrpSpPr/>
+        <p:nvPr/>
+      </p:nvGrpSpPr>
+      <p:grpSpPr>
+        <a:xfrm>
+          <a:off x="0" y="0"/>
+          <a:ext cx="0" cy="0"/>
+          <a:chOff x="0" y="0"/>
+          <a:chExt cx="0" cy="0"/>
+        </a:xfrm>
+      </p:grpSpPr>
       <p:sp>
         <p:nvSpPr>
           <p:cNvPr id="5" name="Rectangle 4"/>
@@ -3826,7 +4863,7 @@
         </p:nvSpPr>
         <p:spPr>
           <a:xfrm>
-            <a:off x="179512" y="764704"/>
+            <a:off x="107504" y="980723"/>
             <a:ext cx="8640960" cy="3816429"/>
           </a:xfrm>
           <a:prstGeom prst="rect">
@@ -3840,12 +4877,10 @@
           </a:bodyPr>
           <a:lstStyle/>
           <a:p>
-            <a:pPr marL="742950" lvl="1" indent="-285750" algn="just">
+            <a:pPr lvl="1" algn="just">
               <a:lnSpc>
                 <a:spcPct val="150000"/>
               </a:lnSpc>
-              <a:buFont typeface="Wingdings" pitchFamily="2" charset="2"/>
-              <a:buChar char="v"/>
             </a:pPr>
             <a:r>
               <a:rPr lang="fr-FR" sz="1600" dirty="0" smtClean="0">
@@ -4179,6 +5214,144 @@
               <a:solidFill>
                 <a:schemeClr val="tx2"/>
               </a:solidFill>
+              <a:latin typeface="Tahoma" pitchFamily="34" charset="0"/>
+              <a:ea typeface="Tahoma" pitchFamily="34" charset="0"/>
+              <a:cs typeface="Tahoma" pitchFamily="34" charset="0"/>
+            </a:endParaRPr>
+          </a:p>
+        </p:txBody>
+      </p:sp>
+      <p:sp>
+        <p:nvSpPr>
+          <p:cNvPr id="7" name="ZoneTexte 6"/>
+          <p:cNvSpPr txBox="1"/>
+          <p:nvPr/>
+        </p:nvSpPr>
+        <p:spPr>
+          <a:xfrm>
+            <a:off x="-180528" y="404664"/>
+            <a:ext cx="8640960" cy="411459"/>
+          </a:xfrm>
+          <a:prstGeom prst="rect">
+            <a:avLst/>
+          </a:prstGeom>
+          <a:noFill/>
+        </p:spPr>
+        <p:txBody>
+          <a:bodyPr wrap="square" rtlCol="0">
+            <a:spAutoFit/>
+          </a:bodyPr>
+          <a:lstStyle/>
+          <a:p>
+            <a:pPr lvl="1" algn="just">
+              <a:lnSpc>
+                <a:spcPct val="150000"/>
+              </a:lnSpc>
+            </a:pPr>
+            <a:r>
+              <a:rPr lang="fr-FR" sz="1600" b="1" dirty="0">
+                <a:latin typeface="Tahoma" pitchFamily="34" charset="0"/>
+                <a:ea typeface="Tahoma" pitchFamily="34" charset="0"/>
+                <a:cs typeface="Tahoma" pitchFamily="34" charset="0"/>
+              </a:rPr>
+              <a:t>4</a:t>
+            </a:r>
+            <a:r>
+              <a:rPr lang="fr-FR" sz="1600" b="1" dirty="0" smtClean="0">
+                <a:latin typeface="Tahoma" pitchFamily="34" charset="0"/>
+                <a:ea typeface="Tahoma" pitchFamily="34" charset="0"/>
+                <a:cs typeface="Tahoma" pitchFamily="34" charset="0"/>
+              </a:rPr>
+              <a:t>. </a:t>
+            </a:r>
+            <a:r>
+              <a:rPr lang="fr-FR" sz="1600" b="1" dirty="0">
+                <a:latin typeface="Tahoma" pitchFamily="34" charset="0"/>
+                <a:ea typeface="Tahoma" pitchFamily="34" charset="0"/>
+                <a:cs typeface="Tahoma" pitchFamily="34" charset="0"/>
+              </a:rPr>
+              <a:t>Création d’une nouvelle classe </a:t>
+            </a:r>
+            <a:r>
+              <a:rPr lang="fr-FR" sz="1600" b="1" dirty="0" err="1">
+                <a:latin typeface="Tahoma" pitchFamily="34" charset="0"/>
+                <a:ea typeface="Tahoma" pitchFamily="34" charset="0"/>
+                <a:cs typeface="Tahoma" pitchFamily="34" charset="0"/>
+              </a:rPr>
+              <a:t>AnalyticsMain</a:t>
+            </a:r>
+            <a:r>
+              <a:rPr lang="fr-FR" sz="1600" b="1" dirty="0">
+                <a:latin typeface="Tahoma" pitchFamily="34" charset="0"/>
+                <a:ea typeface="Tahoma" pitchFamily="34" charset="0"/>
+                <a:cs typeface="Tahoma" pitchFamily="34" charset="0"/>
+              </a:rPr>
+              <a:t> </a:t>
+            </a:r>
+          </a:p>
+        </p:txBody>
+      </p:sp>
+      <p:sp>
+        <p:nvSpPr>
+          <p:cNvPr id="8" name="Rogner un rectangle avec un coin diagonal 7"/>
+          <p:cNvSpPr/>
+          <p:nvPr/>
+        </p:nvSpPr>
+        <p:spPr>
+          <a:xfrm>
+            <a:off x="166271" y="5229200"/>
+            <a:ext cx="4572000" cy="288032"/>
+          </a:xfrm>
+          <a:prstGeom prst="snip2DiagRect">
+            <a:avLst/>
+          </a:prstGeom>
+          <a:solidFill>
+            <a:schemeClr val="accent6">
+              <a:lumMod val="75000"/>
+            </a:schemeClr>
+          </a:solidFill>
+          <a:ln>
+            <a:noFill/>
+          </a:ln>
+        </p:spPr>
+        <p:style>
+          <a:lnRef idx="2">
+            <a:schemeClr val="accent1">
+              <a:shade val="50000"/>
+            </a:schemeClr>
+          </a:lnRef>
+          <a:fillRef idx="1">
+            <a:schemeClr val="accent1"/>
+          </a:fillRef>
+          <a:effectRef idx="0">
+            <a:schemeClr val="accent1"/>
+          </a:effectRef>
+          <a:fontRef idx="minor">
+            <a:schemeClr val="lt1"/>
+          </a:fontRef>
+        </p:style>
+        <p:txBody>
+          <a:bodyPr rtlCol="0" anchor="ctr"/>
+          <a:lstStyle/>
+          <a:p>
+            <a:pPr algn="ctr"/>
+            <a:r>
+              <a:rPr lang="fr-FR" sz="1400" b="1" dirty="0" smtClean="0">
+                <a:latin typeface="Tahoma" pitchFamily="34" charset="0"/>
+                <a:ea typeface="Tahoma" pitchFamily="34" charset="0"/>
+                <a:cs typeface="Tahoma" pitchFamily="34" charset="0"/>
+              </a:rPr>
+              <a:t>V. Exécution du programme avec l’IDE Eclipse</a:t>
+            </a:r>
+            <a:r>
+              <a:rPr lang="fr-FR" sz="1400" b="1" dirty="0" smtClean="0">
+                <a:latin typeface="Tahoma" pitchFamily="34" charset="0"/>
+                <a:ea typeface="Tahoma" pitchFamily="34" charset="0"/>
+                <a:cs typeface="Tahoma" pitchFamily="34" charset="0"/>
+              </a:rPr>
+              <a:t> </a:t>
+            </a:r>
+            <a:endParaRPr lang="fr-FR" sz="1400" b="1" dirty="0">
               <a:latin typeface="Tahoma" pitchFamily="34" charset="0"/>
               <a:ea typeface="Tahoma" pitchFamily="34" charset="0"/>
               <a:cs typeface="Tahoma" pitchFamily="34" charset="0"/>
@@ -4199,7 +5372,7 @@
 </p:sld>
 </file>
 
-<file path=ppt/slides/slide11.xml><?xml version="1.0" encoding="utf-8"?>
+<file path=ppt/slides/slide13.xml><?xml version="1.0" encoding="utf-8"?>
 <p:sld xmlns:a="http://schemas.openxmlformats.org/drawingml/2006/main" xmlns:r="http://schemas.openxmlformats.org/officeDocument/2006/relationships" xmlns:p="http://schemas.openxmlformats.org/presentationml/2006/main">
   <p:cSld>
     <p:spTree>
@@ -4524,6 +5697,1227 @@
       </p:sp>
       <p:sp>
         <p:nvSpPr>
+          <p:cNvPr id="5" name="Rogner un rectangle avec un coin diagonal 4"/>
+          <p:cNvSpPr/>
+          <p:nvPr/>
+        </p:nvSpPr>
+        <p:spPr>
+          <a:xfrm>
+            <a:off x="166271" y="476672"/>
+            <a:ext cx="4572000" cy="288032"/>
+          </a:xfrm>
+          <a:prstGeom prst="snip2DiagRect">
+            <a:avLst/>
+          </a:prstGeom>
+          <a:solidFill>
+            <a:schemeClr val="accent6">
+              <a:lumMod val="75000"/>
+            </a:schemeClr>
+          </a:solidFill>
+          <a:ln>
+            <a:noFill/>
+          </a:ln>
+        </p:spPr>
+        <p:style>
+          <a:lnRef idx="2">
+            <a:schemeClr val="accent1">
+              <a:shade val="50000"/>
+            </a:schemeClr>
+          </a:lnRef>
+          <a:fillRef idx="1">
+            <a:schemeClr val="accent1"/>
+          </a:fillRef>
+          <a:effectRef idx="0">
+            <a:schemeClr val="accent1"/>
+          </a:effectRef>
+          <a:fontRef idx="minor">
+            <a:schemeClr val="lt1"/>
+          </a:fontRef>
+        </p:style>
+        <p:txBody>
+          <a:bodyPr rtlCol="0" anchor="ctr"/>
+          <a:lstStyle/>
+          <a:p>
+            <a:pPr algn="ctr"/>
+            <a:r>
+              <a:rPr lang="fr-FR" sz="1600" b="1" dirty="0" smtClean="0">
+                <a:latin typeface="Tahoma" pitchFamily="34" charset="0"/>
+                <a:ea typeface="Tahoma" pitchFamily="34" charset="0"/>
+                <a:cs typeface="Tahoma" pitchFamily="34" charset="0"/>
+              </a:rPr>
+              <a:t>Sommaire</a:t>
+            </a:r>
+            <a:r>
+              <a:rPr lang="fr-FR" sz="1600" b="1" dirty="0" smtClean="0">
+                <a:latin typeface="Tahoma" pitchFamily="34" charset="0"/>
+                <a:ea typeface="Tahoma" pitchFamily="34" charset="0"/>
+                <a:cs typeface="Tahoma" pitchFamily="34" charset="0"/>
+              </a:rPr>
+              <a:t>  </a:t>
+            </a:r>
+            <a:endParaRPr lang="fr-FR" sz="1600" b="1" dirty="0">
+              <a:latin typeface="Tahoma" pitchFamily="34" charset="0"/>
+              <a:ea typeface="Tahoma" pitchFamily="34" charset="0"/>
+              <a:cs typeface="Tahoma" pitchFamily="34" charset="0"/>
+            </a:endParaRPr>
+          </a:p>
+        </p:txBody>
+      </p:sp>
+      <p:sp>
+        <p:nvSpPr>
+          <p:cNvPr id="6" name="ZoneTexte 5"/>
+          <p:cNvSpPr txBox="1"/>
+          <p:nvPr/>
+        </p:nvSpPr>
+        <p:spPr>
+          <a:xfrm>
+            <a:off x="179512" y="764704"/>
+            <a:ext cx="8640960" cy="5909310"/>
+          </a:xfrm>
+          <a:prstGeom prst="rect">
+            <a:avLst/>
+          </a:prstGeom>
+          <a:noFill/>
+        </p:spPr>
+        <p:txBody>
+          <a:bodyPr wrap="square" rtlCol="0">
+            <a:spAutoFit/>
+          </a:bodyPr>
+          <a:lstStyle/>
+          <a:p>
+            <a:pPr marL="400050" indent="-400050" algn="just">
+              <a:lnSpc>
+                <a:spcPct val="150000"/>
+              </a:lnSpc>
+              <a:buFont typeface="+mj-lt"/>
+              <a:buAutoNum type="romanUcPeriod"/>
+            </a:pPr>
+            <a:r>
+              <a:rPr lang="fr-FR" sz="1600" dirty="0" smtClean="0">
+                <a:latin typeface="Tahoma" pitchFamily="34" charset="0"/>
+                <a:ea typeface="Tahoma" pitchFamily="34" charset="0"/>
+                <a:cs typeface="Tahoma" pitchFamily="34" charset="0"/>
+              </a:rPr>
+              <a:t>Rappel du contexte</a:t>
+            </a:r>
+          </a:p>
+          <a:p>
+            <a:pPr marL="400050" indent="-400050" algn="just">
+              <a:lnSpc>
+                <a:spcPct val="150000"/>
+              </a:lnSpc>
+              <a:buFont typeface="+mj-lt"/>
+              <a:buAutoNum type="romanUcPeriod"/>
+            </a:pPr>
+            <a:r>
+              <a:rPr lang="fr-FR" sz="1600" dirty="0" smtClean="0">
+                <a:latin typeface="Tahoma" pitchFamily="34" charset="0"/>
+                <a:ea typeface="Tahoma" pitchFamily="34" charset="0"/>
+                <a:cs typeface="Tahoma" pitchFamily="34" charset="0"/>
+              </a:rPr>
+              <a:t>Rappel du besoin</a:t>
+            </a:r>
+          </a:p>
+          <a:p>
+            <a:pPr marL="400050" indent="-400050" algn="just">
+              <a:lnSpc>
+                <a:spcPct val="150000"/>
+              </a:lnSpc>
+              <a:buFont typeface="+mj-lt"/>
+              <a:buAutoNum type="romanUcPeriod"/>
+            </a:pPr>
+            <a:r>
+              <a:rPr lang="fr-FR" sz="1600" dirty="0" smtClean="0">
+                <a:latin typeface="Tahoma" pitchFamily="34" charset="0"/>
+                <a:ea typeface="Tahoma" pitchFamily="34" charset="0"/>
+                <a:cs typeface="Tahoma" pitchFamily="34" charset="0"/>
+              </a:rPr>
+              <a:t>Etude de la solution existante</a:t>
+            </a:r>
+          </a:p>
+          <a:p>
+            <a:pPr marL="914400" lvl="1" indent="-457200" algn="just">
+              <a:lnSpc>
+                <a:spcPct val="150000"/>
+              </a:lnSpc>
+              <a:buFont typeface="+mj-lt"/>
+              <a:buAutoNum type="arabicPeriod"/>
+            </a:pPr>
+            <a:r>
+              <a:rPr lang="fr-FR" sz="1600" dirty="0" smtClean="0">
+                <a:latin typeface="Tahoma" pitchFamily="34" charset="0"/>
+                <a:ea typeface="Tahoma" pitchFamily="34" charset="0"/>
+                <a:cs typeface="Tahoma" pitchFamily="34" charset="0"/>
+              </a:rPr>
+              <a:t>Découpage du code en sous partie</a:t>
+            </a:r>
+          </a:p>
+          <a:p>
+            <a:pPr marL="914400" lvl="1" indent="-457200" algn="just">
+              <a:lnSpc>
+                <a:spcPct val="150000"/>
+              </a:lnSpc>
+              <a:buFont typeface="+mj-lt"/>
+              <a:buAutoNum type="arabicPeriod"/>
+            </a:pPr>
+            <a:r>
+              <a:rPr lang="fr-FR" sz="1600" dirty="0" smtClean="0">
+                <a:latin typeface="Tahoma" pitchFamily="34" charset="0"/>
+                <a:ea typeface="Tahoma" pitchFamily="34" charset="0"/>
+                <a:cs typeface="Tahoma" pitchFamily="34" charset="0"/>
+              </a:rPr>
+              <a:t>Analyse du contenu du code	</a:t>
+            </a:r>
+          </a:p>
+          <a:p>
+            <a:pPr marL="400050" indent="-400050" algn="just">
+              <a:lnSpc>
+                <a:spcPct val="150000"/>
+              </a:lnSpc>
+              <a:buFont typeface="+mj-lt"/>
+              <a:buAutoNum type="romanUcPeriod"/>
+            </a:pPr>
+            <a:r>
+              <a:rPr lang="fr-FR" sz="1600" dirty="0" smtClean="0">
+                <a:latin typeface="Tahoma" pitchFamily="34" charset="0"/>
+                <a:ea typeface="Tahoma" pitchFamily="34" charset="0"/>
+                <a:cs typeface="Tahoma" pitchFamily="34" charset="0"/>
+              </a:rPr>
+              <a:t>Présentation</a:t>
+            </a:r>
+            <a:r>
+              <a:rPr lang="fr-FR" sz="1600" dirty="0" smtClean="0">
+                <a:latin typeface="Tahoma" pitchFamily="34" charset="0"/>
+                <a:ea typeface="Tahoma" pitchFamily="34" charset="0"/>
+                <a:cs typeface="Tahoma" pitchFamily="34" charset="0"/>
+              </a:rPr>
+              <a:t> de la nouvelle solution</a:t>
+            </a:r>
+          </a:p>
+          <a:p>
+            <a:pPr marL="914400" lvl="1" indent="-457200" algn="just">
+              <a:lnSpc>
+                <a:spcPct val="150000"/>
+              </a:lnSpc>
+              <a:buFont typeface="+mj-lt"/>
+              <a:buAutoNum type="arabicPeriod"/>
+            </a:pPr>
+            <a:r>
+              <a:rPr lang="fr-FR" sz="1600" dirty="0" smtClean="0">
+                <a:latin typeface="Tahoma" pitchFamily="34" charset="0"/>
+                <a:ea typeface="Tahoma" pitchFamily="34" charset="0"/>
+                <a:cs typeface="Tahoma" pitchFamily="34" charset="0"/>
+              </a:rPr>
+              <a:t>Création d’une méthode </a:t>
+            </a:r>
+            <a:r>
+              <a:rPr lang="fr-FR" sz="1600" b="1" dirty="0" err="1" smtClean="0">
+                <a:latin typeface="Tahoma" pitchFamily="34" charset="0"/>
+                <a:ea typeface="Tahoma" pitchFamily="34" charset="0"/>
+                <a:cs typeface="Tahoma" pitchFamily="34" charset="0"/>
+              </a:rPr>
+              <a:t>w</a:t>
+            </a:r>
+            <a:r>
+              <a:rPr lang="fr-FR" sz="1600" b="1" dirty="0" err="1" smtClean="0">
+                <a:latin typeface="Tahoma" pitchFamily="34" charset="0"/>
+                <a:ea typeface="Tahoma" pitchFamily="34" charset="0"/>
+                <a:cs typeface="Tahoma" pitchFamily="34" charset="0"/>
+              </a:rPr>
+              <a:t>riteFile</a:t>
+            </a:r>
+            <a:r>
+              <a:rPr lang="fr-FR" sz="1600" dirty="0" smtClean="0">
+                <a:latin typeface="Tahoma" pitchFamily="34" charset="0"/>
+                <a:ea typeface="Tahoma" pitchFamily="34" charset="0"/>
+                <a:cs typeface="Tahoma" pitchFamily="34" charset="0"/>
+              </a:rPr>
+              <a:t> dans l’interface </a:t>
+            </a:r>
+            <a:r>
+              <a:rPr lang="fr-FR" sz="1600" b="1" dirty="0" err="1" smtClean="0">
+                <a:latin typeface="Tahoma" pitchFamily="34" charset="0"/>
+                <a:ea typeface="Tahoma" pitchFamily="34" charset="0"/>
+                <a:cs typeface="Tahoma" pitchFamily="34" charset="0"/>
+              </a:rPr>
+              <a:t>ISymptomReader</a:t>
+            </a:r>
+            <a:endParaRPr lang="fr-FR" sz="1600" b="1" dirty="0" smtClean="0">
+              <a:latin typeface="Tahoma" pitchFamily="34" charset="0"/>
+              <a:ea typeface="Tahoma" pitchFamily="34" charset="0"/>
+              <a:cs typeface="Tahoma" pitchFamily="34" charset="0"/>
+            </a:endParaRPr>
+          </a:p>
+          <a:p>
+            <a:pPr marL="914400" lvl="1" indent="-457200" algn="just">
+              <a:lnSpc>
+                <a:spcPct val="150000"/>
+              </a:lnSpc>
+              <a:buFont typeface="+mj-lt"/>
+              <a:buAutoNum type="arabicPeriod"/>
+            </a:pPr>
+            <a:r>
+              <a:rPr lang="fr-FR" sz="1600" dirty="0" smtClean="0">
+                <a:latin typeface="Tahoma" pitchFamily="34" charset="0"/>
+                <a:ea typeface="Tahoma" pitchFamily="34" charset="0"/>
+                <a:cs typeface="Tahoma" pitchFamily="34" charset="0"/>
+              </a:rPr>
+              <a:t>Implémentation de l’interface </a:t>
+            </a:r>
+            <a:r>
+              <a:rPr lang="fr-FR" sz="1600" b="1" dirty="0" err="1" smtClean="0">
+                <a:latin typeface="Tahoma" pitchFamily="34" charset="0"/>
+                <a:ea typeface="Tahoma" pitchFamily="34" charset="0"/>
+                <a:cs typeface="Tahoma" pitchFamily="34" charset="0"/>
+              </a:rPr>
+              <a:t>ISymptomReader</a:t>
+            </a:r>
+            <a:r>
+              <a:rPr lang="fr-FR" sz="1600" dirty="0" smtClean="0">
+                <a:latin typeface="Tahoma" pitchFamily="34" charset="0"/>
+                <a:ea typeface="Tahoma" pitchFamily="34" charset="0"/>
+                <a:cs typeface="Tahoma" pitchFamily="34" charset="0"/>
+              </a:rPr>
+              <a:t> dans la classe </a:t>
+            </a:r>
+            <a:r>
+              <a:rPr lang="fr-FR" sz="1600" b="1" dirty="0" err="1">
+                <a:latin typeface="Tahoma" pitchFamily="34" charset="0"/>
+                <a:ea typeface="Tahoma" pitchFamily="34" charset="0"/>
+                <a:cs typeface="Tahoma" pitchFamily="34" charset="0"/>
+              </a:rPr>
+              <a:t>ReadSymptomDataFromFile</a:t>
+            </a:r>
+            <a:r>
+              <a:rPr lang="fr-FR" sz="1600" b="1" dirty="0">
+                <a:latin typeface="Tahoma" pitchFamily="34" charset="0"/>
+                <a:ea typeface="Tahoma" pitchFamily="34" charset="0"/>
+                <a:cs typeface="Tahoma" pitchFamily="34" charset="0"/>
+              </a:rPr>
+              <a:t> </a:t>
+            </a:r>
+            <a:endParaRPr lang="fr-FR" sz="1600" b="1" dirty="0" smtClean="0">
+              <a:latin typeface="Tahoma" pitchFamily="34" charset="0"/>
+              <a:ea typeface="Tahoma" pitchFamily="34" charset="0"/>
+              <a:cs typeface="Tahoma" pitchFamily="34" charset="0"/>
+            </a:endParaRPr>
+          </a:p>
+          <a:p>
+            <a:pPr marL="914400" lvl="1" indent="-457200" algn="just">
+              <a:lnSpc>
+                <a:spcPct val="150000"/>
+              </a:lnSpc>
+              <a:buFont typeface="+mj-lt"/>
+              <a:buAutoNum type="arabicPeriod"/>
+            </a:pPr>
+            <a:r>
+              <a:rPr lang="fr-FR" sz="1600" dirty="0" smtClean="0">
+                <a:latin typeface="Tahoma" pitchFamily="34" charset="0"/>
+                <a:ea typeface="Tahoma" pitchFamily="34" charset="0"/>
+                <a:cs typeface="Tahoma" pitchFamily="34" charset="0"/>
+              </a:rPr>
+              <a:t>Création de deux méthodes </a:t>
+            </a:r>
+            <a:r>
+              <a:rPr lang="fr-FR" sz="1600" b="1" dirty="0" err="1" smtClean="0">
+                <a:latin typeface="Tahoma" pitchFamily="34" charset="0"/>
+                <a:ea typeface="Tahoma" pitchFamily="34" charset="0"/>
+                <a:cs typeface="Tahoma" pitchFamily="34" charset="0"/>
+              </a:rPr>
+              <a:t>groupSymptoms</a:t>
+            </a:r>
+            <a:r>
+              <a:rPr lang="fr-FR" sz="1600" dirty="0" smtClean="0"/>
+              <a:t> et </a:t>
+            </a:r>
+            <a:r>
+              <a:rPr lang="fr-FR" sz="1600" b="1" dirty="0" err="1" smtClean="0">
+                <a:latin typeface="Tahoma" pitchFamily="34" charset="0"/>
+                <a:ea typeface="Tahoma" pitchFamily="34" charset="0"/>
+                <a:cs typeface="Tahoma" pitchFamily="34" charset="0"/>
+              </a:rPr>
+              <a:t>sortSymptoms</a:t>
+            </a:r>
+            <a:r>
+              <a:rPr lang="fr-FR" sz="1600" dirty="0" smtClean="0"/>
+              <a:t> dans la classe </a:t>
+            </a:r>
+            <a:r>
+              <a:rPr lang="fr-FR" sz="1600" b="1" dirty="0" err="1" smtClean="0">
+                <a:latin typeface="Tahoma" pitchFamily="34" charset="0"/>
+                <a:ea typeface="Tahoma" pitchFamily="34" charset="0"/>
+                <a:cs typeface="Tahoma" pitchFamily="34" charset="0"/>
+              </a:rPr>
+              <a:t>AnalyticsCounter</a:t>
+            </a:r>
+            <a:endParaRPr lang="fr-FR" sz="1600" b="1" dirty="0" smtClean="0">
+              <a:latin typeface="Tahoma" pitchFamily="34" charset="0"/>
+              <a:ea typeface="Tahoma" pitchFamily="34" charset="0"/>
+              <a:cs typeface="Tahoma" pitchFamily="34" charset="0"/>
+            </a:endParaRPr>
+          </a:p>
+          <a:p>
+            <a:pPr marL="914400" lvl="1" indent="-457200" algn="just">
+              <a:lnSpc>
+                <a:spcPct val="150000"/>
+              </a:lnSpc>
+              <a:buFont typeface="+mj-lt"/>
+              <a:buAutoNum type="arabicPeriod"/>
+            </a:pPr>
+            <a:r>
+              <a:rPr lang="fr-FR" sz="1600" dirty="0" smtClean="0">
+                <a:latin typeface="Tahoma" pitchFamily="34" charset="0"/>
+                <a:ea typeface="Tahoma" pitchFamily="34" charset="0"/>
+                <a:cs typeface="Tahoma" pitchFamily="34" charset="0"/>
+              </a:rPr>
+              <a:t>Création d’une nouvelle classe </a:t>
+            </a:r>
+            <a:r>
+              <a:rPr lang="fr-FR" sz="1600" b="1" dirty="0" err="1">
+                <a:latin typeface="Tahoma" pitchFamily="34" charset="0"/>
+                <a:ea typeface="Tahoma" pitchFamily="34" charset="0"/>
+                <a:cs typeface="Tahoma" pitchFamily="34" charset="0"/>
+              </a:rPr>
+              <a:t>AnalyticsMain</a:t>
+            </a:r>
+            <a:r>
+              <a:rPr lang="fr-FR" sz="1600" b="1" dirty="0">
+                <a:latin typeface="Tahoma" pitchFamily="34" charset="0"/>
+                <a:ea typeface="Tahoma" pitchFamily="34" charset="0"/>
+                <a:cs typeface="Tahoma" pitchFamily="34" charset="0"/>
+              </a:rPr>
+              <a:t> </a:t>
+            </a:r>
+            <a:endParaRPr lang="fr-FR" sz="1600" dirty="0" smtClean="0">
+              <a:latin typeface="Tahoma" pitchFamily="34" charset="0"/>
+              <a:ea typeface="Tahoma" pitchFamily="34" charset="0"/>
+              <a:cs typeface="Tahoma" pitchFamily="34" charset="0"/>
+            </a:endParaRPr>
+          </a:p>
+          <a:p>
+            <a:pPr marL="514350" indent="-514350" algn="just">
+              <a:lnSpc>
+                <a:spcPct val="150000"/>
+              </a:lnSpc>
+              <a:buFont typeface="+mj-lt"/>
+              <a:buAutoNum type="romanUcPeriod"/>
+            </a:pPr>
+            <a:r>
+              <a:rPr lang="fr-FR" sz="1600" dirty="0" smtClean="0">
+                <a:latin typeface="Tahoma" pitchFamily="34" charset="0"/>
+                <a:ea typeface="Tahoma" pitchFamily="34" charset="0"/>
+                <a:cs typeface="Tahoma" pitchFamily="34" charset="0"/>
+              </a:rPr>
+              <a:t>Exécution du programme </a:t>
+            </a:r>
+            <a:r>
+              <a:rPr lang="fr-FR" sz="1600" dirty="0" smtClean="0">
+                <a:latin typeface="Tahoma" pitchFamily="34" charset="0"/>
+                <a:ea typeface="Tahoma" pitchFamily="34" charset="0"/>
+                <a:cs typeface="Tahoma" pitchFamily="34" charset="0"/>
+              </a:rPr>
+              <a:t>avec l’IDE </a:t>
+            </a:r>
+            <a:r>
+              <a:rPr lang="fr-FR" sz="1600" dirty="0">
+                <a:latin typeface="Tahoma" pitchFamily="34" charset="0"/>
+                <a:ea typeface="Tahoma" pitchFamily="34" charset="0"/>
+                <a:cs typeface="Tahoma" pitchFamily="34" charset="0"/>
+              </a:rPr>
+              <a:t>E</a:t>
+            </a:r>
+            <a:r>
+              <a:rPr lang="fr-FR" sz="1600" dirty="0" smtClean="0">
+                <a:latin typeface="Tahoma" pitchFamily="34" charset="0"/>
+                <a:ea typeface="Tahoma" pitchFamily="34" charset="0"/>
+                <a:cs typeface="Tahoma" pitchFamily="34" charset="0"/>
+              </a:rPr>
+              <a:t>clipse</a:t>
+            </a:r>
+            <a:endParaRPr lang="fr-FR" sz="1600" dirty="0" smtClean="0">
+              <a:latin typeface="Tahoma" pitchFamily="34" charset="0"/>
+              <a:ea typeface="Tahoma" pitchFamily="34" charset="0"/>
+              <a:cs typeface="Tahoma" pitchFamily="34" charset="0"/>
+            </a:endParaRPr>
+          </a:p>
+          <a:p>
+            <a:pPr lvl="2" algn="just">
+              <a:lnSpc>
+                <a:spcPct val="150000"/>
+              </a:lnSpc>
+            </a:pPr>
+            <a:r>
+              <a:rPr lang="fr-FR" sz="2000" dirty="0" smtClean="0">
+                <a:latin typeface="Tahoma" pitchFamily="34" charset="0"/>
+                <a:ea typeface="Tahoma" pitchFamily="34" charset="0"/>
+                <a:cs typeface="Tahoma" pitchFamily="34" charset="0"/>
+              </a:rPr>
+              <a:t>	</a:t>
+            </a:r>
+            <a:r>
+              <a:rPr lang="fr-FR" sz="2000" dirty="0">
+                <a:latin typeface="Tahoma" pitchFamily="34" charset="0"/>
+                <a:ea typeface="Tahoma" pitchFamily="34" charset="0"/>
+                <a:cs typeface="Tahoma" pitchFamily="34" charset="0"/>
+              </a:rPr>
+              <a:t>	</a:t>
+            </a:r>
+            <a:r>
+              <a:rPr lang="fr-FR" sz="2000" dirty="0" smtClean="0">
+                <a:latin typeface="Tahoma" pitchFamily="34" charset="0"/>
+                <a:ea typeface="Tahoma" pitchFamily="34" charset="0"/>
+                <a:cs typeface="Tahoma" pitchFamily="34" charset="0"/>
+              </a:rPr>
+              <a:t>	</a:t>
+            </a:r>
+            <a:endParaRPr lang="fr-FR" sz="2000" dirty="0" smtClean="0">
+              <a:solidFill>
+                <a:schemeClr val="tx2">
+                  <a:lumMod val="60000"/>
+                  <a:lumOff val="40000"/>
+                </a:schemeClr>
+              </a:solidFill>
+              <a:latin typeface="Tahoma" pitchFamily="34" charset="0"/>
+              <a:ea typeface="Tahoma" pitchFamily="34" charset="0"/>
+              <a:cs typeface="Tahoma" pitchFamily="34" charset="0"/>
+            </a:endParaRPr>
+          </a:p>
+          <a:p>
+            <a:pPr>
+              <a:lnSpc>
+                <a:spcPct val="150000"/>
+              </a:lnSpc>
+            </a:pPr>
+            <a:endParaRPr lang="fr-FR" sz="2000" dirty="0" smtClean="0">
+              <a:solidFill>
+                <a:schemeClr val="tx2">
+                  <a:lumMod val="60000"/>
+                  <a:lumOff val="40000"/>
+                </a:schemeClr>
+              </a:solidFill>
+              <a:latin typeface="Tahoma" pitchFamily="34" charset="0"/>
+              <a:ea typeface="Tahoma" pitchFamily="34" charset="0"/>
+              <a:cs typeface="Tahoma" pitchFamily="34" charset="0"/>
+            </a:endParaRPr>
+          </a:p>
+        </p:txBody>
+      </p:sp>
+    </p:spTree>
+    <p:extLst>
+      <p:ext uri="{BB962C8B-B14F-4D97-AF65-F5344CB8AC3E}">
+        <p14:creationId xmlns:p14="http://schemas.microsoft.com/office/powerpoint/2010/main" val="1155324350"/>
+      </p:ext>
+    </p:extLst>
+  </p:cSld>
+  <p:clrMapOvr>
+    <a:masterClrMapping/>
+  </p:clrMapOvr>
+  <p:timing>
+    <p:tnLst>
+      <p:par>
+        <p:cTn id="1" dur="indefinite" restart="never" nodeType="tmRoot"/>
+      </p:par>
+    </p:tnLst>
+  </p:timing>
+</p:sld>
+</file>
+
+<file path=ppt/slides/slide3.xml><?xml version="1.0" encoding="utf-8"?>
+<p:sld xmlns:a="http://schemas.openxmlformats.org/drawingml/2006/main" xmlns:r="http://schemas.openxmlformats.org/officeDocument/2006/relationships" xmlns:p="http://schemas.openxmlformats.org/presentationml/2006/main">
+  <p:cSld>
+    <p:spTree>
+      <p:nvGrpSpPr>
+        <p:cNvPr id="1" name=""/>
+        <p:cNvGrpSpPr/>
+        <p:nvPr/>
+      </p:nvGrpSpPr>
+      <p:grpSpPr>
+        <a:xfrm>
+          <a:off x="0" y="0"/>
+          <a:ext cx="0" cy="0"/>
+          <a:chOff x="0" y="0"/>
+          <a:chExt cx="0" cy="0"/>
+        </a:xfrm>
+      </p:grpSpPr>
+      <p:sp>
+        <p:nvSpPr>
+          <p:cNvPr id="4" name="Rectangle 3"/>
+          <p:cNvSpPr/>
+          <p:nvPr/>
+        </p:nvSpPr>
+        <p:spPr>
+          <a:xfrm>
+            <a:off x="0" y="0"/>
+            <a:ext cx="9144000" cy="404664"/>
+          </a:xfrm>
+          <a:prstGeom prst="rect">
+            <a:avLst/>
+          </a:prstGeom>
+          <a:solidFill>
+            <a:schemeClr val="accent3">
+              <a:lumMod val="75000"/>
+            </a:schemeClr>
+          </a:solidFill>
+          <a:ln>
+            <a:noFill/>
+          </a:ln>
+        </p:spPr>
+        <p:style>
+          <a:lnRef idx="2">
+            <a:schemeClr val="accent1">
+              <a:shade val="50000"/>
+            </a:schemeClr>
+          </a:lnRef>
+          <a:fillRef idx="1">
+            <a:schemeClr val="accent1"/>
+          </a:fillRef>
+          <a:effectRef idx="0">
+            <a:schemeClr val="accent1"/>
+          </a:effectRef>
+          <a:fontRef idx="minor">
+            <a:schemeClr val="lt1"/>
+          </a:fontRef>
+        </p:style>
+        <p:txBody>
+          <a:bodyPr rtlCol="0" anchor="ctr"/>
+          <a:lstStyle/>
+          <a:p>
+            <a:pPr algn="ctr"/>
+            <a:r>
+              <a:rPr lang="fr-FR" sz="1200" b="1" dirty="0" smtClean="0">
+                <a:latin typeface="Tahoma" pitchFamily="34" charset="0"/>
+                <a:ea typeface="Tahoma" pitchFamily="34" charset="0"/>
+                <a:cs typeface="Tahoma" pitchFamily="34" charset="0"/>
+              </a:rPr>
+              <a:t>HEME BIOTECH</a:t>
+            </a:r>
+            <a:endParaRPr lang="fr-FR" sz="1100" b="1" dirty="0">
+              <a:latin typeface="Tahoma" pitchFamily="34" charset="0"/>
+              <a:ea typeface="Tahoma" pitchFamily="34" charset="0"/>
+              <a:cs typeface="Tahoma" pitchFamily="34" charset="0"/>
+            </a:endParaRPr>
+          </a:p>
+        </p:txBody>
+      </p:sp>
+      <p:sp>
+        <p:nvSpPr>
+          <p:cNvPr id="5" name="Rogner un rectangle avec un coin diagonal 4"/>
+          <p:cNvSpPr/>
+          <p:nvPr/>
+        </p:nvSpPr>
+        <p:spPr>
+          <a:xfrm>
+            <a:off x="166271" y="476672"/>
+            <a:ext cx="4572000" cy="288032"/>
+          </a:xfrm>
+          <a:prstGeom prst="snip2DiagRect">
+            <a:avLst/>
+          </a:prstGeom>
+          <a:solidFill>
+            <a:schemeClr val="accent6">
+              <a:lumMod val="75000"/>
+            </a:schemeClr>
+          </a:solidFill>
+          <a:ln>
+            <a:noFill/>
+          </a:ln>
+        </p:spPr>
+        <p:style>
+          <a:lnRef idx="2">
+            <a:schemeClr val="accent1">
+              <a:shade val="50000"/>
+            </a:schemeClr>
+          </a:lnRef>
+          <a:fillRef idx="1">
+            <a:schemeClr val="accent1"/>
+          </a:fillRef>
+          <a:effectRef idx="0">
+            <a:schemeClr val="accent1"/>
+          </a:effectRef>
+          <a:fontRef idx="minor">
+            <a:schemeClr val="lt1"/>
+          </a:fontRef>
+        </p:style>
+        <p:txBody>
+          <a:bodyPr rtlCol="0" anchor="ctr"/>
+          <a:lstStyle/>
+          <a:p>
+            <a:pPr algn="ctr"/>
+            <a:r>
+              <a:rPr lang="fr-FR" sz="1600" b="1" dirty="0" smtClean="0">
+                <a:latin typeface="Tahoma" pitchFamily="34" charset="0"/>
+                <a:ea typeface="Tahoma" pitchFamily="34" charset="0"/>
+                <a:cs typeface="Tahoma" pitchFamily="34" charset="0"/>
+              </a:rPr>
+              <a:t>I. Rappel du contexte</a:t>
+            </a:r>
+            <a:endParaRPr lang="fr-FR" sz="1600" b="1" dirty="0">
+              <a:latin typeface="Tahoma" pitchFamily="34" charset="0"/>
+              <a:ea typeface="Tahoma" pitchFamily="34" charset="0"/>
+              <a:cs typeface="Tahoma" pitchFamily="34" charset="0"/>
+            </a:endParaRPr>
+          </a:p>
+        </p:txBody>
+      </p:sp>
+      <p:sp>
+        <p:nvSpPr>
+          <p:cNvPr id="6" name="ZoneTexte 5"/>
+          <p:cNvSpPr txBox="1"/>
+          <p:nvPr/>
+        </p:nvSpPr>
+        <p:spPr>
+          <a:xfrm>
+            <a:off x="179512" y="764704"/>
+            <a:ext cx="8640960" cy="2308324"/>
+          </a:xfrm>
+          <a:prstGeom prst="rect">
+            <a:avLst/>
+          </a:prstGeom>
+          <a:noFill/>
+        </p:spPr>
+        <p:txBody>
+          <a:bodyPr wrap="square" rtlCol="0">
+            <a:spAutoFit/>
+          </a:bodyPr>
+          <a:lstStyle/>
+          <a:p>
+            <a:pPr algn="just">
+              <a:lnSpc>
+                <a:spcPct val="150000"/>
+              </a:lnSpc>
+            </a:pPr>
+            <a:r>
+              <a:rPr lang="fr-FR" sz="1600" dirty="0" err="1">
+                <a:latin typeface="Tahoma" pitchFamily="34" charset="0"/>
+                <a:ea typeface="Tahoma" pitchFamily="34" charset="0"/>
+                <a:cs typeface="Tahoma" pitchFamily="34" charset="0"/>
+              </a:rPr>
+              <a:t>Heme</a:t>
+            </a:r>
+            <a:r>
+              <a:rPr lang="fr-FR" sz="1600" dirty="0">
+                <a:latin typeface="Tahoma" pitchFamily="34" charset="0"/>
+                <a:ea typeface="Tahoma" pitchFamily="34" charset="0"/>
+                <a:cs typeface="Tahoma" pitchFamily="34" charset="0"/>
+              </a:rPr>
+              <a:t> </a:t>
+            </a:r>
+            <a:r>
+              <a:rPr lang="fr-FR" sz="1600" dirty="0" err="1">
+                <a:latin typeface="Tahoma" pitchFamily="34" charset="0"/>
+                <a:ea typeface="Tahoma" pitchFamily="34" charset="0"/>
+                <a:cs typeface="Tahoma" pitchFamily="34" charset="0"/>
+              </a:rPr>
+              <a:t>Biotech</a:t>
+            </a:r>
+            <a:r>
+              <a:rPr lang="fr-FR" sz="1600" dirty="0">
+                <a:latin typeface="Tahoma" pitchFamily="34" charset="0"/>
+                <a:ea typeface="Tahoma" pitchFamily="34" charset="0"/>
+                <a:cs typeface="Tahoma" pitchFamily="34" charset="0"/>
+              </a:rPr>
+              <a:t> est une entreprise de petite taille, réputée dans le secteur </a:t>
+            </a:r>
+            <a:r>
+              <a:rPr lang="fr-FR" sz="1600" dirty="0" smtClean="0">
+                <a:latin typeface="Tahoma" pitchFamily="34" charset="0"/>
+                <a:ea typeface="Tahoma" pitchFamily="34" charset="0"/>
+                <a:cs typeface="Tahoma" pitchFamily="34" charset="0"/>
+              </a:rPr>
+              <a:t>pharmaceutique. Elle est spécialisée dans le </a:t>
+            </a:r>
+            <a:r>
+              <a:rPr lang="fr-FR" sz="1600" dirty="0">
+                <a:latin typeface="Tahoma" pitchFamily="34" charset="0"/>
+                <a:ea typeface="Tahoma" pitchFamily="34" charset="0"/>
+                <a:cs typeface="Tahoma" pitchFamily="34" charset="0"/>
+              </a:rPr>
+              <a:t>traitement des troubles sanguins chez l’humain et l’animal</a:t>
+            </a:r>
+            <a:r>
+              <a:rPr lang="fr-FR" sz="1600" dirty="0" smtClean="0">
+                <a:latin typeface="Tahoma" pitchFamily="34" charset="0"/>
+                <a:ea typeface="Tahoma" pitchFamily="34" charset="0"/>
+                <a:cs typeface="Tahoma" pitchFamily="34" charset="0"/>
+              </a:rPr>
+              <a:t>.</a:t>
+            </a:r>
+          </a:p>
+          <a:p>
+            <a:pPr algn="just">
+              <a:lnSpc>
+                <a:spcPct val="150000"/>
+              </a:lnSpc>
+            </a:pPr>
+            <a:r>
+              <a:rPr lang="fr-FR" sz="1600" dirty="0" smtClean="0">
+                <a:latin typeface="Tahoma" pitchFamily="34" charset="0"/>
+                <a:ea typeface="Tahoma" pitchFamily="34" charset="0"/>
+                <a:cs typeface="Tahoma" pitchFamily="34" charset="0"/>
+              </a:rPr>
+              <a:t>En vue d’améliorer la prédiction de ses besoins</a:t>
+            </a:r>
+            <a:r>
+              <a:rPr lang="fr-FR" sz="1600" dirty="0">
+                <a:latin typeface="Tahoma" pitchFamily="34" charset="0"/>
+                <a:ea typeface="Tahoma" pitchFamily="34" charset="0"/>
+                <a:cs typeface="Tahoma" pitchFamily="34" charset="0"/>
+              </a:rPr>
+              <a:t>, </a:t>
+            </a:r>
+            <a:r>
+              <a:rPr lang="fr-FR" sz="1600" dirty="0" err="1">
+                <a:latin typeface="Tahoma" pitchFamily="34" charset="0"/>
+                <a:ea typeface="Tahoma" pitchFamily="34" charset="0"/>
+                <a:cs typeface="Tahoma" pitchFamily="34" charset="0"/>
+              </a:rPr>
+              <a:t>Heme</a:t>
+            </a:r>
+            <a:r>
+              <a:rPr lang="fr-FR" sz="1600" dirty="0">
+                <a:latin typeface="Tahoma" pitchFamily="34" charset="0"/>
+                <a:ea typeface="Tahoma" pitchFamily="34" charset="0"/>
+                <a:cs typeface="Tahoma" pitchFamily="34" charset="0"/>
+              </a:rPr>
+              <a:t> </a:t>
+            </a:r>
+            <a:r>
+              <a:rPr lang="fr-FR" sz="1600" dirty="0" err="1">
+                <a:latin typeface="Tahoma" pitchFamily="34" charset="0"/>
+                <a:ea typeface="Tahoma" pitchFamily="34" charset="0"/>
+                <a:cs typeface="Tahoma" pitchFamily="34" charset="0"/>
+              </a:rPr>
+              <a:t>Biotech</a:t>
+            </a:r>
+            <a:r>
+              <a:rPr lang="fr-FR" sz="1600" dirty="0">
+                <a:latin typeface="Tahoma" pitchFamily="34" charset="0"/>
+                <a:ea typeface="Tahoma" pitchFamily="34" charset="0"/>
+                <a:cs typeface="Tahoma" pitchFamily="34" charset="0"/>
+              </a:rPr>
+              <a:t> </a:t>
+            </a:r>
+            <a:r>
+              <a:rPr lang="fr-FR" sz="1600" dirty="0" smtClean="0">
+                <a:latin typeface="Tahoma" pitchFamily="34" charset="0"/>
+                <a:ea typeface="Tahoma" pitchFamily="34" charset="0"/>
+                <a:cs typeface="Tahoma" pitchFamily="34" charset="0"/>
+              </a:rPr>
+              <a:t> a décidé de mettre en place un programme d’analyse des tendances afin de compter le nombre d’occurrences de chaque symptôme.</a:t>
+            </a:r>
+            <a:r>
+              <a:rPr lang="fr-FR" sz="1600" dirty="0" smtClean="0">
+                <a:latin typeface="Tahoma" pitchFamily="34" charset="0"/>
+                <a:ea typeface="Tahoma" pitchFamily="34" charset="0"/>
+                <a:cs typeface="Tahoma" pitchFamily="34" charset="0"/>
+              </a:rPr>
+              <a:t>	</a:t>
+            </a:r>
+            <a:r>
+              <a:rPr lang="fr-FR" sz="1600" dirty="0">
+                <a:latin typeface="Tahoma" pitchFamily="34" charset="0"/>
+                <a:ea typeface="Tahoma" pitchFamily="34" charset="0"/>
+                <a:cs typeface="Tahoma" pitchFamily="34" charset="0"/>
+              </a:rPr>
+              <a:t>	</a:t>
+            </a:r>
+            <a:r>
+              <a:rPr lang="fr-FR" sz="1600" dirty="0" smtClean="0">
+                <a:latin typeface="Tahoma" pitchFamily="34" charset="0"/>
+                <a:ea typeface="Tahoma" pitchFamily="34" charset="0"/>
+                <a:cs typeface="Tahoma" pitchFamily="34" charset="0"/>
+              </a:rPr>
+              <a:t>	</a:t>
+            </a:r>
+            <a:endParaRPr lang="fr-FR" sz="1600" dirty="0" smtClean="0">
+              <a:solidFill>
+                <a:schemeClr val="tx2">
+                  <a:lumMod val="60000"/>
+                  <a:lumOff val="40000"/>
+                </a:schemeClr>
+              </a:solidFill>
+              <a:latin typeface="Tahoma" pitchFamily="34" charset="0"/>
+              <a:ea typeface="Tahoma" pitchFamily="34" charset="0"/>
+              <a:cs typeface="Tahoma" pitchFamily="34" charset="0"/>
+            </a:endParaRPr>
+          </a:p>
+          <a:p>
+            <a:pPr>
+              <a:lnSpc>
+                <a:spcPct val="150000"/>
+              </a:lnSpc>
+            </a:pPr>
+            <a:endParaRPr lang="fr-FR" sz="1600" dirty="0" smtClean="0">
+              <a:solidFill>
+                <a:schemeClr val="tx2">
+                  <a:lumMod val="60000"/>
+                  <a:lumOff val="40000"/>
+                </a:schemeClr>
+              </a:solidFill>
+              <a:latin typeface="Tahoma" pitchFamily="34" charset="0"/>
+              <a:ea typeface="Tahoma" pitchFamily="34" charset="0"/>
+              <a:cs typeface="Tahoma" pitchFamily="34" charset="0"/>
+            </a:endParaRPr>
+          </a:p>
+        </p:txBody>
+      </p:sp>
+      <p:sp>
+        <p:nvSpPr>
+          <p:cNvPr id="7" name="Rogner un rectangle avec un coin diagonal 6"/>
+          <p:cNvSpPr/>
+          <p:nvPr/>
+        </p:nvSpPr>
+        <p:spPr>
+          <a:xfrm>
+            <a:off x="166271" y="2924944"/>
+            <a:ext cx="4572000" cy="288032"/>
+          </a:xfrm>
+          <a:prstGeom prst="snip2DiagRect">
+            <a:avLst/>
+          </a:prstGeom>
+          <a:solidFill>
+            <a:schemeClr val="accent6">
+              <a:lumMod val="75000"/>
+            </a:schemeClr>
+          </a:solidFill>
+          <a:ln>
+            <a:noFill/>
+          </a:ln>
+        </p:spPr>
+        <p:style>
+          <a:lnRef idx="2">
+            <a:schemeClr val="accent1">
+              <a:shade val="50000"/>
+            </a:schemeClr>
+          </a:lnRef>
+          <a:fillRef idx="1">
+            <a:schemeClr val="accent1"/>
+          </a:fillRef>
+          <a:effectRef idx="0">
+            <a:schemeClr val="accent1"/>
+          </a:effectRef>
+          <a:fontRef idx="minor">
+            <a:schemeClr val="lt1"/>
+          </a:fontRef>
+        </p:style>
+        <p:txBody>
+          <a:bodyPr rtlCol="0" anchor="ctr"/>
+          <a:lstStyle/>
+          <a:p>
+            <a:pPr algn="ctr"/>
+            <a:r>
+              <a:rPr lang="fr-FR" sz="1600" b="1" dirty="0" smtClean="0">
+                <a:latin typeface="Tahoma" pitchFamily="34" charset="0"/>
+                <a:ea typeface="Tahoma" pitchFamily="34" charset="0"/>
+                <a:cs typeface="Tahoma" pitchFamily="34" charset="0"/>
+              </a:rPr>
+              <a:t>II. Rappel du besoin</a:t>
+            </a:r>
+            <a:endParaRPr lang="fr-FR" sz="1600" b="1" dirty="0">
+              <a:latin typeface="Tahoma" pitchFamily="34" charset="0"/>
+              <a:ea typeface="Tahoma" pitchFamily="34" charset="0"/>
+              <a:cs typeface="Tahoma" pitchFamily="34" charset="0"/>
+            </a:endParaRPr>
+          </a:p>
+        </p:txBody>
+      </p:sp>
+      <p:sp>
+        <p:nvSpPr>
+          <p:cNvPr id="8" name="ZoneTexte 7"/>
+          <p:cNvSpPr txBox="1"/>
+          <p:nvPr/>
+        </p:nvSpPr>
+        <p:spPr>
+          <a:xfrm>
+            <a:off x="251520" y="3352924"/>
+            <a:ext cx="8640960" cy="2308324"/>
+          </a:xfrm>
+          <a:prstGeom prst="rect">
+            <a:avLst/>
+          </a:prstGeom>
+          <a:noFill/>
+        </p:spPr>
+        <p:txBody>
+          <a:bodyPr wrap="square" rtlCol="0">
+            <a:spAutoFit/>
+          </a:bodyPr>
+          <a:lstStyle/>
+          <a:p>
+            <a:pPr algn="just">
+              <a:lnSpc>
+                <a:spcPct val="150000"/>
+              </a:lnSpc>
+            </a:pPr>
+            <a:r>
+              <a:rPr lang="fr-FR" sz="1600" dirty="0" smtClean="0">
+                <a:latin typeface="Tahoma" pitchFamily="34" charset="0"/>
+                <a:ea typeface="Tahoma" pitchFamily="34" charset="0"/>
+                <a:cs typeface="Tahoma" pitchFamily="34" charset="0"/>
+              </a:rPr>
+              <a:t>Le besoin d’</a:t>
+            </a:r>
+            <a:r>
+              <a:rPr lang="fr-FR" sz="1600" dirty="0" err="1" smtClean="0">
+                <a:latin typeface="Tahoma" pitchFamily="34" charset="0"/>
+                <a:ea typeface="Tahoma" pitchFamily="34" charset="0"/>
+                <a:cs typeface="Tahoma" pitchFamily="34" charset="0"/>
+              </a:rPr>
+              <a:t>Heme</a:t>
+            </a:r>
+            <a:r>
+              <a:rPr lang="fr-FR" sz="1600" dirty="0" smtClean="0">
+                <a:latin typeface="Tahoma" pitchFamily="34" charset="0"/>
+                <a:ea typeface="Tahoma" pitchFamily="34" charset="0"/>
+                <a:cs typeface="Tahoma" pitchFamily="34" charset="0"/>
+              </a:rPr>
+              <a:t> </a:t>
+            </a:r>
+            <a:r>
+              <a:rPr lang="fr-FR" sz="1600" dirty="0" err="1" smtClean="0">
+                <a:latin typeface="Tahoma" pitchFamily="34" charset="0"/>
+                <a:ea typeface="Tahoma" pitchFamily="34" charset="0"/>
+                <a:cs typeface="Tahoma" pitchFamily="34" charset="0"/>
+              </a:rPr>
+              <a:t>Boitech</a:t>
+            </a:r>
+            <a:r>
+              <a:rPr lang="fr-FR" sz="1600" dirty="0" smtClean="0">
+                <a:latin typeface="Tahoma" pitchFamily="34" charset="0"/>
+                <a:ea typeface="Tahoma" pitchFamily="34" charset="0"/>
+                <a:cs typeface="Tahoma" pitchFamily="34" charset="0"/>
+              </a:rPr>
+              <a:t> s’articule autour des fonctionnalités suivantes : </a:t>
+            </a:r>
+          </a:p>
+          <a:p>
+            <a:pPr marL="285750" indent="-285750" algn="just">
+              <a:lnSpc>
+                <a:spcPct val="150000"/>
+              </a:lnSpc>
+              <a:buFont typeface="Wingdings" pitchFamily="2" charset="2"/>
+              <a:buChar char="Ø"/>
+            </a:pPr>
+            <a:r>
+              <a:rPr lang="fr-FR" sz="1600" dirty="0" smtClean="0">
+                <a:latin typeface="Tahoma" pitchFamily="34" charset="0"/>
+                <a:ea typeface="Tahoma" pitchFamily="34" charset="0"/>
+                <a:cs typeface="Tahoma" pitchFamily="34" charset="0"/>
+              </a:rPr>
+              <a:t>Lecture des données depuis un fichier texte (symptoms.txt)</a:t>
+            </a:r>
+          </a:p>
+          <a:p>
+            <a:pPr marL="285750" indent="-285750" algn="just">
+              <a:lnSpc>
+                <a:spcPct val="150000"/>
+              </a:lnSpc>
+              <a:buFont typeface="Wingdings" pitchFamily="2" charset="2"/>
+              <a:buChar char="Ø"/>
+            </a:pPr>
+            <a:r>
+              <a:rPr lang="fr-FR" sz="1600" dirty="0" smtClean="0">
+                <a:latin typeface="Tahoma" pitchFamily="34" charset="0"/>
+                <a:ea typeface="Tahoma" pitchFamily="34" charset="0"/>
+                <a:cs typeface="Tahoma" pitchFamily="34" charset="0"/>
+              </a:rPr>
+              <a:t>Compter le nombre d’occurrence de chaque symptôme</a:t>
+            </a:r>
+          </a:p>
+          <a:p>
+            <a:pPr marL="285750" indent="-285750" algn="just">
+              <a:lnSpc>
+                <a:spcPct val="150000"/>
+              </a:lnSpc>
+              <a:buFont typeface="Wingdings" pitchFamily="2" charset="2"/>
+              <a:buChar char="Ø"/>
+            </a:pPr>
+            <a:r>
+              <a:rPr lang="fr-FR" sz="1600" dirty="0" smtClean="0">
+                <a:latin typeface="Tahoma" pitchFamily="34" charset="0"/>
+                <a:ea typeface="Tahoma" pitchFamily="34" charset="0"/>
+                <a:cs typeface="Tahoma" pitchFamily="34" charset="0"/>
+              </a:rPr>
+              <a:t>Génération d’un nouveau fichier (</a:t>
+            </a:r>
+            <a:r>
+              <a:rPr lang="fr-FR" sz="1600" dirty="0" err="1" smtClean="0">
+                <a:latin typeface="Tahoma" pitchFamily="34" charset="0"/>
+                <a:ea typeface="Tahoma" pitchFamily="34" charset="0"/>
+                <a:cs typeface="Tahoma" pitchFamily="34" charset="0"/>
+              </a:rPr>
+              <a:t>results.out</a:t>
+            </a:r>
+            <a:r>
+              <a:rPr lang="fr-FR" sz="1600" dirty="0" smtClean="0">
+                <a:latin typeface="Tahoma" pitchFamily="34" charset="0"/>
+                <a:ea typeface="Tahoma" pitchFamily="34" charset="0"/>
+                <a:cs typeface="Tahoma" pitchFamily="34" charset="0"/>
+              </a:rPr>
+              <a:t>) listant chaque symptôme dans l’ordre alphabétique suivi du nombre d’</a:t>
+            </a:r>
+            <a:r>
+              <a:rPr lang="fr-FR" sz="1600" dirty="0" err="1" smtClean="0">
+                <a:latin typeface="Tahoma" pitchFamily="34" charset="0"/>
+                <a:ea typeface="Tahoma" pitchFamily="34" charset="0"/>
+                <a:cs typeface="Tahoma" pitchFamily="34" charset="0"/>
+              </a:rPr>
+              <a:t>occurences</a:t>
+            </a:r>
+            <a:r>
+              <a:rPr lang="fr-FR" sz="1600" dirty="0" smtClean="0">
+                <a:latin typeface="Tahoma" pitchFamily="34" charset="0"/>
+                <a:ea typeface="Tahoma" pitchFamily="34" charset="0"/>
+                <a:cs typeface="Tahoma" pitchFamily="34" charset="0"/>
+              </a:rPr>
+              <a:t>	</a:t>
+            </a:r>
+            <a:r>
+              <a:rPr lang="fr-FR" sz="1600" dirty="0">
+                <a:latin typeface="Tahoma" pitchFamily="34" charset="0"/>
+                <a:ea typeface="Tahoma" pitchFamily="34" charset="0"/>
+                <a:cs typeface="Tahoma" pitchFamily="34" charset="0"/>
+              </a:rPr>
+              <a:t>	</a:t>
+            </a:r>
+            <a:r>
+              <a:rPr lang="fr-FR" sz="1600" dirty="0" smtClean="0">
+                <a:latin typeface="Tahoma" pitchFamily="34" charset="0"/>
+                <a:ea typeface="Tahoma" pitchFamily="34" charset="0"/>
+                <a:cs typeface="Tahoma" pitchFamily="34" charset="0"/>
+              </a:rPr>
+              <a:t>	</a:t>
+            </a:r>
+            <a:endParaRPr lang="fr-FR" sz="1600" dirty="0" smtClean="0">
+              <a:solidFill>
+                <a:schemeClr val="tx2">
+                  <a:lumMod val="60000"/>
+                  <a:lumOff val="40000"/>
+                </a:schemeClr>
+              </a:solidFill>
+              <a:latin typeface="Tahoma" pitchFamily="34" charset="0"/>
+              <a:ea typeface="Tahoma" pitchFamily="34" charset="0"/>
+              <a:cs typeface="Tahoma" pitchFamily="34" charset="0"/>
+            </a:endParaRPr>
+          </a:p>
+          <a:p>
+            <a:pPr>
+              <a:lnSpc>
+                <a:spcPct val="150000"/>
+              </a:lnSpc>
+            </a:pPr>
+            <a:endParaRPr lang="fr-FR" sz="1600" dirty="0" smtClean="0">
+              <a:solidFill>
+                <a:schemeClr val="tx2">
+                  <a:lumMod val="60000"/>
+                  <a:lumOff val="40000"/>
+                </a:schemeClr>
+              </a:solidFill>
+              <a:latin typeface="Tahoma" pitchFamily="34" charset="0"/>
+              <a:ea typeface="Tahoma" pitchFamily="34" charset="0"/>
+              <a:cs typeface="Tahoma" pitchFamily="34" charset="0"/>
+            </a:endParaRPr>
+          </a:p>
+        </p:txBody>
+      </p:sp>
+    </p:spTree>
+    <p:extLst>
+      <p:ext uri="{BB962C8B-B14F-4D97-AF65-F5344CB8AC3E}">
+        <p14:creationId xmlns:p14="http://schemas.microsoft.com/office/powerpoint/2010/main" val="2819811901"/>
+      </p:ext>
+    </p:extLst>
+  </p:cSld>
+  <p:clrMapOvr>
+    <a:masterClrMapping/>
+  </p:clrMapOvr>
+  <p:timing>
+    <p:tnLst>
+      <p:par>
+        <p:cTn id="1" dur="indefinite" restart="never" nodeType="tmRoot"/>
+      </p:par>
+    </p:tnLst>
+  </p:timing>
+</p:sld>
+</file>
+
+<file path=ppt/slides/slide4.xml><?xml version="1.0" encoding="utf-8"?>
+<p:sld xmlns:a="http://schemas.openxmlformats.org/drawingml/2006/main" xmlns:r="http://schemas.openxmlformats.org/officeDocument/2006/relationships" xmlns:p="http://schemas.openxmlformats.org/presentationml/2006/main">
+  <p:cSld>
+    <p:spTree>
+      <p:nvGrpSpPr>
+        <p:cNvPr id="1" name=""/>
+        <p:cNvGrpSpPr/>
+        <p:nvPr/>
+      </p:nvGrpSpPr>
+      <p:grpSpPr>
+        <a:xfrm>
+          <a:off x="0" y="0"/>
+          <a:ext cx="0" cy="0"/>
+          <a:chOff x="0" y="0"/>
+          <a:chExt cx="0" cy="0"/>
+        </a:xfrm>
+      </p:grpSpPr>
+      <p:sp>
+        <p:nvSpPr>
+          <p:cNvPr id="4" name="Rectangle 3"/>
+          <p:cNvSpPr/>
+          <p:nvPr/>
+        </p:nvSpPr>
+        <p:spPr>
+          <a:xfrm>
+            <a:off x="0" y="0"/>
+            <a:ext cx="9144000" cy="404664"/>
+          </a:xfrm>
+          <a:prstGeom prst="rect">
+            <a:avLst/>
+          </a:prstGeom>
+          <a:solidFill>
+            <a:schemeClr val="accent3">
+              <a:lumMod val="75000"/>
+            </a:schemeClr>
+          </a:solidFill>
+          <a:ln>
+            <a:noFill/>
+          </a:ln>
+        </p:spPr>
+        <p:style>
+          <a:lnRef idx="2">
+            <a:schemeClr val="accent1">
+              <a:shade val="50000"/>
+            </a:schemeClr>
+          </a:lnRef>
+          <a:fillRef idx="1">
+            <a:schemeClr val="accent1"/>
+          </a:fillRef>
+          <a:effectRef idx="0">
+            <a:schemeClr val="accent1"/>
+          </a:effectRef>
+          <a:fontRef idx="minor">
+            <a:schemeClr val="lt1"/>
+          </a:fontRef>
+        </p:style>
+        <p:txBody>
+          <a:bodyPr rtlCol="0" anchor="ctr"/>
+          <a:lstStyle/>
+          <a:p>
+            <a:pPr algn="ctr"/>
+            <a:r>
+              <a:rPr lang="fr-FR" sz="1200" b="1" dirty="0" smtClean="0">
+                <a:latin typeface="Tahoma" pitchFamily="34" charset="0"/>
+                <a:ea typeface="Tahoma" pitchFamily="34" charset="0"/>
+                <a:cs typeface="Tahoma" pitchFamily="34" charset="0"/>
+              </a:rPr>
+              <a:t>HEME BIOTECH</a:t>
+            </a:r>
+            <a:endParaRPr lang="fr-FR" sz="1100" b="1" dirty="0">
+              <a:latin typeface="Tahoma" pitchFamily="34" charset="0"/>
+              <a:ea typeface="Tahoma" pitchFamily="34" charset="0"/>
+              <a:cs typeface="Tahoma" pitchFamily="34" charset="0"/>
+            </a:endParaRPr>
+          </a:p>
+        </p:txBody>
+      </p:sp>
+      <p:sp>
+        <p:nvSpPr>
           <p:cNvPr id="7" name="Décagone 6"/>
           <p:cNvSpPr/>
           <p:nvPr/>
@@ -4630,7 +7024,7 @@
                 <a:ea typeface="Tahoma" pitchFamily="34" charset="0"/>
                 <a:cs typeface="Tahoma" pitchFamily="34" charset="0"/>
               </a:rPr>
-              <a:t>Analyse du code existant  </a:t>
+              <a:t>III. Etude de la solution existante </a:t>
             </a:r>
             <a:endParaRPr lang="fr-FR" sz="1400" b="1" dirty="0">
               <a:latin typeface="Tahoma" pitchFamily="34" charset="0"/>
@@ -5470,7 +7864,7 @@
 </p:sld>
 </file>
 
-<file path=ppt/slides/slide3.xml><?xml version="1.0" encoding="utf-8"?>
+<file path=ppt/slides/slide5.xml><?xml version="1.0" encoding="utf-8"?>
 <p:sld xmlns:a="http://schemas.openxmlformats.org/drawingml/2006/main" xmlns:r="http://schemas.openxmlformats.org/officeDocument/2006/relationships" xmlns:p="http://schemas.openxmlformats.org/presentationml/2006/main">
   <p:cSld>
     <p:spTree>
@@ -5594,12 +7988,10 @@
             </a:endParaRPr>
           </a:p>
           <a:p>
-            <a:pPr marL="1200150" lvl="2" indent="-285750" algn="just">
+            <a:pPr lvl="2" algn="just">
               <a:lnSpc>
                 <a:spcPct val="150000"/>
               </a:lnSpc>
-              <a:buFont typeface="Wingdings" pitchFamily="2" charset="2"/>
-              <a:buChar char="v"/>
             </a:pPr>
             <a:r>
               <a:rPr lang="fr-FR" sz="1600" dirty="0" smtClean="0">
@@ -5607,7 +7999,15 @@
                 <a:ea typeface="Tahoma" pitchFamily="34" charset="0"/>
                 <a:cs typeface="Tahoma" pitchFamily="34" charset="0"/>
               </a:rPr>
-              <a:t>Lecture du fichier symptoms.txt contenant la liste des symptômes</a:t>
+              <a:t>1. Lecture </a:t>
+            </a:r>
+            <a:r>
+              <a:rPr lang="fr-FR" sz="1600" dirty="0" smtClean="0">
+                <a:latin typeface="Tahoma" pitchFamily="34" charset="0"/>
+                <a:ea typeface="Tahoma" pitchFamily="34" charset="0"/>
+                <a:cs typeface="Tahoma" pitchFamily="34" charset="0"/>
+              </a:rPr>
+              <a:t>du fichier symptoms.txt contenant la liste des symptômes</a:t>
             </a:r>
           </a:p>
           <a:p>
@@ -5790,12 +8190,10 @@
             </a:endParaRPr>
           </a:p>
           <a:p>
-            <a:pPr marL="1200150" lvl="2" indent="-285750" algn="just">
+            <a:pPr lvl="2" algn="just">
               <a:lnSpc>
                 <a:spcPct val="150000"/>
               </a:lnSpc>
-              <a:buFont typeface="Wingdings" pitchFamily="2" charset="2"/>
-              <a:buChar char="v"/>
             </a:pPr>
             <a:r>
               <a:rPr lang="fr-FR" sz="1600" dirty="0" smtClean="0">
@@ -5803,7 +8201,15 @@
                 <a:ea typeface="Tahoma" pitchFamily="34" charset="0"/>
                 <a:cs typeface="Tahoma" pitchFamily="34" charset="0"/>
               </a:rPr>
-              <a:t>Le décompte des occurrences de 3 symptômes que sont :</a:t>
+              <a:t>2. Le </a:t>
+            </a:r>
+            <a:r>
+              <a:rPr lang="fr-FR" sz="1600" dirty="0" smtClean="0">
+                <a:latin typeface="Tahoma" pitchFamily="34" charset="0"/>
+                <a:ea typeface="Tahoma" pitchFamily="34" charset="0"/>
+                <a:cs typeface="Tahoma" pitchFamily="34" charset="0"/>
+              </a:rPr>
+              <a:t>décompte des occurrences de 3 symptômes que sont :</a:t>
             </a:r>
           </a:p>
           <a:p>
@@ -7173,7 +9579,31 @@
                 <a:ea typeface="Tahoma" pitchFamily="34" charset="0"/>
                 <a:cs typeface="Tahoma" pitchFamily="34" charset="0"/>
               </a:rPr>
-              <a:t>Découpage du code existant en sous partie </a:t>
+              <a:t>III) 1. Découpage </a:t>
+            </a:r>
+            <a:r>
+              <a:rPr lang="fr-FR" sz="1400" b="1" dirty="0" smtClean="0">
+                <a:latin typeface="Tahoma" pitchFamily="34" charset="0"/>
+                <a:ea typeface="Tahoma" pitchFamily="34" charset="0"/>
+                <a:cs typeface="Tahoma" pitchFamily="34" charset="0"/>
+              </a:rPr>
+              <a:t>du code </a:t>
+            </a:r>
+            <a:r>
+              <a:rPr lang="fr-FR" sz="1400" b="1" dirty="0" smtClean="0">
+                <a:latin typeface="Tahoma" pitchFamily="34" charset="0"/>
+                <a:ea typeface="Tahoma" pitchFamily="34" charset="0"/>
+                <a:cs typeface="Tahoma" pitchFamily="34" charset="0"/>
+              </a:rPr>
+              <a:t>en </a:t>
+            </a:r>
+            <a:r>
+              <a:rPr lang="fr-FR" sz="1400" b="1" dirty="0" smtClean="0">
+                <a:latin typeface="Tahoma" pitchFamily="34" charset="0"/>
+                <a:ea typeface="Tahoma" pitchFamily="34" charset="0"/>
+                <a:cs typeface="Tahoma" pitchFamily="34" charset="0"/>
+              </a:rPr>
+              <a:t>sous partie </a:t>
             </a:r>
             <a:endParaRPr lang="fr-FR" sz="1400" b="1" dirty="0">
               <a:latin typeface="Tahoma" pitchFamily="34" charset="0"/>
@@ -7198,7 +9628,7 @@
 </p:sld>
 </file>
 
-<file path=ppt/slides/slide4.xml><?xml version="1.0" encoding="utf-8"?>
+<file path=ppt/slides/slide6.xml><?xml version="1.0" encoding="utf-8"?>
 <p:sld xmlns:a="http://schemas.openxmlformats.org/drawingml/2006/main" xmlns:r="http://schemas.openxmlformats.org/officeDocument/2006/relationships" xmlns:p="http://schemas.openxmlformats.org/presentationml/2006/main">
   <p:cSld>
     <p:spTree>
@@ -7341,7 +9771,7 @@
         </p:nvSpPr>
         <p:spPr>
           <a:xfrm>
-            <a:off x="179512" y="764704"/>
+            <a:off x="179512" y="404664"/>
             <a:ext cx="8640960" cy="2585323"/>
           </a:xfrm>
           <a:prstGeom prst="rect">
@@ -7355,12 +9785,10 @@
           </a:bodyPr>
           <a:lstStyle/>
           <a:p>
-            <a:pPr marL="1200150" lvl="2" indent="-285750" algn="just">
+            <a:pPr lvl="2" algn="just">
               <a:lnSpc>
                 <a:spcPct val="150000"/>
               </a:lnSpc>
-              <a:buFont typeface="Wingdings" pitchFamily="2" charset="2"/>
-              <a:buChar char="v"/>
             </a:pPr>
             <a:r>
               <a:rPr lang="fr-FR" sz="1600" dirty="0" smtClean="0">
@@ -7368,7 +9796,15 @@
                 <a:ea typeface="Tahoma" pitchFamily="34" charset="0"/>
                 <a:cs typeface="Tahoma" pitchFamily="34" charset="0"/>
               </a:rPr>
-              <a:t>Ecriture du nombre d’occurrences obtenu dans le fichier result.txt	</a:t>
+              <a:t>3. Ecriture </a:t>
+            </a:r>
+            <a:r>
+              <a:rPr lang="fr-FR" sz="1600" dirty="0" smtClean="0">
+                <a:latin typeface="Tahoma" pitchFamily="34" charset="0"/>
+                <a:ea typeface="Tahoma" pitchFamily="34" charset="0"/>
+                <a:cs typeface="Tahoma" pitchFamily="34" charset="0"/>
+              </a:rPr>
+              <a:t>du nombre d’occurrences obtenu dans le fichier result.txt	</a:t>
             </a:r>
           </a:p>
           <a:p>
@@ -7957,66 +10393,6 @@
                   <a:lumOff val="40000"/>
                 </a:schemeClr>
               </a:solidFill>
-              <a:latin typeface="Tahoma" pitchFamily="34" charset="0"/>
-              <a:ea typeface="Tahoma" pitchFamily="34" charset="0"/>
-              <a:cs typeface="Tahoma" pitchFamily="34" charset="0"/>
-            </a:endParaRPr>
-          </a:p>
-        </p:txBody>
-      </p:sp>
-      <p:sp>
-        <p:nvSpPr>
-          <p:cNvPr id="17" name="Rogner un rectangle avec un coin diagonal 16"/>
-          <p:cNvSpPr/>
-          <p:nvPr/>
-        </p:nvSpPr>
-        <p:spPr>
-          <a:xfrm>
-            <a:off x="166271" y="476672"/>
-            <a:ext cx="4572000" cy="288032"/>
-          </a:xfrm>
-          <a:prstGeom prst="snip2DiagRect">
-            <a:avLst/>
-          </a:prstGeom>
-          <a:solidFill>
-            <a:schemeClr val="accent6">
-              <a:lumMod val="75000"/>
-            </a:schemeClr>
-          </a:solidFill>
-          <a:ln>
-            <a:noFill/>
-          </a:ln>
-        </p:spPr>
-        <p:style>
-          <a:lnRef idx="2">
-            <a:schemeClr val="accent1">
-              <a:shade val="50000"/>
-            </a:schemeClr>
-          </a:lnRef>
-          <a:fillRef idx="1">
-            <a:schemeClr val="accent1"/>
-          </a:fillRef>
-          <a:effectRef idx="0">
-            <a:schemeClr val="accent1"/>
-          </a:effectRef>
-          <a:fontRef idx="minor">
-            <a:schemeClr val="lt1"/>
-          </a:fontRef>
-        </p:style>
-        <p:txBody>
-          <a:bodyPr rtlCol="0" anchor="ctr"/>
-          <a:lstStyle/>
-          <a:p>
-            <a:pPr algn="ctr"/>
-            <a:r>
-              <a:rPr lang="fr-FR" sz="1400" b="1" dirty="0" smtClean="0">
-                <a:latin typeface="Tahoma" pitchFamily="34" charset="0"/>
-                <a:ea typeface="Tahoma" pitchFamily="34" charset="0"/>
-                <a:cs typeface="Tahoma" pitchFamily="34" charset="0"/>
-              </a:rPr>
-              <a:t>Découpage du code existant en sous partie </a:t>
-            </a:r>
-            <a:endParaRPr lang="fr-FR" sz="1400" b="1" dirty="0">
               <a:latin typeface="Tahoma" pitchFamily="34" charset="0"/>
               <a:ea typeface="Tahoma" pitchFamily="34" charset="0"/>
               <a:cs typeface="Tahoma" pitchFamily="34" charset="0"/>
@@ -8225,7 +10601,15 @@
                 <a:ea typeface="Tahoma" pitchFamily="34" charset="0"/>
                 <a:cs typeface="Tahoma" pitchFamily="34" charset="0"/>
               </a:rPr>
-              <a:t>de fermeture du </a:t>
+              <a:t>de fermeture </a:t>
+            </a:r>
+            <a:r>
+              <a:rPr lang="fr-FR" sz="1600" dirty="0" smtClean="0">
+                <a:latin typeface="Tahoma" pitchFamily="34" charset="0"/>
+                <a:ea typeface="Tahoma" pitchFamily="34" charset="0"/>
+                <a:cs typeface="Tahoma" pitchFamily="34" charset="0"/>
+              </a:rPr>
+              <a:t>de la ressource  </a:t>
             </a:r>
             <a:r>
               <a:rPr lang="fr-FR" sz="1600" dirty="0" err="1" smtClean="0">
@@ -8502,7 +10886,15 @@
                 <a:ea typeface="Tahoma" pitchFamily="34" charset="0"/>
                 <a:cs typeface="Tahoma" pitchFamily="34" charset="0"/>
               </a:rPr>
-              <a:t>Analyse du contenu du code</a:t>
+              <a:t>III) 2. Analyse </a:t>
+            </a:r>
+            <a:r>
+              <a:rPr lang="fr-FR" sz="1400" b="1" dirty="0" smtClean="0">
+                <a:latin typeface="Tahoma" pitchFamily="34" charset="0"/>
+                <a:ea typeface="Tahoma" pitchFamily="34" charset="0"/>
+                <a:cs typeface="Tahoma" pitchFamily="34" charset="0"/>
+              </a:rPr>
+              <a:t>du contenu du code</a:t>
             </a:r>
             <a:endParaRPr lang="fr-FR" sz="1400" b="1" dirty="0">
               <a:latin typeface="Tahoma" pitchFamily="34" charset="0"/>
@@ -8524,1309 +10916,6 @@
       </p:par>
     </p:tnLst>
   </p:timing>
-</p:sld>
-</file>
-
-<file path=ppt/slides/slide5.xml><?xml version="1.0" encoding="utf-8"?>
-<p:sld xmlns:a="http://schemas.openxmlformats.org/drawingml/2006/main" xmlns:r="http://schemas.openxmlformats.org/officeDocument/2006/relationships" xmlns:p="http://schemas.openxmlformats.org/presentationml/2006/main">
-  <p:cSld>
-    <p:spTree>
-      <p:nvGrpSpPr>
-        <p:cNvPr id="1" name=""/>
-        <p:cNvGrpSpPr/>
-        <p:nvPr/>
-      </p:nvGrpSpPr>
-      <p:grpSpPr>
-        <a:xfrm>
-          <a:off x="0" y="0"/>
-          <a:ext cx="0" cy="0"/>
-          <a:chOff x="0" y="0"/>
-          <a:chExt cx="0" cy="0"/>
-        </a:xfrm>
-      </p:grpSpPr>
-      <p:sp>
-        <p:nvSpPr>
-          <p:cNvPr id="4" name="Rectangle 3"/>
-          <p:cNvSpPr/>
-          <p:nvPr/>
-        </p:nvSpPr>
-        <p:spPr>
-          <a:xfrm>
-            <a:off x="0" y="0"/>
-            <a:ext cx="9144000" cy="404664"/>
-          </a:xfrm>
-          <a:prstGeom prst="rect">
-            <a:avLst/>
-          </a:prstGeom>
-          <a:solidFill>
-            <a:schemeClr val="accent3">
-              <a:lumMod val="75000"/>
-            </a:schemeClr>
-          </a:solidFill>
-          <a:ln>
-            <a:noFill/>
-          </a:ln>
-        </p:spPr>
-        <p:style>
-          <a:lnRef idx="2">
-            <a:schemeClr val="accent1">
-              <a:shade val="50000"/>
-            </a:schemeClr>
-          </a:lnRef>
-          <a:fillRef idx="1">
-            <a:schemeClr val="accent1"/>
-          </a:fillRef>
-          <a:effectRef idx="0">
-            <a:schemeClr val="accent1"/>
-          </a:effectRef>
-          <a:fontRef idx="minor">
-            <a:schemeClr val="lt1"/>
-          </a:fontRef>
-        </p:style>
-        <p:txBody>
-          <a:bodyPr rtlCol="0" anchor="ctr"/>
-          <a:lstStyle/>
-          <a:p>
-            <a:pPr algn="ctr"/>
-            <a:r>
-              <a:rPr lang="fr-FR" sz="1200" b="1" dirty="0" smtClean="0">
-                <a:latin typeface="Tahoma" pitchFamily="34" charset="0"/>
-                <a:ea typeface="Tahoma" pitchFamily="34" charset="0"/>
-                <a:cs typeface="Tahoma" pitchFamily="34" charset="0"/>
-              </a:rPr>
-              <a:t>HEME BIOTECH</a:t>
-            </a:r>
-            <a:endParaRPr lang="fr-FR" sz="1100" b="1" dirty="0">
-              <a:latin typeface="Tahoma" pitchFamily="34" charset="0"/>
-              <a:ea typeface="Tahoma" pitchFamily="34" charset="0"/>
-              <a:cs typeface="Tahoma" pitchFamily="34" charset="0"/>
-            </a:endParaRPr>
-          </a:p>
-        </p:txBody>
-      </p:sp>
-      <p:sp>
-        <p:nvSpPr>
-          <p:cNvPr id="5" name="Rogner un rectangle avec un coin diagonal 4"/>
-          <p:cNvSpPr/>
-          <p:nvPr/>
-        </p:nvSpPr>
-        <p:spPr>
-          <a:xfrm>
-            <a:off x="166271" y="476672"/>
-            <a:ext cx="4572000" cy="288032"/>
-          </a:xfrm>
-          <a:prstGeom prst="snip2DiagRect">
-            <a:avLst/>
-          </a:prstGeom>
-          <a:solidFill>
-            <a:schemeClr val="accent6">
-              <a:lumMod val="75000"/>
-            </a:schemeClr>
-          </a:solidFill>
-          <a:ln>
-            <a:noFill/>
-          </a:ln>
-        </p:spPr>
-        <p:style>
-          <a:lnRef idx="2">
-            <a:schemeClr val="accent1">
-              <a:shade val="50000"/>
-            </a:schemeClr>
-          </a:lnRef>
-          <a:fillRef idx="1">
-            <a:schemeClr val="accent1"/>
-          </a:fillRef>
-          <a:effectRef idx="0">
-            <a:schemeClr val="accent1"/>
-          </a:effectRef>
-          <a:fontRef idx="minor">
-            <a:schemeClr val="lt1"/>
-          </a:fontRef>
-        </p:style>
-        <p:txBody>
-          <a:bodyPr rtlCol="0" anchor="ctr"/>
-          <a:lstStyle/>
-          <a:p>
-            <a:pPr algn="ctr"/>
-            <a:r>
-              <a:rPr lang="fr-FR" sz="1400" b="1" dirty="0" smtClean="0">
-                <a:latin typeface="Tahoma" pitchFamily="34" charset="0"/>
-                <a:ea typeface="Tahoma" pitchFamily="34" charset="0"/>
-                <a:cs typeface="Tahoma" pitchFamily="34" charset="0"/>
-              </a:rPr>
-              <a:t>Présentation de </a:t>
-            </a:r>
-            <a:r>
-              <a:rPr lang="fr-FR" sz="1400" b="1" dirty="0" smtClean="0">
-                <a:latin typeface="Tahoma" pitchFamily="34" charset="0"/>
-                <a:ea typeface="Tahoma" pitchFamily="34" charset="0"/>
-                <a:cs typeface="Tahoma" pitchFamily="34" charset="0"/>
-              </a:rPr>
-              <a:t>La </a:t>
-            </a:r>
-            <a:r>
-              <a:rPr lang="fr-FR" sz="1400" b="1" dirty="0" smtClean="0">
-                <a:latin typeface="Tahoma" pitchFamily="34" charset="0"/>
-                <a:ea typeface="Tahoma" pitchFamily="34" charset="0"/>
-                <a:cs typeface="Tahoma" pitchFamily="34" charset="0"/>
-              </a:rPr>
-              <a:t>solution  </a:t>
-            </a:r>
-            <a:endParaRPr lang="fr-FR" sz="1400" b="1" dirty="0">
-              <a:latin typeface="Tahoma" pitchFamily="34" charset="0"/>
-              <a:ea typeface="Tahoma" pitchFamily="34" charset="0"/>
-              <a:cs typeface="Tahoma" pitchFamily="34" charset="0"/>
-            </a:endParaRPr>
-          </a:p>
-        </p:txBody>
-      </p:sp>
-      <p:sp>
-        <p:nvSpPr>
-          <p:cNvPr id="6" name="ZoneTexte 5"/>
-          <p:cNvSpPr txBox="1"/>
-          <p:nvPr/>
-        </p:nvSpPr>
-        <p:spPr>
-          <a:xfrm>
-            <a:off x="179512" y="764704"/>
-            <a:ext cx="8640960" cy="5262979"/>
-          </a:xfrm>
-          <a:prstGeom prst="rect">
-            <a:avLst/>
-          </a:prstGeom>
-          <a:noFill/>
-        </p:spPr>
-        <p:txBody>
-          <a:bodyPr wrap="square" rtlCol="0">
-            <a:spAutoFit/>
-          </a:bodyPr>
-          <a:lstStyle/>
-          <a:p>
-            <a:pPr algn="just">
-              <a:lnSpc>
-                <a:spcPct val="150000"/>
-              </a:lnSpc>
-            </a:pPr>
-            <a:r>
-              <a:rPr lang="fr-FR" sz="1600" dirty="0" smtClean="0">
-                <a:latin typeface="Tahoma" pitchFamily="34" charset="0"/>
-                <a:ea typeface="Tahoma" pitchFamily="34" charset="0"/>
-                <a:cs typeface="Tahoma" pitchFamily="34" charset="0"/>
-              </a:rPr>
-              <a:t>La solution comporte quatre différentes parties suivantes:</a:t>
-            </a:r>
-          </a:p>
-          <a:p>
-            <a:pPr marL="1200150" lvl="2" indent="-285750" algn="just">
-              <a:lnSpc>
-                <a:spcPct val="150000"/>
-              </a:lnSpc>
-              <a:buFont typeface="Wingdings" pitchFamily="2" charset="2"/>
-              <a:buChar char="v"/>
-            </a:pPr>
-            <a:r>
-              <a:rPr lang="fr-FR" sz="1600" dirty="0" smtClean="0">
-                <a:latin typeface="Tahoma" pitchFamily="34" charset="0"/>
-                <a:ea typeface="Tahoma" pitchFamily="34" charset="0"/>
-                <a:cs typeface="Tahoma" pitchFamily="34" charset="0"/>
-              </a:rPr>
-              <a:t>L’interface </a:t>
-            </a:r>
-            <a:r>
-              <a:rPr lang="fr-FR" sz="1600" b="1" dirty="0" err="1" smtClean="0">
-                <a:latin typeface="Tahoma" pitchFamily="34" charset="0"/>
-                <a:ea typeface="Tahoma" pitchFamily="34" charset="0"/>
-                <a:cs typeface="Tahoma" pitchFamily="34" charset="0"/>
-              </a:rPr>
-              <a:t>ISymptomReader</a:t>
-            </a:r>
-            <a:r>
-              <a:rPr lang="fr-FR" sz="1600" dirty="0" smtClean="0">
-                <a:latin typeface="Tahoma" pitchFamily="34" charset="0"/>
-                <a:ea typeface="Tahoma" pitchFamily="34" charset="0"/>
-                <a:cs typeface="Tahoma" pitchFamily="34" charset="0"/>
-              </a:rPr>
-              <a:t> contient deux méthodes : </a:t>
-            </a:r>
-          </a:p>
-          <a:p>
-            <a:pPr marL="1657350" lvl="3" indent="-285750" algn="just">
-              <a:lnSpc>
-                <a:spcPct val="150000"/>
-              </a:lnSpc>
-              <a:buFont typeface="Wingdings" pitchFamily="2" charset="2"/>
-              <a:buChar char="§"/>
-            </a:pPr>
-            <a:r>
-              <a:rPr lang="fr-FR" sz="1600" dirty="0" err="1" smtClean="0">
-                <a:latin typeface="Tahoma" pitchFamily="34" charset="0"/>
-                <a:ea typeface="Tahoma" pitchFamily="34" charset="0"/>
-                <a:cs typeface="Tahoma" pitchFamily="34" charset="0"/>
-              </a:rPr>
-              <a:t>getSymptoms</a:t>
-            </a:r>
-            <a:r>
-              <a:rPr lang="fr-FR" sz="1600" dirty="0" smtClean="0">
-                <a:latin typeface="Tahoma" pitchFamily="34" charset="0"/>
-                <a:ea typeface="Tahoma" pitchFamily="34" charset="0"/>
-                <a:cs typeface="Tahoma" pitchFamily="34" charset="0"/>
-              </a:rPr>
-              <a:t>(</a:t>
-            </a:r>
-            <a:r>
-              <a:rPr lang="fr-FR" sz="1600" dirty="0" smtClean="0"/>
-              <a:t>String </a:t>
-            </a:r>
-            <a:r>
-              <a:rPr lang="fr-FR" sz="1600" dirty="0" err="1"/>
-              <a:t>filepath</a:t>
-            </a:r>
-            <a:r>
-              <a:rPr lang="fr-FR" sz="1600" dirty="0" smtClean="0">
-                <a:latin typeface="Tahoma" pitchFamily="34" charset="0"/>
-                <a:ea typeface="Tahoma" pitchFamily="34" charset="0"/>
-                <a:cs typeface="Tahoma" pitchFamily="34" charset="0"/>
-              </a:rPr>
-              <a:t>) : qui retourne la liste des symptômes</a:t>
-            </a:r>
-          </a:p>
-          <a:p>
-            <a:pPr lvl="3" algn="just">
-              <a:lnSpc>
-                <a:spcPct val="150000"/>
-              </a:lnSpc>
-            </a:pPr>
-            <a:endParaRPr lang="fr-FR" sz="1600" dirty="0" smtClean="0">
-              <a:latin typeface="Tahoma" pitchFamily="34" charset="0"/>
-              <a:ea typeface="Tahoma" pitchFamily="34" charset="0"/>
-              <a:cs typeface="Tahoma" pitchFamily="34" charset="0"/>
-            </a:endParaRPr>
-          </a:p>
-          <a:p>
-            <a:pPr lvl="3" algn="just">
-              <a:lnSpc>
-                <a:spcPct val="150000"/>
-              </a:lnSpc>
-            </a:pPr>
-            <a:r>
-              <a:rPr lang="fr-FR" sz="1600" b="1" dirty="0" smtClean="0"/>
-              <a:t>          public </a:t>
-            </a:r>
-            <a:r>
-              <a:rPr lang="fr-FR" sz="1600" b="1" dirty="0"/>
-              <a:t>List&lt;String&gt; </a:t>
-            </a:r>
-            <a:r>
-              <a:rPr lang="fr-FR" sz="1600" b="1" dirty="0" err="1"/>
-              <a:t>getSymptoms</a:t>
-            </a:r>
-            <a:r>
-              <a:rPr lang="fr-FR" sz="1600" b="1" dirty="0"/>
-              <a:t>(String </a:t>
-            </a:r>
-            <a:r>
-              <a:rPr lang="fr-FR" sz="1600" b="1" dirty="0" err="1"/>
-              <a:t>filepath</a:t>
-            </a:r>
-            <a:r>
-              <a:rPr lang="fr-FR" sz="1600" b="1" dirty="0" smtClean="0"/>
-              <a:t>);</a:t>
-            </a:r>
-            <a:endParaRPr lang="fr-FR" sz="1600" dirty="0">
-              <a:latin typeface="Tahoma" pitchFamily="34" charset="0"/>
-              <a:ea typeface="Tahoma" pitchFamily="34" charset="0"/>
-              <a:cs typeface="Tahoma" pitchFamily="34" charset="0"/>
-            </a:endParaRPr>
-          </a:p>
-          <a:p>
-            <a:pPr lvl="3" algn="just">
-              <a:lnSpc>
-                <a:spcPct val="150000"/>
-              </a:lnSpc>
-            </a:pPr>
-            <a:endParaRPr lang="fr-FR" sz="1600" dirty="0" smtClean="0">
-              <a:latin typeface="Tahoma" pitchFamily="34" charset="0"/>
-              <a:ea typeface="Tahoma" pitchFamily="34" charset="0"/>
-              <a:cs typeface="Tahoma" pitchFamily="34" charset="0"/>
-            </a:endParaRPr>
-          </a:p>
-          <a:p>
-            <a:pPr marL="1657350" lvl="3" indent="-285750" algn="just">
-              <a:lnSpc>
-                <a:spcPct val="150000"/>
-              </a:lnSpc>
-              <a:buFont typeface="Wingdings" pitchFamily="2" charset="2"/>
-              <a:buChar char="§"/>
-            </a:pPr>
-            <a:r>
-              <a:rPr lang="fr-FR" sz="1600" dirty="0" err="1">
-                <a:latin typeface="Tahoma" pitchFamily="34" charset="0"/>
-                <a:ea typeface="Tahoma" pitchFamily="34" charset="0"/>
-                <a:cs typeface="Tahoma" pitchFamily="34" charset="0"/>
-              </a:rPr>
-              <a:t>writeFile</a:t>
-            </a:r>
-            <a:r>
-              <a:rPr lang="fr-FR" sz="1600" dirty="0"/>
-              <a:t>(String </a:t>
-            </a:r>
-            <a:r>
-              <a:rPr lang="fr-FR" sz="1600" dirty="0" err="1"/>
-              <a:t>fileOut</a:t>
-            </a:r>
-            <a:r>
-              <a:rPr lang="fr-FR" sz="1600" dirty="0"/>
-              <a:t>, </a:t>
-            </a:r>
-            <a:r>
-              <a:rPr lang="fr-FR" sz="1600" dirty="0" err="1"/>
-              <a:t>Map</a:t>
-            </a:r>
-            <a:r>
-              <a:rPr lang="fr-FR" sz="1600" dirty="0"/>
-              <a:t>&lt;String, </a:t>
-            </a:r>
-            <a:r>
-              <a:rPr lang="fr-FR" sz="1600" dirty="0" err="1"/>
-              <a:t>Integer</a:t>
-            </a:r>
-            <a:r>
-              <a:rPr lang="fr-FR" sz="1600" dirty="0"/>
-              <a:t>&gt; </a:t>
-            </a:r>
-            <a:r>
-              <a:rPr lang="fr-FR" sz="1600" dirty="0" err="1"/>
-              <a:t>groupedSymptoms</a:t>
-            </a:r>
-            <a:r>
-              <a:rPr lang="fr-FR" sz="1600" dirty="0"/>
-              <a:t>)</a:t>
-            </a:r>
-            <a:r>
-              <a:rPr lang="fr-FR" sz="1600" dirty="0" smtClean="0">
-                <a:latin typeface="Tahoma" pitchFamily="34" charset="0"/>
-                <a:ea typeface="Tahoma" pitchFamily="34" charset="0"/>
-                <a:cs typeface="Tahoma" pitchFamily="34" charset="0"/>
-              </a:rPr>
-              <a:t> : qui permet d’</a:t>
-            </a:r>
-            <a:r>
-              <a:rPr lang="fr-FR" sz="1600" dirty="0" err="1" smtClean="0">
-                <a:latin typeface="Tahoma" pitchFamily="34" charset="0"/>
-                <a:ea typeface="Tahoma" pitchFamily="34" charset="0"/>
-                <a:cs typeface="Tahoma" pitchFamily="34" charset="0"/>
-              </a:rPr>
-              <a:t>ecrire</a:t>
-            </a:r>
-            <a:r>
-              <a:rPr lang="fr-FR" sz="1600" dirty="0" smtClean="0">
-                <a:latin typeface="Tahoma" pitchFamily="34" charset="0"/>
-                <a:ea typeface="Tahoma" pitchFamily="34" charset="0"/>
-                <a:cs typeface="Tahoma" pitchFamily="34" charset="0"/>
-              </a:rPr>
-              <a:t> la liste des </a:t>
-            </a:r>
-            <a:r>
-              <a:rPr lang="fr-FR" sz="1600" dirty="0" err="1" smtClean="0">
-                <a:latin typeface="Tahoma" pitchFamily="34" charset="0"/>
-                <a:ea typeface="Tahoma" pitchFamily="34" charset="0"/>
-                <a:cs typeface="Tahoma" pitchFamily="34" charset="0"/>
-              </a:rPr>
-              <a:t>symptomes</a:t>
-            </a:r>
-            <a:r>
-              <a:rPr lang="fr-FR" sz="1600" dirty="0" smtClean="0">
-                <a:latin typeface="Tahoma" pitchFamily="34" charset="0"/>
-                <a:ea typeface="Tahoma" pitchFamily="34" charset="0"/>
-                <a:cs typeface="Tahoma" pitchFamily="34" charset="0"/>
-              </a:rPr>
-              <a:t> triés dans l’ordre </a:t>
-            </a:r>
-            <a:r>
-              <a:rPr lang="fr-FR" sz="1600" dirty="0" err="1" smtClean="0">
-                <a:latin typeface="Tahoma" pitchFamily="34" charset="0"/>
-                <a:ea typeface="Tahoma" pitchFamily="34" charset="0"/>
-                <a:cs typeface="Tahoma" pitchFamily="34" charset="0"/>
-              </a:rPr>
-              <a:t>aphabetique</a:t>
-            </a:r>
-            <a:r>
-              <a:rPr lang="fr-FR" sz="1600" dirty="0" smtClean="0">
-                <a:latin typeface="Tahoma" pitchFamily="34" charset="0"/>
-                <a:ea typeface="Tahoma" pitchFamily="34" charset="0"/>
-                <a:cs typeface="Tahoma" pitchFamily="34" charset="0"/>
-              </a:rPr>
-              <a:t> dans le fichier </a:t>
-            </a:r>
-          </a:p>
-          <a:p>
-            <a:pPr lvl="3" algn="just">
-              <a:lnSpc>
-                <a:spcPct val="150000"/>
-              </a:lnSpc>
-            </a:pPr>
-            <a:r>
-              <a:rPr lang="fr-FR" sz="1600" dirty="0" smtClean="0">
-                <a:latin typeface="Tahoma" pitchFamily="34" charset="0"/>
-                <a:ea typeface="Tahoma" pitchFamily="34" charset="0"/>
-                <a:cs typeface="Tahoma" pitchFamily="34" charset="0"/>
-              </a:rPr>
-              <a:t>    </a:t>
-            </a:r>
-            <a:r>
-              <a:rPr lang="fr-FR" sz="1600" dirty="0" err="1" smtClean="0">
-                <a:latin typeface="Tahoma" pitchFamily="34" charset="0"/>
-                <a:ea typeface="Tahoma" pitchFamily="34" charset="0"/>
-                <a:cs typeface="Tahoma" pitchFamily="34" charset="0"/>
-              </a:rPr>
-              <a:t>result.out</a:t>
-            </a:r>
-            <a:endParaRPr lang="fr-FR" sz="1600" dirty="0" smtClean="0">
-              <a:latin typeface="Tahoma" pitchFamily="34" charset="0"/>
-              <a:ea typeface="Tahoma" pitchFamily="34" charset="0"/>
-              <a:cs typeface="Tahoma" pitchFamily="34" charset="0"/>
-            </a:endParaRPr>
-          </a:p>
-          <a:p>
-            <a:pPr lvl="3" algn="just">
-              <a:lnSpc>
-                <a:spcPct val="150000"/>
-              </a:lnSpc>
-            </a:pPr>
-            <a:endParaRPr lang="fr-FR" sz="1600" dirty="0">
-              <a:latin typeface="Tahoma" pitchFamily="34" charset="0"/>
-              <a:ea typeface="Tahoma" pitchFamily="34" charset="0"/>
-              <a:cs typeface="Tahoma" pitchFamily="34" charset="0"/>
-            </a:endParaRPr>
-          </a:p>
-          <a:p>
-            <a:pPr lvl="3" algn="just">
-              <a:lnSpc>
-                <a:spcPct val="150000"/>
-              </a:lnSpc>
-            </a:pPr>
-            <a:r>
-              <a:rPr lang="en-US" sz="1600" b="1" dirty="0" smtClean="0"/>
-              <a:t>          public </a:t>
-            </a:r>
-            <a:r>
-              <a:rPr lang="en-US" sz="1600" b="1" dirty="0"/>
-              <a:t>void </a:t>
-            </a:r>
-            <a:r>
-              <a:rPr lang="en-US" sz="1600" b="1" dirty="0" err="1"/>
-              <a:t>writeFile</a:t>
-            </a:r>
-            <a:r>
-              <a:rPr lang="en-US" sz="1600" b="1" dirty="0"/>
-              <a:t>(String </a:t>
-            </a:r>
-            <a:r>
-              <a:rPr lang="en-US" sz="1600" b="1" dirty="0" err="1"/>
-              <a:t>fileOut</a:t>
-            </a:r>
-            <a:r>
-              <a:rPr lang="en-US" sz="1600" b="1" dirty="0"/>
-              <a:t>, Map&lt;String, Integer&gt; </a:t>
-            </a:r>
-            <a:r>
-              <a:rPr lang="en-US" sz="1600" b="1" dirty="0" err="1"/>
-              <a:t>groupedSymptoms</a:t>
-            </a:r>
-            <a:r>
-              <a:rPr lang="en-US" sz="1600" b="1" dirty="0"/>
-              <a:t>);</a:t>
-            </a:r>
-          </a:p>
-          <a:p>
-            <a:pPr lvl="3" algn="just">
-              <a:lnSpc>
-                <a:spcPct val="150000"/>
-              </a:lnSpc>
-            </a:pPr>
-            <a:endParaRPr lang="fr-FR" sz="1600" dirty="0" smtClean="0">
-              <a:latin typeface="Tahoma" pitchFamily="34" charset="0"/>
-              <a:ea typeface="Tahoma" pitchFamily="34" charset="0"/>
-              <a:cs typeface="Tahoma" pitchFamily="34" charset="0"/>
-            </a:endParaRPr>
-          </a:p>
-          <a:p>
-            <a:pPr lvl="2" algn="just">
-              <a:lnSpc>
-                <a:spcPct val="150000"/>
-              </a:lnSpc>
-            </a:pPr>
-            <a:r>
-              <a:rPr lang="en-US" sz="1200" b="1" dirty="0" smtClean="0">
-                <a:solidFill>
-                  <a:schemeClr val="accent1">
-                    <a:lumMod val="75000"/>
-                  </a:schemeClr>
-                </a:solidFill>
-                <a:latin typeface="Tahoma" pitchFamily="34" charset="0"/>
-                <a:ea typeface="Tahoma" pitchFamily="34" charset="0"/>
-                <a:cs typeface="Tahoma" pitchFamily="34" charset="0"/>
-              </a:rPr>
-              <a:t>     </a:t>
-            </a:r>
-            <a:r>
-              <a:rPr lang="fr-FR" sz="1600" dirty="0" smtClean="0">
-                <a:latin typeface="Tahoma" pitchFamily="34" charset="0"/>
-                <a:ea typeface="Tahoma" pitchFamily="34" charset="0"/>
-                <a:cs typeface="Tahoma" pitchFamily="34" charset="0"/>
-              </a:rPr>
-              <a:t>	</a:t>
-            </a:r>
-            <a:endParaRPr lang="fr-FR" sz="1600" dirty="0" smtClean="0">
-              <a:solidFill>
-                <a:schemeClr val="tx2">
-                  <a:lumMod val="60000"/>
-                  <a:lumOff val="40000"/>
-                </a:schemeClr>
-              </a:solidFill>
-              <a:latin typeface="Tahoma" pitchFamily="34" charset="0"/>
-              <a:ea typeface="Tahoma" pitchFamily="34" charset="0"/>
-              <a:cs typeface="Tahoma" pitchFamily="34" charset="0"/>
-            </a:endParaRPr>
-          </a:p>
-          <a:p>
-            <a:pPr>
-              <a:lnSpc>
-                <a:spcPct val="150000"/>
-              </a:lnSpc>
-            </a:pPr>
-            <a:endParaRPr lang="fr-FR" sz="1600" dirty="0" smtClean="0">
-              <a:solidFill>
-                <a:schemeClr val="tx2">
-                  <a:lumMod val="60000"/>
-                  <a:lumOff val="40000"/>
-                </a:schemeClr>
-              </a:solidFill>
-              <a:latin typeface="Tahoma" pitchFamily="34" charset="0"/>
-              <a:ea typeface="Tahoma" pitchFamily="34" charset="0"/>
-              <a:cs typeface="Tahoma" pitchFamily="34" charset="0"/>
-            </a:endParaRPr>
-          </a:p>
-        </p:txBody>
-      </p:sp>
-    </p:spTree>
-    <p:extLst>
-      <p:ext uri="{BB962C8B-B14F-4D97-AF65-F5344CB8AC3E}">
-        <p14:creationId xmlns:p14="http://schemas.microsoft.com/office/powerpoint/2010/main" val="2644427823"/>
-      </p:ext>
-    </p:extLst>
-  </p:cSld>
-  <p:clrMapOvr>
-    <a:masterClrMapping/>
-  </p:clrMapOvr>
-</p:sld>
-</file>
-
-<file path=ppt/slides/slide6.xml><?xml version="1.0" encoding="utf-8"?>
-<p:sld xmlns:a="http://schemas.openxmlformats.org/drawingml/2006/main" xmlns:r="http://schemas.openxmlformats.org/officeDocument/2006/relationships" xmlns:p="http://schemas.openxmlformats.org/presentationml/2006/main">
-  <p:cSld>
-    <p:spTree>
-      <p:nvGrpSpPr>
-        <p:cNvPr id="1" name=""/>
-        <p:cNvGrpSpPr/>
-        <p:nvPr/>
-      </p:nvGrpSpPr>
-      <p:grpSpPr>
-        <a:xfrm>
-          <a:off x="0" y="0"/>
-          <a:ext cx="0" cy="0"/>
-          <a:chOff x="0" y="0"/>
-          <a:chExt cx="0" cy="0"/>
-        </a:xfrm>
-      </p:grpSpPr>
-      <p:sp>
-        <p:nvSpPr>
-          <p:cNvPr id="4" name="Rectangle 3"/>
-          <p:cNvSpPr/>
-          <p:nvPr/>
-        </p:nvSpPr>
-        <p:spPr>
-          <a:xfrm>
-            <a:off x="0" y="0"/>
-            <a:ext cx="9144000" cy="404664"/>
-          </a:xfrm>
-          <a:prstGeom prst="rect">
-            <a:avLst/>
-          </a:prstGeom>
-          <a:solidFill>
-            <a:schemeClr val="accent3">
-              <a:lumMod val="75000"/>
-            </a:schemeClr>
-          </a:solidFill>
-          <a:ln>
-            <a:noFill/>
-          </a:ln>
-        </p:spPr>
-        <p:style>
-          <a:lnRef idx="2">
-            <a:schemeClr val="accent1">
-              <a:shade val="50000"/>
-            </a:schemeClr>
-          </a:lnRef>
-          <a:fillRef idx="1">
-            <a:schemeClr val="accent1"/>
-          </a:fillRef>
-          <a:effectRef idx="0">
-            <a:schemeClr val="accent1"/>
-          </a:effectRef>
-          <a:fontRef idx="minor">
-            <a:schemeClr val="lt1"/>
-          </a:fontRef>
-        </p:style>
-        <p:txBody>
-          <a:bodyPr rtlCol="0" anchor="ctr"/>
-          <a:lstStyle/>
-          <a:p>
-            <a:pPr algn="ctr"/>
-            <a:r>
-              <a:rPr lang="fr-FR" sz="1200" b="1" dirty="0" smtClean="0">
-                <a:latin typeface="Tahoma" pitchFamily="34" charset="0"/>
-                <a:ea typeface="Tahoma" pitchFamily="34" charset="0"/>
-                <a:cs typeface="Tahoma" pitchFamily="34" charset="0"/>
-              </a:rPr>
-              <a:t>HEME BIOTECH</a:t>
-            </a:r>
-            <a:endParaRPr lang="fr-FR" sz="1100" b="1" dirty="0">
-              <a:latin typeface="Tahoma" pitchFamily="34" charset="0"/>
-              <a:ea typeface="Tahoma" pitchFamily="34" charset="0"/>
-              <a:cs typeface="Tahoma" pitchFamily="34" charset="0"/>
-            </a:endParaRPr>
-          </a:p>
-        </p:txBody>
-      </p:sp>
-      <p:sp>
-        <p:nvSpPr>
-          <p:cNvPr id="7" name="Rogner un rectangle avec un coin diagonal 6"/>
-          <p:cNvSpPr/>
-          <p:nvPr/>
-        </p:nvSpPr>
-        <p:spPr>
-          <a:xfrm>
-            <a:off x="166271" y="476672"/>
-            <a:ext cx="4572000" cy="288032"/>
-          </a:xfrm>
-          <a:prstGeom prst="snip2DiagRect">
-            <a:avLst/>
-          </a:prstGeom>
-          <a:solidFill>
-            <a:schemeClr val="accent6">
-              <a:lumMod val="75000"/>
-            </a:schemeClr>
-          </a:solidFill>
-          <a:ln>
-            <a:noFill/>
-          </a:ln>
-        </p:spPr>
-        <p:style>
-          <a:lnRef idx="2">
-            <a:schemeClr val="accent1">
-              <a:shade val="50000"/>
-            </a:schemeClr>
-          </a:lnRef>
-          <a:fillRef idx="1">
-            <a:schemeClr val="accent1"/>
-          </a:fillRef>
-          <a:effectRef idx="0">
-            <a:schemeClr val="accent1"/>
-          </a:effectRef>
-          <a:fontRef idx="minor">
-            <a:schemeClr val="lt1"/>
-          </a:fontRef>
-        </p:style>
-        <p:txBody>
-          <a:bodyPr rtlCol="0" anchor="ctr"/>
-          <a:lstStyle/>
-          <a:p>
-            <a:pPr algn="ctr"/>
-            <a:r>
-              <a:rPr lang="fr-FR" sz="1400" b="1" dirty="0" smtClean="0">
-                <a:latin typeface="Tahoma" pitchFamily="34" charset="0"/>
-                <a:ea typeface="Tahoma" pitchFamily="34" charset="0"/>
-                <a:cs typeface="Tahoma" pitchFamily="34" charset="0"/>
-              </a:rPr>
-              <a:t>Présentation de </a:t>
-            </a:r>
-            <a:r>
-              <a:rPr lang="fr-FR" sz="1400" b="1" dirty="0">
-                <a:latin typeface="Tahoma" pitchFamily="34" charset="0"/>
-                <a:ea typeface="Tahoma" pitchFamily="34" charset="0"/>
-                <a:cs typeface="Tahoma" pitchFamily="34" charset="0"/>
-              </a:rPr>
-              <a:t>L</a:t>
-            </a:r>
-            <a:r>
-              <a:rPr lang="fr-FR" sz="1400" b="1" dirty="0" smtClean="0">
-                <a:latin typeface="Tahoma" pitchFamily="34" charset="0"/>
-                <a:ea typeface="Tahoma" pitchFamily="34" charset="0"/>
-                <a:cs typeface="Tahoma" pitchFamily="34" charset="0"/>
-              </a:rPr>
-              <a:t>a </a:t>
-            </a:r>
-            <a:r>
-              <a:rPr lang="fr-FR" sz="1400" b="1" dirty="0" smtClean="0">
-                <a:latin typeface="Tahoma" pitchFamily="34" charset="0"/>
-                <a:ea typeface="Tahoma" pitchFamily="34" charset="0"/>
-                <a:cs typeface="Tahoma" pitchFamily="34" charset="0"/>
-              </a:rPr>
-              <a:t>solution  </a:t>
-            </a:r>
-            <a:endParaRPr lang="fr-FR" sz="1400" b="1" dirty="0">
-              <a:latin typeface="Tahoma" pitchFamily="34" charset="0"/>
-              <a:ea typeface="Tahoma" pitchFamily="34" charset="0"/>
-              <a:cs typeface="Tahoma" pitchFamily="34" charset="0"/>
-            </a:endParaRPr>
-          </a:p>
-        </p:txBody>
-      </p:sp>
-      <p:sp>
-        <p:nvSpPr>
-          <p:cNvPr id="8" name="ZoneTexte 7"/>
-          <p:cNvSpPr txBox="1"/>
-          <p:nvPr/>
-        </p:nvSpPr>
-        <p:spPr>
-          <a:xfrm>
-            <a:off x="179512" y="764704"/>
-            <a:ext cx="8640960" cy="1200329"/>
-          </a:xfrm>
-          <a:prstGeom prst="rect">
-            <a:avLst/>
-          </a:prstGeom>
-          <a:noFill/>
-        </p:spPr>
-        <p:txBody>
-          <a:bodyPr wrap="square" rtlCol="0">
-            <a:spAutoFit/>
-          </a:bodyPr>
-          <a:lstStyle/>
-          <a:p>
-            <a:pPr marL="1200150" lvl="2" indent="-285750" algn="just">
-              <a:lnSpc>
-                <a:spcPct val="150000"/>
-              </a:lnSpc>
-              <a:buFont typeface="Wingdings" pitchFamily="2" charset="2"/>
-              <a:buChar char="v"/>
-            </a:pPr>
-            <a:r>
-              <a:rPr lang="fr-FR" sz="1600" dirty="0" smtClean="0">
-                <a:latin typeface="Tahoma" pitchFamily="34" charset="0"/>
-                <a:ea typeface="Tahoma" pitchFamily="34" charset="0"/>
-                <a:cs typeface="Tahoma" pitchFamily="34" charset="0"/>
-              </a:rPr>
-              <a:t>La classe </a:t>
-            </a:r>
-            <a:r>
-              <a:rPr lang="fr-FR" sz="1600" b="1" dirty="0" err="1" smtClean="0">
-                <a:latin typeface="Tahoma" pitchFamily="34" charset="0"/>
-                <a:ea typeface="Tahoma" pitchFamily="34" charset="0"/>
-                <a:cs typeface="Tahoma" pitchFamily="34" charset="0"/>
-              </a:rPr>
-              <a:t>ReadSymptomDataFromFile</a:t>
-            </a:r>
-            <a:r>
-              <a:rPr lang="fr-FR" sz="1600" b="1" dirty="0" smtClean="0">
-                <a:latin typeface="Tahoma" pitchFamily="34" charset="0"/>
-                <a:ea typeface="Tahoma" pitchFamily="34" charset="0"/>
-                <a:cs typeface="Tahoma" pitchFamily="34" charset="0"/>
-              </a:rPr>
-              <a:t> </a:t>
-            </a:r>
-            <a:r>
-              <a:rPr lang="fr-FR" sz="1600" dirty="0" smtClean="0">
-                <a:latin typeface="Tahoma" pitchFamily="34" charset="0"/>
-                <a:ea typeface="Tahoma" pitchFamily="34" charset="0"/>
-                <a:cs typeface="Tahoma" pitchFamily="34" charset="0"/>
-              </a:rPr>
-              <a:t>implémente l’interface </a:t>
-            </a:r>
-            <a:r>
-              <a:rPr lang="fr-FR" sz="1600" b="1" dirty="0" err="1" smtClean="0">
-                <a:latin typeface="Tahoma" pitchFamily="34" charset="0"/>
-                <a:ea typeface="Tahoma" pitchFamily="34" charset="0"/>
-                <a:cs typeface="Tahoma" pitchFamily="34" charset="0"/>
-              </a:rPr>
-              <a:t>ISymptomReader</a:t>
-            </a:r>
-            <a:r>
-              <a:rPr lang="fr-FR" sz="1600" b="1" dirty="0" smtClean="0">
-                <a:latin typeface="Tahoma" pitchFamily="34" charset="0"/>
-                <a:ea typeface="Tahoma" pitchFamily="34" charset="0"/>
-                <a:cs typeface="Tahoma" pitchFamily="34" charset="0"/>
-              </a:rPr>
-              <a:t>  </a:t>
-            </a:r>
-            <a:r>
-              <a:rPr lang="fr-FR" sz="1600" dirty="0" smtClean="0">
-                <a:latin typeface="Tahoma" pitchFamily="34" charset="0"/>
-                <a:ea typeface="Tahoma" pitchFamily="34" charset="0"/>
-                <a:cs typeface="Tahoma" pitchFamily="34" charset="0"/>
-              </a:rPr>
-              <a:t>  </a:t>
-            </a:r>
-            <a:endParaRPr lang="fr-FR" sz="1600" dirty="0" smtClean="0">
-              <a:latin typeface="Tahoma" pitchFamily="34" charset="0"/>
-              <a:ea typeface="Tahoma" pitchFamily="34" charset="0"/>
-              <a:cs typeface="Tahoma" pitchFamily="34" charset="0"/>
-            </a:endParaRPr>
-          </a:p>
-          <a:p>
-            <a:pPr lvl="2" algn="just">
-              <a:lnSpc>
-                <a:spcPct val="150000"/>
-              </a:lnSpc>
-            </a:pPr>
-            <a:endParaRPr lang="fr-FR" sz="1600" dirty="0" smtClean="0">
-              <a:latin typeface="Tahoma" pitchFamily="34" charset="0"/>
-              <a:ea typeface="Tahoma" pitchFamily="34" charset="0"/>
-              <a:cs typeface="Tahoma" pitchFamily="34" charset="0"/>
-            </a:endParaRPr>
-          </a:p>
-        </p:txBody>
-      </p:sp>
-      <p:sp>
-        <p:nvSpPr>
-          <p:cNvPr id="2" name="ZoneTexte 1"/>
-          <p:cNvSpPr txBox="1"/>
-          <p:nvPr/>
-        </p:nvSpPr>
-        <p:spPr>
-          <a:xfrm>
-            <a:off x="971600" y="1628800"/>
-            <a:ext cx="6768752" cy="4893647"/>
-          </a:xfrm>
-          <a:prstGeom prst="rect">
-            <a:avLst/>
-          </a:prstGeom>
-          <a:noFill/>
-        </p:spPr>
-        <p:txBody>
-          <a:bodyPr wrap="square" rtlCol="0">
-            <a:spAutoFit/>
-          </a:bodyPr>
-          <a:lstStyle/>
-          <a:p>
-            <a:r>
-              <a:rPr lang="fr-FR" sz="1200" dirty="0"/>
-              <a:t>/**</a:t>
-            </a:r>
-          </a:p>
-          <a:p>
-            <a:r>
-              <a:rPr lang="fr-FR" sz="1200" dirty="0"/>
-              <a:t> * List of </a:t>
-            </a:r>
-            <a:r>
-              <a:rPr lang="fr-FR" sz="1200" dirty="0" err="1"/>
-              <a:t>symptoms</a:t>
-            </a:r>
-            <a:r>
-              <a:rPr lang="fr-FR" sz="1200" dirty="0"/>
-              <a:t> </a:t>
-            </a:r>
-          </a:p>
-          <a:p>
-            <a:r>
-              <a:rPr lang="fr-FR" sz="1200" dirty="0"/>
-              <a:t> * </a:t>
-            </a:r>
-            <a:r>
-              <a:rPr lang="fr-FR" sz="1200" b="1" dirty="0"/>
-              <a:t>@</a:t>
-            </a:r>
-            <a:r>
-              <a:rPr lang="fr-FR" sz="1200" b="1" dirty="0" err="1"/>
-              <a:t>see</a:t>
-            </a:r>
-            <a:r>
-              <a:rPr lang="fr-FR" sz="1200" b="1" dirty="0"/>
-              <a:t> </a:t>
-            </a:r>
-            <a:r>
-              <a:rPr lang="fr-FR" sz="1200" b="1" dirty="0" err="1"/>
-              <a:t>com.hemebiotech.analytics#ISymptomReader.getSymptoms</a:t>
-            </a:r>
-            <a:r>
-              <a:rPr lang="fr-FR" sz="1200" b="1" dirty="0"/>
-              <a:t>(String </a:t>
-            </a:r>
-            <a:r>
-              <a:rPr lang="fr-FR" sz="1200" b="1" dirty="0" err="1"/>
-              <a:t>filepath</a:t>
-            </a:r>
-            <a:r>
-              <a:rPr lang="fr-FR" sz="1200" b="1" dirty="0"/>
-              <a:t>);</a:t>
-            </a:r>
-          </a:p>
-          <a:p>
-            <a:r>
-              <a:rPr lang="fr-FR" sz="1200" dirty="0"/>
-              <a:t> */</a:t>
-            </a:r>
-          </a:p>
-          <a:p>
-            <a:endParaRPr lang="fr-FR" sz="1200" dirty="0"/>
-          </a:p>
-          <a:p>
-            <a:r>
-              <a:rPr lang="fr-FR" sz="1200" dirty="0"/>
-              <a:t>@</a:t>
-            </a:r>
-            <a:r>
-              <a:rPr lang="fr-FR" sz="1200" dirty="0" err="1"/>
-              <a:t>Override</a:t>
-            </a:r>
-            <a:endParaRPr lang="fr-FR" sz="1200" dirty="0"/>
-          </a:p>
-          <a:p>
-            <a:r>
-              <a:rPr lang="fr-FR" sz="1200" b="1" dirty="0"/>
-              <a:t>public List&lt;String&gt; </a:t>
-            </a:r>
-            <a:r>
-              <a:rPr lang="fr-FR" sz="1200" b="1" dirty="0" err="1"/>
-              <a:t>getSymptoms</a:t>
-            </a:r>
-            <a:r>
-              <a:rPr lang="fr-FR" sz="1200" b="1" dirty="0"/>
-              <a:t>(String </a:t>
-            </a:r>
-            <a:r>
-              <a:rPr lang="fr-FR" sz="1200" b="1" dirty="0" err="1"/>
-              <a:t>filepath</a:t>
-            </a:r>
-            <a:r>
-              <a:rPr lang="fr-FR" sz="1200" b="1" dirty="0"/>
-              <a:t>) </a:t>
-            </a:r>
-            <a:r>
-              <a:rPr lang="fr-FR" sz="1200" b="1" dirty="0" smtClean="0"/>
-              <a:t>{</a:t>
-            </a:r>
-          </a:p>
-          <a:p>
-            <a:endParaRPr lang="fr-FR" sz="1200" b="1" dirty="0"/>
-          </a:p>
-          <a:p>
-            <a:r>
-              <a:rPr lang="fr-FR" sz="1200" dirty="0" smtClean="0"/>
-              <a:t>             </a:t>
-            </a:r>
-            <a:r>
-              <a:rPr lang="fr-FR" sz="1200" dirty="0" err="1" smtClean="0"/>
-              <a:t>ArrayList</a:t>
-            </a:r>
-            <a:r>
-              <a:rPr lang="fr-FR" sz="1200" dirty="0" smtClean="0"/>
-              <a:t>&lt;String</a:t>
-            </a:r>
-            <a:r>
-              <a:rPr lang="fr-FR" sz="1200" dirty="0"/>
-              <a:t>&gt; </a:t>
-            </a:r>
-            <a:r>
-              <a:rPr lang="fr-FR" sz="1200" dirty="0" err="1"/>
-              <a:t>result</a:t>
-            </a:r>
-            <a:r>
-              <a:rPr lang="fr-FR" sz="1200" dirty="0"/>
-              <a:t> = </a:t>
-            </a:r>
-            <a:r>
-              <a:rPr lang="fr-FR" sz="1200" b="1" dirty="0"/>
-              <a:t>new </a:t>
-            </a:r>
-            <a:r>
-              <a:rPr lang="fr-FR" sz="1200" b="1" dirty="0" err="1"/>
-              <a:t>ArrayList</a:t>
-            </a:r>
-            <a:r>
-              <a:rPr lang="fr-FR" sz="1200" b="1" dirty="0"/>
-              <a:t>&lt;&gt;();</a:t>
-            </a:r>
-          </a:p>
-          <a:p>
-            <a:endParaRPr lang="fr-FR" sz="1200" dirty="0"/>
-          </a:p>
-          <a:p>
-            <a:pPr lvl="1"/>
-            <a:r>
-              <a:rPr lang="fr-FR" sz="1200" b="1" dirty="0"/>
-              <a:t>if (</a:t>
-            </a:r>
-            <a:r>
-              <a:rPr lang="fr-FR" sz="1200" b="1" dirty="0" err="1"/>
-              <a:t>filepath</a:t>
-            </a:r>
-            <a:r>
-              <a:rPr lang="fr-FR" sz="1200" b="1" dirty="0"/>
-              <a:t> != </a:t>
-            </a:r>
-            <a:r>
-              <a:rPr lang="fr-FR" sz="1200" b="1" dirty="0" err="1"/>
-              <a:t>null</a:t>
-            </a:r>
-            <a:r>
-              <a:rPr lang="fr-FR" sz="1200" b="1" dirty="0"/>
-              <a:t>) {</a:t>
-            </a:r>
-          </a:p>
-          <a:p>
-            <a:pPr lvl="1"/>
-            <a:r>
-              <a:rPr lang="en-US" sz="1200" b="1" dirty="0" smtClean="0"/>
-              <a:t>      try(</a:t>
-            </a:r>
-            <a:r>
-              <a:rPr lang="en-US" sz="1200" b="1" dirty="0" err="1" smtClean="0"/>
-              <a:t>BufferedReader</a:t>
-            </a:r>
-            <a:r>
-              <a:rPr lang="en-US" sz="1200" b="1" dirty="0" smtClean="0"/>
-              <a:t> </a:t>
-            </a:r>
-            <a:r>
-              <a:rPr lang="en-US" sz="1200" b="1" dirty="0"/>
-              <a:t>reader = new </a:t>
-            </a:r>
-            <a:r>
-              <a:rPr lang="en-US" sz="1200" b="1" dirty="0" err="1"/>
-              <a:t>BufferedReader</a:t>
-            </a:r>
-            <a:r>
-              <a:rPr lang="en-US" sz="1200" b="1" dirty="0"/>
-              <a:t> (new </a:t>
-            </a:r>
-            <a:r>
-              <a:rPr lang="en-US" sz="1200" b="1" dirty="0" err="1"/>
-              <a:t>FileReader</a:t>
-            </a:r>
-            <a:r>
-              <a:rPr lang="en-US" sz="1200" b="1" dirty="0"/>
-              <a:t>(</a:t>
-            </a:r>
-            <a:r>
-              <a:rPr lang="en-US" sz="1200" b="1" dirty="0" err="1"/>
-              <a:t>filepath</a:t>
-            </a:r>
-            <a:r>
-              <a:rPr lang="en-US" sz="1200" b="1" dirty="0"/>
-              <a:t>))) {</a:t>
-            </a:r>
-          </a:p>
-          <a:p>
-            <a:pPr lvl="1"/>
-            <a:r>
-              <a:rPr lang="fr-FR" sz="1200" dirty="0" smtClean="0"/>
-              <a:t>                String </a:t>
-            </a:r>
-            <a:r>
-              <a:rPr lang="fr-FR" sz="1200" dirty="0"/>
-              <a:t>line = </a:t>
-            </a:r>
-            <a:r>
-              <a:rPr lang="fr-FR" sz="1200" dirty="0" err="1"/>
-              <a:t>reader.readLine</a:t>
-            </a:r>
-            <a:r>
-              <a:rPr lang="fr-FR" sz="1200" dirty="0"/>
-              <a:t>();</a:t>
-            </a:r>
-          </a:p>
-          <a:p>
-            <a:pPr lvl="2"/>
-            <a:r>
-              <a:rPr lang="fr-FR" sz="1200" b="1" dirty="0" smtClean="0"/>
-              <a:t>   </a:t>
-            </a:r>
-            <a:r>
-              <a:rPr lang="fr-FR" sz="1200" b="1" dirty="0" err="1" smtClean="0"/>
-              <a:t>while</a:t>
-            </a:r>
-            <a:r>
-              <a:rPr lang="fr-FR" sz="1200" b="1" dirty="0" smtClean="0"/>
-              <a:t> </a:t>
-            </a:r>
-            <a:r>
-              <a:rPr lang="fr-FR" sz="1200" b="1" dirty="0"/>
-              <a:t>(line != </a:t>
-            </a:r>
-            <a:r>
-              <a:rPr lang="fr-FR" sz="1200" b="1" dirty="0" err="1"/>
-              <a:t>null</a:t>
-            </a:r>
-            <a:r>
-              <a:rPr lang="fr-FR" sz="1200" b="1" dirty="0"/>
-              <a:t>) {</a:t>
-            </a:r>
-          </a:p>
-          <a:p>
-            <a:pPr lvl="2"/>
-            <a:r>
-              <a:rPr lang="fr-FR" sz="1200" dirty="0" smtClean="0"/>
-              <a:t>           </a:t>
-            </a:r>
-            <a:r>
-              <a:rPr lang="fr-FR" sz="1200" dirty="0" err="1" smtClean="0"/>
-              <a:t>result.add</a:t>
-            </a:r>
-            <a:r>
-              <a:rPr lang="fr-FR" sz="1200" dirty="0" smtClean="0"/>
-              <a:t>(</a:t>
-            </a:r>
-            <a:r>
-              <a:rPr lang="fr-FR" sz="1200" dirty="0" err="1" smtClean="0"/>
-              <a:t>line.toLowerCase</a:t>
-            </a:r>
-            <a:r>
-              <a:rPr lang="fr-FR" sz="1200" dirty="0"/>
-              <a:t>());</a:t>
-            </a:r>
-          </a:p>
-          <a:p>
-            <a:pPr lvl="2"/>
-            <a:r>
-              <a:rPr lang="fr-FR" sz="1200" dirty="0" smtClean="0"/>
-              <a:t>           line </a:t>
-            </a:r>
-            <a:r>
-              <a:rPr lang="fr-FR" sz="1200" dirty="0"/>
-              <a:t>= </a:t>
-            </a:r>
-            <a:r>
-              <a:rPr lang="fr-FR" sz="1200" dirty="0" err="1"/>
-              <a:t>reader.readLine</a:t>
-            </a:r>
-            <a:r>
-              <a:rPr lang="fr-FR" sz="1200" dirty="0"/>
-              <a:t>();</a:t>
-            </a:r>
-          </a:p>
-          <a:p>
-            <a:pPr lvl="2"/>
-            <a:r>
-              <a:rPr lang="fr-FR" sz="1200" dirty="0" smtClean="0"/>
-              <a:t>       }</a:t>
-            </a:r>
-            <a:endParaRPr lang="fr-FR" sz="1200" dirty="0"/>
-          </a:p>
-          <a:p>
-            <a:pPr lvl="1"/>
-            <a:r>
-              <a:rPr lang="fr-FR" sz="1200" dirty="0" smtClean="0"/>
-              <a:t>	</a:t>
-            </a:r>
-            <a:r>
-              <a:rPr lang="fr-FR" sz="1200" dirty="0" err="1" smtClean="0"/>
-              <a:t>reader.</a:t>
-            </a:r>
-            <a:r>
-              <a:rPr lang="fr-FR" sz="1200" u="sng" dirty="0" err="1" smtClean="0"/>
-              <a:t>close</a:t>
-            </a:r>
-            <a:r>
-              <a:rPr lang="fr-FR" sz="1200" u="sng" dirty="0"/>
-              <a:t>();</a:t>
-            </a:r>
-          </a:p>
-          <a:p>
-            <a:pPr lvl="1"/>
-            <a:r>
-              <a:rPr lang="fr-FR" sz="1200" dirty="0"/>
-              <a:t> </a:t>
-            </a:r>
-            <a:r>
-              <a:rPr lang="fr-FR" sz="1200" dirty="0" smtClean="0"/>
-              <a:t>     } </a:t>
-            </a:r>
-            <a:r>
-              <a:rPr lang="fr-FR" sz="1200" b="1" dirty="0"/>
-              <a:t>catch (</a:t>
-            </a:r>
-            <a:r>
-              <a:rPr lang="fr-FR" sz="1200" b="1" dirty="0" err="1"/>
-              <a:t>IOException</a:t>
-            </a:r>
-            <a:r>
-              <a:rPr lang="fr-FR" sz="1200" b="1" dirty="0"/>
-              <a:t> e) {</a:t>
-            </a:r>
-          </a:p>
-          <a:p>
-            <a:pPr lvl="1"/>
-            <a:r>
-              <a:rPr lang="fr-FR" sz="1200" dirty="0" smtClean="0"/>
-              <a:t>              </a:t>
-            </a:r>
-            <a:r>
-              <a:rPr lang="fr-FR" sz="1200" dirty="0" err="1" smtClean="0"/>
-              <a:t>e.</a:t>
-            </a:r>
-            <a:r>
-              <a:rPr lang="fr-FR" sz="1200" u="sng" dirty="0" err="1" smtClean="0"/>
-              <a:t>printStackTrace</a:t>
-            </a:r>
-            <a:r>
-              <a:rPr lang="fr-FR" sz="1200" u="sng" dirty="0"/>
-              <a:t>();</a:t>
-            </a:r>
-          </a:p>
-          <a:p>
-            <a:pPr lvl="1"/>
-            <a:r>
-              <a:rPr lang="fr-FR" sz="1200" dirty="0" smtClean="0"/>
-              <a:t>      }</a:t>
-            </a:r>
-            <a:endParaRPr lang="fr-FR" sz="1200" dirty="0"/>
-          </a:p>
-          <a:p>
-            <a:pPr lvl="1"/>
-            <a:r>
-              <a:rPr lang="fr-FR" sz="1200" dirty="0"/>
-              <a:t>}</a:t>
-            </a:r>
-          </a:p>
-          <a:p>
-            <a:endParaRPr lang="fr-FR" sz="1200" dirty="0"/>
-          </a:p>
-          <a:p>
-            <a:r>
-              <a:rPr lang="fr-FR" sz="1200" b="1" dirty="0" smtClean="0"/>
-              <a:t>        return </a:t>
-            </a:r>
-            <a:r>
-              <a:rPr lang="fr-FR" sz="1200" b="1" dirty="0" err="1"/>
-              <a:t>result</a:t>
-            </a:r>
-            <a:r>
-              <a:rPr lang="fr-FR" sz="1200" b="1" dirty="0"/>
-              <a:t>;</a:t>
-            </a:r>
-          </a:p>
-          <a:p>
-            <a:r>
-              <a:rPr lang="fr-FR" sz="1200" dirty="0"/>
-              <a:t>}</a:t>
-            </a:r>
-            <a:endParaRPr lang="fr-FR" sz="1200" dirty="0"/>
-          </a:p>
-        </p:txBody>
-      </p:sp>
-    </p:spTree>
-    <p:extLst>
-      <p:ext uri="{BB962C8B-B14F-4D97-AF65-F5344CB8AC3E}">
-        <p14:creationId xmlns:p14="http://schemas.microsoft.com/office/powerpoint/2010/main" val="38146098"/>
-      </p:ext>
-    </p:extLst>
-  </p:cSld>
-  <p:clrMapOvr>
-    <a:masterClrMapping/>
-  </p:clrMapOvr>
 </p:sld>
 </file>
 
@@ -9957,7 +11046,7 @@
                 <a:ea typeface="Tahoma" pitchFamily="34" charset="0"/>
                 <a:cs typeface="Tahoma" pitchFamily="34" charset="0"/>
               </a:rPr>
-              <a:t>Présentation de </a:t>
+              <a:t>IV. </a:t>
             </a:r>
             <a:r>
               <a:rPr lang="fr-FR" sz="1400" b="1" dirty="0" smtClean="0">
@@ -9965,7 +11054,7 @@
                 <a:ea typeface="Tahoma" pitchFamily="34" charset="0"/>
                 <a:cs typeface="Tahoma" pitchFamily="34" charset="0"/>
               </a:rPr>
-              <a:t>La </a:t>
+              <a:t>Présentation de la nouvelle </a:t>
             </a:r>
             <a:r>
               <a:rPr lang="fr-FR" sz="1400" b="1" dirty="0" smtClean="0">
@@ -9992,7 +11081,7 @@
         <p:spPr>
           <a:xfrm>
             <a:off x="179512" y="764704"/>
-            <a:ext cx="8640960" cy="3600986"/>
+            <a:ext cx="8640960" cy="5262979"/>
           </a:xfrm>
           <a:prstGeom prst="rect">
             <a:avLst/>
@@ -10005,364 +11094,445 @@
           </a:bodyPr>
           <a:lstStyle/>
           <a:p>
-            <a:endParaRPr lang="fr-FR" sz="1200" dirty="0"/>
-          </a:p>
-          <a:p>
-            <a:r>
-              <a:rPr lang="fr-FR" sz="1200" dirty="0"/>
-              <a:t>     /**</a:t>
-            </a:r>
-          </a:p>
-          <a:p>
-            <a:r>
-              <a:rPr lang="en-US" sz="1200" dirty="0"/>
-              <a:t>     * write the sorted symptoms in the </a:t>
-            </a:r>
-            <a:r>
-              <a:rPr lang="en-US" sz="1200" dirty="0" err="1"/>
+            <a:pPr algn="just">
+              <a:lnSpc>
+                <a:spcPct val="150000"/>
+              </a:lnSpc>
+            </a:pPr>
+            <a:r>
+              <a:rPr lang="fr-FR" sz="1600" dirty="0" smtClean="0">
+                <a:latin typeface="Tahoma" pitchFamily="34" charset="0"/>
+                <a:ea typeface="Tahoma" pitchFamily="34" charset="0"/>
+                <a:cs typeface="Tahoma" pitchFamily="34" charset="0"/>
+              </a:rPr>
+              <a:t>La solution comporte quatre différentes parties suivantes</a:t>
+            </a:r>
+            <a:r>
+              <a:rPr lang="fr-FR" sz="1600" dirty="0" smtClean="0">
+                <a:latin typeface="Tahoma" pitchFamily="34" charset="0"/>
+                <a:ea typeface="Tahoma" pitchFamily="34" charset="0"/>
+                <a:cs typeface="Tahoma" pitchFamily="34" charset="0"/>
+              </a:rPr>
+              <a:t>:</a:t>
+            </a:r>
+          </a:p>
+          <a:p>
+            <a:pPr marL="0" lvl="1" algn="just">
+              <a:lnSpc>
+                <a:spcPct val="150000"/>
+              </a:lnSpc>
+            </a:pPr>
+            <a:r>
+              <a:rPr lang="fr-FR" sz="1600" b="1" dirty="0" smtClean="0">
+                <a:latin typeface="Tahoma" pitchFamily="34" charset="0"/>
+                <a:ea typeface="Tahoma" pitchFamily="34" charset="0"/>
+                <a:cs typeface="Tahoma" pitchFamily="34" charset="0"/>
+              </a:rPr>
+              <a:t>       1. Création </a:t>
+            </a:r>
+            <a:r>
+              <a:rPr lang="fr-FR" sz="1600" b="1" dirty="0">
+                <a:latin typeface="Tahoma" pitchFamily="34" charset="0"/>
+                <a:ea typeface="Tahoma" pitchFamily="34" charset="0"/>
+                <a:cs typeface="Tahoma" pitchFamily="34" charset="0"/>
+              </a:rPr>
+              <a:t>d’une méthode </a:t>
+            </a:r>
+            <a:r>
+              <a:rPr lang="fr-FR" sz="1600" b="1" dirty="0" err="1">
+                <a:latin typeface="Tahoma" pitchFamily="34" charset="0"/>
+                <a:ea typeface="Tahoma" pitchFamily="34" charset="0"/>
+                <a:cs typeface="Tahoma" pitchFamily="34" charset="0"/>
+              </a:rPr>
+              <a:t>writeFile</a:t>
+            </a:r>
+            <a:r>
+              <a:rPr lang="fr-FR" sz="1600" b="1" dirty="0">
+                <a:latin typeface="Tahoma" pitchFamily="34" charset="0"/>
+                <a:ea typeface="Tahoma" pitchFamily="34" charset="0"/>
+                <a:cs typeface="Tahoma" pitchFamily="34" charset="0"/>
+              </a:rPr>
+              <a:t> dans l’interface </a:t>
+            </a:r>
+            <a:r>
+              <a:rPr lang="fr-FR" sz="1600" b="1" dirty="0" err="1" smtClean="0">
+                <a:latin typeface="Tahoma" pitchFamily="34" charset="0"/>
+                <a:ea typeface="Tahoma" pitchFamily="34" charset="0"/>
+                <a:cs typeface="Tahoma" pitchFamily="34" charset="0"/>
+              </a:rPr>
+              <a:t>ISymptomReader</a:t>
+            </a:r>
+            <a:endParaRPr lang="fr-FR" sz="1600" b="1" dirty="0" smtClean="0">
+              <a:latin typeface="Tahoma" pitchFamily="34" charset="0"/>
+              <a:ea typeface="Tahoma" pitchFamily="34" charset="0"/>
+              <a:cs typeface="Tahoma" pitchFamily="34" charset="0"/>
+            </a:endParaRPr>
+          </a:p>
+          <a:p>
+            <a:pPr lvl="2" algn="just">
+              <a:lnSpc>
+                <a:spcPct val="150000"/>
+              </a:lnSpc>
+            </a:pPr>
+            <a:r>
+              <a:rPr lang="fr-FR" sz="1600" dirty="0" smtClean="0">
+                <a:latin typeface="Tahoma" pitchFamily="34" charset="0"/>
+                <a:ea typeface="Tahoma" pitchFamily="34" charset="0"/>
+                <a:cs typeface="Tahoma" pitchFamily="34" charset="0"/>
+              </a:rPr>
+              <a:t>L’interface </a:t>
+            </a:r>
+            <a:r>
+              <a:rPr lang="fr-FR" sz="1600" dirty="0" err="1" smtClean="0">
+                <a:latin typeface="Tahoma" pitchFamily="34" charset="0"/>
+                <a:ea typeface="Tahoma" pitchFamily="34" charset="0"/>
+                <a:cs typeface="Tahoma" pitchFamily="34" charset="0"/>
+              </a:rPr>
+              <a:t>ISymptomReader</a:t>
+            </a:r>
+            <a:r>
+              <a:rPr lang="fr-FR" sz="1600" dirty="0" smtClean="0">
+                <a:latin typeface="Tahoma" pitchFamily="34" charset="0"/>
+                <a:ea typeface="Tahoma" pitchFamily="34" charset="0"/>
+                <a:cs typeface="Tahoma" pitchFamily="34" charset="0"/>
+              </a:rPr>
+              <a:t> contient deux méthodes : </a:t>
+            </a:r>
+          </a:p>
+          <a:p>
+            <a:pPr marL="1657350" lvl="3" indent="-285750" algn="just">
+              <a:lnSpc>
+                <a:spcPct val="150000"/>
+              </a:lnSpc>
+              <a:buFont typeface="Wingdings" pitchFamily="2" charset="2"/>
+              <a:buChar char="§"/>
+            </a:pPr>
+            <a:r>
+              <a:rPr lang="fr-FR" sz="1600" b="1" dirty="0" err="1" smtClean="0">
+                <a:latin typeface="Tahoma" pitchFamily="34" charset="0"/>
+                <a:ea typeface="Tahoma" pitchFamily="34" charset="0"/>
+                <a:cs typeface="Tahoma" pitchFamily="34" charset="0"/>
+              </a:rPr>
+              <a:t>getSymptoms</a:t>
+            </a:r>
+            <a:r>
+              <a:rPr lang="fr-FR" sz="1600" dirty="0" smtClean="0">
+                <a:latin typeface="Tahoma" pitchFamily="34" charset="0"/>
+                <a:ea typeface="Tahoma" pitchFamily="34" charset="0"/>
+                <a:cs typeface="Tahoma" pitchFamily="34" charset="0"/>
+              </a:rPr>
+              <a:t>(</a:t>
+            </a:r>
+            <a:r>
+              <a:rPr lang="fr-FR" sz="1600" dirty="0" smtClean="0"/>
+              <a:t>String </a:t>
+            </a:r>
+            <a:r>
+              <a:rPr lang="fr-FR" sz="1600" dirty="0" err="1"/>
+              <a:t>filepath</a:t>
+            </a:r>
+            <a:r>
+              <a:rPr lang="fr-FR" sz="1600" dirty="0" smtClean="0">
+                <a:latin typeface="Tahoma" pitchFamily="34" charset="0"/>
+                <a:ea typeface="Tahoma" pitchFamily="34" charset="0"/>
+                <a:cs typeface="Tahoma" pitchFamily="34" charset="0"/>
+              </a:rPr>
+              <a:t>) : qui retourne la liste des </a:t>
+            </a:r>
+            <a:r>
+              <a:rPr lang="fr-FR" sz="1600" dirty="0" smtClean="0">
+                <a:latin typeface="Tahoma" pitchFamily="34" charset="0"/>
+                <a:ea typeface="Tahoma" pitchFamily="34" charset="0"/>
+                <a:cs typeface="Tahoma" pitchFamily="34" charset="0"/>
+              </a:rPr>
+              <a:t>symptômes</a:t>
+            </a:r>
+            <a:endParaRPr lang="fr-FR" sz="1600" dirty="0" smtClean="0">
+              <a:latin typeface="Tahoma" pitchFamily="34" charset="0"/>
+              <a:ea typeface="Tahoma" pitchFamily="34" charset="0"/>
+              <a:cs typeface="Tahoma" pitchFamily="34" charset="0"/>
+            </a:endParaRPr>
+          </a:p>
+          <a:p>
+            <a:pPr lvl="3" algn="just">
+              <a:lnSpc>
+                <a:spcPct val="150000"/>
+              </a:lnSpc>
+            </a:pPr>
+            <a:r>
+              <a:rPr lang="fr-FR" sz="1600" b="1" dirty="0" smtClean="0"/>
+              <a:t>          public </a:t>
+            </a:r>
+            <a:r>
+              <a:rPr lang="fr-FR" sz="1600" b="1" dirty="0"/>
+              <a:t>List&lt;String&gt; </a:t>
+            </a:r>
+            <a:r>
+              <a:rPr lang="fr-FR" sz="1600" b="1" dirty="0" err="1"/>
+              <a:t>getSymptoms</a:t>
+            </a:r>
+            <a:r>
+              <a:rPr lang="fr-FR" sz="1600" b="1" dirty="0"/>
+              <a:t>(String </a:t>
+            </a:r>
+            <a:r>
+              <a:rPr lang="fr-FR" sz="1600" b="1" dirty="0" err="1"/>
+              <a:t>filepath</a:t>
+            </a:r>
+            <a:r>
+              <a:rPr lang="fr-FR" sz="1600" b="1" dirty="0" smtClean="0"/>
+              <a:t>);</a:t>
+            </a:r>
+            <a:endParaRPr lang="fr-FR" sz="1600" dirty="0">
+              <a:latin typeface="Tahoma" pitchFamily="34" charset="0"/>
+              <a:ea typeface="Tahoma" pitchFamily="34" charset="0"/>
+              <a:cs typeface="Tahoma" pitchFamily="34" charset="0"/>
+            </a:endParaRPr>
+          </a:p>
+          <a:p>
+            <a:pPr lvl="3" algn="just">
+              <a:lnSpc>
+                <a:spcPct val="150000"/>
+              </a:lnSpc>
+            </a:pPr>
+            <a:endParaRPr lang="fr-FR" sz="1600" dirty="0" smtClean="0">
+              <a:latin typeface="Tahoma" pitchFamily="34" charset="0"/>
+              <a:ea typeface="Tahoma" pitchFamily="34" charset="0"/>
+              <a:cs typeface="Tahoma" pitchFamily="34" charset="0"/>
+            </a:endParaRPr>
+          </a:p>
+          <a:p>
+            <a:pPr marL="1657350" lvl="3" indent="-285750" algn="just">
+              <a:lnSpc>
+                <a:spcPct val="150000"/>
+              </a:lnSpc>
+              <a:buFont typeface="Wingdings" pitchFamily="2" charset="2"/>
+              <a:buChar char="§"/>
+            </a:pPr>
+            <a:r>
+              <a:rPr lang="fr-FR" sz="1600" dirty="0" err="1">
+                <a:latin typeface="Tahoma" pitchFamily="34" charset="0"/>
+                <a:ea typeface="Tahoma" pitchFamily="34" charset="0"/>
+                <a:cs typeface="Tahoma" pitchFamily="34" charset="0"/>
+              </a:rPr>
+              <a:t>writeFile</a:t>
+            </a:r>
+            <a:r>
+              <a:rPr lang="fr-FR" sz="1600" dirty="0"/>
+              <a:t>(String </a:t>
+            </a:r>
+            <a:r>
+              <a:rPr lang="fr-FR" sz="1600" dirty="0" err="1"/>
+              <a:t>fileOut</a:t>
+            </a:r>
+            <a:r>
+              <a:rPr lang="fr-FR" sz="1600" dirty="0"/>
+              <a:t>, </a:t>
+            </a:r>
+            <a:r>
+              <a:rPr lang="fr-FR" sz="1600" dirty="0" err="1"/>
+              <a:t>Map</a:t>
+            </a:r>
+            <a:r>
+              <a:rPr lang="fr-FR" sz="1600" dirty="0"/>
+              <a:t>&lt;String, </a:t>
+            </a:r>
+            <a:r>
+              <a:rPr lang="fr-FR" sz="1600" dirty="0" err="1"/>
+              <a:t>Integer</a:t>
+            </a:r>
+            <a:r>
+              <a:rPr lang="fr-FR" sz="1600" dirty="0"/>
+              <a:t>&gt; </a:t>
+            </a:r>
+            <a:r>
+              <a:rPr lang="fr-FR" sz="1600" dirty="0" err="1"/>
+              <a:t>groupedSymptoms</a:t>
+            </a:r>
+            <a:r>
+              <a:rPr lang="fr-FR" sz="1600" dirty="0"/>
+              <a:t>)</a:t>
+            </a:r>
+            <a:r>
+              <a:rPr lang="fr-FR" sz="1600" dirty="0" smtClean="0">
+                <a:latin typeface="Tahoma" pitchFamily="34" charset="0"/>
+                <a:ea typeface="Tahoma" pitchFamily="34" charset="0"/>
+                <a:cs typeface="Tahoma" pitchFamily="34" charset="0"/>
+              </a:rPr>
+              <a:t> : qui permet d’</a:t>
+            </a:r>
+            <a:r>
+              <a:rPr lang="fr-FR" sz="1600" dirty="0" err="1" smtClean="0">
+                <a:latin typeface="Tahoma" pitchFamily="34" charset="0"/>
+                <a:ea typeface="Tahoma" pitchFamily="34" charset="0"/>
+                <a:cs typeface="Tahoma" pitchFamily="34" charset="0"/>
+              </a:rPr>
+              <a:t>ecrire</a:t>
+            </a:r>
+            <a:r>
+              <a:rPr lang="fr-FR" sz="1600" dirty="0" smtClean="0">
+                <a:latin typeface="Tahoma" pitchFamily="34" charset="0"/>
+                <a:ea typeface="Tahoma" pitchFamily="34" charset="0"/>
+                <a:cs typeface="Tahoma" pitchFamily="34" charset="0"/>
+              </a:rPr>
+              <a:t> la liste des </a:t>
+            </a:r>
+            <a:r>
+              <a:rPr lang="fr-FR" sz="1600" dirty="0" err="1" smtClean="0">
+                <a:latin typeface="Tahoma" pitchFamily="34" charset="0"/>
+                <a:ea typeface="Tahoma" pitchFamily="34" charset="0"/>
+                <a:cs typeface="Tahoma" pitchFamily="34" charset="0"/>
+              </a:rPr>
+              <a:t>symptomes</a:t>
+            </a:r>
+            <a:r>
+              <a:rPr lang="fr-FR" sz="1600" dirty="0" smtClean="0">
+                <a:latin typeface="Tahoma" pitchFamily="34" charset="0"/>
+                <a:ea typeface="Tahoma" pitchFamily="34" charset="0"/>
+                <a:cs typeface="Tahoma" pitchFamily="34" charset="0"/>
+              </a:rPr>
+              <a:t> triés dans l’ordre </a:t>
+            </a:r>
+            <a:r>
+              <a:rPr lang="fr-FR" sz="1600" dirty="0" err="1" smtClean="0">
+                <a:latin typeface="Tahoma" pitchFamily="34" charset="0"/>
+                <a:ea typeface="Tahoma" pitchFamily="34" charset="0"/>
+                <a:cs typeface="Tahoma" pitchFamily="34" charset="0"/>
+              </a:rPr>
+              <a:t>aphabetique</a:t>
+            </a:r>
+            <a:r>
+              <a:rPr lang="fr-FR" sz="1600" dirty="0" smtClean="0">
+                <a:latin typeface="Tahoma" pitchFamily="34" charset="0"/>
+                <a:ea typeface="Tahoma" pitchFamily="34" charset="0"/>
+                <a:cs typeface="Tahoma" pitchFamily="34" charset="0"/>
+              </a:rPr>
+              <a:t> dans le fichier </a:t>
+            </a:r>
+          </a:p>
+          <a:p>
+            <a:pPr lvl="3" algn="just">
+              <a:lnSpc>
+                <a:spcPct val="150000"/>
+              </a:lnSpc>
+            </a:pPr>
+            <a:r>
+              <a:rPr lang="fr-FR" sz="1600" dirty="0" smtClean="0">
+                <a:latin typeface="Tahoma" pitchFamily="34" charset="0"/>
+                <a:ea typeface="Tahoma" pitchFamily="34" charset="0"/>
+                <a:cs typeface="Tahoma" pitchFamily="34" charset="0"/>
+              </a:rPr>
+              <a:t>    </a:t>
+            </a:r>
+            <a:r>
+              <a:rPr lang="fr-FR" sz="1600" dirty="0" err="1" smtClean="0">
+                <a:latin typeface="Tahoma" pitchFamily="34" charset="0"/>
+                <a:ea typeface="Tahoma" pitchFamily="34" charset="0"/>
+                <a:cs typeface="Tahoma" pitchFamily="34" charset="0"/>
+              </a:rPr>
               <a:t>result.out</a:t>
             </a:r>
-            <a:r>
-              <a:rPr lang="en-US" sz="1200" dirty="0"/>
-              <a:t> file      </a:t>
-            </a:r>
-          </a:p>
-          <a:p>
-            <a:r>
-              <a:rPr lang="fr-FR" sz="1200" dirty="0"/>
-              <a:t>     * </a:t>
-            </a:r>
-            <a:r>
-              <a:rPr lang="fr-FR" sz="1200" b="1" dirty="0"/>
-              <a:t>@</a:t>
-            </a:r>
-            <a:r>
-              <a:rPr lang="fr-FR" sz="1200" b="1" dirty="0" err="1"/>
-              <a:t>see</a:t>
-            </a:r>
-            <a:r>
-              <a:rPr lang="fr-FR" sz="1200" b="1" dirty="0"/>
-              <a:t> </a:t>
-            </a:r>
-            <a:r>
-              <a:rPr lang="fr-FR" sz="1200" b="1" dirty="0" err="1"/>
-              <a:t>com.hemebiotech.analytics#ISymptomReader.writeFile</a:t>
-            </a:r>
-            <a:r>
-              <a:rPr lang="fr-FR" sz="1200" b="1" dirty="0"/>
+            <a:endParaRPr lang="fr-FR" sz="1600" dirty="0" smtClean="0">
+              <a:latin typeface="Tahoma" pitchFamily="34" charset="0"/>
+              <a:ea typeface="Tahoma" pitchFamily="34" charset="0"/>
+              <a:cs typeface="Tahoma" pitchFamily="34" charset="0"/>
+            </a:endParaRPr>
+          </a:p>
+          <a:p>
+            <a:pPr lvl="3" algn="just">
+              <a:lnSpc>
+                <a:spcPct val="150000"/>
+              </a:lnSpc>
+            </a:pPr>
+            <a:endParaRPr lang="fr-FR" sz="1600" dirty="0">
+              <a:latin typeface="Tahoma" pitchFamily="34" charset="0"/>
+              <a:ea typeface="Tahoma" pitchFamily="34" charset="0"/>
+              <a:cs typeface="Tahoma" pitchFamily="34" charset="0"/>
+            </a:endParaRPr>
+          </a:p>
+          <a:p>
+            <a:pPr lvl="3" algn="just">
+              <a:lnSpc>
+                <a:spcPct val="150000"/>
+              </a:lnSpc>
+            </a:pPr>
+            <a:r>
+              <a:rPr lang="en-US" sz="1600" b="1" dirty="0" smtClean="0"/>
+              <a:t>          public </a:t>
+            </a:r>
+            <a:r>
+              <a:rPr lang="en-US" sz="1600" b="1" dirty="0"/>
+              <a:t>void </a:t>
+            </a:r>
+            <a:r>
+              <a:rPr lang="en-US" sz="1600" b="1" dirty="0" err="1"/>
+              <a:t>writeFile</a:t>
+            </a:r>
+            <a:r>
+              <a:rPr lang="en-US" sz="1600" b="1" dirty="0"/>
               <a:t>(String </a:t>
             </a:r>
             <a:r>
-              <a:rPr lang="fr-FR" sz="1200" b="1" dirty="0" err="1"/>
+              <a:rPr lang="en-US" sz="1600" b="1" dirty="0" err="1"/>
               <a:t>fileOut</a:t>
             </a:r>
             <a:r>
-              <a:rPr lang="fr-FR" sz="1200" b="1" dirty="0"/>
-              <a:t>, </a:t>
-            </a:r>
-            <a:r>
-              <a:rPr lang="fr-FR" sz="1200" b="1" dirty="0" err="1"/>
-              <a:t>Map</a:t>
-            </a:r>
-            <a:r>
-              <a:rPr lang="fr-FR" sz="1200" b="1" dirty="0"/>
-              <a:t>&lt;String, </a:t>
-            </a:r>
-            <a:r>
-              <a:rPr lang="fr-FR" sz="1200" b="1" dirty="0" err="1"/>
-              <a:t>Integer</a:t>
-            </a:r>
-            <a:r>
-              <a:rPr lang="fr-FR" sz="1200" b="1" dirty="0"/>
-              <a:t>&gt; </a:t>
-            </a:r>
-            <a:r>
-              <a:rPr lang="fr-FR" sz="1200" b="1" dirty="0" err="1"/>
+              <a:rPr lang="en-US" sz="1600" b="1" dirty="0"/>
+              <a:t>, Map&lt;String, Integer&gt; </a:t>
+            </a:r>
+            <a:r>
+              <a:rPr lang="en-US" sz="1600" b="1" dirty="0" err="1"/>
               <a:t>groupedSymptoms</a:t>
             </a:r>
             <a:r>
-              <a:rPr lang="fr-FR" sz="1200" b="1" dirty="0"/>
-              <a:t>)</a:t>
-            </a:r>
-          </a:p>
-          <a:p>
-            <a:r>
-              <a:rPr lang="fr-FR" sz="1200" dirty="0"/>
-              <a:t>     * </a:t>
-            </a:r>
-            <a:r>
-              <a:rPr lang="fr-FR" sz="1200" b="1" dirty="0"/>
-              <a:t>@</a:t>
-            </a:r>
-            <a:r>
-              <a:rPr lang="fr-FR" sz="1200" b="1" dirty="0" err="1"/>
-              <a:t>param</a:t>
-            </a:r>
-            <a:r>
-              <a:rPr lang="fr-FR" sz="1200" b="1" dirty="0"/>
-              <a:t> </a:t>
-            </a:r>
-            <a:r>
-              <a:rPr lang="fr-FR" sz="1200" b="1" dirty="0" err="1"/>
-              <a:t>groupedSymptoms</a:t>
-            </a:r>
-            <a:r>
-              <a:rPr lang="fr-FR" sz="1200" b="1" dirty="0"/>
-              <a:t> </a:t>
-            </a:r>
-          </a:p>
-          <a:p>
-            <a:r>
-              <a:rPr lang="fr-FR" sz="1200" dirty="0"/>
-              <a:t>     */</a:t>
-            </a:r>
-          </a:p>
-          <a:p>
-            <a:r>
-              <a:rPr lang="fr-FR" sz="1200" dirty="0"/>
-              <a:t>   </a:t>
-            </a:r>
-          </a:p>
-          <a:p>
-            <a:r>
-              <a:rPr lang="fr-FR" sz="1200" dirty="0" smtClean="0"/>
-              <a:t>     @</a:t>
-            </a:r>
-            <a:r>
-              <a:rPr lang="fr-FR" sz="1200" dirty="0" err="1" smtClean="0"/>
-              <a:t>Override</a:t>
-            </a:r>
-            <a:endParaRPr lang="fr-FR" sz="1200" dirty="0" smtClean="0"/>
-          </a:p>
-          <a:p>
-            <a:r>
-              <a:rPr lang="fr-FR" sz="1200" b="1" dirty="0" smtClean="0"/>
-              <a:t>     public </a:t>
-            </a:r>
-            <a:r>
-              <a:rPr lang="fr-FR" sz="1200" b="1" dirty="0" err="1" smtClean="0"/>
-              <a:t>void</a:t>
-            </a:r>
-            <a:r>
-              <a:rPr lang="fr-FR" sz="1200" b="1" dirty="0" smtClean="0"/>
-              <a:t> </a:t>
-            </a:r>
-            <a:r>
-              <a:rPr lang="fr-FR" sz="1200" b="1" dirty="0" err="1" smtClean="0"/>
-              <a:t>writeFile</a:t>
-            </a:r>
-            <a:r>
-              <a:rPr lang="fr-FR" sz="1200" b="1" dirty="0" smtClean="0"/>
-              <a:t>(String </a:t>
-            </a:r>
-            <a:r>
-              <a:rPr lang="fr-FR" sz="1200" b="1" dirty="0" err="1" smtClean="0"/>
-              <a:t>fileOut,Map</a:t>
-            </a:r>
-            <a:r>
-              <a:rPr lang="fr-FR" sz="1200" b="1" dirty="0" smtClean="0"/>
-              <a:t>&lt;String, </a:t>
-            </a:r>
-            <a:r>
-              <a:rPr lang="fr-FR" sz="1200" b="1" dirty="0" err="1" smtClean="0"/>
-              <a:t>Integer</a:t>
-            </a:r>
-            <a:r>
-              <a:rPr lang="fr-FR" sz="1200" b="1" dirty="0" smtClean="0"/>
-              <a:t>&gt; </a:t>
-            </a:r>
-            <a:r>
-              <a:rPr lang="fr-FR" sz="1200" b="1" dirty="0" err="1" smtClean="0"/>
-              <a:t>groupedSymptoms</a:t>
-            </a:r>
-            <a:r>
-              <a:rPr lang="fr-FR" sz="1200" b="1" dirty="0" smtClean="0"/>
-              <a:t>) {</a:t>
-            </a:r>
-          </a:p>
-          <a:p>
-            <a:r>
-              <a:rPr lang="fr-FR" sz="1200" b="1" dirty="0" smtClean="0"/>
-              <a:t>           </a:t>
-            </a:r>
-            <a:r>
-              <a:rPr lang="fr-FR" sz="1200" b="1" dirty="0" err="1" smtClean="0"/>
-              <a:t>try</a:t>
-            </a:r>
-            <a:r>
-              <a:rPr lang="fr-FR" sz="1200" b="1" dirty="0" smtClean="0"/>
-              <a:t>(</a:t>
-            </a:r>
-            <a:r>
-              <a:rPr lang="fr-FR" sz="1200" b="1" dirty="0" err="1" smtClean="0"/>
-              <a:t>FileWriter</a:t>
-            </a:r>
-            <a:r>
-              <a:rPr lang="fr-FR" sz="1200" b="1" dirty="0" smtClean="0"/>
-              <a:t> </a:t>
-            </a:r>
-            <a:r>
-              <a:rPr lang="fr-FR" sz="1200" b="1" dirty="0" err="1" smtClean="0"/>
-              <a:t>writer</a:t>
-            </a:r>
-            <a:r>
-              <a:rPr lang="fr-FR" sz="1200" b="1" dirty="0" smtClean="0"/>
-              <a:t> = new </a:t>
-            </a:r>
-            <a:r>
-              <a:rPr lang="fr-FR" sz="1200" b="1" dirty="0" err="1" smtClean="0"/>
-              <a:t>FileWriter</a:t>
-            </a:r>
-            <a:r>
-              <a:rPr lang="fr-FR" sz="1200" b="1" dirty="0" smtClean="0"/>
-              <a:t>(</a:t>
-            </a:r>
-            <a:r>
-              <a:rPr lang="fr-FR" sz="1200" b="1" dirty="0" err="1" smtClean="0"/>
-              <a:t>fileOut</a:t>
-            </a:r>
-            <a:r>
-              <a:rPr lang="fr-FR" sz="1200" b="1" dirty="0" smtClean="0"/>
-              <a:t>)) {            </a:t>
-            </a:r>
-          </a:p>
-          <a:p>
-            <a:pPr lvl="1"/>
-            <a:r>
-              <a:rPr lang="en-US" sz="1200" dirty="0" smtClean="0"/>
-              <a:t>            </a:t>
-            </a:r>
-            <a:r>
-              <a:rPr lang="en-US" sz="1200" b="1" dirty="0" smtClean="0"/>
-              <a:t>for (Entry&lt;String, Integer&gt; key : </a:t>
-            </a:r>
-            <a:r>
-              <a:rPr lang="en-US" sz="1200" b="1" dirty="0" err="1" smtClean="0"/>
-              <a:t>groupedSymptoms.entrySet</a:t>
-            </a:r>
-            <a:r>
-              <a:rPr lang="en-US" sz="1200" b="1" dirty="0" smtClean="0"/>
-              <a:t>()) {</a:t>
-            </a:r>
-          </a:p>
-          <a:p>
-            <a:pPr lvl="1"/>
-            <a:r>
-              <a:rPr lang="fr-FR" sz="1200" dirty="0" smtClean="0"/>
-              <a:t>                </a:t>
-            </a:r>
-            <a:r>
-              <a:rPr lang="fr-FR" sz="1200" dirty="0" err="1" smtClean="0"/>
-              <a:t>writer.write</a:t>
-            </a:r>
-            <a:r>
-              <a:rPr lang="fr-FR" sz="1200" dirty="0" smtClean="0"/>
-              <a:t>(</a:t>
-            </a:r>
-            <a:r>
-              <a:rPr lang="fr-FR" sz="1200" dirty="0" err="1" smtClean="0"/>
-              <a:t>key.getKey</a:t>
-            </a:r>
-            <a:r>
-              <a:rPr lang="fr-FR" sz="1200" dirty="0" smtClean="0"/>
-              <a:t>() + " = " + </a:t>
-            </a:r>
-            <a:r>
-              <a:rPr lang="fr-FR" sz="1200" dirty="0" err="1" smtClean="0"/>
-              <a:t>groupedSymptoms.get</a:t>
-            </a:r>
-            <a:r>
-              <a:rPr lang="fr-FR" sz="1200" dirty="0" smtClean="0"/>
-              <a:t>(</a:t>
-            </a:r>
-            <a:r>
-              <a:rPr lang="fr-FR" sz="1200" dirty="0" err="1" smtClean="0"/>
-              <a:t>key.getKey</a:t>
-            </a:r>
-            <a:r>
-              <a:rPr lang="fr-FR" sz="1200" dirty="0" smtClean="0"/>
-              <a:t>()) + "\n");</a:t>
-            </a:r>
-          </a:p>
-          <a:p>
-            <a:pPr lvl="1"/>
-            <a:r>
-              <a:rPr lang="fr-FR" sz="1200" dirty="0" smtClean="0"/>
-              <a:t>            }</a:t>
-            </a:r>
-          </a:p>
-          <a:p>
-            <a:r>
-              <a:rPr lang="fr-FR" sz="1200" dirty="0" smtClean="0"/>
-              <a:t>                 </a:t>
-            </a:r>
-            <a:r>
-              <a:rPr lang="fr-FR" sz="1200" dirty="0" err="1" smtClean="0"/>
-              <a:t>writer.</a:t>
-            </a:r>
-            <a:r>
-              <a:rPr lang="fr-FR" sz="1200" u="sng" dirty="0" err="1" smtClean="0"/>
-              <a:t>close</a:t>
-            </a:r>
-            <a:r>
-              <a:rPr lang="fr-FR" sz="1200" u="sng" dirty="0" smtClean="0"/>
-              <a:t>();</a:t>
-            </a:r>
-          </a:p>
-          <a:p>
-            <a:r>
-              <a:rPr lang="fr-FR" sz="1200" dirty="0" smtClean="0"/>
-              <a:t>            } </a:t>
-            </a:r>
-            <a:r>
-              <a:rPr lang="fr-FR" sz="1200" b="1" dirty="0" smtClean="0"/>
-              <a:t>catch (</a:t>
-            </a:r>
-            <a:r>
-              <a:rPr lang="fr-FR" sz="1200" b="1" dirty="0" err="1" smtClean="0"/>
-              <a:t>IOException</a:t>
-            </a:r>
-            <a:r>
-              <a:rPr lang="fr-FR" sz="1200" b="1" dirty="0" smtClean="0"/>
-              <a:t> e) {</a:t>
-            </a:r>
-          </a:p>
-          <a:p>
-            <a:r>
-              <a:rPr lang="fr-FR" sz="1200" dirty="0" smtClean="0"/>
-              <a:t>                  </a:t>
-            </a:r>
-            <a:r>
-              <a:rPr lang="fr-FR" sz="1200" dirty="0" err="1" smtClean="0"/>
-              <a:t>e.</a:t>
-            </a:r>
-            <a:r>
-              <a:rPr lang="fr-FR" sz="1200" u="sng" dirty="0" err="1" smtClean="0"/>
-              <a:t>printStackTrace</a:t>
-            </a:r>
-            <a:r>
-              <a:rPr lang="fr-FR" sz="1200" u="sng" dirty="0" smtClean="0"/>
-              <a:t>();</a:t>
-            </a:r>
-          </a:p>
-          <a:p>
-            <a:r>
-              <a:rPr lang="fr-FR" sz="1200" dirty="0" smtClean="0"/>
-              <a:t>             }</a:t>
-            </a:r>
-          </a:p>
-          <a:p>
-            <a:endParaRPr lang="fr-FR" sz="1200" dirty="0" smtClean="0"/>
-          </a:p>
-          <a:p>
-            <a:r>
-              <a:rPr lang="fr-FR" sz="1200" dirty="0" smtClean="0"/>
-              <a:t>       }</a:t>
-            </a:r>
-            <a:endParaRPr lang="fr-FR" sz="1200" b="1" dirty="0" smtClean="0">
+              <a:rPr lang="en-US" sz="1600" b="1" dirty="0"/>
+              <a:t>);</a:t>
+            </a:r>
+          </a:p>
+          <a:p>
+            <a:pPr lvl="3" algn="just">
+              <a:lnSpc>
+                <a:spcPct val="150000"/>
+              </a:lnSpc>
+            </a:pPr>
+            <a:endParaRPr lang="fr-FR" sz="1600" dirty="0" smtClean="0">
+              <a:latin typeface="Tahoma" pitchFamily="34" charset="0"/>
+              <a:ea typeface="Tahoma" pitchFamily="34" charset="0"/>
+              <a:cs typeface="Tahoma" pitchFamily="34" charset="0"/>
+            </a:endParaRPr>
+          </a:p>
+          <a:p>
+            <a:pPr lvl="2" algn="just">
+              <a:lnSpc>
+                <a:spcPct val="150000"/>
+              </a:lnSpc>
+            </a:pPr>
+            <a:r>
+              <a:rPr lang="en-US" sz="1200" b="1" dirty="0" smtClean="0">
+                <a:solidFill>
+                  <a:schemeClr val="accent1">
+                    <a:lumMod val="75000"/>
+                  </a:schemeClr>
+                </a:solidFill>
+                <a:latin typeface="Tahoma" pitchFamily="34" charset="0"/>
+                <a:ea typeface="Tahoma" pitchFamily="34" charset="0"/>
+                <a:cs typeface="Tahoma" pitchFamily="34" charset="0"/>
+              </a:rPr>
+              <a:t>     </a:t>
+            </a:r>
+            <a:r>
+              <a:rPr lang="fr-FR" sz="1600" dirty="0" smtClean="0">
+                <a:latin typeface="Tahoma" pitchFamily="34" charset="0"/>
+                <a:ea typeface="Tahoma" pitchFamily="34" charset="0"/>
+                <a:cs typeface="Tahoma" pitchFamily="34" charset="0"/>
+              </a:rPr>
+              <a:t>	</a:t>
+            </a:r>
+            <a:endParaRPr lang="fr-FR" sz="1600" dirty="0" smtClean="0">
               <a:solidFill>
-                <a:schemeClr val="accent1">
-                  <a:lumMod val="75000"/>
+                <a:schemeClr val="tx2">
+                  <a:lumMod val="60000"/>
+                  <a:lumOff val="40000"/>
                 </a:schemeClr>
               </a:solidFill>
               <a:latin typeface="Tahoma" pitchFamily="34" charset="0"/>
@@ -10370,12 +11540,30 @@
               <a:cs typeface="Tahoma" pitchFamily="34" charset="0"/>
             </a:endParaRPr>
           </a:p>
+          <a:p>
+            <a:pPr>
+              <a:lnSpc>
+                <a:spcPct val="150000"/>
+              </a:lnSpc>
+            </a:pPr>
+            <a:endParaRPr lang="fr-FR" sz="1600" dirty="0" smtClean="0">
+              <a:solidFill>
+                <a:schemeClr val="tx2">
+                  <a:lumMod val="60000"/>
+                  <a:lumOff val="40000"/>
+                </a:schemeClr>
+              </a:solidFill>
+              <a:latin typeface="Tahoma" pitchFamily="34" charset="0"/>
+              <a:ea typeface="Tahoma" pitchFamily="34" charset="0"/>
+              <a:cs typeface="Tahoma" pitchFamily="34" charset="0"/>
+            </a:endParaRPr>
+          </a:p>
         </p:txBody>
       </p:sp>
     </p:spTree>
     <p:extLst>
       <p:ext uri="{BB962C8B-B14F-4D97-AF65-F5344CB8AC3E}">
-        <p14:creationId xmlns:p14="http://schemas.microsoft.com/office/powerpoint/2010/main" val="1561512083"/>
+        <p14:creationId xmlns:p14="http://schemas.microsoft.com/office/powerpoint/2010/main" val="2644427823"/>
       </p:ext>
     </p:extLst>
   </p:cSld>
@@ -10464,90 +11652,14 @@
       </p:sp>
       <p:sp>
         <p:nvSpPr>
-          <p:cNvPr id="5" name="Rogner un rectangle avec un coin diagonal 4"/>
-          <p:cNvSpPr/>
-          <p:nvPr/>
-        </p:nvSpPr>
-        <p:spPr>
-          <a:xfrm>
-            <a:off x="166271" y="476672"/>
-            <a:ext cx="4572000" cy="288032"/>
-          </a:xfrm>
-          <a:prstGeom prst="snip2DiagRect">
-            <a:avLst/>
-          </a:prstGeom>
-          <a:solidFill>
-            <a:schemeClr val="accent6">
-              <a:lumMod val="75000"/>
-            </a:schemeClr>
-          </a:solidFill>
-          <a:ln>
-            <a:noFill/>
-          </a:ln>
-        </p:spPr>
-        <p:style>
-          <a:lnRef idx="2">
-            <a:schemeClr val="accent1">
-              <a:shade val="50000"/>
-            </a:schemeClr>
-          </a:lnRef>
-          <a:fillRef idx="1">
-            <a:schemeClr val="accent1"/>
-          </a:fillRef>
-          <a:effectRef idx="0">
-            <a:schemeClr val="accent1"/>
-          </a:effectRef>
-          <a:fontRef idx="minor">
-            <a:schemeClr val="lt1"/>
-          </a:fontRef>
-        </p:style>
-        <p:txBody>
-          <a:bodyPr rtlCol="0" anchor="ctr"/>
-          <a:lstStyle/>
-          <a:p>
-            <a:pPr algn="ctr"/>
-            <a:r>
-              <a:rPr lang="fr-FR" sz="1400" b="1" dirty="0" smtClean="0">
-                <a:latin typeface="Tahoma" pitchFamily="34" charset="0"/>
-                <a:ea typeface="Tahoma" pitchFamily="34" charset="0"/>
-                <a:cs typeface="Tahoma" pitchFamily="34" charset="0"/>
-              </a:rPr>
-              <a:t>Présentation de </a:t>
-            </a:r>
-            <a:r>
-              <a:rPr lang="fr-FR" sz="1400" b="1" dirty="0" smtClean="0">
-                <a:latin typeface="Tahoma" pitchFamily="34" charset="0"/>
-                <a:ea typeface="Tahoma" pitchFamily="34" charset="0"/>
-                <a:cs typeface="Tahoma" pitchFamily="34" charset="0"/>
-              </a:rPr>
-              <a:t>La </a:t>
-            </a:r>
-            <a:r>
-              <a:rPr lang="fr-FR" sz="1400" b="1" dirty="0" smtClean="0">
-                <a:latin typeface="Tahoma" pitchFamily="34" charset="0"/>
-                <a:ea typeface="Tahoma" pitchFamily="34" charset="0"/>
-                <a:cs typeface="Tahoma" pitchFamily="34" charset="0"/>
-              </a:rPr>
-              <a:t>solution  </a:t>
-            </a:r>
-            <a:endParaRPr lang="fr-FR" sz="1400" b="1" dirty="0">
-              <a:latin typeface="Tahoma" pitchFamily="34" charset="0"/>
-              <a:ea typeface="Tahoma" pitchFamily="34" charset="0"/>
-              <a:cs typeface="Tahoma" pitchFamily="34" charset="0"/>
-            </a:endParaRPr>
-          </a:p>
-        </p:txBody>
-      </p:sp>
-      <p:sp>
-        <p:nvSpPr>
-          <p:cNvPr id="7" name="ZoneTexte 6"/>
+          <p:cNvPr id="8" name="ZoneTexte 7"/>
           <p:cNvSpPr txBox="1"/>
           <p:nvPr/>
         </p:nvSpPr>
         <p:spPr>
           <a:xfrm>
-            <a:off x="179512" y="764704"/>
-            <a:ext cx="8640960" cy="5509200"/>
+            <a:off x="-180528" y="404664"/>
+            <a:ext cx="8640960" cy="1150123"/>
           </a:xfrm>
           <a:prstGeom prst="rect">
             <a:avLst/>
@@ -10560,227 +11672,345 @@
           </a:bodyPr>
           <a:lstStyle/>
           <a:p>
-            <a:pPr marL="742950" lvl="1" indent="-285750" algn="just">
-              <a:lnSpc>
-                <a:spcPct val="150000"/>
-              </a:lnSpc>
-              <a:buFont typeface="Wingdings" pitchFamily="2" charset="2"/>
-              <a:buChar char="v"/>
-            </a:pPr>
-            <a:r>
-              <a:rPr lang="fr-FR" sz="1600" dirty="0" smtClean="0">
-                <a:latin typeface="Tahoma" pitchFamily="34" charset="0"/>
-                <a:ea typeface="Tahoma" pitchFamily="34" charset="0"/>
-                <a:cs typeface="Tahoma" pitchFamily="34" charset="0"/>
-              </a:rPr>
-              <a:t>La classe </a:t>
-            </a:r>
-            <a:r>
-              <a:rPr lang="fr-FR" sz="1600" b="1" dirty="0" err="1" smtClean="0">
-                <a:latin typeface="Tahoma" pitchFamily="34" charset="0"/>
-                <a:ea typeface="Tahoma" pitchFamily="34" charset="0"/>
-                <a:cs typeface="Tahoma" pitchFamily="34" charset="0"/>
-              </a:rPr>
-              <a:t>AnalyticsCounter</a:t>
-            </a:r>
-            <a:r>
-              <a:rPr lang="fr-FR" sz="1600" dirty="0" smtClean="0">
-                <a:latin typeface="Tahoma" pitchFamily="34" charset="0"/>
-                <a:ea typeface="Tahoma" pitchFamily="34" charset="0"/>
-                <a:cs typeface="Tahoma" pitchFamily="34" charset="0"/>
-              </a:rPr>
-              <a:t> contien</a:t>
-            </a:r>
-            <a:r>
-              <a:rPr lang="fr-FR" sz="1600" dirty="0" smtClean="0">
-                <a:latin typeface="Tahoma" pitchFamily="34" charset="0"/>
-                <a:ea typeface="Tahoma" pitchFamily="34" charset="0"/>
-                <a:cs typeface="Tahoma" pitchFamily="34" charset="0"/>
-              </a:rPr>
-              <a:t>t deux </a:t>
-            </a:r>
-            <a:r>
-              <a:rPr lang="fr-FR" sz="1600" dirty="0" err="1" smtClean="0">
-                <a:latin typeface="Tahoma" pitchFamily="34" charset="0"/>
-                <a:ea typeface="Tahoma" pitchFamily="34" charset="0"/>
-                <a:cs typeface="Tahoma" pitchFamily="34" charset="0"/>
-              </a:rPr>
-              <a:t>methodes</a:t>
-            </a:r>
-            <a:r>
-              <a:rPr lang="fr-FR" sz="1600" dirty="0" smtClean="0">
-                <a:latin typeface="Tahoma" pitchFamily="34" charset="0"/>
-                <a:ea typeface="Tahoma" pitchFamily="34" charset="0"/>
-                <a:cs typeface="Tahoma" pitchFamily="34" charset="0"/>
-              </a:rPr>
-              <a:t> :</a:t>
-            </a:r>
-          </a:p>
-          <a:p>
-            <a:pPr marL="1200150" lvl="2" indent="-285750" algn="just">
-              <a:lnSpc>
-                <a:spcPct val="150000"/>
-              </a:lnSpc>
-              <a:buFont typeface="Wingdings" pitchFamily="2" charset="2"/>
-              <a:buChar char="§"/>
-            </a:pPr>
-            <a:r>
-              <a:rPr lang="fr-FR" sz="1600" b="1" dirty="0" err="1"/>
-              <a:t>groupSymptoms</a:t>
-            </a:r>
-            <a:r>
-              <a:rPr lang="fr-FR" sz="1600" dirty="0"/>
-              <a:t>(List&lt;String&gt; </a:t>
-            </a:r>
-            <a:r>
-              <a:rPr lang="fr-FR" sz="1600" dirty="0" err="1"/>
-              <a:t>alphabeticSymptomList</a:t>
-            </a:r>
-            <a:r>
-              <a:rPr lang="fr-FR" sz="1600" dirty="0" smtClean="0"/>
-              <a:t>) : qui permet de compter le nombre d’</a:t>
-            </a:r>
-            <a:r>
-              <a:rPr lang="fr-FR" sz="1600" dirty="0" err="1" smtClean="0"/>
-              <a:t>occuerence</a:t>
-            </a:r>
-            <a:r>
-              <a:rPr lang="fr-FR" sz="1600" dirty="0" smtClean="0"/>
-              <a:t> de chaque symptôme et de stocker dans une collection de type </a:t>
-            </a:r>
-            <a:r>
-              <a:rPr lang="fr-FR" sz="1600" dirty="0" err="1" smtClean="0"/>
-              <a:t>Map</a:t>
-            </a:r>
-            <a:r>
-              <a:rPr lang="fr-FR" sz="1600" dirty="0" smtClean="0"/>
-              <a:t> (Clé -&gt; valeur) .</a:t>
-            </a:r>
-          </a:p>
-          <a:p>
-            <a:pPr lvl="5" algn="just">
+            <a:pPr lvl="2" algn="just">
               <a:lnSpc>
                 <a:spcPct val="150000"/>
               </a:lnSpc>
             </a:pPr>
-            <a:endParaRPr lang="fr-FR" sz="1200" dirty="0" smtClean="0">
+            <a:r>
+              <a:rPr lang="fr-FR" sz="1600" b="1" dirty="0" smtClean="0">
+                <a:latin typeface="Tahoma" pitchFamily="34" charset="0"/>
+                <a:ea typeface="Tahoma" pitchFamily="34" charset="0"/>
+                <a:cs typeface="Tahoma" pitchFamily="34" charset="0"/>
+              </a:rPr>
+              <a:t>2. Implémentation </a:t>
+            </a:r>
+            <a:r>
+              <a:rPr lang="fr-FR" sz="1600" b="1" dirty="0">
+                <a:latin typeface="Tahoma" pitchFamily="34" charset="0"/>
+                <a:ea typeface="Tahoma" pitchFamily="34" charset="0"/>
+                <a:cs typeface="Tahoma" pitchFamily="34" charset="0"/>
+              </a:rPr>
+              <a:t>de l’interface </a:t>
+            </a:r>
+            <a:r>
+              <a:rPr lang="fr-FR" sz="1600" b="1" dirty="0" err="1">
+                <a:latin typeface="Tahoma" pitchFamily="34" charset="0"/>
+                <a:ea typeface="Tahoma" pitchFamily="34" charset="0"/>
+                <a:cs typeface="Tahoma" pitchFamily="34" charset="0"/>
+              </a:rPr>
+              <a:t>ISymptomReader</a:t>
+            </a:r>
+            <a:r>
+              <a:rPr lang="fr-FR" sz="1600" b="1" dirty="0">
+                <a:latin typeface="Tahoma" pitchFamily="34" charset="0"/>
+                <a:ea typeface="Tahoma" pitchFamily="34" charset="0"/>
+                <a:cs typeface="Tahoma" pitchFamily="34" charset="0"/>
+              </a:rPr>
+              <a:t> dans la classe </a:t>
+            </a:r>
+            <a:r>
+              <a:rPr lang="fr-FR" sz="1600" b="1" dirty="0" err="1">
+                <a:latin typeface="Tahoma" pitchFamily="34" charset="0"/>
+                <a:ea typeface="Tahoma" pitchFamily="34" charset="0"/>
+                <a:cs typeface="Tahoma" pitchFamily="34" charset="0"/>
+              </a:rPr>
+              <a:t>ReadSymptomDataFromFile</a:t>
+            </a:r>
+            <a:r>
+              <a:rPr lang="fr-FR" sz="1600" b="1" dirty="0">
+                <a:latin typeface="Tahoma" pitchFamily="34" charset="0"/>
+                <a:ea typeface="Tahoma" pitchFamily="34" charset="0"/>
+                <a:cs typeface="Tahoma" pitchFamily="34" charset="0"/>
+              </a:rPr>
+              <a:t> </a:t>
+            </a:r>
+          </a:p>
+          <a:p>
+            <a:pPr lvl="2" algn="just">
+              <a:lnSpc>
+                <a:spcPct val="150000"/>
+              </a:lnSpc>
+            </a:pPr>
+            <a:endParaRPr lang="fr-FR" sz="1600" dirty="0" smtClean="0">
               <a:latin typeface="Tahoma" pitchFamily="34" charset="0"/>
               <a:ea typeface="Tahoma" pitchFamily="34" charset="0"/>
               <a:cs typeface="Tahoma" pitchFamily="34" charset="0"/>
             </a:endParaRPr>
           </a:p>
-          <a:p>
-            <a:pPr lvl="3"/>
+        </p:txBody>
+      </p:sp>
+      <p:sp>
+        <p:nvSpPr>
+          <p:cNvPr id="2" name="ZoneTexte 1"/>
+          <p:cNvSpPr txBox="1"/>
+          <p:nvPr/>
+        </p:nvSpPr>
+        <p:spPr>
+          <a:xfrm>
+            <a:off x="971600" y="1268760"/>
+            <a:ext cx="6768752" cy="4893647"/>
+          </a:xfrm>
+          <a:prstGeom prst="rect">
+            <a:avLst/>
+          </a:prstGeom>
+          <a:noFill/>
+        </p:spPr>
+        <p:txBody>
+          <a:bodyPr wrap="square" rtlCol="0">
+            <a:spAutoFit/>
+          </a:bodyPr>
+          <a:lstStyle/>
+          <a:p>
+            <a:r>
+              <a:rPr lang="fr-FR" sz="1200" dirty="0"/>
+              <a:t>/**</a:t>
+            </a:r>
+          </a:p>
+          <a:p>
+            <a:r>
+              <a:rPr lang="fr-FR" sz="1200" dirty="0"/>
+              <a:t> * List of </a:t>
+            </a:r>
+            <a:r>
+              <a:rPr lang="fr-FR" sz="1200" dirty="0" err="1"/>
+              <a:t>symptoms</a:t>
+            </a:r>
+            <a:r>
+              <a:rPr lang="fr-FR" sz="1200" dirty="0"/>
+              <a:t> </a:t>
+            </a:r>
+          </a:p>
+          <a:p>
+            <a:r>
+              <a:rPr lang="fr-FR" sz="1200" dirty="0"/>
+              <a:t> * </a:t>
+            </a:r>
+            <a:r>
+              <a:rPr lang="fr-FR" sz="1200" b="1" dirty="0"/>
+              <a:t>@</a:t>
+            </a:r>
+            <a:r>
+              <a:rPr lang="fr-FR" sz="1200" b="1" dirty="0" err="1"/>
+              <a:t>see</a:t>
+            </a:r>
+            <a:r>
+              <a:rPr lang="fr-FR" sz="1200" b="1" dirty="0"/>
+              <a:t> </a:t>
+            </a:r>
+            <a:r>
+              <a:rPr lang="fr-FR" sz="1200" b="1" dirty="0" err="1"/>
+              <a:t>com.hemebiotech.analytics#ISymptomReader.getSymptoms</a:t>
+            </a:r>
+            <a:r>
+              <a:rPr lang="fr-FR" sz="1200" b="1" dirty="0"/>
+              <a:t>(String </a:t>
+            </a:r>
+            <a:r>
+              <a:rPr lang="fr-FR" sz="1200" b="1" dirty="0" err="1"/>
+              <a:t>filepath</a:t>
+            </a:r>
+            <a:r>
+              <a:rPr lang="fr-FR" sz="1200" b="1" dirty="0"/>
+              <a:t>);</a:t>
+            </a:r>
+          </a:p>
+          <a:p>
+            <a:r>
+              <a:rPr lang="fr-FR" sz="1200" dirty="0"/>
+              <a:t> */</a:t>
+            </a:r>
+          </a:p>
+          <a:p>
+            <a:endParaRPr lang="fr-FR" sz="1200" dirty="0"/>
+          </a:p>
+          <a:p>
+            <a:r>
+              <a:rPr lang="fr-FR" sz="1200" dirty="0"/>
+              <a:t>@</a:t>
+            </a:r>
+            <a:r>
+              <a:rPr lang="fr-FR" sz="1200" dirty="0" err="1"/>
+              <a:t>Override</a:t>
+            </a:r>
+            <a:endParaRPr lang="fr-FR" sz="1200" dirty="0"/>
+          </a:p>
+          <a:p>
+            <a:r>
+              <a:rPr lang="fr-FR" sz="1200" b="1" dirty="0"/>
+              <a:t>public List&lt;String&gt; </a:t>
+            </a:r>
+            <a:r>
+              <a:rPr lang="fr-FR" sz="1200" b="1" dirty="0" err="1"/>
+              <a:t>getSymptoms</a:t>
+            </a:r>
+            <a:r>
+              <a:rPr lang="fr-FR" sz="1200" b="1" dirty="0"/>
+              <a:t>(String </a:t>
+            </a:r>
+            <a:r>
+              <a:rPr lang="fr-FR" sz="1200" b="1" dirty="0" err="1"/>
+              <a:t>filepath</a:t>
+            </a:r>
+            <a:r>
+              <a:rPr lang="fr-FR" sz="1200" b="1" dirty="0"/>
+              <a:t>) </a:t>
+            </a:r>
+            <a:r>
+              <a:rPr lang="fr-FR" sz="1200" b="1" dirty="0" smtClean="0"/>
+              <a:t>{</a:t>
+            </a:r>
+          </a:p>
+          <a:p>
+            <a:endParaRPr lang="fr-FR" sz="1200" b="1" dirty="0"/>
+          </a:p>
+          <a:p>
             <a:r>
               <a:rPr lang="fr-FR" sz="1200" dirty="0" smtClean="0"/>
-              <a:t>    /**</a:t>
-            </a:r>
-          </a:p>
-          <a:p>
-            <a:pPr lvl="3"/>
-            <a:r>
-              <a:rPr lang="en-US" sz="1200" dirty="0" smtClean="0"/>
-              <a:t>     * Read </a:t>
-            </a:r>
-            <a:r>
-              <a:rPr lang="en-US" sz="1200" dirty="0" err="1" smtClean="0"/>
-              <a:t>alphabeticSymptomList</a:t>
-            </a:r>
-            <a:r>
-              <a:rPr lang="en-US" sz="1200" dirty="0" smtClean="0"/>
-              <a:t> and create a Map with name and number</a:t>
-            </a:r>
-          </a:p>
-          <a:p>
-            <a:pPr lvl="3"/>
+              <a:t>             </a:t>
+            </a:r>
+            <a:r>
+              <a:rPr lang="fr-FR" sz="1200" dirty="0" err="1" smtClean="0"/>
+              <a:t>ArrayList</a:t>
+            </a:r>
             <a:r>
               <a:rPr lang="fr-FR" sz="1200" dirty="0" smtClean="0"/>
-              <a:t>     *</a:t>
-            </a:r>
-          </a:p>
-          <a:p>
-            <a:pPr lvl="3"/>
+              <a:t>&lt;String</a:t>
+            </a:r>
+            <a:r>
+              <a:rPr lang="fr-FR" sz="1200" dirty="0"/>
+              <a:t>&gt; </a:t>
+            </a:r>
+            <a:r>
+              <a:rPr lang="fr-FR" sz="1200" dirty="0" err="1"/>
+              <a:t>result</a:t>
+            </a:r>
+            <a:r>
+              <a:rPr lang="fr-FR" sz="1200" dirty="0"/>
+              <a:t> = </a:t>
+            </a:r>
+            <a:r>
+              <a:rPr lang="fr-FR" sz="1200" b="1" dirty="0"/>
+              <a:t>new </a:t>
+            </a:r>
+            <a:r>
+              <a:rPr lang="fr-FR" sz="1200" b="1" dirty="0" err="1"/>
+              <a:t>ArrayList</a:t>
+            </a:r>
+            <a:r>
+              <a:rPr lang="fr-FR" sz="1200" b="1" dirty="0"/>
+              <a:t>&lt;&gt;();</a:t>
+            </a:r>
+          </a:p>
+          <a:p>
+            <a:endParaRPr lang="fr-FR" sz="1200" dirty="0"/>
+          </a:p>
+          <a:p>
+            <a:pPr lvl="1"/>
+            <a:r>
+              <a:rPr lang="fr-FR" sz="1200" b="1" dirty="0"/>
+              <a:t>if (</a:t>
+            </a:r>
+            <a:r>
+              <a:rPr lang="fr-FR" sz="1200" b="1" dirty="0" err="1"/>
+              <a:t>filepath</a:t>
+            </a:r>
+            <a:r>
+              <a:rPr lang="fr-FR" sz="1200" b="1" dirty="0"/>
+              <a:t> != </a:t>
+            </a:r>
+            <a:r>
+              <a:rPr lang="fr-FR" sz="1200" b="1" dirty="0" err="1"/>
+              <a:t>null</a:t>
+            </a:r>
+            <a:r>
+              <a:rPr lang="fr-FR" sz="1200" b="1" dirty="0"/>
+              <a:t>) {</a:t>
+            </a:r>
+          </a:p>
+          <a:p>
+            <a:pPr lvl="1"/>
+            <a:r>
+              <a:rPr lang="en-US" sz="1200" b="1" dirty="0" smtClean="0"/>
+              <a:t>      try(</a:t>
+            </a:r>
+            <a:r>
+              <a:rPr lang="en-US" sz="1200" b="1" dirty="0" err="1" smtClean="0"/>
+              <a:t>BufferedReader</a:t>
+            </a:r>
+            <a:r>
+              <a:rPr lang="en-US" sz="1200" b="1" dirty="0" smtClean="0"/>
+              <a:t> </a:t>
+            </a:r>
+            <a:r>
+              <a:rPr lang="en-US" sz="1200" b="1" dirty="0"/>
+              <a:t>reader = new </a:t>
+            </a:r>
+            <a:r>
+              <a:rPr lang="en-US" sz="1200" b="1" dirty="0" err="1"/>
+              <a:t>BufferedReader</a:t>
+            </a:r>
+            <a:r>
+              <a:rPr lang="en-US" sz="1200" b="1" dirty="0"/>
+              <a:t> (new </a:t>
+            </a:r>
+            <a:r>
+              <a:rPr lang="en-US" sz="1200" b="1" dirty="0" err="1"/>
+              <a:t>FileReader</a:t>
+            </a:r>
+            <a:r>
+              <a:rPr lang="en-US" sz="1200" b="1" dirty="0"/>
+              <a:t>(</a:t>
+            </a:r>
+            <a:r>
+              <a:rPr lang="en-US" sz="1200" b="1" dirty="0" err="1"/>
+              <a:t>filepath</a:t>
+            </a:r>
+            <a:r>
+              <a:rPr lang="en-US" sz="1200" b="1" dirty="0"/>
+              <a:t>))) {</a:t>
+            </a:r>
+          </a:p>
+          <a:p>
+            <a:pPr lvl="1"/>
             <a:r>
               <a:rPr lang="fr-FR" sz="1200" dirty="0" smtClean="0"/>
-              <a:t>     * </a:t>
-            </a:r>
+              <a:t>                String </a:t>
+            </a:r>
+            <a:r>
+              <a:rPr lang="fr-FR" sz="1200" dirty="0"/>
+              <a:t>line = </a:t>
+            </a:r>
+            <a:r>
+              <a:rPr lang="fr-FR" sz="1200" dirty="0" err="1"/>
+              <a:t>reader.readLine</a:t>
+            </a:r>
+            <a:r>
+              <a:rPr lang="fr-FR" sz="1200" dirty="0"/>
+              <a:t>();</a:t>
+            </a:r>
+          </a:p>
+          <a:p>
+            <a:pPr lvl="2"/>
             <a:r>
               <a:rPr lang="fr-FR" sz="1200" b="1" dirty="0" smtClean="0"/>
-              <a:t>@</a:t>
+              <a:t>   </a:t>
             </a:r>
             <a:r>
               <a:rPr lang="fr-FR" sz="1200" b="1" dirty="0" err="1" smtClean="0"/>
-              <a:t>param</a:t>
+              <a:t>while</a:t>
             </a:r>
             <a:r>
               <a:rPr lang="fr-FR" sz="1200" b="1" dirty="0" smtClean="0"/>
               <a:t> </a:t>
             </a:r>
             <a:r>
-              <a:rPr lang="fr-FR" sz="1200" b="1" dirty="0" err="1" smtClean="0"/>
-              <a:t>alphabeticSymptomList</a:t>
-            </a:r>
-            <a:endParaRPr lang="fr-FR" sz="1200" b="1" dirty="0" smtClean="0"/>
-          </a:p>
-          <a:p>
-            <a:pPr lvl="3"/>
-            <a:r>
-              <a:rPr lang="en-US" sz="1200" dirty="0" smtClean="0"/>
-              <a:t>     * </a:t>
-            </a:r>
-            <a:r>
-              <a:rPr lang="en-US" sz="1200" b="1" dirty="0" smtClean="0"/>
-              <a:t>@return Map of symptom and its number</a:t>
-            </a:r>
-          </a:p>
-          <a:p>
-            <a:pPr lvl="3"/>
-            <a:r>
-              <a:rPr lang="fr-FR" sz="1200" dirty="0" smtClean="0"/>
-              <a:t>     */</a:t>
-            </a:r>
-          </a:p>
-          <a:p>
-            <a:pPr lvl="3"/>
-            <a:endParaRPr lang="fr-FR" sz="1200" dirty="0" smtClean="0">
-              <a:latin typeface="Tahoma" pitchFamily="34" charset="0"/>
-              <a:ea typeface="Tahoma" pitchFamily="34" charset="0"/>
-              <a:cs typeface="Tahoma" pitchFamily="34" charset="0"/>
-            </a:endParaRPr>
-          </a:p>
-          <a:p>
-            <a:pPr lvl="3"/>
-            <a:r>
-              <a:rPr lang="fr-FR" sz="1200" b="1" dirty="0" smtClean="0"/>
-              <a:t>public </a:t>
+              <a:rPr lang="fr-FR" sz="1200" b="1" dirty="0"/>
+              <a:t>(line != </a:t>
             </a:r>
             <a:r>
               <a:rPr lang="fr-FR" sz="1200" b="1" dirty="0" err="1"/>
-              <a:t>Map</a:t>
-            </a:r>
-            <a:r>
-              <a:rPr lang="fr-FR" sz="1200" b="1" dirty="0"/>
-              <a:t>&lt;String, </a:t>
-            </a:r>
-            <a:r>
-              <a:rPr lang="fr-FR" sz="1200" b="1" dirty="0" err="1"/>
-              <a:t>Integer</a:t>
-            </a:r>
-            <a:r>
-              <a:rPr lang="fr-FR" sz="1200" b="1" dirty="0"/>
-              <a:t>&gt; </a:t>
-            </a:r>
-            <a:r>
-              <a:rPr lang="fr-FR" sz="1200" b="1" dirty="0" err="1"/>
-              <a:t>groupSymptoms</a:t>
-            </a:r>
-            <a:r>
-              <a:rPr lang="fr-FR" sz="1200" b="1" dirty="0"/>
-              <a:t>(List&lt;String&gt; </a:t>
-            </a:r>
-            <a:r>
-              <a:rPr lang="fr-FR" sz="1200" b="1" dirty="0" err="1"/>
-              <a:t>alphabeticSymptomList</a:t>
+              <a:t>null</a:t>
             </a:r>
             <a:r>
               <a:rPr lang="fr-FR" sz="1200" b="1" dirty="0"/>
@@ -10788,189 +12018,142 @@
             </a:r>
           </a:p>
           <a:p>
-            <a:pPr lvl="3"/>
+            <a:pPr lvl="2"/>
+            <a:r>
+              <a:rPr lang="fr-FR" sz="1200" dirty="0" smtClean="0"/>
+              <a:t>           </a:t>
+            </a:r>
+            <a:r>
+              <a:rPr lang="fr-FR" sz="1200" dirty="0" err="1" smtClean="0"/>
+              <a:t>result.add</a:t>
+            </a:r>
+            <a:r>
+              <a:rPr lang="fr-FR" sz="1200" dirty="0" smtClean="0"/>
+              <a:t>(</a:t>
+            </a:r>
+            <a:r>
+              <a:rPr lang="fr-FR" sz="1200" dirty="0" err="1" smtClean="0"/>
+              <a:t>line.toLowerCase</a:t>
+            </a:r>
             <a:r>
               <a:rPr lang="fr-FR" sz="1200" dirty="0"/>
-              <a:t>    </a:t>
+              <a:t>());</a:t>
+            </a:r>
+          </a:p>
+          <a:p>
+            <a:pPr lvl="2"/>
+            <a:r>
+              <a:rPr lang="fr-FR" sz="1200" dirty="0" smtClean="0"/>
+              <a:t>           line </a:t>
+            </a:r>
+            <a:r>
+              <a:rPr lang="fr-FR" sz="1200" dirty="0"/>
+              <a:t>= </a:t>
             </a:r>
             <a:r>
               <a:rPr lang="fr-FR" sz="1200" dirty="0" err="1"/>
-              <a:t>Map</a:t>
+              <a:t>reader.readLine</a:t>
             </a:r>
             <a:r>
               <a:rPr lang="fr-FR" sz="1200" dirty="0"/>
-              <a:t>&lt;String, </a:t>
-            </a:r>
-            <a:r>
-              <a:rPr lang="fr-FR" sz="1200" dirty="0" err="1"/>
-              <a:t>Integer</a:t>
-            </a:r>
+              <a:t>();</a:t>
+            </a:r>
+          </a:p>
+          <a:p>
+            <a:pPr lvl="2"/>
+            <a:r>
+              <a:rPr lang="fr-FR" sz="1200" dirty="0" smtClean="0"/>
+              <a:t>       }</a:t>
+            </a:r>
+            <a:endParaRPr lang="fr-FR" sz="1200" dirty="0"/>
+          </a:p>
+          <a:p>
+            <a:pPr lvl="1"/>
+            <a:r>
+              <a:rPr lang="fr-FR" sz="1200" dirty="0" smtClean="0"/>
+              <a:t>	</a:t>
+            </a:r>
+            <a:r>
+              <a:rPr lang="fr-FR" sz="1200" dirty="0" err="1" smtClean="0"/>
+              <a:t>reader.</a:t>
+            </a:r>
+            <a:r>
+              <a:rPr lang="fr-FR" sz="1200" u="sng" dirty="0" err="1" smtClean="0"/>
+              <a:t>close</a:t>
+            </a:r>
+            <a:r>
+              <a:rPr lang="fr-FR" sz="1200" u="sng" dirty="0"/>
+              <a:t>();</a:t>
+            </a:r>
+          </a:p>
+          <a:p>
+            <a:pPr lvl="1"/>
             <a:r>
               <a:rPr lang="fr-FR" sz="1200" dirty="0"/>
-              <a:t>&gt; </a:t>
-            </a:r>
-            <a:r>
-              <a:rPr lang="fr-FR" sz="1200" dirty="0" err="1"/>
-              <a:t>map</a:t>
-            </a:r>
+              <a:t> </a:t>
+            </a:r>
+            <a:r>
+              <a:rPr lang="fr-FR" sz="1200" dirty="0" smtClean="0"/>
+              <a:t>     } </a:t>
+            </a:r>
+            <a:r>
+              <a:rPr lang="fr-FR" sz="1200" b="1" dirty="0"/>
+              <a:t>catch (</a:t>
+            </a:r>
+            <a:r>
+              <a:rPr lang="fr-FR" sz="1200" b="1" dirty="0" err="1"/>
+              <a:t>IOException</a:t>
+            </a:r>
+            <a:r>
+              <a:rPr lang="fr-FR" sz="1200" b="1" dirty="0"/>
+              <a:t> e) {</a:t>
+            </a:r>
+          </a:p>
+          <a:p>
+            <a:pPr lvl="1"/>
+            <a:r>
+              <a:rPr lang="fr-FR" sz="1200" dirty="0" smtClean="0"/>
+              <a:t>              </a:t>
+            </a:r>
+            <a:r>
+              <a:rPr lang="fr-FR" sz="1200" dirty="0" err="1" smtClean="0"/>
+              <a:t>e.</a:t>
+            </a:r>
+            <a:r>
+              <a:rPr lang="fr-FR" sz="1200" u="sng" dirty="0" err="1" smtClean="0"/>
+              <a:t>printStackTrace</a:t>
+            </a:r>
+            <a:r>
+              <a:rPr lang="fr-FR" sz="1200" u="sng" dirty="0"/>
+              <a:t>();</a:t>
+            </a:r>
+          </a:p>
+          <a:p>
+            <a:pPr lvl="1"/>
+            <a:r>
+              <a:rPr lang="fr-FR" sz="1200" dirty="0" smtClean="0"/>
+              <a:t>      }</a:t>
+            </a:r>
+            <a:endParaRPr lang="fr-FR" sz="1200" dirty="0"/>
+          </a:p>
+          <a:p>
+            <a:pPr lvl="1"/>
             <a:r>
               <a:rPr lang="fr-FR" sz="1200" dirty="0"/>
-              <a:t> = </a:t>
-            </a:r>
-            <a:r>
-              <a:rPr lang="fr-FR" sz="1200" b="1" dirty="0"/>
-              <a:t>new </a:t>
+              <a:t>}</a:t>
+            </a:r>
+          </a:p>
+          <a:p>
+            <a:endParaRPr lang="fr-FR" sz="1200" dirty="0"/>
+          </a:p>
+          <a:p>
+            <a:r>
+              <a:rPr lang="fr-FR" sz="1200" b="1" dirty="0" smtClean="0"/>
+              <a:t>        return </a:t>
             </a:r>
             <a:r>
               <a:rPr lang="fr-FR" sz="1200" b="1" dirty="0" err="1"/>
-              <a:t>HashMap</a:t>
-            </a:r>
-            <a:r>
-              <a:rPr lang="fr-FR" sz="1200" b="1" dirty="0"/>
-              <a:t>&lt;&gt;();</a:t>
-            </a:r>
-          </a:p>
-          <a:p>
-            <a:pPr lvl="3"/>
-            <a:r>
-              <a:rPr lang="fr-FR" sz="1200" dirty="0"/>
-              <a:t>        </a:t>
-            </a:r>
-            <a:r>
-              <a:rPr lang="fr-FR" sz="1200" b="1" dirty="0"/>
-              <a:t>for (String </a:t>
-            </a:r>
-            <a:r>
-              <a:rPr lang="fr-FR" sz="1200" b="1" dirty="0" err="1"/>
-              <a:t>symptom</a:t>
-            </a:r>
-            <a:r>
-              <a:rPr lang="fr-FR" sz="1200" b="1" dirty="0"/>
-              <a:t> : </a:t>
-            </a:r>
-            <a:r>
-              <a:rPr lang="fr-FR" sz="1200" b="1" dirty="0" err="1"/>
-              <a:t>alphabeticSymptomList</a:t>
-            </a:r>
-            <a:r>
-              <a:rPr lang="fr-FR" sz="1200" b="1" dirty="0"/>
-              <a:t>) {</a:t>
-            </a:r>
-          </a:p>
-          <a:p>
-            <a:pPr lvl="3"/>
-            <a:r>
-              <a:rPr lang="fr-FR" sz="1200" dirty="0"/>
-              <a:t>            </a:t>
-            </a:r>
-            <a:r>
-              <a:rPr lang="fr-FR" sz="1200" dirty="0" err="1"/>
-              <a:t>Integer</a:t>
-            </a:r>
-            <a:r>
-              <a:rPr lang="fr-FR" sz="1200" dirty="0"/>
-              <a:t> nombre = </a:t>
-            </a:r>
-            <a:r>
-              <a:rPr lang="fr-FR" sz="1200" dirty="0" err="1"/>
-              <a:t>map.get</a:t>
-            </a:r>
-            <a:r>
-              <a:rPr lang="fr-FR" sz="1200" dirty="0"/>
-              <a:t>(</a:t>
-            </a:r>
-            <a:r>
-              <a:rPr lang="fr-FR" sz="1200" dirty="0" err="1"/>
-              <a:t>symptom</a:t>
-            </a:r>
-            <a:r>
-              <a:rPr lang="fr-FR" sz="1200" dirty="0"/>
-              <a:t>);</a:t>
-            </a:r>
-          </a:p>
-          <a:p>
-            <a:pPr lvl="3"/>
-            <a:r>
-              <a:rPr lang="fr-FR" sz="1200" dirty="0"/>
-              <a:t>            </a:t>
-            </a:r>
-            <a:r>
-              <a:rPr lang="fr-FR" sz="1200" b="1" dirty="0"/>
-              <a:t>if (nombre == </a:t>
-            </a:r>
-            <a:r>
-              <a:rPr lang="fr-FR" sz="1200" b="1" dirty="0" err="1"/>
-              <a:t>null</a:t>
-            </a:r>
-            <a:r>
-              <a:rPr lang="fr-FR" sz="1200" b="1" dirty="0"/>
-              <a:t>) {</a:t>
-            </a:r>
-          </a:p>
-          <a:p>
-            <a:pPr lvl="3"/>
-            <a:r>
-              <a:rPr lang="fr-FR" sz="1200" dirty="0"/>
-              <a:t>                nombre = 0;</a:t>
-            </a:r>
-          </a:p>
-          <a:p>
-            <a:pPr lvl="3"/>
-            <a:r>
-              <a:rPr lang="fr-FR" sz="1200" dirty="0"/>
-              <a:t>            }</a:t>
-            </a:r>
-          </a:p>
-          <a:p>
-            <a:pPr lvl="3"/>
-            <a:r>
-              <a:rPr lang="fr-FR" sz="1200" dirty="0"/>
-              <a:t>            nombre++;</a:t>
-            </a:r>
-          </a:p>
-          <a:p>
-            <a:pPr lvl="3"/>
-            <a:r>
-              <a:rPr lang="fr-FR" sz="1200" dirty="0"/>
-              <a:t>            </a:t>
-            </a:r>
-            <a:r>
-              <a:rPr lang="fr-FR" sz="1200" dirty="0" err="1"/>
-              <a:t>map.put</a:t>
-            </a:r>
-            <a:r>
-              <a:rPr lang="fr-FR" sz="1200" dirty="0"/>
-              <a:t>(</a:t>
-            </a:r>
-            <a:r>
-              <a:rPr lang="fr-FR" sz="1200" dirty="0" err="1"/>
-              <a:t>symptom</a:t>
-            </a:r>
-            <a:r>
-              <a:rPr lang="fr-FR" sz="1200" dirty="0"/>
-              <a:t>, nombre);</a:t>
-            </a:r>
-          </a:p>
-          <a:p>
-            <a:pPr lvl="3"/>
-            <a:r>
-              <a:rPr lang="fr-FR" sz="1200" dirty="0"/>
-              <a:t>        }</a:t>
-            </a:r>
-          </a:p>
-          <a:p>
-            <a:pPr lvl="3"/>
-            <a:r>
-              <a:rPr lang="fr-FR" sz="1200" dirty="0"/>
-              <a:t>        </a:t>
-            </a:r>
-            <a:r>
-              <a:rPr lang="fr-FR" sz="1200" b="1" dirty="0"/>
-              <a:t>return </a:t>
-            </a:r>
-            <a:r>
-              <a:rPr lang="fr-FR" sz="1200" b="1" dirty="0" err="1"/>
-              <a:t>map</a:t>
+              <a:t>result</a:t>
             </a:r>
             <a:r>
               <a:rPr lang="fr-FR" sz="1200" b="1" dirty="0"/>
@@ -10978,53 +12161,17 @@
             </a:r>
           </a:p>
           <a:p>
-            <a:pPr lvl="3"/>
             <a:r>
               <a:rPr lang="fr-FR" sz="1200" dirty="0"/>
-              <a:t>    }</a:t>
-            </a:r>
-            <a:r>
-              <a:rPr lang="fr-FR" sz="1200" dirty="0" smtClean="0">
-                <a:latin typeface="Tahoma" pitchFamily="34" charset="0"/>
-                <a:ea typeface="Tahoma" pitchFamily="34" charset="0"/>
-                <a:cs typeface="Tahoma" pitchFamily="34" charset="0"/>
-              </a:rPr>
-              <a:t> </a:t>
-            </a:r>
-            <a:endParaRPr lang="fr-FR" sz="1200" dirty="0" smtClean="0">
-              <a:latin typeface="Tahoma" pitchFamily="34" charset="0"/>
-              <a:ea typeface="Tahoma" pitchFamily="34" charset="0"/>
-              <a:cs typeface="Tahoma" pitchFamily="34" charset="0"/>
-            </a:endParaRPr>
-          </a:p>
-          <a:p>
-            <a:r>
-              <a:rPr lang="fr-FR" sz="1000" b="1" dirty="0" smtClean="0">
-                <a:latin typeface="Tahoma" pitchFamily="34" charset="0"/>
-                <a:ea typeface="Tahoma" pitchFamily="34" charset="0"/>
-                <a:cs typeface="Tahoma" pitchFamily="34" charset="0"/>
-              </a:rPr>
-              <a:t> </a:t>
-            </a:r>
-            <a:r>
-              <a:rPr lang="fr-FR" sz="1000" b="1" dirty="0" smtClean="0"/>
-              <a:t> </a:t>
-            </a:r>
-            <a:endParaRPr lang="fr-FR" sz="1400" b="1" dirty="0" smtClean="0">
-              <a:solidFill>
-                <a:schemeClr val="tx2"/>
-              </a:solidFill>
-              <a:latin typeface="Tahoma" pitchFamily="34" charset="0"/>
-              <a:ea typeface="Tahoma" pitchFamily="34" charset="0"/>
-              <a:cs typeface="Tahoma" pitchFamily="34" charset="0"/>
-            </a:endParaRPr>
+              <a:t>}</a:t>
+            </a:r>
           </a:p>
         </p:txBody>
       </p:sp>
     </p:spTree>
     <p:extLst>
       <p:ext uri="{BB962C8B-B14F-4D97-AF65-F5344CB8AC3E}">
-        <p14:creationId xmlns:p14="http://schemas.microsoft.com/office/powerpoint/2010/main" val="2946787431"/>
+        <p14:creationId xmlns:p14="http://schemas.microsoft.com/office/powerpoint/2010/main" val="38146098"/>
       </p:ext>
     </p:extLst>
   </p:cSld>
@@ -11053,459 +12200,7 @@
       </p:grpSpPr>
       <p:sp>
         <p:nvSpPr>
-          <p:cNvPr id="6" name="Rogner un rectangle avec un coin diagonal 5"/>
-          <p:cNvSpPr/>
-          <p:nvPr/>
-        </p:nvSpPr>
-        <p:spPr>
-          <a:xfrm>
-            <a:off x="166271" y="476672"/>
-            <a:ext cx="4572000" cy="288032"/>
-          </a:xfrm>
-          <a:prstGeom prst="snip2DiagRect">
-            <a:avLst/>
-          </a:prstGeom>
-          <a:solidFill>
-            <a:schemeClr val="accent6">
-              <a:lumMod val="75000"/>
-            </a:schemeClr>
-          </a:solidFill>
-          <a:ln>
-            <a:noFill/>
-          </a:ln>
-        </p:spPr>
-        <p:style>
-          <a:lnRef idx="2">
-            <a:schemeClr val="accent1">
-              <a:shade val="50000"/>
-            </a:schemeClr>
-          </a:lnRef>
-          <a:fillRef idx="1">
-            <a:schemeClr val="accent1"/>
-          </a:fillRef>
-          <a:effectRef idx="0">
-            <a:schemeClr val="accent1"/>
-          </a:effectRef>
-          <a:fontRef idx="minor">
-            <a:schemeClr val="lt1"/>
-          </a:fontRef>
-        </p:style>
-        <p:txBody>
-          <a:bodyPr rtlCol="0" anchor="ctr"/>
-          <a:lstStyle/>
-          <a:p>
-            <a:pPr algn="ctr"/>
-            <a:r>
-              <a:rPr lang="fr-FR" sz="1400" b="1" dirty="0" smtClean="0">
-                <a:latin typeface="Tahoma" pitchFamily="34" charset="0"/>
-                <a:ea typeface="Tahoma" pitchFamily="34" charset="0"/>
-                <a:cs typeface="Tahoma" pitchFamily="34" charset="0"/>
-              </a:rPr>
-              <a:t>Présentation de </a:t>
-            </a:r>
-            <a:r>
-              <a:rPr lang="fr-FR" sz="1400" b="1" dirty="0" smtClean="0">
-                <a:latin typeface="Tahoma" pitchFamily="34" charset="0"/>
-                <a:ea typeface="Tahoma" pitchFamily="34" charset="0"/>
-                <a:cs typeface="Tahoma" pitchFamily="34" charset="0"/>
-              </a:rPr>
-              <a:t>La </a:t>
-            </a:r>
-            <a:r>
-              <a:rPr lang="fr-FR" sz="1400" b="1" dirty="0" smtClean="0">
-                <a:latin typeface="Tahoma" pitchFamily="34" charset="0"/>
-                <a:ea typeface="Tahoma" pitchFamily="34" charset="0"/>
-                <a:cs typeface="Tahoma" pitchFamily="34" charset="0"/>
-              </a:rPr>
-              <a:t>solution  </a:t>
-            </a:r>
-            <a:endParaRPr lang="fr-FR" sz="1400" b="1" dirty="0">
-              <a:latin typeface="Tahoma" pitchFamily="34" charset="0"/>
-              <a:ea typeface="Tahoma" pitchFamily="34" charset="0"/>
-              <a:cs typeface="Tahoma" pitchFamily="34" charset="0"/>
-            </a:endParaRPr>
-          </a:p>
-        </p:txBody>
-      </p:sp>
-      <p:sp>
-        <p:nvSpPr>
-          <p:cNvPr id="7" name="ZoneTexte 6"/>
-          <p:cNvSpPr txBox="1"/>
-          <p:nvPr/>
-        </p:nvSpPr>
-        <p:spPr>
-          <a:xfrm>
-            <a:off x="179512" y="764704"/>
-            <a:ext cx="8640960" cy="3693319"/>
-          </a:xfrm>
-          <a:prstGeom prst="rect">
-            <a:avLst/>
-          </a:prstGeom>
-          <a:noFill/>
-        </p:spPr>
-        <p:txBody>
-          <a:bodyPr wrap="square" rtlCol="0">
-            <a:spAutoFit/>
-          </a:bodyPr>
-          <a:lstStyle/>
-          <a:p>
-            <a:pPr marL="1200150" lvl="2" indent="-285750" algn="just">
-              <a:lnSpc>
-                <a:spcPct val="150000"/>
-              </a:lnSpc>
-              <a:buFont typeface="Wingdings" pitchFamily="2" charset="2"/>
-              <a:buChar char="§"/>
-            </a:pPr>
-            <a:r>
-              <a:rPr lang="fr-FR" sz="1600" b="1" dirty="0" err="1" smtClean="0"/>
-              <a:t>sortSymptoms</a:t>
-            </a:r>
-            <a:r>
-              <a:rPr lang="fr-FR" sz="1400" dirty="0"/>
-              <a:t>(</a:t>
-            </a:r>
-            <a:r>
-              <a:rPr lang="fr-FR" sz="1400" dirty="0" err="1"/>
-              <a:t>Map</a:t>
-            </a:r>
-            <a:r>
-              <a:rPr lang="fr-FR" sz="1400" dirty="0"/>
-              <a:t>&lt;String, </a:t>
-            </a:r>
-            <a:r>
-              <a:rPr lang="fr-FR" sz="1400" dirty="0" err="1"/>
-              <a:t>Integer</a:t>
-            </a:r>
-            <a:r>
-              <a:rPr lang="fr-FR" sz="1400" dirty="0"/>
-              <a:t>&gt; </a:t>
-            </a:r>
-            <a:r>
-              <a:rPr lang="fr-FR" sz="1400" dirty="0" err="1"/>
-              <a:t>groupedSymptoms</a:t>
-            </a:r>
-            <a:r>
-              <a:rPr lang="fr-FR" sz="1400" dirty="0" smtClean="0"/>
-              <a:t>): permet de trier les symptômes dans l’ordre alphabétique</a:t>
-            </a:r>
-          </a:p>
-          <a:p>
-            <a:pPr marL="1200150" lvl="2" indent="-285750" algn="just">
-              <a:lnSpc>
-                <a:spcPct val="150000"/>
-              </a:lnSpc>
-              <a:buFont typeface="Wingdings" pitchFamily="2" charset="2"/>
-              <a:buChar char="§"/>
-            </a:pPr>
-            <a:endParaRPr lang="fr-FR" sz="1400" b="1" dirty="0">
-              <a:solidFill>
-                <a:schemeClr val="tx2"/>
-              </a:solidFill>
-              <a:latin typeface="Tahoma" pitchFamily="34" charset="0"/>
-              <a:ea typeface="Tahoma" pitchFamily="34" charset="0"/>
-              <a:cs typeface="Tahoma" pitchFamily="34" charset="0"/>
-            </a:endParaRPr>
-          </a:p>
-          <a:p>
-            <a:pPr lvl="3"/>
-            <a:r>
-              <a:rPr lang="fr-FR" sz="1200" dirty="0"/>
-              <a:t>/**</a:t>
-            </a:r>
-          </a:p>
-          <a:p>
-            <a:pPr lvl="3"/>
-            <a:r>
-              <a:rPr lang="en-US" sz="1200" dirty="0"/>
-              <a:t>     * Sort the map of grouped symptoms     </a:t>
-            </a:r>
-          </a:p>
-          <a:p>
-            <a:pPr lvl="3"/>
-            <a:r>
-              <a:rPr lang="fr-FR" sz="1200" dirty="0"/>
-              <a:t>     * </a:t>
-            </a:r>
-            <a:r>
-              <a:rPr lang="fr-FR" sz="1200" b="1" dirty="0"/>
-              <a:t>@</a:t>
-            </a:r>
-            <a:r>
-              <a:rPr lang="fr-FR" sz="1200" b="1" dirty="0" err="1"/>
-              <a:t>param</a:t>
-            </a:r>
-            <a:r>
-              <a:rPr lang="fr-FR" sz="1200" b="1" dirty="0"/>
-              <a:t> </a:t>
-            </a:r>
-            <a:r>
-              <a:rPr lang="fr-FR" sz="1200" b="1" dirty="0" err="1"/>
-              <a:t>groupedSymptoms</a:t>
-            </a:r>
-            <a:endParaRPr lang="fr-FR" sz="1200" b="1" dirty="0"/>
-          </a:p>
-          <a:p>
-            <a:pPr lvl="3"/>
-            <a:r>
-              <a:rPr lang="en-US" sz="1200" dirty="0"/>
-              <a:t>     * </a:t>
-            </a:r>
-            <a:r>
-              <a:rPr lang="en-US" sz="1200" b="1" dirty="0"/>
-              <a:t>@return list of symptoms sorted in alphabetical order</a:t>
-            </a:r>
-          </a:p>
-          <a:p>
-            <a:pPr lvl="3"/>
-            <a:r>
-              <a:rPr lang="fr-FR" sz="1200" dirty="0"/>
-              <a:t>     */</a:t>
-            </a:r>
-          </a:p>
-          <a:p>
-            <a:pPr lvl="3"/>
-            <a:r>
-              <a:rPr lang="fr-FR" sz="1200" dirty="0"/>
-              <a:t>    </a:t>
-            </a:r>
-            <a:r>
-              <a:rPr lang="fr-FR" sz="1200" b="1" dirty="0"/>
-              <a:t>public </a:t>
-            </a:r>
-            <a:r>
-              <a:rPr lang="fr-FR" sz="1200" b="1" dirty="0" err="1"/>
-              <a:t>Map</a:t>
-            </a:r>
-            <a:r>
-              <a:rPr lang="fr-FR" sz="1200" b="1" dirty="0"/>
-              <a:t>&lt;String, </a:t>
-            </a:r>
-            <a:r>
-              <a:rPr lang="fr-FR" sz="1200" b="1" dirty="0" err="1"/>
-              <a:t>Integer</a:t>
-            </a:r>
-            <a:r>
-              <a:rPr lang="fr-FR" sz="1200" b="1" dirty="0"/>
-              <a:t>&gt; </a:t>
-            </a:r>
-            <a:r>
-              <a:rPr lang="fr-FR" sz="1200" b="1" dirty="0" err="1"/>
-              <a:t>sortSymptoms</a:t>
-            </a:r>
-            <a:r>
-              <a:rPr lang="fr-FR" sz="1200" b="1" dirty="0"/>
-              <a:t>(</a:t>
-            </a:r>
-            <a:r>
-              <a:rPr lang="fr-FR" sz="1200" b="1" dirty="0" err="1"/>
-              <a:t>Map</a:t>
-            </a:r>
-            <a:r>
-              <a:rPr lang="fr-FR" sz="1200" b="1" dirty="0"/>
-              <a:t>&lt;String, </a:t>
-            </a:r>
-            <a:r>
-              <a:rPr lang="fr-FR" sz="1200" b="1" dirty="0" err="1"/>
-              <a:t>Integer</a:t>
-            </a:r>
-            <a:r>
-              <a:rPr lang="fr-FR" sz="1200" b="1" dirty="0"/>
-              <a:t>&gt; </a:t>
-            </a:r>
-            <a:r>
-              <a:rPr lang="fr-FR" sz="1200" b="1" dirty="0" err="1"/>
-              <a:t>groupedSymptoms</a:t>
-            </a:r>
-            <a:r>
-              <a:rPr lang="fr-FR" sz="1200" b="1" dirty="0"/>
-              <a:t>) {        </a:t>
-            </a:r>
-          </a:p>
-          <a:p>
-            <a:pPr lvl="3"/>
-            <a:r>
-              <a:rPr lang="fr-FR" sz="1200" dirty="0"/>
-              <a:t>        </a:t>
-            </a:r>
-          </a:p>
-          <a:p>
-            <a:pPr lvl="3"/>
-            <a:r>
-              <a:rPr lang="fr-FR" sz="1200" dirty="0"/>
-              <a:t>    </a:t>
-            </a:r>
-            <a:r>
-              <a:rPr lang="fr-FR" sz="1200" dirty="0" err="1"/>
-              <a:t>Map</a:t>
-            </a:r>
-            <a:r>
-              <a:rPr lang="fr-FR" sz="1200" dirty="0"/>
-              <a:t>&lt;String, </a:t>
-            </a:r>
-            <a:r>
-              <a:rPr lang="fr-FR" sz="1200" dirty="0" err="1"/>
-              <a:t>Integer</a:t>
-            </a:r>
-            <a:r>
-              <a:rPr lang="fr-FR" sz="1200" dirty="0"/>
-              <a:t>&gt; </a:t>
-            </a:r>
-            <a:r>
-              <a:rPr lang="fr-FR" sz="1200" dirty="0" err="1"/>
-              <a:t>result</a:t>
-            </a:r>
-            <a:r>
-              <a:rPr lang="fr-FR" sz="1200" dirty="0"/>
-              <a:t> = </a:t>
-            </a:r>
-            <a:r>
-              <a:rPr lang="fr-FR" sz="1200" b="1" dirty="0"/>
-              <a:t>new </a:t>
-            </a:r>
-            <a:r>
-              <a:rPr lang="fr-FR" sz="1200" b="1" dirty="0" err="1"/>
-              <a:t>LinkedHashMap</a:t>
-            </a:r>
-            <a:r>
-              <a:rPr lang="fr-FR" sz="1200" b="1" dirty="0"/>
-              <a:t>&lt;&gt;();</a:t>
-            </a:r>
-          </a:p>
-          <a:p>
-            <a:pPr lvl="3"/>
-            <a:r>
-              <a:rPr lang="fr-FR" sz="1200" dirty="0"/>
-              <a:t>        </a:t>
-            </a:r>
-            <a:r>
-              <a:rPr lang="fr-FR" sz="1200" dirty="0" err="1"/>
-              <a:t>groupedSymptoms.entrySet</a:t>
-            </a:r>
-            <a:r>
-              <a:rPr lang="fr-FR" sz="1200" dirty="0"/>
-              <a:t>().</a:t>
-            </a:r>
-            <a:r>
-              <a:rPr lang="fr-FR" sz="1200" dirty="0" err="1"/>
-              <a:t>stream</a:t>
-            </a:r>
-            <a:r>
-              <a:rPr lang="fr-FR" sz="1200" dirty="0"/>
-              <a:t>()</a:t>
-            </a:r>
-          </a:p>
-          <a:p>
-            <a:pPr lvl="3"/>
-            <a:r>
-              <a:rPr lang="fr-FR" sz="1200" dirty="0"/>
-              <a:t>                .</a:t>
-            </a:r>
-            <a:r>
-              <a:rPr lang="fr-FR" sz="1200" dirty="0" err="1"/>
-              <a:t>sorted</a:t>
-            </a:r>
-            <a:r>
-              <a:rPr lang="fr-FR" sz="1200" dirty="0"/>
-              <a:t>(</a:t>
-            </a:r>
-            <a:r>
-              <a:rPr lang="fr-FR" sz="1200" dirty="0" err="1"/>
-              <a:t>Map.Entry.</a:t>
-            </a:r>
-            <a:r>
-              <a:rPr lang="fr-FR" sz="1200" i="1" dirty="0" err="1"/>
-              <a:t>comparingByKey</a:t>
-            </a:r>
-            <a:r>
-              <a:rPr lang="fr-FR" sz="1200" i="1" dirty="0"/>
-              <a:t>())</a:t>
-            </a:r>
-          </a:p>
-          <a:p>
-            <a:pPr lvl="3"/>
-            <a:r>
-              <a:rPr lang="fr-FR" sz="1200" dirty="0"/>
-              <a:t>                .</a:t>
-            </a:r>
-            <a:r>
-              <a:rPr lang="fr-FR" sz="1200" dirty="0" err="1"/>
-              <a:t>forEachOrdered</a:t>
-            </a:r>
-            <a:r>
-              <a:rPr lang="fr-FR" sz="1200" dirty="0"/>
-              <a:t>(x -&gt; </a:t>
-            </a:r>
-            <a:r>
-              <a:rPr lang="fr-FR" sz="1200" dirty="0" err="1"/>
-              <a:t>result.put</a:t>
-            </a:r>
-            <a:r>
-              <a:rPr lang="fr-FR" sz="1200" dirty="0"/>
-              <a:t>(</a:t>
-            </a:r>
-            <a:r>
-              <a:rPr lang="fr-FR" sz="1200" dirty="0" err="1"/>
-              <a:t>x.getKey</a:t>
-            </a:r>
-            <a:r>
-              <a:rPr lang="fr-FR" sz="1200" dirty="0"/>
-              <a:t>(), </a:t>
-            </a:r>
-            <a:r>
-              <a:rPr lang="fr-FR" sz="1200" dirty="0" err="1"/>
-              <a:t>x.getValue</a:t>
-            </a:r>
-            <a:r>
-              <a:rPr lang="fr-FR" sz="1200" dirty="0"/>
-              <a:t>()));     </a:t>
-            </a:r>
-          </a:p>
-          <a:p>
-            <a:pPr lvl="3"/>
-            <a:r>
-              <a:rPr lang="fr-FR" sz="1200" dirty="0"/>
-              <a:t>        </a:t>
-            </a:r>
-            <a:r>
-              <a:rPr lang="fr-FR" sz="1200" b="1" dirty="0"/>
-              <a:t>return </a:t>
-            </a:r>
-            <a:r>
-              <a:rPr lang="fr-FR" sz="1200" b="1" dirty="0" err="1"/>
-              <a:t>result</a:t>
-            </a:r>
-            <a:r>
-              <a:rPr lang="fr-FR" sz="1200" b="1" dirty="0"/>
-              <a:t>;</a:t>
-            </a:r>
-          </a:p>
-          <a:p>
-            <a:pPr lvl="3"/>
-            <a:r>
-              <a:rPr lang="fr-FR" sz="1200" dirty="0"/>
-              <a:t>        </a:t>
-            </a:r>
-          </a:p>
-          <a:p>
-            <a:pPr lvl="3"/>
-            <a:r>
-              <a:rPr lang="fr-FR" sz="1200" dirty="0"/>
-              <a:t>    }</a:t>
-            </a:r>
-            <a:endParaRPr lang="fr-FR" sz="1200" b="1" dirty="0" smtClean="0">
-              <a:solidFill>
-                <a:schemeClr val="tx2"/>
-              </a:solidFill>
-              <a:latin typeface="Tahoma" pitchFamily="34" charset="0"/>
-              <a:ea typeface="Tahoma" pitchFamily="34" charset="0"/>
-              <a:cs typeface="Tahoma" pitchFamily="34" charset="0"/>
-            </a:endParaRPr>
-          </a:p>
-        </p:txBody>
-      </p:sp>
-      <p:sp>
-        <p:nvSpPr>
-          <p:cNvPr id="8" name="Rectangle 7"/>
+          <p:cNvPr id="4" name="Rectangle 3"/>
           <p:cNvSpPr/>
           <p:nvPr/>
         </p:nvSpPr>
@@ -11563,10 +12258,399 @@
           </a:p>
         </p:txBody>
       </p:sp>
+      <p:sp>
+        <p:nvSpPr>
+          <p:cNvPr id="6" name="ZoneTexte 5"/>
+          <p:cNvSpPr txBox="1"/>
+          <p:nvPr/>
+        </p:nvSpPr>
+        <p:spPr>
+          <a:xfrm>
+            <a:off x="179512" y="404664"/>
+            <a:ext cx="8640960" cy="3600986"/>
+          </a:xfrm>
+          <a:prstGeom prst="rect">
+            <a:avLst/>
+          </a:prstGeom>
+          <a:noFill/>
+        </p:spPr>
+        <p:txBody>
+          <a:bodyPr wrap="square" rtlCol="0">
+            <a:spAutoFit/>
+          </a:bodyPr>
+          <a:lstStyle/>
+          <a:p>
+            <a:endParaRPr lang="fr-FR" sz="1200" dirty="0"/>
+          </a:p>
+          <a:p>
+            <a:r>
+              <a:rPr lang="fr-FR" sz="1200" dirty="0"/>
+              <a:t>     /**</a:t>
+            </a:r>
+          </a:p>
+          <a:p>
+            <a:r>
+              <a:rPr lang="en-US" sz="1200" dirty="0"/>
+              <a:t>     * write the sorted symptoms in the </a:t>
+            </a:r>
+            <a:r>
+              <a:rPr lang="en-US" sz="1200" dirty="0" err="1"/>
+              <a:t>result.out</a:t>
+            </a:r>
+            <a:r>
+              <a:rPr lang="en-US" sz="1200" dirty="0"/>
+              <a:t> file      </a:t>
+            </a:r>
+          </a:p>
+          <a:p>
+            <a:r>
+              <a:rPr lang="fr-FR" sz="1200" dirty="0"/>
+              <a:t>     * </a:t>
+            </a:r>
+            <a:r>
+              <a:rPr lang="fr-FR" sz="1200" b="1" dirty="0"/>
+              <a:t>@</a:t>
+            </a:r>
+            <a:r>
+              <a:rPr lang="fr-FR" sz="1200" b="1" dirty="0" err="1"/>
+              <a:t>see</a:t>
+            </a:r>
+            <a:r>
+              <a:rPr lang="fr-FR" sz="1200" b="1" dirty="0"/>
+              <a:t> </a:t>
+            </a:r>
+            <a:r>
+              <a:rPr lang="fr-FR" sz="1200" b="1" dirty="0" err="1"/>
+              <a:t>com.hemebiotech.analytics#ISymptomReader.writeFile</a:t>
+            </a:r>
+            <a:r>
+              <a:rPr lang="fr-FR" sz="1200" b="1" dirty="0"/>
+              <a:t>(String </a:t>
+            </a:r>
+            <a:r>
+              <a:rPr lang="fr-FR" sz="1200" b="1" dirty="0" err="1"/>
+              <a:t>fileOut</a:t>
+            </a:r>
+            <a:r>
+              <a:rPr lang="fr-FR" sz="1200" b="1" dirty="0"/>
+              <a:t>, </a:t>
+            </a:r>
+            <a:r>
+              <a:rPr lang="fr-FR" sz="1200" b="1" dirty="0" err="1"/>
+              <a:t>Map</a:t>
+            </a:r>
+            <a:r>
+              <a:rPr lang="fr-FR" sz="1200" b="1" dirty="0"/>
+              <a:t>&lt;String, </a:t>
+            </a:r>
+            <a:r>
+              <a:rPr lang="fr-FR" sz="1200" b="1" dirty="0" err="1"/>
+              <a:t>Integer</a:t>
+            </a:r>
+            <a:r>
+              <a:rPr lang="fr-FR" sz="1200" b="1" dirty="0"/>
+              <a:t>&gt; </a:t>
+            </a:r>
+            <a:r>
+              <a:rPr lang="fr-FR" sz="1200" b="1" dirty="0" err="1"/>
+              <a:t>groupedSymptoms</a:t>
+            </a:r>
+            <a:r>
+              <a:rPr lang="fr-FR" sz="1200" b="1" dirty="0"/>
+              <a:t>)</a:t>
+            </a:r>
+          </a:p>
+          <a:p>
+            <a:r>
+              <a:rPr lang="fr-FR" sz="1200" dirty="0"/>
+              <a:t>     * </a:t>
+            </a:r>
+            <a:r>
+              <a:rPr lang="fr-FR" sz="1200" b="1" dirty="0"/>
+              <a:t>@</a:t>
+            </a:r>
+            <a:r>
+              <a:rPr lang="fr-FR" sz="1200" b="1" dirty="0" err="1"/>
+              <a:t>param</a:t>
+            </a:r>
+            <a:r>
+              <a:rPr lang="fr-FR" sz="1200" b="1" dirty="0"/>
+              <a:t> </a:t>
+            </a:r>
+            <a:r>
+              <a:rPr lang="fr-FR" sz="1200" b="1" dirty="0" err="1"/>
+              <a:t>groupedSymptoms</a:t>
+            </a:r>
+            <a:r>
+              <a:rPr lang="fr-FR" sz="1200" b="1" dirty="0"/>
+              <a:t> </a:t>
+            </a:r>
+          </a:p>
+          <a:p>
+            <a:r>
+              <a:rPr lang="fr-FR" sz="1200" dirty="0"/>
+              <a:t>     */</a:t>
+            </a:r>
+          </a:p>
+          <a:p>
+            <a:r>
+              <a:rPr lang="fr-FR" sz="1200" dirty="0"/>
+              <a:t>   </a:t>
+            </a:r>
+          </a:p>
+          <a:p>
+            <a:r>
+              <a:rPr lang="fr-FR" sz="1200" dirty="0" smtClean="0"/>
+              <a:t>     @</a:t>
+            </a:r>
+            <a:r>
+              <a:rPr lang="fr-FR" sz="1200" dirty="0" err="1" smtClean="0"/>
+              <a:t>Override</a:t>
+            </a:r>
+            <a:endParaRPr lang="fr-FR" sz="1200" dirty="0" smtClean="0"/>
+          </a:p>
+          <a:p>
+            <a:r>
+              <a:rPr lang="fr-FR" sz="1200" b="1" dirty="0" smtClean="0"/>
+              <a:t>     public </a:t>
+            </a:r>
+            <a:r>
+              <a:rPr lang="fr-FR" sz="1200" b="1" dirty="0" err="1" smtClean="0"/>
+              <a:t>void</a:t>
+            </a:r>
+            <a:r>
+              <a:rPr lang="fr-FR" sz="1200" b="1" dirty="0" smtClean="0"/>
+              <a:t> </a:t>
+            </a:r>
+            <a:r>
+              <a:rPr lang="fr-FR" sz="1200" b="1" dirty="0" err="1" smtClean="0"/>
+              <a:t>writeFile</a:t>
+            </a:r>
+            <a:r>
+              <a:rPr lang="fr-FR" sz="1200" b="1" dirty="0" smtClean="0"/>
+              <a:t>(String </a:t>
+            </a:r>
+            <a:r>
+              <a:rPr lang="fr-FR" sz="1200" b="1" dirty="0" err="1" smtClean="0"/>
+              <a:t>fileOut,Map</a:t>
+            </a:r>
+            <a:r>
+              <a:rPr lang="fr-FR" sz="1200" b="1" dirty="0" smtClean="0"/>
+              <a:t>&lt;String, </a:t>
+            </a:r>
+            <a:r>
+              <a:rPr lang="fr-FR" sz="1200" b="1" dirty="0" err="1" smtClean="0"/>
+              <a:t>Integer</a:t>
+            </a:r>
+            <a:r>
+              <a:rPr lang="fr-FR" sz="1200" b="1" dirty="0" smtClean="0"/>
+              <a:t>&gt; </a:t>
+            </a:r>
+            <a:r>
+              <a:rPr lang="fr-FR" sz="1200" b="1" dirty="0" err="1" smtClean="0"/>
+              <a:t>groupedSymptoms</a:t>
+            </a:r>
+            <a:r>
+              <a:rPr lang="fr-FR" sz="1200" b="1" dirty="0" smtClean="0"/>
+              <a:t>) {</a:t>
+            </a:r>
+          </a:p>
+          <a:p>
+            <a:r>
+              <a:rPr lang="fr-FR" sz="1200" b="1" dirty="0" smtClean="0"/>
+              <a:t>           </a:t>
+            </a:r>
+            <a:r>
+              <a:rPr lang="fr-FR" sz="1200" b="1" dirty="0" err="1" smtClean="0"/>
+              <a:t>try</a:t>
+            </a:r>
+            <a:r>
+              <a:rPr lang="fr-FR" sz="1200" b="1" dirty="0" smtClean="0"/>
+              <a:t>(</a:t>
+            </a:r>
+            <a:r>
+              <a:rPr lang="fr-FR" sz="1200" b="1" dirty="0" err="1" smtClean="0"/>
+              <a:t>FileWriter</a:t>
+            </a:r>
+            <a:r>
+              <a:rPr lang="fr-FR" sz="1200" b="1" dirty="0" smtClean="0"/>
+              <a:t> </a:t>
+            </a:r>
+            <a:r>
+              <a:rPr lang="fr-FR" sz="1200" b="1" dirty="0" err="1" smtClean="0"/>
+              <a:t>writer</a:t>
+            </a:r>
+            <a:r>
+              <a:rPr lang="fr-FR" sz="1200" b="1" dirty="0" smtClean="0"/>
+              <a:t> = new </a:t>
+            </a:r>
+            <a:r>
+              <a:rPr lang="fr-FR" sz="1200" b="1" dirty="0" err="1" smtClean="0"/>
+              <a:t>FileWriter</a:t>
+            </a:r>
+            <a:r>
+              <a:rPr lang="fr-FR" sz="1200" b="1" dirty="0" smtClean="0"/>
+              <a:t>(</a:t>
+            </a:r>
+            <a:r>
+              <a:rPr lang="fr-FR" sz="1200" b="1" dirty="0" err="1" smtClean="0"/>
+              <a:t>fileOut</a:t>
+            </a:r>
+            <a:r>
+              <a:rPr lang="fr-FR" sz="1200" b="1" dirty="0" smtClean="0"/>
+              <a:t>)) {            </a:t>
+            </a:r>
+          </a:p>
+          <a:p>
+            <a:pPr lvl="1"/>
+            <a:r>
+              <a:rPr lang="en-US" sz="1200" dirty="0" smtClean="0"/>
+              <a:t>            </a:t>
+            </a:r>
+            <a:r>
+              <a:rPr lang="en-US" sz="1200" b="1" dirty="0" smtClean="0"/>
+              <a:t>for (Entry&lt;String, Integer&gt; key : </a:t>
+            </a:r>
+            <a:r>
+              <a:rPr lang="en-US" sz="1200" b="1" dirty="0" err="1" smtClean="0"/>
+              <a:t>groupedSymptoms.entrySet</a:t>
+            </a:r>
+            <a:r>
+              <a:rPr lang="en-US" sz="1200" b="1" dirty="0" smtClean="0"/>
+              <a:t>()) {</a:t>
+            </a:r>
+          </a:p>
+          <a:p>
+            <a:pPr lvl="1"/>
+            <a:r>
+              <a:rPr lang="fr-FR" sz="1200" dirty="0" smtClean="0"/>
+              <a:t>                </a:t>
+            </a:r>
+            <a:r>
+              <a:rPr lang="fr-FR" sz="1200" dirty="0" err="1" smtClean="0"/>
+              <a:t>writer.write</a:t>
+            </a:r>
+            <a:r>
+              <a:rPr lang="fr-FR" sz="1200" dirty="0" smtClean="0"/>
+              <a:t>(</a:t>
+            </a:r>
+            <a:r>
+              <a:rPr lang="fr-FR" sz="1200" dirty="0" err="1" smtClean="0"/>
+              <a:t>key.getKey</a:t>
+            </a:r>
+            <a:r>
+              <a:rPr lang="fr-FR" sz="1200" dirty="0" smtClean="0"/>
+              <a:t>() + " = " + </a:t>
+            </a:r>
+            <a:r>
+              <a:rPr lang="fr-FR" sz="1200" dirty="0" err="1" smtClean="0"/>
+              <a:t>groupedSymptoms.get</a:t>
+            </a:r>
+            <a:r>
+              <a:rPr lang="fr-FR" sz="1200" dirty="0" smtClean="0"/>
+              <a:t>(</a:t>
+            </a:r>
+            <a:r>
+              <a:rPr lang="fr-FR" sz="1200" dirty="0" err="1" smtClean="0"/>
+              <a:t>key.getKey</a:t>
+            </a:r>
+            <a:r>
+              <a:rPr lang="fr-FR" sz="1200" dirty="0" smtClean="0"/>
+              <a:t>()) + "\n");</a:t>
+            </a:r>
+          </a:p>
+          <a:p>
+            <a:pPr lvl="1"/>
+            <a:r>
+              <a:rPr lang="fr-FR" sz="1200" dirty="0" smtClean="0"/>
+              <a:t>            }</a:t>
+            </a:r>
+          </a:p>
+          <a:p>
+            <a:r>
+              <a:rPr lang="fr-FR" sz="1200" dirty="0" smtClean="0"/>
+              <a:t>                 </a:t>
+            </a:r>
+            <a:r>
+              <a:rPr lang="fr-FR" sz="1200" dirty="0" err="1" smtClean="0"/>
+              <a:t>writer.</a:t>
+            </a:r>
+            <a:r>
+              <a:rPr lang="fr-FR" sz="1200" u="sng" dirty="0" err="1" smtClean="0"/>
+              <a:t>close</a:t>
+            </a:r>
+            <a:r>
+              <a:rPr lang="fr-FR" sz="1200" u="sng" dirty="0" smtClean="0"/>
+              <a:t>();</a:t>
+            </a:r>
+          </a:p>
+          <a:p>
+            <a:r>
+              <a:rPr lang="fr-FR" sz="1200" dirty="0" smtClean="0"/>
+              <a:t>            } </a:t>
+            </a:r>
+            <a:r>
+              <a:rPr lang="fr-FR" sz="1200" b="1" dirty="0" smtClean="0"/>
+              <a:t>catch (</a:t>
+            </a:r>
+            <a:r>
+              <a:rPr lang="fr-FR" sz="1200" b="1" dirty="0" err="1" smtClean="0"/>
+              <a:t>IOException</a:t>
+            </a:r>
+            <a:r>
+              <a:rPr lang="fr-FR" sz="1200" b="1" dirty="0" smtClean="0"/>
+              <a:t> e) {</a:t>
+            </a:r>
+          </a:p>
+          <a:p>
+            <a:r>
+              <a:rPr lang="fr-FR" sz="1200" dirty="0" smtClean="0"/>
+              <a:t>                  </a:t>
+            </a:r>
+            <a:r>
+              <a:rPr lang="fr-FR" sz="1200" dirty="0" err="1" smtClean="0"/>
+              <a:t>e.</a:t>
+            </a:r>
+            <a:r>
+              <a:rPr lang="fr-FR" sz="1200" u="sng" dirty="0" err="1" smtClean="0"/>
+              <a:t>printStackTrace</a:t>
+            </a:r>
+            <a:r>
+              <a:rPr lang="fr-FR" sz="1200" u="sng" dirty="0" smtClean="0"/>
+              <a:t>();</a:t>
+            </a:r>
+          </a:p>
+          <a:p>
+            <a:r>
+              <a:rPr lang="fr-FR" sz="1200" dirty="0" smtClean="0"/>
+              <a:t>             }</a:t>
+            </a:r>
+          </a:p>
+          <a:p>
+            <a:endParaRPr lang="fr-FR" sz="1200" dirty="0" smtClean="0"/>
+          </a:p>
+          <a:p>
+            <a:r>
+              <a:rPr lang="fr-FR" sz="1200" dirty="0" smtClean="0"/>
+              <a:t>       }</a:t>
+            </a:r>
+            <a:endParaRPr lang="fr-FR" sz="1200" b="1" dirty="0" smtClean="0">
+              <a:solidFill>
+                <a:schemeClr val="accent1">
+                  <a:lumMod val="75000"/>
+                </a:schemeClr>
+              </a:solidFill>
+              <a:latin typeface="Tahoma" pitchFamily="34" charset="0"/>
+              <a:ea typeface="Tahoma" pitchFamily="34" charset="0"/>
+              <a:cs typeface="Tahoma" pitchFamily="34" charset="0"/>
+            </a:endParaRPr>
+          </a:p>
+        </p:txBody>
+      </p:sp>
     </p:spTree>
     <p:extLst>
       <p:ext uri="{BB962C8B-B14F-4D97-AF65-F5344CB8AC3E}">
-        <p14:creationId xmlns:p14="http://schemas.microsoft.com/office/powerpoint/2010/main" val="2413645686"/>
+        <p14:creationId xmlns:p14="http://schemas.microsoft.com/office/powerpoint/2010/main" val="1561512083"/>
       </p:ext>
     </p:extLst>
   </p:cSld>

--- a/Projet P2.pptx
+++ b/Projet P2.pptx
@@ -205,7 +205,7 @@
             <a:fld id="{43CC779B-4C0F-4D10-8A27-E240E5A38C15}" type="datetimeFigureOut">
               <a:rPr lang="fr-FR" smtClean="0"/>
               <a:pPr/>
-              <a:t>30/12/2019</a:t>
+              <a:t>31/12/2019</a:t>
             </a:fld>
             <a:endParaRPr lang="fr-FR"/>
           </a:p>
@@ -658,7 +658,7 @@
             <a:fld id="{4CE1943E-405F-463F-AC76-37D0AEAFEBA7}" type="datetimeFigureOut">
               <a:rPr lang="fr-FR" smtClean="0"/>
               <a:pPr/>
-              <a:t>30/12/2019</a:t>
+              <a:t>31/12/2019</a:t>
             </a:fld>
             <a:endParaRPr lang="fr-FR"/>
           </a:p>
@@ -825,7 +825,7 @@
             <a:fld id="{4CE1943E-405F-463F-AC76-37D0AEAFEBA7}" type="datetimeFigureOut">
               <a:rPr lang="fr-FR" smtClean="0"/>
               <a:pPr/>
-              <a:t>30/12/2019</a:t>
+              <a:t>31/12/2019</a:t>
             </a:fld>
             <a:endParaRPr lang="fr-FR"/>
           </a:p>
@@ -1002,7 +1002,7 @@
             <a:fld id="{4CE1943E-405F-463F-AC76-37D0AEAFEBA7}" type="datetimeFigureOut">
               <a:rPr lang="fr-FR" smtClean="0"/>
               <a:pPr/>
-              <a:t>30/12/2019</a:t>
+              <a:t>31/12/2019</a:t>
             </a:fld>
             <a:endParaRPr lang="fr-FR"/>
           </a:p>
@@ -1169,7 +1169,7 @@
             <a:fld id="{4CE1943E-405F-463F-AC76-37D0AEAFEBA7}" type="datetimeFigureOut">
               <a:rPr lang="fr-FR" smtClean="0"/>
               <a:pPr/>
-              <a:t>30/12/2019</a:t>
+              <a:t>31/12/2019</a:t>
             </a:fld>
             <a:endParaRPr lang="fr-FR"/>
           </a:p>
@@ -1412,7 +1412,7 @@
             <a:fld id="{4CE1943E-405F-463F-AC76-37D0AEAFEBA7}" type="datetimeFigureOut">
               <a:rPr lang="fr-FR" smtClean="0"/>
               <a:pPr/>
-              <a:t>30/12/2019</a:t>
+              <a:t>31/12/2019</a:t>
             </a:fld>
             <a:endParaRPr lang="fr-FR"/>
           </a:p>
@@ -1697,7 +1697,7 @@
             <a:fld id="{4CE1943E-405F-463F-AC76-37D0AEAFEBA7}" type="datetimeFigureOut">
               <a:rPr lang="fr-FR" smtClean="0"/>
               <a:pPr/>
-              <a:t>30/12/2019</a:t>
+              <a:t>31/12/2019</a:t>
             </a:fld>
             <a:endParaRPr lang="fr-FR"/>
           </a:p>
@@ -2116,7 +2116,7 @@
             <a:fld id="{4CE1943E-405F-463F-AC76-37D0AEAFEBA7}" type="datetimeFigureOut">
               <a:rPr lang="fr-FR" smtClean="0"/>
               <a:pPr/>
-              <a:t>30/12/2019</a:t>
+              <a:t>31/12/2019</a:t>
             </a:fld>
             <a:endParaRPr lang="fr-FR"/>
           </a:p>
@@ -2231,7 +2231,7 @@
             <a:fld id="{4CE1943E-405F-463F-AC76-37D0AEAFEBA7}" type="datetimeFigureOut">
               <a:rPr lang="fr-FR" smtClean="0"/>
               <a:pPr/>
-              <a:t>30/12/2019</a:t>
+              <a:t>31/12/2019</a:t>
             </a:fld>
             <a:endParaRPr lang="fr-FR"/>
           </a:p>
@@ -2323,7 +2323,7 @@
             <a:fld id="{4CE1943E-405F-463F-AC76-37D0AEAFEBA7}" type="datetimeFigureOut">
               <a:rPr lang="fr-FR" smtClean="0"/>
               <a:pPr/>
-              <a:t>30/12/2019</a:t>
+              <a:t>31/12/2019</a:t>
             </a:fld>
             <a:endParaRPr lang="fr-FR"/>
           </a:p>
@@ -2597,7 +2597,7 @@
             <a:fld id="{4CE1943E-405F-463F-AC76-37D0AEAFEBA7}" type="datetimeFigureOut">
               <a:rPr lang="fr-FR" smtClean="0"/>
               <a:pPr/>
-              <a:t>30/12/2019</a:t>
+              <a:t>31/12/2019</a:t>
             </a:fld>
             <a:endParaRPr lang="fr-FR"/>
           </a:p>
@@ -2847,7 +2847,7 @@
             <a:fld id="{4CE1943E-405F-463F-AC76-37D0AEAFEBA7}" type="datetimeFigureOut">
               <a:rPr lang="fr-FR" smtClean="0"/>
               <a:pPr/>
-              <a:t>30/12/2019</a:t>
+              <a:t>31/12/2019</a:t>
             </a:fld>
             <a:endParaRPr lang="fr-FR"/>
           </a:p>
@@ -3057,7 +3057,7 @@
             <a:fld id="{4CE1943E-405F-463F-AC76-37D0AEAFEBA7}" type="datetimeFigureOut">
               <a:rPr lang="fr-FR" smtClean="0"/>
               <a:pPr/>
-              <a:t>30/12/2019</a:t>
+              <a:t>31/12/2019</a:t>
             </a:fld>
             <a:endParaRPr lang="fr-FR"/>
           </a:p>
@@ -3838,15 +3838,7 @@
             </a:r>
             <a:r>
               <a:rPr lang="fr-FR" sz="1600" dirty="0" smtClean="0"/>
-              <a:t>) : qui permet de compter le nombre </a:t>
-            </a:r>
-            <a:r>
-              <a:rPr lang="fr-FR" sz="1600" dirty="0" smtClean="0"/>
-              <a:t>d’occurrence </a:t>
-            </a:r>
-            <a:r>
-              <a:rPr lang="fr-FR" sz="1600" dirty="0" smtClean="0"/>
-              <a:t>de chaque symptôme et de stocker dans une collection de type </a:t>
+              <a:t>) : qui permet de compter le nombre d’occurrence de chaque symptôme et de stocker dans une collection de type </a:t>
             </a:r>
             <a:r>
               <a:rPr lang="fr-FR" sz="1600" dirty="0" err="1" smtClean="0"/>
@@ -4292,6 +4284,72 @@
               <a:t>AnalyticsCounter</a:t>
             </a:r>
             <a:endParaRPr lang="fr-FR" sz="1600" b="1" dirty="0" smtClean="0">
+              <a:latin typeface="Tahoma" pitchFamily="34" charset="0"/>
+              <a:ea typeface="Tahoma" pitchFamily="34" charset="0"/>
+              <a:cs typeface="Tahoma" pitchFamily="34" charset="0"/>
+            </a:endParaRPr>
+          </a:p>
+        </p:txBody>
+      </p:sp>
+      <p:sp>
+        <p:nvSpPr>
+          <p:cNvPr id="5" name="Décagone 4"/>
+          <p:cNvSpPr/>
+          <p:nvPr/>
+        </p:nvSpPr>
+        <p:spPr>
+          <a:xfrm>
+            <a:off x="8604448" y="6381328"/>
+            <a:ext cx="432048" cy="404664"/>
+          </a:xfrm>
+          <a:prstGeom prst="decagon">
+            <a:avLst/>
+          </a:prstGeom>
+          <a:solidFill>
+            <a:schemeClr val="accent3">
+              <a:lumMod val="75000"/>
+            </a:schemeClr>
+          </a:solidFill>
+          <a:ln>
+            <a:noFill/>
+          </a:ln>
+        </p:spPr>
+        <p:style>
+          <a:lnRef idx="2">
+            <a:schemeClr val="accent1">
+              <a:shade val="50000"/>
+            </a:schemeClr>
+          </a:lnRef>
+          <a:fillRef idx="1">
+            <a:schemeClr val="accent1"/>
+          </a:fillRef>
+          <a:effectRef idx="0">
+            <a:schemeClr val="accent1"/>
+          </a:effectRef>
+          <a:fontRef idx="minor">
+            <a:schemeClr val="lt1"/>
+          </a:fontRef>
+        </p:style>
+        <p:txBody>
+          <a:bodyPr rtlCol="0" anchor="ctr"/>
+          <a:lstStyle/>
+          <a:p>
+            <a:pPr algn="ctr"/>
+            <a:r>
+              <a:rPr lang="fr-FR" sz="1200" b="1" dirty="0" smtClean="0">
+                <a:solidFill>
+                  <a:schemeClr val="bg1"/>
+                </a:solidFill>
+                <a:latin typeface="Tahoma" pitchFamily="34" charset="0"/>
+                <a:ea typeface="Tahoma" pitchFamily="34" charset="0"/>
+                <a:cs typeface="Tahoma" pitchFamily="34" charset="0"/>
+              </a:rPr>
+              <a:t>8</a:t>
+            </a:r>
+            <a:endParaRPr lang="fr-FR" sz="1200" b="1" dirty="0">
+              <a:solidFill>
+                <a:schemeClr val="bg1"/>
+              </a:solidFill>
               <a:latin typeface="Tahoma" pitchFamily="34" charset="0"/>
               <a:ea typeface="Tahoma" pitchFamily="34" charset="0"/>
               <a:cs typeface="Tahoma" pitchFamily="34" charset="0"/>
@@ -4758,6 +4816,72 @@
               <a:t>HEME BIOTECH</a:t>
             </a:r>
             <a:endParaRPr lang="fr-FR" sz="1100" b="1" dirty="0">
+              <a:latin typeface="Tahoma" pitchFamily="34" charset="0"/>
+              <a:ea typeface="Tahoma" pitchFamily="34" charset="0"/>
+              <a:cs typeface="Tahoma" pitchFamily="34" charset="0"/>
+            </a:endParaRPr>
+          </a:p>
+        </p:txBody>
+      </p:sp>
+      <p:sp>
+        <p:nvSpPr>
+          <p:cNvPr id="4" name="Décagone 3"/>
+          <p:cNvSpPr/>
+          <p:nvPr/>
+        </p:nvSpPr>
+        <p:spPr>
+          <a:xfrm>
+            <a:off x="8604448" y="6381328"/>
+            <a:ext cx="432048" cy="404664"/>
+          </a:xfrm>
+          <a:prstGeom prst="decagon">
+            <a:avLst/>
+          </a:prstGeom>
+          <a:solidFill>
+            <a:schemeClr val="accent3">
+              <a:lumMod val="75000"/>
+            </a:schemeClr>
+          </a:solidFill>
+          <a:ln>
+            <a:noFill/>
+          </a:ln>
+        </p:spPr>
+        <p:style>
+          <a:lnRef idx="2">
+            <a:schemeClr val="accent1">
+              <a:shade val="50000"/>
+            </a:schemeClr>
+          </a:lnRef>
+          <a:fillRef idx="1">
+            <a:schemeClr val="accent1"/>
+          </a:fillRef>
+          <a:effectRef idx="0">
+            <a:schemeClr val="accent1"/>
+          </a:effectRef>
+          <a:fontRef idx="minor">
+            <a:schemeClr val="lt1"/>
+          </a:fontRef>
+        </p:style>
+        <p:txBody>
+          <a:bodyPr rtlCol="0" anchor="ctr"/>
+          <a:lstStyle/>
+          <a:p>
+            <a:pPr algn="ctr"/>
+            <a:r>
+              <a:rPr lang="fr-FR" sz="1200" b="1" dirty="0" smtClean="0">
+                <a:solidFill>
+                  <a:schemeClr val="bg1"/>
+                </a:solidFill>
+                <a:latin typeface="Tahoma" pitchFamily="34" charset="0"/>
+                <a:ea typeface="Tahoma" pitchFamily="34" charset="0"/>
+                <a:cs typeface="Tahoma" pitchFamily="34" charset="0"/>
+              </a:rPr>
+              <a:t>9</a:t>
+            </a:r>
+            <a:endParaRPr lang="fr-FR" sz="1200" b="1" dirty="0">
+              <a:solidFill>
+                <a:schemeClr val="bg1"/>
+              </a:solidFill>
               <a:latin typeface="Tahoma" pitchFamily="34" charset="0"/>
               <a:ea typeface="Tahoma" pitchFamily="34" charset="0"/>
               <a:cs typeface="Tahoma" pitchFamily="34" charset="0"/>
@@ -5341,17 +5465,75 @@
                 <a:ea typeface="Tahoma" pitchFamily="34" charset="0"/>
                 <a:cs typeface="Tahoma" pitchFamily="34" charset="0"/>
               </a:rPr>
-              <a:t>V. Exécution du programme avec l’IDE Eclipse</a:t>
-            </a:r>
-            <a:r>
-              <a:rPr lang="fr-FR" sz="1400" b="1" dirty="0" smtClean="0">
-                <a:latin typeface="Tahoma" pitchFamily="34" charset="0"/>
-                <a:ea typeface="Tahoma" pitchFamily="34" charset="0"/>
-                <a:cs typeface="Tahoma" pitchFamily="34" charset="0"/>
-              </a:rPr>
-              <a:t> </a:t>
+              <a:t>V. Exécution du programme avec l’IDE Eclipse </a:t>
             </a:r>
             <a:endParaRPr lang="fr-FR" sz="1400" b="1" dirty="0">
+              <a:latin typeface="Tahoma" pitchFamily="34" charset="0"/>
+              <a:ea typeface="Tahoma" pitchFamily="34" charset="0"/>
+              <a:cs typeface="Tahoma" pitchFamily="34" charset="0"/>
+            </a:endParaRPr>
+          </a:p>
+        </p:txBody>
+      </p:sp>
+      <p:sp>
+        <p:nvSpPr>
+          <p:cNvPr id="9" name="Décagone 8"/>
+          <p:cNvSpPr/>
+          <p:nvPr/>
+        </p:nvSpPr>
+        <p:spPr>
+          <a:xfrm>
+            <a:off x="8460432" y="6381328"/>
+            <a:ext cx="576064" cy="404664"/>
+          </a:xfrm>
+          <a:prstGeom prst="decagon">
+            <a:avLst/>
+          </a:prstGeom>
+          <a:solidFill>
+            <a:schemeClr val="accent3">
+              <a:lumMod val="75000"/>
+            </a:schemeClr>
+          </a:solidFill>
+          <a:ln>
+            <a:noFill/>
+          </a:ln>
+        </p:spPr>
+        <p:style>
+          <a:lnRef idx="2">
+            <a:schemeClr val="accent1">
+              <a:shade val="50000"/>
+            </a:schemeClr>
+          </a:lnRef>
+          <a:fillRef idx="1">
+            <a:schemeClr val="accent1"/>
+          </a:fillRef>
+          <a:effectRef idx="0">
+            <a:schemeClr val="accent1"/>
+          </a:effectRef>
+          <a:fontRef idx="minor">
+            <a:schemeClr val="lt1"/>
+          </a:fontRef>
+        </p:style>
+        <p:txBody>
+          <a:bodyPr rtlCol="0" anchor="ctr"/>
+          <a:lstStyle/>
+          <a:p>
+            <a:pPr algn="ctr"/>
+            <a:r>
+              <a:rPr lang="fr-FR" sz="1200" b="1" dirty="0" smtClean="0">
+                <a:solidFill>
+                  <a:schemeClr val="bg1"/>
+                </a:solidFill>
+                <a:latin typeface="Tahoma" pitchFamily="34" charset="0"/>
+                <a:ea typeface="Tahoma" pitchFamily="34" charset="0"/>
+                <a:cs typeface="Tahoma" pitchFamily="34" charset="0"/>
+              </a:rPr>
+              <a:t>10</a:t>
+            </a:r>
+            <a:endParaRPr lang="fr-FR" sz="1200" b="1" dirty="0">
+              <a:solidFill>
+                <a:schemeClr val="bg1"/>
+              </a:solidFill>
               <a:latin typeface="Tahoma" pitchFamily="34" charset="0"/>
               <a:ea typeface="Tahoma" pitchFamily="34" charset="0"/>
               <a:cs typeface="Tahoma" pitchFamily="34" charset="0"/>
@@ -5389,72 +5571,6 @@
           <a:chExt cx="0" cy="0"/>
         </a:xfrm>
       </p:grpSpPr>
-      <p:sp>
-        <p:nvSpPr>
-          <p:cNvPr id="7" name="Décagone 6"/>
-          <p:cNvSpPr/>
-          <p:nvPr/>
-        </p:nvSpPr>
-        <p:spPr>
-          <a:xfrm>
-            <a:off x="8604448" y="6381328"/>
-            <a:ext cx="432048" cy="404664"/>
-          </a:xfrm>
-          <a:prstGeom prst="decagon">
-            <a:avLst/>
-          </a:prstGeom>
-          <a:solidFill>
-            <a:schemeClr val="accent3">
-              <a:lumMod val="75000"/>
-            </a:schemeClr>
-          </a:solidFill>
-          <a:ln>
-            <a:noFill/>
-          </a:ln>
-        </p:spPr>
-        <p:style>
-          <a:lnRef idx="2">
-            <a:schemeClr val="accent1">
-              <a:shade val="50000"/>
-            </a:schemeClr>
-          </a:lnRef>
-          <a:fillRef idx="1">
-            <a:schemeClr val="accent1"/>
-          </a:fillRef>
-          <a:effectRef idx="0">
-            <a:schemeClr val="accent1"/>
-          </a:effectRef>
-          <a:fontRef idx="minor">
-            <a:schemeClr val="lt1"/>
-          </a:fontRef>
-        </p:style>
-        <p:txBody>
-          <a:bodyPr rtlCol="0" anchor="ctr"/>
-          <a:lstStyle/>
-          <a:p>
-            <a:pPr algn="ctr"/>
-            <a:r>
-              <a:rPr lang="fr-FR" sz="1200" b="1" dirty="0" smtClean="0">
-                <a:solidFill>
-                  <a:schemeClr val="bg1"/>
-                </a:solidFill>
-                <a:latin typeface="Tahoma" pitchFamily="34" charset="0"/>
-                <a:ea typeface="Tahoma" pitchFamily="34" charset="0"/>
-                <a:cs typeface="Tahoma" pitchFamily="34" charset="0"/>
-              </a:rPr>
-              <a:t>7</a:t>
-            </a:r>
-            <a:endParaRPr lang="fr-FR" sz="1200" b="1" dirty="0">
-              <a:solidFill>
-                <a:schemeClr val="bg1"/>
-              </a:solidFill>
-              <a:latin typeface="Tahoma" pitchFamily="34" charset="0"/>
-              <a:ea typeface="Tahoma" pitchFamily="34" charset="0"/>
-              <a:cs typeface="Tahoma" pitchFamily="34" charset="0"/>
-            </a:endParaRPr>
-          </a:p>
-        </p:txBody>
-      </p:sp>
       <p:sp>
         <p:nvSpPr>
           <p:cNvPr id="6" name="ZoneTexte 5"/>
@@ -5745,15 +5861,7 @@
                 <a:ea typeface="Tahoma" pitchFamily="34" charset="0"/>
                 <a:cs typeface="Tahoma" pitchFamily="34" charset="0"/>
               </a:rPr>
-              <a:t>Sommaire</a:t>
-            </a:r>
-            <a:r>
-              <a:rPr lang="fr-FR" sz="1600" b="1" dirty="0" smtClean="0">
-                <a:latin typeface="Tahoma" pitchFamily="34" charset="0"/>
-                <a:ea typeface="Tahoma" pitchFamily="34" charset="0"/>
-                <a:cs typeface="Tahoma" pitchFamily="34" charset="0"/>
-              </a:rPr>
-              <a:t>  </a:t>
+              <a:t>Sommaire  </a:t>
             </a:r>
             <a:endParaRPr lang="fr-FR" sz="1600" b="1" dirty="0">
               <a:latin typeface="Tahoma" pitchFamily="34" charset="0"/>
@@ -5883,15 +5991,7 @@
                 <a:ea typeface="Tahoma" pitchFamily="34" charset="0"/>
                 <a:cs typeface="Tahoma" pitchFamily="34" charset="0"/>
               </a:rPr>
-              <a:t>Présentation</a:t>
-            </a:r>
-            <a:r>
-              <a:rPr lang="fr-FR" sz="1600" dirty="0" smtClean="0">
-                <a:latin typeface="Tahoma" pitchFamily="34" charset="0"/>
-                <a:ea typeface="Tahoma" pitchFamily="34" charset="0"/>
-                <a:cs typeface="Tahoma" pitchFamily="34" charset="0"/>
-              </a:rPr>
-              <a:t> de la nouvelle solution</a:t>
+              <a:t>Présentation de la nouvelle solution</a:t>
             </a:r>
           </a:p>
           <a:p>
@@ -5916,15 +6016,7 @@
                 <a:ea typeface="Tahoma" pitchFamily="34" charset="0"/>
                 <a:cs typeface="Tahoma" pitchFamily="34" charset="0"/>
               </a:rPr>
-              <a:t>w</a:t>
-            </a:r>
-            <a:r>
-              <a:rPr lang="fr-FR" sz="1600" b="1" dirty="0" err="1" smtClean="0">
-                <a:latin typeface="Tahoma" pitchFamily="34" charset="0"/>
-                <a:ea typeface="Tahoma" pitchFamily="34" charset="0"/>
-                <a:cs typeface="Tahoma" pitchFamily="34" charset="0"/>
-              </a:rPr>
-              <a:t>riteFile</a:t>
+              <a:t>writeFile</a:t>
             </a:r>
             <a:r>
               <a:rPr lang="fr-FR" sz="1600" dirty="0" smtClean="0">
@@ -6108,7 +6200,15 @@
                 <a:ea typeface="Tahoma" pitchFamily="34" charset="0"/>
                 <a:cs typeface="Tahoma" pitchFamily="34" charset="0"/>
               </a:rPr>
-              <a:t>Exécution du programme </a:t>
+              <a:t>Exécution du programme avec l’IDE </a:t>
+            </a:r>
+            <a:r>
+              <a:rPr lang="fr-FR" sz="1600" dirty="0">
+                <a:latin typeface="Tahoma" pitchFamily="34" charset="0"/>
+                <a:ea typeface="Tahoma" pitchFamily="34" charset="0"/>
+                <a:cs typeface="Tahoma" pitchFamily="34" charset="0"/>
+              </a:rPr>
+              <a:t>E</a:t>
             </a:r>
             <a:r>
               <a:rPr lang="fr-FR" sz="1600" dirty="0" smtClean="0">
@@ -6116,29 +6216,8 @@
                 <a:ea typeface="Tahoma" pitchFamily="34" charset="0"/>
                 <a:cs typeface="Tahoma" pitchFamily="34" charset="0"/>
               </a:rPr>
-              <a:t>avec l’IDE </a:t>
-            </a:r>
-            <a:r>
-              <a:rPr lang="fr-FR" sz="1600" dirty="0">
-                <a:latin typeface="Tahoma" pitchFamily="34" charset="0"/>
-                <a:ea typeface="Tahoma" pitchFamily="34" charset="0"/>
-                <a:cs typeface="Tahoma" pitchFamily="34" charset="0"/>
-              </a:rPr>
-              <a:t>E</a:t>
-            </a:r>
-            <a:r>
-              <a:rPr lang="fr-FR" sz="1600" dirty="0" smtClean="0">
-                <a:latin typeface="Tahoma" pitchFamily="34" charset="0"/>
-                <a:ea typeface="Tahoma" pitchFamily="34" charset="0"/>
-                <a:cs typeface="Tahoma" pitchFamily="34" charset="0"/>
-              </a:rPr>
               <a:t>clipse</a:t>
             </a:r>
-            <a:endParaRPr lang="fr-FR" sz="1600" dirty="0" smtClean="0">
-              <a:latin typeface="Tahoma" pitchFamily="34" charset="0"/>
-              <a:ea typeface="Tahoma" pitchFamily="34" charset="0"/>
-              <a:cs typeface="Tahoma" pitchFamily="34" charset="0"/>
-            </a:endParaRPr>
           </a:p>
           <a:p>
             <a:pPr lvl="2" algn="just">
@@ -6503,15 +6582,7 @@
                 <a:ea typeface="Tahoma" pitchFamily="34" charset="0"/>
                 <a:cs typeface="Tahoma" pitchFamily="34" charset="0"/>
               </a:rPr>
-              <a:t> a décidé de mettre en place un programme d’analyse des tendances afin de compter le nombre d’occurrences de chaque symptôme.</a:t>
-            </a:r>
-            <a:r>
-              <a:rPr lang="fr-FR" sz="1600" dirty="0" smtClean="0">
-                <a:latin typeface="Tahoma" pitchFamily="34" charset="0"/>
-                <a:ea typeface="Tahoma" pitchFamily="34" charset="0"/>
-                <a:cs typeface="Tahoma" pitchFamily="34" charset="0"/>
-              </a:rPr>
-              <a:t>	</a:t>
+              <a:t> a décidé de mettre en place un programme d’analyse des tendances afin de compter le nombre d’occurrences de chaque symptôme.	</a:t>
             </a:r>
             <a:r>
               <a:rPr lang="fr-FR" sz="1600" dirty="0">
@@ -6811,6 +6882,72 @@
                   <a:lumMod val="60000"/>
                   <a:lumOff val="40000"/>
                 </a:schemeClr>
+              </a:solidFill>
+              <a:latin typeface="Tahoma" pitchFamily="34" charset="0"/>
+              <a:ea typeface="Tahoma" pitchFamily="34" charset="0"/>
+              <a:cs typeface="Tahoma" pitchFamily="34" charset="0"/>
+            </a:endParaRPr>
+          </a:p>
+        </p:txBody>
+      </p:sp>
+      <p:sp>
+        <p:nvSpPr>
+          <p:cNvPr id="9" name="Décagone 8"/>
+          <p:cNvSpPr/>
+          <p:nvPr/>
+        </p:nvSpPr>
+        <p:spPr>
+          <a:xfrm>
+            <a:off x="8604448" y="6381328"/>
+            <a:ext cx="432048" cy="404664"/>
+          </a:xfrm>
+          <a:prstGeom prst="decagon">
+            <a:avLst/>
+          </a:prstGeom>
+          <a:solidFill>
+            <a:schemeClr val="accent3">
+              <a:lumMod val="75000"/>
+            </a:schemeClr>
+          </a:solidFill>
+          <a:ln>
+            <a:noFill/>
+          </a:ln>
+        </p:spPr>
+        <p:style>
+          <a:lnRef idx="2">
+            <a:schemeClr val="accent1">
+              <a:shade val="50000"/>
+            </a:schemeClr>
+          </a:lnRef>
+          <a:fillRef idx="1">
+            <a:schemeClr val="accent1"/>
+          </a:fillRef>
+          <a:effectRef idx="0">
+            <a:schemeClr val="accent1"/>
+          </a:effectRef>
+          <a:fontRef idx="minor">
+            <a:schemeClr val="lt1"/>
+          </a:fontRef>
+        </p:style>
+        <p:txBody>
+          <a:bodyPr rtlCol="0" anchor="ctr"/>
+          <a:lstStyle/>
+          <a:p>
+            <a:pPr algn="ctr"/>
+            <a:r>
+              <a:rPr lang="fr-FR" sz="1200" b="1" dirty="0" smtClean="0">
+                <a:solidFill>
+                  <a:schemeClr val="bg1"/>
+                </a:solidFill>
+                <a:latin typeface="Tahoma" pitchFamily="34" charset="0"/>
+                <a:ea typeface="Tahoma" pitchFamily="34" charset="0"/>
+                <a:cs typeface="Tahoma" pitchFamily="34" charset="0"/>
+              </a:rPr>
+              <a:t>1</a:t>
+            </a:r>
+            <a:endParaRPr lang="fr-FR" sz="1200" b="1" dirty="0">
+              <a:solidFill>
+                <a:schemeClr val="bg1"/>
               </a:solidFill>
               <a:latin typeface="Tahoma" pitchFamily="34" charset="0"/>
               <a:ea typeface="Tahoma" pitchFamily="34" charset="0"/>
@@ -6918,7 +7055,881 @@
       </p:sp>
       <p:sp>
         <p:nvSpPr>
-          <p:cNvPr id="7" name="Décagone 6"/>
+          <p:cNvPr id="9" name="Rogner un rectangle avec un coin diagonal 8"/>
+          <p:cNvSpPr/>
+          <p:nvPr/>
+        </p:nvSpPr>
+        <p:spPr>
+          <a:xfrm>
+            <a:off x="166271" y="476672"/>
+            <a:ext cx="4572000" cy="288032"/>
+          </a:xfrm>
+          <a:prstGeom prst="snip2DiagRect">
+            <a:avLst/>
+          </a:prstGeom>
+          <a:solidFill>
+            <a:schemeClr val="accent6">
+              <a:lumMod val="75000"/>
+            </a:schemeClr>
+          </a:solidFill>
+          <a:ln>
+            <a:noFill/>
+          </a:ln>
+        </p:spPr>
+        <p:style>
+          <a:lnRef idx="2">
+            <a:schemeClr val="accent1">
+              <a:shade val="50000"/>
+            </a:schemeClr>
+          </a:lnRef>
+          <a:fillRef idx="1">
+            <a:schemeClr val="accent1"/>
+          </a:fillRef>
+          <a:effectRef idx="0">
+            <a:schemeClr val="accent1"/>
+          </a:effectRef>
+          <a:fontRef idx="minor">
+            <a:schemeClr val="lt1"/>
+          </a:fontRef>
+        </p:style>
+        <p:txBody>
+          <a:bodyPr rtlCol="0" anchor="ctr"/>
+          <a:lstStyle/>
+          <a:p>
+            <a:pPr algn="ctr"/>
+            <a:r>
+              <a:rPr lang="fr-FR" sz="1400" b="1" dirty="0" smtClean="0">
+                <a:latin typeface="Tahoma" pitchFamily="34" charset="0"/>
+                <a:ea typeface="Tahoma" pitchFamily="34" charset="0"/>
+                <a:cs typeface="Tahoma" pitchFamily="34" charset="0"/>
+              </a:rPr>
+              <a:t>III. Etude de la solution existante </a:t>
+            </a:r>
+            <a:endParaRPr lang="fr-FR" sz="1400" b="1" dirty="0">
+              <a:latin typeface="Tahoma" pitchFamily="34" charset="0"/>
+              <a:ea typeface="Tahoma" pitchFamily="34" charset="0"/>
+              <a:cs typeface="Tahoma" pitchFamily="34" charset="0"/>
+            </a:endParaRPr>
+          </a:p>
+        </p:txBody>
+      </p:sp>
+      <p:sp>
+        <p:nvSpPr>
+          <p:cNvPr id="6" name="ZoneTexte 5"/>
+          <p:cNvSpPr txBox="1"/>
+          <p:nvPr/>
+        </p:nvSpPr>
+        <p:spPr>
+          <a:xfrm>
+            <a:off x="1097331" y="839305"/>
+            <a:ext cx="6949338" cy="5786199"/>
+          </a:xfrm>
+          <a:prstGeom prst="rect">
+            <a:avLst/>
+          </a:prstGeom>
+        </p:spPr>
+        <p:style>
+          <a:lnRef idx="1">
+            <a:schemeClr val="accent1"/>
+          </a:lnRef>
+          <a:fillRef idx="2">
+            <a:schemeClr val="accent1"/>
+          </a:fillRef>
+          <a:effectRef idx="1">
+            <a:schemeClr val="accent1"/>
+          </a:effectRef>
+          <a:fontRef idx="minor">
+            <a:schemeClr val="dk1"/>
+          </a:fontRef>
+        </p:style>
+        <p:txBody>
+          <a:bodyPr wrap="none" rtlCol="0">
+            <a:spAutoFit/>
+          </a:bodyPr>
+          <a:lstStyle/>
+          <a:p>
+            <a:r>
+              <a:rPr lang="fr-FR" sz="1000" dirty="0"/>
+              <a:t>public class </a:t>
+            </a:r>
+            <a:r>
+              <a:rPr lang="fr-FR" sz="1000" dirty="0" err="1"/>
+              <a:t>AnalyticsCounter</a:t>
+            </a:r>
+            <a:r>
+              <a:rPr lang="fr-FR" sz="1000" dirty="0"/>
+              <a:t> {</a:t>
+            </a:r>
+          </a:p>
+          <a:p>
+            <a:r>
+              <a:rPr lang="fr-FR" sz="1000" dirty="0"/>
+              <a:t>	</a:t>
+            </a:r>
+            <a:r>
+              <a:rPr lang="fr-FR" sz="1000" dirty="0" err="1"/>
+              <a:t>private</a:t>
+            </a:r>
+            <a:r>
+              <a:rPr lang="fr-FR" sz="1000" dirty="0"/>
+              <a:t> </a:t>
+            </a:r>
+            <a:r>
+              <a:rPr lang="fr-FR" sz="1000" dirty="0" err="1"/>
+              <a:t>static</a:t>
+            </a:r>
+            <a:r>
+              <a:rPr lang="fr-FR" sz="1000" dirty="0"/>
+              <a:t> </a:t>
+            </a:r>
+            <a:r>
+              <a:rPr lang="fr-FR" sz="1000" dirty="0" err="1"/>
+              <a:t>int</a:t>
+            </a:r>
+            <a:r>
+              <a:rPr lang="fr-FR" sz="1000" dirty="0"/>
+              <a:t> </a:t>
+            </a:r>
+            <a:r>
+              <a:rPr lang="fr-FR" sz="1000" dirty="0" err="1"/>
+              <a:t>headacheCount</a:t>
+            </a:r>
+            <a:r>
+              <a:rPr lang="fr-FR" sz="1000" dirty="0"/>
+              <a:t> = 0;	// </a:t>
+            </a:r>
+            <a:r>
+              <a:rPr lang="fr-FR" sz="1000" dirty="0" err="1"/>
+              <a:t>initialize</a:t>
+            </a:r>
+            <a:r>
+              <a:rPr lang="fr-FR" sz="1000" dirty="0"/>
+              <a:t> to 0</a:t>
+            </a:r>
+          </a:p>
+          <a:p>
+            <a:r>
+              <a:rPr lang="fr-FR" sz="1000" dirty="0"/>
+              <a:t>	</a:t>
+            </a:r>
+            <a:r>
+              <a:rPr lang="fr-FR" sz="1000" dirty="0" err="1"/>
+              <a:t>private</a:t>
+            </a:r>
+            <a:r>
+              <a:rPr lang="fr-FR" sz="1000" dirty="0"/>
+              <a:t> </a:t>
+            </a:r>
+            <a:r>
+              <a:rPr lang="fr-FR" sz="1000" dirty="0" err="1"/>
+              <a:t>static</a:t>
+            </a:r>
+            <a:r>
+              <a:rPr lang="fr-FR" sz="1000" dirty="0"/>
+              <a:t> </a:t>
+            </a:r>
+            <a:r>
+              <a:rPr lang="fr-FR" sz="1000" dirty="0" err="1"/>
+              <a:t>int</a:t>
+            </a:r>
+            <a:r>
+              <a:rPr lang="fr-FR" sz="1000" dirty="0"/>
+              <a:t> </a:t>
+            </a:r>
+            <a:r>
+              <a:rPr lang="fr-FR" sz="1000" dirty="0" err="1"/>
+              <a:t>rashCount</a:t>
+            </a:r>
+            <a:r>
+              <a:rPr lang="fr-FR" sz="1000" dirty="0"/>
+              <a:t> = 0;		// </a:t>
+            </a:r>
+            <a:r>
+              <a:rPr lang="fr-FR" sz="1000" dirty="0" err="1"/>
+              <a:t>initialize</a:t>
+            </a:r>
+            <a:r>
+              <a:rPr lang="fr-FR" sz="1000" dirty="0"/>
+              <a:t> to 0</a:t>
+            </a:r>
+          </a:p>
+          <a:p>
+            <a:r>
+              <a:rPr lang="fr-FR" sz="1000" dirty="0"/>
+              <a:t>	</a:t>
+            </a:r>
+            <a:r>
+              <a:rPr lang="fr-FR" sz="1000" dirty="0" err="1"/>
+              <a:t>private</a:t>
+            </a:r>
+            <a:r>
+              <a:rPr lang="fr-FR" sz="1000" dirty="0"/>
+              <a:t> </a:t>
+            </a:r>
+            <a:r>
+              <a:rPr lang="fr-FR" sz="1000" dirty="0" err="1"/>
+              <a:t>static</a:t>
+            </a:r>
+            <a:r>
+              <a:rPr lang="fr-FR" sz="1000" dirty="0"/>
+              <a:t> </a:t>
+            </a:r>
+            <a:r>
+              <a:rPr lang="fr-FR" sz="1000" dirty="0" err="1"/>
+              <a:t>int</a:t>
+            </a:r>
+            <a:r>
+              <a:rPr lang="fr-FR" sz="1000" dirty="0"/>
+              <a:t> </a:t>
+            </a:r>
+            <a:r>
+              <a:rPr lang="fr-FR" sz="1000" dirty="0" err="1"/>
+              <a:t>pupilCount</a:t>
+            </a:r>
+            <a:r>
+              <a:rPr lang="fr-FR" sz="1000" dirty="0"/>
+              <a:t> = 0;		// </a:t>
+            </a:r>
+            <a:r>
+              <a:rPr lang="fr-FR" sz="1000" dirty="0" err="1"/>
+              <a:t>initialize</a:t>
+            </a:r>
+            <a:r>
+              <a:rPr lang="fr-FR" sz="1000" dirty="0"/>
+              <a:t> to 0</a:t>
+            </a:r>
+          </a:p>
+          <a:p>
+            <a:r>
+              <a:rPr lang="fr-FR" sz="1000" dirty="0"/>
+              <a:t>	</a:t>
+            </a:r>
+          </a:p>
+          <a:p>
+            <a:r>
+              <a:rPr lang="fr-FR" sz="1000" dirty="0"/>
+              <a:t>	public </a:t>
+            </a:r>
+            <a:r>
+              <a:rPr lang="fr-FR" sz="1000" dirty="0" err="1"/>
+              <a:t>static</a:t>
+            </a:r>
+            <a:r>
+              <a:rPr lang="fr-FR" sz="1000" dirty="0"/>
+              <a:t> </a:t>
+            </a:r>
+            <a:r>
+              <a:rPr lang="fr-FR" sz="1000" dirty="0" err="1"/>
+              <a:t>void</a:t>
+            </a:r>
+            <a:r>
+              <a:rPr lang="fr-FR" sz="1000" dirty="0"/>
+              <a:t> main(String </a:t>
+            </a:r>
+            <a:r>
+              <a:rPr lang="fr-FR" sz="1000" dirty="0" err="1"/>
+              <a:t>args</a:t>
+            </a:r>
+            <a:r>
+              <a:rPr lang="fr-FR" sz="1000" dirty="0"/>
+              <a:t>[]) </a:t>
+            </a:r>
+            <a:r>
+              <a:rPr lang="fr-FR" sz="1000" dirty="0" err="1"/>
+              <a:t>throws</a:t>
+            </a:r>
+            <a:r>
+              <a:rPr lang="fr-FR" sz="1000" dirty="0"/>
+              <a:t> Exception {</a:t>
+            </a:r>
+          </a:p>
+          <a:p>
+            <a:r>
+              <a:rPr lang="fr-FR" sz="1000" dirty="0"/>
+              <a:t>		// first </a:t>
+            </a:r>
+            <a:r>
+              <a:rPr lang="fr-FR" sz="1000" dirty="0" err="1"/>
+              <a:t>get</a:t>
+            </a:r>
+            <a:r>
+              <a:rPr lang="fr-FR" sz="1000" dirty="0"/>
+              <a:t> input</a:t>
+            </a:r>
+          </a:p>
+          <a:p>
+            <a:r>
+              <a:rPr lang="fr-FR" sz="1000" dirty="0"/>
+              <a:t>		</a:t>
+            </a:r>
+            <a:r>
+              <a:rPr lang="fr-FR" sz="1000" dirty="0" err="1"/>
+              <a:t>BufferedReader</a:t>
+            </a:r>
+            <a:r>
+              <a:rPr lang="fr-FR" sz="1000" dirty="0"/>
+              <a:t> </a:t>
+            </a:r>
+            <a:r>
+              <a:rPr lang="fr-FR" sz="1000" dirty="0" err="1"/>
+              <a:t>reader</a:t>
+            </a:r>
+            <a:r>
+              <a:rPr lang="fr-FR" sz="1000" dirty="0"/>
+              <a:t> = new </a:t>
+            </a:r>
+            <a:r>
+              <a:rPr lang="fr-FR" sz="1000" dirty="0" err="1"/>
+              <a:t>BufferedReader</a:t>
+            </a:r>
+            <a:r>
+              <a:rPr lang="fr-FR" sz="1000" dirty="0"/>
+              <a:t> (new </a:t>
+            </a:r>
+            <a:r>
+              <a:rPr lang="fr-FR" sz="1000" dirty="0" err="1"/>
+              <a:t>FileReader</a:t>
+            </a:r>
+            <a:r>
+              <a:rPr lang="fr-FR" sz="1000" dirty="0"/>
+              <a:t>("symptoms.txt"));</a:t>
+            </a:r>
+          </a:p>
+          <a:p>
+            <a:r>
+              <a:rPr lang="fr-FR" sz="1000" dirty="0"/>
+              <a:t>		String line = </a:t>
+            </a:r>
+            <a:r>
+              <a:rPr lang="fr-FR" sz="1000" dirty="0" err="1"/>
+              <a:t>reader.readLine</a:t>
+            </a:r>
+            <a:r>
+              <a:rPr lang="fr-FR" sz="1000" dirty="0"/>
+              <a:t>();</a:t>
+            </a:r>
+          </a:p>
+          <a:p>
+            <a:r>
+              <a:rPr lang="fr-FR" sz="1000" dirty="0"/>
+              <a:t>		</a:t>
+            </a:r>
+            <a:r>
+              <a:rPr lang="fr-FR" sz="1000" dirty="0" err="1"/>
+              <a:t>int</a:t>
+            </a:r>
+            <a:r>
+              <a:rPr lang="fr-FR" sz="1000" dirty="0"/>
+              <a:t> i = 0;	// set i to 0</a:t>
+            </a:r>
+          </a:p>
+          <a:p>
+            <a:r>
+              <a:rPr lang="fr-FR" sz="1000" dirty="0"/>
+              <a:t>		</a:t>
+            </a:r>
+            <a:r>
+              <a:rPr lang="fr-FR" sz="1000" dirty="0" err="1"/>
+              <a:t>int</a:t>
+            </a:r>
+            <a:r>
+              <a:rPr lang="fr-FR" sz="1000" dirty="0"/>
+              <a:t> </a:t>
+            </a:r>
+            <a:r>
+              <a:rPr lang="fr-FR" sz="1000" dirty="0" err="1"/>
+              <a:t>headCount</a:t>
+            </a:r>
+            <a:r>
+              <a:rPr lang="fr-FR" sz="1000" dirty="0"/>
+              <a:t> = 0;	// </a:t>
+            </a:r>
+            <a:r>
+              <a:rPr lang="fr-FR" sz="1000" dirty="0" err="1"/>
+              <a:t>counts</a:t>
+            </a:r>
+            <a:r>
+              <a:rPr lang="fr-FR" sz="1000" dirty="0"/>
+              <a:t> </a:t>
+            </a:r>
+            <a:r>
+              <a:rPr lang="fr-FR" sz="1000" dirty="0" err="1"/>
+              <a:t>headaches</a:t>
+            </a:r>
+            <a:endParaRPr lang="fr-FR" sz="1000" dirty="0"/>
+          </a:p>
+          <a:p>
+            <a:r>
+              <a:rPr lang="fr-FR" sz="1000" dirty="0"/>
+              <a:t>		</a:t>
+            </a:r>
+            <a:r>
+              <a:rPr lang="fr-FR" sz="1000" dirty="0" err="1"/>
+              <a:t>while</a:t>
+            </a:r>
+            <a:r>
+              <a:rPr lang="fr-FR" sz="1000" dirty="0"/>
+              <a:t> (line != </a:t>
+            </a:r>
+            <a:r>
+              <a:rPr lang="fr-FR" sz="1000" dirty="0" err="1"/>
+              <a:t>null</a:t>
+            </a:r>
+            <a:r>
+              <a:rPr lang="fr-FR" sz="1000" dirty="0"/>
+              <a:t>) {</a:t>
+            </a:r>
+          </a:p>
+          <a:p>
+            <a:r>
+              <a:rPr lang="fr-FR" sz="1000" dirty="0"/>
+              <a:t>			i++;	// </a:t>
+            </a:r>
+            <a:r>
+              <a:rPr lang="fr-FR" sz="1000" dirty="0" err="1"/>
+              <a:t>increment</a:t>
+            </a:r>
+            <a:r>
+              <a:rPr lang="fr-FR" sz="1000" dirty="0"/>
+              <a:t> i</a:t>
+            </a:r>
+          </a:p>
+          <a:p>
+            <a:r>
+              <a:rPr lang="fr-FR" sz="1000" dirty="0"/>
+              <a:t>			</a:t>
+            </a:r>
+            <a:r>
+              <a:rPr lang="fr-FR" sz="1000" dirty="0" err="1"/>
+              <a:t>System.out.println</a:t>
+            </a:r>
+            <a:r>
+              <a:rPr lang="fr-FR" sz="1000" dirty="0"/>
+              <a:t>("</a:t>
+            </a:r>
+            <a:r>
+              <a:rPr lang="fr-FR" sz="1000" dirty="0" err="1"/>
+              <a:t>symptom</a:t>
+            </a:r>
+            <a:r>
+              <a:rPr lang="fr-FR" sz="1000" dirty="0"/>
+              <a:t> </a:t>
+            </a:r>
+            <a:r>
+              <a:rPr lang="fr-FR" sz="1000" dirty="0" err="1"/>
+              <a:t>from</a:t>
+            </a:r>
+            <a:r>
+              <a:rPr lang="fr-FR" sz="1000" dirty="0"/>
+              <a:t> file: " + line);</a:t>
+            </a:r>
+          </a:p>
+          <a:p>
+            <a:r>
+              <a:rPr lang="fr-FR" sz="1000" dirty="0"/>
+              <a:t>			if (</a:t>
+            </a:r>
+            <a:r>
+              <a:rPr lang="fr-FR" sz="1000" dirty="0" err="1"/>
+              <a:t>line.equals</a:t>
+            </a:r>
+            <a:r>
+              <a:rPr lang="fr-FR" sz="1000" dirty="0"/>
+              <a:t>("</a:t>
+            </a:r>
+            <a:r>
+              <a:rPr lang="fr-FR" sz="1000" dirty="0" err="1"/>
+              <a:t>headache</a:t>
+            </a:r>
+            <a:r>
+              <a:rPr lang="fr-FR" sz="1000" dirty="0"/>
+              <a:t>")) {</a:t>
+            </a:r>
+          </a:p>
+          <a:p>
+            <a:r>
+              <a:rPr lang="fr-FR" sz="1000" dirty="0"/>
+              <a:t>				</a:t>
+            </a:r>
+            <a:r>
+              <a:rPr lang="fr-FR" sz="1000" dirty="0" err="1"/>
+              <a:t>headCount</a:t>
+            </a:r>
+            <a:r>
+              <a:rPr lang="fr-FR" sz="1000" dirty="0"/>
+              <a:t>++;</a:t>
+            </a:r>
+          </a:p>
+          <a:p>
+            <a:r>
+              <a:rPr lang="fr-FR" sz="1000" dirty="0"/>
+              <a:t>				</a:t>
+            </a:r>
+            <a:r>
+              <a:rPr lang="fr-FR" sz="1000" dirty="0" err="1"/>
+              <a:t>System.out.println</a:t>
+            </a:r>
+            <a:r>
+              <a:rPr lang="fr-FR" sz="1000" dirty="0"/>
+              <a:t>("</a:t>
+            </a:r>
+            <a:r>
+              <a:rPr lang="fr-FR" sz="1000" dirty="0" err="1"/>
+              <a:t>number</a:t>
+            </a:r>
+            <a:r>
+              <a:rPr lang="fr-FR" sz="1000" dirty="0"/>
+              <a:t> of </a:t>
+            </a:r>
+            <a:r>
+              <a:rPr lang="fr-FR" sz="1000" dirty="0" err="1"/>
+              <a:t>headaches</a:t>
+            </a:r>
+            <a:r>
+              <a:rPr lang="fr-FR" sz="1000" dirty="0"/>
+              <a:t>: " + </a:t>
+            </a:r>
+            <a:r>
+              <a:rPr lang="fr-FR" sz="1000" dirty="0" err="1"/>
+              <a:t>headCount</a:t>
+            </a:r>
+            <a:r>
+              <a:rPr lang="fr-FR" sz="1000" dirty="0"/>
+              <a:t>);</a:t>
+            </a:r>
+          </a:p>
+          <a:p>
+            <a:r>
+              <a:rPr lang="fr-FR" sz="1000" dirty="0"/>
+              <a:t>			}</a:t>
+            </a:r>
+          </a:p>
+          <a:p>
+            <a:r>
+              <a:rPr lang="fr-FR" sz="1000" dirty="0"/>
+              <a:t>			</a:t>
+            </a:r>
+            <a:r>
+              <a:rPr lang="fr-FR" sz="1000" dirty="0" err="1"/>
+              <a:t>else</a:t>
+            </a:r>
+            <a:r>
+              <a:rPr lang="fr-FR" sz="1000" dirty="0"/>
+              <a:t> if (</a:t>
+            </a:r>
+            <a:r>
+              <a:rPr lang="fr-FR" sz="1000" dirty="0" err="1"/>
+              <a:t>line.equals</a:t>
+            </a:r>
+            <a:r>
+              <a:rPr lang="fr-FR" sz="1000" dirty="0"/>
+              <a:t>("rush")) {</a:t>
+            </a:r>
+          </a:p>
+          <a:p>
+            <a:r>
+              <a:rPr lang="fr-FR" sz="1000" dirty="0"/>
+              <a:t>				</a:t>
+            </a:r>
+            <a:r>
+              <a:rPr lang="fr-FR" sz="1000" dirty="0" err="1"/>
+              <a:t>rashCount</a:t>
+            </a:r>
+            <a:r>
+              <a:rPr lang="fr-FR" sz="1000" dirty="0"/>
+              <a:t>++;</a:t>
+            </a:r>
+          </a:p>
+          <a:p>
+            <a:r>
+              <a:rPr lang="fr-FR" sz="1000" dirty="0"/>
+              <a:t>			}</a:t>
+            </a:r>
+          </a:p>
+          <a:p>
+            <a:r>
+              <a:rPr lang="fr-FR" sz="1000" dirty="0"/>
+              <a:t>			</a:t>
+            </a:r>
+            <a:r>
+              <a:rPr lang="fr-FR" sz="1000" dirty="0" err="1"/>
+              <a:t>else</a:t>
+            </a:r>
+            <a:r>
+              <a:rPr lang="fr-FR" sz="1000" dirty="0"/>
+              <a:t> if (</a:t>
+            </a:r>
+            <a:r>
+              <a:rPr lang="fr-FR" sz="1000" dirty="0" err="1"/>
+              <a:t>line.contains</a:t>
+            </a:r>
+            <a:r>
+              <a:rPr lang="fr-FR" sz="1000" dirty="0"/>
+              <a:t>("</a:t>
+            </a:r>
+            <a:r>
+              <a:rPr lang="fr-FR" sz="1000" dirty="0" err="1"/>
+              <a:t>pupils</a:t>
+            </a:r>
+            <a:r>
+              <a:rPr lang="fr-FR" sz="1000" dirty="0"/>
+              <a:t>")) {</a:t>
+            </a:r>
+          </a:p>
+          <a:p>
+            <a:r>
+              <a:rPr lang="fr-FR" sz="1000" dirty="0"/>
+              <a:t>				</a:t>
+            </a:r>
+            <a:r>
+              <a:rPr lang="fr-FR" sz="1000" dirty="0" err="1"/>
+              <a:t>pupilCount</a:t>
+            </a:r>
+            <a:r>
+              <a:rPr lang="fr-FR" sz="1000" dirty="0"/>
+              <a:t>++;</a:t>
+            </a:r>
+          </a:p>
+          <a:p>
+            <a:r>
+              <a:rPr lang="fr-FR" sz="1000" dirty="0"/>
+              <a:t>			}</a:t>
+            </a:r>
+          </a:p>
+          <a:p>
+            <a:endParaRPr lang="fr-FR" sz="1000" dirty="0"/>
+          </a:p>
+          <a:p>
+            <a:r>
+              <a:rPr lang="fr-FR" sz="1000" dirty="0"/>
+              <a:t>			line = </a:t>
+            </a:r>
+            <a:r>
+              <a:rPr lang="fr-FR" sz="1000" dirty="0" err="1"/>
+              <a:t>reader.readLine</a:t>
+            </a:r>
+            <a:r>
+              <a:rPr lang="fr-FR" sz="1000" dirty="0"/>
+              <a:t>();	// </a:t>
+            </a:r>
+            <a:r>
+              <a:rPr lang="fr-FR" sz="1000" dirty="0" err="1"/>
+              <a:t>get</a:t>
+            </a:r>
+            <a:r>
+              <a:rPr lang="fr-FR" sz="1000" dirty="0"/>
+              <a:t> </a:t>
+            </a:r>
+            <a:r>
+              <a:rPr lang="fr-FR" sz="1000" dirty="0" err="1"/>
+              <a:t>another</a:t>
+            </a:r>
+            <a:r>
+              <a:rPr lang="fr-FR" sz="1000" dirty="0"/>
+              <a:t> </a:t>
+            </a:r>
+            <a:r>
+              <a:rPr lang="fr-FR" sz="1000" dirty="0" err="1"/>
+              <a:t>symptom</a:t>
+            </a:r>
+            <a:endParaRPr lang="fr-FR" sz="1000" dirty="0"/>
+          </a:p>
+          <a:p>
+            <a:r>
+              <a:rPr lang="fr-FR" sz="1000" dirty="0"/>
+              <a:t>		}</a:t>
+            </a:r>
+          </a:p>
+          <a:p>
+            <a:r>
+              <a:rPr lang="fr-FR" sz="1000" dirty="0"/>
+              <a:t>		</a:t>
+            </a:r>
+          </a:p>
+          <a:p>
+            <a:r>
+              <a:rPr lang="fr-FR" sz="1000" dirty="0"/>
+              <a:t>		// </a:t>
+            </a:r>
+            <a:r>
+              <a:rPr lang="fr-FR" sz="1000" dirty="0" err="1"/>
+              <a:t>next</a:t>
+            </a:r>
+            <a:r>
+              <a:rPr lang="fr-FR" sz="1000" dirty="0"/>
+              <a:t> </a:t>
+            </a:r>
+            <a:r>
+              <a:rPr lang="fr-FR" sz="1000" dirty="0" err="1"/>
+              <a:t>generate</a:t>
+            </a:r>
+            <a:r>
+              <a:rPr lang="fr-FR" sz="1000" dirty="0"/>
+              <a:t> output</a:t>
+            </a:r>
+          </a:p>
+          <a:p>
+            <a:r>
+              <a:rPr lang="fr-FR" sz="1000" dirty="0"/>
+              <a:t>		</a:t>
+            </a:r>
+            <a:r>
+              <a:rPr lang="fr-FR" sz="1000" dirty="0" err="1"/>
+              <a:t>FileWriter</a:t>
+            </a:r>
+            <a:r>
+              <a:rPr lang="fr-FR" sz="1000" dirty="0"/>
+              <a:t> </a:t>
+            </a:r>
+            <a:r>
+              <a:rPr lang="fr-FR" sz="1000" dirty="0" err="1"/>
+              <a:t>writer</a:t>
+            </a:r>
+            <a:r>
+              <a:rPr lang="fr-FR" sz="1000" dirty="0"/>
+              <a:t> = new </a:t>
+            </a:r>
+            <a:r>
+              <a:rPr lang="fr-FR" sz="1000" dirty="0" err="1"/>
+              <a:t>FileWriter</a:t>
+            </a:r>
+            <a:r>
+              <a:rPr lang="fr-FR" sz="1000" dirty="0"/>
+              <a:t> ("</a:t>
+            </a:r>
+            <a:r>
+              <a:rPr lang="fr-FR" sz="1000" dirty="0" err="1"/>
+              <a:t>result.out</a:t>
+            </a:r>
+            <a:r>
+              <a:rPr lang="fr-FR" sz="1000" dirty="0"/>
+              <a:t>");</a:t>
+            </a:r>
+          </a:p>
+          <a:p>
+            <a:r>
+              <a:rPr lang="fr-FR" sz="1000" dirty="0"/>
+              <a:t>		</a:t>
+            </a:r>
+            <a:r>
+              <a:rPr lang="fr-FR" sz="1000" dirty="0" err="1"/>
+              <a:t>writer.write</a:t>
+            </a:r>
+            <a:r>
+              <a:rPr lang="fr-FR" sz="1000" dirty="0"/>
+              <a:t>("</a:t>
+            </a:r>
+            <a:r>
+              <a:rPr lang="fr-FR" sz="1000" dirty="0" err="1"/>
+              <a:t>headache</a:t>
+            </a:r>
+            <a:r>
+              <a:rPr lang="fr-FR" sz="1000" dirty="0"/>
+              <a:t>: " + </a:t>
+            </a:r>
+            <a:r>
+              <a:rPr lang="fr-FR" sz="1000" dirty="0" err="1"/>
+              <a:t>headacheCount</a:t>
+            </a:r>
+            <a:r>
+              <a:rPr lang="fr-FR" sz="1000" dirty="0"/>
+              <a:t> + "\n");</a:t>
+            </a:r>
+          </a:p>
+          <a:p>
+            <a:r>
+              <a:rPr lang="fr-FR" sz="1000" dirty="0"/>
+              <a:t>		</a:t>
+            </a:r>
+            <a:r>
+              <a:rPr lang="fr-FR" sz="1000" dirty="0" err="1"/>
+              <a:t>writer.write</a:t>
+            </a:r>
+            <a:r>
+              <a:rPr lang="fr-FR" sz="1000" dirty="0"/>
+              <a:t>("rash: " + </a:t>
+            </a:r>
+            <a:r>
+              <a:rPr lang="fr-FR" sz="1000" dirty="0" err="1"/>
+              <a:t>rashCount</a:t>
+            </a:r>
+            <a:r>
+              <a:rPr lang="fr-FR" sz="1000" dirty="0"/>
+              <a:t> + "\n");</a:t>
+            </a:r>
+          </a:p>
+          <a:p>
+            <a:r>
+              <a:rPr lang="fr-FR" sz="1000" dirty="0"/>
+              <a:t>		</a:t>
+            </a:r>
+            <a:r>
+              <a:rPr lang="fr-FR" sz="1000" dirty="0" err="1"/>
+              <a:t>writer.write</a:t>
+            </a:r>
+            <a:r>
+              <a:rPr lang="fr-FR" sz="1000" dirty="0"/>
+              <a:t>("</a:t>
+            </a:r>
+            <a:r>
+              <a:rPr lang="fr-FR" sz="1000" dirty="0" err="1"/>
+              <a:t>dialated</a:t>
+            </a:r>
+            <a:r>
+              <a:rPr lang="fr-FR" sz="1000" dirty="0"/>
+              <a:t> </a:t>
+            </a:r>
+            <a:r>
+              <a:rPr lang="fr-FR" sz="1000" dirty="0" err="1"/>
+              <a:t>pupils</a:t>
+            </a:r>
+            <a:r>
+              <a:rPr lang="fr-FR" sz="1000" dirty="0"/>
+              <a:t>: " + </a:t>
+            </a:r>
+            <a:r>
+              <a:rPr lang="fr-FR" sz="1000" dirty="0" err="1"/>
+              <a:t>pupilCount</a:t>
+            </a:r>
+            <a:r>
+              <a:rPr lang="fr-FR" sz="1000" dirty="0"/>
+              <a:t> + "\n");</a:t>
+            </a:r>
+          </a:p>
+          <a:p>
+            <a:r>
+              <a:rPr lang="fr-FR" sz="1000" dirty="0"/>
+              <a:t>		</a:t>
+            </a:r>
+            <a:r>
+              <a:rPr lang="fr-FR" sz="1000" dirty="0" err="1"/>
+              <a:t>writer.close</a:t>
+            </a:r>
+            <a:r>
+              <a:rPr lang="fr-FR" sz="1000" dirty="0"/>
+              <a:t>();</a:t>
+            </a:r>
+          </a:p>
+          <a:p>
+            <a:r>
+              <a:rPr lang="fr-FR" sz="1000" dirty="0"/>
+              <a:t>	}</a:t>
+            </a:r>
+          </a:p>
+          <a:p>
+            <a:r>
+              <a:rPr lang="fr-FR" sz="1000" dirty="0"/>
+              <a:t>}</a:t>
+            </a:r>
+          </a:p>
+          <a:p>
+            <a:endParaRPr lang="fr-FR" sz="1000" dirty="0"/>
+          </a:p>
+        </p:txBody>
+      </p:sp>
+      <p:sp>
+        <p:nvSpPr>
+          <p:cNvPr id="8" name="Décagone 7"/>
           <p:cNvSpPr/>
           <p:nvPr/>
         </p:nvSpPr>
@@ -6971,6 +7982,1613 @@
               </a:rPr>
               <a:t>2</a:t>
             </a:r>
+          </a:p>
+        </p:txBody>
+      </p:sp>
+    </p:spTree>
+  </p:cSld>
+  <p:clrMapOvr>
+    <a:masterClrMapping/>
+  </p:clrMapOvr>
+  <p:transition advClick="0" advTm="10000"/>
+  <p:timing>
+    <p:tnLst>
+      <p:par>
+        <p:cTn id="1" dur="indefinite" restart="never" nodeType="tmRoot"/>
+      </p:par>
+    </p:tnLst>
+  </p:timing>
+</p:sld>
+</file>
+
+<file path=ppt/slides/slide5.xml><?xml version="1.0" encoding="utf-8"?>
+<p:sld xmlns:a="http://schemas.openxmlformats.org/drawingml/2006/main" xmlns:r="http://schemas.openxmlformats.org/officeDocument/2006/relationships" xmlns:p="http://schemas.openxmlformats.org/presentationml/2006/main">
+  <p:cSld>
+    <p:spTree>
+      <p:nvGrpSpPr>
+        <p:cNvPr id="1" name=""/>
+        <p:cNvGrpSpPr/>
+        <p:nvPr/>
+      </p:nvGrpSpPr>
+      <p:grpSpPr>
+        <a:xfrm>
+          <a:off x="0" y="0"/>
+          <a:ext cx="0" cy="0"/>
+          <a:chOff x="0" y="0"/>
+          <a:chExt cx="0" cy="0"/>
+        </a:xfrm>
+      </p:grpSpPr>
+      <p:sp>
+        <p:nvSpPr>
+          <p:cNvPr id="11" name="ZoneTexte 10"/>
+          <p:cNvSpPr txBox="1"/>
+          <p:nvPr/>
+        </p:nvSpPr>
+        <p:spPr>
+          <a:xfrm>
+            <a:off x="179512" y="764704"/>
+            <a:ext cx="8640960" cy="6867265"/>
+          </a:xfrm>
+          <a:prstGeom prst="rect">
+            <a:avLst/>
+          </a:prstGeom>
+          <a:noFill/>
+        </p:spPr>
+        <p:txBody>
+          <a:bodyPr wrap="square" rtlCol="0">
+            <a:spAutoFit/>
+          </a:bodyPr>
+          <a:lstStyle/>
+          <a:p>
+            <a:pPr algn="just">
+              <a:lnSpc>
+                <a:spcPct val="150000"/>
+              </a:lnSpc>
+            </a:pPr>
+            <a:r>
+              <a:rPr lang="fr-FR" sz="1600" dirty="0" smtClean="0">
+                <a:latin typeface="Tahoma" pitchFamily="34" charset="0"/>
+                <a:ea typeface="Tahoma" pitchFamily="34" charset="0"/>
+                <a:cs typeface="Tahoma" pitchFamily="34" charset="0"/>
+              </a:rPr>
+              <a:t>Le code écrit par Alex présente trois différentes parties qui sont :</a:t>
+            </a:r>
+          </a:p>
+          <a:p>
+            <a:pPr algn="just">
+              <a:lnSpc>
+                <a:spcPct val="150000"/>
+              </a:lnSpc>
+            </a:pPr>
+            <a:endParaRPr lang="fr-FR" sz="1600" dirty="0" smtClean="0">
+              <a:latin typeface="Tahoma" pitchFamily="34" charset="0"/>
+              <a:ea typeface="Tahoma" pitchFamily="34" charset="0"/>
+              <a:cs typeface="Tahoma" pitchFamily="34" charset="0"/>
+            </a:endParaRPr>
+          </a:p>
+          <a:p>
+            <a:pPr lvl="2" algn="just">
+              <a:lnSpc>
+                <a:spcPct val="150000"/>
+              </a:lnSpc>
+            </a:pPr>
+            <a:r>
+              <a:rPr lang="fr-FR" sz="1600" dirty="0" smtClean="0">
+                <a:latin typeface="Tahoma" pitchFamily="34" charset="0"/>
+                <a:ea typeface="Tahoma" pitchFamily="34" charset="0"/>
+                <a:cs typeface="Tahoma" pitchFamily="34" charset="0"/>
+              </a:rPr>
+              <a:t>1. Lecture du fichier symptoms.txt contenant la liste des symptômes</a:t>
+            </a:r>
+          </a:p>
+          <a:p>
+            <a:pPr lvl="2" algn="just">
+              <a:lnSpc>
+                <a:spcPct val="150000"/>
+              </a:lnSpc>
+            </a:pPr>
+            <a:r>
+              <a:rPr lang="en-US" sz="1200" b="1" dirty="0" err="1" smtClean="0">
+                <a:solidFill>
+                  <a:schemeClr val="accent1">
+                    <a:lumMod val="75000"/>
+                  </a:schemeClr>
+                </a:solidFill>
+                <a:latin typeface="Tahoma" pitchFamily="34" charset="0"/>
+                <a:ea typeface="Tahoma" pitchFamily="34" charset="0"/>
+                <a:cs typeface="Tahoma" pitchFamily="34" charset="0"/>
+              </a:rPr>
+              <a:t>BufferedReader</a:t>
+            </a:r>
+            <a:r>
+              <a:rPr lang="en-US" sz="1200" b="1" dirty="0" smtClean="0">
+                <a:solidFill>
+                  <a:schemeClr val="accent1">
+                    <a:lumMod val="75000"/>
+                  </a:schemeClr>
+                </a:solidFill>
+                <a:latin typeface="Tahoma" pitchFamily="34" charset="0"/>
+                <a:ea typeface="Tahoma" pitchFamily="34" charset="0"/>
+                <a:cs typeface="Tahoma" pitchFamily="34" charset="0"/>
+              </a:rPr>
+              <a:t> </a:t>
+            </a:r>
+            <a:r>
+              <a:rPr lang="en-US" sz="1200" b="1" dirty="0">
+                <a:solidFill>
+                  <a:schemeClr val="accent1">
+                    <a:lumMod val="75000"/>
+                  </a:schemeClr>
+                </a:solidFill>
+                <a:latin typeface="Tahoma" pitchFamily="34" charset="0"/>
+                <a:ea typeface="Tahoma" pitchFamily="34" charset="0"/>
+                <a:cs typeface="Tahoma" pitchFamily="34" charset="0"/>
+              </a:rPr>
+              <a:t>reader = new </a:t>
+            </a:r>
+            <a:r>
+              <a:rPr lang="en-US" sz="1200" b="1" dirty="0" err="1">
+                <a:solidFill>
+                  <a:schemeClr val="accent1">
+                    <a:lumMod val="75000"/>
+                  </a:schemeClr>
+                </a:solidFill>
+                <a:latin typeface="Tahoma" pitchFamily="34" charset="0"/>
+                <a:ea typeface="Tahoma" pitchFamily="34" charset="0"/>
+                <a:cs typeface="Tahoma" pitchFamily="34" charset="0"/>
+              </a:rPr>
+              <a:t>BufferedReader</a:t>
+            </a:r>
+            <a:r>
+              <a:rPr lang="en-US" sz="1200" b="1" dirty="0">
+                <a:solidFill>
+                  <a:schemeClr val="accent1">
+                    <a:lumMod val="75000"/>
+                  </a:schemeClr>
+                </a:solidFill>
+                <a:latin typeface="Tahoma" pitchFamily="34" charset="0"/>
+                <a:ea typeface="Tahoma" pitchFamily="34" charset="0"/>
+                <a:cs typeface="Tahoma" pitchFamily="34" charset="0"/>
+              </a:rPr>
+              <a:t> (new </a:t>
+            </a:r>
+            <a:r>
+              <a:rPr lang="en-US" sz="1200" b="1" dirty="0" err="1">
+                <a:solidFill>
+                  <a:schemeClr val="accent1">
+                    <a:lumMod val="75000"/>
+                  </a:schemeClr>
+                </a:solidFill>
+                <a:latin typeface="Tahoma" pitchFamily="34" charset="0"/>
+                <a:ea typeface="Tahoma" pitchFamily="34" charset="0"/>
+                <a:cs typeface="Tahoma" pitchFamily="34" charset="0"/>
+              </a:rPr>
+              <a:t>FileReader</a:t>
+            </a:r>
+            <a:r>
+              <a:rPr lang="en-US" sz="1200" b="1" dirty="0">
+                <a:solidFill>
+                  <a:schemeClr val="accent1">
+                    <a:lumMod val="75000"/>
+                  </a:schemeClr>
+                </a:solidFill>
+                <a:latin typeface="Tahoma" pitchFamily="34" charset="0"/>
+                <a:ea typeface="Tahoma" pitchFamily="34" charset="0"/>
+                <a:cs typeface="Tahoma" pitchFamily="34" charset="0"/>
+              </a:rPr>
+              <a:t>("symptoms.txt"));</a:t>
+            </a:r>
+          </a:p>
+          <a:p>
+            <a:pPr lvl="2" algn="just">
+              <a:lnSpc>
+                <a:spcPct val="150000"/>
+              </a:lnSpc>
+            </a:pPr>
+            <a:r>
+              <a:rPr lang="en-US" sz="1200" b="1" dirty="0" smtClean="0">
+                <a:solidFill>
+                  <a:schemeClr val="accent1">
+                    <a:lumMod val="75000"/>
+                  </a:schemeClr>
+                </a:solidFill>
+                <a:latin typeface="Tahoma" pitchFamily="34" charset="0"/>
+                <a:ea typeface="Tahoma" pitchFamily="34" charset="0"/>
+                <a:cs typeface="Tahoma" pitchFamily="34" charset="0"/>
+              </a:rPr>
+              <a:t>String </a:t>
+            </a:r>
+            <a:r>
+              <a:rPr lang="en-US" sz="1200" b="1" dirty="0">
+                <a:solidFill>
+                  <a:schemeClr val="accent1">
+                    <a:lumMod val="75000"/>
+                  </a:schemeClr>
+                </a:solidFill>
+                <a:latin typeface="Tahoma" pitchFamily="34" charset="0"/>
+                <a:ea typeface="Tahoma" pitchFamily="34" charset="0"/>
+                <a:cs typeface="Tahoma" pitchFamily="34" charset="0"/>
+              </a:rPr>
+              <a:t>line = </a:t>
+            </a:r>
+            <a:r>
+              <a:rPr lang="en-US" sz="1200" b="1" dirty="0" err="1">
+                <a:solidFill>
+                  <a:schemeClr val="accent1">
+                    <a:lumMod val="75000"/>
+                  </a:schemeClr>
+                </a:solidFill>
+                <a:latin typeface="Tahoma" pitchFamily="34" charset="0"/>
+                <a:ea typeface="Tahoma" pitchFamily="34" charset="0"/>
+                <a:cs typeface="Tahoma" pitchFamily="34" charset="0"/>
+              </a:rPr>
+              <a:t>reader.readLine</a:t>
+            </a:r>
+            <a:r>
+              <a:rPr lang="en-US" sz="1200" b="1" dirty="0">
+                <a:solidFill>
+                  <a:schemeClr val="accent1">
+                    <a:lumMod val="75000"/>
+                  </a:schemeClr>
+                </a:solidFill>
+                <a:latin typeface="Tahoma" pitchFamily="34" charset="0"/>
+                <a:ea typeface="Tahoma" pitchFamily="34" charset="0"/>
+                <a:cs typeface="Tahoma" pitchFamily="34" charset="0"/>
+              </a:rPr>
+              <a:t>();</a:t>
+            </a:r>
+            <a:endParaRPr lang="fr-FR" sz="1200" b="1" dirty="0">
+              <a:solidFill>
+                <a:schemeClr val="accent1">
+                  <a:lumMod val="75000"/>
+                </a:schemeClr>
+              </a:solidFill>
+              <a:latin typeface="Tahoma" pitchFamily="34" charset="0"/>
+              <a:ea typeface="Tahoma" pitchFamily="34" charset="0"/>
+              <a:cs typeface="Tahoma" pitchFamily="34" charset="0"/>
+            </a:endParaRPr>
+          </a:p>
+          <a:p>
+            <a:pPr lvl="2" algn="just">
+              <a:lnSpc>
+                <a:spcPct val="150000"/>
+              </a:lnSpc>
+            </a:pPr>
+            <a:endParaRPr lang="fr-FR" sz="1600" dirty="0" smtClean="0">
+              <a:latin typeface="Tahoma" pitchFamily="34" charset="0"/>
+              <a:ea typeface="Tahoma" pitchFamily="34" charset="0"/>
+              <a:cs typeface="Tahoma" pitchFamily="34" charset="0"/>
+            </a:endParaRPr>
+          </a:p>
+          <a:p>
+            <a:pPr lvl="2" algn="just">
+              <a:lnSpc>
+                <a:spcPct val="150000"/>
+              </a:lnSpc>
+            </a:pPr>
+            <a:r>
+              <a:rPr lang="fr-FR" sz="1600" dirty="0" smtClean="0">
+                <a:latin typeface="Tahoma" pitchFamily="34" charset="0"/>
+                <a:ea typeface="Tahoma" pitchFamily="34" charset="0"/>
+                <a:cs typeface="Tahoma" pitchFamily="34" charset="0"/>
+              </a:rPr>
+              <a:t>2. Le décompte des occurrences de 3 symptômes que sont :</a:t>
+            </a:r>
+          </a:p>
+          <a:p>
+            <a:pPr lvl="2" algn="just">
+              <a:lnSpc>
+                <a:spcPct val="150000"/>
+              </a:lnSpc>
+            </a:pPr>
+            <a:r>
+              <a:rPr lang="fr-FR" sz="1050" dirty="0" smtClean="0">
+                <a:solidFill>
+                  <a:schemeClr val="accent1">
+                    <a:lumMod val="75000"/>
+                  </a:schemeClr>
+                </a:solidFill>
+                <a:latin typeface="Tahoma" pitchFamily="34" charset="0"/>
+                <a:ea typeface="Tahoma" pitchFamily="34" charset="0"/>
+                <a:cs typeface="Tahoma" pitchFamily="34" charset="0"/>
+              </a:rPr>
+              <a:t>                    </a:t>
+            </a:r>
+            <a:r>
+              <a:rPr lang="fr-FR" sz="1050" dirty="0" err="1" smtClean="0">
+                <a:solidFill>
+                  <a:schemeClr val="accent1">
+                    <a:lumMod val="75000"/>
+                  </a:schemeClr>
+                </a:solidFill>
+                <a:latin typeface="Tahoma" pitchFamily="34" charset="0"/>
+                <a:ea typeface="Tahoma" pitchFamily="34" charset="0"/>
+                <a:cs typeface="Tahoma" pitchFamily="34" charset="0"/>
+              </a:rPr>
+              <a:t>while</a:t>
+            </a:r>
+            <a:r>
+              <a:rPr lang="fr-FR" sz="1050" dirty="0" smtClean="0">
+                <a:solidFill>
+                  <a:schemeClr val="accent1">
+                    <a:lumMod val="75000"/>
+                  </a:schemeClr>
+                </a:solidFill>
+                <a:latin typeface="Tahoma" pitchFamily="34" charset="0"/>
+                <a:ea typeface="Tahoma" pitchFamily="34" charset="0"/>
+                <a:cs typeface="Tahoma" pitchFamily="34" charset="0"/>
+              </a:rPr>
+              <a:t> </a:t>
+            </a:r>
+            <a:r>
+              <a:rPr lang="fr-FR" sz="1050" dirty="0">
+                <a:solidFill>
+                  <a:schemeClr val="accent1">
+                    <a:lumMod val="75000"/>
+                  </a:schemeClr>
+                </a:solidFill>
+                <a:latin typeface="Tahoma" pitchFamily="34" charset="0"/>
+                <a:ea typeface="Tahoma" pitchFamily="34" charset="0"/>
+                <a:cs typeface="Tahoma" pitchFamily="34" charset="0"/>
+              </a:rPr>
+              <a:t>(line != </a:t>
+            </a:r>
+            <a:r>
+              <a:rPr lang="fr-FR" sz="1050" dirty="0" err="1">
+                <a:solidFill>
+                  <a:schemeClr val="accent1">
+                    <a:lumMod val="75000"/>
+                  </a:schemeClr>
+                </a:solidFill>
+                <a:latin typeface="Tahoma" pitchFamily="34" charset="0"/>
+                <a:ea typeface="Tahoma" pitchFamily="34" charset="0"/>
+                <a:cs typeface="Tahoma" pitchFamily="34" charset="0"/>
+              </a:rPr>
+              <a:t>null</a:t>
+            </a:r>
+            <a:r>
+              <a:rPr lang="fr-FR" sz="1050" dirty="0">
+                <a:solidFill>
+                  <a:schemeClr val="accent1">
+                    <a:lumMod val="75000"/>
+                  </a:schemeClr>
+                </a:solidFill>
+                <a:latin typeface="Tahoma" pitchFamily="34" charset="0"/>
+                <a:ea typeface="Tahoma" pitchFamily="34" charset="0"/>
+                <a:cs typeface="Tahoma" pitchFamily="34" charset="0"/>
+              </a:rPr>
+              <a:t>) {</a:t>
+            </a:r>
+          </a:p>
+          <a:p>
+            <a:pPr algn="just">
+              <a:lnSpc>
+                <a:spcPct val="150000"/>
+              </a:lnSpc>
+            </a:pPr>
+            <a:r>
+              <a:rPr lang="fr-FR" sz="1050" dirty="0">
+                <a:solidFill>
+                  <a:schemeClr val="accent1">
+                    <a:lumMod val="75000"/>
+                  </a:schemeClr>
+                </a:solidFill>
+                <a:latin typeface="Tahoma" pitchFamily="34" charset="0"/>
+                <a:ea typeface="Tahoma" pitchFamily="34" charset="0"/>
+                <a:cs typeface="Tahoma" pitchFamily="34" charset="0"/>
+              </a:rPr>
+              <a:t>		</a:t>
+            </a:r>
+            <a:r>
+              <a:rPr lang="fr-FR" sz="1050" dirty="0" smtClean="0">
+                <a:solidFill>
+                  <a:schemeClr val="accent1">
+                    <a:lumMod val="75000"/>
+                  </a:schemeClr>
+                </a:solidFill>
+                <a:latin typeface="Tahoma" pitchFamily="34" charset="0"/>
+                <a:ea typeface="Tahoma" pitchFamily="34" charset="0"/>
+                <a:cs typeface="Tahoma" pitchFamily="34" charset="0"/>
+              </a:rPr>
+              <a:t>   i</a:t>
+            </a:r>
+            <a:r>
+              <a:rPr lang="fr-FR" sz="1050" dirty="0">
+                <a:solidFill>
+                  <a:schemeClr val="accent1">
+                    <a:lumMod val="75000"/>
+                  </a:schemeClr>
+                </a:solidFill>
+                <a:latin typeface="Tahoma" pitchFamily="34" charset="0"/>
+                <a:ea typeface="Tahoma" pitchFamily="34" charset="0"/>
+                <a:cs typeface="Tahoma" pitchFamily="34" charset="0"/>
+              </a:rPr>
+              <a:t>++;	// </a:t>
+            </a:r>
+            <a:r>
+              <a:rPr lang="fr-FR" sz="1050" dirty="0" err="1">
+                <a:solidFill>
+                  <a:schemeClr val="accent1">
+                    <a:lumMod val="75000"/>
+                  </a:schemeClr>
+                </a:solidFill>
+                <a:latin typeface="Tahoma" pitchFamily="34" charset="0"/>
+                <a:ea typeface="Tahoma" pitchFamily="34" charset="0"/>
+                <a:cs typeface="Tahoma" pitchFamily="34" charset="0"/>
+              </a:rPr>
+              <a:t>increment</a:t>
+            </a:r>
+            <a:r>
+              <a:rPr lang="fr-FR" sz="1050" dirty="0">
+                <a:solidFill>
+                  <a:schemeClr val="accent1">
+                    <a:lumMod val="75000"/>
+                  </a:schemeClr>
+                </a:solidFill>
+                <a:latin typeface="Tahoma" pitchFamily="34" charset="0"/>
+                <a:ea typeface="Tahoma" pitchFamily="34" charset="0"/>
+                <a:cs typeface="Tahoma" pitchFamily="34" charset="0"/>
+              </a:rPr>
+              <a:t> i</a:t>
+            </a:r>
+          </a:p>
+          <a:p>
+            <a:pPr algn="just">
+              <a:lnSpc>
+                <a:spcPct val="150000"/>
+              </a:lnSpc>
+            </a:pPr>
+            <a:r>
+              <a:rPr lang="fr-FR" sz="1050" dirty="0">
+                <a:solidFill>
+                  <a:schemeClr val="accent1">
+                    <a:lumMod val="75000"/>
+                  </a:schemeClr>
+                </a:solidFill>
+                <a:latin typeface="Tahoma" pitchFamily="34" charset="0"/>
+                <a:ea typeface="Tahoma" pitchFamily="34" charset="0"/>
+                <a:cs typeface="Tahoma" pitchFamily="34" charset="0"/>
+              </a:rPr>
+              <a:t>		</a:t>
+            </a:r>
+            <a:r>
+              <a:rPr lang="fr-FR" sz="1050" dirty="0" smtClean="0">
+                <a:solidFill>
+                  <a:schemeClr val="accent1">
+                    <a:lumMod val="75000"/>
+                  </a:schemeClr>
+                </a:solidFill>
+                <a:latin typeface="Tahoma" pitchFamily="34" charset="0"/>
+                <a:ea typeface="Tahoma" pitchFamily="34" charset="0"/>
+                <a:cs typeface="Tahoma" pitchFamily="34" charset="0"/>
+              </a:rPr>
+              <a:t>   </a:t>
+            </a:r>
+            <a:r>
+              <a:rPr lang="fr-FR" sz="1050" dirty="0" err="1" smtClean="0">
+                <a:solidFill>
+                  <a:schemeClr val="accent1">
+                    <a:lumMod val="75000"/>
+                  </a:schemeClr>
+                </a:solidFill>
+                <a:latin typeface="Tahoma" pitchFamily="34" charset="0"/>
+                <a:ea typeface="Tahoma" pitchFamily="34" charset="0"/>
+                <a:cs typeface="Tahoma" pitchFamily="34" charset="0"/>
+              </a:rPr>
+              <a:t>System.out.println</a:t>
+            </a:r>
+            <a:r>
+              <a:rPr lang="fr-FR" sz="1050" dirty="0">
+                <a:solidFill>
+                  <a:schemeClr val="accent1">
+                    <a:lumMod val="75000"/>
+                  </a:schemeClr>
+                </a:solidFill>
+                <a:latin typeface="Tahoma" pitchFamily="34" charset="0"/>
+                <a:ea typeface="Tahoma" pitchFamily="34" charset="0"/>
+                <a:cs typeface="Tahoma" pitchFamily="34" charset="0"/>
+              </a:rPr>
+              <a:t>("</a:t>
+            </a:r>
+            <a:r>
+              <a:rPr lang="fr-FR" sz="1050" dirty="0" err="1">
+                <a:solidFill>
+                  <a:schemeClr val="accent1">
+                    <a:lumMod val="75000"/>
+                  </a:schemeClr>
+                </a:solidFill>
+                <a:latin typeface="Tahoma" pitchFamily="34" charset="0"/>
+                <a:ea typeface="Tahoma" pitchFamily="34" charset="0"/>
+                <a:cs typeface="Tahoma" pitchFamily="34" charset="0"/>
+              </a:rPr>
+              <a:t>symptom</a:t>
+            </a:r>
+            <a:r>
+              <a:rPr lang="fr-FR" sz="1050" dirty="0">
+                <a:solidFill>
+                  <a:schemeClr val="accent1">
+                    <a:lumMod val="75000"/>
+                  </a:schemeClr>
+                </a:solidFill>
+                <a:latin typeface="Tahoma" pitchFamily="34" charset="0"/>
+                <a:ea typeface="Tahoma" pitchFamily="34" charset="0"/>
+                <a:cs typeface="Tahoma" pitchFamily="34" charset="0"/>
+              </a:rPr>
+              <a:t> </a:t>
+            </a:r>
+            <a:r>
+              <a:rPr lang="fr-FR" sz="1050" dirty="0" err="1">
+                <a:solidFill>
+                  <a:schemeClr val="accent1">
+                    <a:lumMod val="75000"/>
+                  </a:schemeClr>
+                </a:solidFill>
+                <a:latin typeface="Tahoma" pitchFamily="34" charset="0"/>
+                <a:ea typeface="Tahoma" pitchFamily="34" charset="0"/>
+                <a:cs typeface="Tahoma" pitchFamily="34" charset="0"/>
+              </a:rPr>
+              <a:t>from</a:t>
+            </a:r>
+            <a:r>
+              <a:rPr lang="fr-FR" sz="1050" dirty="0">
+                <a:solidFill>
+                  <a:schemeClr val="accent1">
+                    <a:lumMod val="75000"/>
+                  </a:schemeClr>
+                </a:solidFill>
+                <a:latin typeface="Tahoma" pitchFamily="34" charset="0"/>
+                <a:ea typeface="Tahoma" pitchFamily="34" charset="0"/>
+                <a:cs typeface="Tahoma" pitchFamily="34" charset="0"/>
+              </a:rPr>
+              <a:t> file: " + line);</a:t>
+            </a:r>
+          </a:p>
+          <a:p>
+            <a:pPr algn="just">
+              <a:lnSpc>
+                <a:spcPct val="150000"/>
+              </a:lnSpc>
+            </a:pPr>
+            <a:r>
+              <a:rPr lang="fr-FR" sz="1050" dirty="0">
+                <a:solidFill>
+                  <a:schemeClr val="accent1">
+                    <a:lumMod val="75000"/>
+                  </a:schemeClr>
+                </a:solidFill>
+                <a:latin typeface="Tahoma" pitchFamily="34" charset="0"/>
+                <a:ea typeface="Tahoma" pitchFamily="34" charset="0"/>
+                <a:cs typeface="Tahoma" pitchFamily="34" charset="0"/>
+              </a:rPr>
+              <a:t>		</a:t>
+            </a:r>
+            <a:r>
+              <a:rPr lang="fr-FR" sz="1050" dirty="0" smtClean="0">
+                <a:solidFill>
+                  <a:schemeClr val="accent1">
+                    <a:lumMod val="75000"/>
+                  </a:schemeClr>
+                </a:solidFill>
+                <a:latin typeface="Tahoma" pitchFamily="34" charset="0"/>
+                <a:ea typeface="Tahoma" pitchFamily="34" charset="0"/>
+                <a:cs typeface="Tahoma" pitchFamily="34" charset="0"/>
+              </a:rPr>
+              <a:t>   if </a:t>
+            </a:r>
+            <a:r>
+              <a:rPr lang="fr-FR" sz="1050" dirty="0">
+                <a:solidFill>
+                  <a:schemeClr val="accent1">
+                    <a:lumMod val="75000"/>
+                  </a:schemeClr>
+                </a:solidFill>
+                <a:latin typeface="Tahoma" pitchFamily="34" charset="0"/>
+                <a:ea typeface="Tahoma" pitchFamily="34" charset="0"/>
+                <a:cs typeface="Tahoma" pitchFamily="34" charset="0"/>
+              </a:rPr>
+              <a:t>(</a:t>
+            </a:r>
+            <a:r>
+              <a:rPr lang="fr-FR" sz="1050" dirty="0" err="1">
+                <a:solidFill>
+                  <a:schemeClr val="accent1">
+                    <a:lumMod val="75000"/>
+                  </a:schemeClr>
+                </a:solidFill>
+                <a:latin typeface="Tahoma" pitchFamily="34" charset="0"/>
+                <a:ea typeface="Tahoma" pitchFamily="34" charset="0"/>
+                <a:cs typeface="Tahoma" pitchFamily="34" charset="0"/>
+              </a:rPr>
+              <a:t>line.equals</a:t>
+            </a:r>
+            <a:r>
+              <a:rPr lang="fr-FR" sz="1050" dirty="0">
+                <a:solidFill>
+                  <a:schemeClr val="accent1">
+                    <a:lumMod val="75000"/>
+                  </a:schemeClr>
+                </a:solidFill>
+                <a:latin typeface="Tahoma" pitchFamily="34" charset="0"/>
+                <a:ea typeface="Tahoma" pitchFamily="34" charset="0"/>
+                <a:cs typeface="Tahoma" pitchFamily="34" charset="0"/>
+              </a:rPr>
+              <a:t>("</a:t>
+            </a:r>
+            <a:r>
+              <a:rPr lang="fr-FR" sz="1050" dirty="0" err="1">
+                <a:solidFill>
+                  <a:schemeClr val="accent1">
+                    <a:lumMod val="75000"/>
+                  </a:schemeClr>
+                </a:solidFill>
+                <a:latin typeface="Tahoma" pitchFamily="34" charset="0"/>
+                <a:ea typeface="Tahoma" pitchFamily="34" charset="0"/>
+                <a:cs typeface="Tahoma" pitchFamily="34" charset="0"/>
+              </a:rPr>
+              <a:t>headache</a:t>
+            </a:r>
+            <a:r>
+              <a:rPr lang="fr-FR" sz="1050" dirty="0">
+                <a:solidFill>
+                  <a:schemeClr val="accent1">
+                    <a:lumMod val="75000"/>
+                  </a:schemeClr>
+                </a:solidFill>
+                <a:latin typeface="Tahoma" pitchFamily="34" charset="0"/>
+                <a:ea typeface="Tahoma" pitchFamily="34" charset="0"/>
+                <a:cs typeface="Tahoma" pitchFamily="34" charset="0"/>
+              </a:rPr>
+              <a:t>")) {</a:t>
+            </a:r>
+          </a:p>
+          <a:p>
+            <a:pPr algn="just">
+              <a:lnSpc>
+                <a:spcPct val="150000"/>
+              </a:lnSpc>
+            </a:pPr>
+            <a:r>
+              <a:rPr lang="fr-FR" sz="1050" dirty="0">
+                <a:solidFill>
+                  <a:schemeClr val="accent1">
+                    <a:lumMod val="75000"/>
+                  </a:schemeClr>
+                </a:solidFill>
+                <a:latin typeface="Tahoma" pitchFamily="34" charset="0"/>
+                <a:ea typeface="Tahoma" pitchFamily="34" charset="0"/>
+                <a:cs typeface="Tahoma" pitchFamily="34" charset="0"/>
+              </a:rPr>
+              <a:t>		</a:t>
+            </a:r>
+            <a:r>
+              <a:rPr lang="fr-FR" sz="1050" dirty="0" smtClean="0">
+                <a:solidFill>
+                  <a:schemeClr val="accent1">
+                    <a:lumMod val="75000"/>
+                  </a:schemeClr>
+                </a:solidFill>
+                <a:latin typeface="Tahoma" pitchFamily="34" charset="0"/>
+                <a:ea typeface="Tahoma" pitchFamily="34" charset="0"/>
+                <a:cs typeface="Tahoma" pitchFamily="34" charset="0"/>
+              </a:rPr>
+              <a:t>         </a:t>
+            </a:r>
+            <a:r>
+              <a:rPr lang="fr-FR" sz="1050" dirty="0" err="1" smtClean="0">
+                <a:solidFill>
+                  <a:schemeClr val="accent1">
+                    <a:lumMod val="75000"/>
+                  </a:schemeClr>
+                </a:solidFill>
+                <a:latin typeface="Tahoma" pitchFamily="34" charset="0"/>
+                <a:ea typeface="Tahoma" pitchFamily="34" charset="0"/>
+                <a:cs typeface="Tahoma" pitchFamily="34" charset="0"/>
+              </a:rPr>
+              <a:t>headCount</a:t>
+            </a:r>
+            <a:r>
+              <a:rPr lang="fr-FR" sz="1050" dirty="0">
+                <a:solidFill>
+                  <a:schemeClr val="accent1">
+                    <a:lumMod val="75000"/>
+                  </a:schemeClr>
+                </a:solidFill>
+                <a:latin typeface="Tahoma" pitchFamily="34" charset="0"/>
+                <a:ea typeface="Tahoma" pitchFamily="34" charset="0"/>
+                <a:cs typeface="Tahoma" pitchFamily="34" charset="0"/>
+              </a:rPr>
+              <a:t>++;</a:t>
+            </a:r>
+          </a:p>
+          <a:p>
+            <a:pPr algn="just">
+              <a:lnSpc>
+                <a:spcPct val="150000"/>
+              </a:lnSpc>
+            </a:pPr>
+            <a:r>
+              <a:rPr lang="fr-FR" sz="1050" dirty="0">
+                <a:solidFill>
+                  <a:schemeClr val="accent1">
+                    <a:lumMod val="75000"/>
+                  </a:schemeClr>
+                </a:solidFill>
+                <a:latin typeface="Tahoma" pitchFamily="34" charset="0"/>
+                <a:ea typeface="Tahoma" pitchFamily="34" charset="0"/>
+                <a:cs typeface="Tahoma" pitchFamily="34" charset="0"/>
+              </a:rPr>
+              <a:t>		</a:t>
+            </a:r>
+            <a:r>
+              <a:rPr lang="fr-FR" sz="1050" dirty="0" smtClean="0">
+                <a:solidFill>
+                  <a:schemeClr val="accent1">
+                    <a:lumMod val="75000"/>
+                  </a:schemeClr>
+                </a:solidFill>
+                <a:latin typeface="Tahoma" pitchFamily="34" charset="0"/>
+                <a:ea typeface="Tahoma" pitchFamily="34" charset="0"/>
+                <a:cs typeface="Tahoma" pitchFamily="34" charset="0"/>
+              </a:rPr>
+              <a:t>         </a:t>
+            </a:r>
+            <a:r>
+              <a:rPr lang="fr-FR" sz="1050" dirty="0" err="1" smtClean="0">
+                <a:solidFill>
+                  <a:schemeClr val="accent1">
+                    <a:lumMod val="75000"/>
+                  </a:schemeClr>
+                </a:solidFill>
+                <a:latin typeface="Tahoma" pitchFamily="34" charset="0"/>
+                <a:ea typeface="Tahoma" pitchFamily="34" charset="0"/>
+                <a:cs typeface="Tahoma" pitchFamily="34" charset="0"/>
+              </a:rPr>
+              <a:t>System.out.println</a:t>
+            </a:r>
+            <a:r>
+              <a:rPr lang="fr-FR" sz="1050" dirty="0">
+                <a:solidFill>
+                  <a:schemeClr val="accent1">
+                    <a:lumMod val="75000"/>
+                  </a:schemeClr>
+                </a:solidFill>
+                <a:latin typeface="Tahoma" pitchFamily="34" charset="0"/>
+                <a:ea typeface="Tahoma" pitchFamily="34" charset="0"/>
+                <a:cs typeface="Tahoma" pitchFamily="34" charset="0"/>
+              </a:rPr>
+              <a:t>("</a:t>
+            </a:r>
+            <a:r>
+              <a:rPr lang="fr-FR" sz="1050" dirty="0" err="1">
+                <a:solidFill>
+                  <a:schemeClr val="accent1">
+                    <a:lumMod val="75000"/>
+                  </a:schemeClr>
+                </a:solidFill>
+                <a:latin typeface="Tahoma" pitchFamily="34" charset="0"/>
+                <a:ea typeface="Tahoma" pitchFamily="34" charset="0"/>
+                <a:cs typeface="Tahoma" pitchFamily="34" charset="0"/>
+              </a:rPr>
+              <a:t>number</a:t>
+            </a:r>
+            <a:r>
+              <a:rPr lang="fr-FR" sz="1050" dirty="0">
+                <a:solidFill>
+                  <a:schemeClr val="accent1">
+                    <a:lumMod val="75000"/>
+                  </a:schemeClr>
+                </a:solidFill>
+                <a:latin typeface="Tahoma" pitchFamily="34" charset="0"/>
+                <a:ea typeface="Tahoma" pitchFamily="34" charset="0"/>
+                <a:cs typeface="Tahoma" pitchFamily="34" charset="0"/>
+              </a:rPr>
+              <a:t> of </a:t>
+            </a:r>
+            <a:r>
+              <a:rPr lang="fr-FR" sz="1050" dirty="0" err="1">
+                <a:solidFill>
+                  <a:schemeClr val="accent1">
+                    <a:lumMod val="75000"/>
+                  </a:schemeClr>
+                </a:solidFill>
+                <a:latin typeface="Tahoma" pitchFamily="34" charset="0"/>
+                <a:ea typeface="Tahoma" pitchFamily="34" charset="0"/>
+                <a:cs typeface="Tahoma" pitchFamily="34" charset="0"/>
+              </a:rPr>
+              <a:t>headaches</a:t>
+            </a:r>
+            <a:r>
+              <a:rPr lang="fr-FR" sz="1050" dirty="0">
+                <a:solidFill>
+                  <a:schemeClr val="accent1">
+                    <a:lumMod val="75000"/>
+                  </a:schemeClr>
+                </a:solidFill>
+                <a:latin typeface="Tahoma" pitchFamily="34" charset="0"/>
+                <a:ea typeface="Tahoma" pitchFamily="34" charset="0"/>
+                <a:cs typeface="Tahoma" pitchFamily="34" charset="0"/>
+              </a:rPr>
+              <a:t>: " + </a:t>
+            </a:r>
+            <a:r>
+              <a:rPr lang="fr-FR" sz="1050" dirty="0" err="1">
+                <a:solidFill>
+                  <a:schemeClr val="accent1">
+                    <a:lumMod val="75000"/>
+                  </a:schemeClr>
+                </a:solidFill>
+                <a:latin typeface="Tahoma" pitchFamily="34" charset="0"/>
+                <a:ea typeface="Tahoma" pitchFamily="34" charset="0"/>
+                <a:cs typeface="Tahoma" pitchFamily="34" charset="0"/>
+              </a:rPr>
+              <a:t>headCount</a:t>
+            </a:r>
+            <a:r>
+              <a:rPr lang="fr-FR" sz="1050" dirty="0">
+                <a:solidFill>
+                  <a:schemeClr val="accent1">
+                    <a:lumMod val="75000"/>
+                  </a:schemeClr>
+                </a:solidFill>
+                <a:latin typeface="Tahoma" pitchFamily="34" charset="0"/>
+                <a:ea typeface="Tahoma" pitchFamily="34" charset="0"/>
+                <a:cs typeface="Tahoma" pitchFamily="34" charset="0"/>
+              </a:rPr>
+              <a:t>);</a:t>
+            </a:r>
+          </a:p>
+          <a:p>
+            <a:pPr algn="just">
+              <a:lnSpc>
+                <a:spcPct val="150000"/>
+              </a:lnSpc>
+            </a:pPr>
+            <a:r>
+              <a:rPr lang="fr-FR" sz="1050" dirty="0">
+                <a:solidFill>
+                  <a:schemeClr val="accent1">
+                    <a:lumMod val="75000"/>
+                  </a:schemeClr>
+                </a:solidFill>
+                <a:latin typeface="Tahoma" pitchFamily="34" charset="0"/>
+                <a:ea typeface="Tahoma" pitchFamily="34" charset="0"/>
+                <a:cs typeface="Tahoma" pitchFamily="34" charset="0"/>
+              </a:rPr>
+              <a:t>		</a:t>
+            </a:r>
+            <a:r>
+              <a:rPr lang="fr-FR" sz="1050" dirty="0" smtClean="0">
+                <a:solidFill>
+                  <a:schemeClr val="accent1">
+                    <a:lumMod val="75000"/>
+                  </a:schemeClr>
+                </a:solidFill>
+                <a:latin typeface="Tahoma" pitchFamily="34" charset="0"/>
+                <a:ea typeface="Tahoma" pitchFamily="34" charset="0"/>
+                <a:cs typeface="Tahoma" pitchFamily="34" charset="0"/>
+              </a:rPr>
+              <a:t>     }</a:t>
+            </a:r>
+            <a:endParaRPr lang="fr-FR" sz="1050" dirty="0">
+              <a:solidFill>
+                <a:schemeClr val="accent1">
+                  <a:lumMod val="75000"/>
+                </a:schemeClr>
+              </a:solidFill>
+              <a:latin typeface="Tahoma" pitchFamily="34" charset="0"/>
+              <a:ea typeface="Tahoma" pitchFamily="34" charset="0"/>
+              <a:cs typeface="Tahoma" pitchFamily="34" charset="0"/>
+            </a:endParaRPr>
+          </a:p>
+          <a:p>
+            <a:pPr algn="just">
+              <a:lnSpc>
+                <a:spcPct val="150000"/>
+              </a:lnSpc>
+            </a:pPr>
+            <a:r>
+              <a:rPr lang="fr-FR" sz="1050" dirty="0">
+                <a:solidFill>
+                  <a:schemeClr val="accent1">
+                    <a:lumMod val="75000"/>
+                  </a:schemeClr>
+                </a:solidFill>
+                <a:latin typeface="Tahoma" pitchFamily="34" charset="0"/>
+                <a:ea typeface="Tahoma" pitchFamily="34" charset="0"/>
+                <a:cs typeface="Tahoma" pitchFamily="34" charset="0"/>
+              </a:rPr>
+              <a:t>		</a:t>
+            </a:r>
+            <a:r>
+              <a:rPr lang="fr-FR" sz="1050" dirty="0" smtClean="0">
+                <a:solidFill>
+                  <a:schemeClr val="accent1">
+                    <a:lumMod val="75000"/>
+                  </a:schemeClr>
+                </a:solidFill>
+                <a:latin typeface="Tahoma" pitchFamily="34" charset="0"/>
+                <a:ea typeface="Tahoma" pitchFamily="34" charset="0"/>
+                <a:cs typeface="Tahoma" pitchFamily="34" charset="0"/>
+              </a:rPr>
+              <a:t>        </a:t>
+            </a:r>
+            <a:r>
+              <a:rPr lang="fr-FR" sz="1050" dirty="0" err="1" smtClean="0">
+                <a:solidFill>
+                  <a:schemeClr val="accent1">
+                    <a:lumMod val="75000"/>
+                  </a:schemeClr>
+                </a:solidFill>
+                <a:latin typeface="Tahoma" pitchFamily="34" charset="0"/>
+                <a:ea typeface="Tahoma" pitchFamily="34" charset="0"/>
+                <a:cs typeface="Tahoma" pitchFamily="34" charset="0"/>
+              </a:rPr>
+              <a:t>else</a:t>
+            </a:r>
+            <a:r>
+              <a:rPr lang="fr-FR" sz="1050" dirty="0" smtClean="0">
+                <a:solidFill>
+                  <a:schemeClr val="accent1">
+                    <a:lumMod val="75000"/>
+                  </a:schemeClr>
+                </a:solidFill>
+                <a:latin typeface="Tahoma" pitchFamily="34" charset="0"/>
+                <a:ea typeface="Tahoma" pitchFamily="34" charset="0"/>
+                <a:cs typeface="Tahoma" pitchFamily="34" charset="0"/>
+              </a:rPr>
+              <a:t> </a:t>
+            </a:r>
+            <a:r>
+              <a:rPr lang="fr-FR" sz="1050" dirty="0">
+                <a:solidFill>
+                  <a:schemeClr val="accent1">
+                    <a:lumMod val="75000"/>
+                  </a:schemeClr>
+                </a:solidFill>
+                <a:latin typeface="Tahoma" pitchFamily="34" charset="0"/>
+                <a:ea typeface="Tahoma" pitchFamily="34" charset="0"/>
+                <a:cs typeface="Tahoma" pitchFamily="34" charset="0"/>
+              </a:rPr>
+              <a:t>if (</a:t>
+            </a:r>
+            <a:r>
+              <a:rPr lang="fr-FR" sz="1050" dirty="0" err="1">
+                <a:solidFill>
+                  <a:schemeClr val="accent1">
+                    <a:lumMod val="75000"/>
+                  </a:schemeClr>
+                </a:solidFill>
+                <a:latin typeface="Tahoma" pitchFamily="34" charset="0"/>
+                <a:ea typeface="Tahoma" pitchFamily="34" charset="0"/>
+                <a:cs typeface="Tahoma" pitchFamily="34" charset="0"/>
+              </a:rPr>
+              <a:t>line.equals</a:t>
+            </a:r>
+            <a:r>
+              <a:rPr lang="fr-FR" sz="1050" dirty="0">
+                <a:solidFill>
+                  <a:schemeClr val="accent1">
+                    <a:lumMod val="75000"/>
+                  </a:schemeClr>
+                </a:solidFill>
+                <a:latin typeface="Tahoma" pitchFamily="34" charset="0"/>
+                <a:ea typeface="Tahoma" pitchFamily="34" charset="0"/>
+                <a:cs typeface="Tahoma" pitchFamily="34" charset="0"/>
+              </a:rPr>
+              <a:t>("rush")) {</a:t>
+            </a:r>
+          </a:p>
+          <a:p>
+            <a:pPr algn="just">
+              <a:lnSpc>
+                <a:spcPct val="150000"/>
+              </a:lnSpc>
+            </a:pPr>
+            <a:r>
+              <a:rPr lang="fr-FR" sz="1050" dirty="0">
+                <a:solidFill>
+                  <a:schemeClr val="accent1">
+                    <a:lumMod val="75000"/>
+                  </a:schemeClr>
+                </a:solidFill>
+                <a:latin typeface="Tahoma" pitchFamily="34" charset="0"/>
+                <a:ea typeface="Tahoma" pitchFamily="34" charset="0"/>
+                <a:cs typeface="Tahoma" pitchFamily="34" charset="0"/>
+              </a:rPr>
+              <a:t>		</a:t>
+            </a:r>
+            <a:r>
+              <a:rPr lang="fr-FR" sz="1050" dirty="0" smtClean="0">
+                <a:solidFill>
+                  <a:schemeClr val="accent1">
+                    <a:lumMod val="75000"/>
+                  </a:schemeClr>
+                </a:solidFill>
+                <a:latin typeface="Tahoma" pitchFamily="34" charset="0"/>
+                <a:ea typeface="Tahoma" pitchFamily="34" charset="0"/>
+                <a:cs typeface="Tahoma" pitchFamily="34" charset="0"/>
+              </a:rPr>
+              <a:t>             </a:t>
+            </a:r>
+            <a:r>
+              <a:rPr lang="fr-FR" sz="1050" dirty="0" err="1" smtClean="0">
+                <a:solidFill>
+                  <a:schemeClr val="accent1">
+                    <a:lumMod val="75000"/>
+                  </a:schemeClr>
+                </a:solidFill>
+                <a:latin typeface="Tahoma" pitchFamily="34" charset="0"/>
+                <a:ea typeface="Tahoma" pitchFamily="34" charset="0"/>
+                <a:cs typeface="Tahoma" pitchFamily="34" charset="0"/>
+              </a:rPr>
+              <a:t>rashCount</a:t>
+            </a:r>
+            <a:r>
+              <a:rPr lang="fr-FR" sz="1050" dirty="0">
+                <a:solidFill>
+                  <a:schemeClr val="accent1">
+                    <a:lumMod val="75000"/>
+                  </a:schemeClr>
+                </a:solidFill>
+                <a:latin typeface="Tahoma" pitchFamily="34" charset="0"/>
+                <a:ea typeface="Tahoma" pitchFamily="34" charset="0"/>
+                <a:cs typeface="Tahoma" pitchFamily="34" charset="0"/>
+              </a:rPr>
+              <a:t>++;</a:t>
+            </a:r>
+          </a:p>
+          <a:p>
+            <a:pPr algn="just">
+              <a:lnSpc>
+                <a:spcPct val="150000"/>
+              </a:lnSpc>
+            </a:pPr>
+            <a:r>
+              <a:rPr lang="fr-FR" sz="1050" dirty="0">
+                <a:solidFill>
+                  <a:schemeClr val="accent1">
+                    <a:lumMod val="75000"/>
+                  </a:schemeClr>
+                </a:solidFill>
+                <a:latin typeface="Tahoma" pitchFamily="34" charset="0"/>
+                <a:ea typeface="Tahoma" pitchFamily="34" charset="0"/>
+                <a:cs typeface="Tahoma" pitchFamily="34" charset="0"/>
+              </a:rPr>
+              <a:t>		</a:t>
+            </a:r>
+            <a:r>
+              <a:rPr lang="fr-FR" sz="1050" dirty="0" smtClean="0">
+                <a:solidFill>
+                  <a:schemeClr val="accent1">
+                    <a:lumMod val="75000"/>
+                  </a:schemeClr>
+                </a:solidFill>
+                <a:latin typeface="Tahoma" pitchFamily="34" charset="0"/>
+                <a:ea typeface="Tahoma" pitchFamily="34" charset="0"/>
+                <a:cs typeface="Tahoma" pitchFamily="34" charset="0"/>
+              </a:rPr>
+              <a:t>         }</a:t>
+            </a:r>
+            <a:endParaRPr lang="fr-FR" sz="1050" dirty="0">
+              <a:solidFill>
+                <a:schemeClr val="accent1">
+                  <a:lumMod val="75000"/>
+                </a:schemeClr>
+              </a:solidFill>
+              <a:latin typeface="Tahoma" pitchFamily="34" charset="0"/>
+              <a:ea typeface="Tahoma" pitchFamily="34" charset="0"/>
+              <a:cs typeface="Tahoma" pitchFamily="34" charset="0"/>
+            </a:endParaRPr>
+          </a:p>
+          <a:p>
+            <a:pPr algn="just">
+              <a:lnSpc>
+                <a:spcPct val="150000"/>
+              </a:lnSpc>
+            </a:pPr>
+            <a:r>
+              <a:rPr lang="fr-FR" sz="1050" dirty="0">
+                <a:solidFill>
+                  <a:schemeClr val="accent1">
+                    <a:lumMod val="75000"/>
+                  </a:schemeClr>
+                </a:solidFill>
+                <a:latin typeface="Tahoma" pitchFamily="34" charset="0"/>
+                <a:ea typeface="Tahoma" pitchFamily="34" charset="0"/>
+                <a:cs typeface="Tahoma" pitchFamily="34" charset="0"/>
+              </a:rPr>
+              <a:t>		</a:t>
+            </a:r>
+            <a:r>
+              <a:rPr lang="fr-FR" sz="1050" dirty="0" smtClean="0">
+                <a:solidFill>
+                  <a:schemeClr val="accent1">
+                    <a:lumMod val="75000"/>
+                  </a:schemeClr>
+                </a:solidFill>
+                <a:latin typeface="Tahoma" pitchFamily="34" charset="0"/>
+                <a:ea typeface="Tahoma" pitchFamily="34" charset="0"/>
+                <a:cs typeface="Tahoma" pitchFamily="34" charset="0"/>
+              </a:rPr>
+              <a:t>         </a:t>
+            </a:r>
+            <a:r>
+              <a:rPr lang="fr-FR" sz="1050" dirty="0" err="1" smtClean="0">
+                <a:solidFill>
+                  <a:schemeClr val="accent1">
+                    <a:lumMod val="75000"/>
+                  </a:schemeClr>
+                </a:solidFill>
+                <a:latin typeface="Tahoma" pitchFamily="34" charset="0"/>
+                <a:ea typeface="Tahoma" pitchFamily="34" charset="0"/>
+                <a:cs typeface="Tahoma" pitchFamily="34" charset="0"/>
+              </a:rPr>
+              <a:t>else</a:t>
+            </a:r>
+            <a:r>
+              <a:rPr lang="fr-FR" sz="1050" dirty="0" smtClean="0">
+                <a:solidFill>
+                  <a:schemeClr val="accent1">
+                    <a:lumMod val="75000"/>
+                  </a:schemeClr>
+                </a:solidFill>
+                <a:latin typeface="Tahoma" pitchFamily="34" charset="0"/>
+                <a:ea typeface="Tahoma" pitchFamily="34" charset="0"/>
+                <a:cs typeface="Tahoma" pitchFamily="34" charset="0"/>
+              </a:rPr>
+              <a:t> </a:t>
+            </a:r>
+            <a:r>
+              <a:rPr lang="fr-FR" sz="1050" dirty="0">
+                <a:solidFill>
+                  <a:schemeClr val="accent1">
+                    <a:lumMod val="75000"/>
+                  </a:schemeClr>
+                </a:solidFill>
+                <a:latin typeface="Tahoma" pitchFamily="34" charset="0"/>
+                <a:ea typeface="Tahoma" pitchFamily="34" charset="0"/>
+                <a:cs typeface="Tahoma" pitchFamily="34" charset="0"/>
+              </a:rPr>
+              <a:t>if (</a:t>
+            </a:r>
+            <a:r>
+              <a:rPr lang="fr-FR" sz="1050" dirty="0" err="1">
+                <a:solidFill>
+                  <a:schemeClr val="accent1">
+                    <a:lumMod val="75000"/>
+                  </a:schemeClr>
+                </a:solidFill>
+                <a:latin typeface="Tahoma" pitchFamily="34" charset="0"/>
+                <a:ea typeface="Tahoma" pitchFamily="34" charset="0"/>
+                <a:cs typeface="Tahoma" pitchFamily="34" charset="0"/>
+              </a:rPr>
+              <a:t>line.contains</a:t>
+            </a:r>
+            <a:r>
+              <a:rPr lang="fr-FR" sz="1050" dirty="0">
+                <a:solidFill>
+                  <a:schemeClr val="accent1">
+                    <a:lumMod val="75000"/>
+                  </a:schemeClr>
+                </a:solidFill>
+                <a:latin typeface="Tahoma" pitchFamily="34" charset="0"/>
+                <a:ea typeface="Tahoma" pitchFamily="34" charset="0"/>
+                <a:cs typeface="Tahoma" pitchFamily="34" charset="0"/>
+              </a:rPr>
+              <a:t>("</a:t>
+            </a:r>
+            <a:r>
+              <a:rPr lang="fr-FR" sz="1050" dirty="0" err="1">
+                <a:solidFill>
+                  <a:schemeClr val="accent1">
+                    <a:lumMod val="75000"/>
+                  </a:schemeClr>
+                </a:solidFill>
+                <a:latin typeface="Tahoma" pitchFamily="34" charset="0"/>
+                <a:ea typeface="Tahoma" pitchFamily="34" charset="0"/>
+                <a:cs typeface="Tahoma" pitchFamily="34" charset="0"/>
+              </a:rPr>
+              <a:t>pupils</a:t>
+            </a:r>
+            <a:r>
+              <a:rPr lang="fr-FR" sz="1050" dirty="0">
+                <a:solidFill>
+                  <a:schemeClr val="accent1">
+                    <a:lumMod val="75000"/>
+                  </a:schemeClr>
+                </a:solidFill>
+                <a:latin typeface="Tahoma" pitchFamily="34" charset="0"/>
+                <a:ea typeface="Tahoma" pitchFamily="34" charset="0"/>
+                <a:cs typeface="Tahoma" pitchFamily="34" charset="0"/>
+              </a:rPr>
+              <a:t>")) {</a:t>
+            </a:r>
+          </a:p>
+          <a:p>
+            <a:pPr algn="just">
+              <a:lnSpc>
+                <a:spcPct val="150000"/>
+              </a:lnSpc>
+            </a:pPr>
+            <a:r>
+              <a:rPr lang="fr-FR" sz="1050" dirty="0">
+                <a:solidFill>
+                  <a:schemeClr val="accent1">
+                    <a:lumMod val="75000"/>
+                  </a:schemeClr>
+                </a:solidFill>
+                <a:latin typeface="Tahoma" pitchFamily="34" charset="0"/>
+                <a:ea typeface="Tahoma" pitchFamily="34" charset="0"/>
+                <a:cs typeface="Tahoma" pitchFamily="34" charset="0"/>
+              </a:rPr>
+              <a:t>			</a:t>
+            </a:r>
+            <a:r>
+              <a:rPr lang="fr-FR" sz="1050" dirty="0" err="1" smtClean="0">
+                <a:solidFill>
+                  <a:schemeClr val="accent1">
+                    <a:lumMod val="75000"/>
+                  </a:schemeClr>
+                </a:solidFill>
+                <a:latin typeface="Tahoma" pitchFamily="34" charset="0"/>
+                <a:ea typeface="Tahoma" pitchFamily="34" charset="0"/>
+                <a:cs typeface="Tahoma" pitchFamily="34" charset="0"/>
+              </a:rPr>
+              <a:t>pupilCount</a:t>
+            </a:r>
+            <a:r>
+              <a:rPr lang="fr-FR" sz="1050" dirty="0">
+                <a:solidFill>
+                  <a:schemeClr val="accent1">
+                    <a:lumMod val="75000"/>
+                  </a:schemeClr>
+                </a:solidFill>
+                <a:latin typeface="Tahoma" pitchFamily="34" charset="0"/>
+                <a:ea typeface="Tahoma" pitchFamily="34" charset="0"/>
+                <a:cs typeface="Tahoma" pitchFamily="34" charset="0"/>
+              </a:rPr>
+              <a:t>++;</a:t>
+            </a:r>
+          </a:p>
+          <a:p>
+            <a:pPr algn="just">
+              <a:lnSpc>
+                <a:spcPct val="150000"/>
+              </a:lnSpc>
+            </a:pPr>
+            <a:r>
+              <a:rPr lang="fr-FR" sz="1050" dirty="0">
+                <a:solidFill>
+                  <a:schemeClr val="accent1">
+                    <a:lumMod val="75000"/>
+                  </a:schemeClr>
+                </a:solidFill>
+                <a:latin typeface="Tahoma" pitchFamily="34" charset="0"/>
+                <a:ea typeface="Tahoma" pitchFamily="34" charset="0"/>
+                <a:cs typeface="Tahoma" pitchFamily="34" charset="0"/>
+              </a:rPr>
+              <a:t>		</a:t>
+            </a:r>
+            <a:r>
+              <a:rPr lang="fr-FR" sz="1050" dirty="0" smtClean="0">
+                <a:solidFill>
+                  <a:schemeClr val="accent1">
+                    <a:lumMod val="75000"/>
+                  </a:schemeClr>
+                </a:solidFill>
+                <a:latin typeface="Tahoma" pitchFamily="34" charset="0"/>
+                <a:ea typeface="Tahoma" pitchFamily="34" charset="0"/>
+                <a:cs typeface="Tahoma" pitchFamily="34" charset="0"/>
+              </a:rPr>
+              <a:t>           }</a:t>
+            </a:r>
+            <a:endParaRPr lang="fr-FR" sz="1050" dirty="0">
+              <a:solidFill>
+                <a:schemeClr val="accent1">
+                  <a:lumMod val="75000"/>
+                </a:schemeClr>
+              </a:solidFill>
+              <a:latin typeface="Tahoma" pitchFamily="34" charset="0"/>
+              <a:ea typeface="Tahoma" pitchFamily="34" charset="0"/>
+              <a:cs typeface="Tahoma" pitchFamily="34" charset="0"/>
+            </a:endParaRPr>
+          </a:p>
+          <a:p>
+            <a:pPr algn="just">
+              <a:lnSpc>
+                <a:spcPct val="150000"/>
+              </a:lnSpc>
+            </a:pPr>
+            <a:r>
+              <a:rPr lang="fr-FR" sz="1050" dirty="0">
+                <a:solidFill>
+                  <a:schemeClr val="accent1">
+                    <a:lumMod val="75000"/>
+                  </a:schemeClr>
+                </a:solidFill>
+                <a:latin typeface="Tahoma" pitchFamily="34" charset="0"/>
+                <a:ea typeface="Tahoma" pitchFamily="34" charset="0"/>
+                <a:cs typeface="Tahoma" pitchFamily="34" charset="0"/>
+              </a:rPr>
+              <a:t>		</a:t>
+            </a:r>
+            <a:r>
+              <a:rPr lang="fr-FR" sz="1050" dirty="0" smtClean="0">
+                <a:solidFill>
+                  <a:schemeClr val="accent1">
+                    <a:lumMod val="75000"/>
+                  </a:schemeClr>
+                </a:solidFill>
+                <a:latin typeface="Tahoma" pitchFamily="34" charset="0"/>
+                <a:ea typeface="Tahoma" pitchFamily="34" charset="0"/>
+                <a:cs typeface="Tahoma" pitchFamily="34" charset="0"/>
+              </a:rPr>
+              <a:t>     line </a:t>
+            </a:r>
+            <a:r>
+              <a:rPr lang="fr-FR" sz="1050" dirty="0">
+                <a:solidFill>
+                  <a:schemeClr val="accent1">
+                    <a:lumMod val="75000"/>
+                  </a:schemeClr>
+                </a:solidFill>
+                <a:latin typeface="Tahoma" pitchFamily="34" charset="0"/>
+                <a:ea typeface="Tahoma" pitchFamily="34" charset="0"/>
+                <a:cs typeface="Tahoma" pitchFamily="34" charset="0"/>
+              </a:rPr>
+              <a:t>= </a:t>
+            </a:r>
+            <a:r>
+              <a:rPr lang="fr-FR" sz="1050" dirty="0" err="1">
+                <a:solidFill>
+                  <a:schemeClr val="accent1">
+                    <a:lumMod val="75000"/>
+                  </a:schemeClr>
+                </a:solidFill>
+                <a:latin typeface="Tahoma" pitchFamily="34" charset="0"/>
+                <a:ea typeface="Tahoma" pitchFamily="34" charset="0"/>
+                <a:cs typeface="Tahoma" pitchFamily="34" charset="0"/>
+              </a:rPr>
+              <a:t>reader.readLine</a:t>
+            </a:r>
+            <a:r>
+              <a:rPr lang="fr-FR" sz="1050" dirty="0">
+                <a:solidFill>
+                  <a:schemeClr val="accent1">
+                    <a:lumMod val="75000"/>
+                  </a:schemeClr>
+                </a:solidFill>
+                <a:latin typeface="Tahoma" pitchFamily="34" charset="0"/>
+                <a:ea typeface="Tahoma" pitchFamily="34" charset="0"/>
+                <a:cs typeface="Tahoma" pitchFamily="34" charset="0"/>
+              </a:rPr>
+              <a:t>();	// </a:t>
+            </a:r>
+            <a:r>
+              <a:rPr lang="fr-FR" sz="1050" dirty="0" err="1">
+                <a:solidFill>
+                  <a:schemeClr val="accent1">
+                    <a:lumMod val="75000"/>
+                  </a:schemeClr>
+                </a:solidFill>
+                <a:latin typeface="Tahoma" pitchFamily="34" charset="0"/>
+                <a:ea typeface="Tahoma" pitchFamily="34" charset="0"/>
+                <a:cs typeface="Tahoma" pitchFamily="34" charset="0"/>
+              </a:rPr>
+              <a:t>get</a:t>
+            </a:r>
+            <a:r>
+              <a:rPr lang="fr-FR" sz="1050" dirty="0">
+                <a:solidFill>
+                  <a:schemeClr val="accent1">
+                    <a:lumMod val="75000"/>
+                  </a:schemeClr>
+                </a:solidFill>
+                <a:latin typeface="Tahoma" pitchFamily="34" charset="0"/>
+                <a:ea typeface="Tahoma" pitchFamily="34" charset="0"/>
+                <a:cs typeface="Tahoma" pitchFamily="34" charset="0"/>
+              </a:rPr>
+              <a:t> </a:t>
+            </a:r>
+            <a:r>
+              <a:rPr lang="fr-FR" sz="1050" dirty="0" err="1">
+                <a:solidFill>
+                  <a:schemeClr val="accent1">
+                    <a:lumMod val="75000"/>
+                  </a:schemeClr>
+                </a:solidFill>
+                <a:latin typeface="Tahoma" pitchFamily="34" charset="0"/>
+                <a:ea typeface="Tahoma" pitchFamily="34" charset="0"/>
+                <a:cs typeface="Tahoma" pitchFamily="34" charset="0"/>
+              </a:rPr>
+              <a:t>another</a:t>
+            </a:r>
+            <a:r>
+              <a:rPr lang="fr-FR" sz="1050" dirty="0">
+                <a:solidFill>
+                  <a:schemeClr val="accent1">
+                    <a:lumMod val="75000"/>
+                  </a:schemeClr>
+                </a:solidFill>
+                <a:latin typeface="Tahoma" pitchFamily="34" charset="0"/>
+                <a:ea typeface="Tahoma" pitchFamily="34" charset="0"/>
+                <a:cs typeface="Tahoma" pitchFamily="34" charset="0"/>
+              </a:rPr>
+              <a:t> </a:t>
+            </a:r>
+            <a:r>
+              <a:rPr lang="fr-FR" sz="1050" dirty="0" err="1">
+                <a:solidFill>
+                  <a:schemeClr val="accent1">
+                    <a:lumMod val="75000"/>
+                  </a:schemeClr>
+                </a:solidFill>
+                <a:latin typeface="Tahoma" pitchFamily="34" charset="0"/>
+                <a:ea typeface="Tahoma" pitchFamily="34" charset="0"/>
+                <a:cs typeface="Tahoma" pitchFamily="34" charset="0"/>
+              </a:rPr>
+              <a:t>symptom</a:t>
+            </a:r>
+            <a:endParaRPr lang="fr-FR" sz="1050" dirty="0">
+              <a:solidFill>
+                <a:schemeClr val="accent1">
+                  <a:lumMod val="75000"/>
+                </a:schemeClr>
+              </a:solidFill>
+              <a:latin typeface="Tahoma" pitchFamily="34" charset="0"/>
+              <a:ea typeface="Tahoma" pitchFamily="34" charset="0"/>
+              <a:cs typeface="Tahoma" pitchFamily="34" charset="0"/>
+            </a:endParaRPr>
+          </a:p>
+          <a:p>
+            <a:pPr algn="just">
+              <a:lnSpc>
+                <a:spcPct val="150000"/>
+              </a:lnSpc>
+            </a:pPr>
+            <a:r>
+              <a:rPr lang="fr-FR" sz="1050" dirty="0">
+                <a:solidFill>
+                  <a:schemeClr val="accent1">
+                    <a:lumMod val="75000"/>
+                  </a:schemeClr>
+                </a:solidFill>
+                <a:latin typeface="Tahoma" pitchFamily="34" charset="0"/>
+                <a:ea typeface="Tahoma" pitchFamily="34" charset="0"/>
+                <a:cs typeface="Tahoma" pitchFamily="34" charset="0"/>
+              </a:rPr>
+              <a:t>		}</a:t>
+            </a:r>
+            <a:endParaRPr lang="fr-FR" sz="1050" dirty="0" smtClean="0">
+              <a:solidFill>
+                <a:schemeClr val="accent1">
+                  <a:lumMod val="75000"/>
+                </a:schemeClr>
+              </a:solidFill>
+              <a:latin typeface="Tahoma" pitchFamily="34" charset="0"/>
+              <a:ea typeface="Tahoma" pitchFamily="34" charset="0"/>
+              <a:cs typeface="Tahoma" pitchFamily="34" charset="0"/>
+            </a:endParaRPr>
+          </a:p>
+          <a:p>
+            <a:pPr lvl="2" algn="just">
+              <a:lnSpc>
+                <a:spcPct val="150000"/>
+              </a:lnSpc>
+            </a:pPr>
+            <a:r>
+              <a:rPr lang="fr-FR" sz="1600" dirty="0" smtClean="0">
+                <a:latin typeface="Tahoma" pitchFamily="34" charset="0"/>
+                <a:ea typeface="Tahoma" pitchFamily="34" charset="0"/>
+                <a:cs typeface="Tahoma" pitchFamily="34" charset="0"/>
+              </a:rPr>
+              <a:t>	</a:t>
+            </a:r>
+            <a:r>
+              <a:rPr lang="fr-FR" sz="1600" dirty="0">
+                <a:latin typeface="Tahoma" pitchFamily="34" charset="0"/>
+                <a:ea typeface="Tahoma" pitchFamily="34" charset="0"/>
+                <a:cs typeface="Tahoma" pitchFamily="34" charset="0"/>
+              </a:rPr>
+              <a:t>	</a:t>
+            </a:r>
+            <a:r>
+              <a:rPr lang="fr-FR" sz="1600" dirty="0" smtClean="0">
+                <a:latin typeface="Tahoma" pitchFamily="34" charset="0"/>
+                <a:ea typeface="Tahoma" pitchFamily="34" charset="0"/>
+                <a:cs typeface="Tahoma" pitchFamily="34" charset="0"/>
+              </a:rPr>
+              <a:t>	</a:t>
+            </a:r>
+            <a:endParaRPr lang="fr-FR" sz="1600" dirty="0" smtClean="0">
+              <a:solidFill>
+                <a:schemeClr val="tx2">
+                  <a:lumMod val="60000"/>
+                  <a:lumOff val="40000"/>
+                </a:schemeClr>
+              </a:solidFill>
+              <a:latin typeface="Tahoma" pitchFamily="34" charset="0"/>
+              <a:ea typeface="Tahoma" pitchFamily="34" charset="0"/>
+              <a:cs typeface="Tahoma" pitchFamily="34" charset="0"/>
+            </a:endParaRPr>
+          </a:p>
+          <a:p>
+            <a:pPr>
+              <a:lnSpc>
+                <a:spcPct val="150000"/>
+              </a:lnSpc>
+            </a:pPr>
+            <a:endParaRPr lang="fr-FR" sz="1600" dirty="0" smtClean="0">
+              <a:solidFill>
+                <a:schemeClr val="tx2">
+                  <a:lumMod val="60000"/>
+                  <a:lumOff val="40000"/>
+                </a:schemeClr>
+              </a:solidFill>
+              <a:latin typeface="Tahoma" pitchFamily="34" charset="0"/>
+              <a:ea typeface="Tahoma" pitchFamily="34" charset="0"/>
+              <a:cs typeface="Tahoma" pitchFamily="34" charset="0"/>
+            </a:endParaRPr>
+          </a:p>
+        </p:txBody>
+      </p:sp>
+      <p:sp>
+        <p:nvSpPr>
+          <p:cNvPr id="8" name="Rectangle 7"/>
+          <p:cNvSpPr/>
+          <p:nvPr/>
+        </p:nvSpPr>
+        <p:spPr>
+          <a:xfrm>
+            <a:off x="0" y="0"/>
+            <a:ext cx="9144000" cy="404664"/>
+          </a:xfrm>
+          <a:prstGeom prst="rect">
+            <a:avLst/>
+          </a:prstGeom>
+          <a:solidFill>
+            <a:schemeClr val="accent3">
+              <a:lumMod val="75000"/>
+            </a:schemeClr>
+          </a:solidFill>
+          <a:ln>
+            <a:noFill/>
+          </a:ln>
+        </p:spPr>
+        <p:style>
+          <a:lnRef idx="2">
+            <a:schemeClr val="accent1">
+              <a:shade val="50000"/>
+            </a:schemeClr>
+          </a:lnRef>
+          <a:fillRef idx="1">
+            <a:schemeClr val="accent1"/>
+          </a:fillRef>
+          <a:effectRef idx="0">
+            <a:schemeClr val="accent1"/>
+          </a:effectRef>
+          <a:fontRef idx="minor">
+            <a:schemeClr val="lt1"/>
+          </a:fontRef>
+        </p:style>
+        <p:txBody>
+          <a:bodyPr rtlCol="0" anchor="ctr"/>
+          <a:lstStyle/>
+          <a:p>
+            <a:pPr algn="ctr"/>
+            <a:r>
+              <a:rPr lang="fr-FR" sz="1200" b="1" dirty="0" smtClean="0">
+                <a:latin typeface="Tahoma" pitchFamily="34" charset="0"/>
+                <a:ea typeface="Tahoma" pitchFamily="34" charset="0"/>
+                <a:cs typeface="Tahoma" pitchFamily="34" charset="0"/>
+              </a:rPr>
+              <a:t>HEME BIOTECH</a:t>
+            </a:r>
+            <a:endParaRPr lang="fr-FR" sz="1100" b="1" dirty="0">
+              <a:latin typeface="Tahoma" pitchFamily="34" charset="0"/>
+              <a:ea typeface="Tahoma" pitchFamily="34" charset="0"/>
+              <a:cs typeface="Tahoma" pitchFamily="34" charset="0"/>
+            </a:endParaRPr>
           </a:p>
         </p:txBody>
       </p:sp>
@@ -7024,7 +9642,7 @@
                 <a:ea typeface="Tahoma" pitchFamily="34" charset="0"/>
                 <a:cs typeface="Tahoma" pitchFamily="34" charset="0"/>
               </a:rPr>
-              <a:t>III. Etude de la solution existante </a:t>
+              <a:t>III) 1. Découpage du code en sous partie </a:t>
             </a:r>
             <a:endParaRPr lang="fr-FR" sz="1400" b="1" dirty="0">
               <a:latin typeface="Tahoma" pitchFamily="34" charset="0"/>
@@ -7036,854 +9654,7 @@
       </p:sp>
       <p:sp>
         <p:nvSpPr>
-          <p:cNvPr id="6" name="ZoneTexte 5"/>
-          <p:cNvSpPr txBox="1"/>
-          <p:nvPr/>
-        </p:nvSpPr>
-        <p:spPr>
-          <a:xfrm>
-            <a:off x="1097331" y="839305"/>
-            <a:ext cx="6949338" cy="5786199"/>
-          </a:xfrm>
-          <a:prstGeom prst="rect">
-            <a:avLst/>
-          </a:prstGeom>
-        </p:spPr>
-        <p:style>
-          <a:lnRef idx="1">
-            <a:schemeClr val="accent1"/>
-          </a:lnRef>
-          <a:fillRef idx="2">
-            <a:schemeClr val="accent1"/>
-          </a:fillRef>
-          <a:effectRef idx="1">
-            <a:schemeClr val="accent1"/>
-          </a:effectRef>
-          <a:fontRef idx="minor">
-            <a:schemeClr val="dk1"/>
-          </a:fontRef>
-        </p:style>
-        <p:txBody>
-          <a:bodyPr wrap="none" rtlCol="0">
-            <a:spAutoFit/>
-          </a:bodyPr>
-          <a:lstStyle/>
-          <a:p>
-            <a:r>
-              <a:rPr lang="fr-FR" sz="1000" dirty="0"/>
-              <a:t>public class </a:t>
-            </a:r>
-            <a:r>
-              <a:rPr lang="fr-FR" sz="1000" dirty="0" err="1"/>
-              <a:t>AnalyticsCounter</a:t>
-            </a:r>
-            <a:r>
-              <a:rPr lang="fr-FR" sz="1000" dirty="0"/>
-              <a:t> {</a:t>
-            </a:r>
-          </a:p>
-          <a:p>
-            <a:r>
-              <a:rPr lang="fr-FR" sz="1000" dirty="0"/>
-              <a:t>	</a:t>
-            </a:r>
-            <a:r>
-              <a:rPr lang="fr-FR" sz="1000" dirty="0" err="1"/>
-              <a:t>private</a:t>
-            </a:r>
-            <a:r>
-              <a:rPr lang="fr-FR" sz="1000" dirty="0"/>
-              <a:t> </a:t>
-            </a:r>
-            <a:r>
-              <a:rPr lang="fr-FR" sz="1000" dirty="0" err="1"/>
-              <a:t>static</a:t>
-            </a:r>
-            <a:r>
-              <a:rPr lang="fr-FR" sz="1000" dirty="0"/>
-              <a:t> </a:t>
-            </a:r>
-            <a:r>
-              <a:rPr lang="fr-FR" sz="1000" dirty="0" err="1"/>
-              <a:t>int</a:t>
-            </a:r>
-            <a:r>
-              <a:rPr lang="fr-FR" sz="1000" dirty="0"/>
-              <a:t> </a:t>
-            </a:r>
-            <a:r>
-              <a:rPr lang="fr-FR" sz="1000" dirty="0" err="1"/>
-              <a:t>headacheCount</a:t>
-            </a:r>
-            <a:r>
-              <a:rPr lang="fr-FR" sz="1000" dirty="0"/>
-              <a:t> = 0;	// </a:t>
-            </a:r>
-            <a:r>
-              <a:rPr lang="fr-FR" sz="1000" dirty="0" err="1"/>
-              <a:t>initialize</a:t>
-            </a:r>
-            <a:r>
-              <a:rPr lang="fr-FR" sz="1000" dirty="0"/>
-              <a:t> to 0</a:t>
-            </a:r>
-          </a:p>
-          <a:p>
-            <a:r>
-              <a:rPr lang="fr-FR" sz="1000" dirty="0"/>
-              <a:t>	</a:t>
-            </a:r>
-            <a:r>
-              <a:rPr lang="fr-FR" sz="1000" dirty="0" err="1"/>
-              <a:t>private</a:t>
-            </a:r>
-            <a:r>
-              <a:rPr lang="fr-FR" sz="1000" dirty="0"/>
-              <a:t> </a:t>
-            </a:r>
-            <a:r>
-              <a:rPr lang="fr-FR" sz="1000" dirty="0" err="1"/>
-              <a:t>static</a:t>
-            </a:r>
-            <a:r>
-              <a:rPr lang="fr-FR" sz="1000" dirty="0"/>
-              <a:t> </a:t>
-            </a:r>
-            <a:r>
-              <a:rPr lang="fr-FR" sz="1000" dirty="0" err="1"/>
-              <a:t>int</a:t>
-            </a:r>
-            <a:r>
-              <a:rPr lang="fr-FR" sz="1000" dirty="0"/>
-              <a:t> </a:t>
-            </a:r>
-            <a:r>
-              <a:rPr lang="fr-FR" sz="1000" dirty="0" err="1"/>
-              <a:t>rashCount</a:t>
-            </a:r>
-            <a:r>
-              <a:rPr lang="fr-FR" sz="1000" dirty="0"/>
-              <a:t> = 0;		// </a:t>
-            </a:r>
-            <a:r>
-              <a:rPr lang="fr-FR" sz="1000" dirty="0" err="1"/>
-              <a:t>initialize</a:t>
-            </a:r>
-            <a:r>
-              <a:rPr lang="fr-FR" sz="1000" dirty="0"/>
-              <a:t> to 0</a:t>
-            </a:r>
-          </a:p>
-          <a:p>
-            <a:r>
-              <a:rPr lang="fr-FR" sz="1000" dirty="0"/>
-              <a:t>	</a:t>
-            </a:r>
-            <a:r>
-              <a:rPr lang="fr-FR" sz="1000" dirty="0" err="1"/>
-              <a:t>private</a:t>
-            </a:r>
-            <a:r>
-              <a:rPr lang="fr-FR" sz="1000" dirty="0"/>
-              <a:t> </a:t>
-            </a:r>
-            <a:r>
-              <a:rPr lang="fr-FR" sz="1000" dirty="0" err="1"/>
-              <a:t>static</a:t>
-            </a:r>
-            <a:r>
-              <a:rPr lang="fr-FR" sz="1000" dirty="0"/>
-              <a:t> </a:t>
-            </a:r>
-            <a:r>
-              <a:rPr lang="fr-FR" sz="1000" dirty="0" err="1"/>
-              <a:t>int</a:t>
-            </a:r>
-            <a:r>
-              <a:rPr lang="fr-FR" sz="1000" dirty="0"/>
-              <a:t> </a:t>
-            </a:r>
-            <a:r>
-              <a:rPr lang="fr-FR" sz="1000" dirty="0" err="1"/>
-              <a:t>pupilCount</a:t>
-            </a:r>
-            <a:r>
-              <a:rPr lang="fr-FR" sz="1000" dirty="0"/>
-              <a:t> = 0;		// </a:t>
-            </a:r>
-            <a:r>
-              <a:rPr lang="fr-FR" sz="1000" dirty="0" err="1"/>
-              <a:t>initialize</a:t>
-            </a:r>
-            <a:r>
-              <a:rPr lang="fr-FR" sz="1000" dirty="0"/>
-              <a:t> to 0</a:t>
-            </a:r>
-          </a:p>
-          <a:p>
-            <a:r>
-              <a:rPr lang="fr-FR" sz="1000" dirty="0"/>
-              <a:t>	</a:t>
-            </a:r>
-          </a:p>
-          <a:p>
-            <a:r>
-              <a:rPr lang="fr-FR" sz="1000" dirty="0"/>
-              <a:t>	public </a:t>
-            </a:r>
-            <a:r>
-              <a:rPr lang="fr-FR" sz="1000" dirty="0" err="1"/>
-              <a:t>static</a:t>
-            </a:r>
-            <a:r>
-              <a:rPr lang="fr-FR" sz="1000" dirty="0"/>
-              <a:t> </a:t>
-            </a:r>
-            <a:r>
-              <a:rPr lang="fr-FR" sz="1000" dirty="0" err="1"/>
-              <a:t>void</a:t>
-            </a:r>
-            <a:r>
-              <a:rPr lang="fr-FR" sz="1000" dirty="0"/>
-              <a:t> main(String </a:t>
-            </a:r>
-            <a:r>
-              <a:rPr lang="fr-FR" sz="1000" dirty="0" err="1"/>
-              <a:t>args</a:t>
-            </a:r>
-            <a:r>
-              <a:rPr lang="fr-FR" sz="1000" dirty="0"/>
-              <a:t>[]) </a:t>
-            </a:r>
-            <a:r>
-              <a:rPr lang="fr-FR" sz="1000" dirty="0" err="1"/>
-              <a:t>throws</a:t>
-            </a:r>
-            <a:r>
-              <a:rPr lang="fr-FR" sz="1000" dirty="0"/>
-              <a:t> Exception {</a:t>
-            </a:r>
-          </a:p>
-          <a:p>
-            <a:r>
-              <a:rPr lang="fr-FR" sz="1000" dirty="0"/>
-              <a:t>		// first </a:t>
-            </a:r>
-            <a:r>
-              <a:rPr lang="fr-FR" sz="1000" dirty="0" err="1"/>
-              <a:t>get</a:t>
-            </a:r>
-            <a:r>
-              <a:rPr lang="fr-FR" sz="1000" dirty="0"/>
-              <a:t> input</a:t>
-            </a:r>
-          </a:p>
-          <a:p>
-            <a:r>
-              <a:rPr lang="fr-FR" sz="1000" dirty="0"/>
-              <a:t>		</a:t>
-            </a:r>
-            <a:r>
-              <a:rPr lang="fr-FR" sz="1000" dirty="0" err="1"/>
-              <a:t>BufferedReader</a:t>
-            </a:r>
-            <a:r>
-              <a:rPr lang="fr-FR" sz="1000" dirty="0"/>
-              <a:t> </a:t>
-            </a:r>
-            <a:r>
-              <a:rPr lang="fr-FR" sz="1000" dirty="0" err="1"/>
-              <a:t>reader</a:t>
-            </a:r>
-            <a:r>
-              <a:rPr lang="fr-FR" sz="1000" dirty="0"/>
-              <a:t> = new </a:t>
-            </a:r>
-            <a:r>
-              <a:rPr lang="fr-FR" sz="1000" dirty="0" err="1"/>
-              <a:t>BufferedReader</a:t>
-            </a:r>
-            <a:r>
-              <a:rPr lang="fr-FR" sz="1000" dirty="0"/>
-              <a:t> (new </a:t>
-            </a:r>
-            <a:r>
-              <a:rPr lang="fr-FR" sz="1000" dirty="0" err="1"/>
-              <a:t>FileReader</a:t>
-            </a:r>
-            <a:r>
-              <a:rPr lang="fr-FR" sz="1000" dirty="0"/>
-              <a:t>("symptoms.txt"));</a:t>
-            </a:r>
-          </a:p>
-          <a:p>
-            <a:r>
-              <a:rPr lang="fr-FR" sz="1000" dirty="0"/>
-              <a:t>		String line = </a:t>
-            </a:r>
-            <a:r>
-              <a:rPr lang="fr-FR" sz="1000" dirty="0" err="1"/>
-              <a:t>reader.readLine</a:t>
-            </a:r>
-            <a:r>
-              <a:rPr lang="fr-FR" sz="1000" dirty="0"/>
-              <a:t>();</a:t>
-            </a:r>
-          </a:p>
-          <a:p>
-            <a:r>
-              <a:rPr lang="fr-FR" sz="1000" dirty="0"/>
-              <a:t>		</a:t>
-            </a:r>
-            <a:r>
-              <a:rPr lang="fr-FR" sz="1000" dirty="0" err="1"/>
-              <a:t>int</a:t>
-            </a:r>
-            <a:r>
-              <a:rPr lang="fr-FR" sz="1000" dirty="0"/>
-              <a:t> i = 0;	// set i to 0</a:t>
-            </a:r>
-          </a:p>
-          <a:p>
-            <a:r>
-              <a:rPr lang="fr-FR" sz="1000" dirty="0"/>
-              <a:t>		</a:t>
-            </a:r>
-            <a:r>
-              <a:rPr lang="fr-FR" sz="1000" dirty="0" err="1"/>
-              <a:t>int</a:t>
-            </a:r>
-            <a:r>
-              <a:rPr lang="fr-FR" sz="1000" dirty="0"/>
-              <a:t> </a:t>
-            </a:r>
-            <a:r>
-              <a:rPr lang="fr-FR" sz="1000" dirty="0" err="1"/>
-              <a:t>headCount</a:t>
-            </a:r>
-            <a:r>
-              <a:rPr lang="fr-FR" sz="1000" dirty="0"/>
-              <a:t> = 0;	// </a:t>
-            </a:r>
-            <a:r>
-              <a:rPr lang="fr-FR" sz="1000" dirty="0" err="1"/>
-              <a:t>counts</a:t>
-            </a:r>
-            <a:r>
-              <a:rPr lang="fr-FR" sz="1000" dirty="0"/>
-              <a:t> </a:t>
-            </a:r>
-            <a:r>
-              <a:rPr lang="fr-FR" sz="1000" dirty="0" err="1"/>
-              <a:t>headaches</a:t>
-            </a:r>
-            <a:endParaRPr lang="fr-FR" sz="1000" dirty="0"/>
-          </a:p>
-          <a:p>
-            <a:r>
-              <a:rPr lang="fr-FR" sz="1000" dirty="0"/>
-              <a:t>		</a:t>
-            </a:r>
-            <a:r>
-              <a:rPr lang="fr-FR" sz="1000" dirty="0" err="1"/>
-              <a:t>while</a:t>
-            </a:r>
-            <a:r>
-              <a:rPr lang="fr-FR" sz="1000" dirty="0"/>
-              <a:t> (line != </a:t>
-            </a:r>
-            <a:r>
-              <a:rPr lang="fr-FR" sz="1000" dirty="0" err="1"/>
-              <a:t>null</a:t>
-            </a:r>
-            <a:r>
-              <a:rPr lang="fr-FR" sz="1000" dirty="0"/>
-              <a:t>) {</a:t>
-            </a:r>
-          </a:p>
-          <a:p>
-            <a:r>
-              <a:rPr lang="fr-FR" sz="1000" dirty="0"/>
-              <a:t>			i++;	// </a:t>
-            </a:r>
-            <a:r>
-              <a:rPr lang="fr-FR" sz="1000" dirty="0" err="1"/>
-              <a:t>increment</a:t>
-            </a:r>
-            <a:r>
-              <a:rPr lang="fr-FR" sz="1000" dirty="0"/>
-              <a:t> i</a:t>
-            </a:r>
-          </a:p>
-          <a:p>
-            <a:r>
-              <a:rPr lang="fr-FR" sz="1000" dirty="0"/>
-              <a:t>			</a:t>
-            </a:r>
-            <a:r>
-              <a:rPr lang="fr-FR" sz="1000" dirty="0" err="1"/>
-              <a:t>System.out.println</a:t>
-            </a:r>
-            <a:r>
-              <a:rPr lang="fr-FR" sz="1000" dirty="0"/>
-              <a:t>("</a:t>
-            </a:r>
-            <a:r>
-              <a:rPr lang="fr-FR" sz="1000" dirty="0" err="1"/>
-              <a:t>symptom</a:t>
-            </a:r>
-            <a:r>
-              <a:rPr lang="fr-FR" sz="1000" dirty="0"/>
-              <a:t> </a:t>
-            </a:r>
-            <a:r>
-              <a:rPr lang="fr-FR" sz="1000" dirty="0" err="1"/>
-              <a:t>from</a:t>
-            </a:r>
-            <a:r>
-              <a:rPr lang="fr-FR" sz="1000" dirty="0"/>
-              <a:t> file: " + line);</a:t>
-            </a:r>
-          </a:p>
-          <a:p>
-            <a:r>
-              <a:rPr lang="fr-FR" sz="1000" dirty="0"/>
-              <a:t>			if (</a:t>
-            </a:r>
-            <a:r>
-              <a:rPr lang="fr-FR" sz="1000" dirty="0" err="1"/>
-              <a:t>line.equals</a:t>
-            </a:r>
-            <a:r>
-              <a:rPr lang="fr-FR" sz="1000" dirty="0"/>
-              <a:t>("</a:t>
-            </a:r>
-            <a:r>
-              <a:rPr lang="fr-FR" sz="1000" dirty="0" err="1"/>
-              <a:t>headache</a:t>
-            </a:r>
-            <a:r>
-              <a:rPr lang="fr-FR" sz="1000" dirty="0"/>
-              <a:t>")) {</a:t>
-            </a:r>
-          </a:p>
-          <a:p>
-            <a:r>
-              <a:rPr lang="fr-FR" sz="1000" dirty="0"/>
-              <a:t>				</a:t>
-            </a:r>
-            <a:r>
-              <a:rPr lang="fr-FR" sz="1000" dirty="0" err="1"/>
-              <a:t>headCount</a:t>
-            </a:r>
-            <a:r>
-              <a:rPr lang="fr-FR" sz="1000" dirty="0"/>
-              <a:t>++;</a:t>
-            </a:r>
-          </a:p>
-          <a:p>
-            <a:r>
-              <a:rPr lang="fr-FR" sz="1000" dirty="0"/>
-              <a:t>				</a:t>
-            </a:r>
-            <a:r>
-              <a:rPr lang="fr-FR" sz="1000" dirty="0" err="1"/>
-              <a:t>System.out.println</a:t>
-            </a:r>
-            <a:r>
-              <a:rPr lang="fr-FR" sz="1000" dirty="0"/>
-              <a:t>("</a:t>
-            </a:r>
-            <a:r>
-              <a:rPr lang="fr-FR" sz="1000" dirty="0" err="1"/>
-              <a:t>number</a:t>
-            </a:r>
-            <a:r>
-              <a:rPr lang="fr-FR" sz="1000" dirty="0"/>
-              <a:t> of </a:t>
-            </a:r>
-            <a:r>
-              <a:rPr lang="fr-FR" sz="1000" dirty="0" err="1"/>
-              <a:t>headaches</a:t>
-            </a:r>
-            <a:r>
-              <a:rPr lang="fr-FR" sz="1000" dirty="0"/>
-              <a:t>: " + </a:t>
-            </a:r>
-            <a:r>
-              <a:rPr lang="fr-FR" sz="1000" dirty="0" err="1"/>
-              <a:t>headCount</a:t>
-            </a:r>
-            <a:r>
-              <a:rPr lang="fr-FR" sz="1000" dirty="0"/>
-              <a:t>);</a:t>
-            </a:r>
-          </a:p>
-          <a:p>
-            <a:r>
-              <a:rPr lang="fr-FR" sz="1000" dirty="0"/>
-              <a:t>			}</a:t>
-            </a:r>
-          </a:p>
-          <a:p>
-            <a:r>
-              <a:rPr lang="fr-FR" sz="1000" dirty="0"/>
-              <a:t>			</a:t>
-            </a:r>
-            <a:r>
-              <a:rPr lang="fr-FR" sz="1000" dirty="0" err="1"/>
-              <a:t>else</a:t>
-            </a:r>
-            <a:r>
-              <a:rPr lang="fr-FR" sz="1000" dirty="0"/>
-              <a:t> if (</a:t>
-            </a:r>
-            <a:r>
-              <a:rPr lang="fr-FR" sz="1000" dirty="0" err="1"/>
-              <a:t>line.equals</a:t>
-            </a:r>
-            <a:r>
-              <a:rPr lang="fr-FR" sz="1000" dirty="0"/>
-              <a:t>("rush")) {</a:t>
-            </a:r>
-          </a:p>
-          <a:p>
-            <a:r>
-              <a:rPr lang="fr-FR" sz="1000" dirty="0"/>
-              <a:t>				</a:t>
-            </a:r>
-            <a:r>
-              <a:rPr lang="fr-FR" sz="1000" dirty="0" err="1"/>
-              <a:t>rashCount</a:t>
-            </a:r>
-            <a:r>
-              <a:rPr lang="fr-FR" sz="1000" dirty="0"/>
-              <a:t>++;</a:t>
-            </a:r>
-          </a:p>
-          <a:p>
-            <a:r>
-              <a:rPr lang="fr-FR" sz="1000" dirty="0"/>
-              <a:t>			}</a:t>
-            </a:r>
-          </a:p>
-          <a:p>
-            <a:r>
-              <a:rPr lang="fr-FR" sz="1000" dirty="0"/>
-              <a:t>			</a:t>
-            </a:r>
-            <a:r>
-              <a:rPr lang="fr-FR" sz="1000" dirty="0" err="1"/>
-              <a:t>else</a:t>
-            </a:r>
-            <a:r>
-              <a:rPr lang="fr-FR" sz="1000" dirty="0"/>
-              <a:t> if (</a:t>
-            </a:r>
-            <a:r>
-              <a:rPr lang="fr-FR" sz="1000" dirty="0" err="1"/>
-              <a:t>line.contains</a:t>
-            </a:r>
-            <a:r>
-              <a:rPr lang="fr-FR" sz="1000" dirty="0"/>
-              <a:t>("</a:t>
-            </a:r>
-            <a:r>
-              <a:rPr lang="fr-FR" sz="1000" dirty="0" err="1"/>
-              <a:t>pupils</a:t>
-            </a:r>
-            <a:r>
-              <a:rPr lang="fr-FR" sz="1000" dirty="0"/>
-              <a:t>")) {</a:t>
-            </a:r>
-          </a:p>
-          <a:p>
-            <a:r>
-              <a:rPr lang="fr-FR" sz="1000" dirty="0"/>
-              <a:t>				</a:t>
-            </a:r>
-            <a:r>
-              <a:rPr lang="fr-FR" sz="1000" dirty="0" err="1"/>
-              <a:t>pupilCount</a:t>
-            </a:r>
-            <a:r>
-              <a:rPr lang="fr-FR" sz="1000" dirty="0"/>
-              <a:t>++;</a:t>
-            </a:r>
-          </a:p>
-          <a:p>
-            <a:r>
-              <a:rPr lang="fr-FR" sz="1000" dirty="0"/>
-              <a:t>			}</a:t>
-            </a:r>
-          </a:p>
-          <a:p>
-            <a:endParaRPr lang="fr-FR" sz="1000" dirty="0"/>
-          </a:p>
-          <a:p>
-            <a:r>
-              <a:rPr lang="fr-FR" sz="1000" dirty="0"/>
-              <a:t>			line = </a:t>
-            </a:r>
-            <a:r>
-              <a:rPr lang="fr-FR" sz="1000" dirty="0" err="1"/>
-              <a:t>reader.readLine</a:t>
-            </a:r>
-            <a:r>
-              <a:rPr lang="fr-FR" sz="1000" dirty="0"/>
-              <a:t>();	// </a:t>
-            </a:r>
-            <a:r>
-              <a:rPr lang="fr-FR" sz="1000" dirty="0" err="1"/>
-              <a:t>get</a:t>
-            </a:r>
-            <a:r>
-              <a:rPr lang="fr-FR" sz="1000" dirty="0"/>
-              <a:t> </a:t>
-            </a:r>
-            <a:r>
-              <a:rPr lang="fr-FR" sz="1000" dirty="0" err="1"/>
-              <a:t>another</a:t>
-            </a:r>
-            <a:r>
-              <a:rPr lang="fr-FR" sz="1000" dirty="0"/>
-              <a:t> </a:t>
-            </a:r>
-            <a:r>
-              <a:rPr lang="fr-FR" sz="1000" dirty="0" err="1"/>
-              <a:t>symptom</a:t>
-            </a:r>
-            <a:endParaRPr lang="fr-FR" sz="1000" dirty="0"/>
-          </a:p>
-          <a:p>
-            <a:r>
-              <a:rPr lang="fr-FR" sz="1000" dirty="0"/>
-              <a:t>		}</a:t>
-            </a:r>
-          </a:p>
-          <a:p>
-            <a:r>
-              <a:rPr lang="fr-FR" sz="1000" dirty="0"/>
-              <a:t>		</a:t>
-            </a:r>
-          </a:p>
-          <a:p>
-            <a:r>
-              <a:rPr lang="fr-FR" sz="1000" dirty="0"/>
-              <a:t>		// </a:t>
-            </a:r>
-            <a:r>
-              <a:rPr lang="fr-FR" sz="1000" dirty="0" err="1"/>
-              <a:t>next</a:t>
-            </a:r>
-            <a:r>
-              <a:rPr lang="fr-FR" sz="1000" dirty="0"/>
-              <a:t> </a:t>
-            </a:r>
-            <a:r>
-              <a:rPr lang="fr-FR" sz="1000" dirty="0" err="1"/>
-              <a:t>generate</a:t>
-            </a:r>
-            <a:r>
-              <a:rPr lang="fr-FR" sz="1000" dirty="0"/>
-              <a:t> output</a:t>
-            </a:r>
-          </a:p>
-          <a:p>
-            <a:r>
-              <a:rPr lang="fr-FR" sz="1000" dirty="0"/>
-              <a:t>		</a:t>
-            </a:r>
-            <a:r>
-              <a:rPr lang="fr-FR" sz="1000" dirty="0" err="1"/>
-              <a:t>FileWriter</a:t>
-            </a:r>
-            <a:r>
-              <a:rPr lang="fr-FR" sz="1000" dirty="0"/>
-              <a:t> </a:t>
-            </a:r>
-            <a:r>
-              <a:rPr lang="fr-FR" sz="1000" dirty="0" err="1"/>
-              <a:t>writer</a:t>
-            </a:r>
-            <a:r>
-              <a:rPr lang="fr-FR" sz="1000" dirty="0"/>
-              <a:t> = new </a:t>
-            </a:r>
-            <a:r>
-              <a:rPr lang="fr-FR" sz="1000" dirty="0" err="1"/>
-              <a:t>FileWriter</a:t>
-            </a:r>
-            <a:r>
-              <a:rPr lang="fr-FR" sz="1000" dirty="0"/>
-              <a:t> ("</a:t>
-            </a:r>
-            <a:r>
-              <a:rPr lang="fr-FR" sz="1000" dirty="0" err="1"/>
-              <a:t>result.out</a:t>
-            </a:r>
-            <a:r>
-              <a:rPr lang="fr-FR" sz="1000" dirty="0"/>
-              <a:t>");</a:t>
-            </a:r>
-          </a:p>
-          <a:p>
-            <a:r>
-              <a:rPr lang="fr-FR" sz="1000" dirty="0"/>
-              <a:t>		</a:t>
-            </a:r>
-            <a:r>
-              <a:rPr lang="fr-FR" sz="1000" dirty="0" err="1"/>
-              <a:t>writer.write</a:t>
-            </a:r>
-            <a:r>
-              <a:rPr lang="fr-FR" sz="1000" dirty="0"/>
-              <a:t>("</a:t>
-            </a:r>
-            <a:r>
-              <a:rPr lang="fr-FR" sz="1000" dirty="0" err="1"/>
-              <a:t>headache</a:t>
-            </a:r>
-            <a:r>
-              <a:rPr lang="fr-FR" sz="1000" dirty="0"/>
-              <a:t>: " + </a:t>
-            </a:r>
-            <a:r>
-              <a:rPr lang="fr-FR" sz="1000" dirty="0" err="1"/>
-              <a:t>headacheCount</a:t>
-            </a:r>
-            <a:r>
-              <a:rPr lang="fr-FR" sz="1000" dirty="0"/>
-              <a:t> + "\n");</a:t>
-            </a:r>
-          </a:p>
-          <a:p>
-            <a:r>
-              <a:rPr lang="fr-FR" sz="1000" dirty="0"/>
-              <a:t>		</a:t>
-            </a:r>
-            <a:r>
-              <a:rPr lang="fr-FR" sz="1000" dirty="0" err="1"/>
-              <a:t>writer.write</a:t>
-            </a:r>
-            <a:r>
-              <a:rPr lang="fr-FR" sz="1000" dirty="0"/>
-              <a:t>("rash: " + </a:t>
-            </a:r>
-            <a:r>
-              <a:rPr lang="fr-FR" sz="1000" dirty="0" err="1"/>
-              <a:t>rashCount</a:t>
-            </a:r>
-            <a:r>
-              <a:rPr lang="fr-FR" sz="1000" dirty="0"/>
-              <a:t> + "\n");</a:t>
-            </a:r>
-          </a:p>
-          <a:p>
-            <a:r>
-              <a:rPr lang="fr-FR" sz="1000" dirty="0"/>
-              <a:t>		</a:t>
-            </a:r>
-            <a:r>
-              <a:rPr lang="fr-FR" sz="1000" dirty="0" err="1"/>
-              <a:t>writer.write</a:t>
-            </a:r>
-            <a:r>
-              <a:rPr lang="fr-FR" sz="1000" dirty="0"/>
-              <a:t>("</a:t>
-            </a:r>
-            <a:r>
-              <a:rPr lang="fr-FR" sz="1000" dirty="0" err="1"/>
-              <a:t>dialated</a:t>
-            </a:r>
-            <a:r>
-              <a:rPr lang="fr-FR" sz="1000" dirty="0"/>
-              <a:t> </a:t>
-            </a:r>
-            <a:r>
-              <a:rPr lang="fr-FR" sz="1000" dirty="0" err="1"/>
-              <a:t>pupils</a:t>
-            </a:r>
-            <a:r>
-              <a:rPr lang="fr-FR" sz="1000" dirty="0"/>
-              <a:t>: " + </a:t>
-            </a:r>
-            <a:r>
-              <a:rPr lang="fr-FR" sz="1000" dirty="0" err="1"/>
-              <a:t>pupilCount</a:t>
-            </a:r>
-            <a:r>
-              <a:rPr lang="fr-FR" sz="1000" dirty="0"/>
-              <a:t> + "\n");</a:t>
-            </a:r>
-          </a:p>
-          <a:p>
-            <a:r>
-              <a:rPr lang="fr-FR" sz="1000" dirty="0"/>
-              <a:t>		</a:t>
-            </a:r>
-            <a:r>
-              <a:rPr lang="fr-FR" sz="1000" dirty="0" err="1"/>
-              <a:t>writer.close</a:t>
-            </a:r>
-            <a:r>
-              <a:rPr lang="fr-FR" sz="1000" dirty="0"/>
-              <a:t>();</a:t>
-            </a:r>
-          </a:p>
-          <a:p>
-            <a:r>
-              <a:rPr lang="fr-FR" sz="1000" dirty="0"/>
-              <a:t>	}</a:t>
-            </a:r>
-          </a:p>
-          <a:p>
-            <a:r>
-              <a:rPr lang="fr-FR" sz="1000" dirty="0"/>
-              <a:t>}</a:t>
-            </a:r>
-          </a:p>
-          <a:p>
-            <a:endParaRPr lang="fr-FR" sz="1000" dirty="0"/>
-          </a:p>
-        </p:txBody>
-      </p:sp>
-    </p:spTree>
-  </p:cSld>
-  <p:clrMapOvr>
-    <a:masterClrMapping/>
-  </p:clrMapOvr>
-  <p:transition advClick="0" advTm="10000"/>
-  <p:timing>
-    <p:tnLst>
-      <p:par>
-        <p:cTn id="1" dur="indefinite" restart="never" nodeType="tmRoot"/>
-      </p:par>
-    </p:tnLst>
-  </p:timing>
-</p:sld>
-</file>
-
-<file path=ppt/slides/slide5.xml><?xml version="1.0" encoding="utf-8"?>
-<p:sld xmlns:a="http://schemas.openxmlformats.org/drawingml/2006/main" xmlns:r="http://schemas.openxmlformats.org/officeDocument/2006/relationships" xmlns:p="http://schemas.openxmlformats.org/presentationml/2006/main">
-  <p:cSld>
-    <p:spTree>
-      <p:nvGrpSpPr>
-        <p:cNvPr id="1" name=""/>
-        <p:cNvGrpSpPr/>
-        <p:nvPr/>
-      </p:nvGrpSpPr>
-      <p:grpSpPr>
-        <a:xfrm>
-          <a:off x="0" y="0"/>
-          <a:ext cx="0" cy="0"/>
-          <a:chOff x="0" y="0"/>
-          <a:chExt cx="0" cy="0"/>
-        </a:xfrm>
-      </p:grpSpPr>
-      <p:sp>
-        <p:nvSpPr>
-          <p:cNvPr id="7" name="Décagone 6"/>
+          <p:cNvPr id="6" name="Décagone 5"/>
           <p:cNvSpPr/>
           <p:nvPr/>
         </p:nvSpPr>
@@ -7936,1676 +9707,10 @@
               </a:rPr>
               <a:t>3</a:t>
             </a:r>
-          </a:p>
-        </p:txBody>
-      </p:sp>
-      <p:sp>
-        <p:nvSpPr>
-          <p:cNvPr id="11" name="ZoneTexte 10"/>
-          <p:cNvSpPr txBox="1"/>
-          <p:nvPr/>
-        </p:nvSpPr>
-        <p:spPr>
-          <a:xfrm>
-            <a:off x="179512" y="764704"/>
-            <a:ext cx="8640960" cy="6867265"/>
-          </a:xfrm>
-          <a:prstGeom prst="rect">
-            <a:avLst/>
-          </a:prstGeom>
-          <a:noFill/>
-        </p:spPr>
-        <p:txBody>
-          <a:bodyPr wrap="square" rtlCol="0">
-            <a:spAutoFit/>
-          </a:bodyPr>
-          <a:lstStyle/>
-          <a:p>
-            <a:pPr algn="just">
-              <a:lnSpc>
-                <a:spcPct val="150000"/>
-              </a:lnSpc>
-            </a:pPr>
-            <a:r>
-              <a:rPr lang="fr-FR" sz="1600" dirty="0" smtClean="0">
-                <a:latin typeface="Tahoma" pitchFamily="34" charset="0"/>
-                <a:ea typeface="Tahoma" pitchFamily="34" charset="0"/>
-                <a:cs typeface="Tahoma" pitchFamily="34" charset="0"/>
-              </a:rPr>
-              <a:t>Le code écrit par Alex présente trois différentes parties qui sont :</a:t>
-            </a:r>
-          </a:p>
-          <a:p>
-            <a:pPr algn="just">
-              <a:lnSpc>
-                <a:spcPct val="150000"/>
-              </a:lnSpc>
-            </a:pPr>
-            <a:endParaRPr lang="fr-FR" sz="1600" dirty="0" smtClean="0">
-              <a:latin typeface="Tahoma" pitchFamily="34" charset="0"/>
-              <a:ea typeface="Tahoma" pitchFamily="34" charset="0"/>
-              <a:cs typeface="Tahoma" pitchFamily="34" charset="0"/>
-            </a:endParaRPr>
-          </a:p>
-          <a:p>
-            <a:pPr lvl="2" algn="just">
-              <a:lnSpc>
-                <a:spcPct val="150000"/>
-              </a:lnSpc>
-            </a:pPr>
-            <a:r>
-              <a:rPr lang="fr-FR" sz="1600" dirty="0" smtClean="0">
-                <a:latin typeface="Tahoma" pitchFamily="34" charset="0"/>
-                <a:ea typeface="Tahoma" pitchFamily="34" charset="0"/>
-                <a:cs typeface="Tahoma" pitchFamily="34" charset="0"/>
-              </a:rPr>
-              <a:t>1. Lecture </a:t>
-            </a:r>
-            <a:r>
-              <a:rPr lang="fr-FR" sz="1600" dirty="0" smtClean="0">
-                <a:latin typeface="Tahoma" pitchFamily="34" charset="0"/>
-                <a:ea typeface="Tahoma" pitchFamily="34" charset="0"/>
-                <a:cs typeface="Tahoma" pitchFamily="34" charset="0"/>
-              </a:rPr>
-              <a:t>du fichier symptoms.txt contenant la liste des symptômes</a:t>
-            </a:r>
-          </a:p>
-          <a:p>
-            <a:pPr lvl="2" algn="just">
-              <a:lnSpc>
-                <a:spcPct val="150000"/>
-              </a:lnSpc>
-            </a:pPr>
-            <a:r>
-              <a:rPr lang="en-US" sz="1200" b="1" dirty="0" err="1" smtClean="0">
-                <a:solidFill>
-                  <a:schemeClr val="accent1">
-                    <a:lumMod val="75000"/>
-                  </a:schemeClr>
-                </a:solidFill>
-                <a:latin typeface="Tahoma" pitchFamily="34" charset="0"/>
-                <a:ea typeface="Tahoma" pitchFamily="34" charset="0"/>
-                <a:cs typeface="Tahoma" pitchFamily="34" charset="0"/>
-              </a:rPr>
-              <a:t>BufferedReader</a:t>
-            </a:r>
-            <a:r>
-              <a:rPr lang="en-US" sz="1200" b="1" dirty="0" smtClean="0">
-                <a:solidFill>
-                  <a:schemeClr val="accent1">
-                    <a:lumMod val="75000"/>
-                  </a:schemeClr>
-                </a:solidFill>
-                <a:latin typeface="Tahoma" pitchFamily="34" charset="0"/>
-                <a:ea typeface="Tahoma" pitchFamily="34" charset="0"/>
-                <a:cs typeface="Tahoma" pitchFamily="34" charset="0"/>
-              </a:rPr>
-              <a:t> </a:t>
-            </a:r>
-            <a:r>
-              <a:rPr lang="en-US" sz="1200" b="1" dirty="0">
-                <a:solidFill>
-                  <a:schemeClr val="accent1">
-                    <a:lumMod val="75000"/>
-                  </a:schemeClr>
-                </a:solidFill>
-                <a:latin typeface="Tahoma" pitchFamily="34" charset="0"/>
-                <a:ea typeface="Tahoma" pitchFamily="34" charset="0"/>
-                <a:cs typeface="Tahoma" pitchFamily="34" charset="0"/>
-              </a:rPr>
-              <a:t>reader = new </a:t>
-            </a:r>
-            <a:r>
-              <a:rPr lang="en-US" sz="1200" b="1" dirty="0" err="1">
-                <a:solidFill>
-                  <a:schemeClr val="accent1">
-                    <a:lumMod val="75000"/>
-                  </a:schemeClr>
-                </a:solidFill>
-                <a:latin typeface="Tahoma" pitchFamily="34" charset="0"/>
-                <a:ea typeface="Tahoma" pitchFamily="34" charset="0"/>
-                <a:cs typeface="Tahoma" pitchFamily="34" charset="0"/>
-              </a:rPr>
-              <a:t>BufferedReader</a:t>
-            </a:r>
-            <a:r>
-              <a:rPr lang="en-US" sz="1200" b="1" dirty="0">
-                <a:solidFill>
-                  <a:schemeClr val="accent1">
-                    <a:lumMod val="75000"/>
-                  </a:schemeClr>
-                </a:solidFill>
-                <a:latin typeface="Tahoma" pitchFamily="34" charset="0"/>
-                <a:ea typeface="Tahoma" pitchFamily="34" charset="0"/>
-                <a:cs typeface="Tahoma" pitchFamily="34" charset="0"/>
-              </a:rPr>
-              <a:t> (new </a:t>
-            </a:r>
-            <a:r>
-              <a:rPr lang="en-US" sz="1200" b="1" dirty="0" err="1">
-                <a:solidFill>
-                  <a:schemeClr val="accent1">
-                    <a:lumMod val="75000"/>
-                  </a:schemeClr>
-                </a:solidFill>
-                <a:latin typeface="Tahoma" pitchFamily="34" charset="0"/>
-                <a:ea typeface="Tahoma" pitchFamily="34" charset="0"/>
-                <a:cs typeface="Tahoma" pitchFamily="34" charset="0"/>
-              </a:rPr>
-              <a:t>FileReader</a:t>
-            </a:r>
-            <a:r>
-              <a:rPr lang="en-US" sz="1200" b="1" dirty="0">
-                <a:solidFill>
-                  <a:schemeClr val="accent1">
-                    <a:lumMod val="75000"/>
-                  </a:schemeClr>
-                </a:solidFill>
-                <a:latin typeface="Tahoma" pitchFamily="34" charset="0"/>
-                <a:ea typeface="Tahoma" pitchFamily="34" charset="0"/>
-                <a:cs typeface="Tahoma" pitchFamily="34" charset="0"/>
-              </a:rPr>
-              <a:t>("symptoms.txt"));</a:t>
-            </a:r>
-          </a:p>
-          <a:p>
-            <a:pPr lvl="2" algn="just">
-              <a:lnSpc>
-                <a:spcPct val="150000"/>
-              </a:lnSpc>
-            </a:pPr>
-            <a:r>
-              <a:rPr lang="en-US" sz="1200" b="1" dirty="0" smtClean="0">
-                <a:solidFill>
-                  <a:schemeClr val="accent1">
-                    <a:lumMod val="75000"/>
-                  </a:schemeClr>
-                </a:solidFill>
-                <a:latin typeface="Tahoma" pitchFamily="34" charset="0"/>
-                <a:ea typeface="Tahoma" pitchFamily="34" charset="0"/>
-                <a:cs typeface="Tahoma" pitchFamily="34" charset="0"/>
-              </a:rPr>
-              <a:t>String </a:t>
-            </a:r>
-            <a:r>
-              <a:rPr lang="en-US" sz="1200" b="1" dirty="0">
-                <a:solidFill>
-                  <a:schemeClr val="accent1">
-                    <a:lumMod val="75000"/>
-                  </a:schemeClr>
-                </a:solidFill>
-                <a:latin typeface="Tahoma" pitchFamily="34" charset="0"/>
-                <a:ea typeface="Tahoma" pitchFamily="34" charset="0"/>
-                <a:cs typeface="Tahoma" pitchFamily="34" charset="0"/>
-              </a:rPr>
-              <a:t>line = </a:t>
-            </a:r>
-            <a:r>
-              <a:rPr lang="en-US" sz="1200" b="1" dirty="0" err="1">
-                <a:solidFill>
-                  <a:schemeClr val="accent1">
-                    <a:lumMod val="75000"/>
-                  </a:schemeClr>
-                </a:solidFill>
-                <a:latin typeface="Tahoma" pitchFamily="34" charset="0"/>
-                <a:ea typeface="Tahoma" pitchFamily="34" charset="0"/>
-                <a:cs typeface="Tahoma" pitchFamily="34" charset="0"/>
-              </a:rPr>
-              <a:t>reader.readLine</a:t>
-            </a:r>
-            <a:r>
-              <a:rPr lang="en-US" sz="1200" b="1" dirty="0">
-                <a:solidFill>
-                  <a:schemeClr val="accent1">
-                    <a:lumMod val="75000"/>
-                  </a:schemeClr>
-                </a:solidFill>
-                <a:latin typeface="Tahoma" pitchFamily="34" charset="0"/>
-                <a:ea typeface="Tahoma" pitchFamily="34" charset="0"/>
-                <a:cs typeface="Tahoma" pitchFamily="34" charset="0"/>
-              </a:rPr>
-              <a:t>();</a:t>
-            </a:r>
             <a:endParaRPr lang="fr-FR" sz="1200" b="1" dirty="0">
               <a:solidFill>
-                <a:schemeClr val="accent1">
-                  <a:lumMod val="75000"/>
-                </a:schemeClr>
+                <a:schemeClr val="bg1"/>
               </a:solidFill>
-              <a:latin typeface="Tahoma" pitchFamily="34" charset="0"/>
-              <a:ea typeface="Tahoma" pitchFamily="34" charset="0"/>
-              <a:cs typeface="Tahoma" pitchFamily="34" charset="0"/>
-            </a:endParaRPr>
-          </a:p>
-          <a:p>
-            <a:pPr lvl="2" algn="just">
-              <a:lnSpc>
-                <a:spcPct val="150000"/>
-              </a:lnSpc>
-            </a:pPr>
-            <a:endParaRPr lang="fr-FR" sz="1600" dirty="0" smtClean="0">
-              <a:latin typeface="Tahoma" pitchFamily="34" charset="0"/>
-              <a:ea typeface="Tahoma" pitchFamily="34" charset="0"/>
-              <a:cs typeface="Tahoma" pitchFamily="34" charset="0"/>
-            </a:endParaRPr>
-          </a:p>
-          <a:p>
-            <a:pPr lvl="2" algn="just">
-              <a:lnSpc>
-                <a:spcPct val="150000"/>
-              </a:lnSpc>
-            </a:pPr>
-            <a:r>
-              <a:rPr lang="fr-FR" sz="1600" dirty="0" smtClean="0">
-                <a:latin typeface="Tahoma" pitchFamily="34" charset="0"/>
-                <a:ea typeface="Tahoma" pitchFamily="34" charset="0"/>
-                <a:cs typeface="Tahoma" pitchFamily="34" charset="0"/>
-              </a:rPr>
-              <a:t>2. Le </a:t>
-            </a:r>
-            <a:r>
-              <a:rPr lang="fr-FR" sz="1600" dirty="0" smtClean="0">
-                <a:latin typeface="Tahoma" pitchFamily="34" charset="0"/>
-                <a:ea typeface="Tahoma" pitchFamily="34" charset="0"/>
-                <a:cs typeface="Tahoma" pitchFamily="34" charset="0"/>
-              </a:rPr>
-              <a:t>décompte des occurrences de 3 symptômes que sont :</a:t>
-            </a:r>
-          </a:p>
-          <a:p>
-            <a:pPr lvl="2" algn="just">
-              <a:lnSpc>
-                <a:spcPct val="150000"/>
-              </a:lnSpc>
-            </a:pPr>
-            <a:r>
-              <a:rPr lang="fr-FR" sz="1050" dirty="0" smtClean="0">
-                <a:solidFill>
-                  <a:schemeClr val="accent1">
-                    <a:lumMod val="75000"/>
-                  </a:schemeClr>
-                </a:solidFill>
-                <a:latin typeface="Tahoma" pitchFamily="34" charset="0"/>
-                <a:ea typeface="Tahoma" pitchFamily="34" charset="0"/>
-                <a:cs typeface="Tahoma" pitchFamily="34" charset="0"/>
-              </a:rPr>
-              <a:t>                    </a:t>
-            </a:r>
-            <a:r>
-              <a:rPr lang="fr-FR" sz="1050" dirty="0" err="1" smtClean="0">
-                <a:solidFill>
-                  <a:schemeClr val="accent1">
-                    <a:lumMod val="75000"/>
-                  </a:schemeClr>
-                </a:solidFill>
-                <a:latin typeface="Tahoma" pitchFamily="34" charset="0"/>
-                <a:ea typeface="Tahoma" pitchFamily="34" charset="0"/>
-                <a:cs typeface="Tahoma" pitchFamily="34" charset="0"/>
-              </a:rPr>
-              <a:t>while</a:t>
-            </a:r>
-            <a:r>
-              <a:rPr lang="fr-FR" sz="1050" dirty="0" smtClean="0">
-                <a:solidFill>
-                  <a:schemeClr val="accent1">
-                    <a:lumMod val="75000"/>
-                  </a:schemeClr>
-                </a:solidFill>
-                <a:latin typeface="Tahoma" pitchFamily="34" charset="0"/>
-                <a:ea typeface="Tahoma" pitchFamily="34" charset="0"/>
-                <a:cs typeface="Tahoma" pitchFamily="34" charset="0"/>
-              </a:rPr>
-              <a:t> </a:t>
-            </a:r>
-            <a:r>
-              <a:rPr lang="fr-FR" sz="1050" dirty="0">
-                <a:solidFill>
-                  <a:schemeClr val="accent1">
-                    <a:lumMod val="75000"/>
-                  </a:schemeClr>
-                </a:solidFill>
-                <a:latin typeface="Tahoma" pitchFamily="34" charset="0"/>
-                <a:ea typeface="Tahoma" pitchFamily="34" charset="0"/>
-                <a:cs typeface="Tahoma" pitchFamily="34" charset="0"/>
-              </a:rPr>
-              <a:t>(line != </a:t>
-            </a:r>
-            <a:r>
-              <a:rPr lang="fr-FR" sz="1050" dirty="0" err="1">
-                <a:solidFill>
-                  <a:schemeClr val="accent1">
-                    <a:lumMod val="75000"/>
-                  </a:schemeClr>
-                </a:solidFill>
-                <a:latin typeface="Tahoma" pitchFamily="34" charset="0"/>
-                <a:ea typeface="Tahoma" pitchFamily="34" charset="0"/>
-                <a:cs typeface="Tahoma" pitchFamily="34" charset="0"/>
-              </a:rPr>
-              <a:t>null</a:t>
-            </a:r>
-            <a:r>
-              <a:rPr lang="fr-FR" sz="1050" dirty="0">
-                <a:solidFill>
-                  <a:schemeClr val="accent1">
-                    <a:lumMod val="75000"/>
-                  </a:schemeClr>
-                </a:solidFill>
-                <a:latin typeface="Tahoma" pitchFamily="34" charset="0"/>
-                <a:ea typeface="Tahoma" pitchFamily="34" charset="0"/>
-                <a:cs typeface="Tahoma" pitchFamily="34" charset="0"/>
-              </a:rPr>
-              <a:t>) {</a:t>
-            </a:r>
-          </a:p>
-          <a:p>
-            <a:pPr algn="just">
-              <a:lnSpc>
-                <a:spcPct val="150000"/>
-              </a:lnSpc>
-            </a:pPr>
-            <a:r>
-              <a:rPr lang="fr-FR" sz="1050" dirty="0">
-                <a:solidFill>
-                  <a:schemeClr val="accent1">
-                    <a:lumMod val="75000"/>
-                  </a:schemeClr>
-                </a:solidFill>
-                <a:latin typeface="Tahoma" pitchFamily="34" charset="0"/>
-                <a:ea typeface="Tahoma" pitchFamily="34" charset="0"/>
-                <a:cs typeface="Tahoma" pitchFamily="34" charset="0"/>
-              </a:rPr>
-              <a:t>		</a:t>
-            </a:r>
-            <a:r>
-              <a:rPr lang="fr-FR" sz="1050" dirty="0" smtClean="0">
-                <a:solidFill>
-                  <a:schemeClr val="accent1">
-                    <a:lumMod val="75000"/>
-                  </a:schemeClr>
-                </a:solidFill>
-                <a:latin typeface="Tahoma" pitchFamily="34" charset="0"/>
-                <a:ea typeface="Tahoma" pitchFamily="34" charset="0"/>
-                <a:cs typeface="Tahoma" pitchFamily="34" charset="0"/>
-              </a:rPr>
-              <a:t>   i</a:t>
-            </a:r>
-            <a:r>
-              <a:rPr lang="fr-FR" sz="1050" dirty="0">
-                <a:solidFill>
-                  <a:schemeClr val="accent1">
-                    <a:lumMod val="75000"/>
-                  </a:schemeClr>
-                </a:solidFill>
-                <a:latin typeface="Tahoma" pitchFamily="34" charset="0"/>
-                <a:ea typeface="Tahoma" pitchFamily="34" charset="0"/>
-                <a:cs typeface="Tahoma" pitchFamily="34" charset="0"/>
-              </a:rPr>
-              <a:t>++;	// </a:t>
-            </a:r>
-            <a:r>
-              <a:rPr lang="fr-FR" sz="1050" dirty="0" err="1">
-                <a:solidFill>
-                  <a:schemeClr val="accent1">
-                    <a:lumMod val="75000"/>
-                  </a:schemeClr>
-                </a:solidFill>
-                <a:latin typeface="Tahoma" pitchFamily="34" charset="0"/>
-                <a:ea typeface="Tahoma" pitchFamily="34" charset="0"/>
-                <a:cs typeface="Tahoma" pitchFamily="34" charset="0"/>
-              </a:rPr>
-              <a:t>increment</a:t>
-            </a:r>
-            <a:r>
-              <a:rPr lang="fr-FR" sz="1050" dirty="0">
-                <a:solidFill>
-                  <a:schemeClr val="accent1">
-                    <a:lumMod val="75000"/>
-                  </a:schemeClr>
-                </a:solidFill>
-                <a:latin typeface="Tahoma" pitchFamily="34" charset="0"/>
-                <a:ea typeface="Tahoma" pitchFamily="34" charset="0"/>
-                <a:cs typeface="Tahoma" pitchFamily="34" charset="0"/>
-              </a:rPr>
-              <a:t> i</a:t>
-            </a:r>
-          </a:p>
-          <a:p>
-            <a:pPr algn="just">
-              <a:lnSpc>
-                <a:spcPct val="150000"/>
-              </a:lnSpc>
-            </a:pPr>
-            <a:r>
-              <a:rPr lang="fr-FR" sz="1050" dirty="0">
-                <a:solidFill>
-                  <a:schemeClr val="accent1">
-                    <a:lumMod val="75000"/>
-                  </a:schemeClr>
-                </a:solidFill>
-                <a:latin typeface="Tahoma" pitchFamily="34" charset="0"/>
-                <a:ea typeface="Tahoma" pitchFamily="34" charset="0"/>
-                <a:cs typeface="Tahoma" pitchFamily="34" charset="0"/>
-              </a:rPr>
-              <a:t>		</a:t>
-            </a:r>
-            <a:r>
-              <a:rPr lang="fr-FR" sz="1050" dirty="0" smtClean="0">
-                <a:solidFill>
-                  <a:schemeClr val="accent1">
-                    <a:lumMod val="75000"/>
-                  </a:schemeClr>
-                </a:solidFill>
-                <a:latin typeface="Tahoma" pitchFamily="34" charset="0"/>
-                <a:ea typeface="Tahoma" pitchFamily="34" charset="0"/>
-                <a:cs typeface="Tahoma" pitchFamily="34" charset="0"/>
-              </a:rPr>
-              <a:t>   </a:t>
-            </a:r>
-            <a:r>
-              <a:rPr lang="fr-FR" sz="1050" dirty="0" err="1" smtClean="0">
-                <a:solidFill>
-                  <a:schemeClr val="accent1">
-                    <a:lumMod val="75000"/>
-                  </a:schemeClr>
-                </a:solidFill>
-                <a:latin typeface="Tahoma" pitchFamily="34" charset="0"/>
-                <a:ea typeface="Tahoma" pitchFamily="34" charset="0"/>
-                <a:cs typeface="Tahoma" pitchFamily="34" charset="0"/>
-              </a:rPr>
-              <a:t>System.out.println</a:t>
-            </a:r>
-            <a:r>
-              <a:rPr lang="fr-FR" sz="1050" dirty="0">
-                <a:solidFill>
-                  <a:schemeClr val="accent1">
-                    <a:lumMod val="75000"/>
-                  </a:schemeClr>
-                </a:solidFill>
-                <a:latin typeface="Tahoma" pitchFamily="34" charset="0"/>
-                <a:ea typeface="Tahoma" pitchFamily="34" charset="0"/>
-                <a:cs typeface="Tahoma" pitchFamily="34" charset="0"/>
-              </a:rPr>
-              <a:t>("</a:t>
-            </a:r>
-            <a:r>
-              <a:rPr lang="fr-FR" sz="1050" dirty="0" err="1">
-                <a:solidFill>
-                  <a:schemeClr val="accent1">
-                    <a:lumMod val="75000"/>
-                  </a:schemeClr>
-                </a:solidFill>
-                <a:latin typeface="Tahoma" pitchFamily="34" charset="0"/>
-                <a:ea typeface="Tahoma" pitchFamily="34" charset="0"/>
-                <a:cs typeface="Tahoma" pitchFamily="34" charset="0"/>
-              </a:rPr>
-              <a:t>symptom</a:t>
-            </a:r>
-            <a:r>
-              <a:rPr lang="fr-FR" sz="1050" dirty="0">
-                <a:solidFill>
-                  <a:schemeClr val="accent1">
-                    <a:lumMod val="75000"/>
-                  </a:schemeClr>
-                </a:solidFill>
-                <a:latin typeface="Tahoma" pitchFamily="34" charset="0"/>
-                <a:ea typeface="Tahoma" pitchFamily="34" charset="0"/>
-                <a:cs typeface="Tahoma" pitchFamily="34" charset="0"/>
-              </a:rPr>
-              <a:t> </a:t>
-            </a:r>
-            <a:r>
-              <a:rPr lang="fr-FR" sz="1050" dirty="0" err="1">
-                <a:solidFill>
-                  <a:schemeClr val="accent1">
-                    <a:lumMod val="75000"/>
-                  </a:schemeClr>
-                </a:solidFill>
-                <a:latin typeface="Tahoma" pitchFamily="34" charset="0"/>
-                <a:ea typeface="Tahoma" pitchFamily="34" charset="0"/>
-                <a:cs typeface="Tahoma" pitchFamily="34" charset="0"/>
-              </a:rPr>
-              <a:t>from</a:t>
-            </a:r>
-            <a:r>
-              <a:rPr lang="fr-FR" sz="1050" dirty="0">
-                <a:solidFill>
-                  <a:schemeClr val="accent1">
-                    <a:lumMod val="75000"/>
-                  </a:schemeClr>
-                </a:solidFill>
-                <a:latin typeface="Tahoma" pitchFamily="34" charset="0"/>
-                <a:ea typeface="Tahoma" pitchFamily="34" charset="0"/>
-                <a:cs typeface="Tahoma" pitchFamily="34" charset="0"/>
-              </a:rPr>
-              <a:t> file: " + line);</a:t>
-            </a:r>
-          </a:p>
-          <a:p>
-            <a:pPr algn="just">
-              <a:lnSpc>
-                <a:spcPct val="150000"/>
-              </a:lnSpc>
-            </a:pPr>
-            <a:r>
-              <a:rPr lang="fr-FR" sz="1050" dirty="0">
-                <a:solidFill>
-                  <a:schemeClr val="accent1">
-                    <a:lumMod val="75000"/>
-                  </a:schemeClr>
-                </a:solidFill>
-                <a:latin typeface="Tahoma" pitchFamily="34" charset="0"/>
-                <a:ea typeface="Tahoma" pitchFamily="34" charset="0"/>
-                <a:cs typeface="Tahoma" pitchFamily="34" charset="0"/>
-              </a:rPr>
-              <a:t>		</a:t>
-            </a:r>
-            <a:r>
-              <a:rPr lang="fr-FR" sz="1050" dirty="0" smtClean="0">
-                <a:solidFill>
-                  <a:schemeClr val="accent1">
-                    <a:lumMod val="75000"/>
-                  </a:schemeClr>
-                </a:solidFill>
-                <a:latin typeface="Tahoma" pitchFamily="34" charset="0"/>
-                <a:ea typeface="Tahoma" pitchFamily="34" charset="0"/>
-                <a:cs typeface="Tahoma" pitchFamily="34" charset="0"/>
-              </a:rPr>
-              <a:t>   if </a:t>
-            </a:r>
-            <a:r>
-              <a:rPr lang="fr-FR" sz="1050" dirty="0">
-                <a:solidFill>
-                  <a:schemeClr val="accent1">
-                    <a:lumMod val="75000"/>
-                  </a:schemeClr>
-                </a:solidFill>
-                <a:latin typeface="Tahoma" pitchFamily="34" charset="0"/>
-                <a:ea typeface="Tahoma" pitchFamily="34" charset="0"/>
-                <a:cs typeface="Tahoma" pitchFamily="34" charset="0"/>
-              </a:rPr>
-              <a:t>(</a:t>
-            </a:r>
-            <a:r>
-              <a:rPr lang="fr-FR" sz="1050" dirty="0" err="1">
-                <a:solidFill>
-                  <a:schemeClr val="accent1">
-                    <a:lumMod val="75000"/>
-                  </a:schemeClr>
-                </a:solidFill>
-                <a:latin typeface="Tahoma" pitchFamily="34" charset="0"/>
-                <a:ea typeface="Tahoma" pitchFamily="34" charset="0"/>
-                <a:cs typeface="Tahoma" pitchFamily="34" charset="0"/>
-              </a:rPr>
-              <a:t>line.equals</a:t>
-            </a:r>
-            <a:r>
-              <a:rPr lang="fr-FR" sz="1050" dirty="0">
-                <a:solidFill>
-                  <a:schemeClr val="accent1">
-                    <a:lumMod val="75000"/>
-                  </a:schemeClr>
-                </a:solidFill>
-                <a:latin typeface="Tahoma" pitchFamily="34" charset="0"/>
-                <a:ea typeface="Tahoma" pitchFamily="34" charset="0"/>
-                <a:cs typeface="Tahoma" pitchFamily="34" charset="0"/>
-              </a:rPr>
-              <a:t>("</a:t>
-            </a:r>
-            <a:r>
-              <a:rPr lang="fr-FR" sz="1050" dirty="0" err="1">
-                <a:solidFill>
-                  <a:schemeClr val="accent1">
-                    <a:lumMod val="75000"/>
-                  </a:schemeClr>
-                </a:solidFill>
-                <a:latin typeface="Tahoma" pitchFamily="34" charset="0"/>
-                <a:ea typeface="Tahoma" pitchFamily="34" charset="0"/>
-                <a:cs typeface="Tahoma" pitchFamily="34" charset="0"/>
-              </a:rPr>
-              <a:t>headache</a:t>
-            </a:r>
-            <a:r>
-              <a:rPr lang="fr-FR" sz="1050" dirty="0">
-                <a:solidFill>
-                  <a:schemeClr val="accent1">
-                    <a:lumMod val="75000"/>
-                  </a:schemeClr>
-                </a:solidFill>
-                <a:latin typeface="Tahoma" pitchFamily="34" charset="0"/>
-                <a:ea typeface="Tahoma" pitchFamily="34" charset="0"/>
-                <a:cs typeface="Tahoma" pitchFamily="34" charset="0"/>
-              </a:rPr>
-              <a:t>")) {</a:t>
-            </a:r>
-          </a:p>
-          <a:p>
-            <a:pPr algn="just">
-              <a:lnSpc>
-                <a:spcPct val="150000"/>
-              </a:lnSpc>
-            </a:pPr>
-            <a:r>
-              <a:rPr lang="fr-FR" sz="1050" dirty="0">
-                <a:solidFill>
-                  <a:schemeClr val="accent1">
-                    <a:lumMod val="75000"/>
-                  </a:schemeClr>
-                </a:solidFill>
-                <a:latin typeface="Tahoma" pitchFamily="34" charset="0"/>
-                <a:ea typeface="Tahoma" pitchFamily="34" charset="0"/>
-                <a:cs typeface="Tahoma" pitchFamily="34" charset="0"/>
-              </a:rPr>
-              <a:t>		</a:t>
-            </a:r>
-            <a:r>
-              <a:rPr lang="fr-FR" sz="1050" dirty="0" smtClean="0">
-                <a:solidFill>
-                  <a:schemeClr val="accent1">
-                    <a:lumMod val="75000"/>
-                  </a:schemeClr>
-                </a:solidFill>
-                <a:latin typeface="Tahoma" pitchFamily="34" charset="0"/>
-                <a:ea typeface="Tahoma" pitchFamily="34" charset="0"/>
-                <a:cs typeface="Tahoma" pitchFamily="34" charset="0"/>
-              </a:rPr>
-              <a:t>         </a:t>
-            </a:r>
-            <a:r>
-              <a:rPr lang="fr-FR" sz="1050" dirty="0" err="1" smtClean="0">
-                <a:solidFill>
-                  <a:schemeClr val="accent1">
-                    <a:lumMod val="75000"/>
-                  </a:schemeClr>
-                </a:solidFill>
-                <a:latin typeface="Tahoma" pitchFamily="34" charset="0"/>
-                <a:ea typeface="Tahoma" pitchFamily="34" charset="0"/>
-                <a:cs typeface="Tahoma" pitchFamily="34" charset="0"/>
-              </a:rPr>
-              <a:t>headCount</a:t>
-            </a:r>
-            <a:r>
-              <a:rPr lang="fr-FR" sz="1050" dirty="0">
-                <a:solidFill>
-                  <a:schemeClr val="accent1">
-                    <a:lumMod val="75000"/>
-                  </a:schemeClr>
-                </a:solidFill>
-                <a:latin typeface="Tahoma" pitchFamily="34" charset="0"/>
-                <a:ea typeface="Tahoma" pitchFamily="34" charset="0"/>
-                <a:cs typeface="Tahoma" pitchFamily="34" charset="0"/>
-              </a:rPr>
-              <a:t>++;</a:t>
-            </a:r>
-          </a:p>
-          <a:p>
-            <a:pPr algn="just">
-              <a:lnSpc>
-                <a:spcPct val="150000"/>
-              </a:lnSpc>
-            </a:pPr>
-            <a:r>
-              <a:rPr lang="fr-FR" sz="1050" dirty="0">
-                <a:solidFill>
-                  <a:schemeClr val="accent1">
-                    <a:lumMod val="75000"/>
-                  </a:schemeClr>
-                </a:solidFill>
-                <a:latin typeface="Tahoma" pitchFamily="34" charset="0"/>
-                <a:ea typeface="Tahoma" pitchFamily="34" charset="0"/>
-                <a:cs typeface="Tahoma" pitchFamily="34" charset="0"/>
-              </a:rPr>
-              <a:t>		</a:t>
-            </a:r>
-            <a:r>
-              <a:rPr lang="fr-FR" sz="1050" dirty="0" smtClean="0">
-                <a:solidFill>
-                  <a:schemeClr val="accent1">
-                    <a:lumMod val="75000"/>
-                  </a:schemeClr>
-                </a:solidFill>
-                <a:latin typeface="Tahoma" pitchFamily="34" charset="0"/>
-                <a:ea typeface="Tahoma" pitchFamily="34" charset="0"/>
-                <a:cs typeface="Tahoma" pitchFamily="34" charset="0"/>
-              </a:rPr>
-              <a:t>         </a:t>
-            </a:r>
-            <a:r>
-              <a:rPr lang="fr-FR" sz="1050" dirty="0" err="1" smtClean="0">
-                <a:solidFill>
-                  <a:schemeClr val="accent1">
-                    <a:lumMod val="75000"/>
-                  </a:schemeClr>
-                </a:solidFill>
-                <a:latin typeface="Tahoma" pitchFamily="34" charset="0"/>
-                <a:ea typeface="Tahoma" pitchFamily="34" charset="0"/>
-                <a:cs typeface="Tahoma" pitchFamily="34" charset="0"/>
-              </a:rPr>
-              <a:t>System.out.println</a:t>
-            </a:r>
-            <a:r>
-              <a:rPr lang="fr-FR" sz="1050" dirty="0">
-                <a:solidFill>
-                  <a:schemeClr val="accent1">
-                    <a:lumMod val="75000"/>
-                  </a:schemeClr>
-                </a:solidFill>
-                <a:latin typeface="Tahoma" pitchFamily="34" charset="0"/>
-                <a:ea typeface="Tahoma" pitchFamily="34" charset="0"/>
-                <a:cs typeface="Tahoma" pitchFamily="34" charset="0"/>
-              </a:rPr>
-              <a:t>("</a:t>
-            </a:r>
-            <a:r>
-              <a:rPr lang="fr-FR" sz="1050" dirty="0" err="1">
-                <a:solidFill>
-                  <a:schemeClr val="accent1">
-                    <a:lumMod val="75000"/>
-                  </a:schemeClr>
-                </a:solidFill>
-                <a:latin typeface="Tahoma" pitchFamily="34" charset="0"/>
-                <a:ea typeface="Tahoma" pitchFamily="34" charset="0"/>
-                <a:cs typeface="Tahoma" pitchFamily="34" charset="0"/>
-              </a:rPr>
-              <a:t>number</a:t>
-            </a:r>
-            <a:r>
-              <a:rPr lang="fr-FR" sz="1050" dirty="0">
-                <a:solidFill>
-                  <a:schemeClr val="accent1">
-                    <a:lumMod val="75000"/>
-                  </a:schemeClr>
-                </a:solidFill>
-                <a:latin typeface="Tahoma" pitchFamily="34" charset="0"/>
-                <a:ea typeface="Tahoma" pitchFamily="34" charset="0"/>
-                <a:cs typeface="Tahoma" pitchFamily="34" charset="0"/>
-              </a:rPr>
-              <a:t> of </a:t>
-            </a:r>
-            <a:r>
-              <a:rPr lang="fr-FR" sz="1050" dirty="0" err="1">
-                <a:solidFill>
-                  <a:schemeClr val="accent1">
-                    <a:lumMod val="75000"/>
-                  </a:schemeClr>
-                </a:solidFill>
-                <a:latin typeface="Tahoma" pitchFamily="34" charset="0"/>
-                <a:ea typeface="Tahoma" pitchFamily="34" charset="0"/>
-                <a:cs typeface="Tahoma" pitchFamily="34" charset="0"/>
-              </a:rPr>
-              <a:t>headaches</a:t>
-            </a:r>
-            <a:r>
-              <a:rPr lang="fr-FR" sz="1050" dirty="0">
-                <a:solidFill>
-                  <a:schemeClr val="accent1">
-                    <a:lumMod val="75000"/>
-                  </a:schemeClr>
-                </a:solidFill>
-                <a:latin typeface="Tahoma" pitchFamily="34" charset="0"/>
-                <a:ea typeface="Tahoma" pitchFamily="34" charset="0"/>
-                <a:cs typeface="Tahoma" pitchFamily="34" charset="0"/>
-              </a:rPr>
-              <a:t>: " + </a:t>
-            </a:r>
-            <a:r>
-              <a:rPr lang="fr-FR" sz="1050" dirty="0" err="1">
-                <a:solidFill>
-                  <a:schemeClr val="accent1">
-                    <a:lumMod val="75000"/>
-                  </a:schemeClr>
-                </a:solidFill>
-                <a:latin typeface="Tahoma" pitchFamily="34" charset="0"/>
-                <a:ea typeface="Tahoma" pitchFamily="34" charset="0"/>
-                <a:cs typeface="Tahoma" pitchFamily="34" charset="0"/>
-              </a:rPr>
-              <a:t>headCount</a:t>
-            </a:r>
-            <a:r>
-              <a:rPr lang="fr-FR" sz="1050" dirty="0">
-                <a:solidFill>
-                  <a:schemeClr val="accent1">
-                    <a:lumMod val="75000"/>
-                  </a:schemeClr>
-                </a:solidFill>
-                <a:latin typeface="Tahoma" pitchFamily="34" charset="0"/>
-                <a:ea typeface="Tahoma" pitchFamily="34" charset="0"/>
-                <a:cs typeface="Tahoma" pitchFamily="34" charset="0"/>
-              </a:rPr>
-              <a:t>);</a:t>
-            </a:r>
-          </a:p>
-          <a:p>
-            <a:pPr algn="just">
-              <a:lnSpc>
-                <a:spcPct val="150000"/>
-              </a:lnSpc>
-            </a:pPr>
-            <a:r>
-              <a:rPr lang="fr-FR" sz="1050" dirty="0">
-                <a:solidFill>
-                  <a:schemeClr val="accent1">
-                    <a:lumMod val="75000"/>
-                  </a:schemeClr>
-                </a:solidFill>
-                <a:latin typeface="Tahoma" pitchFamily="34" charset="0"/>
-                <a:ea typeface="Tahoma" pitchFamily="34" charset="0"/>
-                <a:cs typeface="Tahoma" pitchFamily="34" charset="0"/>
-              </a:rPr>
-              <a:t>		</a:t>
-            </a:r>
-            <a:r>
-              <a:rPr lang="fr-FR" sz="1050" dirty="0" smtClean="0">
-                <a:solidFill>
-                  <a:schemeClr val="accent1">
-                    <a:lumMod val="75000"/>
-                  </a:schemeClr>
-                </a:solidFill>
-                <a:latin typeface="Tahoma" pitchFamily="34" charset="0"/>
-                <a:ea typeface="Tahoma" pitchFamily="34" charset="0"/>
-                <a:cs typeface="Tahoma" pitchFamily="34" charset="0"/>
-              </a:rPr>
-              <a:t>     }</a:t>
-            </a:r>
-            <a:endParaRPr lang="fr-FR" sz="1050" dirty="0">
-              <a:solidFill>
-                <a:schemeClr val="accent1">
-                  <a:lumMod val="75000"/>
-                </a:schemeClr>
-              </a:solidFill>
-              <a:latin typeface="Tahoma" pitchFamily="34" charset="0"/>
-              <a:ea typeface="Tahoma" pitchFamily="34" charset="0"/>
-              <a:cs typeface="Tahoma" pitchFamily="34" charset="0"/>
-            </a:endParaRPr>
-          </a:p>
-          <a:p>
-            <a:pPr algn="just">
-              <a:lnSpc>
-                <a:spcPct val="150000"/>
-              </a:lnSpc>
-            </a:pPr>
-            <a:r>
-              <a:rPr lang="fr-FR" sz="1050" dirty="0">
-                <a:solidFill>
-                  <a:schemeClr val="accent1">
-                    <a:lumMod val="75000"/>
-                  </a:schemeClr>
-                </a:solidFill>
-                <a:latin typeface="Tahoma" pitchFamily="34" charset="0"/>
-                <a:ea typeface="Tahoma" pitchFamily="34" charset="0"/>
-                <a:cs typeface="Tahoma" pitchFamily="34" charset="0"/>
-              </a:rPr>
-              <a:t>		</a:t>
-            </a:r>
-            <a:r>
-              <a:rPr lang="fr-FR" sz="1050" dirty="0" smtClean="0">
-                <a:solidFill>
-                  <a:schemeClr val="accent1">
-                    <a:lumMod val="75000"/>
-                  </a:schemeClr>
-                </a:solidFill>
-                <a:latin typeface="Tahoma" pitchFamily="34" charset="0"/>
-                <a:ea typeface="Tahoma" pitchFamily="34" charset="0"/>
-                <a:cs typeface="Tahoma" pitchFamily="34" charset="0"/>
-              </a:rPr>
-              <a:t>        </a:t>
-            </a:r>
-            <a:r>
-              <a:rPr lang="fr-FR" sz="1050" dirty="0" err="1" smtClean="0">
-                <a:solidFill>
-                  <a:schemeClr val="accent1">
-                    <a:lumMod val="75000"/>
-                  </a:schemeClr>
-                </a:solidFill>
-                <a:latin typeface="Tahoma" pitchFamily="34" charset="0"/>
-                <a:ea typeface="Tahoma" pitchFamily="34" charset="0"/>
-                <a:cs typeface="Tahoma" pitchFamily="34" charset="0"/>
-              </a:rPr>
-              <a:t>else</a:t>
-            </a:r>
-            <a:r>
-              <a:rPr lang="fr-FR" sz="1050" dirty="0" smtClean="0">
-                <a:solidFill>
-                  <a:schemeClr val="accent1">
-                    <a:lumMod val="75000"/>
-                  </a:schemeClr>
-                </a:solidFill>
-                <a:latin typeface="Tahoma" pitchFamily="34" charset="0"/>
-                <a:ea typeface="Tahoma" pitchFamily="34" charset="0"/>
-                <a:cs typeface="Tahoma" pitchFamily="34" charset="0"/>
-              </a:rPr>
-              <a:t> </a:t>
-            </a:r>
-            <a:r>
-              <a:rPr lang="fr-FR" sz="1050" dirty="0">
-                <a:solidFill>
-                  <a:schemeClr val="accent1">
-                    <a:lumMod val="75000"/>
-                  </a:schemeClr>
-                </a:solidFill>
-                <a:latin typeface="Tahoma" pitchFamily="34" charset="0"/>
-                <a:ea typeface="Tahoma" pitchFamily="34" charset="0"/>
-                <a:cs typeface="Tahoma" pitchFamily="34" charset="0"/>
-              </a:rPr>
-              <a:t>if (</a:t>
-            </a:r>
-            <a:r>
-              <a:rPr lang="fr-FR" sz="1050" dirty="0" err="1">
-                <a:solidFill>
-                  <a:schemeClr val="accent1">
-                    <a:lumMod val="75000"/>
-                  </a:schemeClr>
-                </a:solidFill>
-                <a:latin typeface="Tahoma" pitchFamily="34" charset="0"/>
-                <a:ea typeface="Tahoma" pitchFamily="34" charset="0"/>
-                <a:cs typeface="Tahoma" pitchFamily="34" charset="0"/>
-              </a:rPr>
-              <a:t>line.equals</a:t>
-            </a:r>
-            <a:r>
-              <a:rPr lang="fr-FR" sz="1050" dirty="0">
-                <a:solidFill>
-                  <a:schemeClr val="accent1">
-                    <a:lumMod val="75000"/>
-                  </a:schemeClr>
-                </a:solidFill>
-                <a:latin typeface="Tahoma" pitchFamily="34" charset="0"/>
-                <a:ea typeface="Tahoma" pitchFamily="34" charset="0"/>
-                <a:cs typeface="Tahoma" pitchFamily="34" charset="0"/>
-              </a:rPr>
-              <a:t>("rush")) {</a:t>
-            </a:r>
-          </a:p>
-          <a:p>
-            <a:pPr algn="just">
-              <a:lnSpc>
-                <a:spcPct val="150000"/>
-              </a:lnSpc>
-            </a:pPr>
-            <a:r>
-              <a:rPr lang="fr-FR" sz="1050" dirty="0">
-                <a:solidFill>
-                  <a:schemeClr val="accent1">
-                    <a:lumMod val="75000"/>
-                  </a:schemeClr>
-                </a:solidFill>
-                <a:latin typeface="Tahoma" pitchFamily="34" charset="0"/>
-                <a:ea typeface="Tahoma" pitchFamily="34" charset="0"/>
-                <a:cs typeface="Tahoma" pitchFamily="34" charset="0"/>
-              </a:rPr>
-              <a:t>		</a:t>
-            </a:r>
-            <a:r>
-              <a:rPr lang="fr-FR" sz="1050" dirty="0" smtClean="0">
-                <a:solidFill>
-                  <a:schemeClr val="accent1">
-                    <a:lumMod val="75000"/>
-                  </a:schemeClr>
-                </a:solidFill>
-                <a:latin typeface="Tahoma" pitchFamily="34" charset="0"/>
-                <a:ea typeface="Tahoma" pitchFamily="34" charset="0"/>
-                <a:cs typeface="Tahoma" pitchFamily="34" charset="0"/>
-              </a:rPr>
-              <a:t>             </a:t>
-            </a:r>
-            <a:r>
-              <a:rPr lang="fr-FR" sz="1050" dirty="0" err="1" smtClean="0">
-                <a:solidFill>
-                  <a:schemeClr val="accent1">
-                    <a:lumMod val="75000"/>
-                  </a:schemeClr>
-                </a:solidFill>
-                <a:latin typeface="Tahoma" pitchFamily="34" charset="0"/>
-                <a:ea typeface="Tahoma" pitchFamily="34" charset="0"/>
-                <a:cs typeface="Tahoma" pitchFamily="34" charset="0"/>
-              </a:rPr>
-              <a:t>rashCount</a:t>
-            </a:r>
-            <a:r>
-              <a:rPr lang="fr-FR" sz="1050" dirty="0">
-                <a:solidFill>
-                  <a:schemeClr val="accent1">
-                    <a:lumMod val="75000"/>
-                  </a:schemeClr>
-                </a:solidFill>
-                <a:latin typeface="Tahoma" pitchFamily="34" charset="0"/>
-                <a:ea typeface="Tahoma" pitchFamily="34" charset="0"/>
-                <a:cs typeface="Tahoma" pitchFamily="34" charset="0"/>
-              </a:rPr>
-              <a:t>++;</a:t>
-            </a:r>
-          </a:p>
-          <a:p>
-            <a:pPr algn="just">
-              <a:lnSpc>
-                <a:spcPct val="150000"/>
-              </a:lnSpc>
-            </a:pPr>
-            <a:r>
-              <a:rPr lang="fr-FR" sz="1050" dirty="0">
-                <a:solidFill>
-                  <a:schemeClr val="accent1">
-                    <a:lumMod val="75000"/>
-                  </a:schemeClr>
-                </a:solidFill>
-                <a:latin typeface="Tahoma" pitchFamily="34" charset="0"/>
-                <a:ea typeface="Tahoma" pitchFamily="34" charset="0"/>
-                <a:cs typeface="Tahoma" pitchFamily="34" charset="0"/>
-              </a:rPr>
-              <a:t>		</a:t>
-            </a:r>
-            <a:r>
-              <a:rPr lang="fr-FR" sz="1050" dirty="0" smtClean="0">
-                <a:solidFill>
-                  <a:schemeClr val="accent1">
-                    <a:lumMod val="75000"/>
-                  </a:schemeClr>
-                </a:solidFill>
-                <a:latin typeface="Tahoma" pitchFamily="34" charset="0"/>
-                <a:ea typeface="Tahoma" pitchFamily="34" charset="0"/>
-                <a:cs typeface="Tahoma" pitchFamily="34" charset="0"/>
-              </a:rPr>
-              <a:t>         }</a:t>
-            </a:r>
-            <a:endParaRPr lang="fr-FR" sz="1050" dirty="0">
-              <a:solidFill>
-                <a:schemeClr val="accent1">
-                  <a:lumMod val="75000"/>
-                </a:schemeClr>
-              </a:solidFill>
-              <a:latin typeface="Tahoma" pitchFamily="34" charset="0"/>
-              <a:ea typeface="Tahoma" pitchFamily="34" charset="0"/>
-              <a:cs typeface="Tahoma" pitchFamily="34" charset="0"/>
-            </a:endParaRPr>
-          </a:p>
-          <a:p>
-            <a:pPr algn="just">
-              <a:lnSpc>
-                <a:spcPct val="150000"/>
-              </a:lnSpc>
-            </a:pPr>
-            <a:r>
-              <a:rPr lang="fr-FR" sz="1050" dirty="0">
-                <a:solidFill>
-                  <a:schemeClr val="accent1">
-                    <a:lumMod val="75000"/>
-                  </a:schemeClr>
-                </a:solidFill>
-                <a:latin typeface="Tahoma" pitchFamily="34" charset="0"/>
-                <a:ea typeface="Tahoma" pitchFamily="34" charset="0"/>
-                <a:cs typeface="Tahoma" pitchFamily="34" charset="0"/>
-              </a:rPr>
-              <a:t>		</a:t>
-            </a:r>
-            <a:r>
-              <a:rPr lang="fr-FR" sz="1050" dirty="0" smtClean="0">
-                <a:solidFill>
-                  <a:schemeClr val="accent1">
-                    <a:lumMod val="75000"/>
-                  </a:schemeClr>
-                </a:solidFill>
-                <a:latin typeface="Tahoma" pitchFamily="34" charset="0"/>
-                <a:ea typeface="Tahoma" pitchFamily="34" charset="0"/>
-                <a:cs typeface="Tahoma" pitchFamily="34" charset="0"/>
-              </a:rPr>
-              <a:t>         </a:t>
-            </a:r>
-            <a:r>
-              <a:rPr lang="fr-FR" sz="1050" dirty="0" err="1" smtClean="0">
-                <a:solidFill>
-                  <a:schemeClr val="accent1">
-                    <a:lumMod val="75000"/>
-                  </a:schemeClr>
-                </a:solidFill>
-                <a:latin typeface="Tahoma" pitchFamily="34" charset="0"/>
-                <a:ea typeface="Tahoma" pitchFamily="34" charset="0"/>
-                <a:cs typeface="Tahoma" pitchFamily="34" charset="0"/>
-              </a:rPr>
-              <a:t>else</a:t>
-            </a:r>
-            <a:r>
-              <a:rPr lang="fr-FR" sz="1050" dirty="0" smtClean="0">
-                <a:solidFill>
-                  <a:schemeClr val="accent1">
-                    <a:lumMod val="75000"/>
-                  </a:schemeClr>
-                </a:solidFill>
-                <a:latin typeface="Tahoma" pitchFamily="34" charset="0"/>
-                <a:ea typeface="Tahoma" pitchFamily="34" charset="0"/>
-                <a:cs typeface="Tahoma" pitchFamily="34" charset="0"/>
-              </a:rPr>
-              <a:t> </a:t>
-            </a:r>
-            <a:r>
-              <a:rPr lang="fr-FR" sz="1050" dirty="0">
-                <a:solidFill>
-                  <a:schemeClr val="accent1">
-                    <a:lumMod val="75000"/>
-                  </a:schemeClr>
-                </a:solidFill>
-                <a:latin typeface="Tahoma" pitchFamily="34" charset="0"/>
-                <a:ea typeface="Tahoma" pitchFamily="34" charset="0"/>
-                <a:cs typeface="Tahoma" pitchFamily="34" charset="0"/>
-              </a:rPr>
-              <a:t>if (</a:t>
-            </a:r>
-            <a:r>
-              <a:rPr lang="fr-FR" sz="1050" dirty="0" err="1">
-                <a:solidFill>
-                  <a:schemeClr val="accent1">
-                    <a:lumMod val="75000"/>
-                  </a:schemeClr>
-                </a:solidFill>
-                <a:latin typeface="Tahoma" pitchFamily="34" charset="0"/>
-                <a:ea typeface="Tahoma" pitchFamily="34" charset="0"/>
-                <a:cs typeface="Tahoma" pitchFamily="34" charset="0"/>
-              </a:rPr>
-              <a:t>line.contains</a:t>
-            </a:r>
-            <a:r>
-              <a:rPr lang="fr-FR" sz="1050" dirty="0">
-                <a:solidFill>
-                  <a:schemeClr val="accent1">
-                    <a:lumMod val="75000"/>
-                  </a:schemeClr>
-                </a:solidFill>
-                <a:latin typeface="Tahoma" pitchFamily="34" charset="0"/>
-                <a:ea typeface="Tahoma" pitchFamily="34" charset="0"/>
-                <a:cs typeface="Tahoma" pitchFamily="34" charset="0"/>
-              </a:rPr>
-              <a:t>("</a:t>
-            </a:r>
-            <a:r>
-              <a:rPr lang="fr-FR" sz="1050" dirty="0" err="1">
-                <a:solidFill>
-                  <a:schemeClr val="accent1">
-                    <a:lumMod val="75000"/>
-                  </a:schemeClr>
-                </a:solidFill>
-                <a:latin typeface="Tahoma" pitchFamily="34" charset="0"/>
-                <a:ea typeface="Tahoma" pitchFamily="34" charset="0"/>
-                <a:cs typeface="Tahoma" pitchFamily="34" charset="0"/>
-              </a:rPr>
-              <a:t>pupils</a:t>
-            </a:r>
-            <a:r>
-              <a:rPr lang="fr-FR" sz="1050" dirty="0">
-                <a:solidFill>
-                  <a:schemeClr val="accent1">
-                    <a:lumMod val="75000"/>
-                  </a:schemeClr>
-                </a:solidFill>
-                <a:latin typeface="Tahoma" pitchFamily="34" charset="0"/>
-                <a:ea typeface="Tahoma" pitchFamily="34" charset="0"/>
-                <a:cs typeface="Tahoma" pitchFamily="34" charset="0"/>
-              </a:rPr>
-              <a:t>")) {</a:t>
-            </a:r>
-          </a:p>
-          <a:p>
-            <a:pPr algn="just">
-              <a:lnSpc>
-                <a:spcPct val="150000"/>
-              </a:lnSpc>
-            </a:pPr>
-            <a:r>
-              <a:rPr lang="fr-FR" sz="1050" dirty="0">
-                <a:solidFill>
-                  <a:schemeClr val="accent1">
-                    <a:lumMod val="75000"/>
-                  </a:schemeClr>
-                </a:solidFill>
-                <a:latin typeface="Tahoma" pitchFamily="34" charset="0"/>
-                <a:ea typeface="Tahoma" pitchFamily="34" charset="0"/>
-                <a:cs typeface="Tahoma" pitchFamily="34" charset="0"/>
-              </a:rPr>
-              <a:t>			</a:t>
-            </a:r>
-            <a:r>
-              <a:rPr lang="fr-FR" sz="1050" dirty="0" err="1" smtClean="0">
-                <a:solidFill>
-                  <a:schemeClr val="accent1">
-                    <a:lumMod val="75000"/>
-                  </a:schemeClr>
-                </a:solidFill>
-                <a:latin typeface="Tahoma" pitchFamily="34" charset="0"/>
-                <a:ea typeface="Tahoma" pitchFamily="34" charset="0"/>
-                <a:cs typeface="Tahoma" pitchFamily="34" charset="0"/>
-              </a:rPr>
-              <a:t>pupilCount</a:t>
-            </a:r>
-            <a:r>
-              <a:rPr lang="fr-FR" sz="1050" dirty="0">
-                <a:solidFill>
-                  <a:schemeClr val="accent1">
-                    <a:lumMod val="75000"/>
-                  </a:schemeClr>
-                </a:solidFill>
-                <a:latin typeface="Tahoma" pitchFamily="34" charset="0"/>
-                <a:ea typeface="Tahoma" pitchFamily="34" charset="0"/>
-                <a:cs typeface="Tahoma" pitchFamily="34" charset="0"/>
-              </a:rPr>
-              <a:t>++;</a:t>
-            </a:r>
-          </a:p>
-          <a:p>
-            <a:pPr algn="just">
-              <a:lnSpc>
-                <a:spcPct val="150000"/>
-              </a:lnSpc>
-            </a:pPr>
-            <a:r>
-              <a:rPr lang="fr-FR" sz="1050" dirty="0">
-                <a:solidFill>
-                  <a:schemeClr val="accent1">
-                    <a:lumMod val="75000"/>
-                  </a:schemeClr>
-                </a:solidFill>
-                <a:latin typeface="Tahoma" pitchFamily="34" charset="0"/>
-                <a:ea typeface="Tahoma" pitchFamily="34" charset="0"/>
-                <a:cs typeface="Tahoma" pitchFamily="34" charset="0"/>
-              </a:rPr>
-              <a:t>		</a:t>
-            </a:r>
-            <a:r>
-              <a:rPr lang="fr-FR" sz="1050" dirty="0" smtClean="0">
-                <a:solidFill>
-                  <a:schemeClr val="accent1">
-                    <a:lumMod val="75000"/>
-                  </a:schemeClr>
-                </a:solidFill>
-                <a:latin typeface="Tahoma" pitchFamily="34" charset="0"/>
-                <a:ea typeface="Tahoma" pitchFamily="34" charset="0"/>
-                <a:cs typeface="Tahoma" pitchFamily="34" charset="0"/>
-              </a:rPr>
-              <a:t>           }</a:t>
-            </a:r>
-            <a:endParaRPr lang="fr-FR" sz="1050" dirty="0">
-              <a:solidFill>
-                <a:schemeClr val="accent1">
-                  <a:lumMod val="75000"/>
-                </a:schemeClr>
-              </a:solidFill>
-              <a:latin typeface="Tahoma" pitchFamily="34" charset="0"/>
-              <a:ea typeface="Tahoma" pitchFamily="34" charset="0"/>
-              <a:cs typeface="Tahoma" pitchFamily="34" charset="0"/>
-            </a:endParaRPr>
-          </a:p>
-          <a:p>
-            <a:pPr algn="just">
-              <a:lnSpc>
-                <a:spcPct val="150000"/>
-              </a:lnSpc>
-            </a:pPr>
-            <a:r>
-              <a:rPr lang="fr-FR" sz="1050" dirty="0">
-                <a:solidFill>
-                  <a:schemeClr val="accent1">
-                    <a:lumMod val="75000"/>
-                  </a:schemeClr>
-                </a:solidFill>
-                <a:latin typeface="Tahoma" pitchFamily="34" charset="0"/>
-                <a:ea typeface="Tahoma" pitchFamily="34" charset="0"/>
-                <a:cs typeface="Tahoma" pitchFamily="34" charset="0"/>
-              </a:rPr>
-              <a:t>		</a:t>
-            </a:r>
-            <a:r>
-              <a:rPr lang="fr-FR" sz="1050" dirty="0" smtClean="0">
-                <a:solidFill>
-                  <a:schemeClr val="accent1">
-                    <a:lumMod val="75000"/>
-                  </a:schemeClr>
-                </a:solidFill>
-                <a:latin typeface="Tahoma" pitchFamily="34" charset="0"/>
-                <a:ea typeface="Tahoma" pitchFamily="34" charset="0"/>
-                <a:cs typeface="Tahoma" pitchFamily="34" charset="0"/>
-              </a:rPr>
-              <a:t>     line </a:t>
-            </a:r>
-            <a:r>
-              <a:rPr lang="fr-FR" sz="1050" dirty="0">
-                <a:solidFill>
-                  <a:schemeClr val="accent1">
-                    <a:lumMod val="75000"/>
-                  </a:schemeClr>
-                </a:solidFill>
-                <a:latin typeface="Tahoma" pitchFamily="34" charset="0"/>
-                <a:ea typeface="Tahoma" pitchFamily="34" charset="0"/>
-                <a:cs typeface="Tahoma" pitchFamily="34" charset="0"/>
-              </a:rPr>
-              <a:t>= </a:t>
-            </a:r>
-            <a:r>
-              <a:rPr lang="fr-FR" sz="1050" dirty="0" err="1">
-                <a:solidFill>
-                  <a:schemeClr val="accent1">
-                    <a:lumMod val="75000"/>
-                  </a:schemeClr>
-                </a:solidFill>
-                <a:latin typeface="Tahoma" pitchFamily="34" charset="0"/>
-                <a:ea typeface="Tahoma" pitchFamily="34" charset="0"/>
-                <a:cs typeface="Tahoma" pitchFamily="34" charset="0"/>
-              </a:rPr>
-              <a:t>reader.readLine</a:t>
-            </a:r>
-            <a:r>
-              <a:rPr lang="fr-FR" sz="1050" dirty="0">
-                <a:solidFill>
-                  <a:schemeClr val="accent1">
-                    <a:lumMod val="75000"/>
-                  </a:schemeClr>
-                </a:solidFill>
-                <a:latin typeface="Tahoma" pitchFamily="34" charset="0"/>
-                <a:ea typeface="Tahoma" pitchFamily="34" charset="0"/>
-                <a:cs typeface="Tahoma" pitchFamily="34" charset="0"/>
-              </a:rPr>
-              <a:t>();	// </a:t>
-            </a:r>
-            <a:r>
-              <a:rPr lang="fr-FR" sz="1050" dirty="0" err="1">
-                <a:solidFill>
-                  <a:schemeClr val="accent1">
-                    <a:lumMod val="75000"/>
-                  </a:schemeClr>
-                </a:solidFill>
-                <a:latin typeface="Tahoma" pitchFamily="34" charset="0"/>
-                <a:ea typeface="Tahoma" pitchFamily="34" charset="0"/>
-                <a:cs typeface="Tahoma" pitchFamily="34" charset="0"/>
-              </a:rPr>
-              <a:t>get</a:t>
-            </a:r>
-            <a:r>
-              <a:rPr lang="fr-FR" sz="1050" dirty="0">
-                <a:solidFill>
-                  <a:schemeClr val="accent1">
-                    <a:lumMod val="75000"/>
-                  </a:schemeClr>
-                </a:solidFill>
-                <a:latin typeface="Tahoma" pitchFamily="34" charset="0"/>
-                <a:ea typeface="Tahoma" pitchFamily="34" charset="0"/>
-                <a:cs typeface="Tahoma" pitchFamily="34" charset="0"/>
-              </a:rPr>
-              <a:t> </a:t>
-            </a:r>
-            <a:r>
-              <a:rPr lang="fr-FR" sz="1050" dirty="0" err="1">
-                <a:solidFill>
-                  <a:schemeClr val="accent1">
-                    <a:lumMod val="75000"/>
-                  </a:schemeClr>
-                </a:solidFill>
-                <a:latin typeface="Tahoma" pitchFamily="34" charset="0"/>
-                <a:ea typeface="Tahoma" pitchFamily="34" charset="0"/>
-                <a:cs typeface="Tahoma" pitchFamily="34" charset="0"/>
-              </a:rPr>
-              <a:t>another</a:t>
-            </a:r>
-            <a:r>
-              <a:rPr lang="fr-FR" sz="1050" dirty="0">
-                <a:solidFill>
-                  <a:schemeClr val="accent1">
-                    <a:lumMod val="75000"/>
-                  </a:schemeClr>
-                </a:solidFill>
-                <a:latin typeface="Tahoma" pitchFamily="34" charset="0"/>
-                <a:ea typeface="Tahoma" pitchFamily="34" charset="0"/>
-                <a:cs typeface="Tahoma" pitchFamily="34" charset="0"/>
-              </a:rPr>
-              <a:t> </a:t>
-            </a:r>
-            <a:r>
-              <a:rPr lang="fr-FR" sz="1050" dirty="0" err="1">
-                <a:solidFill>
-                  <a:schemeClr val="accent1">
-                    <a:lumMod val="75000"/>
-                  </a:schemeClr>
-                </a:solidFill>
-                <a:latin typeface="Tahoma" pitchFamily="34" charset="0"/>
-                <a:ea typeface="Tahoma" pitchFamily="34" charset="0"/>
-                <a:cs typeface="Tahoma" pitchFamily="34" charset="0"/>
-              </a:rPr>
-              <a:t>symptom</a:t>
-            </a:r>
-            <a:endParaRPr lang="fr-FR" sz="1050" dirty="0">
-              <a:solidFill>
-                <a:schemeClr val="accent1">
-                  <a:lumMod val="75000"/>
-                </a:schemeClr>
-              </a:solidFill>
-              <a:latin typeface="Tahoma" pitchFamily="34" charset="0"/>
-              <a:ea typeface="Tahoma" pitchFamily="34" charset="0"/>
-              <a:cs typeface="Tahoma" pitchFamily="34" charset="0"/>
-            </a:endParaRPr>
-          </a:p>
-          <a:p>
-            <a:pPr algn="just">
-              <a:lnSpc>
-                <a:spcPct val="150000"/>
-              </a:lnSpc>
-            </a:pPr>
-            <a:r>
-              <a:rPr lang="fr-FR" sz="1050" dirty="0">
-                <a:solidFill>
-                  <a:schemeClr val="accent1">
-                    <a:lumMod val="75000"/>
-                  </a:schemeClr>
-                </a:solidFill>
-                <a:latin typeface="Tahoma" pitchFamily="34" charset="0"/>
-                <a:ea typeface="Tahoma" pitchFamily="34" charset="0"/>
-                <a:cs typeface="Tahoma" pitchFamily="34" charset="0"/>
-              </a:rPr>
-              <a:t>		}</a:t>
-            </a:r>
-            <a:endParaRPr lang="fr-FR" sz="1050" dirty="0" smtClean="0">
-              <a:solidFill>
-                <a:schemeClr val="accent1">
-                  <a:lumMod val="75000"/>
-                </a:schemeClr>
-              </a:solidFill>
-              <a:latin typeface="Tahoma" pitchFamily="34" charset="0"/>
-              <a:ea typeface="Tahoma" pitchFamily="34" charset="0"/>
-              <a:cs typeface="Tahoma" pitchFamily="34" charset="0"/>
-            </a:endParaRPr>
-          </a:p>
-          <a:p>
-            <a:pPr lvl="2" algn="just">
-              <a:lnSpc>
-                <a:spcPct val="150000"/>
-              </a:lnSpc>
-            </a:pPr>
-            <a:r>
-              <a:rPr lang="fr-FR" sz="1600" dirty="0" smtClean="0">
-                <a:latin typeface="Tahoma" pitchFamily="34" charset="0"/>
-                <a:ea typeface="Tahoma" pitchFamily="34" charset="0"/>
-                <a:cs typeface="Tahoma" pitchFamily="34" charset="0"/>
-              </a:rPr>
-              <a:t>	</a:t>
-            </a:r>
-            <a:r>
-              <a:rPr lang="fr-FR" sz="1600" dirty="0">
-                <a:latin typeface="Tahoma" pitchFamily="34" charset="0"/>
-                <a:ea typeface="Tahoma" pitchFamily="34" charset="0"/>
-                <a:cs typeface="Tahoma" pitchFamily="34" charset="0"/>
-              </a:rPr>
-              <a:t>	</a:t>
-            </a:r>
-            <a:r>
-              <a:rPr lang="fr-FR" sz="1600" dirty="0" smtClean="0">
-                <a:latin typeface="Tahoma" pitchFamily="34" charset="0"/>
-                <a:ea typeface="Tahoma" pitchFamily="34" charset="0"/>
-                <a:cs typeface="Tahoma" pitchFamily="34" charset="0"/>
-              </a:rPr>
-              <a:t>	</a:t>
-            </a:r>
-            <a:endParaRPr lang="fr-FR" sz="1600" dirty="0" smtClean="0">
-              <a:solidFill>
-                <a:schemeClr val="tx2">
-                  <a:lumMod val="60000"/>
-                  <a:lumOff val="40000"/>
-                </a:schemeClr>
-              </a:solidFill>
-              <a:latin typeface="Tahoma" pitchFamily="34" charset="0"/>
-              <a:ea typeface="Tahoma" pitchFamily="34" charset="0"/>
-              <a:cs typeface="Tahoma" pitchFamily="34" charset="0"/>
-            </a:endParaRPr>
-          </a:p>
-          <a:p>
-            <a:pPr>
-              <a:lnSpc>
-                <a:spcPct val="150000"/>
-              </a:lnSpc>
-            </a:pPr>
-            <a:endParaRPr lang="fr-FR" sz="1600" dirty="0" smtClean="0">
-              <a:solidFill>
-                <a:schemeClr val="tx2">
-                  <a:lumMod val="60000"/>
-                  <a:lumOff val="40000"/>
-                </a:schemeClr>
-              </a:solidFill>
-              <a:latin typeface="Tahoma" pitchFamily="34" charset="0"/>
-              <a:ea typeface="Tahoma" pitchFamily="34" charset="0"/>
-              <a:cs typeface="Tahoma" pitchFamily="34" charset="0"/>
-            </a:endParaRPr>
-          </a:p>
-        </p:txBody>
-      </p:sp>
-      <p:sp>
-        <p:nvSpPr>
-          <p:cNvPr id="8" name="Rectangle 7"/>
-          <p:cNvSpPr/>
-          <p:nvPr/>
-        </p:nvSpPr>
-        <p:spPr>
-          <a:xfrm>
-            <a:off x="0" y="0"/>
-            <a:ext cx="9144000" cy="404664"/>
-          </a:xfrm>
-          <a:prstGeom prst="rect">
-            <a:avLst/>
-          </a:prstGeom>
-          <a:solidFill>
-            <a:schemeClr val="accent3">
-              <a:lumMod val="75000"/>
-            </a:schemeClr>
-          </a:solidFill>
-          <a:ln>
-            <a:noFill/>
-          </a:ln>
-        </p:spPr>
-        <p:style>
-          <a:lnRef idx="2">
-            <a:schemeClr val="accent1">
-              <a:shade val="50000"/>
-            </a:schemeClr>
-          </a:lnRef>
-          <a:fillRef idx="1">
-            <a:schemeClr val="accent1"/>
-          </a:fillRef>
-          <a:effectRef idx="0">
-            <a:schemeClr val="accent1"/>
-          </a:effectRef>
-          <a:fontRef idx="minor">
-            <a:schemeClr val="lt1"/>
-          </a:fontRef>
-        </p:style>
-        <p:txBody>
-          <a:bodyPr rtlCol="0" anchor="ctr"/>
-          <a:lstStyle/>
-          <a:p>
-            <a:pPr algn="ctr"/>
-            <a:r>
-              <a:rPr lang="fr-FR" sz="1200" b="1" dirty="0" smtClean="0">
-                <a:latin typeface="Tahoma" pitchFamily="34" charset="0"/>
-                <a:ea typeface="Tahoma" pitchFamily="34" charset="0"/>
-                <a:cs typeface="Tahoma" pitchFamily="34" charset="0"/>
-              </a:rPr>
-              <a:t>HEME BIOTECH</a:t>
-            </a:r>
-            <a:endParaRPr lang="fr-FR" sz="1100" b="1" dirty="0">
-              <a:latin typeface="Tahoma" pitchFamily="34" charset="0"/>
-              <a:ea typeface="Tahoma" pitchFamily="34" charset="0"/>
-              <a:cs typeface="Tahoma" pitchFamily="34" charset="0"/>
-            </a:endParaRPr>
-          </a:p>
-        </p:txBody>
-      </p:sp>
-      <p:sp>
-        <p:nvSpPr>
-          <p:cNvPr id="9" name="Rogner un rectangle avec un coin diagonal 8"/>
-          <p:cNvSpPr/>
-          <p:nvPr/>
-        </p:nvSpPr>
-        <p:spPr>
-          <a:xfrm>
-            <a:off x="166271" y="476672"/>
-            <a:ext cx="4572000" cy="288032"/>
-          </a:xfrm>
-          <a:prstGeom prst="snip2DiagRect">
-            <a:avLst/>
-          </a:prstGeom>
-          <a:solidFill>
-            <a:schemeClr val="accent6">
-              <a:lumMod val="75000"/>
-            </a:schemeClr>
-          </a:solidFill>
-          <a:ln>
-            <a:noFill/>
-          </a:ln>
-        </p:spPr>
-        <p:style>
-          <a:lnRef idx="2">
-            <a:schemeClr val="accent1">
-              <a:shade val="50000"/>
-            </a:schemeClr>
-          </a:lnRef>
-          <a:fillRef idx="1">
-            <a:schemeClr val="accent1"/>
-          </a:fillRef>
-          <a:effectRef idx="0">
-            <a:schemeClr val="accent1"/>
-          </a:effectRef>
-          <a:fontRef idx="minor">
-            <a:schemeClr val="lt1"/>
-          </a:fontRef>
-        </p:style>
-        <p:txBody>
-          <a:bodyPr rtlCol="0" anchor="ctr"/>
-          <a:lstStyle/>
-          <a:p>
-            <a:pPr algn="ctr"/>
-            <a:r>
-              <a:rPr lang="fr-FR" sz="1400" b="1" dirty="0" smtClean="0">
-                <a:latin typeface="Tahoma" pitchFamily="34" charset="0"/>
-                <a:ea typeface="Tahoma" pitchFamily="34" charset="0"/>
-                <a:cs typeface="Tahoma" pitchFamily="34" charset="0"/>
-              </a:rPr>
-              <a:t>III) 1. Découpage </a:t>
-            </a:r>
-            <a:r>
-              <a:rPr lang="fr-FR" sz="1400" b="1" dirty="0" smtClean="0">
-                <a:latin typeface="Tahoma" pitchFamily="34" charset="0"/>
-                <a:ea typeface="Tahoma" pitchFamily="34" charset="0"/>
-                <a:cs typeface="Tahoma" pitchFamily="34" charset="0"/>
-              </a:rPr>
-              <a:t>du code </a:t>
-            </a:r>
-            <a:r>
-              <a:rPr lang="fr-FR" sz="1400" b="1" dirty="0" smtClean="0">
-                <a:latin typeface="Tahoma" pitchFamily="34" charset="0"/>
-                <a:ea typeface="Tahoma" pitchFamily="34" charset="0"/>
-                <a:cs typeface="Tahoma" pitchFamily="34" charset="0"/>
-              </a:rPr>
-              <a:t>en </a:t>
-            </a:r>
-            <a:r>
-              <a:rPr lang="fr-FR" sz="1400" b="1" dirty="0" smtClean="0">
-                <a:latin typeface="Tahoma" pitchFamily="34" charset="0"/>
-                <a:ea typeface="Tahoma" pitchFamily="34" charset="0"/>
-                <a:cs typeface="Tahoma" pitchFamily="34" charset="0"/>
-              </a:rPr>
-              <a:t>sous partie </a:t>
-            </a:r>
-            <a:endParaRPr lang="fr-FR" sz="1400" b="1" dirty="0">
               <a:latin typeface="Tahoma" pitchFamily="34" charset="0"/>
               <a:ea typeface="Tahoma" pitchFamily="34" charset="0"/>
               <a:cs typeface="Tahoma" pitchFamily="34" charset="0"/>
@@ -9645,64 +9750,6 @@
           <a:chExt cx="0" cy="0"/>
         </a:xfrm>
       </p:grpSpPr>
-      <p:sp>
-        <p:nvSpPr>
-          <p:cNvPr id="7" name="Décagone 6"/>
-          <p:cNvSpPr/>
-          <p:nvPr/>
-        </p:nvSpPr>
-        <p:spPr>
-          <a:xfrm>
-            <a:off x="8604448" y="6381328"/>
-            <a:ext cx="432048" cy="404664"/>
-          </a:xfrm>
-          <a:prstGeom prst="decagon">
-            <a:avLst/>
-          </a:prstGeom>
-          <a:solidFill>
-            <a:schemeClr val="accent3">
-              <a:lumMod val="75000"/>
-            </a:schemeClr>
-          </a:solidFill>
-          <a:ln>
-            <a:noFill/>
-          </a:ln>
-        </p:spPr>
-        <p:style>
-          <a:lnRef idx="2">
-            <a:schemeClr val="accent1">
-              <a:shade val="50000"/>
-            </a:schemeClr>
-          </a:lnRef>
-          <a:fillRef idx="1">
-            <a:schemeClr val="accent1"/>
-          </a:fillRef>
-          <a:effectRef idx="0">
-            <a:schemeClr val="accent1"/>
-          </a:effectRef>
-          <a:fontRef idx="minor">
-            <a:schemeClr val="lt1"/>
-          </a:fontRef>
-        </p:style>
-        <p:txBody>
-          <a:bodyPr rtlCol="0" anchor="ctr"/>
-          <a:lstStyle/>
-          <a:p>
-            <a:pPr algn="ctr"/>
-            <a:r>
-              <a:rPr lang="fr-FR" sz="1200" b="1" dirty="0">
-                <a:solidFill>
-                  <a:schemeClr val="bg1"/>
-                </a:solidFill>
-                <a:latin typeface="Tahoma" pitchFamily="34" charset="0"/>
-                <a:ea typeface="Tahoma" pitchFamily="34" charset="0"/>
-                <a:cs typeface="Tahoma" pitchFamily="34" charset="0"/>
-              </a:rPr>
-              <a:t>5</a:t>
-            </a:r>
-          </a:p>
-        </p:txBody>
-      </p:sp>
       <p:sp>
         <p:nvSpPr>
           <p:cNvPr id="11" name="Rectangle 10"/>
@@ -9796,15 +9843,7 @@
                 <a:ea typeface="Tahoma" pitchFamily="34" charset="0"/>
                 <a:cs typeface="Tahoma" pitchFamily="34" charset="0"/>
               </a:rPr>
-              <a:t>3. Ecriture </a:t>
-            </a:r>
-            <a:r>
-              <a:rPr lang="fr-FR" sz="1600" dirty="0" smtClean="0">
-                <a:latin typeface="Tahoma" pitchFamily="34" charset="0"/>
-                <a:ea typeface="Tahoma" pitchFamily="34" charset="0"/>
-                <a:cs typeface="Tahoma" pitchFamily="34" charset="0"/>
-              </a:rPr>
-              <a:t>du nombre d’occurrences obtenu dans le fichier result.txt	</a:t>
+              <a:t>3. Ecriture du nombre d’occurrences obtenu dans le fichier result.txt	</a:t>
             </a:r>
           </a:p>
           <a:p>
@@ -10886,17 +10925,75 @@
                 <a:ea typeface="Tahoma" pitchFamily="34" charset="0"/>
                 <a:cs typeface="Tahoma" pitchFamily="34" charset="0"/>
               </a:rPr>
-              <a:t>III) 2. Analyse </a:t>
-            </a:r>
-            <a:r>
-              <a:rPr lang="fr-FR" sz="1400" b="1" dirty="0" smtClean="0">
-                <a:latin typeface="Tahoma" pitchFamily="34" charset="0"/>
-                <a:ea typeface="Tahoma" pitchFamily="34" charset="0"/>
-                <a:cs typeface="Tahoma" pitchFamily="34" charset="0"/>
-              </a:rPr>
-              <a:t>du contenu du code</a:t>
+              <a:t>III) 2. Analyse du contenu du code</a:t>
             </a:r>
             <a:endParaRPr lang="fr-FR" sz="1400" b="1" dirty="0">
+              <a:latin typeface="Tahoma" pitchFamily="34" charset="0"/>
+              <a:ea typeface="Tahoma" pitchFamily="34" charset="0"/>
+              <a:cs typeface="Tahoma" pitchFamily="34" charset="0"/>
+            </a:endParaRPr>
+          </a:p>
+        </p:txBody>
+      </p:sp>
+      <p:sp>
+        <p:nvSpPr>
+          <p:cNvPr id="8" name="Décagone 7"/>
+          <p:cNvSpPr/>
+          <p:nvPr/>
+        </p:nvSpPr>
+        <p:spPr>
+          <a:xfrm>
+            <a:off x="8604448" y="6381328"/>
+            <a:ext cx="432048" cy="404664"/>
+          </a:xfrm>
+          <a:prstGeom prst="decagon">
+            <a:avLst/>
+          </a:prstGeom>
+          <a:solidFill>
+            <a:schemeClr val="accent3">
+              <a:lumMod val="75000"/>
+            </a:schemeClr>
+          </a:solidFill>
+          <a:ln>
+            <a:noFill/>
+          </a:ln>
+        </p:spPr>
+        <p:style>
+          <a:lnRef idx="2">
+            <a:schemeClr val="accent1">
+              <a:shade val="50000"/>
+            </a:schemeClr>
+          </a:lnRef>
+          <a:fillRef idx="1">
+            <a:schemeClr val="accent1"/>
+          </a:fillRef>
+          <a:effectRef idx="0">
+            <a:schemeClr val="accent1"/>
+          </a:effectRef>
+          <a:fontRef idx="minor">
+            <a:schemeClr val="lt1"/>
+          </a:fontRef>
+        </p:style>
+        <p:txBody>
+          <a:bodyPr rtlCol="0" anchor="ctr"/>
+          <a:lstStyle/>
+          <a:p>
+            <a:pPr algn="ctr"/>
+            <a:r>
+              <a:rPr lang="fr-FR" sz="1200" b="1" dirty="0" smtClean="0">
+                <a:solidFill>
+                  <a:schemeClr val="bg1"/>
+                </a:solidFill>
+                <a:latin typeface="Tahoma" pitchFamily="34" charset="0"/>
+                <a:ea typeface="Tahoma" pitchFamily="34" charset="0"/>
+                <a:cs typeface="Tahoma" pitchFamily="34" charset="0"/>
+              </a:rPr>
+              <a:t>4</a:t>
+            </a:r>
+            <a:endParaRPr lang="fr-FR" sz="1200" b="1" dirty="0">
+              <a:solidFill>
+                <a:schemeClr val="bg1"/>
+              </a:solidFill>
               <a:latin typeface="Tahoma" pitchFamily="34" charset="0"/>
               <a:ea typeface="Tahoma" pitchFamily="34" charset="0"/>
               <a:cs typeface="Tahoma" pitchFamily="34" charset="0"/>
@@ -11046,23 +11143,7 @@
                 <a:ea typeface="Tahoma" pitchFamily="34" charset="0"/>
                 <a:cs typeface="Tahoma" pitchFamily="34" charset="0"/>
               </a:rPr>
-              <a:t>IV. </a:t>
-            </a:r>
-            <a:r>
-              <a:rPr lang="fr-FR" sz="1400" b="1" dirty="0" smtClean="0">
-                <a:latin typeface="Tahoma" pitchFamily="34" charset="0"/>
-                <a:ea typeface="Tahoma" pitchFamily="34" charset="0"/>
-                <a:cs typeface="Tahoma" pitchFamily="34" charset="0"/>
-              </a:rPr>
-              <a:t>Présentation de la nouvelle </a:t>
-            </a:r>
-            <a:r>
-              <a:rPr lang="fr-FR" sz="1400" b="1" dirty="0" smtClean="0">
-                <a:latin typeface="Tahoma" pitchFamily="34" charset="0"/>
-                <a:ea typeface="Tahoma" pitchFamily="34" charset="0"/>
-                <a:cs typeface="Tahoma" pitchFamily="34" charset="0"/>
-              </a:rPr>
-              <a:t>solution  </a:t>
+              <a:t>IV. Présentation de la nouvelle solution  </a:t>
             </a:r>
             <a:endParaRPr lang="fr-FR" sz="1400" b="1" dirty="0">
               <a:latin typeface="Tahoma" pitchFamily="34" charset="0"/>
@@ -11105,15 +11186,7 @@
                 <a:ea typeface="Tahoma" pitchFamily="34" charset="0"/>
                 <a:cs typeface="Tahoma" pitchFamily="34" charset="0"/>
               </a:rPr>
-              <a:t>La solution comporte quatre différentes parties suivantes</a:t>
-            </a:r>
-            <a:r>
-              <a:rPr lang="fr-FR" sz="1600" dirty="0" smtClean="0">
-                <a:latin typeface="Tahoma" pitchFamily="34" charset="0"/>
-                <a:ea typeface="Tahoma" pitchFamily="34" charset="0"/>
-                <a:cs typeface="Tahoma" pitchFamily="34" charset="0"/>
-              </a:rPr>
-              <a:t>:</a:t>
+              <a:t>La solution comporte quatre différentes parties suivantes:</a:t>
             </a:r>
           </a:p>
           <a:p>
@@ -11237,21 +11310,8 @@
                 <a:ea typeface="Tahoma" pitchFamily="34" charset="0"/>
                 <a:cs typeface="Tahoma" pitchFamily="34" charset="0"/>
               </a:rPr>
-              <a:t>) : qui retourne la liste des </a:t>
-            </a:r>
-            <a:r>
-              <a:rPr lang="fr-FR" sz="1600" dirty="0" smtClean="0">
-                <a:latin typeface="Tahoma" pitchFamily="34" charset="0"/>
-                <a:ea typeface="Tahoma" pitchFamily="34" charset="0"/>
-                <a:cs typeface="Tahoma" pitchFamily="34" charset="0"/>
-              </a:rPr>
-              <a:t>symptômes</a:t>
-            </a:r>
-            <a:endParaRPr lang="fr-FR" sz="1600" dirty="0" smtClean="0">
-              <a:latin typeface="Tahoma" pitchFamily="34" charset="0"/>
-              <a:ea typeface="Tahoma" pitchFamily="34" charset="0"/>
-              <a:cs typeface="Tahoma" pitchFamily="34" charset="0"/>
-            </a:endParaRPr>
+              <a:t>) : qui retourne la liste des symptômes</a:t>
+            </a:r>
           </a:p>
           <a:p>
             <a:pPr lvl="3" algn="just">
@@ -11552,6 +11612,72 @@
                   <a:lumMod val="60000"/>
                   <a:lumOff val="40000"/>
                 </a:schemeClr>
+              </a:solidFill>
+              <a:latin typeface="Tahoma" pitchFamily="34" charset="0"/>
+              <a:ea typeface="Tahoma" pitchFamily="34" charset="0"/>
+              <a:cs typeface="Tahoma" pitchFamily="34" charset="0"/>
+            </a:endParaRPr>
+          </a:p>
+        </p:txBody>
+      </p:sp>
+      <p:sp>
+        <p:nvSpPr>
+          <p:cNvPr id="7" name="Décagone 6"/>
+          <p:cNvSpPr/>
+          <p:nvPr/>
+        </p:nvSpPr>
+        <p:spPr>
+          <a:xfrm>
+            <a:off x="8604448" y="6381328"/>
+            <a:ext cx="432048" cy="404664"/>
+          </a:xfrm>
+          <a:prstGeom prst="decagon">
+            <a:avLst/>
+          </a:prstGeom>
+          <a:solidFill>
+            <a:schemeClr val="accent3">
+              <a:lumMod val="75000"/>
+            </a:schemeClr>
+          </a:solidFill>
+          <a:ln>
+            <a:noFill/>
+          </a:ln>
+        </p:spPr>
+        <p:style>
+          <a:lnRef idx="2">
+            <a:schemeClr val="accent1">
+              <a:shade val="50000"/>
+            </a:schemeClr>
+          </a:lnRef>
+          <a:fillRef idx="1">
+            <a:schemeClr val="accent1"/>
+          </a:fillRef>
+          <a:effectRef idx="0">
+            <a:schemeClr val="accent1"/>
+          </a:effectRef>
+          <a:fontRef idx="minor">
+            <a:schemeClr val="lt1"/>
+          </a:fontRef>
+        </p:style>
+        <p:txBody>
+          <a:bodyPr rtlCol="0" anchor="ctr"/>
+          <a:lstStyle/>
+          <a:p>
+            <a:pPr algn="ctr"/>
+            <a:r>
+              <a:rPr lang="fr-FR" sz="1200" b="1" dirty="0" smtClean="0">
+                <a:solidFill>
+                  <a:schemeClr val="bg1"/>
+                </a:solidFill>
+                <a:latin typeface="Tahoma" pitchFamily="34" charset="0"/>
+                <a:ea typeface="Tahoma" pitchFamily="34" charset="0"/>
+                <a:cs typeface="Tahoma" pitchFamily="34" charset="0"/>
+              </a:rPr>
+              <a:t>5</a:t>
+            </a:r>
+            <a:endParaRPr lang="fr-FR" sz="1200" b="1" dirty="0">
+              <a:solidFill>
+                <a:schemeClr val="bg1"/>
               </a:solidFill>
               <a:latin typeface="Tahoma" pitchFamily="34" charset="0"/>
               <a:ea typeface="Tahoma" pitchFamily="34" charset="0"/>
@@ -12168,6 +12294,72 @@
           </a:p>
         </p:txBody>
       </p:sp>
+      <p:sp>
+        <p:nvSpPr>
+          <p:cNvPr id="5" name="Décagone 4"/>
+          <p:cNvSpPr/>
+          <p:nvPr/>
+        </p:nvSpPr>
+        <p:spPr>
+          <a:xfrm>
+            <a:off x="8604448" y="6381328"/>
+            <a:ext cx="432048" cy="404664"/>
+          </a:xfrm>
+          <a:prstGeom prst="decagon">
+            <a:avLst/>
+          </a:prstGeom>
+          <a:solidFill>
+            <a:schemeClr val="accent3">
+              <a:lumMod val="75000"/>
+            </a:schemeClr>
+          </a:solidFill>
+          <a:ln>
+            <a:noFill/>
+          </a:ln>
+        </p:spPr>
+        <p:style>
+          <a:lnRef idx="2">
+            <a:schemeClr val="accent1">
+              <a:shade val="50000"/>
+            </a:schemeClr>
+          </a:lnRef>
+          <a:fillRef idx="1">
+            <a:schemeClr val="accent1"/>
+          </a:fillRef>
+          <a:effectRef idx="0">
+            <a:schemeClr val="accent1"/>
+          </a:effectRef>
+          <a:fontRef idx="minor">
+            <a:schemeClr val="lt1"/>
+          </a:fontRef>
+        </p:style>
+        <p:txBody>
+          <a:bodyPr rtlCol="0" anchor="ctr"/>
+          <a:lstStyle/>
+          <a:p>
+            <a:pPr algn="ctr"/>
+            <a:r>
+              <a:rPr lang="fr-FR" sz="1200" b="1" dirty="0" smtClean="0">
+                <a:solidFill>
+                  <a:schemeClr val="bg1"/>
+                </a:solidFill>
+                <a:latin typeface="Tahoma" pitchFamily="34" charset="0"/>
+                <a:ea typeface="Tahoma" pitchFamily="34" charset="0"/>
+                <a:cs typeface="Tahoma" pitchFamily="34" charset="0"/>
+              </a:rPr>
+              <a:t>6</a:t>
+            </a:r>
+            <a:endParaRPr lang="fr-FR" sz="1200" b="1" dirty="0">
+              <a:solidFill>
+                <a:schemeClr val="bg1"/>
+              </a:solidFill>
+              <a:latin typeface="Tahoma" pitchFamily="34" charset="0"/>
+              <a:ea typeface="Tahoma" pitchFamily="34" charset="0"/>
+              <a:cs typeface="Tahoma" pitchFamily="34" charset="0"/>
+            </a:endParaRPr>
+          </a:p>
+        </p:txBody>
+      </p:sp>
     </p:spTree>
     <p:extLst>
       <p:ext uri="{BB962C8B-B14F-4D97-AF65-F5344CB8AC3E}">
@@ -12639,6 +12831,72 @@
                 <a:schemeClr val="accent1">
                   <a:lumMod val="75000"/>
                 </a:schemeClr>
+              </a:solidFill>
+              <a:latin typeface="Tahoma" pitchFamily="34" charset="0"/>
+              <a:ea typeface="Tahoma" pitchFamily="34" charset="0"/>
+              <a:cs typeface="Tahoma" pitchFamily="34" charset="0"/>
+            </a:endParaRPr>
+          </a:p>
+        </p:txBody>
+      </p:sp>
+      <p:sp>
+        <p:nvSpPr>
+          <p:cNvPr id="5" name="Décagone 4"/>
+          <p:cNvSpPr/>
+          <p:nvPr/>
+        </p:nvSpPr>
+        <p:spPr>
+          <a:xfrm>
+            <a:off x="8604448" y="6381328"/>
+            <a:ext cx="432048" cy="404664"/>
+          </a:xfrm>
+          <a:prstGeom prst="decagon">
+            <a:avLst/>
+          </a:prstGeom>
+          <a:solidFill>
+            <a:schemeClr val="accent3">
+              <a:lumMod val="75000"/>
+            </a:schemeClr>
+          </a:solidFill>
+          <a:ln>
+            <a:noFill/>
+          </a:ln>
+        </p:spPr>
+        <p:style>
+          <a:lnRef idx="2">
+            <a:schemeClr val="accent1">
+              <a:shade val="50000"/>
+            </a:schemeClr>
+          </a:lnRef>
+          <a:fillRef idx="1">
+            <a:schemeClr val="accent1"/>
+          </a:fillRef>
+          <a:effectRef idx="0">
+            <a:schemeClr val="accent1"/>
+          </a:effectRef>
+          <a:fontRef idx="minor">
+            <a:schemeClr val="lt1"/>
+          </a:fontRef>
+        </p:style>
+        <p:txBody>
+          <a:bodyPr rtlCol="0" anchor="ctr"/>
+          <a:lstStyle/>
+          <a:p>
+            <a:pPr algn="ctr"/>
+            <a:r>
+              <a:rPr lang="fr-FR" sz="1200" b="1" dirty="0">
+                <a:solidFill>
+                  <a:schemeClr val="bg1"/>
+                </a:solidFill>
+                <a:latin typeface="Tahoma" pitchFamily="34" charset="0"/>
+                <a:ea typeface="Tahoma" pitchFamily="34" charset="0"/>
+                <a:cs typeface="Tahoma" pitchFamily="34" charset="0"/>
+              </a:rPr>
+              <a:t>7</a:t>
+            </a:r>
+            <a:endParaRPr lang="fr-FR" sz="1200" b="1" dirty="0">
+              <a:solidFill>
+                <a:schemeClr val="bg1"/>
               </a:solidFill>
               <a:latin typeface="Tahoma" pitchFamily="34" charset="0"/>
               <a:ea typeface="Tahoma" pitchFamily="34" charset="0"/>

--- a/Projet P2.pptx
+++ b/Projet P2.pptx
@@ -205,7 +205,7 @@
             <a:fld id="{43CC779B-4C0F-4D10-8A27-E240E5A38C15}" type="datetimeFigureOut">
               <a:rPr lang="fr-FR" smtClean="0"/>
               <a:pPr/>
-              <a:t>31/12/2019</a:t>
+              <a:t>04/01/2020</a:t>
             </a:fld>
             <a:endParaRPr lang="fr-FR"/>
           </a:p>
@@ -658,7 +658,7 @@
             <a:fld id="{4CE1943E-405F-463F-AC76-37D0AEAFEBA7}" type="datetimeFigureOut">
               <a:rPr lang="fr-FR" smtClean="0"/>
               <a:pPr/>
-              <a:t>31/12/2019</a:t>
+              <a:t>04/01/2020</a:t>
             </a:fld>
             <a:endParaRPr lang="fr-FR"/>
           </a:p>
@@ -825,7 +825,7 @@
             <a:fld id="{4CE1943E-405F-463F-AC76-37D0AEAFEBA7}" type="datetimeFigureOut">
               <a:rPr lang="fr-FR" smtClean="0"/>
               <a:pPr/>
-              <a:t>31/12/2019</a:t>
+              <a:t>04/01/2020</a:t>
             </a:fld>
             <a:endParaRPr lang="fr-FR"/>
           </a:p>
@@ -1002,7 +1002,7 @@
             <a:fld id="{4CE1943E-405F-463F-AC76-37D0AEAFEBA7}" type="datetimeFigureOut">
               <a:rPr lang="fr-FR" smtClean="0"/>
               <a:pPr/>
-              <a:t>31/12/2019</a:t>
+              <a:t>04/01/2020</a:t>
             </a:fld>
             <a:endParaRPr lang="fr-FR"/>
           </a:p>
@@ -1169,7 +1169,7 @@
             <a:fld id="{4CE1943E-405F-463F-AC76-37D0AEAFEBA7}" type="datetimeFigureOut">
               <a:rPr lang="fr-FR" smtClean="0"/>
               <a:pPr/>
-              <a:t>31/12/2019</a:t>
+              <a:t>04/01/2020</a:t>
             </a:fld>
             <a:endParaRPr lang="fr-FR"/>
           </a:p>
@@ -1412,7 +1412,7 @@
             <a:fld id="{4CE1943E-405F-463F-AC76-37D0AEAFEBA7}" type="datetimeFigureOut">
               <a:rPr lang="fr-FR" smtClean="0"/>
               <a:pPr/>
-              <a:t>31/12/2019</a:t>
+              <a:t>04/01/2020</a:t>
             </a:fld>
             <a:endParaRPr lang="fr-FR"/>
           </a:p>
@@ -1697,7 +1697,7 @@
             <a:fld id="{4CE1943E-405F-463F-AC76-37D0AEAFEBA7}" type="datetimeFigureOut">
               <a:rPr lang="fr-FR" smtClean="0"/>
               <a:pPr/>
-              <a:t>31/12/2019</a:t>
+              <a:t>04/01/2020</a:t>
             </a:fld>
             <a:endParaRPr lang="fr-FR"/>
           </a:p>
@@ -2116,7 +2116,7 @@
             <a:fld id="{4CE1943E-405F-463F-AC76-37D0AEAFEBA7}" type="datetimeFigureOut">
               <a:rPr lang="fr-FR" smtClean="0"/>
               <a:pPr/>
-              <a:t>31/12/2019</a:t>
+              <a:t>04/01/2020</a:t>
             </a:fld>
             <a:endParaRPr lang="fr-FR"/>
           </a:p>
@@ -2231,7 +2231,7 @@
             <a:fld id="{4CE1943E-405F-463F-AC76-37D0AEAFEBA7}" type="datetimeFigureOut">
               <a:rPr lang="fr-FR" smtClean="0"/>
               <a:pPr/>
-              <a:t>31/12/2019</a:t>
+              <a:t>04/01/2020</a:t>
             </a:fld>
             <a:endParaRPr lang="fr-FR"/>
           </a:p>
@@ -2323,7 +2323,7 @@
             <a:fld id="{4CE1943E-405F-463F-AC76-37D0AEAFEBA7}" type="datetimeFigureOut">
               <a:rPr lang="fr-FR" smtClean="0"/>
               <a:pPr/>
-              <a:t>31/12/2019</a:t>
+              <a:t>04/01/2020</a:t>
             </a:fld>
             <a:endParaRPr lang="fr-FR"/>
           </a:p>
@@ -2597,7 +2597,7 @@
             <a:fld id="{4CE1943E-405F-463F-AC76-37D0AEAFEBA7}" type="datetimeFigureOut">
               <a:rPr lang="fr-FR" smtClean="0"/>
               <a:pPr/>
-              <a:t>31/12/2019</a:t>
+              <a:t>04/01/2020</a:t>
             </a:fld>
             <a:endParaRPr lang="fr-FR"/>
           </a:p>
@@ -2847,7 +2847,7 @@
             <a:fld id="{4CE1943E-405F-463F-AC76-37D0AEAFEBA7}" type="datetimeFigureOut">
               <a:rPr lang="fr-FR" smtClean="0"/>
               <a:pPr/>
-              <a:t>31/12/2019</a:t>
+              <a:t>04/01/2020</a:t>
             </a:fld>
             <a:endParaRPr lang="fr-FR"/>
           </a:p>
@@ -3057,7 +3057,7 @@
             <a:fld id="{4CE1943E-405F-463F-AC76-37D0AEAFEBA7}" type="datetimeFigureOut">
               <a:rPr lang="fr-FR" smtClean="0"/>
               <a:pPr/>
-              <a:t>31/12/2019</a:t>
+              <a:t>04/01/2020</a:t>
             </a:fld>
             <a:endParaRPr lang="fr-FR"/>
           </a:p>
@@ -3943,83 +3943,391 @@
           <a:p>
             <a:pPr lvl="3"/>
             <a:r>
-              <a:rPr lang="fr-FR" sz="1200" b="1" dirty="0" smtClean="0"/>
+              <a:rPr lang="fr-FR" sz="1200" b="1" dirty="0" smtClean="0">
+                <a:solidFill>
+                  <a:schemeClr val="tx2"/>
+                </a:solidFill>
+              </a:rPr>
               <a:t>public </a:t>
             </a:r>
             <a:r>
-              <a:rPr lang="fr-FR" sz="1200" b="1" dirty="0" err="1"/>
+              <a:rPr lang="fr-FR" sz="1200" b="1" dirty="0" err="1">
+                <a:solidFill>
+                  <a:schemeClr val="tx2"/>
+                </a:solidFill>
+              </a:rPr>
               <a:t>Map</a:t>
             </a:r>
             <a:r>
-              <a:rPr lang="fr-FR" sz="1200" b="1" dirty="0"/>
+              <a:rPr lang="fr-FR" sz="1200" b="1" dirty="0">
+                <a:solidFill>
+                  <a:schemeClr val="tx2"/>
+                </a:solidFill>
+              </a:rPr>
               <a:t>&lt;String, </a:t>
             </a:r>
             <a:r>
-              <a:rPr lang="fr-FR" sz="1200" b="1" dirty="0" err="1"/>
+              <a:rPr lang="fr-FR" sz="1200" b="1" dirty="0" err="1">
+                <a:solidFill>
+                  <a:schemeClr val="tx2"/>
+                </a:solidFill>
+              </a:rPr>
               <a:t>Integer</a:t>
             </a:r>
             <a:r>
-              <a:rPr lang="fr-FR" sz="1200" b="1" dirty="0"/>
+              <a:rPr lang="fr-FR" sz="1200" b="1" dirty="0">
+                <a:solidFill>
+                  <a:schemeClr val="tx2"/>
+                </a:solidFill>
+              </a:rPr>
               <a:t>&gt; </a:t>
             </a:r>
             <a:r>
-              <a:rPr lang="fr-FR" sz="1200" b="1" dirty="0" err="1"/>
+              <a:rPr lang="fr-FR" sz="1200" b="1" dirty="0" err="1">
+                <a:solidFill>
+                  <a:schemeClr val="tx2"/>
+                </a:solidFill>
+              </a:rPr>
               <a:t>groupSymptoms</a:t>
             </a:r>
             <a:r>
-              <a:rPr lang="fr-FR" sz="1200" b="1" dirty="0"/>
+              <a:rPr lang="fr-FR" sz="1200" b="1" dirty="0">
+                <a:solidFill>
+                  <a:schemeClr val="tx2"/>
+                </a:solidFill>
+              </a:rPr>
               <a:t>(List&lt;String&gt; </a:t>
             </a:r>
             <a:r>
-              <a:rPr lang="fr-FR" sz="1200" b="1" dirty="0" err="1"/>
+              <a:rPr lang="fr-FR" sz="1200" b="1" dirty="0" err="1">
+                <a:solidFill>
+                  <a:schemeClr val="tx2"/>
+                </a:solidFill>
+              </a:rPr>
               <a:t>alphabeticSymptomList</a:t>
             </a:r>
             <a:r>
-              <a:rPr lang="fr-FR" sz="1200" b="1" dirty="0"/>
+              <a:rPr lang="fr-FR" sz="1200" b="1" dirty="0">
+                <a:solidFill>
+                  <a:schemeClr val="tx2"/>
+                </a:solidFill>
+              </a:rPr>
               <a:t>) {</a:t>
             </a:r>
           </a:p>
           <a:p>
             <a:pPr lvl="3"/>
             <a:r>
-              <a:rPr lang="fr-FR" sz="1200" dirty="0"/>
+              <a:rPr lang="fr-FR" sz="1200" dirty="0">
+                <a:solidFill>
+                  <a:schemeClr val="tx2"/>
+                </a:solidFill>
+              </a:rPr>
               <a:t>    </a:t>
             </a:r>
             <a:r>
-              <a:rPr lang="fr-FR" sz="1200" dirty="0" err="1"/>
+              <a:rPr lang="fr-FR" sz="1200" dirty="0" err="1">
+                <a:solidFill>
+                  <a:schemeClr val="tx2"/>
+                </a:solidFill>
+              </a:rPr>
               <a:t>Map</a:t>
             </a:r>
             <a:r>
-              <a:rPr lang="fr-FR" sz="1200" dirty="0"/>
+              <a:rPr lang="fr-FR" sz="1200" dirty="0">
+                <a:solidFill>
+                  <a:schemeClr val="tx2"/>
+                </a:solidFill>
+              </a:rPr>
               <a:t>&lt;String, </a:t>
             </a:r>
             <a:r>
-              <a:rPr lang="fr-FR" sz="1200" dirty="0" err="1"/>
+              <a:rPr lang="fr-FR" sz="1200" dirty="0" err="1">
+                <a:solidFill>
+                  <a:schemeClr val="tx2"/>
+                </a:solidFill>
+              </a:rPr>
               <a:t>Integer</a:t>
             </a:r>
             <a:r>
-              <a:rPr lang="fr-FR" sz="1200" dirty="0"/>
+              <a:rPr lang="fr-FR" sz="1200" dirty="0">
+                <a:solidFill>
+                  <a:schemeClr val="tx2"/>
+                </a:solidFill>
+              </a:rPr>
               <a:t>&gt; </a:t>
             </a:r>
             <a:r>
-              <a:rPr lang="fr-FR" sz="1200" dirty="0" err="1"/>
+              <a:rPr lang="fr-FR" sz="1200" dirty="0" err="1">
+                <a:solidFill>
+                  <a:schemeClr val="tx2"/>
+                </a:solidFill>
+              </a:rPr>
               <a:t>map</a:t>
             </a:r>
             <a:r>
-              <a:rPr lang="fr-FR" sz="1200" dirty="0"/>
+              <a:rPr lang="fr-FR" sz="1200" dirty="0">
+                <a:solidFill>
+                  <a:schemeClr val="tx2"/>
+                </a:solidFill>
+              </a:rPr>
               <a:t> = </a:t>
             </a:r>
             <a:r>
-              <a:rPr lang="fr-FR" sz="1200" b="1" dirty="0"/>
+              <a:rPr lang="fr-FR" sz="1200" b="1" dirty="0">
+                <a:solidFill>
+                  <a:schemeClr val="tx2"/>
+                </a:solidFill>
+              </a:rPr>
               <a:t>new </a:t>
             </a:r>
             <a:r>
-              <a:rPr lang="fr-FR" sz="1200" b="1" dirty="0" err="1"/>
+              <a:rPr lang="fr-FR" sz="1200" b="1" dirty="0" err="1">
+                <a:solidFill>
+                  <a:schemeClr val="tx2"/>
+                </a:solidFill>
+              </a:rPr>
               <a:t>HashMap</a:t>
             </a:r>
             <a:r>
-              <a:rPr lang="fr-FR" sz="1200" b="1" dirty="0"/>
+              <a:rPr lang="fr-FR" sz="1200" b="1" dirty="0">
+                <a:solidFill>
+                  <a:schemeClr val="tx2"/>
+                </a:solidFill>
+              </a:rPr>
               <a:t>&lt;&gt;();</a:t>
+            </a:r>
+          </a:p>
+          <a:p>
+            <a:pPr lvl="3"/>
+            <a:r>
+              <a:rPr lang="fr-FR" sz="1200" dirty="0">
+                <a:solidFill>
+                  <a:schemeClr val="tx2"/>
+                </a:solidFill>
+              </a:rPr>
+              <a:t>        </a:t>
+            </a:r>
+            <a:r>
+              <a:rPr lang="fr-FR" sz="1200" b="1" dirty="0">
+                <a:solidFill>
+                  <a:schemeClr val="tx2"/>
+                </a:solidFill>
+              </a:rPr>
+              <a:t>for (String </a:t>
+            </a:r>
+            <a:r>
+              <a:rPr lang="fr-FR" sz="1200" b="1" dirty="0" err="1">
+                <a:solidFill>
+                  <a:schemeClr val="tx2"/>
+                </a:solidFill>
+              </a:rPr>
+              <a:t>symptom</a:t>
+            </a:r>
+            <a:r>
+              <a:rPr lang="fr-FR" sz="1200" b="1" dirty="0">
+                <a:solidFill>
+                  <a:schemeClr val="tx2"/>
+                </a:solidFill>
+              </a:rPr>
+              <a:t> : </a:t>
+            </a:r>
+            <a:r>
+              <a:rPr lang="fr-FR" sz="1200" b="1" dirty="0" err="1">
+                <a:solidFill>
+                  <a:schemeClr val="tx2"/>
+                </a:solidFill>
+              </a:rPr>
+              <a:t>alphabeticSymptomList</a:t>
+            </a:r>
+            <a:r>
+              <a:rPr lang="fr-FR" sz="1200" b="1" dirty="0">
+                <a:solidFill>
+                  <a:schemeClr val="tx2"/>
+                </a:solidFill>
+              </a:rPr>
+              <a:t>) {</a:t>
+            </a:r>
+          </a:p>
+          <a:p>
+            <a:pPr lvl="3"/>
+            <a:r>
+              <a:rPr lang="fr-FR" sz="1200" dirty="0">
+                <a:solidFill>
+                  <a:schemeClr val="tx2"/>
+                </a:solidFill>
+              </a:rPr>
+              <a:t>            </a:t>
+            </a:r>
+            <a:r>
+              <a:rPr lang="fr-FR" sz="1200" dirty="0" err="1">
+                <a:solidFill>
+                  <a:schemeClr val="tx2"/>
+                </a:solidFill>
+              </a:rPr>
+              <a:t>Integer</a:t>
+            </a:r>
+            <a:r>
+              <a:rPr lang="fr-FR" sz="1200" dirty="0">
+                <a:solidFill>
+                  <a:schemeClr val="tx2"/>
+                </a:solidFill>
+              </a:rPr>
+              <a:t> nombre = </a:t>
+            </a:r>
+            <a:r>
+              <a:rPr lang="fr-FR" sz="1200" dirty="0" err="1">
+                <a:solidFill>
+                  <a:schemeClr val="tx2"/>
+                </a:solidFill>
+              </a:rPr>
+              <a:t>map.get</a:t>
+            </a:r>
+            <a:r>
+              <a:rPr lang="fr-FR" sz="1200" dirty="0">
+                <a:solidFill>
+                  <a:schemeClr val="tx2"/>
+                </a:solidFill>
+              </a:rPr>
+              <a:t>(</a:t>
+            </a:r>
+            <a:r>
+              <a:rPr lang="fr-FR" sz="1200" dirty="0" err="1">
+                <a:solidFill>
+                  <a:schemeClr val="tx2"/>
+                </a:solidFill>
+              </a:rPr>
+              <a:t>symptom</a:t>
+            </a:r>
+            <a:r>
+              <a:rPr lang="fr-FR" sz="1200" dirty="0">
+                <a:solidFill>
+                  <a:schemeClr val="tx2"/>
+                </a:solidFill>
+              </a:rPr>
+              <a:t>);</a:t>
+            </a:r>
+          </a:p>
+          <a:p>
+            <a:pPr lvl="3"/>
+            <a:r>
+              <a:rPr lang="fr-FR" sz="1200" dirty="0">
+                <a:solidFill>
+                  <a:schemeClr val="tx2"/>
+                </a:solidFill>
+              </a:rPr>
+              <a:t>            </a:t>
+            </a:r>
+            <a:r>
+              <a:rPr lang="fr-FR" sz="1200" b="1" dirty="0">
+                <a:solidFill>
+                  <a:schemeClr val="tx2"/>
+                </a:solidFill>
+              </a:rPr>
+              <a:t>if (nombre == </a:t>
+            </a:r>
+            <a:r>
+              <a:rPr lang="fr-FR" sz="1200" b="1" dirty="0" err="1">
+                <a:solidFill>
+                  <a:schemeClr val="tx2"/>
+                </a:solidFill>
+              </a:rPr>
+              <a:t>null</a:t>
+            </a:r>
+            <a:r>
+              <a:rPr lang="fr-FR" sz="1200" b="1" dirty="0">
+                <a:solidFill>
+                  <a:schemeClr val="tx2"/>
+                </a:solidFill>
+              </a:rPr>
+              <a:t>) {</a:t>
+            </a:r>
+          </a:p>
+          <a:p>
+            <a:pPr lvl="3"/>
+            <a:r>
+              <a:rPr lang="fr-FR" sz="1200" dirty="0">
+                <a:solidFill>
+                  <a:schemeClr val="tx2"/>
+                </a:solidFill>
+              </a:rPr>
+              <a:t>                nombre = 0;</a:t>
+            </a:r>
+          </a:p>
+          <a:p>
+            <a:pPr lvl="3"/>
+            <a:r>
+              <a:rPr lang="fr-FR" sz="1200" dirty="0">
+                <a:solidFill>
+                  <a:schemeClr val="tx2"/>
+                </a:solidFill>
+              </a:rPr>
+              <a:t>            }</a:t>
+            </a:r>
+          </a:p>
+          <a:p>
+            <a:pPr lvl="3"/>
+            <a:r>
+              <a:rPr lang="fr-FR" sz="1200" dirty="0">
+                <a:solidFill>
+                  <a:schemeClr val="tx2"/>
+                </a:solidFill>
+              </a:rPr>
+              <a:t>            nombre++;</a:t>
+            </a:r>
+          </a:p>
+          <a:p>
+            <a:pPr lvl="3"/>
+            <a:r>
+              <a:rPr lang="fr-FR" sz="1200" dirty="0">
+                <a:solidFill>
+                  <a:schemeClr val="tx2"/>
+                </a:solidFill>
+              </a:rPr>
+              <a:t>            </a:t>
+            </a:r>
+            <a:r>
+              <a:rPr lang="fr-FR" sz="1200" dirty="0" err="1">
+                <a:solidFill>
+                  <a:schemeClr val="tx2"/>
+                </a:solidFill>
+              </a:rPr>
+              <a:t>map.put</a:t>
+            </a:r>
+            <a:r>
+              <a:rPr lang="fr-FR" sz="1200" dirty="0">
+                <a:solidFill>
+                  <a:schemeClr val="tx2"/>
+                </a:solidFill>
+              </a:rPr>
+              <a:t>(</a:t>
+            </a:r>
+            <a:r>
+              <a:rPr lang="fr-FR" sz="1200" dirty="0" err="1">
+                <a:solidFill>
+                  <a:schemeClr val="tx2"/>
+                </a:solidFill>
+              </a:rPr>
+              <a:t>symptom</a:t>
+            </a:r>
+            <a:r>
+              <a:rPr lang="fr-FR" sz="1200" dirty="0">
+                <a:solidFill>
+                  <a:schemeClr val="tx2"/>
+                </a:solidFill>
+              </a:rPr>
+              <a:t>, nombre);</a:t>
+            </a:r>
+          </a:p>
+          <a:p>
+            <a:pPr lvl="3"/>
+            <a:r>
+              <a:rPr lang="fr-FR" sz="1200" dirty="0">
+                <a:solidFill>
+                  <a:schemeClr val="tx2"/>
+                </a:solidFill>
+              </a:rPr>
+              <a:t>        }</a:t>
             </a:r>
           </a:p>
           <a:p>
@@ -4029,143 +4337,27 @@
               <a:t>        </a:t>
             </a:r>
             <a:r>
-              <a:rPr lang="fr-FR" sz="1200" b="1" dirty="0"/>
-              <a:t>for (String </a:t>
-            </a:r>
-            <a:r>
-              <a:rPr lang="fr-FR" sz="1200" b="1" dirty="0" err="1"/>
-              <a:t>symptom</a:t>
-            </a:r>
-            <a:r>
-              <a:rPr lang="fr-FR" sz="1200" b="1" dirty="0"/>
-              <a:t> : </a:t>
-            </a:r>
-            <a:r>
-              <a:rPr lang="fr-FR" sz="1200" b="1" dirty="0" err="1"/>
-              <a:t>alphabeticSymptomList</a:t>
-            </a:r>
-            <a:r>
-              <a:rPr lang="fr-FR" sz="1200" b="1" dirty="0"/>
-              <a:t>) {</a:t>
-            </a:r>
-          </a:p>
-          <a:p>
-            <a:pPr lvl="3"/>
-            <a:r>
-              <a:rPr lang="fr-FR" sz="1200" dirty="0"/>
-              <a:t>            </a:t>
-            </a:r>
-            <a:r>
-              <a:rPr lang="fr-FR" sz="1200" dirty="0" err="1"/>
-              <a:t>Integer</a:t>
-            </a:r>
-            <a:r>
-              <a:rPr lang="fr-FR" sz="1200" dirty="0"/>
-              <a:t> nombre = </a:t>
-            </a:r>
-            <a:r>
-              <a:rPr lang="fr-FR" sz="1200" dirty="0" err="1"/>
-              <a:t>map.get</a:t>
-            </a:r>
-            <a:r>
-              <a:rPr lang="fr-FR" sz="1200" dirty="0"/>
-              <a:t>(</a:t>
-            </a:r>
-            <a:r>
-              <a:rPr lang="fr-FR" sz="1200" dirty="0" err="1"/>
-              <a:t>symptom</a:t>
-            </a:r>
-            <a:r>
-              <a:rPr lang="fr-FR" sz="1200" dirty="0"/>
-              <a:t>);</a:t>
-            </a:r>
-          </a:p>
-          <a:p>
-            <a:pPr lvl="3"/>
-            <a:r>
-              <a:rPr lang="fr-FR" sz="1200" dirty="0"/>
-              <a:t>            </a:t>
-            </a:r>
-            <a:r>
-              <a:rPr lang="fr-FR" sz="1200" b="1" dirty="0"/>
-              <a:t>if (nombre == </a:t>
-            </a:r>
-            <a:r>
-              <a:rPr lang="fr-FR" sz="1200" b="1" dirty="0" err="1"/>
-              <a:t>null</a:t>
-            </a:r>
-            <a:r>
-              <a:rPr lang="fr-FR" sz="1200" b="1" dirty="0"/>
-              <a:t>) {</a:t>
-            </a:r>
-          </a:p>
-          <a:p>
-            <a:pPr lvl="3"/>
-            <a:r>
-              <a:rPr lang="fr-FR" sz="1200" dirty="0"/>
-              <a:t>                nombre = 0;</a:t>
-            </a:r>
-          </a:p>
-          <a:p>
-            <a:pPr lvl="3"/>
-            <a:r>
-              <a:rPr lang="fr-FR" sz="1200" dirty="0"/>
-              <a:t>            }</a:t>
-            </a:r>
-          </a:p>
-          <a:p>
-            <a:pPr lvl="3"/>
-            <a:r>
-              <a:rPr lang="fr-FR" sz="1200" dirty="0"/>
-              <a:t>            nombre++;</a:t>
-            </a:r>
-          </a:p>
-          <a:p>
-            <a:pPr lvl="3"/>
-            <a:r>
-              <a:rPr lang="fr-FR" sz="1200" dirty="0"/>
-              <a:t>            </a:t>
-            </a:r>
-            <a:r>
-              <a:rPr lang="fr-FR" sz="1200" dirty="0" err="1"/>
-              <a:t>map.put</a:t>
-            </a:r>
-            <a:r>
-              <a:rPr lang="fr-FR" sz="1200" dirty="0"/>
-              <a:t>(</a:t>
-            </a:r>
-            <a:r>
-              <a:rPr lang="fr-FR" sz="1200" dirty="0" err="1"/>
-              <a:t>symptom</a:t>
-            </a:r>
-            <a:r>
-              <a:rPr lang="fr-FR" sz="1200" dirty="0"/>
-              <a:t>, nombre);</a:t>
-            </a:r>
-          </a:p>
-          <a:p>
-            <a:pPr lvl="3"/>
-            <a:r>
-              <a:rPr lang="fr-FR" sz="1200" dirty="0"/>
-              <a:t>        }</a:t>
-            </a:r>
-          </a:p>
-          <a:p>
-            <a:pPr lvl="3"/>
-            <a:r>
-              <a:rPr lang="fr-FR" sz="1200" dirty="0"/>
-              <a:t>        </a:t>
-            </a:r>
-            <a:r>
-              <a:rPr lang="fr-FR" sz="1200" b="1" dirty="0"/>
+              <a:rPr lang="fr-FR" sz="1200" b="1" dirty="0">
+                <a:solidFill>
+                  <a:schemeClr val="tx2"/>
+                </a:solidFill>
+              </a:rPr>
               <a:t>return </a:t>
             </a:r>
             <a:r>
-              <a:rPr lang="fr-FR" sz="1200" b="1" dirty="0" err="1"/>
+              <a:rPr lang="fr-FR" sz="1200" b="1" dirty="0" err="1">
+                <a:solidFill>
+                  <a:schemeClr val="tx2"/>
+                </a:solidFill>
+              </a:rPr>
               <a:t>map</a:t>
             </a:r>
             <a:r>
-              <a:rPr lang="fr-FR" sz="1200" b="1" dirty="0"/>
+              <a:rPr lang="fr-FR" sz="1200" b="1" dirty="0">
+                <a:solidFill>
+                  <a:schemeClr val="tx2"/>
+                </a:solidFill>
+              </a:rPr>
               <a:t>;</a:t>
             </a:r>
           </a:p>
@@ -4396,7 +4588,7 @@
         <p:spPr>
           <a:xfrm>
             <a:off x="179512" y="404664"/>
-            <a:ext cx="8640960" cy="3693319"/>
+            <a:ext cx="8640960" cy="3877985"/>
           </a:xfrm>
           <a:prstGeom prst="rect">
             <a:avLst/>
@@ -4519,8 +4711,16 @@
             <a:pPr lvl="3"/>
             <a:r>
               <a:rPr lang="fr-FR" sz="1200" dirty="0"/>
-              <a:t>     */</a:t>
-            </a:r>
+              <a:t>     </a:t>
+            </a:r>
+            <a:r>
+              <a:rPr lang="fr-FR" sz="1200" dirty="0" smtClean="0"/>
+              <a:t>*/</a:t>
+            </a:r>
+          </a:p>
+          <a:p>
+            <a:pPr lvl="3"/>
+            <a:endParaRPr lang="fr-FR" sz="1200" dirty="0"/>
           </a:p>
           <a:p>
             <a:pPr lvl="3"/>
@@ -4529,227 +4729,427 @@
               <a:t>    </a:t>
             </a:r>
             <a:r>
-              <a:rPr lang="fr-FR" sz="1200" b="1" dirty="0"/>
+              <a:rPr lang="fr-FR" sz="1200" b="1" dirty="0">
+                <a:solidFill>
+                  <a:schemeClr val="tx2"/>
+                </a:solidFill>
+              </a:rPr>
               <a:t>public </a:t>
             </a:r>
             <a:r>
-              <a:rPr lang="fr-FR" sz="1200" b="1" dirty="0" err="1"/>
+              <a:rPr lang="fr-FR" sz="1200" b="1" dirty="0" err="1">
+                <a:solidFill>
+                  <a:schemeClr val="tx2"/>
+                </a:solidFill>
+              </a:rPr>
               <a:t>Map</a:t>
             </a:r>
             <a:r>
-              <a:rPr lang="fr-FR" sz="1200" b="1" dirty="0"/>
+              <a:rPr lang="fr-FR" sz="1200" b="1" dirty="0">
+                <a:solidFill>
+                  <a:schemeClr val="tx2"/>
+                </a:solidFill>
+              </a:rPr>
               <a:t>&lt;String, </a:t>
             </a:r>
             <a:r>
-              <a:rPr lang="fr-FR" sz="1200" b="1" dirty="0" err="1"/>
+              <a:rPr lang="fr-FR" sz="1200" b="1" dirty="0" err="1">
+                <a:solidFill>
+                  <a:schemeClr val="tx2"/>
+                </a:solidFill>
+              </a:rPr>
               <a:t>Integer</a:t>
             </a:r>
             <a:r>
-              <a:rPr lang="fr-FR" sz="1200" b="1" dirty="0"/>
+              <a:rPr lang="fr-FR" sz="1200" b="1" dirty="0">
+                <a:solidFill>
+                  <a:schemeClr val="tx2"/>
+                </a:solidFill>
+              </a:rPr>
               <a:t>&gt; </a:t>
             </a:r>
             <a:r>
-              <a:rPr lang="fr-FR" sz="1200" b="1" dirty="0" err="1"/>
+              <a:rPr lang="fr-FR" sz="1200" b="1" dirty="0" err="1">
+                <a:solidFill>
+                  <a:schemeClr val="tx2"/>
+                </a:solidFill>
+              </a:rPr>
               <a:t>sortSymptoms</a:t>
             </a:r>
             <a:r>
-              <a:rPr lang="fr-FR" sz="1200" b="1" dirty="0"/>
+              <a:rPr lang="fr-FR" sz="1200" b="1" dirty="0">
+                <a:solidFill>
+                  <a:schemeClr val="tx2"/>
+                </a:solidFill>
+              </a:rPr>
               <a:t>(</a:t>
             </a:r>
             <a:r>
-              <a:rPr lang="fr-FR" sz="1200" b="1" dirty="0" err="1"/>
+              <a:rPr lang="fr-FR" sz="1200" b="1" dirty="0" err="1">
+                <a:solidFill>
+                  <a:schemeClr val="tx2"/>
+                </a:solidFill>
+              </a:rPr>
               <a:t>Map</a:t>
             </a:r>
             <a:r>
-              <a:rPr lang="fr-FR" sz="1200" b="1" dirty="0"/>
+              <a:rPr lang="fr-FR" sz="1200" b="1" dirty="0">
+                <a:solidFill>
+                  <a:schemeClr val="tx2"/>
+                </a:solidFill>
+              </a:rPr>
               <a:t>&lt;String, </a:t>
             </a:r>
             <a:r>
-              <a:rPr lang="fr-FR" sz="1200" b="1" dirty="0" err="1"/>
+              <a:rPr lang="fr-FR" sz="1200" b="1" dirty="0" err="1">
+                <a:solidFill>
+                  <a:schemeClr val="tx2"/>
+                </a:solidFill>
+              </a:rPr>
               <a:t>Integer</a:t>
             </a:r>
             <a:r>
-              <a:rPr lang="fr-FR" sz="1200" b="1" dirty="0"/>
+              <a:rPr lang="fr-FR" sz="1200" b="1" dirty="0">
+                <a:solidFill>
+                  <a:schemeClr val="tx2"/>
+                </a:solidFill>
+              </a:rPr>
               <a:t>&gt; </a:t>
             </a:r>
             <a:r>
-              <a:rPr lang="fr-FR" sz="1200" b="1" dirty="0" err="1"/>
+              <a:rPr lang="fr-FR" sz="1200" b="1" dirty="0" err="1">
+                <a:solidFill>
+                  <a:schemeClr val="tx2"/>
+                </a:solidFill>
+              </a:rPr>
               <a:t>groupedSymptoms</a:t>
             </a:r>
             <a:r>
-              <a:rPr lang="fr-FR" sz="1200" b="1" dirty="0"/>
+              <a:rPr lang="fr-FR" sz="1200" b="1" dirty="0">
+                <a:solidFill>
+                  <a:schemeClr val="tx2"/>
+                </a:solidFill>
+              </a:rPr>
               <a:t>) {        </a:t>
             </a:r>
           </a:p>
           <a:p>
             <a:pPr lvl="3"/>
             <a:r>
-              <a:rPr lang="fr-FR" sz="1200" dirty="0"/>
+              <a:rPr lang="fr-FR" sz="1200" dirty="0">
+                <a:solidFill>
+                  <a:schemeClr val="tx2"/>
+                </a:solidFill>
+              </a:rPr>
               <a:t>        </a:t>
             </a:r>
           </a:p>
           <a:p>
             <a:pPr lvl="3"/>
             <a:r>
-              <a:rPr lang="fr-FR" sz="1200" dirty="0"/>
+              <a:rPr lang="fr-FR" sz="1200" dirty="0">
+                <a:solidFill>
+                  <a:schemeClr val="tx2"/>
+                </a:solidFill>
+              </a:rPr>
               <a:t>    </a:t>
             </a:r>
             <a:r>
-              <a:rPr lang="fr-FR" sz="1200" dirty="0" err="1"/>
+              <a:rPr lang="fr-FR" sz="1200" dirty="0" err="1">
+                <a:solidFill>
+                  <a:schemeClr val="tx2"/>
+                </a:solidFill>
+              </a:rPr>
               <a:t>Map</a:t>
             </a:r>
             <a:r>
-              <a:rPr lang="fr-FR" sz="1200" dirty="0"/>
+              <a:rPr lang="fr-FR" sz="1200" dirty="0">
+                <a:solidFill>
+                  <a:schemeClr val="tx2"/>
+                </a:solidFill>
+              </a:rPr>
               <a:t>&lt;String, </a:t>
             </a:r>
             <a:r>
-              <a:rPr lang="fr-FR" sz="1200" dirty="0" err="1"/>
+              <a:rPr lang="fr-FR" sz="1200" dirty="0" err="1">
+                <a:solidFill>
+                  <a:schemeClr val="tx2"/>
+                </a:solidFill>
+              </a:rPr>
               <a:t>Integer</a:t>
             </a:r>
             <a:r>
-              <a:rPr lang="fr-FR" sz="1200" dirty="0"/>
+              <a:rPr lang="fr-FR" sz="1200" dirty="0">
+                <a:solidFill>
+                  <a:schemeClr val="tx2"/>
+                </a:solidFill>
+              </a:rPr>
               <a:t>&gt; </a:t>
             </a:r>
             <a:r>
-              <a:rPr lang="fr-FR" sz="1200" dirty="0" err="1"/>
+              <a:rPr lang="fr-FR" sz="1200" dirty="0" err="1">
+                <a:solidFill>
+                  <a:schemeClr val="tx2"/>
+                </a:solidFill>
+              </a:rPr>
               <a:t>result</a:t>
             </a:r>
             <a:r>
-              <a:rPr lang="fr-FR" sz="1200" dirty="0"/>
+              <a:rPr lang="fr-FR" sz="1200" dirty="0">
+                <a:solidFill>
+                  <a:schemeClr val="tx2"/>
+                </a:solidFill>
+              </a:rPr>
               <a:t> = </a:t>
             </a:r>
             <a:r>
-              <a:rPr lang="fr-FR" sz="1200" b="1" dirty="0"/>
+              <a:rPr lang="fr-FR" sz="1200" b="1" dirty="0">
+                <a:solidFill>
+                  <a:schemeClr val="tx2"/>
+                </a:solidFill>
+              </a:rPr>
               <a:t>new </a:t>
             </a:r>
             <a:r>
-              <a:rPr lang="fr-FR" sz="1200" b="1" dirty="0" err="1"/>
+              <a:rPr lang="fr-FR" sz="1200" b="1" dirty="0" err="1">
+                <a:solidFill>
+                  <a:schemeClr val="tx2"/>
+                </a:solidFill>
+              </a:rPr>
               <a:t>LinkedHashMap</a:t>
             </a:r>
             <a:r>
-              <a:rPr lang="fr-FR" sz="1200" b="1" dirty="0"/>
+              <a:rPr lang="fr-FR" sz="1200" b="1" dirty="0">
+                <a:solidFill>
+                  <a:schemeClr val="tx2"/>
+                </a:solidFill>
+              </a:rPr>
               <a:t>&lt;&gt;();</a:t>
             </a:r>
           </a:p>
           <a:p>
             <a:pPr lvl="3"/>
             <a:r>
-              <a:rPr lang="fr-FR" sz="1200" dirty="0"/>
+              <a:rPr lang="fr-FR" sz="1200" dirty="0">
+                <a:solidFill>
+                  <a:schemeClr val="tx2"/>
+                </a:solidFill>
+              </a:rPr>
               <a:t>        </a:t>
             </a:r>
             <a:r>
-              <a:rPr lang="fr-FR" sz="1200" dirty="0" err="1"/>
+              <a:rPr lang="fr-FR" sz="1200" dirty="0" err="1">
+                <a:solidFill>
+                  <a:schemeClr val="tx2"/>
+                </a:solidFill>
+              </a:rPr>
               <a:t>groupedSymptoms.entrySet</a:t>
             </a:r>
             <a:r>
-              <a:rPr lang="fr-FR" sz="1200" dirty="0"/>
+              <a:rPr lang="fr-FR" sz="1200" dirty="0">
+                <a:solidFill>
+                  <a:schemeClr val="tx2"/>
+                </a:solidFill>
+              </a:rPr>
               <a:t>().</a:t>
             </a:r>
             <a:r>
-              <a:rPr lang="fr-FR" sz="1200" dirty="0" err="1"/>
+              <a:rPr lang="fr-FR" sz="1200" dirty="0" err="1">
+                <a:solidFill>
+                  <a:schemeClr val="tx2"/>
+                </a:solidFill>
+              </a:rPr>
               <a:t>stream</a:t>
             </a:r>
             <a:r>
-              <a:rPr lang="fr-FR" sz="1200" dirty="0"/>
+              <a:rPr lang="fr-FR" sz="1200" dirty="0">
+                <a:solidFill>
+                  <a:schemeClr val="tx2"/>
+                </a:solidFill>
+              </a:rPr>
               <a:t>()</a:t>
             </a:r>
           </a:p>
           <a:p>
             <a:pPr lvl="3"/>
             <a:r>
-              <a:rPr lang="fr-FR" sz="1200" dirty="0"/>
+              <a:rPr lang="fr-FR" sz="1200" dirty="0">
+                <a:solidFill>
+                  <a:schemeClr val="tx2"/>
+                </a:solidFill>
+              </a:rPr>
               <a:t>                .</a:t>
             </a:r>
             <a:r>
-              <a:rPr lang="fr-FR" sz="1200" dirty="0" err="1"/>
+              <a:rPr lang="fr-FR" sz="1200" dirty="0" err="1">
+                <a:solidFill>
+                  <a:schemeClr val="tx2"/>
+                </a:solidFill>
+              </a:rPr>
               <a:t>sorted</a:t>
             </a:r>
             <a:r>
-              <a:rPr lang="fr-FR" sz="1200" dirty="0"/>
+              <a:rPr lang="fr-FR" sz="1200" dirty="0">
+                <a:solidFill>
+                  <a:schemeClr val="tx2"/>
+                </a:solidFill>
+              </a:rPr>
               <a:t>(</a:t>
             </a:r>
             <a:r>
-              <a:rPr lang="fr-FR" sz="1200" dirty="0" err="1"/>
+              <a:rPr lang="fr-FR" sz="1200" dirty="0" err="1">
+                <a:solidFill>
+                  <a:schemeClr val="tx2"/>
+                </a:solidFill>
+              </a:rPr>
               <a:t>Map.Entry.</a:t>
             </a:r>
             <a:r>
-              <a:rPr lang="fr-FR" sz="1200" i="1" dirty="0" err="1"/>
+              <a:rPr lang="fr-FR" sz="1200" i="1" dirty="0" err="1">
+                <a:solidFill>
+                  <a:schemeClr val="tx2"/>
+                </a:solidFill>
+              </a:rPr>
               <a:t>comparingByKey</a:t>
             </a:r>
             <a:r>
-              <a:rPr lang="fr-FR" sz="1200" i="1" dirty="0"/>
+              <a:rPr lang="fr-FR" sz="1200" i="1" dirty="0">
+                <a:solidFill>
+                  <a:schemeClr val="tx2"/>
+                </a:solidFill>
+              </a:rPr>
               <a:t>())</a:t>
             </a:r>
           </a:p>
           <a:p>
             <a:pPr lvl="3"/>
             <a:r>
-              <a:rPr lang="fr-FR" sz="1200" dirty="0"/>
+              <a:rPr lang="fr-FR" sz="1200" dirty="0">
+                <a:solidFill>
+                  <a:schemeClr val="tx2"/>
+                </a:solidFill>
+              </a:rPr>
               <a:t>                .</a:t>
             </a:r>
             <a:r>
-              <a:rPr lang="fr-FR" sz="1200" dirty="0" err="1"/>
+              <a:rPr lang="fr-FR" sz="1200" dirty="0" err="1">
+                <a:solidFill>
+                  <a:schemeClr val="tx2"/>
+                </a:solidFill>
+              </a:rPr>
               <a:t>forEachOrdered</a:t>
             </a:r>
             <a:r>
-              <a:rPr lang="fr-FR" sz="1200" dirty="0"/>
+              <a:rPr lang="fr-FR" sz="1200" dirty="0">
+                <a:solidFill>
+                  <a:schemeClr val="tx2"/>
+                </a:solidFill>
+              </a:rPr>
               <a:t>(x -&gt; </a:t>
             </a:r>
             <a:r>
-              <a:rPr lang="fr-FR" sz="1200" dirty="0" err="1"/>
+              <a:rPr lang="fr-FR" sz="1200" dirty="0" err="1">
+                <a:solidFill>
+                  <a:schemeClr val="tx2"/>
+                </a:solidFill>
+              </a:rPr>
               <a:t>result.put</a:t>
             </a:r>
             <a:r>
-              <a:rPr lang="fr-FR" sz="1200" dirty="0"/>
+              <a:rPr lang="fr-FR" sz="1200" dirty="0">
+                <a:solidFill>
+                  <a:schemeClr val="tx2"/>
+                </a:solidFill>
+              </a:rPr>
               <a:t>(</a:t>
             </a:r>
             <a:r>
-              <a:rPr lang="fr-FR" sz="1200" dirty="0" err="1"/>
+              <a:rPr lang="fr-FR" sz="1200" dirty="0" err="1">
+                <a:solidFill>
+                  <a:schemeClr val="tx2"/>
+                </a:solidFill>
+              </a:rPr>
               <a:t>x.getKey</a:t>
             </a:r>
             <a:r>
-              <a:rPr lang="fr-FR" sz="1200" dirty="0"/>
+              <a:rPr lang="fr-FR" sz="1200" dirty="0">
+                <a:solidFill>
+                  <a:schemeClr val="tx2"/>
+                </a:solidFill>
+              </a:rPr>
               <a:t>(), </a:t>
             </a:r>
             <a:r>
-              <a:rPr lang="fr-FR" sz="1200" dirty="0" err="1"/>
+              <a:rPr lang="fr-FR" sz="1200" dirty="0" err="1">
+                <a:solidFill>
+                  <a:schemeClr val="tx2"/>
+                </a:solidFill>
+              </a:rPr>
               <a:t>x.getValue</a:t>
             </a:r>
             <a:r>
-              <a:rPr lang="fr-FR" sz="1200" dirty="0"/>
+              <a:rPr lang="fr-FR" sz="1200" dirty="0">
+                <a:solidFill>
+                  <a:schemeClr val="tx2"/>
+                </a:solidFill>
+              </a:rPr>
               <a:t>()));     </a:t>
             </a:r>
           </a:p>
           <a:p>
             <a:pPr lvl="3"/>
             <a:r>
-              <a:rPr lang="fr-FR" sz="1200" dirty="0"/>
+              <a:rPr lang="fr-FR" sz="1200" dirty="0">
+                <a:solidFill>
+                  <a:schemeClr val="tx2"/>
+                </a:solidFill>
+              </a:rPr>
               <a:t>        </a:t>
             </a:r>
             <a:r>
-              <a:rPr lang="fr-FR" sz="1200" b="1" dirty="0"/>
+              <a:rPr lang="fr-FR" sz="1200" b="1" dirty="0">
+                <a:solidFill>
+                  <a:schemeClr val="tx2"/>
+                </a:solidFill>
+              </a:rPr>
               <a:t>return </a:t>
             </a:r>
             <a:r>
-              <a:rPr lang="fr-FR" sz="1200" b="1" dirty="0" err="1"/>
+              <a:rPr lang="fr-FR" sz="1200" b="1" dirty="0" err="1">
+                <a:solidFill>
+                  <a:schemeClr val="tx2"/>
+                </a:solidFill>
+              </a:rPr>
               <a:t>result</a:t>
             </a:r>
             <a:r>
-              <a:rPr lang="fr-FR" sz="1200" b="1" dirty="0"/>
+              <a:rPr lang="fr-FR" sz="1200" b="1" dirty="0">
+                <a:solidFill>
+                  <a:schemeClr val="tx2"/>
+                </a:solidFill>
+              </a:rPr>
               <a:t>;</a:t>
             </a:r>
           </a:p>
           <a:p>
             <a:pPr lvl="3"/>
             <a:r>
-              <a:rPr lang="fr-FR" sz="1200" dirty="0"/>
+              <a:rPr lang="fr-FR" sz="1200" dirty="0">
+                <a:solidFill>
+                  <a:schemeClr val="tx2"/>
+                </a:solidFill>
+              </a:rPr>
               <a:t>        </a:t>
             </a:r>
           </a:p>
           <a:p>
             <a:pPr lvl="3"/>
             <a:r>
-              <a:rPr lang="fr-FR" sz="1200" dirty="0"/>
+              <a:rPr lang="fr-FR" sz="1200" dirty="0">
+                <a:solidFill>
+                  <a:schemeClr val="tx2"/>
+                </a:solidFill>
+              </a:rPr>
               <a:t>    }</a:t>
             </a:r>
             <a:endParaRPr lang="fr-FR" sz="1200" b="1" dirty="0" smtClean="0">
@@ -5095,227 +5495,430 @@
               <a:t> </a:t>
             </a:r>
             <a:r>
-              <a:rPr lang="en-US" sz="1200" b="1" dirty="0"/>
+              <a:rPr lang="en-US" sz="1200" b="1" dirty="0">
+                <a:solidFill>
+                  <a:schemeClr val="tx2"/>
+                </a:solidFill>
+              </a:rPr>
               <a:t>public static void main(String </a:t>
             </a:r>
             <a:r>
-              <a:rPr lang="en-US" sz="1200" b="1" dirty="0" err="1"/>
+              <a:rPr lang="en-US" sz="1200" b="1" dirty="0" err="1">
+                <a:solidFill>
+                  <a:schemeClr val="tx2"/>
+                </a:solidFill>
+              </a:rPr>
               <a:t>args</a:t>
             </a:r>
             <a:r>
-              <a:rPr lang="en-US" sz="1200" b="1" u="sng" dirty="0"/>
+              <a:rPr lang="en-US" sz="1200" b="1" u="sng" dirty="0">
+                <a:solidFill>
+                  <a:schemeClr val="tx2"/>
+                </a:solidFill>
+              </a:rPr>
               <a:t>[]) {</a:t>
             </a:r>
           </a:p>
           <a:p>
             <a:pPr lvl="1"/>
-            <a:endParaRPr lang="fr-FR" sz="1200" dirty="0"/>
+            <a:endParaRPr lang="fr-FR" sz="1200" dirty="0">
+              <a:solidFill>
+                <a:schemeClr val="tx2"/>
+              </a:solidFill>
+            </a:endParaRPr>
           </a:p>
           <a:p>
             <a:pPr lvl="2"/>
             <a:r>
-              <a:rPr lang="fr-FR" sz="1200" dirty="0" err="1"/>
+              <a:rPr lang="fr-FR" sz="1200" dirty="0" err="1">
+                <a:solidFill>
+                  <a:schemeClr val="tx2"/>
+                </a:solidFill>
+              </a:rPr>
               <a:t>ISymptomReader</a:t>
             </a:r>
             <a:r>
-              <a:rPr lang="fr-FR" sz="1200" dirty="0"/>
+              <a:rPr lang="fr-FR" sz="1200" dirty="0">
+                <a:solidFill>
+                  <a:schemeClr val="tx2"/>
+                </a:solidFill>
+              </a:rPr>
               <a:t> </a:t>
             </a:r>
             <a:r>
-              <a:rPr lang="fr-FR" sz="1200" dirty="0" err="1"/>
+              <a:rPr lang="fr-FR" sz="1200" dirty="0" err="1">
+                <a:solidFill>
+                  <a:schemeClr val="tx2"/>
+                </a:solidFill>
+              </a:rPr>
               <a:t>rsdff</a:t>
             </a:r>
             <a:r>
-              <a:rPr lang="fr-FR" sz="1200" dirty="0"/>
+              <a:rPr lang="fr-FR" sz="1200" dirty="0">
+                <a:solidFill>
+                  <a:schemeClr val="tx2"/>
+                </a:solidFill>
+              </a:rPr>
               <a:t> = </a:t>
             </a:r>
             <a:r>
-              <a:rPr lang="fr-FR" sz="1200" b="1" dirty="0"/>
+              <a:rPr lang="fr-FR" sz="1200" b="1" dirty="0">
+                <a:solidFill>
+                  <a:schemeClr val="tx2"/>
+                </a:solidFill>
+              </a:rPr>
               <a:t>new </a:t>
             </a:r>
             <a:r>
-              <a:rPr lang="fr-FR" sz="1200" b="1" dirty="0" err="1"/>
+              <a:rPr lang="fr-FR" sz="1200" b="1" dirty="0" err="1">
+                <a:solidFill>
+                  <a:schemeClr val="tx2"/>
+                </a:solidFill>
+              </a:rPr>
               <a:t>ReadSymptomDataFromFile</a:t>
             </a:r>
             <a:r>
-              <a:rPr lang="fr-FR" sz="1200" b="1" dirty="0"/>
+              <a:rPr lang="fr-FR" sz="1200" b="1" dirty="0">
+                <a:solidFill>
+                  <a:schemeClr val="tx2"/>
+                </a:solidFill>
+              </a:rPr>
               <a:t>();</a:t>
             </a:r>
           </a:p>
           <a:p>
             <a:pPr lvl="2"/>
             <a:r>
-              <a:rPr lang="fr-FR" sz="1200" dirty="0"/>
+              <a:rPr lang="fr-FR" sz="1200" dirty="0">
+                <a:solidFill>
+                  <a:schemeClr val="tx2"/>
+                </a:solidFill>
+              </a:rPr>
               <a:t>List&lt;String&gt; </a:t>
             </a:r>
             <a:r>
-              <a:rPr lang="fr-FR" sz="1200" dirty="0" err="1"/>
+              <a:rPr lang="fr-FR" sz="1200" dirty="0" err="1">
+                <a:solidFill>
+                  <a:schemeClr val="tx2"/>
+                </a:solidFill>
+              </a:rPr>
               <a:t>symptoms</a:t>
             </a:r>
             <a:r>
-              <a:rPr lang="fr-FR" sz="1200" dirty="0"/>
+              <a:rPr lang="fr-FR" sz="1200" dirty="0">
+                <a:solidFill>
+                  <a:schemeClr val="tx2"/>
+                </a:solidFill>
+              </a:rPr>
               <a:t> = </a:t>
             </a:r>
             <a:r>
-              <a:rPr lang="fr-FR" sz="1200" dirty="0" err="1"/>
+              <a:rPr lang="fr-FR" sz="1200" dirty="0" err="1">
+                <a:solidFill>
+                  <a:schemeClr val="tx2"/>
+                </a:solidFill>
+              </a:rPr>
               <a:t>rsdff.getSymptoms</a:t>
             </a:r>
             <a:r>
-              <a:rPr lang="fr-FR" sz="1200" dirty="0"/>
+              <a:rPr lang="fr-FR" sz="1200" dirty="0">
+                <a:solidFill>
+                  <a:schemeClr val="tx2"/>
+                </a:solidFill>
+              </a:rPr>
               <a:t>("./Project02Eclipse/symptoms.txt");</a:t>
             </a:r>
           </a:p>
           <a:p>
             <a:pPr lvl="2"/>
-            <a:endParaRPr lang="fr-FR" sz="1200" dirty="0"/>
+            <a:endParaRPr lang="fr-FR" sz="1200" dirty="0">
+              <a:solidFill>
+                <a:schemeClr val="tx2"/>
+              </a:solidFill>
+            </a:endParaRPr>
           </a:p>
           <a:p>
             <a:pPr lvl="2"/>
             <a:r>
-              <a:rPr lang="fr-FR" sz="1200" dirty="0" err="1"/>
+              <a:rPr lang="fr-FR" sz="1200" dirty="0" err="1">
+                <a:solidFill>
+                  <a:schemeClr val="tx2"/>
+                </a:solidFill>
+              </a:rPr>
               <a:t>AnalyticsCounter</a:t>
             </a:r>
             <a:r>
-              <a:rPr lang="fr-FR" sz="1200" dirty="0"/>
+              <a:rPr lang="fr-FR" sz="1200" dirty="0">
+                <a:solidFill>
+                  <a:schemeClr val="tx2"/>
+                </a:solidFill>
+              </a:rPr>
               <a:t> </a:t>
             </a:r>
             <a:r>
-              <a:rPr lang="fr-FR" sz="1200" dirty="0" err="1"/>
+              <a:rPr lang="fr-FR" sz="1200" dirty="0" err="1">
+                <a:solidFill>
+                  <a:schemeClr val="tx2"/>
+                </a:solidFill>
+              </a:rPr>
               <a:t>analyticsCounter</a:t>
             </a:r>
             <a:r>
-              <a:rPr lang="fr-FR" sz="1200" dirty="0"/>
+              <a:rPr lang="fr-FR" sz="1200" dirty="0">
+                <a:solidFill>
+                  <a:schemeClr val="tx2"/>
+                </a:solidFill>
+              </a:rPr>
               <a:t> = </a:t>
             </a:r>
             <a:r>
-              <a:rPr lang="fr-FR" sz="1200" b="1" dirty="0"/>
+              <a:rPr lang="fr-FR" sz="1200" b="1" dirty="0">
+                <a:solidFill>
+                  <a:schemeClr val="tx2"/>
+                </a:solidFill>
+              </a:rPr>
               <a:t>new </a:t>
             </a:r>
             <a:r>
-              <a:rPr lang="fr-FR" sz="1200" b="1" dirty="0" err="1"/>
+              <a:rPr lang="fr-FR" sz="1200" b="1" dirty="0" err="1">
+                <a:solidFill>
+                  <a:schemeClr val="tx2"/>
+                </a:solidFill>
+              </a:rPr>
               <a:t>AnalyticsCounter</a:t>
             </a:r>
             <a:r>
-              <a:rPr lang="fr-FR" sz="1200" b="1" dirty="0"/>
+              <a:rPr lang="fr-FR" sz="1200" b="1" dirty="0">
+                <a:solidFill>
+                  <a:schemeClr val="tx2"/>
+                </a:solidFill>
+              </a:rPr>
               <a:t>();</a:t>
             </a:r>
           </a:p>
           <a:p>
             <a:pPr lvl="2"/>
             <a:r>
-              <a:rPr lang="fr-FR" sz="1200" dirty="0" err="1"/>
+              <a:rPr lang="fr-FR" sz="1200" dirty="0" err="1">
+                <a:solidFill>
+                  <a:schemeClr val="tx2"/>
+                </a:solidFill>
+              </a:rPr>
               <a:t>Map</a:t>
             </a:r>
             <a:r>
-              <a:rPr lang="fr-FR" sz="1200" dirty="0"/>
+              <a:rPr lang="fr-FR" sz="1200" dirty="0">
+                <a:solidFill>
+                  <a:schemeClr val="tx2"/>
+                </a:solidFill>
+              </a:rPr>
               <a:t>&lt;String, </a:t>
             </a:r>
             <a:r>
-              <a:rPr lang="fr-FR" sz="1200" dirty="0" err="1"/>
+              <a:rPr lang="fr-FR" sz="1200" dirty="0" err="1">
+                <a:solidFill>
+                  <a:schemeClr val="tx2"/>
+                </a:solidFill>
+              </a:rPr>
               <a:t>Integer</a:t>
             </a:r>
             <a:r>
-              <a:rPr lang="fr-FR" sz="1200" dirty="0"/>
+              <a:rPr lang="fr-FR" sz="1200" dirty="0">
+                <a:solidFill>
+                  <a:schemeClr val="tx2"/>
+                </a:solidFill>
+              </a:rPr>
               <a:t>&gt; </a:t>
             </a:r>
             <a:r>
-              <a:rPr lang="fr-FR" sz="1200" dirty="0" err="1"/>
+              <a:rPr lang="fr-FR" sz="1200" dirty="0" err="1">
+                <a:solidFill>
+                  <a:schemeClr val="tx2"/>
+                </a:solidFill>
+              </a:rPr>
               <a:t>groupedSymptoms</a:t>
             </a:r>
             <a:r>
-              <a:rPr lang="fr-FR" sz="1200" dirty="0"/>
+              <a:rPr lang="fr-FR" sz="1200" dirty="0">
+                <a:solidFill>
+                  <a:schemeClr val="tx2"/>
+                </a:solidFill>
+              </a:rPr>
               <a:t> = </a:t>
             </a:r>
             <a:r>
-              <a:rPr lang="fr-FR" sz="1200" dirty="0" err="1"/>
+              <a:rPr lang="fr-FR" sz="1200" dirty="0" err="1">
+                <a:solidFill>
+                  <a:schemeClr val="tx2"/>
+                </a:solidFill>
+              </a:rPr>
               <a:t>analyticsCounter.groupSymptoms</a:t>
             </a:r>
             <a:r>
-              <a:rPr lang="fr-FR" sz="1200" dirty="0"/>
+              <a:rPr lang="fr-FR" sz="1200" dirty="0">
+                <a:solidFill>
+                  <a:schemeClr val="tx2"/>
+                </a:solidFill>
+              </a:rPr>
               <a:t>(</a:t>
             </a:r>
             <a:r>
-              <a:rPr lang="fr-FR" sz="1200" dirty="0" err="1"/>
+              <a:rPr lang="fr-FR" sz="1200" dirty="0" err="1">
+                <a:solidFill>
+                  <a:schemeClr val="tx2"/>
+                </a:solidFill>
+              </a:rPr>
               <a:t>symptoms</a:t>
             </a:r>
             <a:r>
-              <a:rPr lang="fr-FR" sz="1200" dirty="0"/>
+              <a:rPr lang="fr-FR" sz="1200" dirty="0">
+                <a:solidFill>
+                  <a:schemeClr val="tx2"/>
+                </a:solidFill>
+              </a:rPr>
               <a:t>);</a:t>
             </a:r>
           </a:p>
           <a:p>
             <a:pPr lvl="2"/>
-            <a:endParaRPr lang="fr-FR" sz="1200" dirty="0"/>
+            <a:endParaRPr lang="fr-FR" sz="1200" dirty="0">
+              <a:solidFill>
+                <a:schemeClr val="tx2"/>
+              </a:solidFill>
+            </a:endParaRPr>
           </a:p>
           <a:p>
             <a:pPr lvl="2"/>
             <a:r>
-              <a:rPr lang="fr-FR" sz="1200" dirty="0" err="1"/>
+              <a:rPr lang="fr-FR" sz="1200" dirty="0" err="1">
+                <a:solidFill>
+                  <a:schemeClr val="tx2"/>
+                </a:solidFill>
+              </a:rPr>
               <a:t>groupedSymptoms</a:t>
             </a:r>
             <a:r>
-              <a:rPr lang="fr-FR" sz="1200" dirty="0"/>
+              <a:rPr lang="fr-FR" sz="1200" dirty="0">
+                <a:solidFill>
+                  <a:schemeClr val="tx2"/>
+                </a:solidFill>
+              </a:rPr>
               <a:t> = </a:t>
             </a:r>
             <a:r>
-              <a:rPr lang="fr-FR" sz="1200" dirty="0" err="1"/>
+              <a:rPr lang="fr-FR" sz="1200" dirty="0" err="1">
+                <a:solidFill>
+                  <a:schemeClr val="tx2"/>
+                </a:solidFill>
+              </a:rPr>
               <a:t>analyticsCounter.sortSymptoms</a:t>
             </a:r>
             <a:r>
-              <a:rPr lang="fr-FR" sz="1200" dirty="0"/>
+              <a:rPr lang="fr-FR" sz="1200" dirty="0">
+                <a:solidFill>
+                  <a:schemeClr val="tx2"/>
+                </a:solidFill>
+              </a:rPr>
               <a:t>(</a:t>
             </a:r>
             <a:r>
-              <a:rPr lang="fr-FR" sz="1200" dirty="0" err="1"/>
+              <a:rPr lang="fr-FR" sz="1200" dirty="0" err="1">
+                <a:solidFill>
+                  <a:schemeClr val="tx2"/>
+                </a:solidFill>
+              </a:rPr>
               <a:t>groupedSymptoms</a:t>
             </a:r>
             <a:r>
-              <a:rPr lang="fr-FR" sz="1200" dirty="0"/>
+              <a:rPr lang="fr-FR" sz="1200" dirty="0">
+                <a:solidFill>
+                  <a:schemeClr val="tx2"/>
+                </a:solidFill>
+              </a:rPr>
               <a:t>);</a:t>
             </a:r>
           </a:p>
           <a:p>
             <a:pPr lvl="2"/>
-            <a:endParaRPr lang="fr-FR" sz="1200" dirty="0"/>
+            <a:endParaRPr lang="fr-FR" sz="1200" dirty="0">
+              <a:solidFill>
+                <a:schemeClr val="tx2"/>
+              </a:solidFill>
+            </a:endParaRPr>
           </a:p>
           <a:p>
             <a:pPr lvl="2"/>
             <a:r>
-              <a:rPr lang="fr-FR" sz="1200" dirty="0" err="1"/>
+              <a:rPr lang="fr-FR" sz="1200" dirty="0" err="1">
+                <a:solidFill>
+                  <a:schemeClr val="tx2"/>
+                </a:solidFill>
+              </a:rPr>
               <a:t>rsdff.writeFile</a:t>
             </a:r>
             <a:r>
-              <a:rPr lang="fr-FR" sz="1200" dirty="0"/>
+              <a:rPr lang="fr-FR" sz="1200" dirty="0">
+                <a:solidFill>
+                  <a:schemeClr val="tx2"/>
+                </a:solidFill>
+              </a:rPr>
               <a:t>("./Project02Eclipse/</a:t>
             </a:r>
             <a:r>
-              <a:rPr lang="fr-FR" sz="1200" dirty="0" err="1"/>
+              <a:rPr lang="fr-FR" sz="1200" dirty="0" err="1">
+                <a:solidFill>
+                  <a:schemeClr val="tx2"/>
+                </a:solidFill>
+              </a:rPr>
               <a:t>result.out</a:t>
             </a:r>
             <a:r>
-              <a:rPr lang="fr-FR" sz="1200" dirty="0"/>
+              <a:rPr lang="fr-FR" sz="1200" dirty="0">
+                <a:solidFill>
+                  <a:schemeClr val="tx2"/>
+                </a:solidFill>
+              </a:rPr>
               <a:t>", </a:t>
             </a:r>
             <a:r>
-              <a:rPr lang="fr-FR" sz="1200" dirty="0" err="1"/>
+              <a:rPr lang="fr-FR" sz="1200" dirty="0" err="1">
+                <a:solidFill>
+                  <a:schemeClr val="tx2"/>
+                </a:solidFill>
+              </a:rPr>
               <a:t>groupedSymptoms</a:t>
             </a:r>
             <a:r>
-              <a:rPr lang="fr-FR" sz="1200" dirty="0"/>
+              <a:rPr lang="fr-FR" sz="1200" dirty="0">
+                <a:solidFill>
+                  <a:schemeClr val="tx2"/>
+                </a:solidFill>
+              </a:rPr>
               <a:t>);</a:t>
             </a:r>
           </a:p>
           <a:p>
             <a:pPr lvl="1"/>
-            <a:endParaRPr lang="fr-FR" sz="1200" dirty="0"/>
+            <a:endParaRPr lang="fr-FR" sz="1200" dirty="0">
+              <a:solidFill>
+                <a:schemeClr val="tx2"/>
+              </a:solidFill>
+            </a:endParaRPr>
           </a:p>
           <a:p>
             <a:pPr lvl="1"/>
             <a:r>
-              <a:rPr lang="fr-FR" sz="1200" dirty="0"/>
+              <a:rPr lang="fr-FR" sz="1200" dirty="0">
+                <a:solidFill>
+                  <a:schemeClr val="tx2"/>
+                </a:solidFill>
+              </a:rPr>
               <a:t>}</a:t>
             </a:r>
             <a:endParaRPr lang="fr-FR" sz="1200" dirty="0" smtClean="0">
+              <a:solidFill>
+                <a:schemeClr val="tx2"/>
+              </a:solidFill>
               <a:latin typeface="Tahoma" pitchFamily="34" charset="0"/>
               <a:ea typeface="Tahoma" pitchFamily="34" charset="0"/>
               <a:cs typeface="Tahoma" pitchFamily="34" charset="0"/>
@@ -6447,7 +7050,7 @@
         <p:spPr>
           <a:xfrm>
             <a:off x="179512" y="764704"/>
-            <a:ext cx="8640960" cy="2308324"/>
+            <a:ext cx="8640960" cy="1519455"/>
           </a:xfrm>
           <a:prstGeom prst="rect">
             <a:avLst/>
@@ -6466,52 +7069,12 @@
               </a:lnSpc>
             </a:pPr>
             <a:r>
-              <a:rPr lang="fr-FR" sz="1600" dirty="0" err="1">
-                <a:latin typeface="Tahoma" pitchFamily="34" charset="0"/>
-                <a:ea typeface="Tahoma" pitchFamily="34" charset="0"/>
-                <a:cs typeface="Tahoma" pitchFamily="34" charset="0"/>
-              </a:rPr>
-              <a:t>Heme</a:t>
-            </a:r>
-            <a:r>
-              <a:rPr lang="fr-FR" sz="1600" dirty="0">
-                <a:latin typeface="Tahoma" pitchFamily="34" charset="0"/>
-                <a:ea typeface="Tahoma" pitchFamily="34" charset="0"/>
-                <a:cs typeface="Tahoma" pitchFamily="34" charset="0"/>
-              </a:rPr>
-              <a:t> </a:t>
-            </a:r>
-            <a:r>
-              <a:rPr lang="fr-FR" sz="1600" dirty="0" err="1">
-                <a:latin typeface="Tahoma" pitchFamily="34" charset="0"/>
-                <a:ea typeface="Tahoma" pitchFamily="34" charset="0"/>
-                <a:cs typeface="Tahoma" pitchFamily="34" charset="0"/>
-              </a:rPr>
-              <a:t>Biotech</a:t>
-            </a:r>
-            <a:r>
-              <a:rPr lang="fr-FR" sz="1600" dirty="0">
-                <a:latin typeface="Tahoma" pitchFamily="34" charset="0"/>
-                <a:ea typeface="Tahoma" pitchFamily="34" charset="0"/>
-                <a:cs typeface="Tahoma" pitchFamily="34" charset="0"/>
-              </a:rPr>
-              <a:t> est une entreprise de petite taille, réputée dans le secteur </a:t>
-            </a:r>
-            <a:r>
               <a:rPr lang="fr-FR" sz="1600" dirty="0" smtClean="0">
                 <a:latin typeface="Tahoma" pitchFamily="34" charset="0"/>
                 <a:ea typeface="Tahoma" pitchFamily="34" charset="0"/>
                 <a:cs typeface="Tahoma" pitchFamily="34" charset="0"/>
               </a:rPr>
-              <a:t>pharmaceutique. Elle est spécialisée dans le </a:t>
-            </a:r>
-            <a:r>
-              <a:rPr lang="fr-FR" sz="1600" dirty="0">
-                <a:latin typeface="Tahoma" pitchFamily="34" charset="0"/>
-                <a:ea typeface="Tahoma" pitchFamily="34" charset="0"/>
-                <a:cs typeface="Tahoma" pitchFamily="34" charset="0"/>
-              </a:rPr>
-              <a:t>traitement des troubles sanguins chez l’humain et l’animal</a:t>
+              <a:t>En </a:t>
             </a:r>
             <a:r>
               <a:rPr lang="fr-FR" sz="1600" dirty="0" smtClean="0">
@@ -6519,22 +7082,7 @@
                 <a:ea typeface="Tahoma" pitchFamily="34" charset="0"/>
                 <a:cs typeface="Tahoma" pitchFamily="34" charset="0"/>
               </a:rPr>
-              <a:t>.</a:t>
-            </a:r>
-          </a:p>
-          <a:p>
-            <a:pPr algn="just">
-              <a:lnSpc>
-                <a:spcPct val="150000"/>
-              </a:lnSpc>
-            </a:pPr>
-            <a:r>
-              <a:rPr lang="fr-FR" sz="1600" dirty="0" smtClean="0">
-                <a:latin typeface="Tahoma" pitchFamily="34" charset="0"/>
-                <a:ea typeface="Tahoma" pitchFamily="34" charset="0"/>
-                <a:cs typeface="Tahoma" pitchFamily="34" charset="0"/>
-              </a:rPr>
-              <a:t>En vue d’améliorer la prédiction de ses besoins</a:t>
+              <a:t>vue d’améliorer la prédiction de ses besoins</a:t>
             </a:r>
             <a:r>
               <a:rPr lang="fr-FR" sz="1600" dirty="0">
@@ -8027,7 +8575,7 @@
         <p:spPr>
           <a:xfrm>
             <a:off x="179512" y="764704"/>
-            <a:ext cx="8640960" cy="6867265"/>
+            <a:ext cx="8640960" cy="6913431"/>
           </a:xfrm>
           <a:prstGeom prst="rect">
             <a:avLst/>
@@ -8051,15 +8599,16 @@
                 <a:ea typeface="Tahoma" pitchFamily="34" charset="0"/>
                 <a:cs typeface="Tahoma" pitchFamily="34" charset="0"/>
               </a:rPr>
-              <a:t>Le code écrit par Alex présente trois différentes parties qui sont :</a:t>
-            </a:r>
-          </a:p>
-          <a:p>
-            <a:pPr algn="just">
-              <a:lnSpc>
-                <a:spcPct val="150000"/>
-              </a:lnSpc>
-            </a:pPr>
+              <a:t>Le code écrit par Alex présente trois différentes parties qui sont </a:t>
+            </a:r>
+            <a:r>
+              <a:rPr lang="fr-FR" sz="1600" dirty="0" smtClean="0">
+                <a:latin typeface="Tahoma" pitchFamily="34" charset="0"/>
+                <a:ea typeface="Tahoma" pitchFamily="34" charset="0"/>
+                <a:cs typeface="Tahoma" pitchFamily="34" charset="0"/>
+              </a:rPr>
+              <a:t>:</a:t>
+            </a:r>
             <a:endParaRPr lang="fr-FR" sz="1600" dirty="0" smtClean="0">
               <a:latin typeface="Tahoma" pitchFamily="34" charset="0"/>
               <a:ea typeface="Tahoma" pitchFamily="34" charset="0"/>
@@ -8088,7 +8637,7 @@
               </a:lnSpc>
             </a:pPr>
             <a:r>
-              <a:rPr lang="en-US" sz="1200" b="1" dirty="0" err="1" smtClean="0">
+              <a:rPr lang="en-US" sz="1050" b="1" dirty="0" err="1" smtClean="0">
                 <a:solidFill>
                   <a:schemeClr val="accent1">
                     <a:lumMod val="75000"/>
@@ -8101,7 +8650,7 @@
               <a:t>BufferedReader</a:t>
             </a:r>
             <a:r>
-              <a:rPr lang="en-US" sz="1200" b="1" dirty="0" smtClean="0">
+              <a:rPr lang="en-US" sz="1050" b="1" dirty="0" smtClean="0">
                 <a:solidFill>
                   <a:schemeClr val="accent1">
                     <a:lumMod val="75000"/>
@@ -8114,7 +8663,7 @@
               <a:t> </a:t>
             </a:r>
             <a:r>
-              <a:rPr lang="en-US" sz="1200" b="1" dirty="0">
+              <a:rPr lang="en-US" sz="1050" b="1" dirty="0">
                 <a:solidFill>
                   <a:schemeClr val="accent1">
                     <a:lumMod val="75000"/>
@@ -8127,7 +8676,7 @@
               <a:t>reader = new </a:t>
             </a:r>
             <a:r>
-              <a:rPr lang="en-US" sz="1200" b="1" dirty="0" err="1">
+              <a:rPr lang="en-US" sz="1050" b="1" dirty="0" err="1">
                 <a:solidFill>
                   <a:schemeClr val="accent1">
                     <a:lumMod val="75000"/>
@@ -8140,7 +8689,7 @@
               <a:t>BufferedReader</a:t>
             </a:r>
             <a:r>
-              <a:rPr lang="en-US" sz="1200" b="1" dirty="0">
+              <a:rPr lang="en-US" sz="1050" b="1" dirty="0">
                 <a:solidFill>
                   <a:schemeClr val="accent1">
                     <a:lumMod val="75000"/>
@@ -8153,7 +8702,7 @@
               <a:t> (new </a:t>
             </a:r>
             <a:r>
-              <a:rPr lang="en-US" sz="1200" b="1" dirty="0" err="1">
+              <a:rPr lang="en-US" sz="1050" b="1" dirty="0" err="1">
                 <a:solidFill>
                   <a:schemeClr val="accent1">
                     <a:lumMod val="75000"/>
@@ -8166,7 +8715,7 @@
               <a:t>FileReader</a:t>
             </a:r>
             <a:r>
-              <a:rPr lang="en-US" sz="1200" b="1" dirty="0">
+              <a:rPr lang="en-US" sz="1050" b="1" dirty="0">
                 <a:solidFill>
                   <a:schemeClr val="accent1">
                     <a:lumMod val="75000"/>
@@ -8186,7 +8735,7 @@
               </a:lnSpc>
             </a:pPr>
             <a:r>
-              <a:rPr lang="en-US" sz="1200" b="1" dirty="0" smtClean="0">
+              <a:rPr lang="en-US" sz="1050" b="1" dirty="0" smtClean="0">
                 <a:solidFill>
                   <a:schemeClr val="accent1">
                     <a:lumMod val="75000"/>
@@ -8199,7 +8748,7 @@
               <a:t>String </a:t>
             </a:r>
             <a:r>
-              <a:rPr lang="en-US" sz="1200" b="1" dirty="0">
+              <a:rPr lang="en-US" sz="1050" b="1" dirty="0">
                 <a:solidFill>
                   <a:schemeClr val="accent1">
                     <a:lumMod val="75000"/>
@@ -8212,7 +8761,7 @@
               <a:t>line = </a:t>
             </a:r>
             <a:r>
-              <a:rPr lang="en-US" sz="1200" b="1" dirty="0" err="1">
+              <a:rPr lang="en-US" sz="1050" b="1" dirty="0" err="1">
                 <a:solidFill>
                   <a:schemeClr val="accent1">
                     <a:lumMod val="75000"/>
@@ -8225,7 +8774,7 @@
               <a:t>reader.readLine</a:t>
             </a:r>
             <a:r>
-              <a:rPr lang="en-US" sz="1200" b="1" dirty="0">
+              <a:rPr lang="en-US" sz="1050" b="1" dirty="0">
                 <a:solidFill>
                   <a:schemeClr val="accent1">
                     <a:lumMod val="75000"/>
@@ -8237,7 +8786,7 @@
               </a:rPr>
               <a:t>();</a:t>
             </a:r>
-            <a:endParaRPr lang="fr-FR" sz="1200" b="1" dirty="0">
+            <a:endParaRPr lang="fr-FR" sz="1050" b="1" dirty="0">
               <a:solidFill>
                 <a:schemeClr val="accent1">
                   <a:lumMod val="75000"/>
@@ -8282,11 +8831,9 @@
               </a:lnSpc>
             </a:pPr>
             <a:r>
-              <a:rPr lang="fr-FR" sz="1050" dirty="0" smtClean="0">
-                <a:solidFill>
-                  <a:schemeClr val="accent1">
-                    <a:lumMod val="75000"/>
-                  </a:schemeClr>
+              <a:rPr lang="fr-FR" sz="1050" b="1" dirty="0" smtClean="0">
+                <a:solidFill>
+                  <a:schemeClr val="tx2"/>
                 </a:solidFill>
                 <a:latin typeface="Tahoma" pitchFamily="34" charset="0"/>
                 <a:ea typeface="Tahoma" pitchFamily="34" charset="0"/>
@@ -8295,11 +8842,9 @@
               <a:t>                    </a:t>
             </a:r>
             <a:r>
-              <a:rPr lang="fr-FR" sz="1050" dirty="0" err="1" smtClean="0">
-                <a:solidFill>
-                  <a:schemeClr val="accent1">
-                    <a:lumMod val="75000"/>
-                  </a:schemeClr>
+              <a:rPr lang="fr-FR" sz="1050" b="1" dirty="0" err="1" smtClean="0">
+                <a:solidFill>
+                  <a:schemeClr val="tx2"/>
                 </a:solidFill>
                 <a:latin typeface="Tahoma" pitchFamily="34" charset="0"/>
                 <a:ea typeface="Tahoma" pitchFamily="34" charset="0"/>
@@ -8308,11 +8853,9 @@
               <a:t>while</a:t>
             </a:r>
             <a:r>
-              <a:rPr lang="fr-FR" sz="1050" dirty="0" smtClean="0">
-                <a:solidFill>
-                  <a:schemeClr val="accent1">
-                    <a:lumMod val="75000"/>
-                  </a:schemeClr>
+              <a:rPr lang="fr-FR" sz="1050" b="1" dirty="0" smtClean="0">
+                <a:solidFill>
+                  <a:schemeClr val="tx2"/>
                 </a:solidFill>
                 <a:latin typeface="Tahoma" pitchFamily="34" charset="0"/>
                 <a:ea typeface="Tahoma" pitchFamily="34" charset="0"/>
@@ -8321,11 +8864,9 @@
               <a:t> </a:t>
             </a:r>
             <a:r>
-              <a:rPr lang="fr-FR" sz="1050" dirty="0">
-                <a:solidFill>
-                  <a:schemeClr val="accent1">
-                    <a:lumMod val="75000"/>
-                  </a:schemeClr>
+              <a:rPr lang="fr-FR" sz="1050" b="1" dirty="0">
+                <a:solidFill>
+                  <a:schemeClr val="tx2"/>
                 </a:solidFill>
                 <a:latin typeface="Tahoma" pitchFamily="34" charset="0"/>
                 <a:ea typeface="Tahoma" pitchFamily="34" charset="0"/>
@@ -8334,11 +8875,9 @@
               <a:t>(line != </a:t>
             </a:r>
             <a:r>
-              <a:rPr lang="fr-FR" sz="1050" dirty="0" err="1">
-                <a:solidFill>
-                  <a:schemeClr val="accent1">
-                    <a:lumMod val="75000"/>
-                  </a:schemeClr>
+              <a:rPr lang="fr-FR" sz="1050" b="1" dirty="0" err="1">
+                <a:solidFill>
+                  <a:schemeClr val="tx2"/>
                 </a:solidFill>
                 <a:latin typeface="Tahoma" pitchFamily="34" charset="0"/>
                 <a:ea typeface="Tahoma" pitchFamily="34" charset="0"/>
@@ -8347,11 +8886,9 @@
               <a:t>null</a:t>
             </a:r>
             <a:r>
-              <a:rPr lang="fr-FR" sz="1050" dirty="0">
-                <a:solidFill>
-                  <a:schemeClr val="accent1">
-                    <a:lumMod val="75000"/>
-                  </a:schemeClr>
+              <a:rPr lang="fr-FR" sz="1050" b="1" dirty="0">
+                <a:solidFill>
+                  <a:schemeClr val="tx2"/>
                 </a:solidFill>
                 <a:latin typeface="Tahoma" pitchFamily="34" charset="0"/>
                 <a:ea typeface="Tahoma" pitchFamily="34" charset="0"/>
@@ -8359,6 +8896,1020 @@
               </a:rPr>
               <a:t>) {</a:t>
             </a:r>
+          </a:p>
+          <a:p>
+            <a:pPr lvl="1" algn="just">
+              <a:lnSpc>
+                <a:spcPct val="150000"/>
+              </a:lnSpc>
+            </a:pPr>
+            <a:r>
+              <a:rPr lang="fr-FR" sz="1050" b="1" dirty="0">
+                <a:solidFill>
+                  <a:schemeClr val="tx2"/>
+                </a:solidFill>
+                <a:latin typeface="Tahoma" pitchFamily="34" charset="0"/>
+                <a:ea typeface="Tahoma" pitchFamily="34" charset="0"/>
+                <a:cs typeface="Tahoma" pitchFamily="34" charset="0"/>
+              </a:rPr>
+              <a:t>		</a:t>
+            </a:r>
+            <a:r>
+              <a:rPr lang="fr-FR" sz="1050" b="1" dirty="0" smtClean="0">
+                <a:solidFill>
+                  <a:schemeClr val="tx2"/>
+                </a:solidFill>
+                <a:latin typeface="Tahoma" pitchFamily="34" charset="0"/>
+                <a:ea typeface="Tahoma" pitchFamily="34" charset="0"/>
+                <a:cs typeface="Tahoma" pitchFamily="34" charset="0"/>
+              </a:rPr>
+              <a:t>   i</a:t>
+            </a:r>
+            <a:r>
+              <a:rPr lang="fr-FR" sz="1050" b="1" dirty="0">
+                <a:solidFill>
+                  <a:schemeClr val="tx2"/>
+                </a:solidFill>
+                <a:latin typeface="Tahoma" pitchFamily="34" charset="0"/>
+                <a:ea typeface="Tahoma" pitchFamily="34" charset="0"/>
+                <a:cs typeface="Tahoma" pitchFamily="34" charset="0"/>
+              </a:rPr>
+              <a:t>++;	// </a:t>
+            </a:r>
+            <a:r>
+              <a:rPr lang="fr-FR" sz="1050" b="1" dirty="0" err="1">
+                <a:solidFill>
+                  <a:schemeClr val="tx2"/>
+                </a:solidFill>
+                <a:latin typeface="Tahoma" pitchFamily="34" charset="0"/>
+                <a:ea typeface="Tahoma" pitchFamily="34" charset="0"/>
+                <a:cs typeface="Tahoma" pitchFamily="34" charset="0"/>
+              </a:rPr>
+              <a:t>increment</a:t>
+            </a:r>
+            <a:r>
+              <a:rPr lang="fr-FR" sz="1050" b="1" dirty="0">
+                <a:solidFill>
+                  <a:schemeClr val="tx2"/>
+                </a:solidFill>
+                <a:latin typeface="Tahoma" pitchFamily="34" charset="0"/>
+                <a:ea typeface="Tahoma" pitchFamily="34" charset="0"/>
+                <a:cs typeface="Tahoma" pitchFamily="34" charset="0"/>
+              </a:rPr>
+              <a:t> i</a:t>
+            </a:r>
+          </a:p>
+          <a:p>
+            <a:pPr lvl="1" algn="just">
+              <a:lnSpc>
+                <a:spcPct val="150000"/>
+              </a:lnSpc>
+            </a:pPr>
+            <a:r>
+              <a:rPr lang="fr-FR" sz="1050" b="1" dirty="0">
+                <a:solidFill>
+                  <a:schemeClr val="tx2"/>
+                </a:solidFill>
+                <a:latin typeface="Tahoma" pitchFamily="34" charset="0"/>
+                <a:ea typeface="Tahoma" pitchFamily="34" charset="0"/>
+                <a:cs typeface="Tahoma" pitchFamily="34" charset="0"/>
+              </a:rPr>
+              <a:t>		</a:t>
+            </a:r>
+            <a:r>
+              <a:rPr lang="fr-FR" sz="1050" b="1" dirty="0" smtClean="0">
+                <a:solidFill>
+                  <a:schemeClr val="tx2"/>
+                </a:solidFill>
+                <a:latin typeface="Tahoma" pitchFamily="34" charset="0"/>
+                <a:ea typeface="Tahoma" pitchFamily="34" charset="0"/>
+                <a:cs typeface="Tahoma" pitchFamily="34" charset="0"/>
+              </a:rPr>
+              <a:t>   </a:t>
+            </a:r>
+            <a:r>
+              <a:rPr lang="fr-FR" sz="1050" b="1" dirty="0" err="1" smtClean="0">
+                <a:solidFill>
+                  <a:schemeClr val="tx2"/>
+                </a:solidFill>
+                <a:latin typeface="Tahoma" pitchFamily="34" charset="0"/>
+                <a:ea typeface="Tahoma" pitchFamily="34" charset="0"/>
+                <a:cs typeface="Tahoma" pitchFamily="34" charset="0"/>
+              </a:rPr>
+              <a:t>System.out.println</a:t>
+            </a:r>
+            <a:r>
+              <a:rPr lang="fr-FR" sz="1050" b="1" dirty="0">
+                <a:solidFill>
+                  <a:schemeClr val="tx2"/>
+                </a:solidFill>
+                <a:latin typeface="Tahoma" pitchFamily="34" charset="0"/>
+                <a:ea typeface="Tahoma" pitchFamily="34" charset="0"/>
+                <a:cs typeface="Tahoma" pitchFamily="34" charset="0"/>
+              </a:rPr>
+              <a:t>("</a:t>
+            </a:r>
+            <a:r>
+              <a:rPr lang="fr-FR" sz="1050" b="1" dirty="0" err="1">
+                <a:solidFill>
+                  <a:schemeClr val="tx2"/>
+                </a:solidFill>
+                <a:latin typeface="Tahoma" pitchFamily="34" charset="0"/>
+                <a:ea typeface="Tahoma" pitchFamily="34" charset="0"/>
+                <a:cs typeface="Tahoma" pitchFamily="34" charset="0"/>
+              </a:rPr>
+              <a:t>symptom</a:t>
+            </a:r>
+            <a:r>
+              <a:rPr lang="fr-FR" sz="1050" b="1" dirty="0">
+                <a:solidFill>
+                  <a:schemeClr val="tx2"/>
+                </a:solidFill>
+                <a:latin typeface="Tahoma" pitchFamily="34" charset="0"/>
+                <a:ea typeface="Tahoma" pitchFamily="34" charset="0"/>
+                <a:cs typeface="Tahoma" pitchFamily="34" charset="0"/>
+              </a:rPr>
+              <a:t> </a:t>
+            </a:r>
+            <a:r>
+              <a:rPr lang="fr-FR" sz="1050" b="1" dirty="0" err="1">
+                <a:solidFill>
+                  <a:schemeClr val="tx2"/>
+                </a:solidFill>
+                <a:latin typeface="Tahoma" pitchFamily="34" charset="0"/>
+                <a:ea typeface="Tahoma" pitchFamily="34" charset="0"/>
+                <a:cs typeface="Tahoma" pitchFamily="34" charset="0"/>
+              </a:rPr>
+              <a:t>from</a:t>
+            </a:r>
+            <a:r>
+              <a:rPr lang="fr-FR" sz="1050" b="1" dirty="0">
+                <a:solidFill>
+                  <a:schemeClr val="tx2"/>
+                </a:solidFill>
+                <a:latin typeface="Tahoma" pitchFamily="34" charset="0"/>
+                <a:ea typeface="Tahoma" pitchFamily="34" charset="0"/>
+                <a:cs typeface="Tahoma" pitchFamily="34" charset="0"/>
+              </a:rPr>
+              <a:t> file: " + line);</a:t>
+            </a:r>
+          </a:p>
+          <a:p>
+            <a:pPr lvl="1" algn="just">
+              <a:lnSpc>
+                <a:spcPct val="150000"/>
+              </a:lnSpc>
+            </a:pPr>
+            <a:r>
+              <a:rPr lang="fr-FR" sz="1050" b="1" dirty="0">
+                <a:solidFill>
+                  <a:schemeClr val="tx2"/>
+                </a:solidFill>
+                <a:latin typeface="Tahoma" pitchFamily="34" charset="0"/>
+                <a:ea typeface="Tahoma" pitchFamily="34" charset="0"/>
+                <a:cs typeface="Tahoma" pitchFamily="34" charset="0"/>
+              </a:rPr>
+              <a:t>		</a:t>
+            </a:r>
+            <a:r>
+              <a:rPr lang="fr-FR" sz="1050" b="1" dirty="0" smtClean="0">
+                <a:solidFill>
+                  <a:schemeClr val="tx2"/>
+                </a:solidFill>
+                <a:latin typeface="Tahoma" pitchFamily="34" charset="0"/>
+                <a:ea typeface="Tahoma" pitchFamily="34" charset="0"/>
+                <a:cs typeface="Tahoma" pitchFamily="34" charset="0"/>
+              </a:rPr>
+              <a:t>  </a:t>
+            </a:r>
+            <a:endParaRPr lang="fr-FR" sz="1050" b="1" dirty="0" smtClean="0">
+              <a:solidFill>
+                <a:schemeClr val="tx2"/>
+              </a:solidFill>
+              <a:latin typeface="Tahoma" pitchFamily="34" charset="0"/>
+              <a:ea typeface="Tahoma" pitchFamily="34" charset="0"/>
+              <a:cs typeface="Tahoma" pitchFamily="34" charset="0"/>
+            </a:endParaRPr>
+          </a:p>
+          <a:p>
+            <a:pPr lvl="1" algn="just">
+              <a:lnSpc>
+                <a:spcPct val="150000"/>
+              </a:lnSpc>
+            </a:pPr>
+            <a:r>
+              <a:rPr lang="fr-FR" sz="1050" b="1" dirty="0">
+                <a:solidFill>
+                  <a:schemeClr val="tx2"/>
+                </a:solidFill>
+                <a:latin typeface="Tahoma" pitchFamily="34" charset="0"/>
+                <a:ea typeface="Tahoma" pitchFamily="34" charset="0"/>
+                <a:cs typeface="Tahoma" pitchFamily="34" charset="0"/>
+              </a:rPr>
+              <a:t>	</a:t>
+            </a:r>
+            <a:r>
+              <a:rPr lang="fr-FR" sz="1050" b="1" dirty="0" smtClean="0">
+                <a:solidFill>
+                  <a:schemeClr val="tx2"/>
+                </a:solidFill>
+                <a:latin typeface="Tahoma" pitchFamily="34" charset="0"/>
+                <a:ea typeface="Tahoma" pitchFamily="34" charset="0"/>
+                <a:cs typeface="Tahoma" pitchFamily="34" charset="0"/>
+              </a:rPr>
+              <a:t>	  </a:t>
+            </a:r>
+            <a:r>
+              <a:rPr lang="fr-FR" sz="1050" b="1" dirty="0" smtClean="0">
+                <a:solidFill>
+                  <a:schemeClr val="tx2"/>
+                </a:solidFill>
+                <a:latin typeface="Tahoma" pitchFamily="34" charset="0"/>
+                <a:ea typeface="Tahoma" pitchFamily="34" charset="0"/>
+                <a:cs typeface="Tahoma" pitchFamily="34" charset="0"/>
+              </a:rPr>
+              <a:t>   if </a:t>
+            </a:r>
+            <a:r>
+              <a:rPr lang="fr-FR" sz="1050" b="1" dirty="0">
+                <a:solidFill>
+                  <a:schemeClr val="tx2"/>
+                </a:solidFill>
+                <a:latin typeface="Tahoma" pitchFamily="34" charset="0"/>
+                <a:ea typeface="Tahoma" pitchFamily="34" charset="0"/>
+                <a:cs typeface="Tahoma" pitchFamily="34" charset="0"/>
+              </a:rPr>
+              <a:t>(</a:t>
+            </a:r>
+            <a:r>
+              <a:rPr lang="fr-FR" sz="1050" b="1" dirty="0" err="1">
+                <a:solidFill>
+                  <a:schemeClr val="tx2"/>
+                </a:solidFill>
+                <a:latin typeface="Tahoma" pitchFamily="34" charset="0"/>
+                <a:ea typeface="Tahoma" pitchFamily="34" charset="0"/>
+                <a:cs typeface="Tahoma" pitchFamily="34" charset="0"/>
+              </a:rPr>
+              <a:t>line.equals</a:t>
+            </a:r>
+            <a:r>
+              <a:rPr lang="fr-FR" sz="1050" b="1" dirty="0">
+                <a:solidFill>
+                  <a:schemeClr val="tx2"/>
+                </a:solidFill>
+                <a:latin typeface="Tahoma" pitchFamily="34" charset="0"/>
+                <a:ea typeface="Tahoma" pitchFamily="34" charset="0"/>
+                <a:cs typeface="Tahoma" pitchFamily="34" charset="0"/>
+              </a:rPr>
+              <a:t>("</a:t>
+            </a:r>
+            <a:r>
+              <a:rPr lang="fr-FR" sz="1050" b="1" dirty="0" err="1">
+                <a:solidFill>
+                  <a:schemeClr val="tx2"/>
+                </a:solidFill>
+                <a:latin typeface="Tahoma" pitchFamily="34" charset="0"/>
+                <a:ea typeface="Tahoma" pitchFamily="34" charset="0"/>
+                <a:cs typeface="Tahoma" pitchFamily="34" charset="0"/>
+              </a:rPr>
+              <a:t>headache</a:t>
+            </a:r>
+            <a:r>
+              <a:rPr lang="fr-FR" sz="1050" b="1" dirty="0">
+                <a:solidFill>
+                  <a:schemeClr val="tx2"/>
+                </a:solidFill>
+                <a:latin typeface="Tahoma" pitchFamily="34" charset="0"/>
+                <a:ea typeface="Tahoma" pitchFamily="34" charset="0"/>
+                <a:cs typeface="Tahoma" pitchFamily="34" charset="0"/>
+              </a:rPr>
+              <a:t>")) {</a:t>
+            </a:r>
+          </a:p>
+          <a:p>
+            <a:pPr lvl="1" algn="just">
+              <a:lnSpc>
+                <a:spcPct val="150000"/>
+              </a:lnSpc>
+            </a:pPr>
+            <a:r>
+              <a:rPr lang="fr-FR" sz="1050" b="1" dirty="0">
+                <a:solidFill>
+                  <a:schemeClr val="tx2"/>
+                </a:solidFill>
+                <a:latin typeface="Tahoma" pitchFamily="34" charset="0"/>
+                <a:ea typeface="Tahoma" pitchFamily="34" charset="0"/>
+                <a:cs typeface="Tahoma" pitchFamily="34" charset="0"/>
+              </a:rPr>
+              <a:t>		</a:t>
+            </a:r>
+            <a:r>
+              <a:rPr lang="fr-FR" sz="1050" b="1" dirty="0" smtClean="0">
+                <a:solidFill>
+                  <a:schemeClr val="tx2"/>
+                </a:solidFill>
+                <a:latin typeface="Tahoma" pitchFamily="34" charset="0"/>
+                <a:ea typeface="Tahoma" pitchFamily="34" charset="0"/>
+                <a:cs typeface="Tahoma" pitchFamily="34" charset="0"/>
+              </a:rPr>
+              <a:t>         </a:t>
+            </a:r>
+            <a:r>
+              <a:rPr lang="fr-FR" sz="1050" b="1" dirty="0" err="1" smtClean="0">
+                <a:solidFill>
+                  <a:schemeClr val="tx2"/>
+                </a:solidFill>
+                <a:latin typeface="Tahoma" pitchFamily="34" charset="0"/>
+                <a:ea typeface="Tahoma" pitchFamily="34" charset="0"/>
+                <a:cs typeface="Tahoma" pitchFamily="34" charset="0"/>
+              </a:rPr>
+              <a:t>headCount</a:t>
+            </a:r>
+            <a:r>
+              <a:rPr lang="fr-FR" sz="1050" b="1" dirty="0">
+                <a:solidFill>
+                  <a:schemeClr val="tx2"/>
+                </a:solidFill>
+                <a:latin typeface="Tahoma" pitchFamily="34" charset="0"/>
+                <a:ea typeface="Tahoma" pitchFamily="34" charset="0"/>
+                <a:cs typeface="Tahoma" pitchFamily="34" charset="0"/>
+              </a:rPr>
+              <a:t>++;</a:t>
+            </a:r>
+          </a:p>
+          <a:p>
+            <a:pPr lvl="1" algn="just">
+              <a:lnSpc>
+                <a:spcPct val="150000"/>
+              </a:lnSpc>
+            </a:pPr>
+            <a:r>
+              <a:rPr lang="fr-FR" sz="1050" b="1" dirty="0">
+                <a:solidFill>
+                  <a:schemeClr val="tx2"/>
+                </a:solidFill>
+                <a:latin typeface="Tahoma" pitchFamily="34" charset="0"/>
+                <a:ea typeface="Tahoma" pitchFamily="34" charset="0"/>
+                <a:cs typeface="Tahoma" pitchFamily="34" charset="0"/>
+              </a:rPr>
+              <a:t>		</a:t>
+            </a:r>
+            <a:r>
+              <a:rPr lang="fr-FR" sz="1050" b="1" dirty="0" smtClean="0">
+                <a:solidFill>
+                  <a:schemeClr val="tx2"/>
+                </a:solidFill>
+                <a:latin typeface="Tahoma" pitchFamily="34" charset="0"/>
+                <a:ea typeface="Tahoma" pitchFamily="34" charset="0"/>
+                <a:cs typeface="Tahoma" pitchFamily="34" charset="0"/>
+              </a:rPr>
+              <a:t>         </a:t>
+            </a:r>
+            <a:r>
+              <a:rPr lang="fr-FR" sz="1050" b="1" dirty="0" err="1" smtClean="0">
+                <a:solidFill>
+                  <a:schemeClr val="tx2"/>
+                </a:solidFill>
+                <a:latin typeface="Tahoma" pitchFamily="34" charset="0"/>
+                <a:ea typeface="Tahoma" pitchFamily="34" charset="0"/>
+                <a:cs typeface="Tahoma" pitchFamily="34" charset="0"/>
+              </a:rPr>
+              <a:t>System.out.println</a:t>
+            </a:r>
+            <a:r>
+              <a:rPr lang="fr-FR" sz="1050" b="1" dirty="0">
+                <a:solidFill>
+                  <a:schemeClr val="tx2"/>
+                </a:solidFill>
+                <a:latin typeface="Tahoma" pitchFamily="34" charset="0"/>
+                <a:ea typeface="Tahoma" pitchFamily="34" charset="0"/>
+                <a:cs typeface="Tahoma" pitchFamily="34" charset="0"/>
+              </a:rPr>
+              <a:t>("</a:t>
+            </a:r>
+            <a:r>
+              <a:rPr lang="fr-FR" sz="1050" b="1" dirty="0" err="1">
+                <a:solidFill>
+                  <a:schemeClr val="tx2"/>
+                </a:solidFill>
+                <a:latin typeface="Tahoma" pitchFamily="34" charset="0"/>
+                <a:ea typeface="Tahoma" pitchFamily="34" charset="0"/>
+                <a:cs typeface="Tahoma" pitchFamily="34" charset="0"/>
+              </a:rPr>
+              <a:t>number</a:t>
+            </a:r>
+            <a:r>
+              <a:rPr lang="fr-FR" sz="1050" b="1" dirty="0">
+                <a:solidFill>
+                  <a:schemeClr val="tx2"/>
+                </a:solidFill>
+                <a:latin typeface="Tahoma" pitchFamily="34" charset="0"/>
+                <a:ea typeface="Tahoma" pitchFamily="34" charset="0"/>
+                <a:cs typeface="Tahoma" pitchFamily="34" charset="0"/>
+              </a:rPr>
+              <a:t> of </a:t>
+            </a:r>
+            <a:r>
+              <a:rPr lang="fr-FR" sz="1050" b="1" dirty="0" err="1">
+                <a:solidFill>
+                  <a:schemeClr val="tx2"/>
+                </a:solidFill>
+                <a:latin typeface="Tahoma" pitchFamily="34" charset="0"/>
+                <a:ea typeface="Tahoma" pitchFamily="34" charset="0"/>
+                <a:cs typeface="Tahoma" pitchFamily="34" charset="0"/>
+              </a:rPr>
+              <a:t>headaches</a:t>
+            </a:r>
+            <a:r>
+              <a:rPr lang="fr-FR" sz="1050" b="1" dirty="0">
+                <a:solidFill>
+                  <a:schemeClr val="tx2"/>
+                </a:solidFill>
+                <a:latin typeface="Tahoma" pitchFamily="34" charset="0"/>
+                <a:ea typeface="Tahoma" pitchFamily="34" charset="0"/>
+                <a:cs typeface="Tahoma" pitchFamily="34" charset="0"/>
+              </a:rPr>
+              <a:t>: " + </a:t>
+            </a:r>
+            <a:r>
+              <a:rPr lang="fr-FR" sz="1050" b="1" dirty="0" err="1">
+                <a:solidFill>
+                  <a:schemeClr val="tx2"/>
+                </a:solidFill>
+                <a:latin typeface="Tahoma" pitchFamily="34" charset="0"/>
+                <a:ea typeface="Tahoma" pitchFamily="34" charset="0"/>
+                <a:cs typeface="Tahoma" pitchFamily="34" charset="0"/>
+              </a:rPr>
+              <a:t>headCount</a:t>
+            </a:r>
+            <a:r>
+              <a:rPr lang="fr-FR" sz="1050" b="1" dirty="0">
+                <a:solidFill>
+                  <a:schemeClr val="tx2"/>
+                </a:solidFill>
+                <a:latin typeface="Tahoma" pitchFamily="34" charset="0"/>
+                <a:ea typeface="Tahoma" pitchFamily="34" charset="0"/>
+                <a:cs typeface="Tahoma" pitchFamily="34" charset="0"/>
+              </a:rPr>
+              <a:t>);</a:t>
+            </a:r>
+          </a:p>
+          <a:p>
+            <a:pPr lvl="1" algn="just">
+              <a:lnSpc>
+                <a:spcPct val="150000"/>
+              </a:lnSpc>
+            </a:pPr>
+            <a:r>
+              <a:rPr lang="fr-FR" sz="1050" b="1" dirty="0">
+                <a:solidFill>
+                  <a:schemeClr val="tx2"/>
+                </a:solidFill>
+                <a:latin typeface="Tahoma" pitchFamily="34" charset="0"/>
+                <a:ea typeface="Tahoma" pitchFamily="34" charset="0"/>
+                <a:cs typeface="Tahoma" pitchFamily="34" charset="0"/>
+              </a:rPr>
+              <a:t>		</a:t>
+            </a:r>
+            <a:r>
+              <a:rPr lang="fr-FR" sz="1050" b="1" dirty="0" smtClean="0">
+                <a:solidFill>
+                  <a:schemeClr val="tx2"/>
+                </a:solidFill>
+                <a:latin typeface="Tahoma" pitchFamily="34" charset="0"/>
+                <a:ea typeface="Tahoma" pitchFamily="34" charset="0"/>
+                <a:cs typeface="Tahoma" pitchFamily="34" charset="0"/>
+              </a:rPr>
+              <a:t>     </a:t>
+            </a:r>
+            <a:r>
+              <a:rPr lang="fr-FR" sz="1050" b="1" dirty="0" smtClean="0">
+                <a:solidFill>
+                  <a:schemeClr val="tx2"/>
+                </a:solidFill>
+                <a:latin typeface="Tahoma" pitchFamily="34" charset="0"/>
+                <a:ea typeface="Tahoma" pitchFamily="34" charset="0"/>
+                <a:cs typeface="Tahoma" pitchFamily="34" charset="0"/>
+              </a:rPr>
+              <a:t> }</a:t>
+            </a:r>
+            <a:endParaRPr lang="fr-FR" sz="1050" b="1" dirty="0">
+              <a:solidFill>
+                <a:schemeClr val="tx2"/>
+              </a:solidFill>
+              <a:latin typeface="Tahoma" pitchFamily="34" charset="0"/>
+              <a:ea typeface="Tahoma" pitchFamily="34" charset="0"/>
+              <a:cs typeface="Tahoma" pitchFamily="34" charset="0"/>
+            </a:endParaRPr>
+          </a:p>
+          <a:p>
+            <a:pPr lvl="1" algn="just">
+              <a:lnSpc>
+                <a:spcPct val="150000"/>
+              </a:lnSpc>
+            </a:pPr>
+            <a:r>
+              <a:rPr lang="fr-FR" sz="1050" b="1" dirty="0">
+                <a:solidFill>
+                  <a:schemeClr val="tx2"/>
+                </a:solidFill>
+                <a:latin typeface="Tahoma" pitchFamily="34" charset="0"/>
+                <a:ea typeface="Tahoma" pitchFamily="34" charset="0"/>
+                <a:cs typeface="Tahoma" pitchFamily="34" charset="0"/>
+              </a:rPr>
+              <a:t>		</a:t>
+            </a:r>
+            <a:r>
+              <a:rPr lang="fr-FR" sz="1050" b="1" dirty="0" smtClean="0">
+                <a:solidFill>
+                  <a:schemeClr val="tx2"/>
+                </a:solidFill>
+                <a:latin typeface="Tahoma" pitchFamily="34" charset="0"/>
+                <a:ea typeface="Tahoma" pitchFamily="34" charset="0"/>
+                <a:cs typeface="Tahoma" pitchFamily="34" charset="0"/>
+              </a:rPr>
+              <a:t>       </a:t>
+            </a:r>
+            <a:r>
+              <a:rPr lang="fr-FR" sz="1050" b="1" dirty="0" err="1" smtClean="0">
+                <a:solidFill>
+                  <a:schemeClr val="tx2"/>
+                </a:solidFill>
+                <a:latin typeface="Tahoma" pitchFamily="34" charset="0"/>
+                <a:ea typeface="Tahoma" pitchFamily="34" charset="0"/>
+                <a:cs typeface="Tahoma" pitchFamily="34" charset="0"/>
+              </a:rPr>
+              <a:t>else</a:t>
+            </a:r>
+            <a:r>
+              <a:rPr lang="fr-FR" sz="1050" b="1" dirty="0" smtClean="0">
+                <a:solidFill>
+                  <a:schemeClr val="tx2"/>
+                </a:solidFill>
+                <a:latin typeface="Tahoma" pitchFamily="34" charset="0"/>
+                <a:ea typeface="Tahoma" pitchFamily="34" charset="0"/>
+                <a:cs typeface="Tahoma" pitchFamily="34" charset="0"/>
+              </a:rPr>
+              <a:t> </a:t>
+            </a:r>
+            <a:r>
+              <a:rPr lang="fr-FR" sz="1050" b="1" dirty="0">
+                <a:solidFill>
+                  <a:schemeClr val="tx2"/>
+                </a:solidFill>
+                <a:latin typeface="Tahoma" pitchFamily="34" charset="0"/>
+                <a:ea typeface="Tahoma" pitchFamily="34" charset="0"/>
+                <a:cs typeface="Tahoma" pitchFamily="34" charset="0"/>
+              </a:rPr>
+              <a:t>if (</a:t>
+            </a:r>
+            <a:r>
+              <a:rPr lang="fr-FR" sz="1050" b="1" dirty="0" err="1">
+                <a:solidFill>
+                  <a:schemeClr val="tx2"/>
+                </a:solidFill>
+                <a:latin typeface="Tahoma" pitchFamily="34" charset="0"/>
+                <a:ea typeface="Tahoma" pitchFamily="34" charset="0"/>
+                <a:cs typeface="Tahoma" pitchFamily="34" charset="0"/>
+              </a:rPr>
+              <a:t>line.equals</a:t>
+            </a:r>
+            <a:r>
+              <a:rPr lang="fr-FR" sz="1050" b="1" dirty="0">
+                <a:solidFill>
+                  <a:schemeClr val="tx2"/>
+                </a:solidFill>
+                <a:latin typeface="Tahoma" pitchFamily="34" charset="0"/>
+                <a:ea typeface="Tahoma" pitchFamily="34" charset="0"/>
+                <a:cs typeface="Tahoma" pitchFamily="34" charset="0"/>
+              </a:rPr>
+              <a:t>("rush")) {</a:t>
+            </a:r>
+          </a:p>
+          <a:p>
+            <a:pPr lvl="1" algn="just">
+              <a:lnSpc>
+                <a:spcPct val="150000"/>
+              </a:lnSpc>
+            </a:pPr>
+            <a:r>
+              <a:rPr lang="fr-FR" sz="1050" b="1" dirty="0">
+                <a:solidFill>
+                  <a:schemeClr val="tx2"/>
+                </a:solidFill>
+                <a:latin typeface="Tahoma" pitchFamily="34" charset="0"/>
+                <a:ea typeface="Tahoma" pitchFamily="34" charset="0"/>
+                <a:cs typeface="Tahoma" pitchFamily="34" charset="0"/>
+              </a:rPr>
+              <a:t>		</a:t>
+            </a:r>
+            <a:r>
+              <a:rPr lang="fr-FR" sz="1050" b="1" dirty="0" smtClean="0">
+                <a:solidFill>
+                  <a:schemeClr val="tx2"/>
+                </a:solidFill>
+                <a:latin typeface="Tahoma" pitchFamily="34" charset="0"/>
+                <a:ea typeface="Tahoma" pitchFamily="34" charset="0"/>
+                <a:cs typeface="Tahoma" pitchFamily="34" charset="0"/>
+              </a:rPr>
+              <a:t>             </a:t>
+            </a:r>
+            <a:r>
+              <a:rPr lang="fr-FR" sz="1050" b="1" dirty="0" err="1" smtClean="0">
+                <a:solidFill>
+                  <a:schemeClr val="tx2"/>
+                </a:solidFill>
+                <a:latin typeface="Tahoma" pitchFamily="34" charset="0"/>
+                <a:ea typeface="Tahoma" pitchFamily="34" charset="0"/>
+                <a:cs typeface="Tahoma" pitchFamily="34" charset="0"/>
+              </a:rPr>
+              <a:t>rashCount</a:t>
+            </a:r>
+            <a:r>
+              <a:rPr lang="fr-FR" sz="1050" b="1" dirty="0">
+                <a:solidFill>
+                  <a:schemeClr val="tx2"/>
+                </a:solidFill>
+                <a:latin typeface="Tahoma" pitchFamily="34" charset="0"/>
+                <a:ea typeface="Tahoma" pitchFamily="34" charset="0"/>
+                <a:cs typeface="Tahoma" pitchFamily="34" charset="0"/>
+              </a:rPr>
+              <a:t>++;</a:t>
+            </a:r>
+          </a:p>
+          <a:p>
+            <a:pPr lvl="1" algn="just">
+              <a:lnSpc>
+                <a:spcPct val="150000"/>
+              </a:lnSpc>
+            </a:pPr>
+            <a:r>
+              <a:rPr lang="fr-FR" sz="1050" b="1" dirty="0">
+                <a:solidFill>
+                  <a:schemeClr val="tx2"/>
+                </a:solidFill>
+                <a:latin typeface="Tahoma" pitchFamily="34" charset="0"/>
+                <a:ea typeface="Tahoma" pitchFamily="34" charset="0"/>
+                <a:cs typeface="Tahoma" pitchFamily="34" charset="0"/>
+              </a:rPr>
+              <a:t>		</a:t>
+            </a:r>
+            <a:r>
+              <a:rPr lang="fr-FR" sz="1050" b="1" dirty="0" smtClean="0">
+                <a:solidFill>
+                  <a:schemeClr val="tx2"/>
+                </a:solidFill>
+                <a:latin typeface="Tahoma" pitchFamily="34" charset="0"/>
+                <a:ea typeface="Tahoma" pitchFamily="34" charset="0"/>
+                <a:cs typeface="Tahoma" pitchFamily="34" charset="0"/>
+              </a:rPr>
+              <a:t>        </a:t>
+            </a:r>
+            <a:r>
+              <a:rPr lang="fr-FR" sz="1050" b="1" dirty="0" smtClean="0">
+                <a:solidFill>
+                  <a:schemeClr val="tx2"/>
+                </a:solidFill>
+                <a:latin typeface="Tahoma" pitchFamily="34" charset="0"/>
+                <a:ea typeface="Tahoma" pitchFamily="34" charset="0"/>
+                <a:cs typeface="Tahoma" pitchFamily="34" charset="0"/>
+              </a:rPr>
+              <a:t>}</a:t>
+            </a:r>
+            <a:endParaRPr lang="fr-FR" sz="1050" b="1" dirty="0">
+              <a:solidFill>
+                <a:schemeClr val="tx2"/>
+              </a:solidFill>
+              <a:latin typeface="Tahoma" pitchFamily="34" charset="0"/>
+              <a:ea typeface="Tahoma" pitchFamily="34" charset="0"/>
+              <a:cs typeface="Tahoma" pitchFamily="34" charset="0"/>
+            </a:endParaRPr>
+          </a:p>
+          <a:p>
+            <a:pPr lvl="1" algn="just">
+              <a:lnSpc>
+                <a:spcPct val="150000"/>
+              </a:lnSpc>
+            </a:pPr>
+            <a:r>
+              <a:rPr lang="fr-FR" sz="1050" b="1" dirty="0">
+                <a:solidFill>
+                  <a:schemeClr val="tx2"/>
+                </a:solidFill>
+                <a:latin typeface="Tahoma" pitchFamily="34" charset="0"/>
+                <a:ea typeface="Tahoma" pitchFamily="34" charset="0"/>
+                <a:cs typeface="Tahoma" pitchFamily="34" charset="0"/>
+              </a:rPr>
+              <a:t>		</a:t>
+            </a:r>
+            <a:r>
+              <a:rPr lang="fr-FR" sz="1050" b="1" dirty="0" smtClean="0">
+                <a:solidFill>
+                  <a:schemeClr val="tx2"/>
+                </a:solidFill>
+                <a:latin typeface="Tahoma" pitchFamily="34" charset="0"/>
+                <a:ea typeface="Tahoma" pitchFamily="34" charset="0"/>
+                <a:cs typeface="Tahoma" pitchFamily="34" charset="0"/>
+              </a:rPr>
+              <a:t>         </a:t>
+            </a:r>
+            <a:r>
+              <a:rPr lang="fr-FR" sz="1050" b="1" dirty="0" err="1" smtClean="0">
+                <a:solidFill>
+                  <a:schemeClr val="tx2"/>
+                </a:solidFill>
+                <a:latin typeface="Tahoma" pitchFamily="34" charset="0"/>
+                <a:ea typeface="Tahoma" pitchFamily="34" charset="0"/>
+                <a:cs typeface="Tahoma" pitchFamily="34" charset="0"/>
+              </a:rPr>
+              <a:t>else</a:t>
+            </a:r>
+            <a:r>
+              <a:rPr lang="fr-FR" sz="1050" b="1" dirty="0" smtClean="0">
+                <a:solidFill>
+                  <a:schemeClr val="tx2"/>
+                </a:solidFill>
+                <a:latin typeface="Tahoma" pitchFamily="34" charset="0"/>
+                <a:ea typeface="Tahoma" pitchFamily="34" charset="0"/>
+                <a:cs typeface="Tahoma" pitchFamily="34" charset="0"/>
+              </a:rPr>
+              <a:t> </a:t>
+            </a:r>
+            <a:r>
+              <a:rPr lang="fr-FR" sz="1050" b="1" dirty="0">
+                <a:solidFill>
+                  <a:schemeClr val="tx2"/>
+                </a:solidFill>
+                <a:latin typeface="Tahoma" pitchFamily="34" charset="0"/>
+                <a:ea typeface="Tahoma" pitchFamily="34" charset="0"/>
+                <a:cs typeface="Tahoma" pitchFamily="34" charset="0"/>
+              </a:rPr>
+              <a:t>if (</a:t>
+            </a:r>
+            <a:r>
+              <a:rPr lang="fr-FR" sz="1050" b="1" dirty="0" err="1">
+                <a:solidFill>
+                  <a:schemeClr val="tx2"/>
+                </a:solidFill>
+                <a:latin typeface="Tahoma" pitchFamily="34" charset="0"/>
+                <a:ea typeface="Tahoma" pitchFamily="34" charset="0"/>
+                <a:cs typeface="Tahoma" pitchFamily="34" charset="0"/>
+              </a:rPr>
+              <a:t>line.contains</a:t>
+            </a:r>
+            <a:r>
+              <a:rPr lang="fr-FR" sz="1050" b="1" dirty="0">
+                <a:solidFill>
+                  <a:schemeClr val="tx2"/>
+                </a:solidFill>
+                <a:latin typeface="Tahoma" pitchFamily="34" charset="0"/>
+                <a:ea typeface="Tahoma" pitchFamily="34" charset="0"/>
+                <a:cs typeface="Tahoma" pitchFamily="34" charset="0"/>
+              </a:rPr>
+              <a:t>("</a:t>
+            </a:r>
+            <a:r>
+              <a:rPr lang="fr-FR" sz="1050" b="1" dirty="0" err="1">
+                <a:solidFill>
+                  <a:schemeClr val="tx2"/>
+                </a:solidFill>
+                <a:latin typeface="Tahoma" pitchFamily="34" charset="0"/>
+                <a:ea typeface="Tahoma" pitchFamily="34" charset="0"/>
+                <a:cs typeface="Tahoma" pitchFamily="34" charset="0"/>
+              </a:rPr>
+              <a:t>pupils</a:t>
+            </a:r>
+            <a:r>
+              <a:rPr lang="fr-FR" sz="1050" b="1" dirty="0">
+                <a:solidFill>
+                  <a:schemeClr val="tx2"/>
+                </a:solidFill>
+                <a:latin typeface="Tahoma" pitchFamily="34" charset="0"/>
+                <a:ea typeface="Tahoma" pitchFamily="34" charset="0"/>
+                <a:cs typeface="Tahoma" pitchFamily="34" charset="0"/>
+              </a:rPr>
+              <a:t>")) {</a:t>
+            </a:r>
+          </a:p>
+          <a:p>
+            <a:pPr lvl="1" algn="just">
+              <a:lnSpc>
+                <a:spcPct val="150000"/>
+              </a:lnSpc>
+            </a:pPr>
+            <a:r>
+              <a:rPr lang="fr-FR" sz="1050" b="1" dirty="0">
+                <a:solidFill>
+                  <a:schemeClr val="tx2"/>
+                </a:solidFill>
+                <a:latin typeface="Tahoma" pitchFamily="34" charset="0"/>
+                <a:ea typeface="Tahoma" pitchFamily="34" charset="0"/>
+                <a:cs typeface="Tahoma" pitchFamily="34" charset="0"/>
+              </a:rPr>
+              <a:t>			</a:t>
+            </a:r>
+            <a:r>
+              <a:rPr lang="fr-FR" sz="1050" b="1" dirty="0" err="1" smtClean="0">
+                <a:solidFill>
+                  <a:schemeClr val="tx2"/>
+                </a:solidFill>
+                <a:latin typeface="Tahoma" pitchFamily="34" charset="0"/>
+                <a:ea typeface="Tahoma" pitchFamily="34" charset="0"/>
+                <a:cs typeface="Tahoma" pitchFamily="34" charset="0"/>
+              </a:rPr>
+              <a:t>pupilCount</a:t>
+            </a:r>
+            <a:r>
+              <a:rPr lang="fr-FR" sz="1050" b="1" dirty="0">
+                <a:solidFill>
+                  <a:schemeClr val="tx2"/>
+                </a:solidFill>
+                <a:latin typeface="Tahoma" pitchFamily="34" charset="0"/>
+                <a:ea typeface="Tahoma" pitchFamily="34" charset="0"/>
+                <a:cs typeface="Tahoma" pitchFamily="34" charset="0"/>
+              </a:rPr>
+              <a:t>++;</a:t>
+            </a:r>
+          </a:p>
+          <a:p>
+            <a:pPr lvl="1" algn="just">
+              <a:lnSpc>
+                <a:spcPct val="150000"/>
+              </a:lnSpc>
+            </a:pPr>
+            <a:r>
+              <a:rPr lang="fr-FR" sz="1050" b="1" dirty="0">
+                <a:solidFill>
+                  <a:schemeClr val="tx2"/>
+                </a:solidFill>
+                <a:latin typeface="Tahoma" pitchFamily="34" charset="0"/>
+                <a:ea typeface="Tahoma" pitchFamily="34" charset="0"/>
+                <a:cs typeface="Tahoma" pitchFamily="34" charset="0"/>
+              </a:rPr>
+              <a:t>		</a:t>
+            </a:r>
+            <a:r>
+              <a:rPr lang="fr-FR" sz="1050" b="1" dirty="0" smtClean="0">
+                <a:solidFill>
+                  <a:schemeClr val="tx2"/>
+                </a:solidFill>
+                <a:latin typeface="Tahoma" pitchFamily="34" charset="0"/>
+                <a:ea typeface="Tahoma" pitchFamily="34" charset="0"/>
+                <a:cs typeface="Tahoma" pitchFamily="34" charset="0"/>
+              </a:rPr>
+              <a:t>           </a:t>
+            </a:r>
+            <a:r>
+              <a:rPr lang="fr-FR" sz="1050" b="1" dirty="0" smtClean="0">
+                <a:solidFill>
+                  <a:schemeClr val="tx2"/>
+                </a:solidFill>
+                <a:latin typeface="Tahoma" pitchFamily="34" charset="0"/>
+                <a:ea typeface="Tahoma" pitchFamily="34" charset="0"/>
+                <a:cs typeface="Tahoma" pitchFamily="34" charset="0"/>
+              </a:rPr>
+              <a:t>}</a:t>
+            </a:r>
+          </a:p>
+          <a:p>
+            <a:pPr lvl="1" algn="just">
+              <a:lnSpc>
+                <a:spcPct val="150000"/>
+              </a:lnSpc>
+            </a:pPr>
+            <a:endParaRPr lang="fr-FR" sz="1050" b="1" dirty="0">
+              <a:solidFill>
+                <a:schemeClr val="tx2"/>
+              </a:solidFill>
+              <a:latin typeface="Tahoma" pitchFamily="34" charset="0"/>
+              <a:ea typeface="Tahoma" pitchFamily="34" charset="0"/>
+              <a:cs typeface="Tahoma" pitchFamily="34" charset="0"/>
+            </a:endParaRPr>
+          </a:p>
+          <a:p>
+            <a:pPr lvl="1" algn="just">
+              <a:lnSpc>
+                <a:spcPct val="150000"/>
+              </a:lnSpc>
+            </a:pPr>
+            <a:r>
+              <a:rPr lang="fr-FR" sz="1050" b="1" dirty="0">
+                <a:solidFill>
+                  <a:schemeClr val="tx2"/>
+                </a:solidFill>
+                <a:latin typeface="Tahoma" pitchFamily="34" charset="0"/>
+                <a:ea typeface="Tahoma" pitchFamily="34" charset="0"/>
+                <a:cs typeface="Tahoma" pitchFamily="34" charset="0"/>
+              </a:rPr>
+              <a:t>		</a:t>
+            </a:r>
+            <a:r>
+              <a:rPr lang="fr-FR" sz="1050" b="1" dirty="0" smtClean="0">
+                <a:solidFill>
+                  <a:schemeClr val="tx2"/>
+                </a:solidFill>
+                <a:latin typeface="Tahoma" pitchFamily="34" charset="0"/>
+                <a:ea typeface="Tahoma" pitchFamily="34" charset="0"/>
+                <a:cs typeface="Tahoma" pitchFamily="34" charset="0"/>
+              </a:rPr>
+              <a:t>     line </a:t>
+            </a:r>
+            <a:r>
+              <a:rPr lang="fr-FR" sz="1050" b="1" dirty="0">
+                <a:solidFill>
+                  <a:schemeClr val="tx2"/>
+                </a:solidFill>
+                <a:latin typeface="Tahoma" pitchFamily="34" charset="0"/>
+                <a:ea typeface="Tahoma" pitchFamily="34" charset="0"/>
+                <a:cs typeface="Tahoma" pitchFamily="34" charset="0"/>
+              </a:rPr>
+              <a:t>= </a:t>
+            </a:r>
+            <a:r>
+              <a:rPr lang="fr-FR" sz="1050" b="1" dirty="0" err="1">
+                <a:solidFill>
+                  <a:schemeClr val="tx2"/>
+                </a:solidFill>
+                <a:latin typeface="Tahoma" pitchFamily="34" charset="0"/>
+                <a:ea typeface="Tahoma" pitchFamily="34" charset="0"/>
+                <a:cs typeface="Tahoma" pitchFamily="34" charset="0"/>
+              </a:rPr>
+              <a:t>reader.readLine</a:t>
+            </a:r>
+            <a:r>
+              <a:rPr lang="fr-FR" sz="1050" b="1" dirty="0">
+                <a:solidFill>
+                  <a:schemeClr val="tx2"/>
+                </a:solidFill>
+                <a:latin typeface="Tahoma" pitchFamily="34" charset="0"/>
+                <a:ea typeface="Tahoma" pitchFamily="34" charset="0"/>
+                <a:cs typeface="Tahoma" pitchFamily="34" charset="0"/>
+              </a:rPr>
+              <a:t>();	// </a:t>
+            </a:r>
+            <a:r>
+              <a:rPr lang="fr-FR" sz="1050" b="1" dirty="0" err="1">
+                <a:solidFill>
+                  <a:schemeClr val="tx2"/>
+                </a:solidFill>
+                <a:latin typeface="Tahoma" pitchFamily="34" charset="0"/>
+                <a:ea typeface="Tahoma" pitchFamily="34" charset="0"/>
+                <a:cs typeface="Tahoma" pitchFamily="34" charset="0"/>
+              </a:rPr>
+              <a:t>get</a:t>
+            </a:r>
+            <a:r>
+              <a:rPr lang="fr-FR" sz="1050" b="1" dirty="0">
+                <a:solidFill>
+                  <a:schemeClr val="tx2"/>
+                </a:solidFill>
+                <a:latin typeface="Tahoma" pitchFamily="34" charset="0"/>
+                <a:ea typeface="Tahoma" pitchFamily="34" charset="0"/>
+                <a:cs typeface="Tahoma" pitchFamily="34" charset="0"/>
+              </a:rPr>
+              <a:t> </a:t>
+            </a:r>
+            <a:r>
+              <a:rPr lang="fr-FR" sz="1050" b="1" dirty="0" err="1">
+                <a:solidFill>
+                  <a:schemeClr val="tx2"/>
+                </a:solidFill>
+                <a:latin typeface="Tahoma" pitchFamily="34" charset="0"/>
+                <a:ea typeface="Tahoma" pitchFamily="34" charset="0"/>
+                <a:cs typeface="Tahoma" pitchFamily="34" charset="0"/>
+              </a:rPr>
+              <a:t>another</a:t>
+            </a:r>
+            <a:r>
+              <a:rPr lang="fr-FR" sz="1050" b="1" dirty="0">
+                <a:solidFill>
+                  <a:schemeClr val="tx2"/>
+                </a:solidFill>
+                <a:latin typeface="Tahoma" pitchFamily="34" charset="0"/>
+                <a:ea typeface="Tahoma" pitchFamily="34" charset="0"/>
+                <a:cs typeface="Tahoma" pitchFamily="34" charset="0"/>
+              </a:rPr>
+              <a:t> </a:t>
+            </a:r>
+            <a:r>
+              <a:rPr lang="fr-FR" sz="1050" b="1" dirty="0" err="1">
+                <a:solidFill>
+                  <a:schemeClr val="tx2"/>
+                </a:solidFill>
+                <a:latin typeface="Tahoma" pitchFamily="34" charset="0"/>
+                <a:ea typeface="Tahoma" pitchFamily="34" charset="0"/>
+                <a:cs typeface="Tahoma" pitchFamily="34" charset="0"/>
+              </a:rPr>
+              <a:t>symptom</a:t>
+            </a:r>
+            <a:endParaRPr lang="fr-FR" sz="1050" b="1" dirty="0">
+              <a:solidFill>
+                <a:schemeClr val="tx2"/>
+              </a:solidFill>
+              <a:latin typeface="Tahoma" pitchFamily="34" charset="0"/>
+              <a:ea typeface="Tahoma" pitchFamily="34" charset="0"/>
+              <a:cs typeface="Tahoma" pitchFamily="34" charset="0"/>
+            </a:endParaRPr>
           </a:p>
           <a:p>
             <a:pPr algn="just">
@@ -8367,1103 +9918,19 @@
               </a:lnSpc>
             </a:pPr>
             <a:r>
-              <a:rPr lang="fr-FR" sz="1050" dirty="0">
-                <a:solidFill>
-                  <a:schemeClr val="accent1">
-                    <a:lumMod val="75000"/>
-                  </a:schemeClr>
-                </a:solidFill>
-                <a:latin typeface="Tahoma" pitchFamily="34" charset="0"/>
-                <a:ea typeface="Tahoma" pitchFamily="34" charset="0"/>
-                <a:cs typeface="Tahoma" pitchFamily="34" charset="0"/>
-              </a:rPr>
-              <a:t>		</a:t>
-            </a:r>
-            <a:r>
-              <a:rPr lang="fr-FR" sz="1050" dirty="0" smtClean="0">
-                <a:solidFill>
-                  <a:schemeClr val="accent1">
-                    <a:lumMod val="75000"/>
-                  </a:schemeClr>
-                </a:solidFill>
-                <a:latin typeface="Tahoma" pitchFamily="34" charset="0"/>
-                <a:ea typeface="Tahoma" pitchFamily="34" charset="0"/>
-                <a:cs typeface="Tahoma" pitchFamily="34" charset="0"/>
-              </a:rPr>
-              <a:t>   i</a:t>
-            </a:r>
-            <a:r>
-              <a:rPr lang="fr-FR" sz="1050" dirty="0">
-                <a:solidFill>
-                  <a:schemeClr val="accent1">
-                    <a:lumMod val="75000"/>
-                  </a:schemeClr>
-                </a:solidFill>
-                <a:latin typeface="Tahoma" pitchFamily="34" charset="0"/>
-                <a:ea typeface="Tahoma" pitchFamily="34" charset="0"/>
-                <a:cs typeface="Tahoma" pitchFamily="34" charset="0"/>
-              </a:rPr>
-              <a:t>++;	// </a:t>
-            </a:r>
-            <a:r>
-              <a:rPr lang="fr-FR" sz="1050" dirty="0" err="1">
-                <a:solidFill>
-                  <a:schemeClr val="accent1">
-                    <a:lumMod val="75000"/>
-                  </a:schemeClr>
-                </a:solidFill>
-                <a:latin typeface="Tahoma" pitchFamily="34" charset="0"/>
-                <a:ea typeface="Tahoma" pitchFamily="34" charset="0"/>
-                <a:cs typeface="Tahoma" pitchFamily="34" charset="0"/>
-              </a:rPr>
-              <a:t>increment</a:t>
-            </a:r>
-            <a:r>
-              <a:rPr lang="fr-FR" sz="1050" dirty="0">
-                <a:solidFill>
-                  <a:schemeClr val="accent1">
-                    <a:lumMod val="75000"/>
-                  </a:schemeClr>
-                </a:solidFill>
-                <a:latin typeface="Tahoma" pitchFamily="34" charset="0"/>
-                <a:ea typeface="Tahoma" pitchFamily="34" charset="0"/>
-                <a:cs typeface="Tahoma" pitchFamily="34" charset="0"/>
-              </a:rPr>
-              <a:t> i</a:t>
-            </a:r>
-          </a:p>
-          <a:p>
-            <a:pPr algn="just">
-              <a:lnSpc>
-                <a:spcPct val="150000"/>
-              </a:lnSpc>
-            </a:pPr>
-            <a:r>
-              <a:rPr lang="fr-FR" sz="1050" dirty="0">
-                <a:solidFill>
-                  <a:schemeClr val="accent1">
-                    <a:lumMod val="75000"/>
-                  </a:schemeClr>
-                </a:solidFill>
-                <a:latin typeface="Tahoma" pitchFamily="34" charset="0"/>
-                <a:ea typeface="Tahoma" pitchFamily="34" charset="0"/>
-                <a:cs typeface="Tahoma" pitchFamily="34" charset="0"/>
-              </a:rPr>
-              <a:t>		</a:t>
-            </a:r>
-            <a:r>
-              <a:rPr lang="fr-FR" sz="1050" dirty="0" smtClean="0">
-                <a:solidFill>
-                  <a:schemeClr val="accent1">
-                    <a:lumMod val="75000"/>
-                  </a:schemeClr>
-                </a:solidFill>
-                <a:latin typeface="Tahoma" pitchFamily="34" charset="0"/>
-                <a:ea typeface="Tahoma" pitchFamily="34" charset="0"/>
-                <a:cs typeface="Tahoma" pitchFamily="34" charset="0"/>
-              </a:rPr>
-              <a:t>   </a:t>
-            </a:r>
-            <a:r>
-              <a:rPr lang="fr-FR" sz="1050" dirty="0" err="1" smtClean="0">
-                <a:solidFill>
-                  <a:schemeClr val="accent1">
-                    <a:lumMod val="75000"/>
-                  </a:schemeClr>
-                </a:solidFill>
-                <a:latin typeface="Tahoma" pitchFamily="34" charset="0"/>
-                <a:ea typeface="Tahoma" pitchFamily="34" charset="0"/>
-                <a:cs typeface="Tahoma" pitchFamily="34" charset="0"/>
-              </a:rPr>
-              <a:t>System.out.println</a:t>
-            </a:r>
-            <a:r>
-              <a:rPr lang="fr-FR" sz="1050" dirty="0">
-                <a:solidFill>
-                  <a:schemeClr val="accent1">
-                    <a:lumMod val="75000"/>
-                  </a:schemeClr>
-                </a:solidFill>
-                <a:latin typeface="Tahoma" pitchFamily="34" charset="0"/>
-                <a:ea typeface="Tahoma" pitchFamily="34" charset="0"/>
-                <a:cs typeface="Tahoma" pitchFamily="34" charset="0"/>
-              </a:rPr>
-              <a:t>("</a:t>
-            </a:r>
-            <a:r>
-              <a:rPr lang="fr-FR" sz="1050" dirty="0" err="1">
-                <a:solidFill>
-                  <a:schemeClr val="accent1">
-                    <a:lumMod val="75000"/>
-                  </a:schemeClr>
-                </a:solidFill>
-                <a:latin typeface="Tahoma" pitchFamily="34" charset="0"/>
-                <a:ea typeface="Tahoma" pitchFamily="34" charset="0"/>
-                <a:cs typeface="Tahoma" pitchFamily="34" charset="0"/>
-              </a:rPr>
-              <a:t>symptom</a:t>
-            </a:r>
-            <a:r>
-              <a:rPr lang="fr-FR" sz="1050" dirty="0">
-                <a:solidFill>
-                  <a:schemeClr val="accent1">
-                    <a:lumMod val="75000"/>
-                  </a:schemeClr>
-                </a:solidFill>
-                <a:latin typeface="Tahoma" pitchFamily="34" charset="0"/>
-                <a:ea typeface="Tahoma" pitchFamily="34" charset="0"/>
-                <a:cs typeface="Tahoma" pitchFamily="34" charset="0"/>
-              </a:rPr>
-              <a:t> </a:t>
-            </a:r>
-            <a:r>
-              <a:rPr lang="fr-FR" sz="1050" dirty="0" err="1">
-                <a:solidFill>
-                  <a:schemeClr val="accent1">
-                    <a:lumMod val="75000"/>
-                  </a:schemeClr>
-                </a:solidFill>
-                <a:latin typeface="Tahoma" pitchFamily="34" charset="0"/>
-                <a:ea typeface="Tahoma" pitchFamily="34" charset="0"/>
-                <a:cs typeface="Tahoma" pitchFamily="34" charset="0"/>
-              </a:rPr>
-              <a:t>from</a:t>
-            </a:r>
-            <a:r>
-              <a:rPr lang="fr-FR" sz="1050" dirty="0">
-                <a:solidFill>
-                  <a:schemeClr val="accent1">
-                    <a:lumMod val="75000"/>
-                  </a:schemeClr>
-                </a:solidFill>
-                <a:latin typeface="Tahoma" pitchFamily="34" charset="0"/>
-                <a:ea typeface="Tahoma" pitchFamily="34" charset="0"/>
-                <a:cs typeface="Tahoma" pitchFamily="34" charset="0"/>
-              </a:rPr>
-              <a:t> file: " + line);</a:t>
-            </a:r>
-          </a:p>
-          <a:p>
-            <a:pPr algn="just">
-              <a:lnSpc>
-                <a:spcPct val="150000"/>
-              </a:lnSpc>
-            </a:pPr>
-            <a:r>
-              <a:rPr lang="fr-FR" sz="1050" dirty="0">
-                <a:solidFill>
-                  <a:schemeClr val="accent1">
-                    <a:lumMod val="75000"/>
-                  </a:schemeClr>
-                </a:solidFill>
-                <a:latin typeface="Tahoma" pitchFamily="34" charset="0"/>
-                <a:ea typeface="Tahoma" pitchFamily="34" charset="0"/>
-                <a:cs typeface="Tahoma" pitchFamily="34" charset="0"/>
-              </a:rPr>
-              <a:t>		</a:t>
-            </a:r>
-            <a:r>
-              <a:rPr lang="fr-FR" sz="1050" dirty="0" smtClean="0">
-                <a:solidFill>
-                  <a:schemeClr val="accent1">
-                    <a:lumMod val="75000"/>
-                  </a:schemeClr>
-                </a:solidFill>
-                <a:latin typeface="Tahoma" pitchFamily="34" charset="0"/>
-                <a:ea typeface="Tahoma" pitchFamily="34" charset="0"/>
-                <a:cs typeface="Tahoma" pitchFamily="34" charset="0"/>
-              </a:rPr>
-              <a:t>   if </a:t>
-            </a:r>
-            <a:r>
-              <a:rPr lang="fr-FR" sz="1050" dirty="0">
-                <a:solidFill>
-                  <a:schemeClr val="accent1">
-                    <a:lumMod val="75000"/>
-                  </a:schemeClr>
-                </a:solidFill>
-                <a:latin typeface="Tahoma" pitchFamily="34" charset="0"/>
-                <a:ea typeface="Tahoma" pitchFamily="34" charset="0"/>
-                <a:cs typeface="Tahoma" pitchFamily="34" charset="0"/>
-              </a:rPr>
-              <a:t>(</a:t>
-            </a:r>
-            <a:r>
-              <a:rPr lang="fr-FR" sz="1050" dirty="0" err="1">
-                <a:solidFill>
-                  <a:schemeClr val="accent1">
-                    <a:lumMod val="75000"/>
-                  </a:schemeClr>
-                </a:solidFill>
-                <a:latin typeface="Tahoma" pitchFamily="34" charset="0"/>
-                <a:ea typeface="Tahoma" pitchFamily="34" charset="0"/>
-                <a:cs typeface="Tahoma" pitchFamily="34" charset="0"/>
-              </a:rPr>
-              <a:t>line.equals</a:t>
-            </a:r>
-            <a:r>
-              <a:rPr lang="fr-FR" sz="1050" dirty="0">
-                <a:solidFill>
-                  <a:schemeClr val="accent1">
-                    <a:lumMod val="75000"/>
-                  </a:schemeClr>
-                </a:solidFill>
-                <a:latin typeface="Tahoma" pitchFamily="34" charset="0"/>
-                <a:ea typeface="Tahoma" pitchFamily="34" charset="0"/>
-                <a:cs typeface="Tahoma" pitchFamily="34" charset="0"/>
-              </a:rPr>
-              <a:t>("</a:t>
-            </a:r>
-            <a:r>
-              <a:rPr lang="fr-FR" sz="1050" dirty="0" err="1">
-                <a:solidFill>
-                  <a:schemeClr val="accent1">
-                    <a:lumMod val="75000"/>
-                  </a:schemeClr>
-                </a:solidFill>
-                <a:latin typeface="Tahoma" pitchFamily="34" charset="0"/>
-                <a:ea typeface="Tahoma" pitchFamily="34" charset="0"/>
-                <a:cs typeface="Tahoma" pitchFamily="34" charset="0"/>
-              </a:rPr>
-              <a:t>headache</a:t>
-            </a:r>
-            <a:r>
-              <a:rPr lang="fr-FR" sz="1050" dirty="0">
-                <a:solidFill>
-                  <a:schemeClr val="accent1">
-                    <a:lumMod val="75000"/>
-                  </a:schemeClr>
-                </a:solidFill>
-                <a:latin typeface="Tahoma" pitchFamily="34" charset="0"/>
-                <a:ea typeface="Tahoma" pitchFamily="34" charset="0"/>
-                <a:cs typeface="Tahoma" pitchFamily="34" charset="0"/>
-              </a:rPr>
-              <a:t>")) {</a:t>
-            </a:r>
-          </a:p>
-          <a:p>
-            <a:pPr algn="just">
-              <a:lnSpc>
-                <a:spcPct val="150000"/>
-              </a:lnSpc>
-            </a:pPr>
-            <a:r>
-              <a:rPr lang="fr-FR" sz="1050" dirty="0">
-                <a:solidFill>
-                  <a:schemeClr val="accent1">
-                    <a:lumMod val="75000"/>
-                  </a:schemeClr>
-                </a:solidFill>
-                <a:latin typeface="Tahoma" pitchFamily="34" charset="0"/>
-                <a:ea typeface="Tahoma" pitchFamily="34" charset="0"/>
-                <a:cs typeface="Tahoma" pitchFamily="34" charset="0"/>
-              </a:rPr>
-              <a:t>		</a:t>
-            </a:r>
-            <a:r>
-              <a:rPr lang="fr-FR" sz="1050" dirty="0" smtClean="0">
-                <a:solidFill>
-                  <a:schemeClr val="accent1">
-                    <a:lumMod val="75000"/>
-                  </a:schemeClr>
-                </a:solidFill>
-                <a:latin typeface="Tahoma" pitchFamily="34" charset="0"/>
-                <a:ea typeface="Tahoma" pitchFamily="34" charset="0"/>
-                <a:cs typeface="Tahoma" pitchFamily="34" charset="0"/>
-              </a:rPr>
-              <a:t>         </a:t>
-            </a:r>
-            <a:r>
-              <a:rPr lang="fr-FR" sz="1050" dirty="0" err="1" smtClean="0">
-                <a:solidFill>
-                  <a:schemeClr val="accent1">
-                    <a:lumMod val="75000"/>
-                  </a:schemeClr>
-                </a:solidFill>
-                <a:latin typeface="Tahoma" pitchFamily="34" charset="0"/>
-                <a:ea typeface="Tahoma" pitchFamily="34" charset="0"/>
-                <a:cs typeface="Tahoma" pitchFamily="34" charset="0"/>
-              </a:rPr>
-              <a:t>headCount</a:t>
-            </a:r>
-            <a:r>
-              <a:rPr lang="fr-FR" sz="1050" dirty="0">
-                <a:solidFill>
-                  <a:schemeClr val="accent1">
-                    <a:lumMod val="75000"/>
-                  </a:schemeClr>
-                </a:solidFill>
-                <a:latin typeface="Tahoma" pitchFamily="34" charset="0"/>
-                <a:ea typeface="Tahoma" pitchFamily="34" charset="0"/>
-                <a:cs typeface="Tahoma" pitchFamily="34" charset="0"/>
-              </a:rPr>
-              <a:t>++;</a:t>
-            </a:r>
-          </a:p>
-          <a:p>
-            <a:pPr algn="just">
-              <a:lnSpc>
-                <a:spcPct val="150000"/>
-              </a:lnSpc>
-            </a:pPr>
-            <a:r>
-              <a:rPr lang="fr-FR" sz="1050" dirty="0">
-                <a:solidFill>
-                  <a:schemeClr val="accent1">
-                    <a:lumMod val="75000"/>
-                  </a:schemeClr>
-                </a:solidFill>
-                <a:latin typeface="Tahoma" pitchFamily="34" charset="0"/>
-                <a:ea typeface="Tahoma" pitchFamily="34" charset="0"/>
-                <a:cs typeface="Tahoma" pitchFamily="34" charset="0"/>
-              </a:rPr>
-              <a:t>		</a:t>
-            </a:r>
-            <a:r>
-              <a:rPr lang="fr-FR" sz="1050" dirty="0" smtClean="0">
-                <a:solidFill>
-                  <a:schemeClr val="accent1">
-                    <a:lumMod val="75000"/>
-                  </a:schemeClr>
-                </a:solidFill>
-                <a:latin typeface="Tahoma" pitchFamily="34" charset="0"/>
-                <a:ea typeface="Tahoma" pitchFamily="34" charset="0"/>
-                <a:cs typeface="Tahoma" pitchFamily="34" charset="0"/>
-              </a:rPr>
-              <a:t>         </a:t>
-            </a:r>
-            <a:r>
-              <a:rPr lang="fr-FR" sz="1050" dirty="0" err="1" smtClean="0">
-                <a:solidFill>
-                  <a:schemeClr val="accent1">
-                    <a:lumMod val="75000"/>
-                  </a:schemeClr>
-                </a:solidFill>
-                <a:latin typeface="Tahoma" pitchFamily="34" charset="0"/>
-                <a:ea typeface="Tahoma" pitchFamily="34" charset="0"/>
-                <a:cs typeface="Tahoma" pitchFamily="34" charset="0"/>
-              </a:rPr>
-              <a:t>System.out.println</a:t>
-            </a:r>
-            <a:r>
-              <a:rPr lang="fr-FR" sz="1050" dirty="0">
-                <a:solidFill>
-                  <a:schemeClr val="accent1">
-                    <a:lumMod val="75000"/>
-                  </a:schemeClr>
-                </a:solidFill>
-                <a:latin typeface="Tahoma" pitchFamily="34" charset="0"/>
-                <a:ea typeface="Tahoma" pitchFamily="34" charset="0"/>
-                <a:cs typeface="Tahoma" pitchFamily="34" charset="0"/>
-              </a:rPr>
-              <a:t>("</a:t>
-            </a:r>
-            <a:r>
-              <a:rPr lang="fr-FR" sz="1050" dirty="0" err="1">
-                <a:solidFill>
-                  <a:schemeClr val="accent1">
-                    <a:lumMod val="75000"/>
-                  </a:schemeClr>
-                </a:solidFill>
-                <a:latin typeface="Tahoma" pitchFamily="34" charset="0"/>
-                <a:ea typeface="Tahoma" pitchFamily="34" charset="0"/>
-                <a:cs typeface="Tahoma" pitchFamily="34" charset="0"/>
-              </a:rPr>
-              <a:t>number</a:t>
-            </a:r>
-            <a:r>
-              <a:rPr lang="fr-FR" sz="1050" dirty="0">
-                <a:solidFill>
-                  <a:schemeClr val="accent1">
-                    <a:lumMod val="75000"/>
-                  </a:schemeClr>
-                </a:solidFill>
-                <a:latin typeface="Tahoma" pitchFamily="34" charset="0"/>
-                <a:ea typeface="Tahoma" pitchFamily="34" charset="0"/>
-                <a:cs typeface="Tahoma" pitchFamily="34" charset="0"/>
-              </a:rPr>
-              <a:t> of </a:t>
-            </a:r>
-            <a:r>
-              <a:rPr lang="fr-FR" sz="1050" dirty="0" err="1">
-                <a:solidFill>
-                  <a:schemeClr val="accent1">
-                    <a:lumMod val="75000"/>
-                  </a:schemeClr>
-                </a:solidFill>
-                <a:latin typeface="Tahoma" pitchFamily="34" charset="0"/>
-                <a:ea typeface="Tahoma" pitchFamily="34" charset="0"/>
-                <a:cs typeface="Tahoma" pitchFamily="34" charset="0"/>
-              </a:rPr>
-              <a:t>headaches</a:t>
-            </a:r>
-            <a:r>
-              <a:rPr lang="fr-FR" sz="1050" dirty="0">
-                <a:solidFill>
-                  <a:schemeClr val="accent1">
-                    <a:lumMod val="75000"/>
-                  </a:schemeClr>
-                </a:solidFill>
-                <a:latin typeface="Tahoma" pitchFamily="34" charset="0"/>
-                <a:ea typeface="Tahoma" pitchFamily="34" charset="0"/>
-                <a:cs typeface="Tahoma" pitchFamily="34" charset="0"/>
-              </a:rPr>
-              <a:t>: " + </a:t>
-            </a:r>
-            <a:r>
-              <a:rPr lang="fr-FR" sz="1050" dirty="0" err="1">
-                <a:solidFill>
-                  <a:schemeClr val="accent1">
-                    <a:lumMod val="75000"/>
-                  </a:schemeClr>
-                </a:solidFill>
-                <a:latin typeface="Tahoma" pitchFamily="34" charset="0"/>
-                <a:ea typeface="Tahoma" pitchFamily="34" charset="0"/>
-                <a:cs typeface="Tahoma" pitchFamily="34" charset="0"/>
-              </a:rPr>
-              <a:t>headCount</a:t>
-            </a:r>
-            <a:r>
-              <a:rPr lang="fr-FR" sz="1050" dirty="0">
-                <a:solidFill>
-                  <a:schemeClr val="accent1">
-                    <a:lumMod val="75000"/>
-                  </a:schemeClr>
-                </a:solidFill>
-                <a:latin typeface="Tahoma" pitchFamily="34" charset="0"/>
-                <a:ea typeface="Tahoma" pitchFamily="34" charset="0"/>
-                <a:cs typeface="Tahoma" pitchFamily="34" charset="0"/>
-              </a:rPr>
-              <a:t>);</a:t>
-            </a:r>
-          </a:p>
-          <a:p>
-            <a:pPr algn="just">
-              <a:lnSpc>
-                <a:spcPct val="150000"/>
-              </a:lnSpc>
-            </a:pPr>
-            <a:r>
-              <a:rPr lang="fr-FR" sz="1050" dirty="0">
-                <a:solidFill>
-                  <a:schemeClr val="accent1">
-                    <a:lumMod val="75000"/>
-                  </a:schemeClr>
-                </a:solidFill>
-                <a:latin typeface="Tahoma" pitchFamily="34" charset="0"/>
-                <a:ea typeface="Tahoma" pitchFamily="34" charset="0"/>
-                <a:cs typeface="Tahoma" pitchFamily="34" charset="0"/>
-              </a:rPr>
-              <a:t>		</a:t>
-            </a:r>
-            <a:r>
-              <a:rPr lang="fr-FR" sz="1050" dirty="0" smtClean="0">
-                <a:solidFill>
-                  <a:schemeClr val="accent1">
-                    <a:lumMod val="75000"/>
-                  </a:schemeClr>
-                </a:solidFill>
-                <a:latin typeface="Tahoma" pitchFamily="34" charset="0"/>
-                <a:ea typeface="Tahoma" pitchFamily="34" charset="0"/>
-                <a:cs typeface="Tahoma" pitchFamily="34" charset="0"/>
-              </a:rPr>
-              <a:t>     }</a:t>
-            </a:r>
-            <a:endParaRPr lang="fr-FR" sz="1050" dirty="0">
+              <a:rPr lang="fr-FR" sz="1050" b="1" dirty="0">
+                <a:solidFill>
+                  <a:schemeClr val="tx2"/>
+                </a:solidFill>
+                <a:latin typeface="Tahoma" pitchFamily="34" charset="0"/>
+                <a:ea typeface="Tahoma" pitchFamily="34" charset="0"/>
+                <a:cs typeface="Tahoma" pitchFamily="34" charset="0"/>
+              </a:rPr>
+              <a:t>		}</a:t>
+            </a:r>
+            <a:endParaRPr lang="fr-FR" sz="1050" b="1" dirty="0" smtClean="0">
               <a:solidFill>
-                <a:schemeClr val="accent1">
-                  <a:lumMod val="75000"/>
-                </a:schemeClr>
-              </a:solidFill>
-              <a:latin typeface="Tahoma" pitchFamily="34" charset="0"/>
-              <a:ea typeface="Tahoma" pitchFamily="34" charset="0"/>
-              <a:cs typeface="Tahoma" pitchFamily="34" charset="0"/>
-            </a:endParaRPr>
-          </a:p>
-          <a:p>
-            <a:pPr algn="just">
-              <a:lnSpc>
-                <a:spcPct val="150000"/>
-              </a:lnSpc>
-            </a:pPr>
-            <a:r>
-              <a:rPr lang="fr-FR" sz="1050" dirty="0">
-                <a:solidFill>
-                  <a:schemeClr val="accent1">
-                    <a:lumMod val="75000"/>
-                  </a:schemeClr>
-                </a:solidFill>
-                <a:latin typeface="Tahoma" pitchFamily="34" charset="0"/>
-                <a:ea typeface="Tahoma" pitchFamily="34" charset="0"/>
-                <a:cs typeface="Tahoma" pitchFamily="34" charset="0"/>
-              </a:rPr>
-              <a:t>		</a:t>
-            </a:r>
-            <a:r>
-              <a:rPr lang="fr-FR" sz="1050" dirty="0" smtClean="0">
-                <a:solidFill>
-                  <a:schemeClr val="accent1">
-                    <a:lumMod val="75000"/>
-                  </a:schemeClr>
-                </a:solidFill>
-                <a:latin typeface="Tahoma" pitchFamily="34" charset="0"/>
-                <a:ea typeface="Tahoma" pitchFamily="34" charset="0"/>
-                <a:cs typeface="Tahoma" pitchFamily="34" charset="0"/>
-              </a:rPr>
-              <a:t>        </a:t>
-            </a:r>
-            <a:r>
-              <a:rPr lang="fr-FR" sz="1050" dirty="0" err="1" smtClean="0">
-                <a:solidFill>
-                  <a:schemeClr val="accent1">
-                    <a:lumMod val="75000"/>
-                  </a:schemeClr>
-                </a:solidFill>
-                <a:latin typeface="Tahoma" pitchFamily="34" charset="0"/>
-                <a:ea typeface="Tahoma" pitchFamily="34" charset="0"/>
-                <a:cs typeface="Tahoma" pitchFamily="34" charset="0"/>
-              </a:rPr>
-              <a:t>else</a:t>
-            </a:r>
-            <a:r>
-              <a:rPr lang="fr-FR" sz="1050" dirty="0" smtClean="0">
-                <a:solidFill>
-                  <a:schemeClr val="accent1">
-                    <a:lumMod val="75000"/>
-                  </a:schemeClr>
-                </a:solidFill>
-                <a:latin typeface="Tahoma" pitchFamily="34" charset="0"/>
-                <a:ea typeface="Tahoma" pitchFamily="34" charset="0"/>
-                <a:cs typeface="Tahoma" pitchFamily="34" charset="0"/>
-              </a:rPr>
-              <a:t> </a:t>
-            </a:r>
-            <a:r>
-              <a:rPr lang="fr-FR" sz="1050" dirty="0">
-                <a:solidFill>
-                  <a:schemeClr val="accent1">
-                    <a:lumMod val="75000"/>
-                  </a:schemeClr>
-                </a:solidFill>
-                <a:latin typeface="Tahoma" pitchFamily="34" charset="0"/>
-                <a:ea typeface="Tahoma" pitchFamily="34" charset="0"/>
-                <a:cs typeface="Tahoma" pitchFamily="34" charset="0"/>
-              </a:rPr>
-              <a:t>if (</a:t>
-            </a:r>
-            <a:r>
-              <a:rPr lang="fr-FR" sz="1050" dirty="0" err="1">
-                <a:solidFill>
-                  <a:schemeClr val="accent1">
-                    <a:lumMod val="75000"/>
-                  </a:schemeClr>
-                </a:solidFill>
-                <a:latin typeface="Tahoma" pitchFamily="34" charset="0"/>
-                <a:ea typeface="Tahoma" pitchFamily="34" charset="0"/>
-                <a:cs typeface="Tahoma" pitchFamily="34" charset="0"/>
-              </a:rPr>
-              <a:t>line.equals</a:t>
-            </a:r>
-            <a:r>
-              <a:rPr lang="fr-FR" sz="1050" dirty="0">
-                <a:solidFill>
-                  <a:schemeClr val="accent1">
-                    <a:lumMod val="75000"/>
-                  </a:schemeClr>
-                </a:solidFill>
-                <a:latin typeface="Tahoma" pitchFamily="34" charset="0"/>
-                <a:ea typeface="Tahoma" pitchFamily="34" charset="0"/>
-                <a:cs typeface="Tahoma" pitchFamily="34" charset="0"/>
-              </a:rPr>
-              <a:t>("rush")) {</a:t>
-            </a:r>
-          </a:p>
-          <a:p>
-            <a:pPr algn="just">
-              <a:lnSpc>
-                <a:spcPct val="150000"/>
-              </a:lnSpc>
-            </a:pPr>
-            <a:r>
-              <a:rPr lang="fr-FR" sz="1050" dirty="0">
-                <a:solidFill>
-                  <a:schemeClr val="accent1">
-                    <a:lumMod val="75000"/>
-                  </a:schemeClr>
-                </a:solidFill>
-                <a:latin typeface="Tahoma" pitchFamily="34" charset="0"/>
-                <a:ea typeface="Tahoma" pitchFamily="34" charset="0"/>
-                <a:cs typeface="Tahoma" pitchFamily="34" charset="0"/>
-              </a:rPr>
-              <a:t>		</a:t>
-            </a:r>
-            <a:r>
-              <a:rPr lang="fr-FR" sz="1050" dirty="0" smtClean="0">
-                <a:solidFill>
-                  <a:schemeClr val="accent1">
-                    <a:lumMod val="75000"/>
-                  </a:schemeClr>
-                </a:solidFill>
-                <a:latin typeface="Tahoma" pitchFamily="34" charset="0"/>
-                <a:ea typeface="Tahoma" pitchFamily="34" charset="0"/>
-                <a:cs typeface="Tahoma" pitchFamily="34" charset="0"/>
-              </a:rPr>
-              <a:t>             </a:t>
-            </a:r>
-            <a:r>
-              <a:rPr lang="fr-FR" sz="1050" dirty="0" err="1" smtClean="0">
-                <a:solidFill>
-                  <a:schemeClr val="accent1">
-                    <a:lumMod val="75000"/>
-                  </a:schemeClr>
-                </a:solidFill>
-                <a:latin typeface="Tahoma" pitchFamily="34" charset="0"/>
-                <a:ea typeface="Tahoma" pitchFamily="34" charset="0"/>
-                <a:cs typeface="Tahoma" pitchFamily="34" charset="0"/>
-              </a:rPr>
-              <a:t>rashCount</a:t>
-            </a:r>
-            <a:r>
-              <a:rPr lang="fr-FR" sz="1050" dirty="0">
-                <a:solidFill>
-                  <a:schemeClr val="accent1">
-                    <a:lumMod val="75000"/>
-                  </a:schemeClr>
-                </a:solidFill>
-                <a:latin typeface="Tahoma" pitchFamily="34" charset="0"/>
-                <a:ea typeface="Tahoma" pitchFamily="34" charset="0"/>
-                <a:cs typeface="Tahoma" pitchFamily="34" charset="0"/>
-              </a:rPr>
-              <a:t>++;</a:t>
-            </a:r>
-          </a:p>
-          <a:p>
-            <a:pPr algn="just">
-              <a:lnSpc>
-                <a:spcPct val="150000"/>
-              </a:lnSpc>
-            </a:pPr>
-            <a:r>
-              <a:rPr lang="fr-FR" sz="1050" dirty="0">
-                <a:solidFill>
-                  <a:schemeClr val="accent1">
-                    <a:lumMod val="75000"/>
-                  </a:schemeClr>
-                </a:solidFill>
-                <a:latin typeface="Tahoma" pitchFamily="34" charset="0"/>
-                <a:ea typeface="Tahoma" pitchFamily="34" charset="0"/>
-                <a:cs typeface="Tahoma" pitchFamily="34" charset="0"/>
-              </a:rPr>
-              <a:t>		</a:t>
-            </a:r>
-            <a:r>
-              <a:rPr lang="fr-FR" sz="1050" dirty="0" smtClean="0">
-                <a:solidFill>
-                  <a:schemeClr val="accent1">
-                    <a:lumMod val="75000"/>
-                  </a:schemeClr>
-                </a:solidFill>
-                <a:latin typeface="Tahoma" pitchFamily="34" charset="0"/>
-                <a:ea typeface="Tahoma" pitchFamily="34" charset="0"/>
-                <a:cs typeface="Tahoma" pitchFamily="34" charset="0"/>
-              </a:rPr>
-              <a:t>         }</a:t>
-            </a:r>
-            <a:endParaRPr lang="fr-FR" sz="1050" dirty="0">
-              <a:solidFill>
-                <a:schemeClr val="accent1">
-                  <a:lumMod val="75000"/>
-                </a:schemeClr>
-              </a:solidFill>
-              <a:latin typeface="Tahoma" pitchFamily="34" charset="0"/>
-              <a:ea typeface="Tahoma" pitchFamily="34" charset="0"/>
-              <a:cs typeface="Tahoma" pitchFamily="34" charset="0"/>
-            </a:endParaRPr>
-          </a:p>
-          <a:p>
-            <a:pPr algn="just">
-              <a:lnSpc>
-                <a:spcPct val="150000"/>
-              </a:lnSpc>
-            </a:pPr>
-            <a:r>
-              <a:rPr lang="fr-FR" sz="1050" dirty="0">
-                <a:solidFill>
-                  <a:schemeClr val="accent1">
-                    <a:lumMod val="75000"/>
-                  </a:schemeClr>
-                </a:solidFill>
-                <a:latin typeface="Tahoma" pitchFamily="34" charset="0"/>
-                <a:ea typeface="Tahoma" pitchFamily="34" charset="0"/>
-                <a:cs typeface="Tahoma" pitchFamily="34" charset="0"/>
-              </a:rPr>
-              <a:t>		</a:t>
-            </a:r>
-            <a:r>
-              <a:rPr lang="fr-FR" sz="1050" dirty="0" smtClean="0">
-                <a:solidFill>
-                  <a:schemeClr val="accent1">
-                    <a:lumMod val="75000"/>
-                  </a:schemeClr>
-                </a:solidFill>
-                <a:latin typeface="Tahoma" pitchFamily="34" charset="0"/>
-                <a:ea typeface="Tahoma" pitchFamily="34" charset="0"/>
-                <a:cs typeface="Tahoma" pitchFamily="34" charset="0"/>
-              </a:rPr>
-              <a:t>         </a:t>
-            </a:r>
-            <a:r>
-              <a:rPr lang="fr-FR" sz="1050" dirty="0" err="1" smtClean="0">
-                <a:solidFill>
-                  <a:schemeClr val="accent1">
-                    <a:lumMod val="75000"/>
-                  </a:schemeClr>
-                </a:solidFill>
-                <a:latin typeface="Tahoma" pitchFamily="34" charset="0"/>
-                <a:ea typeface="Tahoma" pitchFamily="34" charset="0"/>
-                <a:cs typeface="Tahoma" pitchFamily="34" charset="0"/>
-              </a:rPr>
-              <a:t>else</a:t>
-            </a:r>
-            <a:r>
-              <a:rPr lang="fr-FR" sz="1050" dirty="0" smtClean="0">
-                <a:solidFill>
-                  <a:schemeClr val="accent1">
-                    <a:lumMod val="75000"/>
-                  </a:schemeClr>
-                </a:solidFill>
-                <a:latin typeface="Tahoma" pitchFamily="34" charset="0"/>
-                <a:ea typeface="Tahoma" pitchFamily="34" charset="0"/>
-                <a:cs typeface="Tahoma" pitchFamily="34" charset="0"/>
-              </a:rPr>
-              <a:t> </a:t>
-            </a:r>
-            <a:r>
-              <a:rPr lang="fr-FR" sz="1050" dirty="0">
-                <a:solidFill>
-                  <a:schemeClr val="accent1">
-                    <a:lumMod val="75000"/>
-                  </a:schemeClr>
-                </a:solidFill>
-                <a:latin typeface="Tahoma" pitchFamily="34" charset="0"/>
-                <a:ea typeface="Tahoma" pitchFamily="34" charset="0"/>
-                <a:cs typeface="Tahoma" pitchFamily="34" charset="0"/>
-              </a:rPr>
-              <a:t>if (</a:t>
-            </a:r>
-            <a:r>
-              <a:rPr lang="fr-FR" sz="1050" dirty="0" err="1">
-                <a:solidFill>
-                  <a:schemeClr val="accent1">
-                    <a:lumMod val="75000"/>
-                  </a:schemeClr>
-                </a:solidFill>
-                <a:latin typeface="Tahoma" pitchFamily="34" charset="0"/>
-                <a:ea typeface="Tahoma" pitchFamily="34" charset="0"/>
-                <a:cs typeface="Tahoma" pitchFamily="34" charset="0"/>
-              </a:rPr>
-              <a:t>line.contains</a:t>
-            </a:r>
-            <a:r>
-              <a:rPr lang="fr-FR" sz="1050" dirty="0">
-                <a:solidFill>
-                  <a:schemeClr val="accent1">
-                    <a:lumMod val="75000"/>
-                  </a:schemeClr>
-                </a:solidFill>
-                <a:latin typeface="Tahoma" pitchFamily="34" charset="0"/>
-                <a:ea typeface="Tahoma" pitchFamily="34" charset="0"/>
-                <a:cs typeface="Tahoma" pitchFamily="34" charset="0"/>
-              </a:rPr>
-              <a:t>("</a:t>
-            </a:r>
-            <a:r>
-              <a:rPr lang="fr-FR" sz="1050" dirty="0" err="1">
-                <a:solidFill>
-                  <a:schemeClr val="accent1">
-                    <a:lumMod val="75000"/>
-                  </a:schemeClr>
-                </a:solidFill>
-                <a:latin typeface="Tahoma" pitchFamily="34" charset="0"/>
-                <a:ea typeface="Tahoma" pitchFamily="34" charset="0"/>
-                <a:cs typeface="Tahoma" pitchFamily="34" charset="0"/>
-              </a:rPr>
-              <a:t>pupils</a:t>
-            </a:r>
-            <a:r>
-              <a:rPr lang="fr-FR" sz="1050" dirty="0">
-                <a:solidFill>
-                  <a:schemeClr val="accent1">
-                    <a:lumMod val="75000"/>
-                  </a:schemeClr>
-                </a:solidFill>
-                <a:latin typeface="Tahoma" pitchFamily="34" charset="0"/>
-                <a:ea typeface="Tahoma" pitchFamily="34" charset="0"/>
-                <a:cs typeface="Tahoma" pitchFamily="34" charset="0"/>
-              </a:rPr>
-              <a:t>")) {</a:t>
-            </a:r>
-          </a:p>
-          <a:p>
-            <a:pPr algn="just">
-              <a:lnSpc>
-                <a:spcPct val="150000"/>
-              </a:lnSpc>
-            </a:pPr>
-            <a:r>
-              <a:rPr lang="fr-FR" sz="1050" dirty="0">
-                <a:solidFill>
-                  <a:schemeClr val="accent1">
-                    <a:lumMod val="75000"/>
-                  </a:schemeClr>
-                </a:solidFill>
-                <a:latin typeface="Tahoma" pitchFamily="34" charset="0"/>
-                <a:ea typeface="Tahoma" pitchFamily="34" charset="0"/>
-                <a:cs typeface="Tahoma" pitchFamily="34" charset="0"/>
-              </a:rPr>
-              <a:t>			</a:t>
-            </a:r>
-            <a:r>
-              <a:rPr lang="fr-FR" sz="1050" dirty="0" err="1" smtClean="0">
-                <a:solidFill>
-                  <a:schemeClr val="accent1">
-                    <a:lumMod val="75000"/>
-                  </a:schemeClr>
-                </a:solidFill>
-                <a:latin typeface="Tahoma" pitchFamily="34" charset="0"/>
-                <a:ea typeface="Tahoma" pitchFamily="34" charset="0"/>
-                <a:cs typeface="Tahoma" pitchFamily="34" charset="0"/>
-              </a:rPr>
-              <a:t>pupilCount</a:t>
-            </a:r>
-            <a:r>
-              <a:rPr lang="fr-FR" sz="1050" dirty="0">
-                <a:solidFill>
-                  <a:schemeClr val="accent1">
-                    <a:lumMod val="75000"/>
-                  </a:schemeClr>
-                </a:solidFill>
-                <a:latin typeface="Tahoma" pitchFamily="34" charset="0"/>
-                <a:ea typeface="Tahoma" pitchFamily="34" charset="0"/>
-                <a:cs typeface="Tahoma" pitchFamily="34" charset="0"/>
-              </a:rPr>
-              <a:t>++;</a:t>
-            </a:r>
-          </a:p>
-          <a:p>
-            <a:pPr algn="just">
-              <a:lnSpc>
-                <a:spcPct val="150000"/>
-              </a:lnSpc>
-            </a:pPr>
-            <a:r>
-              <a:rPr lang="fr-FR" sz="1050" dirty="0">
-                <a:solidFill>
-                  <a:schemeClr val="accent1">
-                    <a:lumMod val="75000"/>
-                  </a:schemeClr>
-                </a:solidFill>
-                <a:latin typeface="Tahoma" pitchFamily="34" charset="0"/>
-                <a:ea typeface="Tahoma" pitchFamily="34" charset="0"/>
-                <a:cs typeface="Tahoma" pitchFamily="34" charset="0"/>
-              </a:rPr>
-              <a:t>		</a:t>
-            </a:r>
-            <a:r>
-              <a:rPr lang="fr-FR" sz="1050" dirty="0" smtClean="0">
-                <a:solidFill>
-                  <a:schemeClr val="accent1">
-                    <a:lumMod val="75000"/>
-                  </a:schemeClr>
-                </a:solidFill>
-                <a:latin typeface="Tahoma" pitchFamily="34" charset="0"/>
-                <a:ea typeface="Tahoma" pitchFamily="34" charset="0"/>
-                <a:cs typeface="Tahoma" pitchFamily="34" charset="0"/>
-              </a:rPr>
-              <a:t>           }</a:t>
-            </a:r>
-            <a:endParaRPr lang="fr-FR" sz="1050" dirty="0">
-              <a:solidFill>
-                <a:schemeClr val="accent1">
-                  <a:lumMod val="75000"/>
-                </a:schemeClr>
-              </a:solidFill>
-              <a:latin typeface="Tahoma" pitchFamily="34" charset="0"/>
-              <a:ea typeface="Tahoma" pitchFamily="34" charset="0"/>
-              <a:cs typeface="Tahoma" pitchFamily="34" charset="0"/>
-            </a:endParaRPr>
-          </a:p>
-          <a:p>
-            <a:pPr algn="just">
-              <a:lnSpc>
-                <a:spcPct val="150000"/>
-              </a:lnSpc>
-            </a:pPr>
-            <a:r>
-              <a:rPr lang="fr-FR" sz="1050" dirty="0">
-                <a:solidFill>
-                  <a:schemeClr val="accent1">
-                    <a:lumMod val="75000"/>
-                  </a:schemeClr>
-                </a:solidFill>
-                <a:latin typeface="Tahoma" pitchFamily="34" charset="0"/>
-                <a:ea typeface="Tahoma" pitchFamily="34" charset="0"/>
-                <a:cs typeface="Tahoma" pitchFamily="34" charset="0"/>
-              </a:rPr>
-              <a:t>		</a:t>
-            </a:r>
-            <a:r>
-              <a:rPr lang="fr-FR" sz="1050" dirty="0" smtClean="0">
-                <a:solidFill>
-                  <a:schemeClr val="accent1">
-                    <a:lumMod val="75000"/>
-                  </a:schemeClr>
-                </a:solidFill>
-                <a:latin typeface="Tahoma" pitchFamily="34" charset="0"/>
-                <a:ea typeface="Tahoma" pitchFamily="34" charset="0"/>
-                <a:cs typeface="Tahoma" pitchFamily="34" charset="0"/>
-              </a:rPr>
-              <a:t>     line </a:t>
-            </a:r>
-            <a:r>
-              <a:rPr lang="fr-FR" sz="1050" dirty="0">
-                <a:solidFill>
-                  <a:schemeClr val="accent1">
-                    <a:lumMod val="75000"/>
-                  </a:schemeClr>
-                </a:solidFill>
-                <a:latin typeface="Tahoma" pitchFamily="34" charset="0"/>
-                <a:ea typeface="Tahoma" pitchFamily="34" charset="0"/>
-                <a:cs typeface="Tahoma" pitchFamily="34" charset="0"/>
-              </a:rPr>
-              <a:t>= </a:t>
-            </a:r>
-            <a:r>
-              <a:rPr lang="fr-FR" sz="1050" dirty="0" err="1">
-                <a:solidFill>
-                  <a:schemeClr val="accent1">
-                    <a:lumMod val="75000"/>
-                  </a:schemeClr>
-                </a:solidFill>
-                <a:latin typeface="Tahoma" pitchFamily="34" charset="0"/>
-                <a:ea typeface="Tahoma" pitchFamily="34" charset="0"/>
-                <a:cs typeface="Tahoma" pitchFamily="34" charset="0"/>
-              </a:rPr>
-              <a:t>reader.readLine</a:t>
-            </a:r>
-            <a:r>
-              <a:rPr lang="fr-FR" sz="1050" dirty="0">
-                <a:solidFill>
-                  <a:schemeClr val="accent1">
-                    <a:lumMod val="75000"/>
-                  </a:schemeClr>
-                </a:solidFill>
-                <a:latin typeface="Tahoma" pitchFamily="34" charset="0"/>
-                <a:ea typeface="Tahoma" pitchFamily="34" charset="0"/>
-                <a:cs typeface="Tahoma" pitchFamily="34" charset="0"/>
-              </a:rPr>
-              <a:t>();	// </a:t>
-            </a:r>
-            <a:r>
-              <a:rPr lang="fr-FR" sz="1050" dirty="0" err="1">
-                <a:solidFill>
-                  <a:schemeClr val="accent1">
-                    <a:lumMod val="75000"/>
-                  </a:schemeClr>
-                </a:solidFill>
-                <a:latin typeface="Tahoma" pitchFamily="34" charset="0"/>
-                <a:ea typeface="Tahoma" pitchFamily="34" charset="0"/>
-                <a:cs typeface="Tahoma" pitchFamily="34" charset="0"/>
-              </a:rPr>
-              <a:t>get</a:t>
-            </a:r>
-            <a:r>
-              <a:rPr lang="fr-FR" sz="1050" dirty="0">
-                <a:solidFill>
-                  <a:schemeClr val="accent1">
-                    <a:lumMod val="75000"/>
-                  </a:schemeClr>
-                </a:solidFill>
-                <a:latin typeface="Tahoma" pitchFamily="34" charset="0"/>
-                <a:ea typeface="Tahoma" pitchFamily="34" charset="0"/>
-                <a:cs typeface="Tahoma" pitchFamily="34" charset="0"/>
-              </a:rPr>
-              <a:t> </a:t>
-            </a:r>
-            <a:r>
-              <a:rPr lang="fr-FR" sz="1050" dirty="0" err="1">
-                <a:solidFill>
-                  <a:schemeClr val="accent1">
-                    <a:lumMod val="75000"/>
-                  </a:schemeClr>
-                </a:solidFill>
-                <a:latin typeface="Tahoma" pitchFamily="34" charset="0"/>
-                <a:ea typeface="Tahoma" pitchFamily="34" charset="0"/>
-                <a:cs typeface="Tahoma" pitchFamily="34" charset="0"/>
-              </a:rPr>
-              <a:t>another</a:t>
-            </a:r>
-            <a:r>
-              <a:rPr lang="fr-FR" sz="1050" dirty="0">
-                <a:solidFill>
-                  <a:schemeClr val="accent1">
-                    <a:lumMod val="75000"/>
-                  </a:schemeClr>
-                </a:solidFill>
-                <a:latin typeface="Tahoma" pitchFamily="34" charset="0"/>
-                <a:ea typeface="Tahoma" pitchFamily="34" charset="0"/>
-                <a:cs typeface="Tahoma" pitchFamily="34" charset="0"/>
-              </a:rPr>
-              <a:t> </a:t>
-            </a:r>
-            <a:r>
-              <a:rPr lang="fr-FR" sz="1050" dirty="0" err="1">
-                <a:solidFill>
-                  <a:schemeClr val="accent1">
-                    <a:lumMod val="75000"/>
-                  </a:schemeClr>
-                </a:solidFill>
-                <a:latin typeface="Tahoma" pitchFamily="34" charset="0"/>
-                <a:ea typeface="Tahoma" pitchFamily="34" charset="0"/>
-                <a:cs typeface="Tahoma" pitchFamily="34" charset="0"/>
-              </a:rPr>
-              <a:t>symptom</a:t>
-            </a:r>
-            <a:endParaRPr lang="fr-FR" sz="1050" dirty="0">
-              <a:solidFill>
-                <a:schemeClr val="accent1">
-                  <a:lumMod val="75000"/>
-                </a:schemeClr>
-              </a:solidFill>
-              <a:latin typeface="Tahoma" pitchFamily="34" charset="0"/>
-              <a:ea typeface="Tahoma" pitchFamily="34" charset="0"/>
-              <a:cs typeface="Tahoma" pitchFamily="34" charset="0"/>
-            </a:endParaRPr>
-          </a:p>
-          <a:p>
-            <a:pPr algn="just">
-              <a:lnSpc>
-                <a:spcPct val="150000"/>
-              </a:lnSpc>
-            </a:pPr>
-            <a:r>
-              <a:rPr lang="fr-FR" sz="1050" dirty="0">
-                <a:solidFill>
-                  <a:schemeClr val="accent1">
-                    <a:lumMod val="75000"/>
-                  </a:schemeClr>
-                </a:solidFill>
-                <a:latin typeface="Tahoma" pitchFamily="34" charset="0"/>
-                <a:ea typeface="Tahoma" pitchFamily="34" charset="0"/>
-                <a:cs typeface="Tahoma" pitchFamily="34" charset="0"/>
-              </a:rPr>
-              <a:t>		}</a:t>
-            </a:r>
-            <a:endParaRPr lang="fr-FR" sz="1050" dirty="0" smtClean="0">
-              <a:solidFill>
-                <a:schemeClr val="accent1">
-                  <a:lumMod val="75000"/>
-                </a:schemeClr>
+                <a:schemeClr val="tx2"/>
               </a:solidFill>
               <a:latin typeface="Tahoma" pitchFamily="34" charset="0"/>
               <a:ea typeface="Tahoma" pitchFamily="34" charset="0"/>
@@ -9707,14 +10174,6 @@
               </a:rPr>
               <a:t>3</a:t>
             </a:r>
-            <a:endParaRPr lang="fr-FR" sz="1200" b="1" dirty="0">
-              <a:solidFill>
-                <a:schemeClr val="bg1"/>
-              </a:solidFill>
-              <a:latin typeface="Tahoma" pitchFamily="34" charset="0"/>
-              <a:ea typeface="Tahoma" pitchFamily="34" charset="0"/>
-              <a:cs typeface="Tahoma" pitchFamily="34" charset="0"/>
-            </a:endParaRPr>
           </a:p>
         </p:txBody>
       </p:sp>
@@ -9819,7 +10278,7 @@
         <p:spPr>
           <a:xfrm>
             <a:off x="179512" y="404664"/>
-            <a:ext cx="8640960" cy="2585323"/>
+            <a:ext cx="8640960" cy="2446824"/>
           </a:xfrm>
           <a:prstGeom prst="rect">
             <a:avLst/>
@@ -9887,12 +10346,9 @@
               <a:t>	</a:t>
             </a:r>
             <a:r>
-              <a:rPr lang="fr-FR" sz="1200" b="1" dirty="0" err="1" smtClean="0">
-                <a:solidFill>
-                  <a:schemeClr val="tx2">
-                    <a:lumMod val="60000"/>
-                    <a:lumOff val="40000"/>
-                  </a:schemeClr>
+              <a:rPr lang="fr-FR" sz="1050" b="1" dirty="0" err="1" smtClean="0">
+                <a:solidFill>
+                  <a:schemeClr val="tx2"/>
                 </a:solidFill>
                 <a:latin typeface="Tahoma" pitchFamily="34" charset="0"/>
                 <a:ea typeface="Tahoma" pitchFamily="34" charset="0"/>
@@ -9901,12 +10357,9 @@
               <a:t>FileWriter</a:t>
             </a:r>
             <a:r>
-              <a:rPr lang="fr-FR" sz="1200" b="1" dirty="0" smtClean="0">
-                <a:solidFill>
-                  <a:schemeClr val="tx2">
-                    <a:lumMod val="60000"/>
-                    <a:lumOff val="40000"/>
-                  </a:schemeClr>
+              <a:rPr lang="fr-FR" sz="1050" b="1" dirty="0" smtClean="0">
+                <a:solidFill>
+                  <a:schemeClr val="tx2"/>
                 </a:solidFill>
                 <a:latin typeface="Tahoma" pitchFamily="34" charset="0"/>
                 <a:ea typeface="Tahoma" pitchFamily="34" charset="0"/>
@@ -9915,12 +10368,9 @@
               <a:t> </a:t>
             </a:r>
             <a:r>
-              <a:rPr lang="fr-FR" sz="1200" b="1" dirty="0" err="1">
-                <a:solidFill>
-                  <a:schemeClr val="tx2">
-                    <a:lumMod val="60000"/>
-                    <a:lumOff val="40000"/>
-                  </a:schemeClr>
+              <a:rPr lang="fr-FR" sz="1050" b="1" dirty="0" err="1">
+                <a:solidFill>
+                  <a:schemeClr val="tx2"/>
                 </a:solidFill>
                 <a:latin typeface="Tahoma" pitchFamily="34" charset="0"/>
                 <a:ea typeface="Tahoma" pitchFamily="34" charset="0"/>
@@ -9929,12 +10379,9 @@
               <a:t>writer</a:t>
             </a:r>
             <a:r>
-              <a:rPr lang="fr-FR" sz="1200" b="1" dirty="0">
-                <a:solidFill>
-                  <a:schemeClr val="tx2">
-                    <a:lumMod val="60000"/>
-                    <a:lumOff val="40000"/>
-                  </a:schemeClr>
+              <a:rPr lang="fr-FR" sz="1050" b="1" dirty="0">
+                <a:solidFill>
+                  <a:schemeClr val="tx2"/>
                 </a:solidFill>
                 <a:latin typeface="Tahoma" pitchFamily="34" charset="0"/>
                 <a:ea typeface="Tahoma" pitchFamily="34" charset="0"/>
@@ -9943,12 +10390,9 @@
               <a:t> = new </a:t>
             </a:r>
             <a:r>
-              <a:rPr lang="fr-FR" sz="1200" b="1" dirty="0" err="1">
-                <a:solidFill>
-                  <a:schemeClr val="tx2">
-                    <a:lumMod val="60000"/>
-                    <a:lumOff val="40000"/>
-                  </a:schemeClr>
+              <a:rPr lang="fr-FR" sz="1050" b="1" dirty="0" err="1">
+                <a:solidFill>
+                  <a:schemeClr val="tx2"/>
                 </a:solidFill>
                 <a:latin typeface="Tahoma" pitchFamily="34" charset="0"/>
                 <a:ea typeface="Tahoma" pitchFamily="34" charset="0"/>
@@ -9957,12 +10401,9 @@
               <a:t>FileWriter</a:t>
             </a:r>
             <a:r>
-              <a:rPr lang="fr-FR" sz="1200" b="1" dirty="0">
-                <a:solidFill>
-                  <a:schemeClr val="tx2">
-                    <a:lumMod val="60000"/>
-                    <a:lumOff val="40000"/>
-                  </a:schemeClr>
+              <a:rPr lang="fr-FR" sz="1050" b="1" dirty="0">
+                <a:solidFill>
+                  <a:schemeClr val="tx2"/>
                 </a:solidFill>
                 <a:latin typeface="Tahoma" pitchFamily="34" charset="0"/>
                 <a:ea typeface="Tahoma" pitchFamily="34" charset="0"/>
@@ -9971,12 +10412,9 @@
               <a:t> ("</a:t>
             </a:r>
             <a:r>
-              <a:rPr lang="fr-FR" sz="1200" b="1" dirty="0" err="1">
-                <a:solidFill>
-                  <a:schemeClr val="tx2">
-                    <a:lumMod val="60000"/>
-                    <a:lumOff val="40000"/>
-                  </a:schemeClr>
+              <a:rPr lang="fr-FR" sz="1050" b="1" dirty="0" err="1">
+                <a:solidFill>
+                  <a:schemeClr val="tx2"/>
                 </a:solidFill>
                 <a:latin typeface="Tahoma" pitchFamily="34" charset="0"/>
                 <a:ea typeface="Tahoma" pitchFamily="34" charset="0"/>
@@ -9985,12 +10423,9 @@
               <a:t>result.out</a:t>
             </a:r>
             <a:r>
-              <a:rPr lang="fr-FR" sz="1200" b="1" dirty="0">
-                <a:solidFill>
-                  <a:schemeClr val="tx2">
-                    <a:lumMod val="60000"/>
-                    <a:lumOff val="40000"/>
-                  </a:schemeClr>
+              <a:rPr lang="fr-FR" sz="1050" b="1" dirty="0">
+                <a:solidFill>
+                  <a:schemeClr val="tx2"/>
                 </a:solidFill>
                 <a:latin typeface="Tahoma" pitchFamily="34" charset="0"/>
                 <a:ea typeface="Tahoma" pitchFamily="34" charset="0"/>
@@ -10006,12 +10441,9 @@
               </a:lnSpc>
             </a:pPr>
             <a:r>
-              <a:rPr lang="fr-FR" sz="1200" b="1" dirty="0">
-                <a:solidFill>
-                  <a:schemeClr val="tx2">
-                    <a:lumMod val="60000"/>
-                    <a:lumOff val="40000"/>
-                  </a:schemeClr>
+              <a:rPr lang="fr-FR" sz="1050" b="1" dirty="0">
+                <a:solidFill>
+                  <a:schemeClr val="tx2"/>
                 </a:solidFill>
                 <a:latin typeface="Tahoma" pitchFamily="34" charset="0"/>
                 <a:ea typeface="Tahoma" pitchFamily="34" charset="0"/>
@@ -10020,12 +10452,9 @@
               <a:t>	</a:t>
             </a:r>
             <a:r>
-              <a:rPr lang="fr-FR" sz="1200" b="1" dirty="0" smtClean="0">
-                <a:solidFill>
-                  <a:schemeClr val="tx2">
-                    <a:lumMod val="60000"/>
-                    <a:lumOff val="40000"/>
-                  </a:schemeClr>
+              <a:rPr lang="fr-FR" sz="1050" b="1" dirty="0" smtClean="0">
+                <a:solidFill>
+                  <a:schemeClr val="tx2"/>
                 </a:solidFill>
                 <a:latin typeface="Tahoma" pitchFamily="34" charset="0"/>
                 <a:ea typeface="Tahoma" pitchFamily="34" charset="0"/>
@@ -10034,12 +10463,9 @@
               <a:t>	</a:t>
             </a:r>
             <a:r>
-              <a:rPr lang="fr-FR" sz="1200" b="1" dirty="0" err="1" smtClean="0">
-                <a:solidFill>
-                  <a:schemeClr val="tx2">
-                    <a:lumMod val="60000"/>
-                    <a:lumOff val="40000"/>
-                  </a:schemeClr>
+              <a:rPr lang="fr-FR" sz="1050" b="1" dirty="0" err="1" smtClean="0">
+                <a:solidFill>
+                  <a:schemeClr val="tx2"/>
                 </a:solidFill>
                 <a:latin typeface="Tahoma" pitchFamily="34" charset="0"/>
                 <a:ea typeface="Tahoma" pitchFamily="34" charset="0"/>
@@ -10048,12 +10474,9 @@
               <a:t>writer.write</a:t>
             </a:r>
             <a:r>
-              <a:rPr lang="fr-FR" sz="1200" b="1" dirty="0">
-                <a:solidFill>
-                  <a:schemeClr val="tx2">
-                    <a:lumMod val="60000"/>
-                    <a:lumOff val="40000"/>
-                  </a:schemeClr>
+              <a:rPr lang="fr-FR" sz="1050" b="1" dirty="0">
+                <a:solidFill>
+                  <a:schemeClr val="tx2"/>
                 </a:solidFill>
                 <a:latin typeface="Tahoma" pitchFamily="34" charset="0"/>
                 <a:ea typeface="Tahoma" pitchFamily="34" charset="0"/>
@@ -10062,12 +10485,9 @@
               <a:t>("</a:t>
             </a:r>
             <a:r>
-              <a:rPr lang="fr-FR" sz="1200" b="1" dirty="0" err="1">
-                <a:solidFill>
-                  <a:schemeClr val="tx2">
-                    <a:lumMod val="60000"/>
-                    <a:lumOff val="40000"/>
-                  </a:schemeClr>
+              <a:rPr lang="fr-FR" sz="1050" b="1" dirty="0" err="1">
+                <a:solidFill>
+                  <a:schemeClr val="tx2"/>
                 </a:solidFill>
                 <a:latin typeface="Tahoma" pitchFamily="34" charset="0"/>
                 <a:ea typeface="Tahoma" pitchFamily="34" charset="0"/>
@@ -10076,12 +10496,9 @@
               <a:t>headache</a:t>
             </a:r>
             <a:r>
-              <a:rPr lang="fr-FR" sz="1200" b="1" dirty="0">
-                <a:solidFill>
-                  <a:schemeClr val="tx2">
-                    <a:lumMod val="60000"/>
-                    <a:lumOff val="40000"/>
-                  </a:schemeClr>
+              <a:rPr lang="fr-FR" sz="1050" b="1" dirty="0">
+                <a:solidFill>
+                  <a:schemeClr val="tx2"/>
                 </a:solidFill>
                 <a:latin typeface="Tahoma" pitchFamily="34" charset="0"/>
                 <a:ea typeface="Tahoma" pitchFamily="34" charset="0"/>
@@ -10090,12 +10507,9 @@
               <a:t>: " + </a:t>
             </a:r>
             <a:r>
-              <a:rPr lang="fr-FR" sz="1200" b="1" dirty="0" err="1">
-                <a:solidFill>
-                  <a:schemeClr val="tx2">
-                    <a:lumMod val="60000"/>
-                    <a:lumOff val="40000"/>
-                  </a:schemeClr>
+              <a:rPr lang="fr-FR" sz="1050" b="1" dirty="0" err="1">
+                <a:solidFill>
+                  <a:schemeClr val="tx2"/>
                 </a:solidFill>
                 <a:latin typeface="Tahoma" pitchFamily="34" charset="0"/>
                 <a:ea typeface="Tahoma" pitchFamily="34" charset="0"/>
@@ -10104,12 +10518,9 @@
               <a:t>headacheCount</a:t>
             </a:r>
             <a:r>
-              <a:rPr lang="fr-FR" sz="1200" b="1" dirty="0">
-                <a:solidFill>
-                  <a:schemeClr val="tx2">
-                    <a:lumMod val="60000"/>
-                    <a:lumOff val="40000"/>
-                  </a:schemeClr>
+              <a:rPr lang="fr-FR" sz="1050" b="1" dirty="0">
+                <a:solidFill>
+                  <a:schemeClr val="tx2"/>
                 </a:solidFill>
                 <a:latin typeface="Tahoma" pitchFamily="34" charset="0"/>
                 <a:ea typeface="Tahoma" pitchFamily="34" charset="0"/>
@@ -10125,12 +10536,9 @@
               </a:lnSpc>
             </a:pPr>
             <a:r>
-              <a:rPr lang="fr-FR" sz="1200" b="1" dirty="0">
-                <a:solidFill>
-                  <a:schemeClr val="tx2">
-                    <a:lumMod val="60000"/>
-                    <a:lumOff val="40000"/>
-                  </a:schemeClr>
+              <a:rPr lang="fr-FR" sz="1050" b="1" dirty="0">
+                <a:solidFill>
+                  <a:schemeClr val="tx2"/>
                 </a:solidFill>
                 <a:latin typeface="Tahoma" pitchFamily="34" charset="0"/>
                 <a:ea typeface="Tahoma" pitchFamily="34" charset="0"/>
@@ -10139,12 +10547,9 @@
               <a:t>	</a:t>
             </a:r>
             <a:r>
-              <a:rPr lang="fr-FR" sz="1200" b="1" dirty="0" smtClean="0">
-                <a:solidFill>
-                  <a:schemeClr val="tx2">
-                    <a:lumMod val="60000"/>
-                    <a:lumOff val="40000"/>
-                  </a:schemeClr>
+              <a:rPr lang="fr-FR" sz="1050" b="1" dirty="0" smtClean="0">
+                <a:solidFill>
+                  <a:schemeClr val="tx2"/>
                 </a:solidFill>
                 <a:latin typeface="Tahoma" pitchFamily="34" charset="0"/>
                 <a:ea typeface="Tahoma" pitchFamily="34" charset="0"/>
@@ -10153,12 +10558,9 @@
               <a:t>	</a:t>
             </a:r>
             <a:r>
-              <a:rPr lang="fr-FR" sz="1200" b="1" dirty="0" err="1" smtClean="0">
-                <a:solidFill>
-                  <a:schemeClr val="tx2">
-                    <a:lumMod val="60000"/>
-                    <a:lumOff val="40000"/>
-                  </a:schemeClr>
+              <a:rPr lang="fr-FR" sz="1050" b="1" dirty="0" err="1" smtClean="0">
+                <a:solidFill>
+                  <a:schemeClr val="tx2"/>
                 </a:solidFill>
                 <a:latin typeface="Tahoma" pitchFamily="34" charset="0"/>
                 <a:ea typeface="Tahoma" pitchFamily="34" charset="0"/>
@@ -10167,12 +10569,9 @@
               <a:t>writer.write</a:t>
             </a:r>
             <a:r>
-              <a:rPr lang="fr-FR" sz="1200" b="1" dirty="0">
-                <a:solidFill>
-                  <a:schemeClr val="tx2">
-                    <a:lumMod val="60000"/>
-                    <a:lumOff val="40000"/>
-                  </a:schemeClr>
+              <a:rPr lang="fr-FR" sz="1050" b="1" dirty="0">
+                <a:solidFill>
+                  <a:schemeClr val="tx2"/>
                 </a:solidFill>
                 <a:latin typeface="Tahoma" pitchFamily="34" charset="0"/>
                 <a:ea typeface="Tahoma" pitchFamily="34" charset="0"/>
@@ -10181,12 +10580,9 @@
               <a:t>("rash: " + </a:t>
             </a:r>
             <a:r>
-              <a:rPr lang="fr-FR" sz="1200" b="1" dirty="0" err="1">
-                <a:solidFill>
-                  <a:schemeClr val="tx2">
-                    <a:lumMod val="60000"/>
-                    <a:lumOff val="40000"/>
-                  </a:schemeClr>
+              <a:rPr lang="fr-FR" sz="1050" b="1" dirty="0" err="1">
+                <a:solidFill>
+                  <a:schemeClr val="tx2"/>
                 </a:solidFill>
                 <a:latin typeface="Tahoma" pitchFamily="34" charset="0"/>
                 <a:ea typeface="Tahoma" pitchFamily="34" charset="0"/>
@@ -10195,12 +10591,9 @@
               <a:t>rashCount</a:t>
             </a:r>
             <a:r>
-              <a:rPr lang="fr-FR" sz="1200" b="1" dirty="0">
-                <a:solidFill>
-                  <a:schemeClr val="tx2">
-                    <a:lumMod val="60000"/>
-                    <a:lumOff val="40000"/>
-                  </a:schemeClr>
+              <a:rPr lang="fr-FR" sz="1050" b="1" dirty="0">
+                <a:solidFill>
+                  <a:schemeClr val="tx2"/>
                 </a:solidFill>
                 <a:latin typeface="Tahoma" pitchFamily="34" charset="0"/>
                 <a:ea typeface="Tahoma" pitchFamily="34" charset="0"/>
@@ -10216,12 +10609,9 @@
               </a:lnSpc>
             </a:pPr>
             <a:r>
-              <a:rPr lang="fr-FR" sz="1200" b="1" dirty="0">
-                <a:solidFill>
-                  <a:schemeClr val="tx2">
-                    <a:lumMod val="60000"/>
-                    <a:lumOff val="40000"/>
-                  </a:schemeClr>
+              <a:rPr lang="fr-FR" sz="1050" b="1" dirty="0">
+                <a:solidFill>
+                  <a:schemeClr val="tx2"/>
                 </a:solidFill>
                 <a:latin typeface="Tahoma" pitchFamily="34" charset="0"/>
                 <a:ea typeface="Tahoma" pitchFamily="34" charset="0"/>
@@ -10230,12 +10620,9 @@
               <a:t>	</a:t>
             </a:r>
             <a:r>
-              <a:rPr lang="fr-FR" sz="1200" b="1" dirty="0" smtClean="0">
-                <a:solidFill>
-                  <a:schemeClr val="tx2">
-                    <a:lumMod val="60000"/>
-                    <a:lumOff val="40000"/>
-                  </a:schemeClr>
+              <a:rPr lang="fr-FR" sz="1050" b="1" dirty="0" smtClean="0">
+                <a:solidFill>
+                  <a:schemeClr val="tx2"/>
                 </a:solidFill>
                 <a:latin typeface="Tahoma" pitchFamily="34" charset="0"/>
                 <a:ea typeface="Tahoma" pitchFamily="34" charset="0"/>
@@ -10244,12 +10631,9 @@
               <a:t>	</a:t>
             </a:r>
             <a:r>
-              <a:rPr lang="fr-FR" sz="1200" b="1" dirty="0" err="1" smtClean="0">
-                <a:solidFill>
-                  <a:schemeClr val="tx2">
-                    <a:lumMod val="60000"/>
-                    <a:lumOff val="40000"/>
-                  </a:schemeClr>
+              <a:rPr lang="fr-FR" sz="1050" b="1" dirty="0" err="1" smtClean="0">
+                <a:solidFill>
+                  <a:schemeClr val="tx2"/>
                 </a:solidFill>
                 <a:latin typeface="Tahoma" pitchFamily="34" charset="0"/>
                 <a:ea typeface="Tahoma" pitchFamily="34" charset="0"/>
@@ -10258,12 +10642,9 @@
               <a:t>writer.write</a:t>
             </a:r>
             <a:r>
-              <a:rPr lang="fr-FR" sz="1200" b="1" dirty="0">
-                <a:solidFill>
-                  <a:schemeClr val="tx2">
-                    <a:lumMod val="60000"/>
-                    <a:lumOff val="40000"/>
-                  </a:schemeClr>
+              <a:rPr lang="fr-FR" sz="1050" b="1" dirty="0">
+                <a:solidFill>
+                  <a:schemeClr val="tx2"/>
                 </a:solidFill>
                 <a:latin typeface="Tahoma" pitchFamily="34" charset="0"/>
                 <a:ea typeface="Tahoma" pitchFamily="34" charset="0"/>
@@ -10272,12 +10653,9 @@
               <a:t>("</a:t>
             </a:r>
             <a:r>
-              <a:rPr lang="fr-FR" sz="1200" b="1" dirty="0" err="1">
-                <a:solidFill>
-                  <a:schemeClr val="tx2">
-                    <a:lumMod val="60000"/>
-                    <a:lumOff val="40000"/>
-                  </a:schemeClr>
+              <a:rPr lang="fr-FR" sz="1050" b="1" dirty="0" err="1">
+                <a:solidFill>
+                  <a:schemeClr val="tx2"/>
                 </a:solidFill>
                 <a:latin typeface="Tahoma" pitchFamily="34" charset="0"/>
                 <a:ea typeface="Tahoma" pitchFamily="34" charset="0"/>
@@ -10286,12 +10664,9 @@
               <a:t>dialated</a:t>
             </a:r>
             <a:r>
-              <a:rPr lang="fr-FR" sz="1200" b="1" dirty="0">
-                <a:solidFill>
-                  <a:schemeClr val="tx2">
-                    <a:lumMod val="60000"/>
-                    <a:lumOff val="40000"/>
-                  </a:schemeClr>
+              <a:rPr lang="fr-FR" sz="1050" b="1" dirty="0">
+                <a:solidFill>
+                  <a:schemeClr val="tx2"/>
                 </a:solidFill>
                 <a:latin typeface="Tahoma" pitchFamily="34" charset="0"/>
                 <a:ea typeface="Tahoma" pitchFamily="34" charset="0"/>
@@ -10300,12 +10675,9 @@
               <a:t> </a:t>
             </a:r>
             <a:r>
-              <a:rPr lang="fr-FR" sz="1200" b="1" dirty="0" err="1">
-                <a:solidFill>
-                  <a:schemeClr val="tx2">
-                    <a:lumMod val="60000"/>
-                    <a:lumOff val="40000"/>
-                  </a:schemeClr>
+              <a:rPr lang="fr-FR" sz="1050" b="1" dirty="0" err="1">
+                <a:solidFill>
+                  <a:schemeClr val="tx2"/>
                 </a:solidFill>
                 <a:latin typeface="Tahoma" pitchFamily="34" charset="0"/>
                 <a:ea typeface="Tahoma" pitchFamily="34" charset="0"/>
@@ -10314,12 +10686,9 @@
               <a:t>pupils</a:t>
             </a:r>
             <a:r>
-              <a:rPr lang="fr-FR" sz="1200" b="1" dirty="0">
-                <a:solidFill>
-                  <a:schemeClr val="tx2">
-                    <a:lumMod val="60000"/>
-                    <a:lumOff val="40000"/>
-                  </a:schemeClr>
+              <a:rPr lang="fr-FR" sz="1050" b="1" dirty="0">
+                <a:solidFill>
+                  <a:schemeClr val="tx2"/>
                 </a:solidFill>
                 <a:latin typeface="Tahoma" pitchFamily="34" charset="0"/>
                 <a:ea typeface="Tahoma" pitchFamily="34" charset="0"/>
@@ -10328,12 +10697,9 @@
               <a:t>: " + </a:t>
             </a:r>
             <a:r>
-              <a:rPr lang="fr-FR" sz="1200" b="1" dirty="0" err="1">
-                <a:solidFill>
-                  <a:schemeClr val="tx2">
-                    <a:lumMod val="60000"/>
-                    <a:lumOff val="40000"/>
-                  </a:schemeClr>
+              <a:rPr lang="fr-FR" sz="1050" b="1" dirty="0" err="1">
+                <a:solidFill>
+                  <a:schemeClr val="tx2"/>
                 </a:solidFill>
                 <a:latin typeface="Tahoma" pitchFamily="34" charset="0"/>
                 <a:ea typeface="Tahoma" pitchFamily="34" charset="0"/>
@@ -10342,12 +10708,9 @@
               <a:t>pupilCount</a:t>
             </a:r>
             <a:r>
-              <a:rPr lang="fr-FR" sz="1200" b="1" dirty="0">
-                <a:solidFill>
-                  <a:schemeClr val="tx2">
-                    <a:lumMod val="60000"/>
-                    <a:lumOff val="40000"/>
-                  </a:schemeClr>
+              <a:rPr lang="fr-FR" sz="1050" b="1" dirty="0">
+                <a:solidFill>
+                  <a:schemeClr val="tx2"/>
                 </a:solidFill>
                 <a:latin typeface="Tahoma" pitchFamily="34" charset="0"/>
                 <a:ea typeface="Tahoma" pitchFamily="34" charset="0"/>
@@ -10363,12 +10726,9 @@
               </a:lnSpc>
             </a:pPr>
             <a:r>
-              <a:rPr lang="fr-FR" sz="1200" b="1" dirty="0">
-                <a:solidFill>
-                  <a:schemeClr val="tx2">
-                    <a:lumMod val="60000"/>
-                    <a:lumOff val="40000"/>
-                  </a:schemeClr>
+              <a:rPr lang="fr-FR" sz="1050" b="1" dirty="0">
+                <a:solidFill>
+                  <a:schemeClr val="tx2"/>
                 </a:solidFill>
                 <a:latin typeface="Tahoma" pitchFamily="34" charset="0"/>
                 <a:ea typeface="Tahoma" pitchFamily="34" charset="0"/>
@@ -10377,12 +10737,9 @@
               <a:t>	</a:t>
             </a:r>
             <a:r>
-              <a:rPr lang="fr-FR" sz="1200" b="1" dirty="0" smtClean="0">
-                <a:solidFill>
-                  <a:schemeClr val="tx2">
-                    <a:lumMod val="60000"/>
-                    <a:lumOff val="40000"/>
-                  </a:schemeClr>
+              <a:rPr lang="fr-FR" sz="1050" b="1" dirty="0" smtClean="0">
+                <a:solidFill>
+                  <a:schemeClr val="tx2"/>
                 </a:solidFill>
                 <a:latin typeface="Tahoma" pitchFamily="34" charset="0"/>
                 <a:ea typeface="Tahoma" pitchFamily="34" charset="0"/>
@@ -10391,12 +10748,9 @@
               <a:t>	</a:t>
             </a:r>
             <a:r>
-              <a:rPr lang="fr-FR" sz="1200" b="1" dirty="0" err="1" smtClean="0">
-                <a:solidFill>
-                  <a:schemeClr val="tx2">
-                    <a:lumMod val="60000"/>
-                    <a:lumOff val="40000"/>
-                  </a:schemeClr>
+              <a:rPr lang="fr-FR" sz="1050" b="1" dirty="0" err="1" smtClean="0">
+                <a:solidFill>
+                  <a:schemeClr val="tx2"/>
                 </a:solidFill>
                 <a:latin typeface="Tahoma" pitchFamily="34" charset="0"/>
                 <a:ea typeface="Tahoma" pitchFamily="34" charset="0"/>
@@ -10405,12 +10759,9 @@
               <a:t>writer.close</a:t>
             </a:r>
             <a:r>
-              <a:rPr lang="fr-FR" sz="1200" b="1" dirty="0" smtClean="0">
-                <a:solidFill>
-                  <a:schemeClr val="tx2">
-                    <a:lumMod val="60000"/>
-                    <a:lumOff val="40000"/>
-                  </a:schemeClr>
+              <a:rPr lang="fr-FR" sz="1050" b="1" dirty="0" smtClean="0">
+                <a:solidFill>
+                  <a:schemeClr val="tx2"/>
                 </a:solidFill>
                 <a:latin typeface="Tahoma" pitchFamily="34" charset="0"/>
                 <a:ea typeface="Tahoma" pitchFamily="34" charset="0"/>
@@ -11952,343 +12303,651 @@
           </a:p>
           <a:p>
             <a:r>
-              <a:rPr lang="fr-FR" sz="1200" dirty="0"/>
+              <a:rPr lang="fr-FR" sz="1200" dirty="0">
+                <a:solidFill>
+                  <a:schemeClr val="tx2"/>
+                </a:solidFill>
+              </a:rPr>
               <a:t>@</a:t>
             </a:r>
             <a:r>
-              <a:rPr lang="fr-FR" sz="1200" dirty="0" err="1"/>
+              <a:rPr lang="fr-FR" sz="1200" dirty="0" err="1">
+                <a:solidFill>
+                  <a:schemeClr val="tx2"/>
+                </a:solidFill>
+              </a:rPr>
               <a:t>Override</a:t>
             </a:r>
-            <a:endParaRPr lang="fr-FR" sz="1200" dirty="0"/>
-          </a:p>
-          <a:p>
-            <a:r>
-              <a:rPr lang="fr-FR" sz="1200" b="1" dirty="0"/>
+            <a:endParaRPr lang="fr-FR" sz="1200" dirty="0">
+              <a:solidFill>
+                <a:schemeClr val="tx2"/>
+              </a:solidFill>
+            </a:endParaRPr>
+          </a:p>
+          <a:p>
+            <a:r>
+              <a:rPr lang="fr-FR" sz="1200" b="1" dirty="0">
+                <a:solidFill>
+                  <a:schemeClr val="tx2"/>
+                </a:solidFill>
+              </a:rPr>
               <a:t>public List&lt;String&gt; </a:t>
             </a:r>
             <a:r>
-              <a:rPr lang="fr-FR" sz="1200" b="1" dirty="0" err="1"/>
+              <a:rPr lang="fr-FR" sz="1200" b="1" dirty="0" err="1">
+                <a:solidFill>
+                  <a:schemeClr val="tx2"/>
+                </a:solidFill>
+              </a:rPr>
               <a:t>getSymptoms</a:t>
             </a:r>
             <a:r>
-              <a:rPr lang="fr-FR" sz="1200" b="1" dirty="0"/>
+              <a:rPr lang="fr-FR" sz="1200" b="1" dirty="0">
+                <a:solidFill>
+                  <a:schemeClr val="tx2"/>
+                </a:solidFill>
+              </a:rPr>
               <a:t>(String </a:t>
             </a:r>
             <a:r>
-              <a:rPr lang="fr-FR" sz="1200" b="1" dirty="0" err="1"/>
+              <a:rPr lang="fr-FR" sz="1200" b="1" dirty="0" err="1">
+                <a:solidFill>
+                  <a:schemeClr val="tx2"/>
+                </a:solidFill>
+              </a:rPr>
               <a:t>filepath</a:t>
             </a:r>
             <a:r>
-              <a:rPr lang="fr-FR" sz="1200" b="1" dirty="0"/>
+              <a:rPr lang="fr-FR" sz="1200" b="1" dirty="0">
+                <a:solidFill>
+                  <a:schemeClr val="tx2"/>
+                </a:solidFill>
+              </a:rPr>
               <a:t>) </a:t>
             </a:r>
             <a:r>
-              <a:rPr lang="fr-FR" sz="1200" b="1" dirty="0" smtClean="0"/>
+              <a:rPr lang="fr-FR" sz="1200" b="1" dirty="0" smtClean="0">
+                <a:solidFill>
+                  <a:schemeClr val="tx2"/>
+                </a:solidFill>
+              </a:rPr>
               <a:t>{</a:t>
             </a:r>
           </a:p>
           <a:p>
-            <a:endParaRPr lang="fr-FR" sz="1200" b="1" dirty="0"/>
-          </a:p>
-          <a:p>
-            <a:r>
-              <a:rPr lang="fr-FR" sz="1200" dirty="0" smtClean="0"/>
+            <a:endParaRPr lang="fr-FR" sz="1200" b="1" dirty="0">
+              <a:solidFill>
+                <a:schemeClr val="tx2"/>
+              </a:solidFill>
+            </a:endParaRPr>
+          </a:p>
+          <a:p>
+            <a:r>
+              <a:rPr lang="fr-FR" sz="1200" dirty="0" smtClean="0">
+                <a:solidFill>
+                  <a:schemeClr val="tx2"/>
+                </a:solidFill>
+              </a:rPr>
               <a:t>             </a:t>
             </a:r>
             <a:r>
-              <a:rPr lang="fr-FR" sz="1200" dirty="0" err="1" smtClean="0"/>
+              <a:rPr lang="fr-FR" sz="1200" dirty="0" err="1" smtClean="0">
+                <a:solidFill>
+                  <a:schemeClr val="tx2"/>
+                </a:solidFill>
+              </a:rPr>
               <a:t>ArrayList</a:t>
             </a:r>
             <a:r>
-              <a:rPr lang="fr-FR" sz="1200" dirty="0" smtClean="0"/>
+              <a:rPr lang="fr-FR" sz="1200" dirty="0" smtClean="0">
+                <a:solidFill>
+                  <a:schemeClr val="tx2"/>
+                </a:solidFill>
+              </a:rPr>
               <a:t>&lt;String</a:t>
             </a:r>
             <a:r>
-              <a:rPr lang="fr-FR" sz="1200" dirty="0"/>
+              <a:rPr lang="fr-FR" sz="1200" dirty="0">
+                <a:solidFill>
+                  <a:schemeClr val="tx2"/>
+                </a:solidFill>
+              </a:rPr>
               <a:t>&gt; </a:t>
             </a:r>
             <a:r>
-              <a:rPr lang="fr-FR" sz="1200" dirty="0" err="1"/>
+              <a:rPr lang="fr-FR" sz="1200" dirty="0" err="1">
+                <a:solidFill>
+                  <a:schemeClr val="tx2"/>
+                </a:solidFill>
+              </a:rPr>
               <a:t>result</a:t>
             </a:r>
             <a:r>
-              <a:rPr lang="fr-FR" sz="1200" dirty="0"/>
+              <a:rPr lang="fr-FR" sz="1200" dirty="0">
+                <a:solidFill>
+                  <a:schemeClr val="tx2"/>
+                </a:solidFill>
+              </a:rPr>
               <a:t> = </a:t>
             </a:r>
             <a:r>
-              <a:rPr lang="fr-FR" sz="1200" b="1" dirty="0"/>
+              <a:rPr lang="fr-FR" sz="1200" b="1" dirty="0">
+                <a:solidFill>
+                  <a:schemeClr val="tx2"/>
+                </a:solidFill>
+              </a:rPr>
               <a:t>new </a:t>
             </a:r>
             <a:r>
-              <a:rPr lang="fr-FR" sz="1200" b="1" dirty="0" err="1"/>
+              <a:rPr lang="fr-FR" sz="1200" b="1" dirty="0" err="1">
+                <a:solidFill>
+                  <a:schemeClr val="tx2"/>
+                </a:solidFill>
+              </a:rPr>
               <a:t>ArrayList</a:t>
             </a:r>
             <a:r>
-              <a:rPr lang="fr-FR" sz="1200" b="1" dirty="0"/>
+              <a:rPr lang="fr-FR" sz="1200" b="1" dirty="0">
+                <a:solidFill>
+                  <a:schemeClr val="tx2"/>
+                </a:solidFill>
+              </a:rPr>
               <a:t>&lt;&gt;();</a:t>
             </a:r>
           </a:p>
           <a:p>
-            <a:endParaRPr lang="fr-FR" sz="1200" dirty="0"/>
+            <a:endParaRPr lang="fr-FR" sz="1200" dirty="0">
+              <a:solidFill>
+                <a:schemeClr val="tx2"/>
+              </a:solidFill>
+            </a:endParaRPr>
           </a:p>
           <a:p>
             <a:pPr lvl="1"/>
             <a:r>
-              <a:rPr lang="fr-FR" sz="1200" b="1" dirty="0"/>
+              <a:rPr lang="fr-FR" sz="1200" b="1" dirty="0">
+                <a:solidFill>
+                  <a:schemeClr val="tx2"/>
+                </a:solidFill>
+              </a:rPr>
               <a:t>if (</a:t>
             </a:r>
             <a:r>
-              <a:rPr lang="fr-FR" sz="1200" b="1" dirty="0" err="1"/>
+              <a:rPr lang="fr-FR" sz="1200" b="1" dirty="0" err="1">
+                <a:solidFill>
+                  <a:schemeClr val="tx2"/>
+                </a:solidFill>
+              </a:rPr>
               <a:t>filepath</a:t>
             </a:r>
             <a:r>
-              <a:rPr lang="fr-FR" sz="1200" b="1" dirty="0"/>
+              <a:rPr lang="fr-FR" sz="1200" b="1" dirty="0">
+                <a:solidFill>
+                  <a:schemeClr val="tx2"/>
+                </a:solidFill>
+              </a:rPr>
               <a:t> != </a:t>
             </a:r>
             <a:r>
-              <a:rPr lang="fr-FR" sz="1200" b="1" dirty="0" err="1"/>
+              <a:rPr lang="fr-FR" sz="1200" b="1" dirty="0" err="1">
+                <a:solidFill>
+                  <a:schemeClr val="tx2"/>
+                </a:solidFill>
+              </a:rPr>
               <a:t>null</a:t>
             </a:r>
             <a:r>
-              <a:rPr lang="fr-FR" sz="1200" b="1" dirty="0"/>
+              <a:rPr lang="fr-FR" sz="1200" b="1" dirty="0">
+                <a:solidFill>
+                  <a:schemeClr val="tx2"/>
+                </a:solidFill>
+              </a:rPr>
               <a:t>) {</a:t>
             </a:r>
           </a:p>
           <a:p>
             <a:pPr lvl="1"/>
             <a:r>
-              <a:rPr lang="en-US" sz="1200" b="1" dirty="0" smtClean="0"/>
+              <a:rPr lang="en-US" sz="1200" b="1" dirty="0" smtClean="0">
+                <a:solidFill>
+                  <a:schemeClr val="tx2"/>
+                </a:solidFill>
+              </a:rPr>
               <a:t>      try(</a:t>
             </a:r>
             <a:r>
-              <a:rPr lang="en-US" sz="1200" b="1" dirty="0" err="1" smtClean="0"/>
+              <a:rPr lang="en-US" sz="1200" b="1" dirty="0" err="1" smtClean="0">
+                <a:solidFill>
+                  <a:schemeClr val="tx2"/>
+                </a:solidFill>
+              </a:rPr>
               <a:t>BufferedReader</a:t>
             </a:r>
             <a:r>
-              <a:rPr lang="en-US" sz="1200" b="1" dirty="0" smtClean="0"/>
+              <a:rPr lang="en-US" sz="1200" b="1" dirty="0" smtClean="0">
+                <a:solidFill>
+                  <a:schemeClr val="tx2"/>
+                </a:solidFill>
+              </a:rPr>
               <a:t> </a:t>
             </a:r>
             <a:r>
-              <a:rPr lang="en-US" sz="1200" b="1" dirty="0"/>
+              <a:rPr lang="en-US" sz="1200" b="1" dirty="0">
+                <a:solidFill>
+                  <a:schemeClr val="tx2"/>
+                </a:solidFill>
+              </a:rPr>
               <a:t>reader = new </a:t>
             </a:r>
             <a:r>
-              <a:rPr lang="en-US" sz="1200" b="1" dirty="0" err="1"/>
+              <a:rPr lang="en-US" sz="1200" b="1" dirty="0" err="1">
+                <a:solidFill>
+                  <a:schemeClr val="tx2"/>
+                </a:solidFill>
+              </a:rPr>
               <a:t>BufferedReader</a:t>
             </a:r>
             <a:r>
-              <a:rPr lang="en-US" sz="1200" b="1" dirty="0"/>
+              <a:rPr lang="en-US" sz="1200" b="1" dirty="0">
+                <a:solidFill>
+                  <a:schemeClr val="tx2"/>
+                </a:solidFill>
+              </a:rPr>
               <a:t> (new </a:t>
             </a:r>
             <a:r>
-              <a:rPr lang="en-US" sz="1200" b="1" dirty="0" err="1"/>
+              <a:rPr lang="en-US" sz="1200" b="1" dirty="0" err="1">
+                <a:solidFill>
+                  <a:schemeClr val="tx2"/>
+                </a:solidFill>
+              </a:rPr>
               <a:t>FileReader</a:t>
             </a:r>
             <a:r>
-              <a:rPr lang="en-US" sz="1200" b="1" dirty="0"/>
+              <a:rPr lang="en-US" sz="1200" b="1" dirty="0">
+                <a:solidFill>
+                  <a:schemeClr val="tx2"/>
+                </a:solidFill>
+              </a:rPr>
               <a:t>(</a:t>
             </a:r>
             <a:r>
-              <a:rPr lang="en-US" sz="1200" b="1" dirty="0" err="1"/>
+              <a:rPr lang="en-US" sz="1200" b="1" dirty="0" err="1">
+                <a:solidFill>
+                  <a:schemeClr val="tx2"/>
+                </a:solidFill>
+              </a:rPr>
               <a:t>filepath</a:t>
             </a:r>
             <a:r>
-              <a:rPr lang="en-US" sz="1200" b="1" dirty="0"/>
+              <a:rPr lang="en-US" sz="1200" b="1" dirty="0">
+                <a:solidFill>
+                  <a:schemeClr val="tx2"/>
+                </a:solidFill>
+              </a:rPr>
               <a:t>))) {</a:t>
             </a:r>
           </a:p>
           <a:p>
             <a:pPr lvl="1"/>
             <a:r>
-              <a:rPr lang="fr-FR" sz="1200" dirty="0" smtClean="0"/>
+              <a:rPr lang="fr-FR" sz="1200" dirty="0" smtClean="0">
+                <a:solidFill>
+                  <a:schemeClr val="tx2"/>
+                </a:solidFill>
+              </a:rPr>
               <a:t>                String </a:t>
             </a:r>
             <a:r>
-              <a:rPr lang="fr-FR" sz="1200" dirty="0"/>
+              <a:rPr lang="fr-FR" sz="1200" dirty="0">
+                <a:solidFill>
+                  <a:schemeClr val="tx2"/>
+                </a:solidFill>
+              </a:rPr>
               <a:t>line = </a:t>
             </a:r>
             <a:r>
-              <a:rPr lang="fr-FR" sz="1200" dirty="0" err="1"/>
+              <a:rPr lang="fr-FR" sz="1200" dirty="0" err="1">
+                <a:solidFill>
+                  <a:schemeClr val="tx2"/>
+                </a:solidFill>
+              </a:rPr>
               <a:t>reader.readLine</a:t>
             </a:r>
             <a:r>
-              <a:rPr lang="fr-FR" sz="1200" dirty="0"/>
+              <a:rPr lang="fr-FR" sz="1200" dirty="0">
+                <a:solidFill>
+                  <a:schemeClr val="tx2"/>
+                </a:solidFill>
+              </a:rPr>
               <a:t>();</a:t>
             </a:r>
           </a:p>
           <a:p>
             <a:pPr lvl="2"/>
             <a:r>
-              <a:rPr lang="fr-FR" sz="1200" b="1" dirty="0" smtClean="0"/>
+              <a:rPr lang="fr-FR" sz="1200" b="1" dirty="0" smtClean="0">
+                <a:solidFill>
+                  <a:schemeClr val="tx2"/>
+                </a:solidFill>
+              </a:rPr>
               <a:t>   </a:t>
             </a:r>
             <a:r>
-              <a:rPr lang="fr-FR" sz="1200" b="1" dirty="0" err="1" smtClean="0"/>
+              <a:rPr lang="fr-FR" sz="1200" b="1" dirty="0" err="1" smtClean="0">
+                <a:solidFill>
+                  <a:schemeClr val="tx2"/>
+                </a:solidFill>
+              </a:rPr>
               <a:t>while</a:t>
             </a:r>
             <a:r>
-              <a:rPr lang="fr-FR" sz="1200" b="1" dirty="0" smtClean="0"/>
+              <a:rPr lang="fr-FR" sz="1200" b="1" dirty="0" smtClean="0">
+                <a:solidFill>
+                  <a:schemeClr val="tx2"/>
+                </a:solidFill>
+              </a:rPr>
               <a:t> </a:t>
             </a:r>
             <a:r>
-              <a:rPr lang="fr-FR" sz="1200" b="1" dirty="0"/>
+              <a:rPr lang="fr-FR" sz="1200" b="1" dirty="0">
+                <a:solidFill>
+                  <a:schemeClr val="tx2"/>
+                </a:solidFill>
+              </a:rPr>
               <a:t>(line != </a:t>
             </a:r>
             <a:r>
-              <a:rPr lang="fr-FR" sz="1200" b="1" dirty="0" err="1"/>
+              <a:rPr lang="fr-FR" sz="1200" b="1" dirty="0" err="1">
+                <a:solidFill>
+                  <a:schemeClr val="tx2"/>
+                </a:solidFill>
+              </a:rPr>
               <a:t>null</a:t>
             </a:r>
             <a:r>
-              <a:rPr lang="fr-FR" sz="1200" b="1" dirty="0"/>
+              <a:rPr lang="fr-FR" sz="1200" b="1" dirty="0">
+                <a:solidFill>
+                  <a:schemeClr val="tx2"/>
+                </a:solidFill>
+              </a:rPr>
               <a:t>) {</a:t>
             </a:r>
           </a:p>
           <a:p>
             <a:pPr lvl="2"/>
             <a:r>
-              <a:rPr lang="fr-FR" sz="1200" dirty="0" smtClean="0"/>
+              <a:rPr lang="fr-FR" sz="1200" dirty="0" smtClean="0">
+                <a:solidFill>
+                  <a:schemeClr val="tx2"/>
+                </a:solidFill>
+              </a:rPr>
               <a:t>           </a:t>
             </a:r>
             <a:r>
-              <a:rPr lang="fr-FR" sz="1200" dirty="0" err="1" smtClean="0"/>
+              <a:rPr lang="fr-FR" sz="1200" dirty="0" err="1" smtClean="0">
+                <a:solidFill>
+                  <a:schemeClr val="tx2"/>
+                </a:solidFill>
+              </a:rPr>
               <a:t>result.add</a:t>
             </a:r>
             <a:r>
-              <a:rPr lang="fr-FR" sz="1200" dirty="0" smtClean="0"/>
+              <a:rPr lang="fr-FR" sz="1200" dirty="0" smtClean="0">
+                <a:solidFill>
+                  <a:schemeClr val="tx2"/>
+                </a:solidFill>
+              </a:rPr>
               <a:t>(</a:t>
             </a:r>
             <a:r>
-              <a:rPr lang="fr-FR" sz="1200" dirty="0" err="1" smtClean="0"/>
+              <a:rPr lang="fr-FR" sz="1200" dirty="0" err="1" smtClean="0">
+                <a:solidFill>
+                  <a:schemeClr val="tx2"/>
+                </a:solidFill>
+              </a:rPr>
               <a:t>line.toLowerCase</a:t>
             </a:r>
             <a:r>
-              <a:rPr lang="fr-FR" sz="1200" dirty="0"/>
+              <a:rPr lang="fr-FR" sz="1200" dirty="0">
+                <a:solidFill>
+                  <a:schemeClr val="tx2"/>
+                </a:solidFill>
+              </a:rPr>
               <a:t>());</a:t>
             </a:r>
           </a:p>
           <a:p>
             <a:pPr lvl="2"/>
             <a:r>
-              <a:rPr lang="fr-FR" sz="1200" dirty="0" smtClean="0"/>
+              <a:rPr lang="fr-FR" sz="1200" dirty="0" smtClean="0">
+                <a:solidFill>
+                  <a:schemeClr val="tx2"/>
+                </a:solidFill>
+              </a:rPr>
               <a:t>           line </a:t>
             </a:r>
             <a:r>
-              <a:rPr lang="fr-FR" sz="1200" dirty="0"/>
+              <a:rPr lang="fr-FR" sz="1200" dirty="0">
+                <a:solidFill>
+                  <a:schemeClr val="tx2"/>
+                </a:solidFill>
+              </a:rPr>
               <a:t>= </a:t>
             </a:r>
             <a:r>
-              <a:rPr lang="fr-FR" sz="1200" dirty="0" err="1"/>
+              <a:rPr lang="fr-FR" sz="1200" dirty="0" err="1">
+                <a:solidFill>
+                  <a:schemeClr val="tx2"/>
+                </a:solidFill>
+              </a:rPr>
               <a:t>reader.readLine</a:t>
             </a:r>
             <a:r>
-              <a:rPr lang="fr-FR" sz="1200" dirty="0"/>
+              <a:rPr lang="fr-FR" sz="1200" dirty="0">
+                <a:solidFill>
+                  <a:schemeClr val="tx2"/>
+                </a:solidFill>
+              </a:rPr>
               <a:t>();</a:t>
             </a:r>
           </a:p>
           <a:p>
             <a:pPr lvl="2"/>
             <a:r>
-              <a:rPr lang="fr-FR" sz="1200" dirty="0" smtClean="0"/>
+              <a:rPr lang="fr-FR" sz="1200" dirty="0" smtClean="0">
+                <a:solidFill>
+                  <a:schemeClr val="tx2"/>
+                </a:solidFill>
+              </a:rPr>
               <a:t>       }</a:t>
             </a:r>
-            <a:endParaRPr lang="fr-FR" sz="1200" dirty="0"/>
+            <a:endParaRPr lang="fr-FR" sz="1200" dirty="0">
+              <a:solidFill>
+                <a:schemeClr val="tx2"/>
+              </a:solidFill>
+            </a:endParaRPr>
           </a:p>
           <a:p>
             <a:pPr lvl="1"/>
             <a:r>
-              <a:rPr lang="fr-FR" sz="1200" dirty="0" smtClean="0"/>
+              <a:rPr lang="fr-FR" sz="1200" dirty="0" smtClean="0">
+                <a:solidFill>
+                  <a:schemeClr val="tx2"/>
+                </a:solidFill>
+              </a:rPr>
               <a:t>	</a:t>
             </a:r>
             <a:r>
-              <a:rPr lang="fr-FR" sz="1200" dirty="0" err="1" smtClean="0"/>
+              <a:rPr lang="fr-FR" sz="1200" dirty="0" err="1" smtClean="0">
+                <a:solidFill>
+                  <a:schemeClr val="tx2"/>
+                </a:solidFill>
+              </a:rPr>
               <a:t>reader.</a:t>
             </a:r>
             <a:r>
-              <a:rPr lang="fr-FR" sz="1200" u="sng" dirty="0" err="1" smtClean="0"/>
+              <a:rPr lang="fr-FR" sz="1200" u="sng" dirty="0" err="1" smtClean="0">
+                <a:solidFill>
+                  <a:schemeClr val="tx2"/>
+                </a:solidFill>
+              </a:rPr>
               <a:t>close</a:t>
             </a:r>
             <a:r>
-              <a:rPr lang="fr-FR" sz="1200" u="sng" dirty="0"/>
+              <a:rPr lang="fr-FR" sz="1200" u="sng" dirty="0">
+                <a:solidFill>
+                  <a:schemeClr val="tx2"/>
+                </a:solidFill>
+              </a:rPr>
               <a:t>();</a:t>
             </a:r>
           </a:p>
           <a:p>
             <a:pPr lvl="1"/>
             <a:r>
-              <a:rPr lang="fr-FR" sz="1200" dirty="0"/>
+              <a:rPr lang="fr-FR" sz="1200" dirty="0">
+                <a:solidFill>
+                  <a:schemeClr val="tx2"/>
+                </a:solidFill>
+              </a:rPr>
               <a:t> </a:t>
             </a:r>
             <a:r>
-              <a:rPr lang="fr-FR" sz="1200" dirty="0" smtClean="0"/>
+              <a:rPr lang="fr-FR" sz="1200" dirty="0" smtClean="0">
+                <a:solidFill>
+                  <a:schemeClr val="tx2"/>
+                </a:solidFill>
+              </a:rPr>
               <a:t>     } </a:t>
             </a:r>
             <a:r>
-              <a:rPr lang="fr-FR" sz="1200" b="1" dirty="0"/>
+              <a:rPr lang="fr-FR" sz="1200" b="1" dirty="0">
+                <a:solidFill>
+                  <a:schemeClr val="tx2"/>
+                </a:solidFill>
+              </a:rPr>
               <a:t>catch (</a:t>
             </a:r>
             <a:r>
-              <a:rPr lang="fr-FR" sz="1200" b="1" dirty="0" err="1"/>
+              <a:rPr lang="fr-FR" sz="1200" b="1" dirty="0" err="1">
+                <a:solidFill>
+                  <a:schemeClr val="tx2"/>
+                </a:solidFill>
+              </a:rPr>
               <a:t>IOException</a:t>
             </a:r>
             <a:r>
-              <a:rPr lang="fr-FR" sz="1200" b="1" dirty="0"/>
+              <a:rPr lang="fr-FR" sz="1200" b="1" dirty="0">
+                <a:solidFill>
+                  <a:schemeClr val="tx2"/>
+                </a:solidFill>
+              </a:rPr>
               <a:t> e) {</a:t>
             </a:r>
           </a:p>
           <a:p>
             <a:pPr lvl="1"/>
             <a:r>
-              <a:rPr lang="fr-FR" sz="1200" dirty="0" smtClean="0"/>
+              <a:rPr lang="fr-FR" sz="1200" dirty="0" smtClean="0">
+                <a:solidFill>
+                  <a:schemeClr val="tx2"/>
+                </a:solidFill>
+              </a:rPr>
               <a:t>              </a:t>
             </a:r>
             <a:r>
-              <a:rPr lang="fr-FR" sz="1200" dirty="0" err="1" smtClean="0"/>
+              <a:rPr lang="fr-FR" sz="1200" dirty="0" err="1" smtClean="0">
+                <a:solidFill>
+                  <a:schemeClr val="tx2"/>
+                </a:solidFill>
+              </a:rPr>
               <a:t>e.</a:t>
             </a:r>
             <a:r>
-              <a:rPr lang="fr-FR" sz="1200" u="sng" dirty="0" err="1" smtClean="0"/>
+              <a:rPr lang="fr-FR" sz="1200" u="sng" dirty="0" err="1" smtClean="0">
+                <a:solidFill>
+                  <a:schemeClr val="tx2"/>
+                </a:solidFill>
+              </a:rPr>
               <a:t>printStackTrace</a:t>
             </a:r>
             <a:r>
-              <a:rPr lang="fr-FR" sz="1200" u="sng" dirty="0"/>
+              <a:rPr lang="fr-FR" sz="1200" u="sng" dirty="0">
+                <a:solidFill>
+                  <a:schemeClr val="tx2"/>
+                </a:solidFill>
+              </a:rPr>
               <a:t>();</a:t>
             </a:r>
           </a:p>
           <a:p>
             <a:pPr lvl="1"/>
             <a:r>
-              <a:rPr lang="fr-FR" sz="1200" dirty="0" smtClean="0"/>
+              <a:rPr lang="fr-FR" sz="1200" dirty="0" smtClean="0">
+                <a:solidFill>
+                  <a:schemeClr val="tx2"/>
+                </a:solidFill>
+              </a:rPr>
               <a:t>      }</a:t>
             </a:r>
-            <a:endParaRPr lang="fr-FR" sz="1200" dirty="0"/>
+            <a:endParaRPr lang="fr-FR" sz="1200" dirty="0">
+              <a:solidFill>
+                <a:schemeClr val="tx2"/>
+              </a:solidFill>
+            </a:endParaRPr>
           </a:p>
           <a:p>
             <a:pPr lvl="1"/>
             <a:r>
-              <a:rPr lang="fr-FR" sz="1200" dirty="0"/>
+              <a:rPr lang="fr-FR" sz="1200" dirty="0">
+                <a:solidFill>
+                  <a:schemeClr val="tx2"/>
+                </a:solidFill>
+              </a:rPr>
               <a:t>}</a:t>
             </a:r>
           </a:p>
           <a:p>
-            <a:endParaRPr lang="fr-FR" sz="1200" dirty="0"/>
-          </a:p>
-          <a:p>
-            <a:r>
-              <a:rPr lang="fr-FR" sz="1200" b="1" dirty="0" smtClean="0"/>
+            <a:endParaRPr lang="fr-FR" sz="1200" dirty="0">
+              <a:solidFill>
+                <a:schemeClr val="tx2"/>
+              </a:solidFill>
+            </a:endParaRPr>
+          </a:p>
+          <a:p>
+            <a:r>
+              <a:rPr lang="fr-FR" sz="1200" b="1" dirty="0" smtClean="0">
+                <a:solidFill>
+                  <a:schemeClr val="tx2"/>
+                </a:solidFill>
+              </a:rPr>
               <a:t>        return </a:t>
             </a:r>
             <a:r>
-              <a:rPr lang="fr-FR" sz="1200" b="1" dirty="0" err="1"/>
+              <a:rPr lang="fr-FR" sz="1200" b="1" dirty="0" err="1">
+                <a:solidFill>
+                  <a:schemeClr val="tx2"/>
+                </a:solidFill>
+              </a:rPr>
               <a:t>result</a:t>
             </a:r>
             <a:r>
-              <a:rPr lang="fr-FR" sz="1200" b="1" dirty="0"/>
+              <a:rPr lang="fr-FR" sz="1200" b="1" dirty="0">
+                <a:solidFill>
+                  <a:schemeClr val="tx2"/>
+                </a:solidFill>
+              </a:rPr>
               <a:t>;</a:t>
             </a:r>
           </a:p>
           <a:p>
             <a:r>
-              <a:rPr lang="fr-FR" sz="1200" dirty="0"/>
+              <a:rPr lang="fr-FR" sz="1200" dirty="0">
+                <a:solidFill>
+                  <a:schemeClr val="tx2"/>
+                </a:solidFill>
+              </a:rPr>
               <a:t>}</a:t>
             </a:r>
           </a:p>
@@ -12459,7 +13118,7 @@
         <p:spPr>
           <a:xfrm>
             <a:off x="179512" y="404664"/>
-            <a:ext cx="8640960" cy="3600986"/>
+            <a:ext cx="8640960" cy="3970318"/>
           </a:xfrm>
           <a:prstGeom prst="rect">
             <a:avLst/>
@@ -12593,244 +13252,498 @@
           <a:p>
             <a:r>
               <a:rPr lang="fr-FR" sz="1200" dirty="0" smtClean="0"/>
-              <a:t>     @</a:t>
-            </a:r>
-            <a:r>
-              <a:rPr lang="fr-FR" sz="1200" dirty="0" err="1" smtClean="0"/>
+              <a:t>     </a:t>
+            </a:r>
+            <a:r>
+              <a:rPr lang="fr-FR" sz="1200" dirty="0" smtClean="0">
+                <a:solidFill>
+                  <a:schemeClr val="tx2"/>
+                </a:solidFill>
+              </a:rPr>
+              <a:t>@</a:t>
+            </a:r>
+            <a:r>
+              <a:rPr lang="fr-FR" sz="1200" dirty="0" err="1" smtClean="0">
+                <a:solidFill>
+                  <a:schemeClr val="tx2"/>
+                </a:solidFill>
+              </a:rPr>
               <a:t>Override</a:t>
             </a:r>
-            <a:endParaRPr lang="fr-FR" sz="1200" dirty="0" smtClean="0"/>
-          </a:p>
-          <a:p>
-            <a:r>
-              <a:rPr lang="fr-FR" sz="1200" b="1" dirty="0" smtClean="0"/>
+            <a:endParaRPr lang="fr-FR" sz="1200" dirty="0" smtClean="0">
+              <a:solidFill>
+                <a:schemeClr val="tx2"/>
+              </a:solidFill>
+            </a:endParaRPr>
+          </a:p>
+          <a:p>
+            <a:r>
+              <a:rPr lang="fr-FR" sz="1200" b="1" dirty="0" smtClean="0">
+                <a:solidFill>
+                  <a:schemeClr val="tx2"/>
+                </a:solidFill>
+              </a:rPr>
               <a:t>     public </a:t>
             </a:r>
             <a:r>
-              <a:rPr lang="fr-FR" sz="1200" b="1" dirty="0" err="1" smtClean="0"/>
+              <a:rPr lang="fr-FR" sz="1200" b="1" dirty="0" err="1" smtClean="0">
+                <a:solidFill>
+                  <a:schemeClr val="tx2"/>
+                </a:solidFill>
+              </a:rPr>
               <a:t>void</a:t>
             </a:r>
             <a:r>
-              <a:rPr lang="fr-FR" sz="1200" b="1" dirty="0" smtClean="0"/>
+              <a:rPr lang="fr-FR" sz="1200" b="1" dirty="0" smtClean="0">
+                <a:solidFill>
+                  <a:schemeClr val="tx2"/>
+                </a:solidFill>
+              </a:rPr>
               <a:t> </a:t>
             </a:r>
             <a:r>
-              <a:rPr lang="fr-FR" sz="1200" b="1" dirty="0" err="1" smtClean="0"/>
+              <a:rPr lang="fr-FR" sz="1200" b="1" dirty="0" err="1" smtClean="0">
+                <a:solidFill>
+                  <a:schemeClr val="tx2"/>
+                </a:solidFill>
+              </a:rPr>
               <a:t>writeFile</a:t>
             </a:r>
             <a:r>
-              <a:rPr lang="fr-FR" sz="1200" b="1" dirty="0" smtClean="0"/>
+              <a:rPr lang="fr-FR" sz="1200" b="1" dirty="0" smtClean="0">
+                <a:solidFill>
+                  <a:schemeClr val="tx2"/>
+                </a:solidFill>
+              </a:rPr>
               <a:t>(String </a:t>
             </a:r>
             <a:r>
-              <a:rPr lang="fr-FR" sz="1200" b="1" dirty="0" err="1" smtClean="0"/>
+              <a:rPr lang="fr-FR" sz="1200" b="1" dirty="0" err="1" smtClean="0">
+                <a:solidFill>
+                  <a:schemeClr val="tx2"/>
+                </a:solidFill>
+              </a:rPr>
               <a:t>fileOut,Map</a:t>
             </a:r>
             <a:r>
-              <a:rPr lang="fr-FR" sz="1200" b="1" dirty="0" smtClean="0"/>
+              <a:rPr lang="fr-FR" sz="1200" b="1" dirty="0" smtClean="0">
+                <a:solidFill>
+                  <a:schemeClr val="tx2"/>
+                </a:solidFill>
+              </a:rPr>
               <a:t>&lt;String, </a:t>
             </a:r>
             <a:r>
-              <a:rPr lang="fr-FR" sz="1200" b="1" dirty="0" err="1" smtClean="0"/>
+              <a:rPr lang="fr-FR" sz="1200" b="1" dirty="0" err="1" smtClean="0">
+                <a:solidFill>
+                  <a:schemeClr val="tx2"/>
+                </a:solidFill>
+              </a:rPr>
               <a:t>Integer</a:t>
             </a:r>
             <a:r>
-              <a:rPr lang="fr-FR" sz="1200" b="1" dirty="0" smtClean="0"/>
+              <a:rPr lang="fr-FR" sz="1200" b="1" dirty="0" smtClean="0">
+                <a:solidFill>
+                  <a:schemeClr val="tx2"/>
+                </a:solidFill>
+              </a:rPr>
               <a:t>&gt; </a:t>
             </a:r>
             <a:r>
-              <a:rPr lang="fr-FR" sz="1200" b="1" dirty="0" err="1" smtClean="0"/>
+              <a:rPr lang="fr-FR" sz="1200" b="1" dirty="0" err="1" smtClean="0">
+                <a:solidFill>
+                  <a:schemeClr val="tx2"/>
+                </a:solidFill>
+              </a:rPr>
               <a:t>groupedSymptoms</a:t>
             </a:r>
             <a:r>
-              <a:rPr lang="fr-FR" sz="1200" b="1" dirty="0" smtClean="0"/>
-              <a:t>) {</a:t>
-            </a:r>
-          </a:p>
-          <a:p>
-            <a:r>
-              <a:rPr lang="fr-FR" sz="1200" b="1" dirty="0" smtClean="0"/>
-              <a:t>           </a:t>
-            </a:r>
-            <a:r>
-              <a:rPr lang="fr-FR" sz="1200" b="1" dirty="0" err="1" smtClean="0"/>
-              <a:t>try</a:t>
-            </a:r>
-            <a:r>
-              <a:rPr lang="fr-FR" sz="1200" b="1" dirty="0" smtClean="0"/>
-              <a:t>(</a:t>
-            </a:r>
-            <a:r>
-              <a:rPr lang="fr-FR" sz="1200" b="1" dirty="0" err="1" smtClean="0"/>
-              <a:t>FileWriter</a:t>
-            </a:r>
-            <a:r>
-              <a:rPr lang="fr-FR" sz="1200" b="1" dirty="0" smtClean="0"/>
-              <a:t> </a:t>
-            </a:r>
-            <a:r>
-              <a:rPr lang="fr-FR" sz="1200" b="1" dirty="0" err="1" smtClean="0"/>
-              <a:t>writer</a:t>
-            </a:r>
-            <a:r>
-              <a:rPr lang="fr-FR" sz="1200" b="1" dirty="0" smtClean="0"/>
-              <a:t> = new </a:t>
-            </a:r>
-            <a:r>
-              <a:rPr lang="fr-FR" sz="1200" b="1" dirty="0" err="1" smtClean="0"/>
-              <a:t>FileWriter</a:t>
-            </a:r>
-            <a:r>
-              <a:rPr lang="fr-FR" sz="1200" b="1" dirty="0" smtClean="0"/>
-              <a:t>(</a:t>
-            </a:r>
-            <a:r>
-              <a:rPr lang="fr-FR" sz="1200" b="1" dirty="0" err="1" smtClean="0"/>
-              <a:t>fileOut</a:t>
-            </a:r>
-            <a:r>
-              <a:rPr lang="fr-FR" sz="1200" b="1" dirty="0" smtClean="0"/>
-              <a:t>)) {            </a:t>
-            </a:r>
-          </a:p>
-          <a:p>
-            <a:pPr lvl="1"/>
-            <a:r>
-              <a:rPr lang="en-US" sz="1200" dirty="0" smtClean="0"/>
-              <a:t>            </a:t>
-            </a:r>
-            <a:r>
-              <a:rPr lang="en-US" sz="1200" b="1" dirty="0" smtClean="0"/>
-              <a:t>for (Entry&lt;String, Integer&gt; key : </a:t>
-            </a:r>
-            <a:r>
-              <a:rPr lang="en-US" sz="1200" b="1" dirty="0" err="1" smtClean="0"/>
-              <a:t>groupedSymptoms.entrySet</a:t>
-            </a:r>
-            <a:r>
-              <a:rPr lang="en-US" sz="1200" b="1" dirty="0" smtClean="0"/>
-              <a:t>()) {</a:t>
-            </a:r>
-          </a:p>
-          <a:p>
-            <a:pPr lvl="1"/>
-            <a:r>
-              <a:rPr lang="fr-FR" sz="1200" dirty="0" smtClean="0"/>
-              <a:t>                </a:t>
-            </a:r>
-            <a:r>
-              <a:rPr lang="fr-FR" sz="1200" dirty="0" err="1" smtClean="0"/>
-              <a:t>writer.write</a:t>
-            </a:r>
-            <a:r>
-              <a:rPr lang="fr-FR" sz="1200" dirty="0" smtClean="0"/>
-              <a:t>(</a:t>
-            </a:r>
-            <a:r>
-              <a:rPr lang="fr-FR" sz="1200" dirty="0" err="1" smtClean="0"/>
-              <a:t>key.getKey</a:t>
-            </a:r>
-            <a:r>
-              <a:rPr lang="fr-FR" sz="1200" dirty="0" smtClean="0"/>
-              <a:t>() + " = " + </a:t>
-            </a:r>
-            <a:r>
-              <a:rPr lang="fr-FR" sz="1200" dirty="0" err="1" smtClean="0"/>
-              <a:t>groupedSymptoms.get</a:t>
-            </a:r>
-            <a:r>
-              <a:rPr lang="fr-FR" sz="1200" dirty="0" smtClean="0"/>
-              <a:t>(</a:t>
-            </a:r>
-            <a:r>
-              <a:rPr lang="fr-FR" sz="1200" dirty="0" err="1" smtClean="0"/>
-              <a:t>key.getKey</a:t>
-            </a:r>
-            <a:r>
-              <a:rPr lang="fr-FR" sz="1200" dirty="0" smtClean="0"/>
-              <a:t>()) + "\n");</a:t>
-            </a:r>
-          </a:p>
-          <a:p>
-            <a:pPr lvl="1"/>
-            <a:r>
-              <a:rPr lang="fr-FR" sz="1200" dirty="0" smtClean="0"/>
-              <a:t>            }</a:t>
-            </a:r>
-          </a:p>
-          <a:p>
-            <a:r>
-              <a:rPr lang="fr-FR" sz="1200" dirty="0" smtClean="0"/>
-              <a:t>                 </a:t>
-            </a:r>
-            <a:r>
-              <a:rPr lang="fr-FR" sz="1200" dirty="0" err="1" smtClean="0"/>
-              <a:t>writer.</a:t>
-            </a:r>
-            <a:r>
-              <a:rPr lang="fr-FR" sz="1200" u="sng" dirty="0" err="1" smtClean="0"/>
-              <a:t>close</a:t>
-            </a:r>
-            <a:r>
-              <a:rPr lang="fr-FR" sz="1200" u="sng" dirty="0" smtClean="0"/>
-              <a:t>();</a:t>
-            </a:r>
-          </a:p>
-          <a:p>
-            <a:r>
-              <a:rPr lang="fr-FR" sz="1200" dirty="0" smtClean="0"/>
-              <a:t>            } </a:t>
-            </a:r>
-            <a:r>
-              <a:rPr lang="fr-FR" sz="1200" b="1" dirty="0" smtClean="0"/>
-              <a:t>catch (</a:t>
-            </a:r>
-            <a:r>
-              <a:rPr lang="fr-FR" sz="1200" b="1" dirty="0" err="1" smtClean="0"/>
-              <a:t>IOException</a:t>
-            </a:r>
-            <a:r>
-              <a:rPr lang="fr-FR" sz="1200" b="1" dirty="0" smtClean="0"/>
-              <a:t> e) {</a:t>
-            </a:r>
-          </a:p>
-          <a:p>
-            <a:r>
-              <a:rPr lang="fr-FR" sz="1200" dirty="0" smtClean="0"/>
-              <a:t>                  </a:t>
-            </a:r>
-            <a:r>
-              <a:rPr lang="fr-FR" sz="1200" dirty="0" err="1" smtClean="0"/>
-              <a:t>e.</a:t>
-            </a:r>
-            <a:r>
-              <a:rPr lang="fr-FR" sz="1200" u="sng" dirty="0" err="1" smtClean="0"/>
-              <a:t>printStackTrace</a:t>
-            </a:r>
-            <a:r>
-              <a:rPr lang="fr-FR" sz="1200" u="sng" dirty="0" smtClean="0"/>
-              <a:t>();</a:t>
-            </a:r>
-          </a:p>
-          <a:p>
-            <a:r>
-              <a:rPr lang="fr-FR" sz="1200" dirty="0" smtClean="0"/>
-              <a:t>             }</a:t>
-            </a:r>
-          </a:p>
-          <a:p>
-            <a:endParaRPr lang="fr-FR" sz="1200" dirty="0" smtClean="0"/>
-          </a:p>
-          <a:p>
-            <a:r>
-              <a:rPr lang="fr-FR" sz="1200" dirty="0" smtClean="0"/>
-              <a:t>       }</a:t>
-            </a:r>
+              <a:rPr lang="fr-FR" sz="1200" b="1" dirty="0" smtClean="0">
+                <a:solidFill>
+                  <a:schemeClr val="tx2"/>
+                </a:solidFill>
+              </a:rPr>
+              <a:t>) </a:t>
+            </a:r>
+            <a:r>
+              <a:rPr lang="fr-FR" sz="1200" b="1" dirty="0" smtClean="0">
+                <a:solidFill>
+                  <a:schemeClr val="tx2"/>
+                </a:solidFill>
+              </a:rPr>
+              <a:t>{</a:t>
+            </a:r>
+          </a:p>
+          <a:p>
             <a:endParaRPr lang="fr-FR" sz="1200" b="1" dirty="0" smtClean="0">
               <a:solidFill>
-                <a:schemeClr val="accent1">
-                  <a:lumMod val="75000"/>
-                </a:schemeClr>
+                <a:schemeClr val="tx2"/>
+              </a:solidFill>
+            </a:endParaRPr>
+          </a:p>
+          <a:p>
+            <a:r>
+              <a:rPr lang="fr-FR" sz="1200" b="1" dirty="0" smtClean="0">
+                <a:solidFill>
+                  <a:schemeClr val="tx2"/>
+                </a:solidFill>
+              </a:rPr>
+              <a:t>          </a:t>
+            </a:r>
+            <a:r>
+              <a:rPr lang="fr-FR" sz="1200" b="1" dirty="0" smtClean="0">
+                <a:solidFill>
+                  <a:schemeClr val="tx2"/>
+                </a:solidFill>
+              </a:rPr>
+              <a:t>    </a:t>
+            </a:r>
+            <a:r>
+              <a:rPr lang="fr-FR" sz="1200" b="1" dirty="0" err="1" smtClean="0">
+                <a:solidFill>
+                  <a:schemeClr val="tx2"/>
+                </a:solidFill>
+              </a:rPr>
+              <a:t>try</a:t>
+            </a:r>
+            <a:r>
+              <a:rPr lang="fr-FR" sz="1200" b="1" dirty="0" smtClean="0">
+                <a:solidFill>
+                  <a:schemeClr val="tx2"/>
+                </a:solidFill>
+              </a:rPr>
+              <a:t>(</a:t>
+            </a:r>
+            <a:r>
+              <a:rPr lang="fr-FR" sz="1200" b="1" dirty="0" err="1" smtClean="0">
+                <a:solidFill>
+                  <a:schemeClr val="tx2"/>
+                </a:solidFill>
+              </a:rPr>
+              <a:t>FileWriter</a:t>
+            </a:r>
+            <a:r>
+              <a:rPr lang="fr-FR" sz="1200" b="1" dirty="0" smtClean="0">
+                <a:solidFill>
+                  <a:schemeClr val="tx2"/>
+                </a:solidFill>
+              </a:rPr>
+              <a:t> </a:t>
+            </a:r>
+            <a:r>
+              <a:rPr lang="fr-FR" sz="1200" b="1" dirty="0" err="1" smtClean="0">
+                <a:solidFill>
+                  <a:schemeClr val="tx2"/>
+                </a:solidFill>
+              </a:rPr>
+              <a:t>writer</a:t>
+            </a:r>
+            <a:r>
+              <a:rPr lang="fr-FR" sz="1200" b="1" dirty="0" smtClean="0">
+                <a:solidFill>
+                  <a:schemeClr val="tx2"/>
+                </a:solidFill>
+              </a:rPr>
+              <a:t> = new </a:t>
+            </a:r>
+            <a:r>
+              <a:rPr lang="fr-FR" sz="1200" b="1" dirty="0" err="1" smtClean="0">
+                <a:solidFill>
+                  <a:schemeClr val="tx2"/>
+                </a:solidFill>
+              </a:rPr>
+              <a:t>FileWriter</a:t>
+            </a:r>
+            <a:r>
+              <a:rPr lang="fr-FR" sz="1200" b="1" dirty="0" smtClean="0">
+                <a:solidFill>
+                  <a:schemeClr val="tx2"/>
+                </a:solidFill>
+              </a:rPr>
+              <a:t>(</a:t>
+            </a:r>
+            <a:r>
+              <a:rPr lang="fr-FR" sz="1200" b="1" dirty="0" err="1" smtClean="0">
+                <a:solidFill>
+                  <a:schemeClr val="tx2"/>
+                </a:solidFill>
+              </a:rPr>
+              <a:t>fileOut</a:t>
+            </a:r>
+            <a:r>
+              <a:rPr lang="fr-FR" sz="1200" b="1" dirty="0" smtClean="0">
+                <a:solidFill>
+                  <a:schemeClr val="tx2"/>
+                </a:solidFill>
+              </a:rPr>
+              <a:t>)) {            </a:t>
+            </a:r>
+          </a:p>
+          <a:p>
+            <a:pPr lvl="1"/>
+            <a:r>
+              <a:rPr lang="en-US" sz="1200" dirty="0" smtClean="0">
+                <a:solidFill>
+                  <a:schemeClr val="tx2"/>
+                </a:solidFill>
+              </a:rPr>
+              <a:t>          </a:t>
+            </a:r>
+            <a:endParaRPr lang="en-US" sz="1200" dirty="0" smtClean="0">
+              <a:solidFill>
+                <a:schemeClr val="tx2"/>
+              </a:solidFill>
+            </a:endParaRPr>
+          </a:p>
+          <a:p>
+            <a:pPr lvl="1"/>
+            <a:r>
+              <a:rPr lang="en-US" sz="1200" dirty="0">
+                <a:solidFill>
+                  <a:schemeClr val="tx2"/>
+                </a:solidFill>
+              </a:rPr>
+              <a:t> </a:t>
+            </a:r>
+            <a:r>
+              <a:rPr lang="en-US" sz="1200" dirty="0" smtClean="0">
+                <a:solidFill>
+                  <a:schemeClr val="tx2"/>
+                </a:solidFill>
+              </a:rPr>
+              <a:t>       </a:t>
+            </a:r>
+            <a:r>
+              <a:rPr lang="en-US" sz="1200" dirty="0" smtClean="0">
+                <a:solidFill>
+                  <a:schemeClr val="tx2"/>
+                </a:solidFill>
+              </a:rPr>
+              <a:t>  </a:t>
+            </a:r>
+            <a:r>
+              <a:rPr lang="en-US" sz="1200" b="1" dirty="0" smtClean="0">
+                <a:solidFill>
+                  <a:schemeClr val="tx2"/>
+                </a:solidFill>
+              </a:rPr>
+              <a:t>for (Entry&lt;String, Integer&gt; key : </a:t>
+            </a:r>
+            <a:r>
+              <a:rPr lang="en-US" sz="1200" b="1" dirty="0" err="1" smtClean="0">
+                <a:solidFill>
+                  <a:schemeClr val="tx2"/>
+                </a:solidFill>
+              </a:rPr>
+              <a:t>groupedSymptoms.entrySet</a:t>
+            </a:r>
+            <a:r>
+              <a:rPr lang="en-US" sz="1200" b="1" dirty="0" smtClean="0">
+                <a:solidFill>
+                  <a:schemeClr val="tx2"/>
+                </a:solidFill>
+              </a:rPr>
+              <a:t>()) {</a:t>
+            </a:r>
+          </a:p>
+          <a:p>
+            <a:pPr lvl="1"/>
+            <a:r>
+              <a:rPr lang="fr-FR" sz="1200" dirty="0" smtClean="0">
+                <a:solidFill>
+                  <a:schemeClr val="tx2"/>
+                </a:solidFill>
+              </a:rPr>
+              <a:t>                </a:t>
+            </a:r>
+            <a:r>
+              <a:rPr lang="fr-FR" sz="1200" dirty="0" err="1" smtClean="0">
+                <a:solidFill>
+                  <a:schemeClr val="tx2"/>
+                </a:solidFill>
+              </a:rPr>
+              <a:t>writer.write</a:t>
+            </a:r>
+            <a:r>
+              <a:rPr lang="fr-FR" sz="1200" dirty="0" smtClean="0">
+                <a:solidFill>
+                  <a:schemeClr val="tx2"/>
+                </a:solidFill>
+              </a:rPr>
+              <a:t>(</a:t>
+            </a:r>
+            <a:r>
+              <a:rPr lang="fr-FR" sz="1200" dirty="0" err="1" smtClean="0">
+                <a:solidFill>
+                  <a:schemeClr val="tx2"/>
+                </a:solidFill>
+              </a:rPr>
+              <a:t>key.getKey</a:t>
+            </a:r>
+            <a:r>
+              <a:rPr lang="fr-FR" sz="1200" dirty="0" smtClean="0">
+                <a:solidFill>
+                  <a:schemeClr val="tx2"/>
+                </a:solidFill>
+              </a:rPr>
+              <a:t>() + " = " + </a:t>
+            </a:r>
+            <a:r>
+              <a:rPr lang="fr-FR" sz="1200" dirty="0" err="1" smtClean="0">
+                <a:solidFill>
+                  <a:schemeClr val="tx2"/>
+                </a:solidFill>
+              </a:rPr>
+              <a:t>groupedSymptoms.get</a:t>
+            </a:r>
+            <a:r>
+              <a:rPr lang="fr-FR" sz="1200" dirty="0" smtClean="0">
+                <a:solidFill>
+                  <a:schemeClr val="tx2"/>
+                </a:solidFill>
+              </a:rPr>
+              <a:t>(</a:t>
+            </a:r>
+            <a:r>
+              <a:rPr lang="fr-FR" sz="1200" dirty="0" err="1" smtClean="0">
+                <a:solidFill>
+                  <a:schemeClr val="tx2"/>
+                </a:solidFill>
+              </a:rPr>
+              <a:t>key.getKey</a:t>
+            </a:r>
+            <a:r>
+              <a:rPr lang="fr-FR" sz="1200" dirty="0" smtClean="0">
+                <a:solidFill>
+                  <a:schemeClr val="tx2"/>
+                </a:solidFill>
+              </a:rPr>
+              <a:t>()) + "\n");</a:t>
+            </a:r>
+          </a:p>
+          <a:p>
+            <a:pPr lvl="1"/>
+            <a:r>
+              <a:rPr lang="fr-FR" sz="1200" dirty="0" smtClean="0">
+                <a:solidFill>
+                  <a:schemeClr val="tx2"/>
+                </a:solidFill>
+              </a:rPr>
+              <a:t>            }</a:t>
+            </a:r>
+          </a:p>
+          <a:p>
+            <a:r>
+              <a:rPr lang="fr-FR" sz="1200" dirty="0" smtClean="0">
+                <a:solidFill>
+                  <a:schemeClr val="tx2"/>
+                </a:solidFill>
+              </a:rPr>
+              <a:t>                 </a:t>
+            </a:r>
+            <a:endParaRPr lang="fr-FR" sz="1200" u="sng" dirty="0" smtClean="0">
+              <a:solidFill>
+                <a:schemeClr val="tx2"/>
+              </a:solidFill>
+            </a:endParaRPr>
+          </a:p>
+          <a:p>
+            <a:r>
+              <a:rPr lang="fr-FR" sz="1200" dirty="0" smtClean="0">
+                <a:solidFill>
+                  <a:schemeClr val="tx2"/>
+                </a:solidFill>
+              </a:rPr>
+              <a:t>            } </a:t>
+            </a:r>
+            <a:r>
+              <a:rPr lang="fr-FR" sz="1200" b="1" dirty="0" smtClean="0">
+                <a:solidFill>
+                  <a:schemeClr val="tx2"/>
+                </a:solidFill>
+              </a:rPr>
+              <a:t>catch (</a:t>
+            </a:r>
+            <a:r>
+              <a:rPr lang="fr-FR" sz="1200" b="1" dirty="0" err="1" smtClean="0">
+                <a:solidFill>
+                  <a:schemeClr val="tx2"/>
+                </a:solidFill>
+              </a:rPr>
+              <a:t>IOException</a:t>
+            </a:r>
+            <a:r>
+              <a:rPr lang="fr-FR" sz="1200" b="1" dirty="0" smtClean="0">
+                <a:solidFill>
+                  <a:schemeClr val="tx2"/>
+                </a:solidFill>
+              </a:rPr>
+              <a:t> e) {</a:t>
+            </a:r>
+          </a:p>
+          <a:p>
+            <a:r>
+              <a:rPr lang="fr-FR" sz="1200" dirty="0" smtClean="0">
+                <a:solidFill>
+                  <a:schemeClr val="tx2"/>
+                </a:solidFill>
+              </a:rPr>
+              <a:t>                  </a:t>
+            </a:r>
+            <a:r>
+              <a:rPr lang="fr-FR" sz="1200" dirty="0" err="1" smtClean="0">
+                <a:solidFill>
+                  <a:schemeClr val="tx2"/>
+                </a:solidFill>
+              </a:rPr>
+              <a:t>e.</a:t>
+            </a:r>
+            <a:r>
+              <a:rPr lang="fr-FR" sz="1200" u="sng" dirty="0" err="1" smtClean="0">
+                <a:solidFill>
+                  <a:schemeClr val="tx2"/>
+                </a:solidFill>
+              </a:rPr>
+              <a:t>printStackTrace</a:t>
+            </a:r>
+            <a:r>
+              <a:rPr lang="fr-FR" sz="1200" u="sng" dirty="0" smtClean="0">
+                <a:solidFill>
+                  <a:schemeClr val="tx2"/>
+                </a:solidFill>
+              </a:rPr>
+              <a:t>();</a:t>
+            </a:r>
+          </a:p>
+          <a:p>
+            <a:r>
+              <a:rPr lang="fr-FR" sz="1200" dirty="0" smtClean="0">
+                <a:solidFill>
+                  <a:schemeClr val="tx2"/>
+                </a:solidFill>
+              </a:rPr>
+              <a:t>             }</a:t>
+            </a:r>
+          </a:p>
+          <a:p>
+            <a:endParaRPr lang="fr-FR" sz="1200" dirty="0" smtClean="0">
+              <a:solidFill>
+                <a:schemeClr val="tx2"/>
+              </a:solidFill>
+            </a:endParaRPr>
+          </a:p>
+          <a:p>
+            <a:r>
+              <a:rPr lang="fr-FR" sz="1200" dirty="0" smtClean="0">
+                <a:solidFill>
+                  <a:schemeClr val="tx2"/>
+                </a:solidFill>
+              </a:rPr>
+              <a:t>       }</a:t>
+            </a:r>
+            <a:endParaRPr lang="fr-FR" sz="1200" b="1" dirty="0" smtClean="0">
+              <a:solidFill>
+                <a:schemeClr val="tx2"/>
               </a:solidFill>
               <a:latin typeface="Tahoma" pitchFamily="34" charset="0"/>
               <a:ea typeface="Tahoma" pitchFamily="34" charset="0"/>
@@ -12894,14 +13807,6 @@
               </a:rPr>
               <a:t>7</a:t>
             </a:r>
-            <a:endParaRPr lang="fr-FR" sz="1200" b="1" dirty="0">
-              <a:solidFill>
-                <a:schemeClr val="bg1"/>
-              </a:solidFill>
-              <a:latin typeface="Tahoma" pitchFamily="34" charset="0"/>
-              <a:ea typeface="Tahoma" pitchFamily="34" charset="0"/>
-              <a:cs typeface="Tahoma" pitchFamily="34" charset="0"/>
-            </a:endParaRPr>
           </a:p>
         </p:txBody>
       </p:sp>
